--- a/Apresentação/Apresentacao.pptx
+++ b/Apresentação/Apresentacao.pptx
@@ -5,21 +5,17 @@
     <p:sldMasterId id="2147483660" r:id="rId1"/>
   </p:sldMasterIdLst>
   <p:notesMasterIdLst>
-    <p:notesMasterId r:id="rId14"/>
+    <p:notesMasterId r:id="rId10"/>
   </p:notesMasterIdLst>
   <p:sldIdLst>
     <p:sldId id="256" r:id="rId2"/>
-    <p:sldId id="258" r:id="rId3"/>
-    <p:sldId id="259" r:id="rId4"/>
-    <p:sldId id="260" r:id="rId5"/>
-    <p:sldId id="283" r:id="rId6"/>
-    <p:sldId id="284" r:id="rId7"/>
-    <p:sldId id="285" r:id="rId8"/>
-    <p:sldId id="286" r:id="rId9"/>
-    <p:sldId id="287" r:id="rId10"/>
-    <p:sldId id="288" r:id="rId11"/>
-    <p:sldId id="289" r:id="rId12"/>
-    <p:sldId id="282" r:id="rId13"/>
+    <p:sldId id="293" r:id="rId3"/>
+    <p:sldId id="294" r:id="rId4"/>
+    <p:sldId id="298" r:id="rId5"/>
+    <p:sldId id="295" r:id="rId6"/>
+    <p:sldId id="296" r:id="rId7"/>
+    <p:sldId id="297" r:id="rId8"/>
+    <p:sldId id="290" r:id="rId9"/>
   </p:sldIdLst>
   <p:sldSz cx="9144000" cy="6858000" type="screen4x3"/>
   <p:notesSz cx="6858000" cy="9144000"/>
@@ -120,7 +116,7 @@
   </p:defaultTextStyle>
   <p:extLst>
     <p:ext uri="{EFAFB233-063F-42B5-8137-9DF3F51BA10A}">
-      <p15:sldGuideLst xmlns:p15="http://schemas.microsoft.com/office/powerpoint/2012/main" xmlns="">
+      <p15:sldGuideLst xmlns:p15="http://schemas.microsoft.com/office/powerpoint/2012/main">
         <p15:guide id="1" orient="horz" pos="2160">
           <p15:clr>
             <a:srgbClr val="A4A3A4"/>
@@ -219,7 +215,7 @@
           <a:p>
             <a:fld id="{71E4F8E4-E698-D443-9DD4-6291FD74F3F2}" type="datetimeFigureOut">
               <a:rPr lang="en-US" smtClean="0"/>
-              <a:t>28/01/15</a:t>
+              <a:t>3/4/2015</a:t>
             </a:fld>
             <a:endParaRPr lang="pt-PT"/>
           </a:p>
@@ -378,7 +374,7 @@
           <a:p>
             <a:fld id="{CEBCE6B0-B0CC-9543-8BFC-92B50F9442D7}" type="slidenum">
               <a:rPr lang="pt-PT" smtClean="0"/>
-              <a:t>‹#›</a:t>
+              <a:t>‹nº›</a:t>
             </a:fld>
             <a:endParaRPr lang="pt-PT"/>
           </a:p>
@@ -506,7 +502,7 @@
       </p:grpSpPr>
       <p:sp>
         <p:nvSpPr>
-          <p:cNvPr id="2" name="Slide Image Placeholder 1"/>
+          <p:cNvPr id="2" name="Espaço Reservado para Imagem de Slide 1"/>
           <p:cNvSpPr>
             <a:spLocks noGrp="1" noRot="1" noChangeAspect="1"/>
           </p:cNvSpPr>
@@ -518,7 +514,7 @@
       </p:sp>
       <p:sp>
         <p:nvSpPr>
-          <p:cNvPr id="3" name="Notes Placeholder 2"/>
+          <p:cNvPr id="3" name="Espaço Reservado para Anotações 2"/>
           <p:cNvSpPr>
             <a:spLocks noGrp="1"/>
           </p:cNvSpPr>
@@ -531,13 +527,61 @@
           <a:bodyPr/>
           <a:lstStyle/>
           <a:p>
+            <a:r>
+              <a:rPr lang="pt-PT" dirty="0" smtClean="0"/>
+              <a:t>Esta</a:t>
+            </a:r>
+            <a:r>
+              <a:rPr lang="pt-PT" baseline="0" dirty="0" smtClean="0"/>
+              <a:t> é a espiral do processo, divide-se em 4 fases:</a:t>
+            </a:r>
+          </a:p>
+          <a:p>
+            <a:pPr marL="628650" lvl="1" indent="-171450">
+              <a:buFont typeface="Arial" panose="020B0604020202020204" pitchFamily="34" charset="0"/>
+              <a:buChar char="•"/>
+            </a:pPr>
+            <a:r>
+              <a:rPr lang="pt-PT" baseline="0" dirty="0" smtClean="0"/>
+              <a:t>Definição de objetivos;</a:t>
+            </a:r>
+          </a:p>
+          <a:p>
+            <a:pPr marL="628650" lvl="1" indent="-171450">
+              <a:buFont typeface="Arial" panose="020B0604020202020204" pitchFamily="34" charset="0"/>
+              <a:buChar char="•"/>
+            </a:pPr>
+            <a:r>
+              <a:rPr lang="pt-PT" baseline="0" dirty="0" smtClean="0"/>
+              <a:t>Identificar e avaliar riscos;</a:t>
+            </a:r>
+          </a:p>
+          <a:p>
+            <a:pPr marL="628650" lvl="1" indent="-171450">
+              <a:buFont typeface="Arial" panose="020B0604020202020204" pitchFamily="34" charset="0"/>
+              <a:buChar char="•"/>
+            </a:pPr>
+            <a:r>
+              <a:rPr lang="pt-PT" baseline="0" dirty="0" smtClean="0"/>
+              <a:t>Desenvolvimento e validação;</a:t>
+            </a:r>
+          </a:p>
+          <a:p>
+            <a:pPr marL="628650" lvl="1" indent="-171450">
+              <a:buFont typeface="Arial" panose="020B0604020202020204" pitchFamily="34" charset="0"/>
+              <a:buChar char="•"/>
+            </a:pPr>
+            <a:r>
+              <a:rPr lang="pt-PT" baseline="0" dirty="0" smtClean="0"/>
+              <a:t>Planeamento da próxima iteração  (se houver).	</a:t>
+            </a:r>
             <a:endParaRPr lang="pt-PT" dirty="0"/>
           </a:p>
         </p:txBody>
       </p:sp>
       <p:sp>
         <p:nvSpPr>
-          <p:cNvPr id="4" name="Slide Number Placeholder 3"/>
+          <p:cNvPr id="4" name="Espaço Reservado para Número de Slide 3"/>
           <p:cNvSpPr>
             <a:spLocks noGrp="1"/>
           </p:cNvSpPr>
@@ -561,7 +605,7 @@
     </p:spTree>
     <p:extLst>
       <p:ext uri="{BB962C8B-B14F-4D97-AF65-F5344CB8AC3E}">
-        <p14:creationId xmlns:p14="http://schemas.microsoft.com/office/powerpoint/2010/main" val="2954996581"/>
+        <p14:creationId xmlns:p14="http://schemas.microsoft.com/office/powerpoint/2010/main" val="3440839938"/>
       </p:ext>
     </p:extLst>
   </p:cSld>
@@ -590,7 +634,7 @@
       </p:grpSpPr>
       <p:sp>
         <p:nvSpPr>
-          <p:cNvPr id="2" name="Slide Image Placeholder 1"/>
+          <p:cNvPr id="2" name="Espaço Reservado para Imagem de Slide 1"/>
           <p:cNvSpPr>
             <a:spLocks noGrp="1" noRot="1" noChangeAspect="1"/>
           </p:cNvSpPr>
@@ -602,7 +646,7 @@
       </p:sp>
       <p:sp>
         <p:nvSpPr>
-          <p:cNvPr id="3" name="Notes Placeholder 2"/>
+          <p:cNvPr id="3" name="Espaço Reservado para Anotações 2"/>
           <p:cNvSpPr>
             <a:spLocks noGrp="1"/>
           </p:cNvSpPr>
@@ -621,7 +665,7 @@
       </p:sp>
       <p:sp>
         <p:nvSpPr>
-          <p:cNvPr id="4" name="Slide Number Placeholder 3"/>
+          <p:cNvPr id="4" name="Espaço Reservado para Número de Slide 3"/>
           <p:cNvSpPr>
             <a:spLocks noGrp="1"/>
           </p:cNvSpPr>
@@ -645,628 +689,7 @@
     </p:spTree>
     <p:extLst>
       <p:ext uri="{BB962C8B-B14F-4D97-AF65-F5344CB8AC3E}">
-        <p14:creationId xmlns:p14="http://schemas.microsoft.com/office/powerpoint/2010/main" val="2954996581"/>
-      </p:ext>
-    </p:extLst>
-  </p:cSld>
-  <p:clrMapOvr>
-    <a:masterClrMapping/>
-  </p:clrMapOvr>
-</p:notes>
-</file>
-
-<file path=ppt/notesSlides/notesSlide3.xml><?xml version="1.0" encoding="utf-8"?>
-<p:notes xmlns:a="http://schemas.openxmlformats.org/drawingml/2006/main" xmlns:r="http://schemas.openxmlformats.org/officeDocument/2006/relationships" xmlns:p="http://schemas.openxmlformats.org/presentationml/2006/main">
-  <p:cSld>
-    <p:spTree>
-      <p:nvGrpSpPr>
-        <p:cNvPr id="1" name=""/>
-        <p:cNvGrpSpPr/>
-        <p:nvPr/>
-      </p:nvGrpSpPr>
-      <p:grpSpPr>
-        <a:xfrm>
-          <a:off x="0" y="0"/>
-          <a:ext cx="0" cy="0"/>
-          <a:chOff x="0" y="0"/>
-          <a:chExt cx="0" cy="0"/>
-        </a:xfrm>
-      </p:grpSpPr>
-      <p:sp>
-        <p:nvSpPr>
-          <p:cNvPr id="2" name="Slide Image Placeholder 1"/>
-          <p:cNvSpPr>
-            <a:spLocks noGrp="1" noRot="1" noChangeAspect="1"/>
-          </p:cNvSpPr>
-          <p:nvPr>
-            <p:ph type="sldImg"/>
-          </p:nvPr>
-        </p:nvSpPr>
-        <p:spPr/>
-      </p:sp>
-      <p:sp>
-        <p:nvSpPr>
-          <p:cNvPr id="3" name="Notes Placeholder 2"/>
-          <p:cNvSpPr>
-            <a:spLocks noGrp="1"/>
-          </p:cNvSpPr>
-          <p:nvPr>
-            <p:ph type="body" idx="1"/>
-          </p:nvPr>
-        </p:nvSpPr>
-        <p:spPr/>
-        <p:txBody>
-          <a:bodyPr/>
-          <a:lstStyle/>
-          <a:p>
-            <a:endParaRPr lang="pt-PT" dirty="0"/>
-          </a:p>
-        </p:txBody>
-      </p:sp>
-      <p:sp>
-        <p:nvSpPr>
-          <p:cNvPr id="4" name="Slide Number Placeholder 3"/>
-          <p:cNvSpPr>
-            <a:spLocks noGrp="1"/>
-          </p:cNvSpPr>
-          <p:nvPr>
-            <p:ph type="sldNum" sz="quarter" idx="10"/>
-          </p:nvPr>
-        </p:nvSpPr>
-        <p:spPr/>
-        <p:txBody>
-          <a:bodyPr/>
-          <a:lstStyle/>
-          <a:p>
-            <a:fld id="{CEBCE6B0-B0CC-9543-8BFC-92B50F9442D7}" type="slidenum">
-              <a:rPr lang="pt-PT" smtClean="0"/>
-              <a:t>6</a:t>
-            </a:fld>
-            <a:endParaRPr lang="pt-PT"/>
-          </a:p>
-        </p:txBody>
-      </p:sp>
-    </p:spTree>
-    <p:extLst>
-      <p:ext uri="{BB962C8B-B14F-4D97-AF65-F5344CB8AC3E}">
-        <p14:creationId xmlns:p14="http://schemas.microsoft.com/office/powerpoint/2010/main" val="2954996581"/>
-      </p:ext>
-    </p:extLst>
-  </p:cSld>
-  <p:clrMapOvr>
-    <a:masterClrMapping/>
-  </p:clrMapOvr>
-</p:notes>
-</file>
-
-<file path=ppt/notesSlides/notesSlide4.xml><?xml version="1.0" encoding="utf-8"?>
-<p:notes xmlns:a="http://schemas.openxmlformats.org/drawingml/2006/main" xmlns:r="http://schemas.openxmlformats.org/officeDocument/2006/relationships" xmlns:p="http://schemas.openxmlformats.org/presentationml/2006/main">
-  <p:cSld>
-    <p:spTree>
-      <p:nvGrpSpPr>
-        <p:cNvPr id="1" name=""/>
-        <p:cNvGrpSpPr/>
-        <p:nvPr/>
-      </p:nvGrpSpPr>
-      <p:grpSpPr>
-        <a:xfrm>
-          <a:off x="0" y="0"/>
-          <a:ext cx="0" cy="0"/>
-          <a:chOff x="0" y="0"/>
-          <a:chExt cx="0" cy="0"/>
-        </a:xfrm>
-      </p:grpSpPr>
-      <p:sp>
-        <p:nvSpPr>
-          <p:cNvPr id="2" name="Slide Image Placeholder 1"/>
-          <p:cNvSpPr>
-            <a:spLocks noGrp="1" noRot="1" noChangeAspect="1"/>
-          </p:cNvSpPr>
-          <p:nvPr>
-            <p:ph type="sldImg"/>
-          </p:nvPr>
-        </p:nvSpPr>
-        <p:spPr/>
-      </p:sp>
-      <p:sp>
-        <p:nvSpPr>
-          <p:cNvPr id="3" name="Notes Placeholder 2"/>
-          <p:cNvSpPr>
-            <a:spLocks noGrp="1"/>
-          </p:cNvSpPr>
-          <p:nvPr>
-            <p:ph type="body" idx="1"/>
-          </p:nvPr>
-        </p:nvSpPr>
-        <p:spPr/>
-        <p:txBody>
-          <a:bodyPr/>
-          <a:lstStyle/>
-          <a:p>
-            <a:endParaRPr lang="pt-PT" dirty="0"/>
-          </a:p>
-        </p:txBody>
-      </p:sp>
-      <p:sp>
-        <p:nvSpPr>
-          <p:cNvPr id="4" name="Slide Number Placeholder 3"/>
-          <p:cNvSpPr>
-            <a:spLocks noGrp="1"/>
-          </p:cNvSpPr>
-          <p:nvPr>
-            <p:ph type="sldNum" sz="quarter" idx="10"/>
-          </p:nvPr>
-        </p:nvSpPr>
-        <p:spPr/>
-        <p:txBody>
-          <a:bodyPr/>
-          <a:lstStyle/>
-          <a:p>
-            <a:fld id="{CEBCE6B0-B0CC-9543-8BFC-92B50F9442D7}" type="slidenum">
-              <a:rPr lang="pt-PT" smtClean="0"/>
-              <a:t>7</a:t>
-            </a:fld>
-            <a:endParaRPr lang="pt-PT"/>
-          </a:p>
-        </p:txBody>
-      </p:sp>
-    </p:spTree>
-    <p:extLst>
-      <p:ext uri="{BB962C8B-B14F-4D97-AF65-F5344CB8AC3E}">
-        <p14:creationId xmlns:p14="http://schemas.microsoft.com/office/powerpoint/2010/main" val="2954996581"/>
-      </p:ext>
-    </p:extLst>
-  </p:cSld>
-  <p:clrMapOvr>
-    <a:masterClrMapping/>
-  </p:clrMapOvr>
-</p:notes>
-</file>
-
-<file path=ppt/notesSlides/notesSlide5.xml><?xml version="1.0" encoding="utf-8"?>
-<p:notes xmlns:a="http://schemas.openxmlformats.org/drawingml/2006/main" xmlns:r="http://schemas.openxmlformats.org/officeDocument/2006/relationships" xmlns:p="http://schemas.openxmlformats.org/presentationml/2006/main">
-  <p:cSld>
-    <p:spTree>
-      <p:nvGrpSpPr>
-        <p:cNvPr id="1" name=""/>
-        <p:cNvGrpSpPr/>
-        <p:nvPr/>
-      </p:nvGrpSpPr>
-      <p:grpSpPr>
-        <a:xfrm>
-          <a:off x="0" y="0"/>
-          <a:ext cx="0" cy="0"/>
-          <a:chOff x="0" y="0"/>
-          <a:chExt cx="0" cy="0"/>
-        </a:xfrm>
-      </p:grpSpPr>
-      <p:sp>
-        <p:nvSpPr>
-          <p:cNvPr id="2" name="Slide Image Placeholder 1"/>
-          <p:cNvSpPr>
-            <a:spLocks noGrp="1" noRot="1" noChangeAspect="1"/>
-          </p:cNvSpPr>
-          <p:nvPr>
-            <p:ph type="sldImg"/>
-          </p:nvPr>
-        </p:nvSpPr>
-        <p:spPr/>
-      </p:sp>
-      <p:sp>
-        <p:nvSpPr>
-          <p:cNvPr id="3" name="Notes Placeholder 2"/>
-          <p:cNvSpPr>
-            <a:spLocks noGrp="1"/>
-          </p:cNvSpPr>
-          <p:nvPr>
-            <p:ph type="body" idx="1"/>
-          </p:nvPr>
-        </p:nvSpPr>
-        <p:spPr/>
-        <p:txBody>
-          <a:bodyPr/>
-          <a:lstStyle/>
-          <a:p>
-            <a:endParaRPr lang="pt-PT" dirty="0"/>
-          </a:p>
-        </p:txBody>
-      </p:sp>
-      <p:sp>
-        <p:nvSpPr>
-          <p:cNvPr id="4" name="Slide Number Placeholder 3"/>
-          <p:cNvSpPr>
-            <a:spLocks noGrp="1"/>
-          </p:cNvSpPr>
-          <p:nvPr>
-            <p:ph type="sldNum" sz="quarter" idx="10"/>
-          </p:nvPr>
-        </p:nvSpPr>
-        <p:spPr/>
-        <p:txBody>
-          <a:bodyPr/>
-          <a:lstStyle/>
-          <a:p>
-            <a:fld id="{CEBCE6B0-B0CC-9543-8BFC-92B50F9442D7}" type="slidenum">
-              <a:rPr lang="pt-PT" smtClean="0"/>
-              <a:t>8</a:t>
-            </a:fld>
-            <a:endParaRPr lang="pt-PT"/>
-          </a:p>
-        </p:txBody>
-      </p:sp>
-    </p:spTree>
-    <p:extLst>
-      <p:ext uri="{BB962C8B-B14F-4D97-AF65-F5344CB8AC3E}">
-        <p14:creationId xmlns:p14="http://schemas.microsoft.com/office/powerpoint/2010/main" val="2954996581"/>
-      </p:ext>
-    </p:extLst>
-  </p:cSld>
-  <p:clrMapOvr>
-    <a:masterClrMapping/>
-  </p:clrMapOvr>
-</p:notes>
-</file>
-
-<file path=ppt/notesSlides/notesSlide6.xml><?xml version="1.0" encoding="utf-8"?>
-<p:notes xmlns:a="http://schemas.openxmlformats.org/drawingml/2006/main" xmlns:r="http://schemas.openxmlformats.org/officeDocument/2006/relationships" xmlns:p="http://schemas.openxmlformats.org/presentationml/2006/main">
-  <p:cSld>
-    <p:spTree>
-      <p:nvGrpSpPr>
-        <p:cNvPr id="1" name=""/>
-        <p:cNvGrpSpPr/>
-        <p:nvPr/>
-      </p:nvGrpSpPr>
-      <p:grpSpPr>
-        <a:xfrm>
-          <a:off x="0" y="0"/>
-          <a:ext cx="0" cy="0"/>
-          <a:chOff x="0" y="0"/>
-          <a:chExt cx="0" cy="0"/>
-        </a:xfrm>
-      </p:grpSpPr>
-      <p:sp>
-        <p:nvSpPr>
-          <p:cNvPr id="2" name="Slide Image Placeholder 1"/>
-          <p:cNvSpPr>
-            <a:spLocks noGrp="1" noRot="1" noChangeAspect="1"/>
-          </p:cNvSpPr>
-          <p:nvPr>
-            <p:ph type="sldImg"/>
-          </p:nvPr>
-        </p:nvSpPr>
-        <p:spPr/>
-      </p:sp>
-      <p:sp>
-        <p:nvSpPr>
-          <p:cNvPr id="3" name="Notes Placeholder 2"/>
-          <p:cNvSpPr>
-            <a:spLocks noGrp="1"/>
-          </p:cNvSpPr>
-          <p:nvPr>
-            <p:ph type="body" idx="1"/>
-          </p:nvPr>
-        </p:nvSpPr>
-        <p:spPr/>
-        <p:txBody>
-          <a:bodyPr/>
-          <a:lstStyle/>
-          <a:p>
-            <a:pPr marL="171450" indent="-171450">
-              <a:buFontTx/>
-              <a:buChar char="-"/>
-            </a:pPr>
-            <a:r>
-              <a:rPr lang="pt-PT" dirty="0" smtClean="0"/>
-              <a:t>SGBD:</a:t>
-            </a:r>
-            <a:r>
-              <a:rPr lang="pt-PT" baseline="0" dirty="0" smtClean="0"/>
-              <a:t> </a:t>
-            </a:r>
-            <a:r>
-              <a:rPr lang="pt-PT" baseline="0" dirty="0" err="1" smtClean="0"/>
-              <a:t>MySQL</a:t>
-            </a:r>
-            <a:r>
-              <a:rPr lang="pt-PT" baseline="0" dirty="0" smtClean="0"/>
-              <a:t>, Relacional, Robusto, </a:t>
-            </a:r>
-            <a:r>
-              <a:rPr lang="pt-PT" baseline="0" dirty="0" err="1" smtClean="0"/>
-              <a:t>Gratis</a:t>
-            </a:r>
-            <a:r>
-              <a:rPr lang="pt-PT" baseline="0" dirty="0" smtClean="0"/>
-              <a:t>, </a:t>
-            </a:r>
-            <a:r>
-              <a:rPr lang="pt-PT" baseline="0" dirty="0" err="1" smtClean="0"/>
-              <a:t>Multi-Plataforma</a:t>
-            </a:r>
-            <a:endParaRPr lang="pt-PT" baseline="0" dirty="0" smtClean="0"/>
-          </a:p>
-          <a:p>
-            <a:pPr marL="171450" indent="-171450">
-              <a:buFontTx/>
-              <a:buChar char="-"/>
-            </a:pPr>
-            <a:endParaRPr lang="pt-PT" dirty="0"/>
-          </a:p>
-        </p:txBody>
-      </p:sp>
-      <p:sp>
-        <p:nvSpPr>
-          <p:cNvPr id="4" name="Slide Number Placeholder 3"/>
-          <p:cNvSpPr>
-            <a:spLocks noGrp="1"/>
-          </p:cNvSpPr>
-          <p:nvPr>
-            <p:ph type="sldNum" sz="quarter" idx="10"/>
-          </p:nvPr>
-        </p:nvSpPr>
-        <p:spPr/>
-        <p:txBody>
-          <a:bodyPr/>
-          <a:lstStyle/>
-          <a:p>
-            <a:fld id="{CEBCE6B0-B0CC-9543-8BFC-92B50F9442D7}" type="slidenum">
-              <a:rPr lang="pt-PT" smtClean="0"/>
-              <a:t>9</a:t>
-            </a:fld>
-            <a:endParaRPr lang="pt-PT"/>
-          </a:p>
-        </p:txBody>
-      </p:sp>
-    </p:spTree>
-    <p:extLst>
-      <p:ext uri="{BB962C8B-B14F-4D97-AF65-F5344CB8AC3E}">
-        <p14:creationId xmlns:p14="http://schemas.microsoft.com/office/powerpoint/2010/main" val="2954996581"/>
-      </p:ext>
-    </p:extLst>
-  </p:cSld>
-  <p:clrMapOvr>
-    <a:masterClrMapping/>
-  </p:clrMapOvr>
-</p:notes>
-</file>
-
-<file path=ppt/notesSlides/notesSlide7.xml><?xml version="1.0" encoding="utf-8"?>
-<p:notes xmlns:a="http://schemas.openxmlformats.org/drawingml/2006/main" xmlns:r="http://schemas.openxmlformats.org/officeDocument/2006/relationships" xmlns:p="http://schemas.openxmlformats.org/presentationml/2006/main">
-  <p:cSld>
-    <p:spTree>
-      <p:nvGrpSpPr>
-        <p:cNvPr id="1" name=""/>
-        <p:cNvGrpSpPr/>
-        <p:nvPr/>
-      </p:nvGrpSpPr>
-      <p:grpSpPr>
-        <a:xfrm>
-          <a:off x="0" y="0"/>
-          <a:ext cx="0" cy="0"/>
-          <a:chOff x="0" y="0"/>
-          <a:chExt cx="0" cy="0"/>
-        </a:xfrm>
-      </p:grpSpPr>
-      <p:sp>
-        <p:nvSpPr>
-          <p:cNvPr id="2" name="Slide Image Placeholder 1"/>
-          <p:cNvSpPr>
-            <a:spLocks noGrp="1" noRot="1" noChangeAspect="1"/>
-          </p:cNvSpPr>
-          <p:nvPr>
-            <p:ph type="sldImg"/>
-          </p:nvPr>
-        </p:nvSpPr>
-        <p:spPr/>
-      </p:sp>
-      <p:sp>
-        <p:nvSpPr>
-          <p:cNvPr id="3" name="Notes Placeholder 2"/>
-          <p:cNvSpPr>
-            <a:spLocks noGrp="1"/>
-          </p:cNvSpPr>
-          <p:nvPr>
-            <p:ph type="body" idx="1"/>
-          </p:nvPr>
-        </p:nvSpPr>
-        <p:spPr/>
-        <p:txBody>
-          <a:bodyPr/>
-          <a:lstStyle/>
-          <a:p>
-            <a:pPr marL="171450" indent="-171450">
-              <a:buFontTx/>
-              <a:buChar char="-"/>
-            </a:pPr>
-            <a:r>
-              <a:rPr lang="pt-PT" dirty="0" smtClean="0"/>
-              <a:t>SGBD:</a:t>
-            </a:r>
-            <a:r>
-              <a:rPr lang="pt-PT" baseline="0" dirty="0" smtClean="0"/>
-              <a:t> </a:t>
-            </a:r>
-            <a:r>
-              <a:rPr lang="pt-PT" baseline="0" dirty="0" err="1" smtClean="0"/>
-              <a:t>MySQL</a:t>
-            </a:r>
-            <a:r>
-              <a:rPr lang="pt-PT" baseline="0" dirty="0" smtClean="0"/>
-              <a:t>, Relacional, Robusto, </a:t>
-            </a:r>
-            <a:r>
-              <a:rPr lang="pt-PT" baseline="0" dirty="0" err="1" smtClean="0"/>
-              <a:t>Gratis</a:t>
-            </a:r>
-            <a:r>
-              <a:rPr lang="pt-PT" baseline="0" dirty="0" smtClean="0"/>
-              <a:t>, </a:t>
-            </a:r>
-            <a:r>
-              <a:rPr lang="pt-PT" baseline="0" dirty="0" err="1" smtClean="0"/>
-              <a:t>Multi-Plataforma</a:t>
-            </a:r>
-            <a:endParaRPr lang="pt-PT" baseline="0" smtClean="0"/>
-          </a:p>
-          <a:p>
-            <a:pPr marL="171450" indent="-171450">
-              <a:buFontTx/>
-              <a:buChar char="-"/>
-            </a:pPr>
-            <a:endParaRPr lang="pt-PT" dirty="0"/>
-          </a:p>
-        </p:txBody>
-      </p:sp>
-      <p:sp>
-        <p:nvSpPr>
-          <p:cNvPr id="4" name="Slide Number Placeholder 3"/>
-          <p:cNvSpPr>
-            <a:spLocks noGrp="1"/>
-          </p:cNvSpPr>
-          <p:nvPr>
-            <p:ph type="sldNum" sz="quarter" idx="10"/>
-          </p:nvPr>
-        </p:nvSpPr>
-        <p:spPr/>
-        <p:txBody>
-          <a:bodyPr/>
-          <a:lstStyle/>
-          <a:p>
-            <a:fld id="{CEBCE6B0-B0CC-9543-8BFC-92B50F9442D7}" type="slidenum">
-              <a:rPr lang="pt-PT" smtClean="0"/>
-              <a:t>10</a:t>
-            </a:fld>
-            <a:endParaRPr lang="pt-PT"/>
-          </a:p>
-        </p:txBody>
-      </p:sp>
-    </p:spTree>
-    <p:extLst>
-      <p:ext uri="{BB962C8B-B14F-4D97-AF65-F5344CB8AC3E}">
-        <p14:creationId xmlns:p14="http://schemas.microsoft.com/office/powerpoint/2010/main" val="2954996581"/>
-      </p:ext>
-    </p:extLst>
-  </p:cSld>
-  <p:clrMapOvr>
-    <a:masterClrMapping/>
-  </p:clrMapOvr>
-</p:notes>
-</file>
-
-<file path=ppt/notesSlides/notesSlide8.xml><?xml version="1.0" encoding="utf-8"?>
-<p:notes xmlns:a="http://schemas.openxmlformats.org/drawingml/2006/main" xmlns:r="http://schemas.openxmlformats.org/officeDocument/2006/relationships" xmlns:p="http://schemas.openxmlformats.org/presentationml/2006/main">
-  <p:cSld>
-    <p:spTree>
-      <p:nvGrpSpPr>
-        <p:cNvPr id="1" name=""/>
-        <p:cNvGrpSpPr/>
-        <p:nvPr/>
-      </p:nvGrpSpPr>
-      <p:grpSpPr>
-        <a:xfrm>
-          <a:off x="0" y="0"/>
-          <a:ext cx="0" cy="0"/>
-          <a:chOff x="0" y="0"/>
-          <a:chExt cx="0" cy="0"/>
-        </a:xfrm>
-      </p:grpSpPr>
-      <p:sp>
-        <p:nvSpPr>
-          <p:cNvPr id="2" name="Slide Image Placeholder 1"/>
-          <p:cNvSpPr>
-            <a:spLocks noGrp="1" noRot="1" noChangeAspect="1"/>
-          </p:cNvSpPr>
-          <p:nvPr>
-            <p:ph type="sldImg"/>
-          </p:nvPr>
-        </p:nvSpPr>
-        <p:spPr/>
-      </p:sp>
-      <p:sp>
-        <p:nvSpPr>
-          <p:cNvPr id="3" name="Notes Placeholder 2"/>
-          <p:cNvSpPr>
-            <a:spLocks noGrp="1"/>
-          </p:cNvSpPr>
-          <p:nvPr>
-            <p:ph type="body" idx="1"/>
-          </p:nvPr>
-        </p:nvSpPr>
-        <p:spPr/>
-        <p:txBody>
-          <a:bodyPr/>
-          <a:lstStyle/>
-          <a:p>
-            <a:pPr marL="171450" indent="-171450">
-              <a:buFontTx/>
-              <a:buChar char="-"/>
-            </a:pPr>
-            <a:r>
-              <a:rPr lang="pt-PT" dirty="0" smtClean="0"/>
-              <a:t>SGBD:</a:t>
-            </a:r>
-            <a:r>
-              <a:rPr lang="pt-PT" baseline="0" dirty="0" smtClean="0"/>
-              <a:t> </a:t>
-            </a:r>
-            <a:r>
-              <a:rPr lang="pt-PT" baseline="0" dirty="0" err="1" smtClean="0"/>
-              <a:t>MySQL</a:t>
-            </a:r>
-            <a:r>
-              <a:rPr lang="pt-PT" baseline="0" dirty="0" smtClean="0"/>
-              <a:t>, Relacional, Robusto, </a:t>
-            </a:r>
-            <a:r>
-              <a:rPr lang="pt-PT" baseline="0" dirty="0" err="1" smtClean="0"/>
-              <a:t>Gratis</a:t>
-            </a:r>
-            <a:r>
-              <a:rPr lang="pt-PT" baseline="0" dirty="0" smtClean="0"/>
-              <a:t>, </a:t>
-            </a:r>
-            <a:r>
-              <a:rPr lang="pt-PT" baseline="0" dirty="0" err="1" smtClean="0"/>
-              <a:t>Multi-Plataforma</a:t>
-            </a:r>
-            <a:endParaRPr lang="pt-PT" baseline="0" smtClean="0"/>
-          </a:p>
-          <a:p>
-            <a:pPr marL="171450" indent="-171450">
-              <a:buFontTx/>
-              <a:buChar char="-"/>
-            </a:pPr>
-            <a:endParaRPr lang="pt-PT" dirty="0"/>
-          </a:p>
-        </p:txBody>
-      </p:sp>
-      <p:sp>
-        <p:nvSpPr>
-          <p:cNvPr id="4" name="Slide Number Placeholder 3"/>
-          <p:cNvSpPr>
-            <a:spLocks noGrp="1"/>
-          </p:cNvSpPr>
-          <p:nvPr>
-            <p:ph type="sldNum" sz="quarter" idx="10"/>
-          </p:nvPr>
-        </p:nvSpPr>
-        <p:spPr/>
-        <p:txBody>
-          <a:bodyPr/>
-          <a:lstStyle/>
-          <a:p>
-            <a:fld id="{CEBCE6B0-B0CC-9543-8BFC-92B50F9442D7}" type="slidenum">
-              <a:rPr lang="pt-PT" smtClean="0"/>
-              <a:t>11</a:t>
-            </a:fld>
-            <a:endParaRPr lang="pt-PT"/>
-          </a:p>
-        </p:txBody>
-      </p:sp>
-    </p:spTree>
-    <p:extLst>
-      <p:ext uri="{BB962C8B-B14F-4D97-AF65-F5344CB8AC3E}">
-        <p14:creationId xmlns:p14="http://schemas.microsoft.com/office/powerpoint/2010/main" val="2954996581"/>
+        <p14:creationId xmlns:p14="http://schemas.microsoft.com/office/powerpoint/2010/main" val="155866135"/>
       </p:ext>
     </p:extLst>
   </p:cSld>
@@ -1310,7 +733,7 @@
           <a:p>
             <a:fld id="{4251665B-C24A-4702-B522-6A4334602E03}" type="datetimeFigureOut">
               <a:rPr lang="en-US" smtClean="0"/>
-              <a:t>28/01/15</a:t>
+              <a:t>3/4/2015</a:t>
             </a:fld>
             <a:endParaRPr lang="en-US"/>
           </a:p>
@@ -1352,7 +775,7 @@
           <a:p>
             <a:fld id="{5FD889E0-CAB2-4699-909D-B9A88D47ACBE}" type="slidenum">
               <a:rPr lang="en-US" smtClean="0"/>
-              <a:t>‹#›</a:t>
+              <a:t>‹nº›</a:t>
             </a:fld>
             <a:endParaRPr lang="en-US"/>
           </a:p>
@@ -1779,56 +1202,6 @@
           </a:p>
         </p:txBody>
       </p:sp>
-      <p:sp>
-        <p:nvSpPr>
-          <p:cNvPr id="13" name="Rectangle 12"/>
-          <p:cNvSpPr/>
-          <p:nvPr/>
-        </p:nvSpPr>
-        <p:spPr>
-          <a:xfrm>
-            <a:off x="284163" y="6227064"/>
-            <a:ext cx="8574087" cy="173736"/>
-          </a:xfrm>
-          <a:prstGeom prst="rect">
-            <a:avLst/>
-          </a:prstGeom>
-          <a:solidFill>
-            <a:schemeClr val="tx1">
-              <a:lumMod val="85000"/>
-              <a:lumOff val="15000"/>
-              <a:alpha val="70000"/>
-            </a:schemeClr>
-          </a:solidFill>
-          <a:ln>
-            <a:noFill/>
-          </a:ln>
-        </p:spPr>
-        <p:style>
-          <a:lnRef idx="2">
-            <a:schemeClr val="accent1">
-              <a:shade val="50000"/>
-            </a:schemeClr>
-          </a:lnRef>
-          <a:fillRef idx="1">
-            <a:schemeClr val="accent1"/>
-          </a:fillRef>
-          <a:effectRef idx="0">
-            <a:schemeClr val="accent1"/>
-          </a:effectRef>
-          <a:fontRef idx="minor">
-            <a:schemeClr val="lt1"/>
-          </a:fontRef>
-        </p:style>
-        <p:txBody>
-          <a:bodyPr rtlCol="0" anchor="ctr"/>
-          <a:lstStyle/>
-          <a:p>
-            <a:pPr algn="ctr"/>
-            <a:endParaRPr/>
-          </a:p>
-        </p:txBody>
-      </p:sp>
     </p:spTree>
   </p:cSld>
   <p:clrMapOvr>
@@ -2067,7 +1440,7 @@
           <a:p>
             <a:fld id="{4251665B-C24A-4702-B522-6A4334602E03}" type="datetimeFigureOut">
               <a:rPr lang="en-US" smtClean="0"/>
-              <a:t>28/01/15</a:t>
+              <a:t>3/4/2015</a:t>
             </a:fld>
             <a:endParaRPr lang="en-US"/>
           </a:p>
@@ -2109,7 +1482,7 @@
           <a:p>
             <a:fld id="{5FD889E0-CAB2-4699-909D-B9A88D47ACBE}" type="slidenum">
               <a:rPr lang="en-US" smtClean="0"/>
-              <a:t>‹#›</a:t>
+              <a:t>‹nº›</a:t>
             </a:fld>
             <a:endParaRPr lang="en-US"/>
           </a:p>
@@ -2691,7 +2064,7 @@
           <a:p>
             <a:fld id="{4251665B-C24A-4702-B522-6A4334602E03}" type="datetimeFigureOut">
               <a:rPr lang="en-US" smtClean="0"/>
-              <a:t>28/01/15</a:t>
+              <a:t>3/4/2015</a:t>
             </a:fld>
             <a:endParaRPr lang="en-US"/>
           </a:p>
@@ -2733,7 +2106,7 @@
           <a:p>
             <a:fld id="{5FD889E0-CAB2-4699-909D-B9A88D47ACBE}" type="slidenum">
               <a:rPr lang="en-US" smtClean="0"/>
-              <a:t>‹#›</a:t>
+              <a:t>‹nº›</a:t>
             </a:fld>
             <a:endParaRPr lang="en-US"/>
           </a:p>
@@ -3114,7 +2487,7 @@
           <a:p>
             <a:fld id="{4251665B-C24A-4702-B522-6A4334602E03}" type="datetimeFigureOut">
               <a:rPr lang="en-US" smtClean="0"/>
-              <a:t>28/01/15</a:t>
+              <a:t>3/4/2015</a:t>
             </a:fld>
             <a:endParaRPr lang="en-US"/>
           </a:p>
@@ -3156,7 +2529,7 @@
           <a:p>
             <a:fld id="{5FD889E0-CAB2-4699-909D-B9A88D47ACBE}" type="slidenum">
               <a:rPr lang="en-US" smtClean="0"/>
-              <a:t>‹#›</a:t>
+              <a:t>‹nº›</a:t>
             </a:fld>
             <a:endParaRPr lang="en-US"/>
           </a:p>
@@ -3291,7 +2664,7 @@
           <a:p>
             <a:fld id="{4251665B-C24A-4702-B522-6A4334602E03}" type="datetimeFigureOut">
               <a:rPr lang="en-US" smtClean="0"/>
-              <a:t>28/01/15</a:t>
+              <a:t>3/4/2015</a:t>
             </a:fld>
             <a:endParaRPr lang="en-US"/>
           </a:p>
@@ -3333,7 +2706,7 @@
           <a:p>
             <a:fld id="{5FD889E0-CAB2-4699-909D-B9A88D47ACBE}" type="slidenum">
               <a:rPr lang="en-US" smtClean="0"/>
-              <a:t>‹#›</a:t>
+              <a:t>‹nº›</a:t>
             </a:fld>
             <a:endParaRPr lang="en-US"/>
           </a:p>
@@ -4108,7 +3481,7 @@
           <a:p>
             <a:fld id="{4251665B-C24A-4702-B522-6A4334602E03}" type="datetimeFigureOut">
               <a:rPr lang="en-US" smtClean="0"/>
-              <a:t>28/01/15</a:t>
+              <a:t>3/4/2015</a:t>
             </a:fld>
             <a:endParaRPr lang="en-US"/>
           </a:p>
@@ -4150,7 +3523,7 @@
           <a:p>
             <a:fld id="{5FD889E0-CAB2-4699-909D-B9A88D47ACBE}" type="slidenum">
               <a:rPr lang="en-US" smtClean="0"/>
-              <a:t>‹#›</a:t>
+              <a:t>‹nº›</a:t>
             </a:fld>
             <a:endParaRPr lang="en-US"/>
           </a:p>
@@ -4619,7 +3992,7 @@
           <a:p>
             <a:fld id="{4251665B-C24A-4702-B522-6A4334602E03}" type="datetimeFigureOut">
               <a:rPr lang="en-US" smtClean="0"/>
-              <a:t>28/01/15</a:t>
+              <a:t>3/4/2015</a:t>
             </a:fld>
             <a:endParaRPr lang="en-US"/>
           </a:p>
@@ -4661,7 +4034,7 @@
           <a:p>
             <a:fld id="{5FD889E0-CAB2-4699-909D-B9A88D47ACBE}" type="slidenum">
               <a:rPr lang="en-US" smtClean="0"/>
-              <a:t>‹#›</a:t>
+              <a:t>‹nº›</a:t>
             </a:fld>
             <a:endParaRPr lang="en-US"/>
           </a:p>
@@ -4852,7 +4225,7 @@
           <a:p>
             <a:fld id="{4251665B-C24A-4702-B522-6A4334602E03}" type="datetimeFigureOut">
               <a:rPr lang="en-US" smtClean="0"/>
-              <a:t>28/01/15</a:t>
+              <a:t>3/4/2015</a:t>
             </a:fld>
             <a:endParaRPr lang="en-US"/>
           </a:p>
@@ -4894,7 +4267,7 @@
           <a:p>
             <a:fld id="{5FD889E0-CAB2-4699-909D-B9A88D47ACBE}" type="slidenum">
               <a:rPr lang="en-US" smtClean="0"/>
-              <a:t>‹#›</a:t>
+              <a:t>‹nº›</a:t>
             </a:fld>
             <a:endParaRPr lang="en-US"/>
           </a:p>
@@ -5377,7 +4750,7 @@
           <a:p>
             <a:fld id="{4251665B-C24A-4702-B522-6A4334602E03}" type="datetimeFigureOut">
               <a:rPr lang="en-US" smtClean="0"/>
-              <a:t>28/01/15</a:t>
+              <a:t>3/4/2015</a:t>
             </a:fld>
             <a:endParaRPr lang="en-US"/>
           </a:p>
@@ -5419,7 +4792,7 @@
           <a:p>
             <a:fld id="{5FD889E0-CAB2-4699-909D-B9A88D47ACBE}" type="slidenum">
               <a:rPr lang="en-US" smtClean="0"/>
-              <a:t>‹#›</a:t>
+              <a:t>‹nº›</a:t>
             </a:fld>
             <a:endParaRPr lang="en-US"/>
           </a:p>
@@ -5512,7 +4885,7 @@
           <a:p>
             <a:fld id="{4251665B-C24A-4702-B522-6A4334602E03}" type="datetimeFigureOut">
               <a:rPr lang="en-US" smtClean="0"/>
-              <a:t>28/01/15</a:t>
+              <a:t>3/4/2015</a:t>
             </a:fld>
             <a:endParaRPr lang="en-US"/>
           </a:p>
@@ -5554,7 +4927,7 @@
           <a:p>
             <a:fld id="{5FD889E0-CAB2-4699-909D-B9A88D47ACBE}" type="slidenum">
               <a:rPr lang="en-US" smtClean="0"/>
-              <a:t>‹#›</a:t>
+              <a:t>‹nº›</a:t>
             </a:fld>
             <a:endParaRPr lang="en-US"/>
           </a:p>
@@ -6410,7 +5783,7 @@
           <a:p>
             <a:fld id="{4251665B-C24A-4702-B522-6A4334602E03}" type="datetimeFigureOut">
               <a:rPr lang="en-US" smtClean="0"/>
-              <a:t>28/01/15</a:t>
+              <a:t>3/4/2015</a:t>
             </a:fld>
             <a:endParaRPr lang="en-US"/>
           </a:p>
@@ -6452,7 +5825,7 @@
           <a:p>
             <a:fld id="{5FD889E0-CAB2-4699-909D-B9A88D47ACBE}" type="slidenum">
               <a:rPr lang="en-US" smtClean="0"/>
-              <a:t>‹#›</a:t>
+              <a:t>‹nº›</a:t>
             </a:fld>
             <a:endParaRPr lang="en-US"/>
           </a:p>
@@ -6533,7 +5906,7 @@
           <a:p>
             <a:fld id="{4251665B-C24A-4702-B522-6A4334602E03}" type="datetimeFigureOut">
               <a:rPr lang="en-US" smtClean="0"/>
-              <a:t>28/01/15</a:t>
+              <a:t>3/4/2015</a:t>
             </a:fld>
             <a:endParaRPr lang="en-US"/>
           </a:p>
@@ -6575,7 +5948,7 @@
           <a:p>
             <a:fld id="{5FD889E0-CAB2-4699-909D-B9A88D47ACBE}" type="slidenum">
               <a:rPr lang="en-US" smtClean="0"/>
-              <a:t>‹#›</a:t>
+              <a:t>‹nº›</a:t>
             </a:fld>
             <a:endParaRPr lang="en-US"/>
           </a:p>
@@ -7417,7 +6790,7 @@
           <a:p>
             <a:fld id="{4251665B-C24A-4702-B522-6A4334602E03}" type="datetimeFigureOut">
               <a:rPr lang="en-US" smtClean="0"/>
-              <a:t>28/01/15</a:t>
+              <a:t>3/4/2015</a:t>
             </a:fld>
             <a:endParaRPr lang="en-US"/>
           </a:p>
@@ -7459,7 +6832,7 @@
           <a:p>
             <a:fld id="{5FD889E0-CAB2-4699-909D-B9A88D47ACBE}" type="slidenum">
               <a:rPr lang="en-US" smtClean="0"/>
-              <a:t>‹#›</a:t>
+              <a:t>‹nº›</a:t>
             </a:fld>
             <a:endParaRPr lang="en-US"/>
           </a:p>
@@ -8065,7 +7438,7 @@
           <a:p>
             <a:fld id="{4251665B-C24A-4702-B522-6A4334602E03}" type="datetimeFigureOut">
               <a:rPr lang="en-US" smtClean="0"/>
-              <a:t>28/01/15</a:t>
+              <a:t>3/4/2015</a:t>
             </a:fld>
             <a:endParaRPr lang="en-US"/>
           </a:p>
@@ -8107,7 +7480,7 @@
           <a:p>
             <a:fld id="{5FD889E0-CAB2-4699-909D-B9A88D47ACBE}" type="slidenum">
               <a:rPr lang="en-US" smtClean="0"/>
-              <a:t>‹#›</a:t>
+              <a:t>‹nº›</a:t>
             </a:fld>
             <a:endParaRPr lang="en-US"/>
           </a:p>
@@ -8381,7 +7754,7 @@
           <a:p>
             <a:fld id="{4251665B-C24A-4702-B522-6A4334602E03}" type="datetimeFigureOut">
               <a:rPr lang="en-US" smtClean="0"/>
-              <a:t>28/01/15</a:t>
+              <a:t>3/4/2015</a:t>
             </a:fld>
             <a:endParaRPr lang="en-US"/>
           </a:p>
@@ -8423,7 +7796,7 @@
           <a:p>
             <a:fld id="{5FD889E0-CAB2-4699-909D-B9A88D47ACBE}" type="slidenum">
               <a:rPr lang="en-US" smtClean="0"/>
-              <a:t>‹#›</a:t>
+              <a:t>‹nº›</a:t>
             </a:fld>
             <a:endParaRPr lang="en-US"/>
           </a:p>
@@ -8471,7 +7844,7 @@
           <a:p>
             <a:fld id="{4251665B-C24A-4702-B522-6A4334602E03}" type="datetimeFigureOut">
               <a:rPr lang="en-US" smtClean="0"/>
-              <a:t>28/01/15</a:t>
+              <a:t>3/4/2015</a:t>
             </a:fld>
             <a:endParaRPr lang="en-US"/>
           </a:p>
@@ -8513,7 +7886,7 @@
           <a:p>
             <a:fld id="{5FD889E0-CAB2-4699-909D-B9A88D47ACBE}" type="slidenum">
               <a:rPr lang="en-US" smtClean="0"/>
-              <a:t>‹#›</a:t>
+              <a:t>‹nº›</a:t>
             </a:fld>
             <a:endParaRPr lang="en-US"/>
           </a:p>
@@ -8799,7 +8172,7 @@
           <a:p>
             <a:fld id="{4251665B-C24A-4702-B522-6A4334602E03}" type="datetimeFigureOut">
               <a:rPr lang="en-US" smtClean="0"/>
-              <a:t>28/01/15</a:t>
+              <a:t>3/4/2015</a:t>
             </a:fld>
             <a:endParaRPr lang="en-US"/>
           </a:p>
@@ -8878,7 +8251,7 @@
           <a:p>
             <a:fld id="{5FD889E0-CAB2-4699-909D-B9A88D47ACBE}" type="slidenum">
               <a:rPr lang="en-US" smtClean="0"/>
-              <a:t>‹#›</a:t>
+              <a:t>‹nº›</a:t>
             </a:fld>
             <a:endParaRPr lang="en-US"/>
           </a:p>
@@ -9364,36 +8737,6 @@
           </a:prstGeom>
         </p:spPr>
       </p:pic>
-      <p:pic>
-        <p:nvPicPr>
-          <p:cNvPr id="4" name="Picture 3"/>
-          <p:cNvPicPr>
-            <a:picLocks noChangeAspect="1"/>
-          </p:cNvPicPr>
-          <p:nvPr/>
-        </p:nvPicPr>
-        <p:blipFill>
-          <a:blip r:embed="rId3">
-            <a:extLst>
-              <a:ext uri="{28A0092B-C50C-407E-A947-70E740481C1C}">
-                <a14:useLocalDpi xmlns:a14="http://schemas.microsoft.com/office/drawing/2010/main" val="0"/>
-              </a:ext>
-            </a:extLst>
-          </a:blip>
-          <a:stretch>
-            <a:fillRect/>
-          </a:stretch>
-        </p:blipFill>
-        <p:spPr>
-          <a:xfrm>
-            <a:off x="268113" y="3423157"/>
-            <a:ext cx="8565444" cy="2706114"/>
-          </a:xfrm>
-          <a:prstGeom prst="rect">
-            <a:avLst/>
-          </a:prstGeom>
-        </p:spPr>
-      </p:pic>
       <p:sp>
         <p:nvSpPr>
           <p:cNvPr id="6" name="TextBox 5"/>
@@ -9402,7 +8745,7 @@
         </p:nvSpPr>
         <p:spPr>
           <a:xfrm>
-            <a:off x="380999" y="2314222"/>
+            <a:off x="380999" y="2381837"/>
             <a:ext cx="8452557" cy="1077218"/>
           </a:xfrm>
           <a:prstGeom prst="rect">
@@ -9418,21 +8761,17 @@
           <a:p>
             <a:pPr algn="ctr"/>
             <a:r>
+              <a:rPr lang="pt-PT" sz="2800" b="1" dirty="0" smtClean="0"/>
+              <a:t>Processo de Desenvolvimento de Software</a:t>
+            </a:r>
+          </a:p>
+          <a:p>
+            <a:pPr algn="ctr"/>
+            <a:r>
               <a:rPr lang="pt-PT" sz="3600" b="1" dirty="0" smtClean="0"/>
-              <a:t>Base de Dados</a:t>
-            </a:r>
-          </a:p>
-          <a:p>
-            <a:pPr algn="ctr"/>
-            <a:r>
-              <a:rPr lang="pt-PT" sz="2800" dirty="0" smtClean="0"/>
-              <a:t>Habitat for </a:t>
-            </a:r>
-            <a:r>
-              <a:rPr lang="pt-PT" sz="2800" dirty="0" err="1" smtClean="0"/>
-              <a:t>Humanity</a:t>
-            </a:r>
-            <a:endParaRPr lang="pt-PT" sz="2800" dirty="0"/>
+              <a:t>Modelo em Espiral</a:t>
+            </a:r>
+            <a:endParaRPr lang="pt-PT" sz="3600" b="1" dirty="0" smtClean="0"/>
           </a:p>
         </p:txBody>
       </p:sp>
@@ -9465,15 +8804,19 @@
             </a:r>
             <a:r>
               <a:rPr lang="pt-PT" b="1" dirty="0" smtClean="0"/>
-              <a:t>12:</a:t>
+              <a:t>:</a:t>
             </a:r>
             <a:r>
               <a:rPr lang="pt-PT" dirty="0" smtClean="0"/>
-              <a:t> </a:t>
+              <a:t> Ana Almeida, Bruno </a:t>
             </a:r>
             <a:r>
               <a:rPr lang="pt-PT" dirty="0" smtClean="0"/>
-              <a:t>Bruno Torres, João Mano, João Rua</a:t>
+              <a:t>Torres, João Mano, </a:t>
+            </a:r>
+            <a:r>
+              <a:rPr lang="pt-PT" dirty="0" smtClean="0"/>
+              <a:t>Patrícia Rocha</a:t>
             </a:r>
             <a:endParaRPr lang="pt-PT" dirty="0"/>
           </a:p>
@@ -9502,9 +8845,33 @@
           </a:p>
         </p:txBody>
       </p:sp>
-      <p:sp>
-        <p:nvSpPr>
-          <p:cNvPr id="11" name="Title 1"/>
+      <p:pic>
+        <p:nvPicPr>
+          <p:cNvPr id="8" name="Imagem 7"/>
+          <p:cNvPicPr>
+            <a:picLocks noChangeAspect="1"/>
+          </p:cNvPicPr>
+          <p:nvPr/>
+        </p:nvPicPr>
+        <p:blipFill>
+          <a:blip r:embed="rId3"/>
+          <a:stretch>
+            <a:fillRect/>
+          </a:stretch>
+        </p:blipFill>
+        <p:spPr>
+          <a:xfrm>
+            <a:off x="421341" y="3641654"/>
+            <a:ext cx="8299325" cy="2336604"/>
+          </a:xfrm>
+          <a:prstGeom prst="rect">
+            <a:avLst/>
+          </a:prstGeom>
+        </p:spPr>
+      </p:pic>
+      <p:sp>
+        <p:nvSpPr>
+          <p:cNvPr id="12" name="Title 1"/>
           <p:cNvSpPr txBox="1">
             <a:spLocks/>
           </p:cNvSpPr>
@@ -9512,7 +8879,7 @@
         </p:nvSpPr>
         <p:spPr>
           <a:xfrm>
-            <a:off x="2304973" y="599123"/>
+            <a:off x="2304973" y="757593"/>
             <a:ext cx="6415693" cy="893714"/>
           </a:xfrm>
           <a:prstGeom prst="rect">
@@ -9570,7 +8937,80 @@
               <a:rPr lang="en-US" sz="2600" dirty="0" err="1" smtClean="0"/>
               <a:t>Informática</a:t>
             </a:r>
-            <a:endParaRPr lang="en-US" sz="2400" dirty="0"/>
+            <a:r>
+              <a:rPr lang="en-US" sz="2600" dirty="0" smtClean="0"/>
+              <a:t/>
+            </a:r>
+            <a:br>
+              <a:rPr lang="en-US" sz="2600" dirty="0" smtClean="0"/>
+            </a:br>
+            <a:r>
+              <a:rPr lang="en-US" sz="2600" dirty="0" err="1" smtClean="0"/>
+              <a:t>Laboratórios</a:t>
+            </a:r>
+            <a:r>
+              <a:rPr lang="en-US" sz="2600" dirty="0" smtClean="0"/>
+              <a:t> de </a:t>
+            </a:r>
+            <a:r>
+              <a:rPr lang="en-US" sz="2600" dirty="0" err="1" smtClean="0"/>
+              <a:t>Informática</a:t>
+            </a:r>
+            <a:r>
+              <a:rPr lang="en-US" sz="2600" dirty="0" smtClean="0"/>
+              <a:t> IV</a:t>
+            </a:r>
+            <a:endParaRPr lang="en-US" sz="1900" dirty="0"/>
+          </a:p>
+        </p:txBody>
+      </p:sp>
+      <p:sp>
+        <p:nvSpPr>
+          <p:cNvPr id="14" name="Rectangle 12"/>
+          <p:cNvSpPr/>
+          <p:nvPr/>
+        </p:nvSpPr>
+        <p:spPr>
+          <a:xfrm>
+            <a:off x="284163" y="6227064"/>
+            <a:ext cx="8574087" cy="173736"/>
+          </a:xfrm>
+          <a:prstGeom prst="rect">
+            <a:avLst/>
+          </a:prstGeom>
+          <a:solidFill>
+            <a:schemeClr val="tx1">
+              <a:lumMod val="85000"/>
+              <a:lumOff val="15000"/>
+              <a:alpha val="70000"/>
+            </a:schemeClr>
+          </a:solidFill>
+          <a:ln>
+            <a:noFill/>
+          </a:ln>
+        </p:spPr>
+        <p:style>
+          <a:lnRef idx="2">
+            <a:schemeClr val="accent1">
+              <a:shade val="50000"/>
+            </a:schemeClr>
+          </a:lnRef>
+          <a:fillRef idx="1">
+            <a:schemeClr val="accent1"/>
+          </a:fillRef>
+          <a:effectRef idx="0">
+            <a:schemeClr val="accent1"/>
+          </a:effectRef>
+          <a:fontRef idx="minor">
+            <a:schemeClr val="lt1"/>
+          </a:fontRef>
+        </p:style>
+        <p:txBody>
+          <a:bodyPr rtlCol="0" anchor="ctr"/>
+          <a:lstStyle/>
+          <a:p>
+            <a:pPr algn="ctr"/>
+            <a:endParaRPr/>
           </a:p>
         </p:txBody>
       </p:sp>
@@ -9587,562 +9027,14 @@
   <p:timing>
     <p:tnLst>
       <p:par>
-        <p:cTn xmlns:p14="http://schemas.microsoft.com/office/powerpoint/2010/main" id="1" dur="indefinite" restart="never" nodeType="tmRoot"/>
+        <p:cTn id="1" dur="indefinite" restart="never" nodeType="tmRoot"/>
       </p:par>
     </p:tnLst>
   </p:timing>
 </p:sld>
 </file>
 
-<file path=ppt/slides/slide10.xml><?xml version="1.0" encoding="utf-8"?>
-<p:sld xmlns:a="http://schemas.openxmlformats.org/drawingml/2006/main" xmlns:r="http://schemas.openxmlformats.org/officeDocument/2006/relationships" xmlns:p="http://schemas.openxmlformats.org/presentationml/2006/main">
-  <p:cSld>
-    <p:spTree>
-      <p:nvGrpSpPr>
-        <p:cNvPr id="1" name=""/>
-        <p:cNvGrpSpPr/>
-        <p:nvPr/>
-      </p:nvGrpSpPr>
-      <p:grpSpPr>
-        <a:xfrm>
-          <a:off x="0" y="0"/>
-          <a:ext cx="0" cy="0"/>
-          <a:chOff x="0" y="0"/>
-          <a:chExt cx="0" cy="0"/>
-        </a:xfrm>
-      </p:grpSpPr>
-      <p:sp>
-        <p:nvSpPr>
-          <p:cNvPr id="2" name="Title 1"/>
-          <p:cNvSpPr>
-            <a:spLocks noGrp="1"/>
-          </p:cNvSpPr>
-          <p:nvPr>
-            <p:ph type="title"/>
-          </p:nvPr>
-        </p:nvSpPr>
-        <p:spPr>
-          <a:xfrm>
-            <a:off x="284163" y="409222"/>
-            <a:ext cx="8574087" cy="1189000"/>
-          </a:xfrm>
-          <a:solidFill>
-            <a:schemeClr val="tx1">
-              <a:lumMod val="75000"/>
-              <a:lumOff val="25000"/>
-            </a:schemeClr>
-          </a:solidFill>
-        </p:spPr>
-        <p:txBody>
-          <a:bodyPr/>
-          <a:lstStyle/>
-          <a:p>
-            <a:r>
-              <a:rPr lang="pt-PT" dirty="0" smtClean="0"/>
-              <a:t> </a:t>
-            </a:r>
-            <a:endParaRPr lang="pt-PT" dirty="0"/>
-          </a:p>
-        </p:txBody>
-      </p:sp>
-      <p:sp>
-        <p:nvSpPr>
-          <p:cNvPr id="4" name="Title 1"/>
-          <p:cNvSpPr txBox="1">
-            <a:spLocks/>
-          </p:cNvSpPr>
-          <p:nvPr/>
-        </p:nvSpPr>
-        <p:spPr>
-          <a:xfrm>
-            <a:off x="2304973" y="599123"/>
-            <a:ext cx="6415693" cy="893714"/>
-          </a:xfrm>
-          <a:prstGeom prst="rect">
-            <a:avLst/>
-          </a:prstGeom>
-          <a:noFill/>
-        </p:spPr>
-        <p:txBody>
-          <a:bodyPr vert="horz" lIns="91440" tIns="45720" rIns="91440" bIns="45720" rtlCol="0" anchor="ctr">
-            <a:noAutofit/>
-          </a:bodyPr>
-          <a:lstStyle>
-            <a:lvl1pPr algn="r" defTabSz="914400" rtl="0" eaLnBrk="1" latinLnBrk="0" hangingPunct="1">
-              <a:spcBef>
-                <a:spcPct val="0"/>
-              </a:spcBef>
-              <a:buNone/>
-              <a:defRPr sz="4200" kern="1200">
-                <a:solidFill>
-                  <a:schemeClr val="bg1"/>
-                </a:solidFill>
-                <a:latin typeface="+mj-lt"/>
-                <a:ea typeface="+mj-ea"/>
-                <a:cs typeface="+mj-cs"/>
-              </a:defRPr>
-            </a:lvl1pPr>
-          </a:lstStyle>
-          <a:p>
-            <a:pPr algn="ctr"/>
-            <a:r>
-              <a:rPr lang="pt-PT" sz="2600" dirty="0" smtClean="0"/>
-              <a:t>Licenciatura</a:t>
-            </a:r>
-            <a:r>
-              <a:rPr lang="en-US" sz="2600" dirty="0" smtClean="0"/>
-              <a:t> </a:t>
-            </a:r>
-            <a:r>
-              <a:rPr lang="pt-PT" sz="2600" dirty="0" smtClean="0"/>
-              <a:t>em</a:t>
-            </a:r>
-            <a:r>
-              <a:rPr lang="en-US" sz="2600" dirty="0" smtClean="0"/>
-              <a:t> </a:t>
-            </a:r>
-            <a:r>
-              <a:rPr lang="en-US" sz="2600" dirty="0" err="1" smtClean="0"/>
-              <a:t>Engenharia</a:t>
-            </a:r>
-            <a:r>
-              <a:rPr lang="en-US" sz="2600" dirty="0" smtClean="0"/>
-              <a:t> </a:t>
-            </a:r>
-            <a:r>
-              <a:rPr lang="en-US" sz="2600" dirty="0" err="1" smtClean="0"/>
-              <a:t>Informática</a:t>
-            </a:r>
-            <a:r>
-              <a:rPr lang="en-US" sz="2600" dirty="0" smtClean="0"/>
-              <a:t/>
-            </a:r>
-            <a:br>
-              <a:rPr lang="en-US" sz="2600" dirty="0" smtClean="0"/>
-            </a:br>
-            <a:r>
-              <a:rPr lang="en-US" sz="1900" dirty="0"/>
-              <a:t>Base de Dados: Habitat for Humanity</a:t>
-            </a:r>
-            <a:endParaRPr lang="en-US" sz="1900" dirty="0"/>
-          </a:p>
-        </p:txBody>
-      </p:sp>
-      <p:pic>
-        <p:nvPicPr>
-          <p:cNvPr id="7" name="Picture 6" descr="logo-ee.jpg"/>
-          <p:cNvPicPr>
-            <a:picLocks noChangeAspect="1"/>
-          </p:cNvPicPr>
-          <p:nvPr/>
-        </p:nvPicPr>
-        <p:blipFill>
-          <a:blip r:embed="rId3">
-            <a:extLst>
-              <a:ext uri="{28A0092B-C50C-407E-A947-70E740481C1C}">
-                <a14:useLocalDpi xmlns:a14="http://schemas.microsoft.com/office/drawing/2010/main" val="0"/>
-              </a:ext>
-            </a:extLst>
-          </a:blip>
-          <a:stretch>
-            <a:fillRect/>
-          </a:stretch>
-        </p:blipFill>
-        <p:spPr>
-          <a:xfrm>
-            <a:off x="380999" y="643427"/>
-            <a:ext cx="1778000" cy="889000"/>
-          </a:xfrm>
-          <a:prstGeom prst="rect">
-            <a:avLst/>
-          </a:prstGeom>
-        </p:spPr>
-      </p:pic>
-      <p:pic>
-        <p:nvPicPr>
-          <p:cNvPr id="9" name="Picture 8" descr="10951865_10203685831126547_1385522186_o.jpg"/>
-          <p:cNvPicPr>
-            <a:picLocks noChangeAspect="1"/>
-          </p:cNvPicPr>
-          <p:nvPr/>
-        </p:nvPicPr>
-        <p:blipFill>
-          <a:blip r:embed="rId4">
-            <a:extLst>
-              <a:ext uri="{28A0092B-C50C-407E-A947-70E740481C1C}">
-                <a14:useLocalDpi xmlns:a14="http://schemas.microsoft.com/office/drawing/2010/main" val="0"/>
-              </a:ext>
-            </a:extLst>
-          </a:blip>
-          <a:stretch>
-            <a:fillRect/>
-          </a:stretch>
-        </p:blipFill>
-        <p:spPr>
-          <a:xfrm>
-            <a:off x="0" y="2093281"/>
-            <a:ext cx="9144000" cy="4764719"/>
-          </a:xfrm>
-          <a:prstGeom prst="rect">
-            <a:avLst/>
-          </a:prstGeom>
-        </p:spPr>
-      </p:pic>
-      <p:sp>
-        <p:nvSpPr>
-          <p:cNvPr id="5" name="TextBox 4"/>
-          <p:cNvSpPr txBox="1"/>
-          <p:nvPr/>
-        </p:nvSpPr>
-        <p:spPr>
-          <a:xfrm>
-            <a:off x="381000" y="2093281"/>
-            <a:ext cx="8339666" cy="584776"/>
-          </a:xfrm>
-          <a:prstGeom prst="rect">
-            <a:avLst/>
-          </a:prstGeom>
-          <a:noFill/>
-        </p:spPr>
-        <p:txBody>
-          <a:bodyPr wrap="square" rtlCol="0">
-            <a:spAutoFit/>
-          </a:bodyPr>
-          <a:lstStyle/>
-          <a:p>
-            <a:r>
-              <a:rPr lang="pt-PT" sz="3200" b="1" dirty="0" smtClean="0"/>
-              <a:t>Modelo Físico</a:t>
-            </a:r>
-            <a:endParaRPr lang="en-US" sz="1900" dirty="0"/>
-          </a:p>
-        </p:txBody>
-      </p:sp>
-      <p:sp>
-        <p:nvSpPr>
-          <p:cNvPr id="10" name="TextBox 9"/>
-          <p:cNvSpPr txBox="1"/>
-          <p:nvPr/>
-        </p:nvSpPr>
-        <p:spPr>
-          <a:xfrm>
-            <a:off x="381000" y="2555351"/>
-            <a:ext cx="2251788" cy="369332"/>
-          </a:xfrm>
-          <a:prstGeom prst="rect">
-            <a:avLst/>
-          </a:prstGeom>
-          <a:noFill/>
-        </p:spPr>
-        <p:txBody>
-          <a:bodyPr wrap="none" rtlCol="0">
-            <a:spAutoFit/>
-          </a:bodyPr>
-          <a:lstStyle/>
-          <a:p>
-            <a:r>
-              <a:rPr lang="pt-PT" dirty="0" smtClean="0"/>
-              <a:t>An</a:t>
-            </a:r>
-            <a:r>
-              <a:rPr lang="pt-PT" dirty="0" smtClean="0"/>
-              <a:t>álise de Transações</a:t>
-            </a:r>
-            <a:endParaRPr lang="pt-PT" dirty="0"/>
-          </a:p>
-        </p:txBody>
-      </p:sp>
-    </p:spTree>
-    <p:extLst>
-      <p:ext uri="{BB962C8B-B14F-4D97-AF65-F5344CB8AC3E}">
-        <p14:creationId xmlns:p14="http://schemas.microsoft.com/office/powerpoint/2010/main" val="650522822"/>
-      </p:ext>
-    </p:extLst>
-  </p:cSld>
-  <p:clrMapOvr>
-    <a:masterClrMapping/>
-  </p:clrMapOvr>
-  <p:timing>
-    <p:tnLst>
-      <p:par>
-        <p:cTn xmlns:p14="http://schemas.microsoft.com/office/powerpoint/2010/main" id="1" dur="indefinite" restart="never" nodeType="tmRoot"/>
-      </p:par>
-    </p:tnLst>
-  </p:timing>
-</p:sld>
-</file>
-
-<file path=ppt/slides/slide11.xml><?xml version="1.0" encoding="utf-8"?>
-<p:sld xmlns:a="http://schemas.openxmlformats.org/drawingml/2006/main" xmlns:r="http://schemas.openxmlformats.org/officeDocument/2006/relationships" xmlns:p="http://schemas.openxmlformats.org/presentationml/2006/main">
-  <p:cSld>
-    <p:spTree>
-      <p:nvGrpSpPr>
-        <p:cNvPr id="1" name=""/>
-        <p:cNvGrpSpPr/>
-        <p:nvPr/>
-      </p:nvGrpSpPr>
-      <p:grpSpPr>
-        <a:xfrm>
-          <a:off x="0" y="0"/>
-          <a:ext cx="0" cy="0"/>
-          <a:chOff x="0" y="0"/>
-          <a:chExt cx="0" cy="0"/>
-        </a:xfrm>
-      </p:grpSpPr>
-      <p:sp>
-        <p:nvSpPr>
-          <p:cNvPr id="2" name="Title 1"/>
-          <p:cNvSpPr>
-            <a:spLocks noGrp="1"/>
-          </p:cNvSpPr>
-          <p:nvPr>
-            <p:ph type="title"/>
-          </p:nvPr>
-        </p:nvSpPr>
-        <p:spPr>
-          <a:xfrm>
-            <a:off x="284163" y="409222"/>
-            <a:ext cx="8574087" cy="1189000"/>
-          </a:xfrm>
-          <a:solidFill>
-            <a:schemeClr val="tx1">
-              <a:lumMod val="75000"/>
-              <a:lumOff val="25000"/>
-            </a:schemeClr>
-          </a:solidFill>
-        </p:spPr>
-        <p:txBody>
-          <a:bodyPr/>
-          <a:lstStyle/>
-          <a:p>
-            <a:r>
-              <a:rPr lang="pt-PT" dirty="0" smtClean="0"/>
-              <a:t> </a:t>
-            </a:r>
-            <a:endParaRPr lang="pt-PT" dirty="0"/>
-          </a:p>
-        </p:txBody>
-      </p:sp>
-      <p:sp>
-        <p:nvSpPr>
-          <p:cNvPr id="4" name="Title 1"/>
-          <p:cNvSpPr txBox="1">
-            <a:spLocks/>
-          </p:cNvSpPr>
-          <p:nvPr/>
-        </p:nvSpPr>
-        <p:spPr>
-          <a:xfrm>
-            <a:off x="2304973" y="599123"/>
-            <a:ext cx="6415693" cy="893714"/>
-          </a:xfrm>
-          <a:prstGeom prst="rect">
-            <a:avLst/>
-          </a:prstGeom>
-          <a:noFill/>
-        </p:spPr>
-        <p:txBody>
-          <a:bodyPr vert="horz" lIns="91440" tIns="45720" rIns="91440" bIns="45720" rtlCol="0" anchor="ctr">
-            <a:noAutofit/>
-          </a:bodyPr>
-          <a:lstStyle>
-            <a:lvl1pPr algn="r" defTabSz="914400" rtl="0" eaLnBrk="1" latinLnBrk="0" hangingPunct="1">
-              <a:spcBef>
-                <a:spcPct val="0"/>
-              </a:spcBef>
-              <a:buNone/>
-              <a:defRPr sz="4200" kern="1200">
-                <a:solidFill>
-                  <a:schemeClr val="bg1"/>
-                </a:solidFill>
-                <a:latin typeface="+mj-lt"/>
-                <a:ea typeface="+mj-ea"/>
-                <a:cs typeface="+mj-cs"/>
-              </a:defRPr>
-            </a:lvl1pPr>
-          </a:lstStyle>
-          <a:p>
-            <a:pPr algn="ctr"/>
-            <a:r>
-              <a:rPr lang="pt-PT" sz="2600" dirty="0" smtClean="0"/>
-              <a:t>Licenciatura</a:t>
-            </a:r>
-            <a:r>
-              <a:rPr lang="en-US" sz="2600" dirty="0" smtClean="0"/>
-              <a:t> </a:t>
-            </a:r>
-            <a:r>
-              <a:rPr lang="pt-PT" sz="2600" dirty="0" smtClean="0"/>
-              <a:t>em</a:t>
-            </a:r>
-            <a:r>
-              <a:rPr lang="en-US" sz="2600" dirty="0" smtClean="0"/>
-              <a:t> </a:t>
-            </a:r>
-            <a:r>
-              <a:rPr lang="en-US" sz="2600" dirty="0" err="1" smtClean="0"/>
-              <a:t>Engenharia</a:t>
-            </a:r>
-            <a:r>
-              <a:rPr lang="en-US" sz="2600" dirty="0" smtClean="0"/>
-              <a:t> </a:t>
-            </a:r>
-            <a:r>
-              <a:rPr lang="en-US" sz="2600" dirty="0" err="1" smtClean="0"/>
-              <a:t>Informática</a:t>
-            </a:r>
-            <a:r>
-              <a:rPr lang="en-US" sz="2600" dirty="0" smtClean="0"/>
-              <a:t/>
-            </a:r>
-            <a:br>
-              <a:rPr lang="en-US" sz="2600" dirty="0" smtClean="0"/>
-            </a:br>
-            <a:r>
-              <a:rPr lang="en-US" sz="1900" dirty="0"/>
-              <a:t>Base de Dados: Habitat for Humanity</a:t>
-            </a:r>
-            <a:endParaRPr lang="en-US" sz="1900" dirty="0"/>
-          </a:p>
-        </p:txBody>
-      </p:sp>
-      <p:pic>
-        <p:nvPicPr>
-          <p:cNvPr id="7" name="Picture 6" descr="logo-ee.jpg"/>
-          <p:cNvPicPr>
-            <a:picLocks noChangeAspect="1"/>
-          </p:cNvPicPr>
-          <p:nvPr/>
-        </p:nvPicPr>
-        <p:blipFill>
-          <a:blip r:embed="rId3">
-            <a:extLst>
-              <a:ext uri="{28A0092B-C50C-407E-A947-70E740481C1C}">
-                <a14:useLocalDpi xmlns:a14="http://schemas.microsoft.com/office/drawing/2010/main" val="0"/>
-              </a:ext>
-            </a:extLst>
-          </a:blip>
-          <a:stretch>
-            <a:fillRect/>
-          </a:stretch>
-        </p:blipFill>
-        <p:spPr>
-          <a:xfrm>
-            <a:off x="380999" y="643427"/>
-            <a:ext cx="1778000" cy="889000"/>
-          </a:xfrm>
-          <a:prstGeom prst="rect">
-            <a:avLst/>
-          </a:prstGeom>
-        </p:spPr>
-      </p:pic>
-      <p:sp>
-        <p:nvSpPr>
-          <p:cNvPr id="5" name="TextBox 4"/>
-          <p:cNvSpPr txBox="1"/>
-          <p:nvPr/>
-        </p:nvSpPr>
-        <p:spPr>
-          <a:xfrm>
-            <a:off x="381000" y="2093281"/>
-            <a:ext cx="8339666" cy="584776"/>
-          </a:xfrm>
-          <a:prstGeom prst="rect">
-            <a:avLst/>
-          </a:prstGeom>
-          <a:noFill/>
-        </p:spPr>
-        <p:txBody>
-          <a:bodyPr wrap="square" rtlCol="0">
-            <a:spAutoFit/>
-          </a:bodyPr>
-          <a:lstStyle/>
-          <a:p>
-            <a:r>
-              <a:rPr lang="pt-PT" sz="3200" b="1" dirty="0" smtClean="0"/>
-              <a:t>Conclus</a:t>
-            </a:r>
-            <a:r>
-              <a:rPr lang="pt-PT" sz="3200" b="1" dirty="0" smtClean="0"/>
-              <a:t>ão</a:t>
-            </a:r>
-            <a:endParaRPr lang="en-US" sz="1900" dirty="0"/>
-          </a:p>
-        </p:txBody>
-      </p:sp>
-      <p:sp>
-        <p:nvSpPr>
-          <p:cNvPr id="3" name="TextBox 2"/>
-          <p:cNvSpPr txBox="1"/>
-          <p:nvPr/>
-        </p:nvSpPr>
-        <p:spPr>
-          <a:xfrm>
-            <a:off x="588563" y="2973994"/>
-            <a:ext cx="8269688" cy="3046988"/>
-          </a:xfrm>
-          <a:prstGeom prst="rect">
-            <a:avLst/>
-          </a:prstGeom>
-          <a:noFill/>
-        </p:spPr>
-        <p:txBody>
-          <a:bodyPr wrap="square" rtlCol="0">
-            <a:spAutoFit/>
-          </a:bodyPr>
-          <a:lstStyle/>
-          <a:p>
-            <a:r>
-              <a:rPr lang="pt-PT" sz="2400" dirty="0" smtClean="0"/>
-              <a:t>Durante a construção</a:t>
-            </a:r>
-            <a:r>
-              <a:rPr lang="pt-PT" sz="2400" dirty="0" smtClean="0"/>
-              <a:t> do Modelo Conceptual foram sentidas grandes dificuldades no</a:t>
-            </a:r>
-            <a:r>
-              <a:rPr lang="pt-PT" sz="2400" dirty="0"/>
-              <a:t> </a:t>
-            </a:r>
-            <a:r>
-              <a:rPr lang="pt-PT" sz="2400" dirty="0" smtClean="0"/>
-              <a:t>levantamento de requisitos com o cliente, o que pode ter levado a algumas divergências entre o modelo construído e as pretensões do cliente.</a:t>
-            </a:r>
-            <a:br>
-              <a:rPr lang="pt-PT" sz="2400" dirty="0" smtClean="0"/>
-            </a:br>
-            <a:endParaRPr lang="pt-PT" sz="2400" dirty="0" smtClean="0"/>
-          </a:p>
-          <a:p>
-            <a:r>
-              <a:rPr lang="pt-PT" sz="2400" dirty="0" smtClean="0"/>
-              <a:t>O processo realizado seguiu todos os passos necessários para uma construção sólida e organizada dos modelos necessários (conceptual, lógico e físico).</a:t>
-            </a:r>
-            <a:endParaRPr lang="pt-PT" sz="2400" dirty="0"/>
-          </a:p>
-        </p:txBody>
-      </p:sp>
-    </p:spTree>
-    <p:extLst>
-      <p:ext uri="{BB962C8B-B14F-4D97-AF65-F5344CB8AC3E}">
-        <p14:creationId xmlns:p14="http://schemas.microsoft.com/office/powerpoint/2010/main" val="2288881893"/>
-      </p:ext>
-    </p:extLst>
-  </p:cSld>
-  <p:clrMapOvr>
-    <a:masterClrMapping/>
-  </p:clrMapOvr>
-  <p:timing>
-    <p:tnLst>
-      <p:par>
-        <p:cTn xmlns:p14="http://schemas.microsoft.com/office/powerpoint/2010/main" id="1" dur="indefinite" restart="never" nodeType="tmRoot"/>
-      </p:par>
-    </p:tnLst>
-  </p:timing>
-</p:sld>
-</file>
-
-<file path=ppt/slides/slide12.xml><?xml version="1.0" encoding="utf-8"?>
+<file path=ppt/slides/slide2.xml><?xml version="1.0" encoding="utf-8"?>
 <p:sld xmlns:a="http://schemas.openxmlformats.org/drawingml/2006/main" xmlns:r="http://schemas.openxmlformats.org/officeDocument/2006/relationships" xmlns:p="http://schemas.openxmlformats.org/presentationml/2006/main">
   <p:cSld>
     <p:spTree>
@@ -10223,121 +9115,6 @@
           </a:prstGeom>
         </p:spPr>
       </p:pic>
-      <p:pic>
-        <p:nvPicPr>
-          <p:cNvPr id="4" name="Picture 3"/>
-          <p:cNvPicPr>
-            <a:picLocks noChangeAspect="1"/>
-          </p:cNvPicPr>
-          <p:nvPr/>
-        </p:nvPicPr>
-        <p:blipFill>
-          <a:blip r:embed="rId3">
-            <a:extLst>
-              <a:ext uri="{28A0092B-C50C-407E-A947-70E740481C1C}">
-                <a14:useLocalDpi xmlns:a14="http://schemas.microsoft.com/office/drawing/2010/main" val="0"/>
-              </a:ext>
-            </a:extLst>
-          </a:blip>
-          <a:stretch>
-            <a:fillRect/>
-          </a:stretch>
-        </p:blipFill>
-        <p:spPr>
-          <a:xfrm>
-            <a:off x="268113" y="3423157"/>
-            <a:ext cx="8565444" cy="2706114"/>
-          </a:xfrm>
-          <a:prstGeom prst="rect">
-            <a:avLst/>
-          </a:prstGeom>
-        </p:spPr>
-      </p:pic>
-      <p:sp>
-        <p:nvSpPr>
-          <p:cNvPr id="6" name="TextBox 5"/>
-          <p:cNvSpPr txBox="1"/>
-          <p:nvPr/>
-        </p:nvSpPr>
-        <p:spPr>
-          <a:xfrm>
-            <a:off x="380999" y="2314222"/>
-            <a:ext cx="8452557" cy="1077218"/>
-          </a:xfrm>
-          <a:prstGeom prst="rect">
-            <a:avLst/>
-          </a:prstGeom>
-          <a:noFill/>
-        </p:spPr>
-        <p:txBody>
-          <a:bodyPr wrap="square" rtlCol="0">
-            <a:spAutoFit/>
-          </a:bodyPr>
-          <a:lstStyle/>
-          <a:p>
-            <a:pPr algn="ctr"/>
-            <a:r>
-              <a:rPr lang="pt-PT" sz="3600" b="1" dirty="0" smtClean="0"/>
-              <a:t>Base de Dados</a:t>
-            </a:r>
-          </a:p>
-          <a:p>
-            <a:pPr algn="ctr"/>
-            <a:r>
-              <a:rPr lang="pt-PT" sz="2800" dirty="0" smtClean="0"/>
-              <a:t>Habitat for </a:t>
-            </a:r>
-            <a:r>
-              <a:rPr lang="pt-PT" sz="2800" dirty="0" err="1" smtClean="0"/>
-              <a:t>Humanity</a:t>
-            </a:r>
-            <a:endParaRPr lang="pt-PT" sz="2800" dirty="0"/>
-          </a:p>
-        </p:txBody>
-      </p:sp>
-      <p:sp>
-        <p:nvSpPr>
-          <p:cNvPr id="7" name="TextBox 6"/>
-          <p:cNvSpPr txBox="1"/>
-          <p:nvPr/>
-        </p:nvSpPr>
-        <p:spPr>
-          <a:xfrm>
-            <a:off x="268113" y="6462890"/>
-            <a:ext cx="8565444" cy="369332"/>
-          </a:xfrm>
-          <a:prstGeom prst="rect">
-            <a:avLst/>
-          </a:prstGeom>
-          <a:noFill/>
-        </p:spPr>
-        <p:txBody>
-          <a:bodyPr wrap="square" rtlCol="0">
-            <a:spAutoFit/>
-          </a:bodyPr>
-          <a:lstStyle/>
-          <a:p>
-            <a:pPr algn="r"/>
-            <a:r>
-              <a:rPr lang="pt-PT" b="1" dirty="0" smtClean="0"/>
-              <a:t>Grupo </a:t>
-            </a:r>
-            <a:r>
-              <a:rPr lang="pt-PT" b="1" dirty="0" smtClean="0"/>
-              <a:t>12:</a:t>
-            </a:r>
-            <a:r>
-              <a:rPr lang="pt-PT" dirty="0" smtClean="0"/>
-              <a:t> </a:t>
-            </a:r>
-            <a:r>
-              <a:rPr lang="pt-PT" dirty="0" smtClean="0"/>
-              <a:t>Bruno Torres, João Mano, João Rua</a:t>
-            </a:r>
-            <a:endParaRPr lang="pt-PT" dirty="0"/>
-          </a:p>
-        </p:txBody>
-      </p:sp>
       <p:sp>
         <p:nvSpPr>
           <p:cNvPr id="9" name="Title 8"/>
@@ -10363,7 +9140,7 @@
       </p:sp>
       <p:sp>
         <p:nvSpPr>
-          <p:cNvPr id="11" name="Title 1"/>
+          <p:cNvPr id="12" name="Title 1"/>
           <p:cNvSpPr txBox="1">
             <a:spLocks/>
           </p:cNvSpPr>
@@ -10371,7 +9148,7 @@
         </p:nvSpPr>
         <p:spPr>
           <a:xfrm>
-            <a:off x="2304973" y="599123"/>
+            <a:off x="2304973" y="757593"/>
             <a:ext cx="6415693" cy="893714"/>
           </a:xfrm>
           <a:prstGeom prst="rect">
@@ -10429,14 +9206,126 @@
               <a:rPr lang="en-US" sz="2600" dirty="0" err="1" smtClean="0"/>
               <a:t>Informática</a:t>
             </a:r>
-            <a:endParaRPr lang="en-US" sz="2400" dirty="0"/>
+            <a:r>
+              <a:rPr lang="en-US" sz="2600" dirty="0" smtClean="0"/>
+              <a:t/>
+            </a:r>
+            <a:br>
+              <a:rPr lang="en-US" sz="2600" dirty="0" smtClean="0"/>
+            </a:br>
+            <a:r>
+              <a:rPr lang="en-US" sz="2600" dirty="0" err="1" smtClean="0"/>
+              <a:t>Laboratórios</a:t>
+            </a:r>
+            <a:r>
+              <a:rPr lang="en-US" sz="2600" dirty="0" smtClean="0"/>
+              <a:t> de </a:t>
+            </a:r>
+            <a:r>
+              <a:rPr lang="en-US" sz="2600" dirty="0" err="1" smtClean="0"/>
+              <a:t>Informática</a:t>
+            </a:r>
+            <a:r>
+              <a:rPr lang="en-US" sz="2600" dirty="0" smtClean="0"/>
+              <a:t> IV</a:t>
+            </a:r>
+            <a:endParaRPr lang="en-US" sz="1900" dirty="0"/>
+          </a:p>
+        </p:txBody>
+      </p:sp>
+      <p:sp>
+        <p:nvSpPr>
+          <p:cNvPr id="10" name="TextBox 7"/>
+          <p:cNvSpPr txBox="1"/>
+          <p:nvPr/>
+        </p:nvSpPr>
+        <p:spPr>
+          <a:xfrm>
+            <a:off x="421341" y="2540307"/>
+            <a:ext cx="8339667" cy="2769989"/>
+          </a:xfrm>
+          <a:prstGeom prst="rect">
+            <a:avLst/>
+          </a:prstGeom>
+          <a:noFill/>
+        </p:spPr>
+        <p:txBody>
+          <a:bodyPr wrap="square" rtlCol="0">
+            <a:spAutoFit/>
+          </a:bodyPr>
+          <a:lstStyle/>
+          <a:p>
+            <a:pPr marL="285750" indent="-285750">
+              <a:spcBef>
+                <a:spcPts val="600"/>
+              </a:spcBef>
+              <a:spcAft>
+                <a:spcPts val="600"/>
+              </a:spcAft>
+              <a:buFont typeface="Arial"/>
+              <a:buChar char="•"/>
+            </a:pPr>
+            <a:r>
+              <a:rPr lang="pt-PT" sz="3600" b="1" dirty="0" smtClean="0"/>
+              <a:t>Introdução</a:t>
+            </a:r>
+          </a:p>
+          <a:p>
+            <a:pPr marL="285750" indent="-285750">
+              <a:spcBef>
+                <a:spcPts val="600"/>
+              </a:spcBef>
+              <a:spcAft>
+                <a:spcPts val="600"/>
+              </a:spcAft>
+              <a:buFont typeface="Arial"/>
+              <a:buChar char="•"/>
+            </a:pPr>
+            <a:r>
+              <a:rPr lang="pt-PT" sz="3600" b="1" dirty="0" smtClean="0"/>
+              <a:t>Descrição</a:t>
+            </a:r>
+          </a:p>
+          <a:p>
+            <a:pPr marL="285750" indent="-285750">
+              <a:spcBef>
+                <a:spcPts val="600"/>
+              </a:spcBef>
+              <a:spcAft>
+                <a:spcPts val="600"/>
+              </a:spcAft>
+              <a:buFont typeface="Arial"/>
+              <a:buChar char="•"/>
+            </a:pPr>
+            <a:r>
+              <a:rPr lang="pt-PT" sz="3600" b="1" dirty="0" smtClean="0"/>
+              <a:t>Prós e Contras</a:t>
+            </a:r>
+            <a:endParaRPr lang="pt-PT" sz="3600" b="1" dirty="0" smtClean="0"/>
+          </a:p>
+          <a:p>
+            <a:pPr marL="285750" indent="-285750">
+              <a:spcBef>
+                <a:spcPts val="600"/>
+              </a:spcBef>
+              <a:spcAft>
+                <a:spcPts val="600"/>
+              </a:spcAft>
+              <a:buFont typeface="Arial"/>
+              <a:buChar char="•"/>
+            </a:pPr>
+            <a:r>
+              <a:rPr lang="pt-PT" sz="3600" b="1" dirty="0" smtClean="0"/>
+              <a:t>Conclusão</a:t>
+            </a:r>
+            <a:endParaRPr lang="pt-PT" sz="3600" b="1" dirty="0"/>
           </a:p>
         </p:txBody>
       </p:sp>
     </p:spTree>
     <p:extLst>
       <p:ext uri="{BB962C8B-B14F-4D97-AF65-F5344CB8AC3E}">
-        <p14:creationId xmlns:p14="http://schemas.microsoft.com/office/powerpoint/2010/main" val="246418857"/>
+        <p14:creationId xmlns:p14="http://schemas.microsoft.com/office/powerpoint/2010/main" val="1672839880"/>
       </p:ext>
     </p:extLst>
   </p:cSld>
@@ -10446,14 +9335,14 @@
   <p:timing>
     <p:tnLst>
       <p:par>
-        <p:cTn xmlns:p14="http://schemas.microsoft.com/office/powerpoint/2010/main" id="1" dur="indefinite" restart="never" nodeType="tmRoot"/>
+        <p:cTn id="1" dur="indefinite" restart="never" nodeType="tmRoot"/>
       </p:par>
     </p:tnLst>
   </p:timing>
 </p:sld>
 </file>
 
-<file path=ppt/slides/slide2.xml><?xml version="1.0" encoding="utf-8"?>
+<file path=ppt/slides/slide3.xml><?xml version="1.0" encoding="utf-8"?>
 <p:sld xmlns:a="http://schemas.openxmlformats.org/drawingml/2006/main" xmlns:r="http://schemas.openxmlformats.org/officeDocument/2006/relationships" xmlns:p="http://schemas.openxmlformats.org/presentationml/2006/main">
   <p:cSld>
     <p:spTree>
@@ -10472,124 +9361,41 @@
       </p:grpSpPr>
       <p:sp>
         <p:nvSpPr>
-          <p:cNvPr id="2" name="Title 1"/>
+          <p:cNvPr id="3" name="Subtitle 2"/>
           <p:cNvSpPr>
             <a:spLocks noGrp="1"/>
           </p:cNvSpPr>
           <p:nvPr>
-            <p:ph type="title"/>
+            <p:ph type="subTitle" idx="1"/>
           </p:nvPr>
         </p:nvSpPr>
         <p:spPr>
           <a:xfrm>
-            <a:off x="284163" y="409222"/>
-            <a:ext cx="8574087" cy="1189000"/>
+            <a:off x="380999" y="1532427"/>
+            <a:ext cx="1778000" cy="484632"/>
           </a:xfrm>
-          <a:solidFill>
-            <a:schemeClr val="tx1">
-              <a:lumMod val="75000"/>
-              <a:lumOff val="25000"/>
-            </a:schemeClr>
-          </a:solidFill>
         </p:spPr>
         <p:txBody>
-          <a:bodyPr/>
-          <a:lstStyle/>
-          <a:p>
-            <a:r>
-              <a:rPr lang="pt-PT" dirty="0" smtClean="0"/>
-              <a:t> </a:t>
-            </a:r>
-            <a:endParaRPr lang="pt-PT" dirty="0"/>
-          </a:p>
-        </p:txBody>
-      </p:sp>
-      <p:sp>
-        <p:nvSpPr>
-          <p:cNvPr id="4" name="Title 1"/>
-          <p:cNvSpPr txBox="1">
-            <a:spLocks/>
-          </p:cNvSpPr>
-          <p:nvPr/>
-        </p:nvSpPr>
-        <p:spPr>
-          <a:xfrm>
-            <a:off x="2304973" y="599123"/>
-            <a:ext cx="6415693" cy="893714"/>
-          </a:xfrm>
-          <a:prstGeom prst="rect">
-            <a:avLst/>
-          </a:prstGeom>
-          <a:noFill/>
-        </p:spPr>
-        <p:txBody>
-          <a:bodyPr vert="horz" lIns="91440" tIns="45720" rIns="91440" bIns="45720" rtlCol="0" anchor="ctr">
+          <a:bodyPr>
             <a:noAutofit/>
           </a:bodyPr>
-          <a:lstStyle>
-            <a:lvl1pPr algn="r" defTabSz="914400" rtl="0" eaLnBrk="1" latinLnBrk="0" hangingPunct="1">
-              <a:spcBef>
-                <a:spcPct val="0"/>
-              </a:spcBef>
-              <a:buNone/>
-              <a:defRPr sz="4200" kern="1200">
-                <a:solidFill>
-                  <a:schemeClr val="bg1"/>
-                </a:solidFill>
-                <a:latin typeface="+mj-lt"/>
-                <a:ea typeface="+mj-ea"/>
-                <a:cs typeface="+mj-cs"/>
-              </a:defRPr>
-            </a:lvl1pPr>
-          </a:lstStyle>
-          <a:p>
-            <a:pPr algn="ctr"/>
-            <a:r>
-              <a:rPr lang="pt-PT" sz="2600" dirty="0" smtClean="0"/>
-              <a:t>Licenciatura</a:t>
-            </a:r>
-            <a:r>
-              <a:rPr lang="en-US" sz="2600" dirty="0" smtClean="0"/>
-              <a:t> </a:t>
-            </a:r>
-            <a:r>
-              <a:rPr lang="pt-PT" sz="2600" dirty="0" smtClean="0"/>
-              <a:t>em</a:t>
-            </a:r>
-            <a:r>
-              <a:rPr lang="en-US" sz="2600" dirty="0" smtClean="0"/>
-              <a:t> </a:t>
-            </a:r>
-            <a:r>
-              <a:rPr lang="en-US" sz="2600" dirty="0" err="1" smtClean="0"/>
-              <a:t>Engenharia</a:t>
-            </a:r>
-            <a:r>
-              <a:rPr lang="en-US" sz="2600" dirty="0" smtClean="0"/>
-              <a:t> </a:t>
-            </a:r>
-            <a:r>
-              <a:rPr lang="en-US" sz="2600" dirty="0" err="1" smtClean="0"/>
-              <a:t>Informática</a:t>
-            </a:r>
-            <a:r>
-              <a:rPr lang="en-US" sz="2600" dirty="0" smtClean="0"/>
-              <a:t/>
-            </a:r>
-            <a:br>
-              <a:rPr lang="en-US" sz="2600" dirty="0" smtClean="0"/>
-            </a:br>
-            <a:r>
-              <a:rPr lang="en-US" sz="1900" dirty="0" smtClean="0"/>
-              <a:t>Base de Dados: Habitat for Humanity</a:t>
-            </a:r>
-            <a:endParaRPr lang="en-US" sz="1900" dirty="0"/>
+          <a:lstStyle/>
+          <a:p>
+            <a:r>
+              <a:rPr lang="en-US" sz="1300" dirty="0" err="1" smtClean="0"/>
+              <a:t>Universidade</a:t>
+            </a:r>
+            <a:r>
+              <a:rPr lang="en-US" sz="1300" dirty="0" smtClean="0"/>
+              <a:t> do Minho</a:t>
+            </a:r>
+            <a:endParaRPr lang="en-US" sz="1300" dirty="0"/>
           </a:p>
         </p:txBody>
       </p:sp>
       <p:pic>
         <p:nvPicPr>
-          <p:cNvPr id="7" name="Picture 6" descr="logo-ee.jpg"/>
+          <p:cNvPr id="5" name="Picture 4" descr="logo-ee.jpg"/>
           <p:cNvPicPr>
             <a:picLocks noChangeAspect="1"/>
           </p:cNvPicPr>
@@ -10619,14 +9425,39 @@
       </p:pic>
       <p:sp>
         <p:nvSpPr>
-          <p:cNvPr id="8" name="TextBox 7"/>
-          <p:cNvSpPr txBox="1"/>
+          <p:cNvPr id="9" name="Title 8"/>
+          <p:cNvSpPr>
+            <a:spLocks noGrp="1"/>
+          </p:cNvSpPr>
+          <p:nvPr>
+            <p:ph type="ctrTitle"/>
+          </p:nvPr>
+        </p:nvSpPr>
+        <p:spPr/>
+        <p:txBody>
+          <a:bodyPr/>
+          <a:lstStyle/>
+          <a:p>
+            <a:r>
+              <a:rPr lang="pt-PT" dirty="0" smtClean="0"/>
+              <a:t> </a:t>
+            </a:r>
+            <a:endParaRPr lang="pt-PT" dirty="0"/>
+          </a:p>
+        </p:txBody>
+      </p:sp>
+      <p:sp>
+        <p:nvSpPr>
+          <p:cNvPr id="12" name="Title 1"/>
+          <p:cNvSpPr txBox="1">
+            <a:spLocks/>
+          </p:cNvSpPr>
           <p:nvPr/>
         </p:nvSpPr>
         <p:spPr>
           <a:xfrm>
-            <a:off x="380999" y="2039362"/>
-            <a:ext cx="8339667" cy="2862322"/>
+            <a:off x="2304973" y="757593"/>
+            <a:ext cx="6415693" cy="893714"/>
           </a:xfrm>
           <a:prstGeom prst="rect">
             <a:avLst/>
@@ -10634,77 +9465,434 @@
           <a:noFill/>
         </p:spPr>
         <p:txBody>
-          <a:bodyPr wrap="square" rtlCol="0">
-            <a:spAutoFit/>
+          <a:bodyPr vert="horz" lIns="91440" tIns="45720" rIns="91440" bIns="45720" rtlCol="0" anchor="ctr">
+            <a:noAutofit/>
           </a:bodyPr>
-          <a:lstStyle/>
-          <a:p>
-            <a:pPr marL="285750" indent="-285750">
-              <a:buFont typeface="Arial"/>
-              <a:buChar char="•"/>
+          <a:lstStyle>
+            <a:lvl1pPr algn="r" defTabSz="914400" rtl="0" eaLnBrk="1" latinLnBrk="0" hangingPunct="1">
+              <a:spcBef>
+                <a:spcPct val="0"/>
+              </a:spcBef>
+              <a:buNone/>
+              <a:defRPr sz="4200" kern="1200">
+                <a:solidFill>
+                  <a:schemeClr val="bg1"/>
+                </a:solidFill>
+                <a:latin typeface="+mj-lt"/>
+                <a:ea typeface="+mj-ea"/>
+                <a:cs typeface="+mj-cs"/>
+              </a:defRPr>
+            </a:lvl1pPr>
+          </a:lstStyle>
+          <a:p>
+            <a:pPr algn="ctr"/>
+            <a:r>
+              <a:rPr lang="pt-PT" sz="2600" dirty="0" smtClean="0"/>
+              <a:t>Licenciatura</a:t>
+            </a:r>
+            <a:r>
+              <a:rPr lang="en-US" sz="2600" dirty="0" smtClean="0"/>
+              <a:t> </a:t>
+            </a:r>
+            <a:r>
+              <a:rPr lang="pt-PT" sz="2600" dirty="0" smtClean="0"/>
+              <a:t>em</a:t>
+            </a:r>
+            <a:r>
+              <a:rPr lang="en-US" sz="2600" dirty="0" smtClean="0"/>
+              <a:t> </a:t>
+            </a:r>
+            <a:r>
+              <a:rPr lang="en-US" sz="2600" dirty="0" err="1" smtClean="0"/>
+              <a:t>Engenharia</a:t>
+            </a:r>
+            <a:r>
+              <a:rPr lang="en-US" sz="2600" dirty="0" smtClean="0"/>
+              <a:t> </a:t>
+            </a:r>
+            <a:r>
+              <a:rPr lang="en-US" sz="2600" dirty="0" err="1" smtClean="0"/>
+              <a:t>Informática</a:t>
+            </a:r>
+            <a:r>
+              <a:rPr lang="en-US" sz="2600" dirty="0" smtClean="0"/>
+              <a:t/>
+            </a:r>
+            <a:br>
+              <a:rPr lang="en-US" sz="2600" dirty="0" smtClean="0"/>
+            </a:br>
+            <a:r>
+              <a:rPr lang="en-US" sz="2600" dirty="0" err="1" smtClean="0"/>
+              <a:t>Laboratórios</a:t>
+            </a:r>
+            <a:r>
+              <a:rPr lang="en-US" sz="2600" dirty="0" smtClean="0"/>
+              <a:t> de </a:t>
+            </a:r>
+            <a:r>
+              <a:rPr lang="en-US" sz="2600" dirty="0" err="1" smtClean="0"/>
+              <a:t>Informática</a:t>
+            </a:r>
+            <a:r>
+              <a:rPr lang="en-US" sz="2600" dirty="0" smtClean="0"/>
+              <a:t> IV</a:t>
+            </a:r>
+            <a:endParaRPr lang="en-US" sz="1900" dirty="0"/>
+          </a:p>
+        </p:txBody>
+      </p:sp>
+      <p:sp>
+        <p:nvSpPr>
+          <p:cNvPr id="11" name="Espaço Reservado para Conteúdo 2"/>
+          <p:cNvSpPr txBox="1">
+            <a:spLocks/>
+          </p:cNvSpPr>
+          <p:nvPr/>
+        </p:nvSpPr>
+        <p:spPr>
+          <a:xfrm>
+            <a:off x="421341" y="2155371"/>
+            <a:ext cx="8339667" cy="3856506"/>
+          </a:xfrm>
+          <a:prstGeom prst="rect">
+            <a:avLst/>
+          </a:prstGeom>
+        </p:spPr>
+        <p:txBody>
+          <a:bodyPr vert="horz" lIns="91440" tIns="45720" rIns="91440" bIns="45720" rtlCol="0">
+            <a:normAutofit/>
+          </a:bodyPr>
+          <a:lstStyle>
+            <a:lvl1pPr marL="0" indent="0" algn="l" defTabSz="914400" rtl="0" eaLnBrk="1" latinLnBrk="0" hangingPunct="1">
+              <a:lnSpc>
+                <a:spcPct val="100000"/>
+              </a:lnSpc>
+              <a:spcBef>
+                <a:spcPts val="0"/>
+              </a:spcBef>
+              <a:buClr>
+                <a:schemeClr val="bg1">
+                  <a:lumMod val="65000"/>
+                </a:schemeClr>
+              </a:buClr>
+              <a:buSzPct val="90000"/>
+              <a:buFont typeface="Wingdings" pitchFamily="2" charset="2"/>
+              <a:buNone/>
+              <a:defRPr sz="1800" kern="1200">
+                <a:solidFill>
+                  <a:schemeClr val="bg1"/>
+                </a:solidFill>
+                <a:latin typeface="+mn-lt"/>
+                <a:ea typeface="+mn-ea"/>
+                <a:cs typeface="+mn-cs"/>
+              </a:defRPr>
+            </a:lvl1pPr>
+            <a:lvl2pPr marL="457200" indent="0" algn="ctr" defTabSz="914400" rtl="0" eaLnBrk="1" latinLnBrk="0" hangingPunct="1">
+              <a:spcBef>
+                <a:spcPts val="600"/>
+              </a:spcBef>
+              <a:buClr>
+                <a:schemeClr val="tx1">
+                  <a:lumMod val="75000"/>
+                  <a:lumOff val="25000"/>
+                </a:schemeClr>
+              </a:buClr>
+              <a:buSzPct val="90000"/>
+              <a:buFont typeface="Wingdings" pitchFamily="2" charset="2"/>
+              <a:buNone/>
+              <a:defRPr sz="2200" kern="1200">
+                <a:solidFill>
+                  <a:schemeClr val="tx1">
+                    <a:tint val="75000"/>
+                  </a:schemeClr>
+                </a:solidFill>
+                <a:latin typeface="+mn-lt"/>
+                <a:ea typeface="+mn-ea"/>
+                <a:cs typeface="+mn-cs"/>
+              </a:defRPr>
+            </a:lvl2pPr>
+            <a:lvl3pPr marL="914400" indent="0" algn="ctr" defTabSz="914400" rtl="0" eaLnBrk="1" latinLnBrk="0" hangingPunct="1">
+              <a:spcBef>
+                <a:spcPts val="600"/>
+              </a:spcBef>
+              <a:buClr>
+                <a:schemeClr val="bg1">
+                  <a:lumMod val="65000"/>
+                </a:schemeClr>
+              </a:buClr>
+              <a:buSzPct val="90000"/>
+              <a:buFont typeface="Wingdings" pitchFamily="2" charset="2"/>
+              <a:buNone/>
+              <a:defRPr sz="2000" kern="1200">
+                <a:solidFill>
+                  <a:schemeClr val="tx1">
+                    <a:tint val="75000"/>
+                  </a:schemeClr>
+                </a:solidFill>
+                <a:latin typeface="+mn-lt"/>
+                <a:ea typeface="+mn-ea"/>
+                <a:cs typeface="+mn-cs"/>
+              </a:defRPr>
+            </a:lvl3pPr>
+            <a:lvl4pPr marL="1371600" indent="0" algn="ctr" defTabSz="914400" rtl="0" eaLnBrk="1" latinLnBrk="0" hangingPunct="1">
+              <a:spcBef>
+                <a:spcPts val="600"/>
+              </a:spcBef>
+              <a:buClr>
+                <a:schemeClr val="tx1">
+                  <a:lumMod val="75000"/>
+                  <a:lumOff val="25000"/>
+                </a:schemeClr>
+              </a:buClr>
+              <a:buSzPct val="90000"/>
+              <a:buFont typeface="Wingdings" pitchFamily="2" charset="2"/>
+              <a:buNone/>
+              <a:defRPr sz="1800" kern="1200">
+                <a:solidFill>
+                  <a:schemeClr val="tx1">
+                    <a:tint val="75000"/>
+                  </a:schemeClr>
+                </a:solidFill>
+                <a:latin typeface="+mn-lt"/>
+                <a:ea typeface="+mn-ea"/>
+                <a:cs typeface="+mn-cs"/>
+              </a:defRPr>
+            </a:lvl4pPr>
+            <a:lvl5pPr marL="1828800" indent="0" algn="ctr" defTabSz="914400" rtl="0" eaLnBrk="1" latinLnBrk="0" hangingPunct="1">
+              <a:spcBef>
+                <a:spcPts val="600"/>
+              </a:spcBef>
+              <a:buClr>
+                <a:schemeClr val="bg1">
+                  <a:lumMod val="65000"/>
+                </a:schemeClr>
+              </a:buClr>
+              <a:buSzPct val="90000"/>
+              <a:buFont typeface="Wingdings" pitchFamily="2" charset="2"/>
+              <a:buNone/>
+              <a:defRPr sz="1800" kern="1200">
+                <a:solidFill>
+                  <a:schemeClr val="tx1">
+                    <a:tint val="75000"/>
+                  </a:schemeClr>
+                </a:solidFill>
+                <a:latin typeface="+mn-lt"/>
+                <a:ea typeface="+mn-ea"/>
+                <a:cs typeface="+mn-cs"/>
+              </a:defRPr>
+            </a:lvl5pPr>
+            <a:lvl6pPr marL="2286000" indent="0" algn="ctr" defTabSz="914400" rtl="0" eaLnBrk="1" latinLnBrk="0" hangingPunct="1">
+              <a:spcBef>
+                <a:spcPts val="600"/>
+              </a:spcBef>
+              <a:buClr>
+                <a:schemeClr val="tx1">
+                  <a:lumMod val="75000"/>
+                  <a:lumOff val="25000"/>
+                </a:schemeClr>
+              </a:buClr>
+              <a:buSzPct val="90000"/>
+              <a:buFont typeface="Wingdings" pitchFamily="2" charset="2"/>
+              <a:buNone/>
+              <a:defRPr lang="en-US" sz="1800" kern="1200">
+                <a:solidFill>
+                  <a:schemeClr val="tx1">
+                    <a:tint val="75000"/>
+                  </a:schemeClr>
+                </a:solidFill>
+                <a:latin typeface="+mn-lt"/>
+                <a:ea typeface="+mn-ea"/>
+                <a:cs typeface="+mn-cs"/>
+              </a:defRPr>
+            </a:lvl6pPr>
+            <a:lvl7pPr marL="2743200" indent="0" algn="ctr" defTabSz="914400" rtl="0" eaLnBrk="1" latinLnBrk="0" hangingPunct="1">
+              <a:spcBef>
+                <a:spcPts val="600"/>
+              </a:spcBef>
+              <a:buClr>
+                <a:schemeClr val="bg1">
+                  <a:lumMod val="65000"/>
+                </a:schemeClr>
+              </a:buClr>
+              <a:buSzPct val="90000"/>
+              <a:buFont typeface="Wingdings" pitchFamily="2" charset="2"/>
+              <a:buNone/>
+              <a:defRPr lang="en-US" sz="1800" kern="1200">
+                <a:solidFill>
+                  <a:schemeClr val="tx1">
+                    <a:tint val="75000"/>
+                  </a:schemeClr>
+                </a:solidFill>
+                <a:latin typeface="+mn-lt"/>
+                <a:ea typeface="+mn-ea"/>
+                <a:cs typeface="+mn-cs"/>
+              </a:defRPr>
+            </a:lvl7pPr>
+            <a:lvl8pPr marL="3200400" indent="0" algn="ctr" defTabSz="914400" rtl="0" eaLnBrk="1" latinLnBrk="0" hangingPunct="1">
+              <a:spcBef>
+                <a:spcPts val="600"/>
+              </a:spcBef>
+              <a:buClr>
+                <a:schemeClr val="tx1">
+                  <a:lumMod val="75000"/>
+                  <a:lumOff val="25000"/>
+                </a:schemeClr>
+              </a:buClr>
+              <a:buSzPct val="90000"/>
+              <a:buFont typeface="Wingdings" pitchFamily="2" charset="2"/>
+              <a:buNone/>
+              <a:defRPr lang="en-US" sz="1800" kern="1200">
+                <a:solidFill>
+                  <a:schemeClr val="tx1">
+                    <a:tint val="75000"/>
+                  </a:schemeClr>
+                </a:solidFill>
+                <a:latin typeface="+mn-lt"/>
+                <a:ea typeface="+mn-ea"/>
+                <a:cs typeface="+mn-cs"/>
+              </a:defRPr>
+            </a:lvl8pPr>
+            <a:lvl9pPr marL="3657600" indent="0" algn="ctr" defTabSz="914400" rtl="0" eaLnBrk="1" latinLnBrk="0" hangingPunct="1">
+              <a:spcBef>
+                <a:spcPts val="600"/>
+              </a:spcBef>
+              <a:buClr>
+                <a:schemeClr val="bg1">
+                  <a:lumMod val="65000"/>
+                </a:schemeClr>
+              </a:buClr>
+              <a:buSzPct val="90000"/>
+              <a:buFont typeface="Wingdings" pitchFamily="2" charset="2"/>
+              <a:buNone/>
+              <a:defRPr lang="en-US" sz="1800" kern="1200">
+                <a:solidFill>
+                  <a:schemeClr val="tx1">
+                    <a:tint val="75000"/>
+                  </a:schemeClr>
+                </a:solidFill>
+                <a:latin typeface="+mn-lt"/>
+                <a:ea typeface="+mn-ea"/>
+                <a:cs typeface="+mn-cs"/>
+              </a:defRPr>
+            </a:lvl9pPr>
+          </a:lstStyle>
+          <a:p>
+            <a:pPr>
+              <a:spcBef>
+                <a:spcPts val="600"/>
+              </a:spcBef>
+              <a:spcAft>
+                <a:spcPts val="600"/>
+              </a:spcAft>
             </a:pPr>
             <a:r>
-              <a:rPr lang="pt-PT" sz="3600" b="1" dirty="0" smtClean="0"/>
+              <a:rPr lang="pt-PT" sz="5400" b="1" dirty="0">
+                <a:solidFill>
+                  <a:schemeClr val="tx1"/>
+                </a:solidFill>
+              </a:rPr>
+              <a:t> </a:t>
+            </a:r>
+            <a:r>
+              <a:rPr lang="pt-PT" sz="5400" b="1" dirty="0" smtClean="0">
+                <a:solidFill>
+                  <a:schemeClr val="tx1"/>
+                </a:solidFill>
+              </a:rPr>
+              <a:t>  </a:t>
+            </a:r>
+            <a:r>
+              <a:rPr lang="pt-PT" sz="4400" b="1" dirty="0" smtClean="0">
+                <a:solidFill>
+                  <a:schemeClr val="tx1"/>
+                </a:solidFill>
+              </a:rPr>
               <a:t>Introdução</a:t>
             </a:r>
-          </a:p>
-          <a:p>
-            <a:pPr marL="285750" indent="-285750">
-              <a:buFont typeface="Arial"/>
-              <a:buChar char="•"/>
+            <a:endParaRPr lang="pt-PT" sz="4400" dirty="0" smtClean="0">
+              <a:solidFill>
+                <a:schemeClr val="tx1">
+                  <a:lumMod val="85000"/>
+                  <a:lumOff val="15000"/>
+                </a:schemeClr>
+              </a:solidFill>
+            </a:endParaRPr>
+          </a:p>
+          <a:p>
+            <a:pPr marL="454025" indent="-454025">
+              <a:spcBef>
+                <a:spcPts val="2000"/>
+              </a:spcBef>
+              <a:buFont typeface="Wingdings" pitchFamily="2" charset="2"/>
+              <a:buChar char=""/>
             </a:pPr>
             <a:r>
-              <a:rPr lang="pt-PT" sz="3600" b="1" dirty="0" smtClean="0"/>
-              <a:t>Modelo </a:t>
-            </a:r>
-            <a:r>
-              <a:rPr lang="pt-PT" sz="3600" b="1" dirty="0" smtClean="0"/>
-              <a:t>Conceptual</a:t>
-            </a:r>
-          </a:p>
-          <a:p>
-            <a:pPr marL="285750" indent="-285750">
-              <a:buFont typeface="Arial"/>
-              <a:buChar char="•"/>
+              <a:rPr lang="pt-PT" sz="2400" dirty="0" smtClean="0">
+                <a:solidFill>
+                  <a:schemeClr val="tx1">
+                    <a:lumMod val="85000"/>
+                    <a:lumOff val="15000"/>
+                  </a:schemeClr>
+                </a:solidFill>
+              </a:rPr>
+              <a:t>Proposto </a:t>
+            </a:r>
+            <a:r>
+              <a:rPr lang="pt-PT" sz="2400" dirty="0">
+                <a:solidFill>
+                  <a:schemeClr val="tx1">
+                    <a:lumMod val="85000"/>
+                    <a:lumOff val="15000"/>
+                  </a:schemeClr>
+                </a:solidFill>
+              </a:rPr>
+              <a:t>num artigo de Barry W. </a:t>
+            </a:r>
+            <a:r>
+              <a:rPr lang="pt-PT" sz="2400" dirty="0">
+                <a:solidFill>
+                  <a:schemeClr val="tx1">
+                    <a:lumMod val="85000"/>
+                    <a:lumOff val="15000"/>
+                  </a:schemeClr>
+                </a:solidFill>
+              </a:rPr>
+              <a:t>Boehm nos finais da década de 80, é representado por uma espiral em vez de um processo sequencial.</a:t>
+            </a:r>
+          </a:p>
+          <a:p>
+            <a:pPr marL="454025" indent="-454025">
+              <a:spcBef>
+                <a:spcPts val="2000"/>
+              </a:spcBef>
+              <a:buFont typeface="Wingdings" pitchFamily="2" charset="2"/>
+              <a:buChar char=""/>
             </a:pPr>
             <a:r>
-              <a:rPr lang="pt-PT" sz="3600" b="1" dirty="0" smtClean="0"/>
-              <a:t>Modelo Lógico</a:t>
-            </a:r>
-            <a:endParaRPr lang="pt-PT" sz="3600" b="1" dirty="0"/>
-          </a:p>
-          <a:p>
-            <a:pPr marL="285750" indent="-285750">
-              <a:buFont typeface="Arial"/>
-              <a:buChar char="•"/>
-            </a:pPr>
-            <a:r>
-              <a:rPr lang="pt-PT" sz="3600" b="1" dirty="0" smtClean="0"/>
-              <a:t>Modelo </a:t>
-            </a:r>
-            <a:r>
-              <a:rPr lang="pt-PT" sz="3600" b="1" dirty="0" smtClean="0"/>
-              <a:t>Físico</a:t>
-            </a:r>
-            <a:endParaRPr lang="pt-PT" sz="3600" b="1" dirty="0" smtClean="0"/>
-          </a:p>
-          <a:p>
-            <a:pPr marL="285750" indent="-285750">
-              <a:buFont typeface="Arial"/>
-              <a:buChar char="•"/>
-            </a:pPr>
-            <a:r>
-              <a:rPr lang="pt-PT" sz="3600" b="1" dirty="0" smtClean="0"/>
-              <a:t>Conclusão</a:t>
-            </a:r>
-            <a:endParaRPr lang="pt-PT" sz="3600" b="1" dirty="0"/>
+              <a:rPr lang="pt-PT" sz="2400" dirty="0">
+                <a:solidFill>
+                  <a:schemeClr val="tx1">
+                    <a:lumMod val="85000"/>
+                    <a:lumOff val="15000"/>
+                  </a:schemeClr>
+                </a:solidFill>
+              </a:rPr>
+              <a:t>Baseia-se num processo iterativo e incremental, procura introduzir relativamente ao modelo cascata, o conceito de incerteza.</a:t>
+            </a:r>
+          </a:p>
+          <a:p>
+            <a:endParaRPr lang="pt-PT" dirty="0">
+              <a:solidFill>
+                <a:schemeClr val="tx1"/>
+              </a:solidFill>
+            </a:endParaRPr>
           </a:p>
         </p:txBody>
       </p:sp>
     </p:spTree>
     <p:extLst>
       <p:ext uri="{BB962C8B-B14F-4D97-AF65-F5344CB8AC3E}">
-        <p14:creationId xmlns:p14="http://schemas.microsoft.com/office/powerpoint/2010/main" val="3201900227"/>
+        <p14:creationId xmlns:p14="http://schemas.microsoft.com/office/powerpoint/2010/main" val="2764017692"/>
       </p:ext>
     </p:extLst>
   </p:cSld>
@@ -10714,14 +9902,14 @@
   <p:timing>
     <p:tnLst>
       <p:par>
-        <p:cTn xmlns:p14="http://schemas.microsoft.com/office/powerpoint/2010/main" id="1" dur="indefinite" restart="never" nodeType="tmRoot"/>
+        <p:cTn id="1" dur="indefinite" restart="never" nodeType="tmRoot"/>
       </p:par>
     </p:tnLst>
   </p:timing>
 </p:sld>
 </file>
 
-<file path=ppt/slides/slide3.xml><?xml version="1.0" encoding="utf-8"?>
+<file path=ppt/slides/slide4.xml><?xml version="1.0" encoding="utf-8"?>
 <p:sld xmlns:a="http://schemas.openxmlformats.org/drawingml/2006/main" xmlns:r="http://schemas.openxmlformats.org/officeDocument/2006/relationships" xmlns:p="http://schemas.openxmlformats.org/presentationml/2006/main">
   <p:cSld>
     <p:spTree>
@@ -10740,26 +9928,79 @@
       </p:grpSpPr>
       <p:sp>
         <p:nvSpPr>
-          <p:cNvPr id="2" name="Title 1"/>
+          <p:cNvPr id="3" name="Subtitle 2"/>
           <p:cNvSpPr>
             <a:spLocks noGrp="1"/>
           </p:cNvSpPr>
           <p:nvPr>
-            <p:ph type="title"/>
+            <p:ph type="subTitle" idx="1"/>
           </p:nvPr>
         </p:nvSpPr>
         <p:spPr>
           <a:xfrm>
-            <a:off x="284163" y="409222"/>
-            <a:ext cx="8574087" cy="1189000"/>
+            <a:off x="380999" y="1532427"/>
+            <a:ext cx="1778000" cy="484632"/>
           </a:xfrm>
-          <a:solidFill>
-            <a:schemeClr val="tx1">
-              <a:lumMod val="75000"/>
-              <a:lumOff val="25000"/>
-            </a:schemeClr>
-          </a:solidFill>
         </p:spPr>
+        <p:txBody>
+          <a:bodyPr>
+            <a:noAutofit/>
+          </a:bodyPr>
+          <a:lstStyle/>
+          <a:p>
+            <a:r>
+              <a:rPr lang="en-US" sz="1300" dirty="0" err="1" smtClean="0"/>
+              <a:t>Universidade</a:t>
+            </a:r>
+            <a:r>
+              <a:rPr lang="en-US" sz="1300" dirty="0" smtClean="0"/>
+              <a:t> do Minho</a:t>
+            </a:r>
+            <a:endParaRPr lang="en-US" sz="1300" dirty="0"/>
+          </a:p>
+        </p:txBody>
+      </p:sp>
+      <p:pic>
+        <p:nvPicPr>
+          <p:cNvPr id="5" name="Picture 4" descr="logo-ee.jpg"/>
+          <p:cNvPicPr>
+            <a:picLocks noChangeAspect="1"/>
+          </p:cNvPicPr>
+          <p:nvPr/>
+        </p:nvPicPr>
+        <p:blipFill>
+          <a:blip r:embed="rId3">
+            <a:extLst>
+              <a:ext uri="{28A0092B-C50C-407E-A947-70E740481C1C}">
+                <a14:useLocalDpi xmlns:a14="http://schemas.microsoft.com/office/drawing/2010/main" val="0"/>
+              </a:ext>
+            </a:extLst>
+          </a:blip>
+          <a:stretch>
+            <a:fillRect/>
+          </a:stretch>
+        </p:blipFill>
+        <p:spPr>
+          <a:xfrm>
+            <a:off x="380999" y="643427"/>
+            <a:ext cx="1778000" cy="889000"/>
+          </a:xfrm>
+          <a:prstGeom prst="rect">
+            <a:avLst/>
+          </a:prstGeom>
+        </p:spPr>
+      </p:pic>
+      <p:sp>
+        <p:nvSpPr>
+          <p:cNvPr id="9" name="Title 8"/>
+          <p:cNvSpPr>
+            <a:spLocks noGrp="1"/>
+          </p:cNvSpPr>
+          <p:nvPr>
+            <p:ph type="ctrTitle"/>
+          </p:nvPr>
+        </p:nvSpPr>
+        <p:spPr/>
         <p:txBody>
           <a:bodyPr/>
           <a:lstStyle/>
@@ -10774,7 +10015,7 @@
       </p:sp>
       <p:sp>
         <p:nvSpPr>
-          <p:cNvPr id="4" name="Title 1"/>
+          <p:cNvPr id="12" name="Title 1"/>
           <p:cNvSpPr txBox="1">
             <a:spLocks/>
           </p:cNvSpPr>
@@ -10782,7 +10023,7 @@
         </p:nvSpPr>
         <p:spPr>
           <a:xfrm>
-            <a:off x="2304973" y="599123"/>
+            <a:off x="2304973" y="757593"/>
             <a:ext cx="6415693" cy="893714"/>
           </a:xfrm>
           <a:prstGeom prst="rect">
@@ -10848,8 +10089,20 @@
               <a:rPr lang="en-US" sz="2600" dirty="0" smtClean="0"/>
             </a:br>
             <a:r>
-              <a:rPr lang="en-US" sz="1900" dirty="0"/>
-              <a:t>Base de Dados: Habitat for Humanity</a:t>
+              <a:rPr lang="en-US" sz="2600" dirty="0" err="1" smtClean="0"/>
+              <a:t>Laboratórios</a:t>
+            </a:r>
+            <a:r>
+              <a:rPr lang="en-US" sz="2600" dirty="0" smtClean="0"/>
+              <a:t> de </a:t>
+            </a:r>
+            <a:r>
+              <a:rPr lang="en-US" sz="2600" dirty="0" err="1" smtClean="0"/>
+              <a:t>Informática</a:t>
+            </a:r>
+            <a:r>
+              <a:rPr lang="en-US" sz="2600" dirty="0" smtClean="0"/>
+              <a:t> IV</a:t>
             </a:r>
             <a:endParaRPr lang="en-US" sz="1900" dirty="0"/>
           </a:p>
@@ -10857,7 +10110,639 @@
       </p:sp>
       <p:pic>
         <p:nvPicPr>
-          <p:cNvPr id="7" name="Picture 6" descr="logo-ee.jpg"/>
+          <p:cNvPr id="2" name="Imagem 1"/>
+          <p:cNvPicPr>
+            <a:picLocks noChangeAspect="1"/>
+          </p:cNvPicPr>
+          <p:nvPr/>
+        </p:nvPicPr>
+        <p:blipFill>
+          <a:blip r:embed="rId4" cstate="email">
+            <a:extLst>
+              <a:ext uri="{28A0092B-C50C-407E-A947-70E740481C1C}">
+                <a14:useLocalDpi xmlns:a14="http://schemas.microsoft.com/office/drawing/2010/main" val="0"/>
+              </a:ext>
+            </a:extLst>
+          </a:blip>
+          <a:stretch>
+            <a:fillRect/>
+          </a:stretch>
+        </p:blipFill>
+        <p:spPr>
+          <a:xfrm>
+            <a:off x="1269999" y="2421427"/>
+            <a:ext cx="6448002" cy="4195451"/>
+          </a:xfrm>
+          <a:prstGeom prst="rect">
+            <a:avLst/>
+          </a:prstGeom>
+        </p:spPr>
+      </p:pic>
+    </p:spTree>
+    <p:extLst>
+      <p:ext uri="{BB962C8B-B14F-4D97-AF65-F5344CB8AC3E}">
+        <p14:creationId xmlns:p14="http://schemas.microsoft.com/office/powerpoint/2010/main" val="182354636"/>
+      </p:ext>
+    </p:extLst>
+  </p:cSld>
+  <p:clrMapOvr>
+    <a:masterClrMapping/>
+  </p:clrMapOvr>
+  <p:timing>
+    <p:tnLst>
+      <p:par>
+        <p:cTn id="1" dur="indefinite" restart="never" nodeType="tmRoot"/>
+      </p:par>
+    </p:tnLst>
+  </p:timing>
+</p:sld>
+</file>
+
+<file path=ppt/slides/slide5.xml><?xml version="1.0" encoding="utf-8"?>
+<p:sld xmlns:a="http://schemas.openxmlformats.org/drawingml/2006/main" xmlns:r="http://schemas.openxmlformats.org/officeDocument/2006/relationships" xmlns:p="http://schemas.openxmlformats.org/presentationml/2006/main">
+  <p:cSld>
+    <p:spTree>
+      <p:nvGrpSpPr>
+        <p:cNvPr id="1" name=""/>
+        <p:cNvGrpSpPr/>
+        <p:nvPr/>
+      </p:nvGrpSpPr>
+      <p:grpSpPr>
+        <a:xfrm>
+          <a:off x="0" y="0"/>
+          <a:ext cx="0" cy="0"/>
+          <a:chOff x="0" y="0"/>
+          <a:chExt cx="0" cy="0"/>
+        </a:xfrm>
+      </p:grpSpPr>
+      <p:sp>
+        <p:nvSpPr>
+          <p:cNvPr id="3" name="Subtitle 2"/>
+          <p:cNvSpPr>
+            <a:spLocks noGrp="1"/>
+          </p:cNvSpPr>
+          <p:nvPr>
+            <p:ph type="subTitle" idx="1"/>
+          </p:nvPr>
+        </p:nvSpPr>
+        <p:spPr>
+          <a:xfrm>
+            <a:off x="380999" y="1532427"/>
+            <a:ext cx="1778000" cy="484632"/>
+          </a:xfrm>
+        </p:spPr>
+        <p:txBody>
+          <a:bodyPr>
+            <a:noAutofit/>
+          </a:bodyPr>
+          <a:lstStyle/>
+          <a:p>
+            <a:r>
+              <a:rPr lang="en-US" sz="1300" dirty="0" err="1" smtClean="0"/>
+              <a:t>Universidade</a:t>
+            </a:r>
+            <a:r>
+              <a:rPr lang="en-US" sz="1300" dirty="0" smtClean="0"/>
+              <a:t> do Minho</a:t>
+            </a:r>
+            <a:endParaRPr lang="en-US" sz="1300" dirty="0"/>
+          </a:p>
+        </p:txBody>
+      </p:sp>
+      <p:pic>
+        <p:nvPicPr>
+          <p:cNvPr id="5" name="Picture 4" descr="logo-ee.jpg"/>
+          <p:cNvPicPr>
+            <a:picLocks noChangeAspect="1"/>
+          </p:cNvPicPr>
+          <p:nvPr/>
+        </p:nvPicPr>
+        <p:blipFill>
+          <a:blip r:embed="rId3">
+            <a:extLst>
+              <a:ext uri="{28A0092B-C50C-407E-A947-70E740481C1C}">
+                <a14:useLocalDpi xmlns:a14="http://schemas.microsoft.com/office/drawing/2010/main" val="0"/>
+              </a:ext>
+            </a:extLst>
+          </a:blip>
+          <a:stretch>
+            <a:fillRect/>
+          </a:stretch>
+        </p:blipFill>
+        <p:spPr>
+          <a:xfrm>
+            <a:off x="380999" y="643427"/>
+            <a:ext cx="1778000" cy="889000"/>
+          </a:xfrm>
+          <a:prstGeom prst="rect">
+            <a:avLst/>
+          </a:prstGeom>
+        </p:spPr>
+      </p:pic>
+      <p:sp>
+        <p:nvSpPr>
+          <p:cNvPr id="9" name="Title 8"/>
+          <p:cNvSpPr>
+            <a:spLocks noGrp="1"/>
+          </p:cNvSpPr>
+          <p:nvPr>
+            <p:ph type="ctrTitle"/>
+          </p:nvPr>
+        </p:nvSpPr>
+        <p:spPr/>
+        <p:txBody>
+          <a:bodyPr/>
+          <a:lstStyle/>
+          <a:p>
+            <a:r>
+              <a:rPr lang="pt-PT" dirty="0" smtClean="0"/>
+              <a:t> </a:t>
+            </a:r>
+            <a:endParaRPr lang="pt-PT" dirty="0"/>
+          </a:p>
+        </p:txBody>
+      </p:sp>
+      <p:sp>
+        <p:nvSpPr>
+          <p:cNvPr id="12" name="Title 1"/>
+          <p:cNvSpPr txBox="1">
+            <a:spLocks/>
+          </p:cNvSpPr>
+          <p:nvPr/>
+        </p:nvSpPr>
+        <p:spPr>
+          <a:xfrm>
+            <a:off x="2304973" y="757593"/>
+            <a:ext cx="6415693" cy="893714"/>
+          </a:xfrm>
+          <a:prstGeom prst="rect">
+            <a:avLst/>
+          </a:prstGeom>
+          <a:noFill/>
+        </p:spPr>
+        <p:txBody>
+          <a:bodyPr vert="horz" lIns="91440" tIns="45720" rIns="91440" bIns="45720" rtlCol="0" anchor="ctr">
+            <a:noAutofit/>
+          </a:bodyPr>
+          <a:lstStyle>
+            <a:lvl1pPr algn="r" defTabSz="914400" rtl="0" eaLnBrk="1" latinLnBrk="0" hangingPunct="1">
+              <a:spcBef>
+                <a:spcPct val="0"/>
+              </a:spcBef>
+              <a:buNone/>
+              <a:defRPr sz="4200" kern="1200">
+                <a:solidFill>
+                  <a:schemeClr val="bg1"/>
+                </a:solidFill>
+                <a:latin typeface="+mj-lt"/>
+                <a:ea typeface="+mj-ea"/>
+                <a:cs typeface="+mj-cs"/>
+              </a:defRPr>
+            </a:lvl1pPr>
+          </a:lstStyle>
+          <a:p>
+            <a:pPr algn="ctr"/>
+            <a:r>
+              <a:rPr lang="pt-PT" sz="2600" dirty="0" smtClean="0"/>
+              <a:t>Licenciatura</a:t>
+            </a:r>
+            <a:r>
+              <a:rPr lang="en-US" sz="2600" dirty="0" smtClean="0"/>
+              <a:t> </a:t>
+            </a:r>
+            <a:r>
+              <a:rPr lang="pt-PT" sz="2600" dirty="0" smtClean="0"/>
+              <a:t>em</a:t>
+            </a:r>
+            <a:r>
+              <a:rPr lang="en-US" sz="2600" dirty="0" smtClean="0"/>
+              <a:t> </a:t>
+            </a:r>
+            <a:r>
+              <a:rPr lang="en-US" sz="2600" dirty="0" err="1" smtClean="0"/>
+              <a:t>Engenharia</a:t>
+            </a:r>
+            <a:r>
+              <a:rPr lang="en-US" sz="2600" dirty="0" smtClean="0"/>
+              <a:t> </a:t>
+            </a:r>
+            <a:r>
+              <a:rPr lang="en-US" sz="2600" dirty="0" err="1" smtClean="0"/>
+              <a:t>Informática</a:t>
+            </a:r>
+            <a:r>
+              <a:rPr lang="en-US" sz="2600" dirty="0" smtClean="0"/>
+              <a:t/>
+            </a:r>
+            <a:br>
+              <a:rPr lang="en-US" sz="2600" dirty="0" smtClean="0"/>
+            </a:br>
+            <a:r>
+              <a:rPr lang="en-US" sz="2600" dirty="0" err="1" smtClean="0"/>
+              <a:t>Laboratórios</a:t>
+            </a:r>
+            <a:r>
+              <a:rPr lang="en-US" sz="2600" dirty="0" smtClean="0"/>
+              <a:t> de </a:t>
+            </a:r>
+            <a:r>
+              <a:rPr lang="en-US" sz="2600" dirty="0" err="1" smtClean="0"/>
+              <a:t>Informática</a:t>
+            </a:r>
+            <a:r>
+              <a:rPr lang="en-US" sz="2600" dirty="0" smtClean="0"/>
+              <a:t> IV</a:t>
+            </a:r>
+            <a:endParaRPr lang="en-US" sz="1900" dirty="0"/>
+          </a:p>
+        </p:txBody>
+      </p:sp>
+      <p:sp>
+        <p:nvSpPr>
+          <p:cNvPr id="11" name="Espaço Reservado para Conteúdo 2"/>
+          <p:cNvSpPr txBox="1">
+            <a:spLocks/>
+          </p:cNvSpPr>
+          <p:nvPr/>
+        </p:nvSpPr>
+        <p:spPr>
+          <a:xfrm>
+            <a:off x="718457" y="2155371"/>
+            <a:ext cx="8042551" cy="3856506"/>
+          </a:xfrm>
+          <a:prstGeom prst="rect">
+            <a:avLst/>
+          </a:prstGeom>
+        </p:spPr>
+        <p:txBody>
+          <a:bodyPr vert="horz" lIns="91440" tIns="45720" rIns="91440" bIns="45720" rtlCol="0">
+            <a:normAutofit fontScale="85000" lnSpcReduction="20000"/>
+          </a:bodyPr>
+          <a:lstStyle>
+            <a:lvl1pPr marL="0" indent="0" algn="l" defTabSz="914400" rtl="0" eaLnBrk="1" latinLnBrk="0" hangingPunct="1">
+              <a:lnSpc>
+                <a:spcPct val="100000"/>
+              </a:lnSpc>
+              <a:spcBef>
+                <a:spcPts val="0"/>
+              </a:spcBef>
+              <a:buClr>
+                <a:schemeClr val="bg1">
+                  <a:lumMod val="65000"/>
+                </a:schemeClr>
+              </a:buClr>
+              <a:buSzPct val="90000"/>
+              <a:buFont typeface="Wingdings" pitchFamily="2" charset="2"/>
+              <a:buNone/>
+              <a:defRPr sz="1800" kern="1200">
+                <a:solidFill>
+                  <a:schemeClr val="bg1"/>
+                </a:solidFill>
+                <a:latin typeface="+mn-lt"/>
+                <a:ea typeface="+mn-ea"/>
+                <a:cs typeface="+mn-cs"/>
+              </a:defRPr>
+            </a:lvl1pPr>
+            <a:lvl2pPr marL="457200" indent="0" algn="ctr" defTabSz="914400" rtl="0" eaLnBrk="1" latinLnBrk="0" hangingPunct="1">
+              <a:spcBef>
+                <a:spcPts val="600"/>
+              </a:spcBef>
+              <a:buClr>
+                <a:schemeClr val="tx1">
+                  <a:lumMod val="75000"/>
+                  <a:lumOff val="25000"/>
+                </a:schemeClr>
+              </a:buClr>
+              <a:buSzPct val="90000"/>
+              <a:buFont typeface="Wingdings" pitchFamily="2" charset="2"/>
+              <a:buNone/>
+              <a:defRPr sz="2200" kern="1200">
+                <a:solidFill>
+                  <a:schemeClr val="tx1">
+                    <a:tint val="75000"/>
+                  </a:schemeClr>
+                </a:solidFill>
+                <a:latin typeface="+mn-lt"/>
+                <a:ea typeface="+mn-ea"/>
+                <a:cs typeface="+mn-cs"/>
+              </a:defRPr>
+            </a:lvl2pPr>
+            <a:lvl3pPr marL="914400" indent="0" algn="ctr" defTabSz="914400" rtl="0" eaLnBrk="1" latinLnBrk="0" hangingPunct="1">
+              <a:spcBef>
+                <a:spcPts val="600"/>
+              </a:spcBef>
+              <a:buClr>
+                <a:schemeClr val="bg1">
+                  <a:lumMod val="65000"/>
+                </a:schemeClr>
+              </a:buClr>
+              <a:buSzPct val="90000"/>
+              <a:buFont typeface="Wingdings" pitchFamily="2" charset="2"/>
+              <a:buNone/>
+              <a:defRPr sz="2000" kern="1200">
+                <a:solidFill>
+                  <a:schemeClr val="tx1">
+                    <a:tint val="75000"/>
+                  </a:schemeClr>
+                </a:solidFill>
+                <a:latin typeface="+mn-lt"/>
+                <a:ea typeface="+mn-ea"/>
+                <a:cs typeface="+mn-cs"/>
+              </a:defRPr>
+            </a:lvl3pPr>
+            <a:lvl4pPr marL="1371600" indent="0" algn="ctr" defTabSz="914400" rtl="0" eaLnBrk="1" latinLnBrk="0" hangingPunct="1">
+              <a:spcBef>
+                <a:spcPts val="600"/>
+              </a:spcBef>
+              <a:buClr>
+                <a:schemeClr val="tx1">
+                  <a:lumMod val="75000"/>
+                  <a:lumOff val="25000"/>
+                </a:schemeClr>
+              </a:buClr>
+              <a:buSzPct val="90000"/>
+              <a:buFont typeface="Wingdings" pitchFamily="2" charset="2"/>
+              <a:buNone/>
+              <a:defRPr sz="1800" kern="1200">
+                <a:solidFill>
+                  <a:schemeClr val="tx1">
+                    <a:tint val="75000"/>
+                  </a:schemeClr>
+                </a:solidFill>
+                <a:latin typeface="+mn-lt"/>
+                <a:ea typeface="+mn-ea"/>
+                <a:cs typeface="+mn-cs"/>
+              </a:defRPr>
+            </a:lvl4pPr>
+            <a:lvl5pPr marL="1828800" indent="0" algn="ctr" defTabSz="914400" rtl="0" eaLnBrk="1" latinLnBrk="0" hangingPunct="1">
+              <a:spcBef>
+                <a:spcPts val="600"/>
+              </a:spcBef>
+              <a:buClr>
+                <a:schemeClr val="bg1">
+                  <a:lumMod val="65000"/>
+                </a:schemeClr>
+              </a:buClr>
+              <a:buSzPct val="90000"/>
+              <a:buFont typeface="Wingdings" pitchFamily="2" charset="2"/>
+              <a:buNone/>
+              <a:defRPr sz="1800" kern="1200">
+                <a:solidFill>
+                  <a:schemeClr val="tx1">
+                    <a:tint val="75000"/>
+                  </a:schemeClr>
+                </a:solidFill>
+                <a:latin typeface="+mn-lt"/>
+                <a:ea typeface="+mn-ea"/>
+                <a:cs typeface="+mn-cs"/>
+              </a:defRPr>
+            </a:lvl5pPr>
+            <a:lvl6pPr marL="2286000" indent="0" algn="ctr" defTabSz="914400" rtl="0" eaLnBrk="1" latinLnBrk="0" hangingPunct="1">
+              <a:spcBef>
+                <a:spcPts val="600"/>
+              </a:spcBef>
+              <a:buClr>
+                <a:schemeClr val="tx1">
+                  <a:lumMod val="75000"/>
+                  <a:lumOff val="25000"/>
+                </a:schemeClr>
+              </a:buClr>
+              <a:buSzPct val="90000"/>
+              <a:buFont typeface="Wingdings" pitchFamily="2" charset="2"/>
+              <a:buNone/>
+              <a:defRPr lang="en-US" sz="1800" kern="1200">
+                <a:solidFill>
+                  <a:schemeClr val="tx1">
+                    <a:tint val="75000"/>
+                  </a:schemeClr>
+                </a:solidFill>
+                <a:latin typeface="+mn-lt"/>
+                <a:ea typeface="+mn-ea"/>
+                <a:cs typeface="+mn-cs"/>
+              </a:defRPr>
+            </a:lvl6pPr>
+            <a:lvl7pPr marL="2743200" indent="0" algn="ctr" defTabSz="914400" rtl="0" eaLnBrk="1" latinLnBrk="0" hangingPunct="1">
+              <a:spcBef>
+                <a:spcPts val="600"/>
+              </a:spcBef>
+              <a:buClr>
+                <a:schemeClr val="bg1">
+                  <a:lumMod val="65000"/>
+                </a:schemeClr>
+              </a:buClr>
+              <a:buSzPct val="90000"/>
+              <a:buFont typeface="Wingdings" pitchFamily="2" charset="2"/>
+              <a:buNone/>
+              <a:defRPr lang="en-US" sz="1800" kern="1200">
+                <a:solidFill>
+                  <a:schemeClr val="tx1">
+                    <a:tint val="75000"/>
+                  </a:schemeClr>
+                </a:solidFill>
+                <a:latin typeface="+mn-lt"/>
+                <a:ea typeface="+mn-ea"/>
+                <a:cs typeface="+mn-cs"/>
+              </a:defRPr>
+            </a:lvl7pPr>
+            <a:lvl8pPr marL="3200400" indent="0" algn="ctr" defTabSz="914400" rtl="0" eaLnBrk="1" latinLnBrk="0" hangingPunct="1">
+              <a:spcBef>
+                <a:spcPts val="600"/>
+              </a:spcBef>
+              <a:buClr>
+                <a:schemeClr val="tx1">
+                  <a:lumMod val="75000"/>
+                  <a:lumOff val="25000"/>
+                </a:schemeClr>
+              </a:buClr>
+              <a:buSzPct val="90000"/>
+              <a:buFont typeface="Wingdings" pitchFamily="2" charset="2"/>
+              <a:buNone/>
+              <a:defRPr lang="en-US" sz="1800" kern="1200">
+                <a:solidFill>
+                  <a:schemeClr val="tx1">
+                    <a:tint val="75000"/>
+                  </a:schemeClr>
+                </a:solidFill>
+                <a:latin typeface="+mn-lt"/>
+                <a:ea typeface="+mn-ea"/>
+                <a:cs typeface="+mn-cs"/>
+              </a:defRPr>
+            </a:lvl8pPr>
+            <a:lvl9pPr marL="3657600" indent="0" algn="ctr" defTabSz="914400" rtl="0" eaLnBrk="1" latinLnBrk="0" hangingPunct="1">
+              <a:spcBef>
+                <a:spcPts val="600"/>
+              </a:spcBef>
+              <a:buClr>
+                <a:schemeClr val="bg1">
+                  <a:lumMod val="65000"/>
+                </a:schemeClr>
+              </a:buClr>
+              <a:buSzPct val="90000"/>
+              <a:buFont typeface="Wingdings" pitchFamily="2" charset="2"/>
+              <a:buNone/>
+              <a:defRPr lang="en-US" sz="1800" kern="1200">
+                <a:solidFill>
+                  <a:schemeClr val="tx1">
+                    <a:tint val="75000"/>
+                  </a:schemeClr>
+                </a:solidFill>
+                <a:latin typeface="+mn-lt"/>
+                <a:ea typeface="+mn-ea"/>
+                <a:cs typeface="+mn-cs"/>
+              </a:defRPr>
+            </a:lvl9pPr>
+          </a:lstStyle>
+          <a:p>
+            <a:pPr>
+              <a:spcBef>
+                <a:spcPts val="600"/>
+              </a:spcBef>
+              <a:spcAft>
+                <a:spcPts val="600"/>
+              </a:spcAft>
+            </a:pPr>
+            <a:r>
+              <a:rPr lang="pt-PT" sz="4000" b="1" dirty="0" smtClean="0">
+                <a:solidFill>
+                  <a:schemeClr val="tx1"/>
+                </a:solidFill>
+              </a:rPr>
+              <a:t>Descrição	</a:t>
+            </a:r>
+          </a:p>
+          <a:p>
+            <a:pPr>
+              <a:spcBef>
+                <a:spcPts val="600"/>
+              </a:spcBef>
+              <a:spcAft>
+                <a:spcPts val="600"/>
+              </a:spcAft>
+            </a:pPr>
+            <a:r>
+              <a:rPr lang="pt-PT" sz="2000" dirty="0" smtClean="0">
+                <a:solidFill>
+                  <a:schemeClr val="tx1"/>
+                </a:solidFill>
+              </a:rPr>
+              <a:t>Combina </a:t>
+            </a:r>
+            <a:r>
+              <a:rPr lang="pt-PT" sz="2000" dirty="0">
+                <a:solidFill>
+                  <a:schemeClr val="tx1"/>
+                </a:solidFill>
+              </a:rPr>
+              <a:t>características do Modelo em Cascata com uma abordagem </a:t>
+            </a:r>
+            <a:r>
+              <a:rPr lang="pt-PT" sz="2000" dirty="0" smtClean="0">
+                <a:solidFill>
+                  <a:schemeClr val="tx1"/>
+                </a:solidFill>
+              </a:rPr>
+              <a:t>de prototipagem</a:t>
+            </a:r>
+          </a:p>
+          <a:p>
+            <a:pPr>
+              <a:spcBef>
+                <a:spcPts val="600"/>
+              </a:spcBef>
+              <a:spcAft>
+                <a:spcPts val="600"/>
+              </a:spcAft>
+            </a:pPr>
+            <a:r>
+              <a:rPr lang="pt-PT" sz="2000" dirty="0">
+                <a:solidFill>
+                  <a:schemeClr val="tx1"/>
+                </a:solidFill>
+              </a:rPr>
+              <a:t>Mais indicado para projectos de larga escala, dispendiosos e/ou complexos Foca-se na necessidade de iterar para controlar riscos 1. Definição dos requisitos com o maior detalhe possível 2. Concepção de um primeiro “desenho” do sistema. 3. Um primeiro protótipo é construido a partir do passo anterior 4. Desenvolvimento de um segundo protótipo a partir do primeiro (este passo é iterado até o cliente estar satisfeito): Avaliação do protótipo anterior (pontos fortes e fracos, riscos) Definição de requisitos para o novo protótipo Planeamento e conceção do novo prtótipo Construção e teste do novo protótipo O produto final é construído a partir do protótipo final e, depois de avaliado e testado, entra em produção. O cliente pode optar por abortar o projecto se considerar o risco de desenvolver o produto demasiado alto. Custo de desenvolvimento, custo de operação, qualquer outro factor relevante para a obtenção de um produto satisfatório</a:t>
+            </a:r>
+            <a:endParaRPr lang="pt-PT" sz="2000" b="1" dirty="0" smtClean="0">
+              <a:solidFill>
+                <a:schemeClr val="tx1"/>
+              </a:solidFill>
+            </a:endParaRPr>
+          </a:p>
+        </p:txBody>
+      </p:sp>
+    </p:spTree>
+    <p:extLst>
+      <p:ext uri="{BB962C8B-B14F-4D97-AF65-F5344CB8AC3E}">
+        <p14:creationId xmlns:p14="http://schemas.microsoft.com/office/powerpoint/2010/main" val="778667012"/>
+      </p:ext>
+    </p:extLst>
+  </p:cSld>
+  <p:clrMapOvr>
+    <a:masterClrMapping/>
+  </p:clrMapOvr>
+  <p:timing>
+    <p:tnLst>
+      <p:par>
+        <p:cTn id="1" dur="indefinite" restart="never" nodeType="tmRoot"/>
+      </p:par>
+    </p:tnLst>
+  </p:timing>
+</p:sld>
+</file>
+
+<file path=ppt/slides/slide6.xml><?xml version="1.0" encoding="utf-8"?>
+<p:sld xmlns:a="http://schemas.openxmlformats.org/drawingml/2006/main" xmlns:r="http://schemas.openxmlformats.org/officeDocument/2006/relationships" xmlns:p="http://schemas.openxmlformats.org/presentationml/2006/main">
+  <p:cSld>
+    <p:spTree>
+      <p:nvGrpSpPr>
+        <p:cNvPr id="1" name=""/>
+        <p:cNvGrpSpPr/>
+        <p:nvPr/>
+      </p:nvGrpSpPr>
+      <p:grpSpPr>
+        <a:xfrm>
+          <a:off x="0" y="0"/>
+          <a:ext cx="0" cy="0"/>
+          <a:chOff x="0" y="0"/>
+          <a:chExt cx="0" cy="0"/>
+        </a:xfrm>
+      </p:grpSpPr>
+      <p:sp>
+        <p:nvSpPr>
+          <p:cNvPr id="3" name="Subtitle 2"/>
+          <p:cNvSpPr>
+            <a:spLocks noGrp="1"/>
+          </p:cNvSpPr>
+          <p:nvPr>
+            <p:ph type="subTitle" idx="1"/>
+          </p:nvPr>
+        </p:nvSpPr>
+        <p:spPr>
+          <a:xfrm>
+            <a:off x="380999" y="1532427"/>
+            <a:ext cx="1778000" cy="484632"/>
+          </a:xfrm>
+        </p:spPr>
+        <p:txBody>
+          <a:bodyPr>
+            <a:noAutofit/>
+          </a:bodyPr>
+          <a:lstStyle/>
+          <a:p>
+            <a:r>
+              <a:rPr lang="en-US" sz="1300" dirty="0" err="1" smtClean="0"/>
+              <a:t>Universidade</a:t>
+            </a:r>
+            <a:r>
+              <a:rPr lang="en-US" sz="1300" dirty="0" smtClean="0"/>
+              <a:t> do Minho</a:t>
+            </a:r>
+            <a:endParaRPr lang="en-US" sz="1300" dirty="0"/>
+          </a:p>
+        </p:txBody>
+      </p:sp>
+      <p:pic>
+        <p:nvPicPr>
+          <p:cNvPr id="5" name="Picture 4" descr="logo-ee.jpg"/>
           <p:cNvPicPr>
             <a:picLocks noChangeAspect="1"/>
           </p:cNvPicPr>
@@ -10887,219 +10772,38 @@
       </p:pic>
       <p:sp>
         <p:nvSpPr>
-          <p:cNvPr id="5" name="TextBox 4"/>
-          <p:cNvSpPr txBox="1"/>
+          <p:cNvPr id="9" name="Title 8"/>
+          <p:cNvSpPr>
+            <a:spLocks noGrp="1"/>
+          </p:cNvSpPr>
+          <p:nvPr>
+            <p:ph type="ctrTitle"/>
+          </p:nvPr>
+        </p:nvSpPr>
+        <p:spPr/>
+        <p:txBody>
+          <a:bodyPr/>
+          <a:lstStyle/>
+          <a:p>
+            <a:r>
+              <a:rPr lang="pt-PT" dirty="0" smtClean="0"/>
+              <a:t> </a:t>
+            </a:r>
+            <a:endParaRPr lang="pt-PT" dirty="0"/>
+          </a:p>
+        </p:txBody>
+      </p:sp>
+      <p:sp>
+        <p:nvSpPr>
+          <p:cNvPr id="12" name="Title 1"/>
+          <p:cNvSpPr txBox="1">
+            <a:spLocks/>
+          </p:cNvSpPr>
           <p:nvPr/>
         </p:nvSpPr>
         <p:spPr>
           <a:xfrm>
-            <a:off x="381000" y="1982663"/>
-            <a:ext cx="8339666" cy="707886"/>
-          </a:xfrm>
-          <a:prstGeom prst="rect">
-            <a:avLst/>
-          </a:prstGeom>
-          <a:noFill/>
-        </p:spPr>
-        <p:txBody>
-          <a:bodyPr wrap="square" rtlCol="0">
-            <a:spAutoFit/>
-          </a:bodyPr>
-          <a:lstStyle/>
-          <a:p>
-            <a:r>
-              <a:rPr lang="pt-PT" sz="4000" b="1" dirty="0" smtClean="0"/>
-              <a:t>Introduç</a:t>
-            </a:r>
-            <a:r>
-              <a:rPr lang="pt-PT" sz="4000" b="1" dirty="0" smtClean="0"/>
-              <a:t>ão</a:t>
-            </a:r>
-            <a:endParaRPr lang="pt-PT" sz="4000" b="1" dirty="0"/>
-          </a:p>
-        </p:txBody>
-      </p:sp>
-      <p:sp>
-        <p:nvSpPr>
-          <p:cNvPr id="10" name="TextBox 9"/>
-          <p:cNvSpPr txBox="1"/>
-          <p:nvPr/>
-        </p:nvSpPr>
-        <p:spPr>
-          <a:xfrm>
-            <a:off x="380999" y="2744069"/>
-            <a:ext cx="8339667" cy="3477875"/>
-          </a:xfrm>
-          <a:prstGeom prst="rect">
-            <a:avLst/>
-          </a:prstGeom>
-          <a:noFill/>
-        </p:spPr>
-        <p:txBody>
-          <a:bodyPr wrap="square" rtlCol="0">
-            <a:spAutoFit/>
-          </a:bodyPr>
-          <a:lstStyle/>
-          <a:p>
-            <a:pPr algn="just"/>
-            <a:r>
-              <a:rPr lang="pt-PT" sz="2000" dirty="0"/>
-              <a:t> </a:t>
-            </a:r>
-            <a:r>
-              <a:rPr lang="pt-PT" sz="2000" dirty="0" smtClean="0"/>
-              <a:t> Este projeto teve como objetivo fornecer</a:t>
-            </a:r>
-            <a:r>
-              <a:rPr lang="pt-PT" sz="2000" dirty="0"/>
-              <a:t> </a:t>
-            </a:r>
-            <a:r>
-              <a:rPr lang="pt-PT" sz="2000" dirty="0" smtClean="0"/>
-              <a:t>à “Habitat for </a:t>
-            </a:r>
-            <a:r>
-              <a:rPr lang="pt-PT" sz="2000" dirty="0" err="1" smtClean="0"/>
-              <a:t>Humanity</a:t>
-            </a:r>
-            <a:r>
-              <a:rPr lang="pt-PT" sz="2000" dirty="0" smtClean="0"/>
-              <a:t>: Braga”, associação internacional humanitária cristã, sem fins lucrativos, dedicada à construção de habitações, um sistema de base de dados, para que fosse possível gerir e armazenar a informação relacionada com a sua atividade, optimizando assim a capacidade de interligação entre todas as suas áreas.</a:t>
-            </a:r>
-            <a:br>
-              <a:rPr lang="pt-PT" sz="2000" dirty="0" smtClean="0"/>
-            </a:br>
-            <a:endParaRPr lang="pt-PT" sz="2000" dirty="0" smtClean="0"/>
-          </a:p>
-          <a:p>
-            <a:pPr algn="just"/>
-            <a:r>
-              <a:rPr lang="pt-PT" sz="2000" dirty="0"/>
-              <a:t> </a:t>
-            </a:r>
-            <a:r>
-              <a:rPr lang="pt-PT" sz="2000" dirty="0" smtClean="0"/>
-              <a:t>  Para a realização do projeto seguiu-se a seguinte metodologia:</a:t>
-            </a:r>
-          </a:p>
-          <a:p>
-            <a:pPr marL="342900" indent="-342900" algn="just">
-              <a:buFont typeface="Arial"/>
-              <a:buChar char="•"/>
-            </a:pPr>
-            <a:r>
-              <a:rPr lang="pt-PT" sz="2000" dirty="0" smtClean="0"/>
-              <a:t>Construção de um Modelo Conceptual</a:t>
-            </a:r>
-          </a:p>
-          <a:p>
-            <a:pPr marL="342900" indent="-342900" algn="just">
-              <a:buFont typeface="Arial"/>
-              <a:buChar char="•"/>
-            </a:pPr>
-            <a:r>
-              <a:rPr lang="pt-PT" sz="2000" dirty="0" smtClean="0"/>
-              <a:t>Construção de um Modelo Lógico</a:t>
-            </a:r>
-          </a:p>
-          <a:p>
-            <a:pPr marL="342900" indent="-342900" algn="just">
-              <a:buFont typeface="Arial"/>
-              <a:buChar char="•"/>
-            </a:pPr>
-            <a:r>
-              <a:rPr lang="pt-PT" sz="2000" dirty="0" smtClean="0"/>
-              <a:t>Construção de um Modelo Físico</a:t>
-            </a:r>
-          </a:p>
-          <a:p>
-            <a:pPr algn="just"/>
-            <a:endParaRPr lang="pt-PT" sz="2000" dirty="0"/>
-          </a:p>
-        </p:txBody>
-      </p:sp>
-    </p:spTree>
-    <p:extLst>
-      <p:ext uri="{BB962C8B-B14F-4D97-AF65-F5344CB8AC3E}">
-        <p14:creationId xmlns:p14="http://schemas.microsoft.com/office/powerpoint/2010/main" val="4088274176"/>
-      </p:ext>
-    </p:extLst>
-  </p:cSld>
-  <p:clrMapOvr>
-    <a:masterClrMapping/>
-  </p:clrMapOvr>
-  <p:timing>
-    <p:tnLst>
-      <p:par>
-        <p:cTn xmlns:p14="http://schemas.microsoft.com/office/powerpoint/2010/main" id="1" dur="indefinite" restart="never" nodeType="tmRoot"/>
-      </p:par>
-    </p:tnLst>
-  </p:timing>
-</p:sld>
-</file>
-
-<file path=ppt/slides/slide4.xml><?xml version="1.0" encoding="utf-8"?>
-<p:sld xmlns:a="http://schemas.openxmlformats.org/drawingml/2006/main" xmlns:r="http://schemas.openxmlformats.org/officeDocument/2006/relationships" xmlns:p="http://schemas.openxmlformats.org/presentationml/2006/main">
-  <p:cSld>
-    <p:spTree>
-      <p:nvGrpSpPr>
-        <p:cNvPr id="1" name=""/>
-        <p:cNvGrpSpPr/>
-        <p:nvPr/>
-      </p:nvGrpSpPr>
-      <p:grpSpPr>
-        <a:xfrm>
-          <a:off x="0" y="0"/>
-          <a:ext cx="0" cy="0"/>
-          <a:chOff x="0" y="0"/>
-          <a:chExt cx="0" cy="0"/>
-        </a:xfrm>
-      </p:grpSpPr>
-      <p:sp>
-        <p:nvSpPr>
-          <p:cNvPr id="2" name="Title 1"/>
-          <p:cNvSpPr>
-            <a:spLocks noGrp="1"/>
-          </p:cNvSpPr>
-          <p:nvPr>
-            <p:ph type="title"/>
-          </p:nvPr>
-        </p:nvSpPr>
-        <p:spPr>
-          <a:xfrm>
-            <a:off x="284163" y="409222"/>
-            <a:ext cx="8574087" cy="1189000"/>
-          </a:xfrm>
-          <a:solidFill>
-            <a:schemeClr val="tx1">
-              <a:lumMod val="75000"/>
-              <a:lumOff val="25000"/>
-            </a:schemeClr>
-          </a:solidFill>
-        </p:spPr>
-        <p:txBody>
-          <a:bodyPr/>
-          <a:lstStyle/>
-          <a:p>
-            <a:r>
-              <a:rPr lang="pt-PT" dirty="0" smtClean="0"/>
-              <a:t> </a:t>
-            </a:r>
-            <a:endParaRPr lang="pt-PT" dirty="0"/>
-          </a:p>
-        </p:txBody>
-      </p:sp>
-      <p:sp>
-        <p:nvSpPr>
-          <p:cNvPr id="4" name="Title 1"/>
-          <p:cNvSpPr txBox="1">
-            <a:spLocks/>
-          </p:cNvSpPr>
-          <p:nvPr/>
-        </p:nvSpPr>
-        <p:spPr>
-          <a:xfrm>
-            <a:off x="2304973" y="599123"/>
+            <a:off x="2304973" y="757593"/>
             <a:ext cx="6415693" cy="893714"/>
           </a:xfrm>
           <a:prstGeom prst="rect">
@@ -11165,220 +10869,315 @@
               <a:rPr lang="en-US" sz="2600" dirty="0" smtClean="0"/>
             </a:br>
             <a:r>
-              <a:rPr lang="en-US" sz="1900" dirty="0"/>
-              <a:t>Base de Dados: Habitat for Humanity</a:t>
+              <a:rPr lang="en-US" sz="2600" dirty="0" err="1" smtClean="0"/>
+              <a:t>Laboratórios</a:t>
+            </a:r>
+            <a:r>
+              <a:rPr lang="en-US" sz="2600" dirty="0" smtClean="0"/>
+              <a:t> de </a:t>
+            </a:r>
+            <a:r>
+              <a:rPr lang="en-US" sz="2600" dirty="0" err="1" smtClean="0"/>
+              <a:t>Informática</a:t>
+            </a:r>
+            <a:r>
+              <a:rPr lang="en-US" sz="2600" dirty="0" smtClean="0"/>
+              <a:t> IV</a:t>
             </a:r>
             <a:endParaRPr lang="en-US" sz="1900" dirty="0"/>
           </a:p>
         </p:txBody>
       </p:sp>
-      <p:pic>
-        <p:nvPicPr>
-          <p:cNvPr id="7" name="Picture 6" descr="logo-ee.jpg"/>
-          <p:cNvPicPr>
-            <a:picLocks noChangeAspect="1"/>
-          </p:cNvPicPr>
+      <p:sp>
+        <p:nvSpPr>
+          <p:cNvPr id="11" name="Espaço Reservado para Conteúdo 2"/>
+          <p:cNvSpPr txBox="1">
+            <a:spLocks/>
+          </p:cNvSpPr>
           <p:nvPr/>
-        </p:nvPicPr>
-        <p:blipFill>
-          <a:blip r:embed="rId3">
-            <a:extLst>
-              <a:ext uri="{28A0092B-C50C-407E-A947-70E740481C1C}">
-                <a14:useLocalDpi xmlns:a14="http://schemas.microsoft.com/office/drawing/2010/main" val="0"/>
-              </a:ext>
-            </a:extLst>
-          </a:blip>
-          <a:stretch>
-            <a:fillRect/>
-          </a:stretch>
-        </p:blipFill>
+        </p:nvSpPr>
         <p:spPr>
           <a:xfrm>
-            <a:off x="380999" y="643427"/>
-            <a:ext cx="1778000" cy="889000"/>
+            <a:off x="421341" y="2155371"/>
+            <a:ext cx="8339667" cy="3856506"/>
           </a:xfrm>
           <a:prstGeom prst="rect">
             <a:avLst/>
           </a:prstGeom>
         </p:spPr>
-      </p:pic>
-      <p:sp>
-        <p:nvSpPr>
-          <p:cNvPr id="5" name="TextBox 4"/>
-          <p:cNvSpPr txBox="1"/>
-          <p:nvPr/>
-        </p:nvSpPr>
-        <p:spPr>
-          <a:xfrm>
-            <a:off x="381000" y="2093281"/>
-            <a:ext cx="8339666" cy="584776"/>
-          </a:xfrm>
-          <a:prstGeom prst="rect">
-            <a:avLst/>
-          </a:prstGeom>
-          <a:noFill/>
-        </p:spPr>
-        <p:txBody>
-          <a:bodyPr wrap="square" rtlCol="0">
-            <a:spAutoFit/>
+        <p:txBody>
+          <a:bodyPr vert="horz" lIns="91440" tIns="45720" rIns="91440" bIns="45720" rtlCol="0">
+            <a:normAutofit/>
           </a:bodyPr>
-          <a:lstStyle/>
-          <a:p>
-            <a:r>
-              <a:rPr lang="pt-PT" sz="3200" b="1" dirty="0" smtClean="0"/>
-              <a:t>Modelo Conceptual</a:t>
-            </a:r>
-            <a:endParaRPr lang="en-US" sz="1900" dirty="0"/>
-          </a:p>
-        </p:txBody>
-      </p:sp>
-      <p:sp>
-        <p:nvSpPr>
-          <p:cNvPr id="9" name="TextBox 8"/>
-          <p:cNvSpPr txBox="1"/>
-          <p:nvPr/>
-        </p:nvSpPr>
-        <p:spPr>
-          <a:xfrm>
-            <a:off x="380999" y="2678057"/>
-            <a:ext cx="7799752" cy="1107996"/>
-          </a:xfrm>
-          <a:prstGeom prst="rect">
-            <a:avLst/>
-          </a:prstGeom>
-          <a:noFill/>
-        </p:spPr>
-        <p:txBody>
-          <a:bodyPr wrap="square" rtlCol="0">
-            <a:spAutoFit/>
-          </a:bodyPr>
-          <a:lstStyle/>
-          <a:p>
-            <a:r>
-              <a:rPr lang="pt-PT" sz="2400" dirty="0" smtClean="0"/>
-              <a:t>Para a construção</a:t>
-            </a:r>
-            <a:r>
-              <a:rPr lang="pt-PT" sz="2400" dirty="0" smtClean="0"/>
-              <a:t> do modelo conceptual foi adoptado o modelo ER</a:t>
-            </a:r>
-            <a:r>
-              <a:rPr lang="pt-PT" sz="2400" dirty="0" smtClean="0"/>
-              <a:t>, seguindo os seguintes passos:</a:t>
-            </a:r>
-            <a:endParaRPr lang="pt-PT" sz="2400" dirty="0"/>
-          </a:p>
-          <a:p>
-            <a:endParaRPr lang="pt-PT" dirty="0"/>
-          </a:p>
-        </p:txBody>
-      </p:sp>
-      <p:sp>
-        <p:nvSpPr>
-          <p:cNvPr id="3" name="TextBox 2"/>
-          <p:cNvSpPr txBox="1"/>
-          <p:nvPr/>
-        </p:nvSpPr>
-        <p:spPr>
-          <a:xfrm>
-            <a:off x="583390" y="3656986"/>
-            <a:ext cx="7597361" cy="2246769"/>
-          </a:xfrm>
-          <a:prstGeom prst="rect">
-            <a:avLst/>
-          </a:prstGeom>
-          <a:noFill/>
-        </p:spPr>
-        <p:txBody>
-          <a:bodyPr wrap="square" rtlCol="0">
-            <a:spAutoFit/>
-          </a:bodyPr>
-          <a:lstStyle/>
-          <a:p>
-            <a:pPr marL="285750" indent="-285750">
-              <a:buFont typeface="Arial"/>
-              <a:buChar char="•"/>
+          <a:lstStyle>
+            <a:lvl1pPr marL="0" indent="0" algn="l" defTabSz="914400" rtl="0" eaLnBrk="1" latinLnBrk="0" hangingPunct="1">
+              <a:lnSpc>
+                <a:spcPct val="100000"/>
+              </a:lnSpc>
+              <a:spcBef>
+                <a:spcPts val="0"/>
+              </a:spcBef>
+              <a:buClr>
+                <a:schemeClr val="bg1">
+                  <a:lumMod val="65000"/>
+                </a:schemeClr>
+              </a:buClr>
+              <a:buSzPct val="90000"/>
+              <a:buFont typeface="Wingdings" pitchFamily="2" charset="2"/>
+              <a:buNone/>
+              <a:defRPr sz="1800" kern="1200">
+                <a:solidFill>
+                  <a:schemeClr val="bg1"/>
+                </a:solidFill>
+                <a:latin typeface="+mn-lt"/>
+                <a:ea typeface="+mn-ea"/>
+                <a:cs typeface="+mn-cs"/>
+              </a:defRPr>
+            </a:lvl1pPr>
+            <a:lvl2pPr marL="457200" indent="0" algn="ctr" defTabSz="914400" rtl="0" eaLnBrk="1" latinLnBrk="0" hangingPunct="1">
+              <a:spcBef>
+                <a:spcPts val="600"/>
+              </a:spcBef>
+              <a:buClr>
+                <a:schemeClr val="tx1">
+                  <a:lumMod val="75000"/>
+                  <a:lumOff val="25000"/>
+                </a:schemeClr>
+              </a:buClr>
+              <a:buSzPct val="90000"/>
+              <a:buFont typeface="Wingdings" pitchFamily="2" charset="2"/>
+              <a:buNone/>
+              <a:defRPr sz="2200" kern="1200">
+                <a:solidFill>
+                  <a:schemeClr val="tx1">
+                    <a:tint val="75000"/>
+                  </a:schemeClr>
+                </a:solidFill>
+                <a:latin typeface="+mn-lt"/>
+                <a:ea typeface="+mn-ea"/>
+                <a:cs typeface="+mn-cs"/>
+              </a:defRPr>
+            </a:lvl2pPr>
+            <a:lvl3pPr marL="914400" indent="0" algn="ctr" defTabSz="914400" rtl="0" eaLnBrk="1" latinLnBrk="0" hangingPunct="1">
+              <a:spcBef>
+                <a:spcPts val="600"/>
+              </a:spcBef>
+              <a:buClr>
+                <a:schemeClr val="bg1">
+                  <a:lumMod val="65000"/>
+                </a:schemeClr>
+              </a:buClr>
+              <a:buSzPct val="90000"/>
+              <a:buFont typeface="Wingdings" pitchFamily="2" charset="2"/>
+              <a:buNone/>
+              <a:defRPr sz="2000" kern="1200">
+                <a:solidFill>
+                  <a:schemeClr val="tx1">
+                    <a:tint val="75000"/>
+                  </a:schemeClr>
+                </a:solidFill>
+                <a:latin typeface="+mn-lt"/>
+                <a:ea typeface="+mn-ea"/>
+                <a:cs typeface="+mn-cs"/>
+              </a:defRPr>
+            </a:lvl3pPr>
+            <a:lvl4pPr marL="1371600" indent="0" algn="ctr" defTabSz="914400" rtl="0" eaLnBrk="1" latinLnBrk="0" hangingPunct="1">
+              <a:spcBef>
+                <a:spcPts val="600"/>
+              </a:spcBef>
+              <a:buClr>
+                <a:schemeClr val="tx1">
+                  <a:lumMod val="75000"/>
+                  <a:lumOff val="25000"/>
+                </a:schemeClr>
+              </a:buClr>
+              <a:buSzPct val="90000"/>
+              <a:buFont typeface="Wingdings" pitchFamily="2" charset="2"/>
+              <a:buNone/>
+              <a:defRPr sz="1800" kern="1200">
+                <a:solidFill>
+                  <a:schemeClr val="tx1">
+                    <a:tint val="75000"/>
+                  </a:schemeClr>
+                </a:solidFill>
+                <a:latin typeface="+mn-lt"/>
+                <a:ea typeface="+mn-ea"/>
+                <a:cs typeface="+mn-cs"/>
+              </a:defRPr>
+            </a:lvl4pPr>
+            <a:lvl5pPr marL="1828800" indent="0" algn="ctr" defTabSz="914400" rtl="0" eaLnBrk="1" latinLnBrk="0" hangingPunct="1">
+              <a:spcBef>
+                <a:spcPts val="600"/>
+              </a:spcBef>
+              <a:buClr>
+                <a:schemeClr val="bg1">
+                  <a:lumMod val="65000"/>
+                </a:schemeClr>
+              </a:buClr>
+              <a:buSzPct val="90000"/>
+              <a:buFont typeface="Wingdings" pitchFamily="2" charset="2"/>
+              <a:buNone/>
+              <a:defRPr sz="1800" kern="1200">
+                <a:solidFill>
+                  <a:schemeClr val="tx1">
+                    <a:tint val="75000"/>
+                  </a:schemeClr>
+                </a:solidFill>
+                <a:latin typeface="+mn-lt"/>
+                <a:ea typeface="+mn-ea"/>
+                <a:cs typeface="+mn-cs"/>
+              </a:defRPr>
+            </a:lvl5pPr>
+            <a:lvl6pPr marL="2286000" indent="0" algn="ctr" defTabSz="914400" rtl="0" eaLnBrk="1" latinLnBrk="0" hangingPunct="1">
+              <a:spcBef>
+                <a:spcPts val="600"/>
+              </a:spcBef>
+              <a:buClr>
+                <a:schemeClr val="tx1">
+                  <a:lumMod val="75000"/>
+                  <a:lumOff val="25000"/>
+                </a:schemeClr>
+              </a:buClr>
+              <a:buSzPct val="90000"/>
+              <a:buFont typeface="Wingdings" pitchFamily="2" charset="2"/>
+              <a:buNone/>
+              <a:defRPr lang="en-US" sz="1800" kern="1200">
+                <a:solidFill>
+                  <a:schemeClr val="tx1">
+                    <a:tint val="75000"/>
+                  </a:schemeClr>
+                </a:solidFill>
+                <a:latin typeface="+mn-lt"/>
+                <a:ea typeface="+mn-ea"/>
+                <a:cs typeface="+mn-cs"/>
+              </a:defRPr>
+            </a:lvl6pPr>
+            <a:lvl7pPr marL="2743200" indent="0" algn="ctr" defTabSz="914400" rtl="0" eaLnBrk="1" latinLnBrk="0" hangingPunct="1">
+              <a:spcBef>
+                <a:spcPts val="600"/>
+              </a:spcBef>
+              <a:buClr>
+                <a:schemeClr val="bg1">
+                  <a:lumMod val="65000"/>
+                </a:schemeClr>
+              </a:buClr>
+              <a:buSzPct val="90000"/>
+              <a:buFont typeface="Wingdings" pitchFamily="2" charset="2"/>
+              <a:buNone/>
+              <a:defRPr lang="en-US" sz="1800" kern="1200">
+                <a:solidFill>
+                  <a:schemeClr val="tx1">
+                    <a:tint val="75000"/>
+                  </a:schemeClr>
+                </a:solidFill>
+                <a:latin typeface="+mn-lt"/>
+                <a:ea typeface="+mn-ea"/>
+                <a:cs typeface="+mn-cs"/>
+              </a:defRPr>
+            </a:lvl7pPr>
+            <a:lvl8pPr marL="3200400" indent="0" algn="ctr" defTabSz="914400" rtl="0" eaLnBrk="1" latinLnBrk="0" hangingPunct="1">
+              <a:spcBef>
+                <a:spcPts val="600"/>
+              </a:spcBef>
+              <a:buClr>
+                <a:schemeClr val="tx1">
+                  <a:lumMod val="75000"/>
+                  <a:lumOff val="25000"/>
+                </a:schemeClr>
+              </a:buClr>
+              <a:buSzPct val="90000"/>
+              <a:buFont typeface="Wingdings" pitchFamily="2" charset="2"/>
+              <a:buNone/>
+              <a:defRPr lang="en-US" sz="1800" kern="1200">
+                <a:solidFill>
+                  <a:schemeClr val="tx1">
+                    <a:tint val="75000"/>
+                  </a:schemeClr>
+                </a:solidFill>
+                <a:latin typeface="+mn-lt"/>
+                <a:ea typeface="+mn-ea"/>
+                <a:cs typeface="+mn-cs"/>
+              </a:defRPr>
+            </a:lvl8pPr>
+            <a:lvl9pPr marL="3657600" indent="0" algn="ctr" defTabSz="914400" rtl="0" eaLnBrk="1" latinLnBrk="0" hangingPunct="1">
+              <a:spcBef>
+                <a:spcPts val="600"/>
+              </a:spcBef>
+              <a:buClr>
+                <a:schemeClr val="bg1">
+                  <a:lumMod val="65000"/>
+                </a:schemeClr>
+              </a:buClr>
+              <a:buSzPct val="90000"/>
+              <a:buFont typeface="Wingdings" pitchFamily="2" charset="2"/>
+              <a:buNone/>
+              <a:defRPr lang="en-US" sz="1800" kern="1200">
+                <a:solidFill>
+                  <a:schemeClr val="tx1">
+                    <a:tint val="75000"/>
+                  </a:schemeClr>
+                </a:solidFill>
+                <a:latin typeface="+mn-lt"/>
+                <a:ea typeface="+mn-ea"/>
+                <a:cs typeface="+mn-cs"/>
+              </a:defRPr>
+            </a:lvl9pPr>
+          </a:lstStyle>
+          <a:p>
+            <a:pPr>
+              <a:spcBef>
+                <a:spcPts val="600"/>
+              </a:spcBef>
+              <a:spcAft>
+                <a:spcPts val="600"/>
+              </a:spcAft>
             </a:pPr>
             <a:r>
-              <a:rPr lang="pt-PT" sz="2000" dirty="0" smtClean="0"/>
-              <a:t>Levantamento e An</a:t>
-            </a:r>
-            <a:r>
-              <a:rPr lang="pt-PT" sz="2000" dirty="0" smtClean="0"/>
-              <a:t>á</a:t>
-            </a:r>
-            <a:r>
-              <a:rPr lang="pt-PT" sz="2000" dirty="0" smtClean="0"/>
-              <a:t>lise de requisitos</a:t>
-            </a:r>
-          </a:p>
-          <a:p>
-            <a:pPr marL="285750" indent="-285750">
-              <a:buFont typeface="Arial"/>
-              <a:buChar char="•"/>
-            </a:pPr>
-            <a:r>
-              <a:rPr lang="pt-PT" sz="2000" dirty="0" smtClean="0"/>
-              <a:t>Identificaç</a:t>
-            </a:r>
-            <a:r>
-              <a:rPr lang="pt-PT" sz="2000" dirty="0" smtClean="0"/>
-              <a:t>ão das Entidades</a:t>
-            </a:r>
-          </a:p>
-          <a:p>
-            <a:pPr marL="285750" indent="-285750">
-              <a:buFont typeface="Arial"/>
-              <a:buChar char="•"/>
-            </a:pPr>
-            <a:r>
-              <a:rPr lang="pt-PT" sz="2000" dirty="0" smtClean="0"/>
-              <a:t>Identificação dos Relacionamentos</a:t>
-            </a:r>
-          </a:p>
-          <a:p>
-            <a:pPr marL="285750" indent="-285750">
-              <a:buFont typeface="Arial"/>
-              <a:buChar char="•"/>
-            </a:pPr>
-            <a:r>
-              <a:rPr lang="pt-PT" sz="2000" dirty="0" smtClean="0"/>
-              <a:t>Identificação dos Atributos e seus Domínios</a:t>
-            </a:r>
-          </a:p>
-          <a:p>
-            <a:pPr marL="285750" indent="-285750">
-              <a:buFont typeface="Arial"/>
-              <a:buChar char="•"/>
-            </a:pPr>
-            <a:r>
-              <a:rPr lang="pt-PT" sz="2000" dirty="0" smtClean="0"/>
-              <a:t>Determinação das chaves candidatas e chaves primárias</a:t>
-            </a:r>
-          </a:p>
-          <a:p>
-            <a:pPr marL="285750" indent="-285750">
-              <a:buFont typeface="Arial"/>
-              <a:buChar char="•"/>
-            </a:pPr>
-            <a:r>
-              <a:rPr lang="pt-PT" sz="2000" dirty="0" smtClean="0"/>
-              <a:t>Verificação e validação do modelo desenvolvido</a:t>
-            </a:r>
-          </a:p>
-          <a:p>
-            <a:pPr marL="285750" indent="-285750">
-              <a:buFont typeface="Arial"/>
-              <a:buChar char="•"/>
-            </a:pPr>
-            <a:endParaRPr lang="pt-PT" sz="2000" dirty="0"/>
+              <a:rPr lang="pt-PT" sz="5400" b="1" dirty="0">
+                <a:solidFill>
+                  <a:schemeClr val="tx1"/>
+                </a:solidFill>
+              </a:rPr>
+              <a:t> </a:t>
+            </a:r>
+            <a:r>
+              <a:rPr lang="pt-PT" sz="5400" b="1" dirty="0" smtClean="0">
+                <a:solidFill>
+                  <a:schemeClr val="tx1"/>
+                </a:solidFill>
+              </a:rPr>
+              <a:t>  </a:t>
+            </a:r>
+            <a:r>
+              <a:rPr lang="pt-PT" sz="4400" b="1" dirty="0" smtClean="0">
+                <a:solidFill>
+                  <a:schemeClr val="tx1"/>
+                </a:solidFill>
+              </a:rPr>
+              <a:t>Prós e Contras</a:t>
+            </a:r>
+            <a:endParaRPr lang="pt-PT" sz="4400" dirty="0" smtClean="0">
+              <a:solidFill>
+                <a:schemeClr val="tx1">
+                  <a:lumMod val="85000"/>
+                  <a:lumOff val="15000"/>
+                </a:schemeClr>
+              </a:solidFill>
+            </a:endParaRPr>
+          </a:p>
+          <a:p>
+            <a:endParaRPr lang="pt-PT" dirty="0">
+              <a:solidFill>
+                <a:schemeClr val="tx1"/>
+              </a:solidFill>
+            </a:endParaRPr>
           </a:p>
         </p:txBody>
       </p:sp>
     </p:spTree>
     <p:extLst>
       <p:ext uri="{BB962C8B-B14F-4D97-AF65-F5344CB8AC3E}">
-        <p14:creationId xmlns:p14="http://schemas.microsoft.com/office/powerpoint/2010/main" val="1412567575"/>
+        <p14:creationId xmlns:p14="http://schemas.microsoft.com/office/powerpoint/2010/main" val="3202203997"/>
       </p:ext>
     </p:extLst>
   </p:cSld>
@@ -11388,608 +11187,7 @@
   <p:timing>
     <p:tnLst>
       <p:par>
-        <p:cTn xmlns:p14="http://schemas.microsoft.com/office/powerpoint/2010/main" id="1" dur="indefinite" restart="never" nodeType="tmRoot"/>
-      </p:par>
-    </p:tnLst>
-  </p:timing>
-</p:sld>
-</file>
-
-<file path=ppt/slides/slide5.xml><?xml version="1.0" encoding="utf-8"?>
-<p:sld xmlns:a="http://schemas.openxmlformats.org/drawingml/2006/main" xmlns:r="http://schemas.openxmlformats.org/officeDocument/2006/relationships" xmlns:p="http://schemas.openxmlformats.org/presentationml/2006/main">
-  <p:cSld>
-    <p:spTree>
-      <p:nvGrpSpPr>
-        <p:cNvPr id="1" name=""/>
-        <p:cNvGrpSpPr/>
-        <p:nvPr/>
-      </p:nvGrpSpPr>
-      <p:grpSpPr>
-        <a:xfrm>
-          <a:off x="0" y="0"/>
-          <a:ext cx="0" cy="0"/>
-          <a:chOff x="0" y="0"/>
-          <a:chExt cx="0" cy="0"/>
-        </a:xfrm>
-      </p:grpSpPr>
-      <p:sp>
-        <p:nvSpPr>
-          <p:cNvPr id="2" name="Title 1"/>
-          <p:cNvSpPr>
-            <a:spLocks noGrp="1"/>
-          </p:cNvSpPr>
-          <p:nvPr>
-            <p:ph type="title"/>
-          </p:nvPr>
-        </p:nvSpPr>
-        <p:spPr>
-          <a:xfrm>
-            <a:off x="284163" y="409222"/>
-            <a:ext cx="8574087" cy="1189000"/>
-          </a:xfrm>
-          <a:solidFill>
-            <a:schemeClr val="tx1">
-              <a:lumMod val="75000"/>
-              <a:lumOff val="25000"/>
-            </a:schemeClr>
-          </a:solidFill>
-        </p:spPr>
-        <p:txBody>
-          <a:bodyPr/>
-          <a:lstStyle/>
-          <a:p>
-            <a:r>
-              <a:rPr lang="pt-PT" dirty="0" smtClean="0"/>
-              <a:t> </a:t>
-            </a:r>
-            <a:endParaRPr lang="pt-PT" dirty="0"/>
-          </a:p>
-        </p:txBody>
-      </p:sp>
-      <p:sp>
-        <p:nvSpPr>
-          <p:cNvPr id="4" name="Title 1"/>
-          <p:cNvSpPr txBox="1">
-            <a:spLocks/>
-          </p:cNvSpPr>
-          <p:nvPr/>
-        </p:nvSpPr>
-        <p:spPr>
-          <a:xfrm>
-            <a:off x="2304973" y="599123"/>
-            <a:ext cx="6415693" cy="893714"/>
-          </a:xfrm>
-          <a:prstGeom prst="rect">
-            <a:avLst/>
-          </a:prstGeom>
-          <a:noFill/>
-        </p:spPr>
-        <p:txBody>
-          <a:bodyPr vert="horz" lIns="91440" tIns="45720" rIns="91440" bIns="45720" rtlCol="0" anchor="ctr">
-            <a:noAutofit/>
-          </a:bodyPr>
-          <a:lstStyle>
-            <a:lvl1pPr algn="r" defTabSz="914400" rtl="0" eaLnBrk="1" latinLnBrk="0" hangingPunct="1">
-              <a:spcBef>
-                <a:spcPct val="0"/>
-              </a:spcBef>
-              <a:buNone/>
-              <a:defRPr sz="4200" kern="1200">
-                <a:solidFill>
-                  <a:schemeClr val="bg1"/>
-                </a:solidFill>
-                <a:latin typeface="+mj-lt"/>
-                <a:ea typeface="+mj-ea"/>
-                <a:cs typeface="+mj-cs"/>
-              </a:defRPr>
-            </a:lvl1pPr>
-          </a:lstStyle>
-          <a:p>
-            <a:pPr algn="ctr"/>
-            <a:r>
-              <a:rPr lang="pt-PT" sz="2600" dirty="0" smtClean="0"/>
-              <a:t>Licenciatura</a:t>
-            </a:r>
-            <a:r>
-              <a:rPr lang="en-US" sz="2600" dirty="0" smtClean="0"/>
-              <a:t> </a:t>
-            </a:r>
-            <a:r>
-              <a:rPr lang="pt-PT" sz="2600" dirty="0" smtClean="0"/>
-              <a:t>em</a:t>
-            </a:r>
-            <a:r>
-              <a:rPr lang="en-US" sz="2600" dirty="0" smtClean="0"/>
-              <a:t> </a:t>
-            </a:r>
-            <a:r>
-              <a:rPr lang="en-US" sz="2600" dirty="0" err="1" smtClean="0"/>
-              <a:t>Engenharia</a:t>
-            </a:r>
-            <a:r>
-              <a:rPr lang="en-US" sz="2600" dirty="0" smtClean="0"/>
-              <a:t> </a:t>
-            </a:r>
-            <a:r>
-              <a:rPr lang="en-US" sz="2600" dirty="0" err="1" smtClean="0"/>
-              <a:t>Informática</a:t>
-            </a:r>
-            <a:r>
-              <a:rPr lang="en-US" sz="2600" dirty="0" smtClean="0"/>
-              <a:t/>
-            </a:r>
-            <a:br>
-              <a:rPr lang="en-US" sz="2600" dirty="0" smtClean="0"/>
-            </a:br>
-            <a:r>
-              <a:rPr lang="en-US" sz="1900" dirty="0"/>
-              <a:t>Base de Dados: Habitat for Humanity</a:t>
-            </a:r>
-            <a:endParaRPr lang="en-US" sz="1900" dirty="0"/>
-          </a:p>
-        </p:txBody>
-      </p:sp>
-      <p:pic>
-        <p:nvPicPr>
-          <p:cNvPr id="7" name="Picture 6" descr="logo-ee.jpg"/>
-          <p:cNvPicPr>
-            <a:picLocks noChangeAspect="1"/>
-          </p:cNvPicPr>
-          <p:nvPr/>
-        </p:nvPicPr>
-        <p:blipFill>
-          <a:blip r:embed="rId3">
-            <a:extLst>
-              <a:ext uri="{28A0092B-C50C-407E-A947-70E740481C1C}">
-                <a14:useLocalDpi xmlns:a14="http://schemas.microsoft.com/office/drawing/2010/main" val="0"/>
-              </a:ext>
-            </a:extLst>
-          </a:blip>
-          <a:stretch>
-            <a:fillRect/>
-          </a:stretch>
-        </p:blipFill>
-        <p:spPr>
-          <a:xfrm>
-            <a:off x="380999" y="643427"/>
-            <a:ext cx="1778000" cy="889000"/>
-          </a:xfrm>
-          <a:prstGeom prst="rect">
-            <a:avLst/>
-          </a:prstGeom>
-        </p:spPr>
-      </p:pic>
-      <p:pic>
-        <p:nvPicPr>
-          <p:cNvPr id="12" name="Picture 11"/>
-          <p:cNvPicPr>
-            <a:picLocks noChangeAspect="1"/>
-          </p:cNvPicPr>
-          <p:nvPr/>
-        </p:nvPicPr>
-        <p:blipFill>
-          <a:blip r:embed="rId4">
-            <a:extLst>
-              <a:ext uri="{28A0092B-C50C-407E-A947-70E740481C1C}">
-                <a14:useLocalDpi xmlns:a14="http://schemas.microsoft.com/office/drawing/2010/main" val="0"/>
-              </a:ext>
-            </a:extLst>
-          </a:blip>
-          <a:stretch>
-            <a:fillRect/>
-          </a:stretch>
-        </p:blipFill>
-        <p:spPr>
-          <a:xfrm>
-            <a:off x="1084855" y="2115618"/>
-            <a:ext cx="7635811" cy="4475488"/>
-          </a:xfrm>
-          <a:prstGeom prst="rect">
-            <a:avLst/>
-          </a:prstGeom>
-        </p:spPr>
-      </p:pic>
-      <p:sp>
-        <p:nvSpPr>
-          <p:cNvPr id="5" name="TextBox 4"/>
-          <p:cNvSpPr txBox="1"/>
-          <p:nvPr/>
-        </p:nvSpPr>
-        <p:spPr>
-          <a:xfrm>
-            <a:off x="381000" y="2093281"/>
-            <a:ext cx="8339666" cy="584776"/>
-          </a:xfrm>
-          <a:prstGeom prst="rect">
-            <a:avLst/>
-          </a:prstGeom>
-          <a:noFill/>
-        </p:spPr>
-        <p:txBody>
-          <a:bodyPr wrap="square" rtlCol="0">
-            <a:spAutoFit/>
-          </a:bodyPr>
-          <a:lstStyle/>
-          <a:p>
-            <a:r>
-              <a:rPr lang="pt-PT" sz="3200" b="1" dirty="0" smtClean="0"/>
-              <a:t>Modelo Conceptual </a:t>
-            </a:r>
-            <a:endParaRPr lang="en-US" sz="1900" dirty="0"/>
-          </a:p>
-        </p:txBody>
-      </p:sp>
-      <p:sp>
-        <p:nvSpPr>
-          <p:cNvPr id="13" name="TextBox 12"/>
-          <p:cNvSpPr txBox="1"/>
-          <p:nvPr/>
-        </p:nvSpPr>
-        <p:spPr>
-          <a:xfrm>
-            <a:off x="381000" y="2493391"/>
-            <a:ext cx="1495384" cy="369332"/>
-          </a:xfrm>
-          <a:prstGeom prst="rect">
-            <a:avLst/>
-          </a:prstGeom>
-          <a:noFill/>
-        </p:spPr>
-        <p:txBody>
-          <a:bodyPr wrap="none" rtlCol="0">
-            <a:spAutoFit/>
-          </a:bodyPr>
-          <a:lstStyle/>
-          <a:p>
-            <a:r>
-              <a:rPr lang="pt-PT" dirty="0" smtClean="0"/>
-              <a:t>Sem atributos</a:t>
-            </a:r>
-            <a:endParaRPr lang="pt-PT" dirty="0"/>
-          </a:p>
-        </p:txBody>
-      </p:sp>
-    </p:spTree>
-    <p:extLst>
-      <p:ext uri="{BB962C8B-B14F-4D97-AF65-F5344CB8AC3E}">
-        <p14:creationId xmlns:p14="http://schemas.microsoft.com/office/powerpoint/2010/main" val="2317686515"/>
-      </p:ext>
-    </p:extLst>
-  </p:cSld>
-  <p:clrMapOvr>
-    <a:masterClrMapping/>
-  </p:clrMapOvr>
-  <p:timing>
-    <p:tnLst>
-      <p:par>
-        <p:cTn xmlns:p14="http://schemas.microsoft.com/office/powerpoint/2010/main" id="1" dur="indefinite" restart="never" nodeType="tmRoot"/>
-      </p:par>
-    </p:tnLst>
-  </p:timing>
-</p:sld>
-</file>
-
-<file path=ppt/slides/slide6.xml><?xml version="1.0" encoding="utf-8"?>
-<p:sld xmlns:a="http://schemas.openxmlformats.org/drawingml/2006/main" xmlns:r="http://schemas.openxmlformats.org/officeDocument/2006/relationships" xmlns:p="http://schemas.openxmlformats.org/presentationml/2006/main">
-  <p:cSld>
-    <p:spTree>
-      <p:nvGrpSpPr>
-        <p:cNvPr id="1" name=""/>
-        <p:cNvGrpSpPr/>
-        <p:nvPr/>
-      </p:nvGrpSpPr>
-      <p:grpSpPr>
-        <a:xfrm>
-          <a:off x="0" y="0"/>
-          <a:ext cx="0" cy="0"/>
-          <a:chOff x="0" y="0"/>
-          <a:chExt cx="0" cy="0"/>
-        </a:xfrm>
-      </p:grpSpPr>
-      <p:sp>
-        <p:nvSpPr>
-          <p:cNvPr id="2" name="Title 1"/>
-          <p:cNvSpPr>
-            <a:spLocks noGrp="1"/>
-          </p:cNvSpPr>
-          <p:nvPr>
-            <p:ph type="title"/>
-          </p:nvPr>
-        </p:nvSpPr>
-        <p:spPr>
-          <a:xfrm>
-            <a:off x="284163" y="409222"/>
-            <a:ext cx="8574087" cy="1189000"/>
-          </a:xfrm>
-          <a:solidFill>
-            <a:schemeClr val="tx1">
-              <a:lumMod val="75000"/>
-              <a:lumOff val="25000"/>
-            </a:schemeClr>
-          </a:solidFill>
-        </p:spPr>
-        <p:txBody>
-          <a:bodyPr/>
-          <a:lstStyle/>
-          <a:p>
-            <a:r>
-              <a:rPr lang="pt-PT" dirty="0" smtClean="0"/>
-              <a:t> </a:t>
-            </a:r>
-            <a:endParaRPr lang="pt-PT" dirty="0"/>
-          </a:p>
-        </p:txBody>
-      </p:sp>
-      <p:sp>
-        <p:nvSpPr>
-          <p:cNvPr id="4" name="Title 1"/>
-          <p:cNvSpPr txBox="1">
-            <a:spLocks/>
-          </p:cNvSpPr>
-          <p:nvPr/>
-        </p:nvSpPr>
-        <p:spPr>
-          <a:xfrm>
-            <a:off x="2304973" y="599123"/>
-            <a:ext cx="6415693" cy="893714"/>
-          </a:xfrm>
-          <a:prstGeom prst="rect">
-            <a:avLst/>
-          </a:prstGeom>
-          <a:noFill/>
-        </p:spPr>
-        <p:txBody>
-          <a:bodyPr vert="horz" lIns="91440" tIns="45720" rIns="91440" bIns="45720" rtlCol="0" anchor="ctr">
-            <a:noAutofit/>
-          </a:bodyPr>
-          <a:lstStyle>
-            <a:lvl1pPr algn="r" defTabSz="914400" rtl="0" eaLnBrk="1" latinLnBrk="0" hangingPunct="1">
-              <a:spcBef>
-                <a:spcPct val="0"/>
-              </a:spcBef>
-              <a:buNone/>
-              <a:defRPr sz="4200" kern="1200">
-                <a:solidFill>
-                  <a:schemeClr val="bg1"/>
-                </a:solidFill>
-                <a:latin typeface="+mj-lt"/>
-                <a:ea typeface="+mj-ea"/>
-                <a:cs typeface="+mj-cs"/>
-              </a:defRPr>
-            </a:lvl1pPr>
-          </a:lstStyle>
-          <a:p>
-            <a:pPr algn="ctr"/>
-            <a:r>
-              <a:rPr lang="pt-PT" sz="2600" dirty="0" smtClean="0"/>
-              <a:t>Licenciatura</a:t>
-            </a:r>
-            <a:r>
-              <a:rPr lang="en-US" sz="2600" dirty="0" smtClean="0"/>
-              <a:t> </a:t>
-            </a:r>
-            <a:r>
-              <a:rPr lang="pt-PT" sz="2600" dirty="0" smtClean="0"/>
-              <a:t>em</a:t>
-            </a:r>
-            <a:r>
-              <a:rPr lang="en-US" sz="2600" dirty="0" smtClean="0"/>
-              <a:t> </a:t>
-            </a:r>
-            <a:r>
-              <a:rPr lang="en-US" sz="2600" dirty="0" err="1" smtClean="0"/>
-              <a:t>Engenharia</a:t>
-            </a:r>
-            <a:r>
-              <a:rPr lang="en-US" sz="2600" dirty="0" smtClean="0"/>
-              <a:t> </a:t>
-            </a:r>
-            <a:r>
-              <a:rPr lang="en-US" sz="2600" dirty="0" err="1" smtClean="0"/>
-              <a:t>Informática</a:t>
-            </a:r>
-            <a:r>
-              <a:rPr lang="en-US" sz="2600" dirty="0" smtClean="0"/>
-              <a:t/>
-            </a:r>
-            <a:br>
-              <a:rPr lang="en-US" sz="2600" dirty="0" smtClean="0"/>
-            </a:br>
-            <a:r>
-              <a:rPr lang="en-US" sz="1900" dirty="0"/>
-              <a:t>Base de Dados: Habitat for Humanity</a:t>
-            </a:r>
-            <a:endParaRPr lang="en-US" sz="1900" dirty="0"/>
-          </a:p>
-        </p:txBody>
-      </p:sp>
-      <p:pic>
-        <p:nvPicPr>
-          <p:cNvPr id="7" name="Picture 6" descr="logo-ee.jpg"/>
-          <p:cNvPicPr>
-            <a:picLocks noChangeAspect="1"/>
-          </p:cNvPicPr>
-          <p:nvPr/>
-        </p:nvPicPr>
-        <p:blipFill>
-          <a:blip r:embed="rId3">
-            <a:extLst>
-              <a:ext uri="{28A0092B-C50C-407E-A947-70E740481C1C}">
-                <a14:useLocalDpi xmlns:a14="http://schemas.microsoft.com/office/drawing/2010/main" val="0"/>
-              </a:ext>
-            </a:extLst>
-          </a:blip>
-          <a:stretch>
-            <a:fillRect/>
-          </a:stretch>
-        </p:blipFill>
-        <p:spPr>
-          <a:xfrm>
-            <a:off x="380999" y="643427"/>
-            <a:ext cx="1778000" cy="889000"/>
-          </a:xfrm>
-          <a:prstGeom prst="rect">
-            <a:avLst/>
-          </a:prstGeom>
-        </p:spPr>
-      </p:pic>
-      <p:sp>
-        <p:nvSpPr>
-          <p:cNvPr id="5" name="TextBox 4"/>
-          <p:cNvSpPr txBox="1"/>
-          <p:nvPr/>
-        </p:nvSpPr>
-        <p:spPr>
-          <a:xfrm>
-            <a:off x="381000" y="2093281"/>
-            <a:ext cx="8339666" cy="584776"/>
-          </a:xfrm>
-          <a:prstGeom prst="rect">
-            <a:avLst/>
-          </a:prstGeom>
-          <a:noFill/>
-        </p:spPr>
-        <p:txBody>
-          <a:bodyPr wrap="square" rtlCol="0">
-            <a:spAutoFit/>
-          </a:bodyPr>
-          <a:lstStyle/>
-          <a:p>
-            <a:r>
-              <a:rPr lang="pt-PT" sz="3200" b="1" dirty="0" smtClean="0"/>
-              <a:t>Modelo Lógico</a:t>
-            </a:r>
-            <a:endParaRPr lang="en-US" sz="1900" dirty="0"/>
-          </a:p>
-        </p:txBody>
-      </p:sp>
-      <p:sp>
-        <p:nvSpPr>
-          <p:cNvPr id="3" name="TextBox 2"/>
-          <p:cNvSpPr txBox="1"/>
-          <p:nvPr/>
-        </p:nvSpPr>
-        <p:spPr>
-          <a:xfrm>
-            <a:off x="380998" y="2742860"/>
-            <a:ext cx="8339667" cy="830997"/>
-          </a:xfrm>
-          <a:prstGeom prst="rect">
-            <a:avLst/>
-          </a:prstGeom>
-          <a:noFill/>
-        </p:spPr>
-        <p:txBody>
-          <a:bodyPr wrap="square" rtlCol="0">
-            <a:spAutoFit/>
-          </a:bodyPr>
-          <a:lstStyle/>
-          <a:p>
-            <a:r>
-              <a:rPr lang="pt-PT" sz="2400" dirty="0" smtClean="0"/>
-              <a:t>O Modelo conceptual foi mapeado para o modelo lógico seguindo as seguintes regras:</a:t>
-            </a:r>
-            <a:endParaRPr lang="pt-PT" sz="2400" dirty="0"/>
-          </a:p>
-        </p:txBody>
-      </p:sp>
-      <p:sp>
-        <p:nvSpPr>
-          <p:cNvPr id="6" name="TextBox 5"/>
-          <p:cNvSpPr txBox="1"/>
-          <p:nvPr/>
-        </p:nvSpPr>
-        <p:spPr>
-          <a:xfrm>
-            <a:off x="542096" y="3779451"/>
-            <a:ext cx="6276077" cy="2246769"/>
-          </a:xfrm>
-          <a:prstGeom prst="rect">
-            <a:avLst/>
-          </a:prstGeom>
-          <a:noFill/>
-        </p:spPr>
-        <p:txBody>
-          <a:bodyPr wrap="none" rtlCol="0">
-            <a:spAutoFit/>
-          </a:bodyPr>
-          <a:lstStyle/>
-          <a:p>
-            <a:pPr marL="285750" indent="-285750">
-              <a:buFont typeface="Arial"/>
-              <a:buChar char="•"/>
-            </a:pPr>
-            <a:r>
-              <a:rPr lang="pt-PT" sz="2000" dirty="0" smtClean="0"/>
-              <a:t>Derivaç</a:t>
-            </a:r>
-            <a:r>
-              <a:rPr lang="pt-PT" sz="2000" dirty="0" smtClean="0"/>
-              <a:t>ão das Relações</a:t>
-            </a:r>
-            <a:br>
-              <a:rPr lang="pt-PT" sz="2000" dirty="0" smtClean="0"/>
-            </a:br>
-            <a:endParaRPr lang="pt-PT" sz="2000" dirty="0" smtClean="0"/>
-          </a:p>
-          <a:p>
-            <a:pPr marL="285750" indent="-285750">
-              <a:buFont typeface="Arial"/>
-              <a:buChar char="•"/>
-            </a:pPr>
-            <a:r>
-              <a:rPr lang="pt-PT" sz="2000" dirty="0" smtClean="0"/>
-              <a:t>Validação de Relações usando Normalização (até à 3FN)</a:t>
-            </a:r>
-            <a:br>
-              <a:rPr lang="pt-PT" sz="2000" dirty="0" smtClean="0"/>
-            </a:br>
-            <a:endParaRPr lang="pt-PT" sz="2000" dirty="0" smtClean="0"/>
-          </a:p>
-          <a:p>
-            <a:pPr marL="285750" indent="-285750">
-              <a:buFont typeface="Arial"/>
-              <a:buChar char="•"/>
-            </a:pPr>
-            <a:r>
-              <a:rPr lang="pt-PT" sz="2000" dirty="0"/>
-              <a:t>Verificação das Restrições de Integridade</a:t>
-            </a:r>
-          </a:p>
-          <a:p>
-            <a:pPr marL="285750" indent="-285750">
-              <a:buFont typeface="Arial"/>
-              <a:buChar char="•"/>
-            </a:pPr>
-            <a:endParaRPr lang="pt-PT" sz="2000" dirty="0" smtClean="0"/>
-          </a:p>
-          <a:p>
-            <a:pPr marL="285750" indent="-285750">
-              <a:buFont typeface="Arial"/>
-              <a:buChar char="•"/>
-            </a:pPr>
-            <a:r>
-              <a:rPr lang="pt-PT" sz="2000" dirty="0" smtClean="0"/>
-              <a:t>Elaboração do Mapa de Transações</a:t>
-            </a:r>
-            <a:endParaRPr lang="pt-PT" sz="2000" dirty="0"/>
-          </a:p>
-        </p:txBody>
-      </p:sp>
-    </p:spTree>
-    <p:extLst>
-      <p:ext uri="{BB962C8B-B14F-4D97-AF65-F5344CB8AC3E}">
-        <p14:creationId xmlns:p14="http://schemas.microsoft.com/office/powerpoint/2010/main" val="180358398"/>
-      </p:ext>
-    </p:extLst>
-  </p:cSld>
-  <p:clrMapOvr>
-    <a:masterClrMapping/>
-  </p:clrMapOvr>
-  <p:timing>
-    <p:tnLst>
-      <p:par>
-        <p:cTn xmlns:p14="http://schemas.microsoft.com/office/powerpoint/2010/main" id="1" dur="indefinite" restart="never" nodeType="tmRoot"/>
+        <p:cTn id="1" dur="indefinite" restart="never" nodeType="tmRoot"/>
       </p:par>
     </p:tnLst>
   </p:timing>
@@ -12015,131 +11213,48 @@
       </p:grpSpPr>
       <p:sp>
         <p:nvSpPr>
-          <p:cNvPr id="2" name="Title 1"/>
+          <p:cNvPr id="3" name="Subtitle 2"/>
           <p:cNvSpPr>
             <a:spLocks noGrp="1"/>
           </p:cNvSpPr>
           <p:nvPr>
-            <p:ph type="title"/>
+            <p:ph type="subTitle" idx="1"/>
           </p:nvPr>
         </p:nvSpPr>
         <p:spPr>
           <a:xfrm>
-            <a:off x="284163" y="409222"/>
-            <a:ext cx="8574087" cy="1189000"/>
+            <a:off x="380999" y="1532427"/>
+            <a:ext cx="1778000" cy="484632"/>
           </a:xfrm>
-          <a:solidFill>
-            <a:schemeClr val="tx1">
-              <a:lumMod val="75000"/>
-              <a:lumOff val="25000"/>
-            </a:schemeClr>
-          </a:solidFill>
         </p:spPr>
         <p:txBody>
-          <a:bodyPr/>
-          <a:lstStyle/>
-          <a:p>
-            <a:r>
-              <a:rPr lang="pt-PT" dirty="0" smtClean="0"/>
-              <a:t> </a:t>
-            </a:r>
-            <a:endParaRPr lang="pt-PT" dirty="0"/>
-          </a:p>
-        </p:txBody>
-      </p:sp>
-      <p:sp>
-        <p:nvSpPr>
-          <p:cNvPr id="4" name="Title 1"/>
-          <p:cNvSpPr txBox="1">
-            <a:spLocks/>
-          </p:cNvSpPr>
-          <p:nvPr/>
-        </p:nvSpPr>
-        <p:spPr>
-          <a:xfrm>
-            <a:off x="2304973" y="599123"/>
-            <a:ext cx="6415693" cy="893714"/>
-          </a:xfrm>
-          <a:prstGeom prst="rect">
-            <a:avLst/>
-          </a:prstGeom>
-          <a:noFill/>
-        </p:spPr>
-        <p:txBody>
-          <a:bodyPr vert="horz" lIns="91440" tIns="45720" rIns="91440" bIns="45720" rtlCol="0" anchor="ctr">
+          <a:bodyPr>
             <a:noAutofit/>
           </a:bodyPr>
-          <a:lstStyle>
-            <a:lvl1pPr algn="r" defTabSz="914400" rtl="0" eaLnBrk="1" latinLnBrk="0" hangingPunct="1">
-              <a:spcBef>
-                <a:spcPct val="0"/>
-              </a:spcBef>
-              <a:buNone/>
-              <a:defRPr sz="4200" kern="1200">
-                <a:solidFill>
-                  <a:schemeClr val="bg1"/>
-                </a:solidFill>
-                <a:latin typeface="+mj-lt"/>
-                <a:ea typeface="+mj-ea"/>
-                <a:cs typeface="+mj-cs"/>
-              </a:defRPr>
-            </a:lvl1pPr>
-          </a:lstStyle>
-          <a:p>
-            <a:pPr algn="ctr"/>
-            <a:r>
-              <a:rPr lang="pt-PT" sz="2600" dirty="0" smtClean="0"/>
-              <a:t>Licenciatura</a:t>
-            </a:r>
-            <a:r>
-              <a:rPr lang="en-US" sz="2600" dirty="0" smtClean="0"/>
-              <a:t> </a:t>
-            </a:r>
-            <a:r>
-              <a:rPr lang="pt-PT" sz="2600" dirty="0" smtClean="0"/>
-              <a:t>em</a:t>
-            </a:r>
-            <a:r>
-              <a:rPr lang="en-US" sz="2600" dirty="0" smtClean="0"/>
-              <a:t> </a:t>
-            </a:r>
-            <a:r>
-              <a:rPr lang="en-US" sz="2600" dirty="0" err="1" smtClean="0"/>
-              <a:t>Engenharia</a:t>
-            </a:r>
-            <a:r>
-              <a:rPr lang="en-US" sz="2600" dirty="0" smtClean="0"/>
-              <a:t> </a:t>
-            </a:r>
-            <a:r>
-              <a:rPr lang="en-US" sz="2600" dirty="0" err="1" smtClean="0"/>
-              <a:t>Informática</a:t>
-            </a:r>
-            <a:r>
-              <a:rPr lang="en-US" sz="2600" dirty="0" smtClean="0"/>
-              <a:t/>
-            </a:r>
-            <a:br>
-              <a:rPr lang="en-US" sz="2600" dirty="0" smtClean="0"/>
-            </a:br>
-            <a:r>
-              <a:rPr lang="en-US" sz="1900" dirty="0"/>
-              <a:t>Base de Dados: Habitat for Humanity</a:t>
-            </a:r>
-            <a:endParaRPr lang="en-US" sz="1900" dirty="0"/>
+          <a:lstStyle/>
+          <a:p>
+            <a:r>
+              <a:rPr lang="en-US" sz="1300" dirty="0" err="1" smtClean="0"/>
+              <a:t>Universidade</a:t>
+            </a:r>
+            <a:r>
+              <a:rPr lang="en-US" sz="1300" dirty="0" smtClean="0"/>
+              <a:t> do Minho</a:t>
+            </a:r>
+            <a:endParaRPr lang="en-US" sz="1300" dirty="0"/>
           </a:p>
         </p:txBody>
       </p:sp>
       <p:pic>
         <p:nvPicPr>
-          <p:cNvPr id="7" name="Picture 6" descr="logo-ee.jpg"/>
+          <p:cNvPr id="5" name="Picture 4" descr="logo-ee.jpg"/>
           <p:cNvPicPr>
             <a:picLocks noChangeAspect="1"/>
           </p:cNvPicPr>
           <p:nvPr/>
         </p:nvPicPr>
         <p:blipFill>
-          <a:blip r:embed="rId3">
+          <a:blip r:embed="rId2">
             <a:extLst>
               <a:ext uri="{28A0092B-C50C-407E-A947-70E740481C1C}">
                 <a14:useLocalDpi xmlns:a14="http://schemas.microsoft.com/office/drawing/2010/main" val="0"/>
@@ -12160,46 +11275,41 @@
           </a:prstGeom>
         </p:spPr>
       </p:pic>
-      <p:pic>
-        <p:nvPicPr>
-          <p:cNvPr id="10" name="Picture 9" descr="10953481_10203685734204124_208275455_o.jpg"/>
-          <p:cNvPicPr>
-            <a:picLocks noChangeAspect="1"/>
-          </p:cNvPicPr>
+      <p:sp>
+        <p:nvSpPr>
+          <p:cNvPr id="9" name="Title 8"/>
+          <p:cNvSpPr>
+            <a:spLocks noGrp="1"/>
+          </p:cNvSpPr>
+          <p:nvPr>
+            <p:ph type="ctrTitle"/>
+          </p:nvPr>
+        </p:nvSpPr>
+        <p:spPr/>
+        <p:txBody>
+          <a:bodyPr/>
+          <a:lstStyle/>
+          <a:p>
+            <a:r>
+              <a:rPr lang="pt-PT" dirty="0" smtClean="0"/>
+              <a:t> </a:t>
+            </a:r>
+            <a:endParaRPr lang="pt-PT" dirty="0"/>
+          </a:p>
+        </p:txBody>
+      </p:sp>
+      <p:sp>
+        <p:nvSpPr>
+          <p:cNvPr id="12" name="Title 1"/>
+          <p:cNvSpPr txBox="1">
+            <a:spLocks/>
+          </p:cNvSpPr>
           <p:nvPr/>
-        </p:nvPicPr>
-        <p:blipFill>
-          <a:blip r:embed="rId4">
-            <a:extLst>
-              <a:ext uri="{28A0092B-C50C-407E-A947-70E740481C1C}">
-                <a14:useLocalDpi xmlns:a14="http://schemas.microsoft.com/office/drawing/2010/main" val="0"/>
-              </a:ext>
-            </a:extLst>
-          </a:blip>
-          <a:stretch>
-            <a:fillRect/>
-          </a:stretch>
-        </p:blipFill>
+        </p:nvSpPr>
         <p:spPr>
           <a:xfrm>
-            <a:off x="381000" y="2093281"/>
-            <a:ext cx="8477250" cy="4764719"/>
-          </a:xfrm>
-          <a:prstGeom prst="rect">
-            <a:avLst/>
-          </a:prstGeom>
-        </p:spPr>
-      </p:pic>
-      <p:sp>
-        <p:nvSpPr>
-          <p:cNvPr id="5" name="TextBox 4"/>
-          <p:cNvSpPr txBox="1"/>
-          <p:nvPr/>
-        </p:nvSpPr>
-        <p:spPr>
-          <a:xfrm>
-            <a:off x="381000" y="2093281"/>
-            <a:ext cx="8339666" cy="584776"/>
+            <a:off x="2304973" y="757593"/>
+            <a:ext cx="6415693" cy="893714"/>
           </a:xfrm>
           <a:prstGeom prst="rect">
             <a:avLst/>
@@ -12207,23 +11317,372 @@
           <a:noFill/>
         </p:spPr>
         <p:txBody>
-          <a:bodyPr wrap="square" rtlCol="0">
-            <a:spAutoFit/>
+          <a:bodyPr vert="horz" lIns="91440" tIns="45720" rIns="91440" bIns="45720" rtlCol="0" anchor="ctr">
+            <a:noAutofit/>
           </a:bodyPr>
-          <a:lstStyle/>
-          <a:p>
-            <a:r>
-              <a:rPr lang="pt-PT" sz="3200" b="1" dirty="0" smtClean="0"/>
-              <a:t>Modelo Lógico</a:t>
+          <a:lstStyle>
+            <a:lvl1pPr algn="r" defTabSz="914400" rtl="0" eaLnBrk="1" latinLnBrk="0" hangingPunct="1">
+              <a:spcBef>
+                <a:spcPct val="0"/>
+              </a:spcBef>
+              <a:buNone/>
+              <a:defRPr sz="4200" kern="1200">
+                <a:solidFill>
+                  <a:schemeClr val="bg1"/>
+                </a:solidFill>
+                <a:latin typeface="+mj-lt"/>
+                <a:ea typeface="+mj-ea"/>
+                <a:cs typeface="+mj-cs"/>
+              </a:defRPr>
+            </a:lvl1pPr>
+          </a:lstStyle>
+          <a:p>
+            <a:pPr algn="ctr"/>
+            <a:r>
+              <a:rPr lang="pt-PT" sz="2600" dirty="0" smtClean="0"/>
+              <a:t>Licenciatura</a:t>
+            </a:r>
+            <a:r>
+              <a:rPr lang="en-US" sz="2600" dirty="0" smtClean="0"/>
+              <a:t> </a:t>
+            </a:r>
+            <a:r>
+              <a:rPr lang="pt-PT" sz="2600" dirty="0" smtClean="0"/>
+              <a:t>em</a:t>
+            </a:r>
+            <a:r>
+              <a:rPr lang="en-US" sz="2600" dirty="0" smtClean="0"/>
+              <a:t> </a:t>
+            </a:r>
+            <a:r>
+              <a:rPr lang="en-US" sz="2600" dirty="0" err="1" smtClean="0"/>
+              <a:t>Engenharia</a:t>
+            </a:r>
+            <a:r>
+              <a:rPr lang="en-US" sz="2600" dirty="0" smtClean="0"/>
+              <a:t> </a:t>
+            </a:r>
+            <a:r>
+              <a:rPr lang="en-US" sz="2600" dirty="0" err="1" smtClean="0"/>
+              <a:t>Informática</a:t>
+            </a:r>
+            <a:r>
+              <a:rPr lang="en-US" sz="2600" dirty="0" smtClean="0"/>
+              <a:t/>
+            </a:r>
+            <a:br>
+              <a:rPr lang="en-US" sz="2600" dirty="0" smtClean="0"/>
+            </a:br>
+            <a:r>
+              <a:rPr lang="en-US" sz="2600" dirty="0" err="1" smtClean="0"/>
+              <a:t>Laboratórios</a:t>
+            </a:r>
+            <a:r>
+              <a:rPr lang="en-US" sz="2600" dirty="0" smtClean="0"/>
+              <a:t> de </a:t>
+            </a:r>
+            <a:r>
+              <a:rPr lang="en-US" sz="2600" dirty="0" err="1" smtClean="0"/>
+              <a:t>Informática</a:t>
+            </a:r>
+            <a:r>
+              <a:rPr lang="en-US" sz="2600" dirty="0" smtClean="0"/>
+              <a:t> IV</a:t>
             </a:r>
             <a:endParaRPr lang="en-US" sz="1900" dirty="0"/>
+          </a:p>
+        </p:txBody>
+      </p:sp>
+      <p:sp>
+        <p:nvSpPr>
+          <p:cNvPr id="11" name="Espaço Reservado para Conteúdo 2"/>
+          <p:cNvSpPr txBox="1">
+            <a:spLocks/>
+          </p:cNvSpPr>
+          <p:nvPr/>
+        </p:nvSpPr>
+        <p:spPr>
+          <a:xfrm>
+            <a:off x="421341" y="2155371"/>
+            <a:ext cx="8339667" cy="3856506"/>
+          </a:xfrm>
+          <a:prstGeom prst="rect">
+            <a:avLst/>
+          </a:prstGeom>
+        </p:spPr>
+        <p:txBody>
+          <a:bodyPr vert="horz" lIns="91440" tIns="45720" rIns="91440" bIns="45720" rtlCol="0">
+            <a:normAutofit/>
+          </a:bodyPr>
+          <a:lstStyle>
+            <a:lvl1pPr marL="0" indent="0" algn="l" defTabSz="914400" rtl="0" eaLnBrk="1" latinLnBrk="0" hangingPunct="1">
+              <a:lnSpc>
+                <a:spcPct val="100000"/>
+              </a:lnSpc>
+              <a:spcBef>
+                <a:spcPts val="0"/>
+              </a:spcBef>
+              <a:buClr>
+                <a:schemeClr val="bg1">
+                  <a:lumMod val="65000"/>
+                </a:schemeClr>
+              </a:buClr>
+              <a:buSzPct val="90000"/>
+              <a:buFont typeface="Wingdings" pitchFamily="2" charset="2"/>
+              <a:buNone/>
+              <a:defRPr sz="1800" kern="1200">
+                <a:solidFill>
+                  <a:schemeClr val="bg1"/>
+                </a:solidFill>
+                <a:latin typeface="+mn-lt"/>
+                <a:ea typeface="+mn-ea"/>
+                <a:cs typeface="+mn-cs"/>
+              </a:defRPr>
+            </a:lvl1pPr>
+            <a:lvl2pPr marL="457200" indent="0" algn="ctr" defTabSz="914400" rtl="0" eaLnBrk="1" latinLnBrk="0" hangingPunct="1">
+              <a:spcBef>
+                <a:spcPts val="600"/>
+              </a:spcBef>
+              <a:buClr>
+                <a:schemeClr val="tx1">
+                  <a:lumMod val="75000"/>
+                  <a:lumOff val="25000"/>
+                </a:schemeClr>
+              </a:buClr>
+              <a:buSzPct val="90000"/>
+              <a:buFont typeface="Wingdings" pitchFamily="2" charset="2"/>
+              <a:buNone/>
+              <a:defRPr sz="2200" kern="1200">
+                <a:solidFill>
+                  <a:schemeClr val="tx1">
+                    <a:tint val="75000"/>
+                  </a:schemeClr>
+                </a:solidFill>
+                <a:latin typeface="+mn-lt"/>
+                <a:ea typeface="+mn-ea"/>
+                <a:cs typeface="+mn-cs"/>
+              </a:defRPr>
+            </a:lvl2pPr>
+            <a:lvl3pPr marL="914400" indent="0" algn="ctr" defTabSz="914400" rtl="0" eaLnBrk="1" latinLnBrk="0" hangingPunct="1">
+              <a:spcBef>
+                <a:spcPts val="600"/>
+              </a:spcBef>
+              <a:buClr>
+                <a:schemeClr val="bg1">
+                  <a:lumMod val="65000"/>
+                </a:schemeClr>
+              </a:buClr>
+              <a:buSzPct val="90000"/>
+              <a:buFont typeface="Wingdings" pitchFamily="2" charset="2"/>
+              <a:buNone/>
+              <a:defRPr sz="2000" kern="1200">
+                <a:solidFill>
+                  <a:schemeClr val="tx1">
+                    <a:tint val="75000"/>
+                  </a:schemeClr>
+                </a:solidFill>
+                <a:latin typeface="+mn-lt"/>
+                <a:ea typeface="+mn-ea"/>
+                <a:cs typeface="+mn-cs"/>
+              </a:defRPr>
+            </a:lvl3pPr>
+            <a:lvl4pPr marL="1371600" indent="0" algn="ctr" defTabSz="914400" rtl="0" eaLnBrk="1" latinLnBrk="0" hangingPunct="1">
+              <a:spcBef>
+                <a:spcPts val="600"/>
+              </a:spcBef>
+              <a:buClr>
+                <a:schemeClr val="tx1">
+                  <a:lumMod val="75000"/>
+                  <a:lumOff val="25000"/>
+                </a:schemeClr>
+              </a:buClr>
+              <a:buSzPct val="90000"/>
+              <a:buFont typeface="Wingdings" pitchFamily="2" charset="2"/>
+              <a:buNone/>
+              <a:defRPr sz="1800" kern="1200">
+                <a:solidFill>
+                  <a:schemeClr val="tx1">
+                    <a:tint val="75000"/>
+                  </a:schemeClr>
+                </a:solidFill>
+                <a:latin typeface="+mn-lt"/>
+                <a:ea typeface="+mn-ea"/>
+                <a:cs typeface="+mn-cs"/>
+              </a:defRPr>
+            </a:lvl4pPr>
+            <a:lvl5pPr marL="1828800" indent="0" algn="ctr" defTabSz="914400" rtl="0" eaLnBrk="1" latinLnBrk="0" hangingPunct="1">
+              <a:spcBef>
+                <a:spcPts val="600"/>
+              </a:spcBef>
+              <a:buClr>
+                <a:schemeClr val="bg1">
+                  <a:lumMod val="65000"/>
+                </a:schemeClr>
+              </a:buClr>
+              <a:buSzPct val="90000"/>
+              <a:buFont typeface="Wingdings" pitchFamily="2" charset="2"/>
+              <a:buNone/>
+              <a:defRPr sz="1800" kern="1200">
+                <a:solidFill>
+                  <a:schemeClr val="tx1">
+                    <a:tint val="75000"/>
+                  </a:schemeClr>
+                </a:solidFill>
+                <a:latin typeface="+mn-lt"/>
+                <a:ea typeface="+mn-ea"/>
+                <a:cs typeface="+mn-cs"/>
+              </a:defRPr>
+            </a:lvl5pPr>
+            <a:lvl6pPr marL="2286000" indent="0" algn="ctr" defTabSz="914400" rtl="0" eaLnBrk="1" latinLnBrk="0" hangingPunct="1">
+              <a:spcBef>
+                <a:spcPts val="600"/>
+              </a:spcBef>
+              <a:buClr>
+                <a:schemeClr val="tx1">
+                  <a:lumMod val="75000"/>
+                  <a:lumOff val="25000"/>
+                </a:schemeClr>
+              </a:buClr>
+              <a:buSzPct val="90000"/>
+              <a:buFont typeface="Wingdings" pitchFamily="2" charset="2"/>
+              <a:buNone/>
+              <a:defRPr lang="en-US" sz="1800" kern="1200">
+                <a:solidFill>
+                  <a:schemeClr val="tx1">
+                    <a:tint val="75000"/>
+                  </a:schemeClr>
+                </a:solidFill>
+                <a:latin typeface="+mn-lt"/>
+                <a:ea typeface="+mn-ea"/>
+                <a:cs typeface="+mn-cs"/>
+              </a:defRPr>
+            </a:lvl6pPr>
+            <a:lvl7pPr marL="2743200" indent="0" algn="ctr" defTabSz="914400" rtl="0" eaLnBrk="1" latinLnBrk="0" hangingPunct="1">
+              <a:spcBef>
+                <a:spcPts val="600"/>
+              </a:spcBef>
+              <a:buClr>
+                <a:schemeClr val="bg1">
+                  <a:lumMod val="65000"/>
+                </a:schemeClr>
+              </a:buClr>
+              <a:buSzPct val="90000"/>
+              <a:buFont typeface="Wingdings" pitchFamily="2" charset="2"/>
+              <a:buNone/>
+              <a:defRPr lang="en-US" sz="1800" kern="1200">
+                <a:solidFill>
+                  <a:schemeClr val="tx1">
+                    <a:tint val="75000"/>
+                  </a:schemeClr>
+                </a:solidFill>
+                <a:latin typeface="+mn-lt"/>
+                <a:ea typeface="+mn-ea"/>
+                <a:cs typeface="+mn-cs"/>
+              </a:defRPr>
+            </a:lvl7pPr>
+            <a:lvl8pPr marL="3200400" indent="0" algn="ctr" defTabSz="914400" rtl="0" eaLnBrk="1" latinLnBrk="0" hangingPunct="1">
+              <a:spcBef>
+                <a:spcPts val="600"/>
+              </a:spcBef>
+              <a:buClr>
+                <a:schemeClr val="tx1">
+                  <a:lumMod val="75000"/>
+                  <a:lumOff val="25000"/>
+                </a:schemeClr>
+              </a:buClr>
+              <a:buSzPct val="90000"/>
+              <a:buFont typeface="Wingdings" pitchFamily="2" charset="2"/>
+              <a:buNone/>
+              <a:defRPr lang="en-US" sz="1800" kern="1200">
+                <a:solidFill>
+                  <a:schemeClr val="tx1">
+                    <a:tint val="75000"/>
+                  </a:schemeClr>
+                </a:solidFill>
+                <a:latin typeface="+mn-lt"/>
+                <a:ea typeface="+mn-ea"/>
+                <a:cs typeface="+mn-cs"/>
+              </a:defRPr>
+            </a:lvl8pPr>
+            <a:lvl9pPr marL="3657600" indent="0" algn="ctr" defTabSz="914400" rtl="0" eaLnBrk="1" latinLnBrk="0" hangingPunct="1">
+              <a:spcBef>
+                <a:spcPts val="600"/>
+              </a:spcBef>
+              <a:buClr>
+                <a:schemeClr val="bg1">
+                  <a:lumMod val="65000"/>
+                </a:schemeClr>
+              </a:buClr>
+              <a:buSzPct val="90000"/>
+              <a:buFont typeface="Wingdings" pitchFamily="2" charset="2"/>
+              <a:buNone/>
+              <a:defRPr lang="en-US" sz="1800" kern="1200">
+                <a:solidFill>
+                  <a:schemeClr val="tx1">
+                    <a:tint val="75000"/>
+                  </a:schemeClr>
+                </a:solidFill>
+                <a:latin typeface="+mn-lt"/>
+                <a:ea typeface="+mn-ea"/>
+                <a:cs typeface="+mn-cs"/>
+              </a:defRPr>
+            </a:lvl9pPr>
+          </a:lstStyle>
+          <a:p>
+            <a:pPr>
+              <a:spcBef>
+                <a:spcPts val="600"/>
+              </a:spcBef>
+              <a:spcAft>
+                <a:spcPts val="600"/>
+              </a:spcAft>
+            </a:pPr>
+            <a:r>
+              <a:rPr lang="pt-PT" sz="5400" b="1" dirty="0">
+                <a:solidFill>
+                  <a:schemeClr val="tx1"/>
+                </a:solidFill>
+              </a:rPr>
+              <a:t> </a:t>
+            </a:r>
+            <a:r>
+              <a:rPr lang="pt-PT" sz="5400" b="1" dirty="0" smtClean="0">
+                <a:solidFill>
+                  <a:schemeClr val="tx1"/>
+                </a:solidFill>
+              </a:rPr>
+              <a:t>  </a:t>
+            </a:r>
+            <a:r>
+              <a:rPr lang="pt-PT" sz="4400" b="1" dirty="0" smtClean="0">
+                <a:solidFill>
+                  <a:schemeClr val="tx1"/>
+                </a:solidFill>
+              </a:rPr>
+              <a:t>Conclusão</a:t>
+            </a:r>
+            <a:endParaRPr lang="pt-PT" sz="4400" dirty="0" smtClean="0">
+              <a:solidFill>
+                <a:schemeClr val="tx1">
+                  <a:lumMod val="85000"/>
+                  <a:lumOff val="15000"/>
+                </a:schemeClr>
+              </a:solidFill>
+            </a:endParaRPr>
+          </a:p>
+          <a:p>
+            <a:endParaRPr lang="pt-PT" dirty="0">
+              <a:solidFill>
+                <a:schemeClr val="tx1"/>
+              </a:solidFill>
+            </a:endParaRPr>
           </a:p>
         </p:txBody>
       </p:sp>
     </p:spTree>
     <p:extLst>
       <p:ext uri="{BB962C8B-B14F-4D97-AF65-F5344CB8AC3E}">
-        <p14:creationId xmlns:p14="http://schemas.microsoft.com/office/powerpoint/2010/main" val="364079731"/>
+        <p14:creationId xmlns:p14="http://schemas.microsoft.com/office/powerpoint/2010/main" val="2467684659"/>
       </p:ext>
     </p:extLst>
   </p:cSld>
@@ -12233,7 +11692,7 @@
   <p:timing>
     <p:tnLst>
       <p:par>
-        <p:cTn xmlns:p14="http://schemas.microsoft.com/office/powerpoint/2010/main" id="1" dur="indefinite" restart="never" nodeType="tmRoot"/>
+        <p:cTn id="1" dur="indefinite" restart="never" nodeType="tmRoot"/>
       </p:par>
     </p:tnLst>
   </p:timing>
@@ -12259,131 +11718,48 @@
       </p:grpSpPr>
       <p:sp>
         <p:nvSpPr>
-          <p:cNvPr id="2" name="Title 1"/>
+          <p:cNvPr id="3" name="Subtitle 2"/>
           <p:cNvSpPr>
             <a:spLocks noGrp="1"/>
           </p:cNvSpPr>
           <p:nvPr>
-            <p:ph type="title"/>
+            <p:ph type="subTitle" idx="1"/>
           </p:nvPr>
         </p:nvSpPr>
         <p:spPr>
           <a:xfrm>
-            <a:off x="284163" y="409222"/>
-            <a:ext cx="8574087" cy="1189000"/>
+            <a:off x="380999" y="1532427"/>
+            <a:ext cx="1778000" cy="484632"/>
           </a:xfrm>
-          <a:solidFill>
-            <a:schemeClr val="tx1">
-              <a:lumMod val="75000"/>
-              <a:lumOff val="25000"/>
-            </a:schemeClr>
-          </a:solidFill>
         </p:spPr>
         <p:txBody>
-          <a:bodyPr/>
-          <a:lstStyle/>
-          <a:p>
-            <a:r>
-              <a:rPr lang="pt-PT" dirty="0" smtClean="0"/>
-              <a:t> </a:t>
-            </a:r>
-            <a:endParaRPr lang="pt-PT" dirty="0"/>
-          </a:p>
-        </p:txBody>
-      </p:sp>
-      <p:sp>
-        <p:nvSpPr>
-          <p:cNvPr id="4" name="Title 1"/>
-          <p:cNvSpPr txBox="1">
-            <a:spLocks/>
-          </p:cNvSpPr>
-          <p:nvPr/>
-        </p:nvSpPr>
-        <p:spPr>
-          <a:xfrm>
-            <a:off x="2304973" y="599123"/>
-            <a:ext cx="6415693" cy="893714"/>
-          </a:xfrm>
-          <a:prstGeom prst="rect">
-            <a:avLst/>
-          </a:prstGeom>
-          <a:noFill/>
-        </p:spPr>
-        <p:txBody>
-          <a:bodyPr vert="horz" lIns="91440" tIns="45720" rIns="91440" bIns="45720" rtlCol="0" anchor="ctr">
+          <a:bodyPr>
             <a:noAutofit/>
           </a:bodyPr>
-          <a:lstStyle>
-            <a:lvl1pPr algn="r" defTabSz="914400" rtl="0" eaLnBrk="1" latinLnBrk="0" hangingPunct="1">
-              <a:spcBef>
-                <a:spcPct val="0"/>
-              </a:spcBef>
-              <a:buNone/>
-              <a:defRPr sz="4200" kern="1200">
-                <a:solidFill>
-                  <a:schemeClr val="bg1"/>
-                </a:solidFill>
-                <a:latin typeface="+mj-lt"/>
-                <a:ea typeface="+mj-ea"/>
-                <a:cs typeface="+mj-cs"/>
-              </a:defRPr>
-            </a:lvl1pPr>
-          </a:lstStyle>
-          <a:p>
-            <a:pPr algn="ctr"/>
-            <a:r>
-              <a:rPr lang="pt-PT" sz="2600" dirty="0" smtClean="0"/>
-              <a:t>Licenciatura</a:t>
-            </a:r>
-            <a:r>
-              <a:rPr lang="en-US" sz="2600" dirty="0" smtClean="0"/>
-              <a:t> </a:t>
-            </a:r>
-            <a:r>
-              <a:rPr lang="pt-PT" sz="2600" dirty="0" smtClean="0"/>
-              <a:t>em</a:t>
-            </a:r>
-            <a:r>
-              <a:rPr lang="en-US" sz="2600" dirty="0" smtClean="0"/>
-              <a:t> </a:t>
-            </a:r>
-            <a:r>
-              <a:rPr lang="en-US" sz="2600" dirty="0" err="1" smtClean="0"/>
-              <a:t>Engenharia</a:t>
-            </a:r>
-            <a:r>
-              <a:rPr lang="en-US" sz="2600" dirty="0" smtClean="0"/>
-              <a:t> </a:t>
-            </a:r>
-            <a:r>
-              <a:rPr lang="en-US" sz="2600" dirty="0" err="1" smtClean="0"/>
-              <a:t>Informática</a:t>
-            </a:r>
-            <a:r>
-              <a:rPr lang="en-US" sz="2600" dirty="0" smtClean="0"/>
-              <a:t/>
-            </a:r>
-            <a:br>
-              <a:rPr lang="en-US" sz="2600" dirty="0" smtClean="0"/>
-            </a:br>
-            <a:r>
-              <a:rPr lang="en-US" sz="1900" dirty="0"/>
-              <a:t>Base de Dados: Habitat for Humanity</a:t>
-            </a:r>
-            <a:endParaRPr lang="en-US" sz="1900" dirty="0"/>
+          <a:lstStyle/>
+          <a:p>
+            <a:r>
+              <a:rPr lang="en-US" sz="1300" dirty="0" err="1" smtClean="0"/>
+              <a:t>Universidade</a:t>
+            </a:r>
+            <a:r>
+              <a:rPr lang="en-US" sz="1300" dirty="0" smtClean="0"/>
+              <a:t> do Minho</a:t>
+            </a:r>
+            <a:endParaRPr lang="en-US" sz="1300" dirty="0"/>
           </a:p>
         </p:txBody>
       </p:sp>
       <p:pic>
         <p:nvPicPr>
-          <p:cNvPr id="7" name="Picture 6" descr="logo-ee.jpg"/>
+          <p:cNvPr id="5" name="Picture 4" descr="logo-ee.jpg"/>
           <p:cNvPicPr>
             <a:picLocks noChangeAspect="1"/>
           </p:cNvPicPr>
           <p:nvPr/>
         </p:nvPicPr>
         <p:blipFill>
-          <a:blip r:embed="rId3">
+          <a:blip r:embed="rId2">
             <a:extLst>
               <a:ext uri="{28A0092B-C50C-407E-A947-70E740481C1C}">
                 <a14:useLocalDpi xmlns:a14="http://schemas.microsoft.com/office/drawing/2010/main" val="0"/>
@@ -12404,46 +11780,16 @@
           </a:prstGeom>
         </p:spPr>
       </p:pic>
-      <p:pic>
-        <p:nvPicPr>
-          <p:cNvPr id="6" name="Picture 5" descr="10936619_10203685744564383_515813898_o.jpg"/>
-          <p:cNvPicPr>
-            <a:picLocks noChangeAspect="1"/>
-          </p:cNvPicPr>
+      <p:sp>
+        <p:nvSpPr>
+          <p:cNvPr id="6" name="TextBox 5"/>
+          <p:cNvSpPr txBox="1"/>
           <p:nvPr/>
-        </p:nvPicPr>
-        <p:blipFill>
-          <a:blip r:embed="rId4">
-            <a:extLst>
-              <a:ext uri="{28A0092B-C50C-407E-A947-70E740481C1C}">
-                <a14:useLocalDpi xmlns:a14="http://schemas.microsoft.com/office/drawing/2010/main" val="0"/>
-              </a:ext>
-            </a:extLst>
-          </a:blip>
-          <a:stretch>
-            <a:fillRect/>
-          </a:stretch>
-        </p:blipFill>
+        </p:nvSpPr>
         <p:spPr>
           <a:xfrm>
-            <a:off x="2256115" y="3035751"/>
-            <a:ext cx="4760164" cy="3822248"/>
-          </a:xfrm>
-          <a:prstGeom prst="rect">
-            <a:avLst/>
-          </a:prstGeom>
-        </p:spPr>
-      </p:pic>
-      <p:sp>
-        <p:nvSpPr>
-          <p:cNvPr id="5" name="TextBox 4"/>
-          <p:cNvSpPr txBox="1"/>
-          <p:nvPr/>
-        </p:nvSpPr>
-        <p:spPr>
-          <a:xfrm>
-            <a:off x="381000" y="2093281"/>
-            <a:ext cx="8339666" cy="584776"/>
+            <a:off x="380999" y="2314222"/>
+            <a:ext cx="8452557" cy="1138773"/>
           </a:xfrm>
           <a:prstGeom prst="rect">
             <a:avLst/>
@@ -12456,28 +11802,32 @@
           </a:bodyPr>
           <a:lstStyle/>
           <a:p>
+            <a:pPr algn="ctr"/>
+            <a:r>
+              <a:rPr lang="pt-PT" sz="3600" b="1" dirty="0" smtClean="0"/>
+              <a:t>Laboratórios de Informática IV</a:t>
+            </a:r>
+          </a:p>
+          <a:p>
+            <a:pPr algn="ctr"/>
             <a:r>
               <a:rPr lang="pt-PT" sz="3200" b="1" dirty="0" smtClean="0"/>
-              <a:t>Modelo Lógico – Mapa Transaç</a:t>
-            </a:r>
-            <a:r>
-              <a:rPr lang="pt-PT" sz="3200" b="1" dirty="0" smtClean="0"/>
-              <a:t>ões</a:t>
-            </a:r>
-            <a:endParaRPr lang="en-US" sz="1900" dirty="0"/>
-          </a:p>
-        </p:txBody>
-      </p:sp>
-      <p:sp>
-        <p:nvSpPr>
-          <p:cNvPr id="3" name="TextBox 2"/>
+              <a:t>Processo de Desenvolvimento de Software</a:t>
+            </a:r>
+            <a:endParaRPr lang="pt-PT" sz="3200" b="1" dirty="0" smtClean="0"/>
+          </a:p>
+        </p:txBody>
+      </p:sp>
+      <p:sp>
+        <p:nvSpPr>
+          <p:cNvPr id="7" name="TextBox 6"/>
           <p:cNvSpPr txBox="1"/>
           <p:nvPr/>
         </p:nvSpPr>
         <p:spPr>
           <a:xfrm>
-            <a:off x="381000" y="2635641"/>
-            <a:ext cx="4020101" cy="400110"/>
+            <a:off x="268113" y="6462890"/>
+            <a:ext cx="8565444" cy="369332"/>
           </a:xfrm>
           <a:prstGeom prst="rect">
             <a:avLst/>
@@ -12485,78 +11835,47 @@
           <a:noFill/>
         </p:spPr>
         <p:txBody>
-          <a:bodyPr wrap="none" rtlCol="0">
+          <a:bodyPr wrap="square" rtlCol="0">
             <a:spAutoFit/>
           </a:bodyPr>
           <a:lstStyle/>
           <a:p>
-            <a:r>
-              <a:rPr lang="pt-PT" sz="2000" dirty="0" smtClean="0"/>
-              <a:t>Adicionar um elemento do Agregado</a:t>
-            </a:r>
-            <a:endParaRPr lang="pt-PT" sz="2000" dirty="0"/>
-          </a:p>
-        </p:txBody>
-      </p:sp>
-    </p:spTree>
-    <p:extLst>
-      <p:ext uri="{BB962C8B-B14F-4D97-AF65-F5344CB8AC3E}">
-        <p14:creationId xmlns:p14="http://schemas.microsoft.com/office/powerpoint/2010/main" val="1667299194"/>
-      </p:ext>
-    </p:extLst>
-  </p:cSld>
-  <p:clrMapOvr>
-    <a:masterClrMapping/>
-  </p:clrMapOvr>
-  <p:timing>
-    <p:tnLst>
-      <p:par>
-        <p:cTn xmlns:p14="http://schemas.microsoft.com/office/powerpoint/2010/main" id="1" dur="indefinite" restart="never" nodeType="tmRoot"/>
-      </p:par>
-    </p:tnLst>
-  </p:timing>
-</p:sld>
-</file>
-
-<file path=ppt/slides/slide9.xml><?xml version="1.0" encoding="utf-8"?>
-<p:sld xmlns:a="http://schemas.openxmlformats.org/drawingml/2006/main" xmlns:r="http://schemas.openxmlformats.org/officeDocument/2006/relationships" xmlns:p="http://schemas.openxmlformats.org/presentationml/2006/main">
-  <p:cSld>
-    <p:spTree>
-      <p:nvGrpSpPr>
-        <p:cNvPr id="1" name=""/>
-        <p:cNvGrpSpPr/>
-        <p:nvPr/>
-      </p:nvGrpSpPr>
-      <p:grpSpPr>
-        <a:xfrm>
-          <a:off x="0" y="0"/>
-          <a:ext cx="0" cy="0"/>
-          <a:chOff x="0" y="0"/>
-          <a:chExt cx="0" cy="0"/>
-        </a:xfrm>
-      </p:grpSpPr>
-      <p:sp>
-        <p:nvSpPr>
-          <p:cNvPr id="2" name="Title 1"/>
+            <a:pPr algn="r"/>
+            <a:r>
+              <a:rPr lang="pt-PT" b="1" dirty="0" smtClean="0"/>
+              <a:t>Grupo </a:t>
+            </a:r>
+            <a:r>
+              <a:rPr lang="pt-PT" b="1" dirty="0" smtClean="0"/>
+              <a:t>:</a:t>
+            </a:r>
+            <a:r>
+              <a:rPr lang="pt-PT" dirty="0" smtClean="0"/>
+              <a:t> Bruno </a:t>
+            </a:r>
+            <a:r>
+              <a:rPr lang="pt-PT" dirty="0" smtClean="0"/>
+              <a:t>Torres, João Mano, </a:t>
+            </a:r>
+            <a:r>
+              <a:rPr lang="pt-PT" dirty="0" smtClean="0"/>
+              <a:t>Patrícia Rocha</a:t>
+            </a:r>
+            <a:endParaRPr lang="pt-PT" dirty="0"/>
+          </a:p>
+        </p:txBody>
+      </p:sp>
+      <p:sp>
+        <p:nvSpPr>
+          <p:cNvPr id="9" name="Title 8"/>
           <p:cNvSpPr>
             <a:spLocks noGrp="1"/>
           </p:cNvSpPr>
           <p:nvPr>
-            <p:ph type="title"/>
+            <p:ph type="ctrTitle"/>
           </p:nvPr>
         </p:nvSpPr>
-        <p:spPr>
-          <a:xfrm>
-            <a:off x="284163" y="409222"/>
-            <a:ext cx="8574087" cy="1189000"/>
-          </a:xfrm>
-          <a:solidFill>
-            <a:schemeClr val="tx1">
-              <a:lumMod val="75000"/>
-              <a:lumOff val="25000"/>
-            </a:schemeClr>
-          </a:solidFill>
-        </p:spPr>
+        <p:spPr/>
         <p:txBody>
           <a:bodyPr/>
           <a:lstStyle/>
@@ -12571,7 +11890,7 @@
       </p:sp>
       <p:sp>
         <p:nvSpPr>
-          <p:cNvPr id="4" name="Title 1"/>
+          <p:cNvPr id="11" name="Title 1"/>
           <p:cNvSpPr txBox="1">
             <a:spLocks/>
           </p:cNvSpPr>
@@ -12637,45 +11956,28 @@
               <a:rPr lang="en-US" sz="2600" dirty="0" err="1" smtClean="0"/>
               <a:t>Informática</a:t>
             </a:r>
-            <a:r>
-              <a:rPr lang="en-US" sz="2600" dirty="0" smtClean="0"/>
-              <a:t/>
-            </a:r>
-            <a:br>
-              <a:rPr lang="en-US" sz="2600" dirty="0" smtClean="0"/>
-            </a:br>
-            <a:r>
-              <a:rPr lang="en-US" sz="1900" dirty="0"/>
-              <a:t>Base de Dados: Habitat for Humanity</a:t>
-            </a:r>
-            <a:endParaRPr lang="en-US" sz="1900" dirty="0"/>
+            <a:endParaRPr lang="en-US" sz="2400" dirty="0"/>
           </a:p>
         </p:txBody>
       </p:sp>
       <p:pic>
         <p:nvPicPr>
-          <p:cNvPr id="7" name="Picture 6" descr="logo-ee.jpg"/>
+          <p:cNvPr id="8" name="Imagem 7"/>
           <p:cNvPicPr>
             <a:picLocks noChangeAspect="1"/>
           </p:cNvPicPr>
           <p:nvPr/>
         </p:nvPicPr>
         <p:blipFill>
-          <a:blip r:embed="rId3">
-            <a:extLst>
-              <a:ext uri="{28A0092B-C50C-407E-A947-70E740481C1C}">
-                <a14:useLocalDpi xmlns:a14="http://schemas.microsoft.com/office/drawing/2010/main" val="0"/>
-              </a:ext>
-            </a:extLst>
-          </a:blip>
+          <a:blip r:embed="rId3"/>
           <a:stretch>
             <a:fillRect/>
           </a:stretch>
         </p:blipFill>
         <p:spPr>
           <a:xfrm>
-            <a:off x="380999" y="643427"/>
-            <a:ext cx="1778000" cy="889000"/>
+            <a:off x="421341" y="3641654"/>
+            <a:ext cx="8299325" cy="2336604"/>
           </a:xfrm>
           <a:prstGeom prst="rect">
             <a:avLst/>
@@ -12684,175 +11986,58 @@
       </p:pic>
       <p:sp>
         <p:nvSpPr>
-          <p:cNvPr id="5" name="TextBox 4"/>
-          <p:cNvSpPr txBox="1"/>
+          <p:cNvPr id="12" name="Rectangle 12"/>
+          <p:cNvSpPr/>
           <p:nvPr/>
         </p:nvSpPr>
         <p:spPr>
           <a:xfrm>
-            <a:off x="381000" y="2093281"/>
-            <a:ext cx="8339666" cy="584776"/>
+            <a:off x="284163" y="6227064"/>
+            <a:ext cx="8574087" cy="173736"/>
           </a:xfrm>
           <a:prstGeom prst="rect">
             <a:avLst/>
           </a:prstGeom>
-          <a:noFill/>
+          <a:solidFill>
+            <a:schemeClr val="tx1">
+              <a:lumMod val="85000"/>
+              <a:lumOff val="15000"/>
+              <a:alpha val="70000"/>
+            </a:schemeClr>
+          </a:solidFill>
+          <a:ln>
+            <a:noFill/>
+          </a:ln>
         </p:spPr>
-        <p:txBody>
-          <a:bodyPr wrap="square" rtlCol="0">
-            <a:spAutoFit/>
-          </a:bodyPr>
+        <p:style>
+          <a:lnRef idx="2">
+            <a:schemeClr val="accent1">
+              <a:shade val="50000"/>
+            </a:schemeClr>
+          </a:lnRef>
+          <a:fillRef idx="1">
+            <a:schemeClr val="accent1"/>
+          </a:fillRef>
+          <a:effectRef idx="0">
+            <a:schemeClr val="accent1"/>
+          </a:effectRef>
+          <a:fontRef idx="minor">
+            <a:schemeClr val="lt1"/>
+          </a:fontRef>
+        </p:style>
+        <p:txBody>
+          <a:bodyPr rtlCol="0" anchor="ctr"/>
           <a:lstStyle/>
           <a:p>
-            <a:r>
-              <a:rPr lang="pt-PT" sz="3200" b="1" dirty="0" smtClean="0"/>
-              <a:t>Modelo Físico</a:t>
-            </a:r>
-            <a:endParaRPr lang="en-US" sz="1900" dirty="0"/>
-          </a:p>
-        </p:txBody>
-      </p:sp>
-      <p:sp>
-        <p:nvSpPr>
-          <p:cNvPr id="3" name="TextBox 2"/>
-          <p:cNvSpPr txBox="1"/>
-          <p:nvPr/>
-        </p:nvSpPr>
-        <p:spPr>
-          <a:xfrm>
-            <a:off x="380998" y="2665410"/>
-            <a:ext cx="8339667" cy="461665"/>
-          </a:xfrm>
-          <a:prstGeom prst="rect">
-            <a:avLst/>
-          </a:prstGeom>
-          <a:noFill/>
-        </p:spPr>
-        <p:txBody>
-          <a:bodyPr wrap="square" rtlCol="0">
-            <a:spAutoFit/>
-          </a:bodyPr>
-          <a:lstStyle/>
-          <a:p>
-            <a:r>
-              <a:rPr lang="pt-PT" sz="2400" dirty="0" smtClean="0"/>
-              <a:t>O Modelo F</a:t>
-            </a:r>
-            <a:r>
-              <a:rPr lang="pt-PT" sz="2400" dirty="0" smtClean="0"/>
-              <a:t>ísico foi elaborado usando as seguintes etapas:</a:t>
-            </a:r>
-            <a:endParaRPr lang="pt-PT" sz="2400" dirty="0"/>
-          </a:p>
-        </p:txBody>
-      </p:sp>
-      <p:sp>
-        <p:nvSpPr>
-          <p:cNvPr id="6" name="TextBox 5"/>
-          <p:cNvSpPr txBox="1"/>
-          <p:nvPr/>
-        </p:nvSpPr>
-        <p:spPr>
-          <a:xfrm>
-            <a:off x="542096" y="3190843"/>
-            <a:ext cx="5622052" cy="3477875"/>
-          </a:xfrm>
-          <a:prstGeom prst="rect">
-            <a:avLst/>
-          </a:prstGeom>
-          <a:noFill/>
-        </p:spPr>
-        <p:txBody>
-          <a:bodyPr wrap="none" rtlCol="0">
-            <a:spAutoFit/>
-          </a:bodyPr>
-          <a:lstStyle/>
-          <a:p>
-            <a:pPr marL="285750" indent="-285750">
-              <a:buFont typeface="Arial"/>
-              <a:buChar char="•"/>
-            </a:pPr>
-            <a:r>
-              <a:rPr lang="pt-PT" sz="2000" dirty="0" smtClean="0"/>
-              <a:t>Escolha o SGBD</a:t>
-            </a:r>
-            <a:br>
-              <a:rPr lang="pt-PT" sz="2000" dirty="0" smtClean="0"/>
-            </a:br>
-            <a:endParaRPr lang="pt-PT" sz="2000" dirty="0" smtClean="0"/>
-          </a:p>
-          <a:p>
-            <a:pPr marL="285750" indent="-285750">
-              <a:buFont typeface="Arial"/>
-              <a:buChar char="•"/>
-            </a:pPr>
-            <a:r>
-              <a:rPr lang="pt-PT" sz="2000" dirty="0" smtClean="0"/>
-              <a:t>Tradução do Modelo Lógico para o SGBD</a:t>
-            </a:r>
-            <a:br>
-              <a:rPr lang="pt-PT" sz="2000" dirty="0" smtClean="0"/>
-            </a:br>
-            <a:endParaRPr lang="pt-PT" sz="2000" dirty="0" smtClean="0"/>
-          </a:p>
-          <a:p>
-            <a:pPr marL="285750" indent="-285750">
-              <a:buFont typeface="Arial"/>
-              <a:buChar char="•"/>
-            </a:pPr>
-            <a:r>
-              <a:rPr lang="pt-PT" sz="2000" dirty="0" smtClean="0"/>
-              <a:t>Desenho da organização do Ficheiro e dos Índices</a:t>
-            </a:r>
-            <a:br>
-              <a:rPr lang="pt-PT" sz="2000" dirty="0" smtClean="0"/>
-            </a:br>
-            <a:endParaRPr lang="pt-PT" sz="2000" dirty="0" smtClean="0"/>
-          </a:p>
-          <a:p>
-            <a:pPr marL="285750" indent="-285750">
-              <a:buFont typeface="Arial"/>
-              <a:buChar char="•"/>
-            </a:pPr>
-            <a:r>
-              <a:rPr lang="pt-PT" sz="2000" dirty="0" smtClean="0"/>
-              <a:t>Estimação de Espaço em Disco</a:t>
-            </a:r>
-            <a:br>
-              <a:rPr lang="pt-PT" sz="2000" dirty="0" smtClean="0"/>
-            </a:br>
-            <a:endParaRPr lang="pt-PT" sz="2000" dirty="0" smtClean="0"/>
-          </a:p>
-          <a:p>
-            <a:pPr marL="285750" indent="-285750">
-              <a:buFont typeface="Arial"/>
-              <a:buChar char="•"/>
-            </a:pPr>
-            <a:r>
-              <a:rPr lang="pt-PT" sz="2000" dirty="0" smtClean="0"/>
-              <a:t>Controle de Redundância</a:t>
-            </a:r>
-            <a:br>
-              <a:rPr lang="pt-PT" sz="2000" dirty="0" smtClean="0"/>
-            </a:br>
-            <a:endParaRPr lang="pt-PT" sz="2000" dirty="0" smtClean="0"/>
-          </a:p>
-          <a:p>
-            <a:pPr marL="285750" indent="-285750">
-              <a:buFont typeface="Arial"/>
-              <a:buChar char="•"/>
-            </a:pPr>
-            <a:r>
-              <a:rPr lang="pt-PT" sz="2000" dirty="0" smtClean="0"/>
-              <a:t>Métodos de Segurança</a:t>
-            </a:r>
+            <a:pPr algn="ctr"/>
+            <a:endParaRPr/>
           </a:p>
         </p:txBody>
       </p:sp>
     </p:spTree>
     <p:extLst>
       <p:ext uri="{BB962C8B-B14F-4D97-AF65-F5344CB8AC3E}">
-        <p14:creationId xmlns:p14="http://schemas.microsoft.com/office/powerpoint/2010/main" val="3566265903"/>
+        <p14:creationId xmlns:p14="http://schemas.microsoft.com/office/powerpoint/2010/main" val="1552391276"/>
       </p:ext>
     </p:extLst>
   </p:cSld>
@@ -12862,7 +12047,7 @@
   <p:timing>
     <p:tnLst>
       <p:par>
-        <p:cTn xmlns:p14="http://schemas.microsoft.com/office/powerpoint/2010/main" id="1" dur="indefinite" restart="never" nodeType="tmRoot"/>
+        <p:cTn id="1" dur="indefinite" restart="never" nodeType="tmRoot"/>
       </p:par>
     </p:tnLst>
   </p:timing>

--- a/Apresentação/Apresentacao.pptx
+++ b/Apresentação/Apresentacao.pptx
@@ -5,17 +5,18 @@
     <p:sldMasterId id="2147483660" r:id="rId1"/>
   </p:sldMasterIdLst>
   <p:notesMasterIdLst>
-    <p:notesMasterId r:id="rId10"/>
+    <p:notesMasterId r:id="rId11"/>
   </p:notesMasterIdLst>
   <p:sldIdLst>
     <p:sldId id="256" r:id="rId2"/>
     <p:sldId id="293" r:id="rId3"/>
     <p:sldId id="294" r:id="rId4"/>
     <p:sldId id="298" r:id="rId5"/>
-    <p:sldId id="295" r:id="rId6"/>
-    <p:sldId id="296" r:id="rId7"/>
-    <p:sldId id="297" r:id="rId8"/>
-    <p:sldId id="290" r:id="rId9"/>
+    <p:sldId id="299" r:id="rId6"/>
+    <p:sldId id="300" r:id="rId7"/>
+    <p:sldId id="296" r:id="rId8"/>
+    <p:sldId id="297" r:id="rId9"/>
+    <p:sldId id="290" r:id="rId10"/>
   </p:sldIdLst>
   <p:sldSz cx="9144000" cy="6858000" type="screen4x3"/>
   <p:notesSz cx="6858000" cy="9144000"/>
@@ -634,7 +635,7 @@
       </p:grpSpPr>
       <p:sp>
         <p:nvSpPr>
-          <p:cNvPr id="2" name="Espaço Reservado para Imagem de Slide 1"/>
+          <p:cNvPr id="2" name="Marcador de Posição da Imagem do Diapositivo 1"/>
           <p:cNvSpPr>
             <a:spLocks noGrp="1" noRot="1" noChangeAspect="1"/>
           </p:cNvSpPr>
@@ -646,7 +647,7 @@
       </p:sp>
       <p:sp>
         <p:nvSpPr>
-          <p:cNvPr id="3" name="Espaço Reservado para Anotações 2"/>
+          <p:cNvPr id="3" name="Marcador de Posição de Notas 2"/>
           <p:cNvSpPr>
             <a:spLocks noGrp="1"/>
           </p:cNvSpPr>
@@ -659,13 +660,134 @@
           <a:bodyPr/>
           <a:lstStyle/>
           <a:p>
+            <a:pPr marL="0" marR="0" indent="0" algn="l" defTabSz="457200" rtl="0" eaLnBrk="1" fontAlgn="auto" latinLnBrk="0" hangingPunct="1">
+              <a:lnSpc>
+                <a:spcPct val="100000"/>
+              </a:lnSpc>
+              <a:spcBef>
+                <a:spcPts val="0"/>
+              </a:spcBef>
+              <a:spcAft>
+                <a:spcPts val="0"/>
+              </a:spcAft>
+              <a:buClrTx/>
+              <a:buSzTx/>
+              <a:buFontTx/>
+              <a:buNone/>
+              <a:tabLst/>
+              <a:defRPr/>
+            </a:pPr>
+            <a:r>
+              <a:rPr lang="pt-PT" sz="1200" dirty="0" smtClean="0">
+                <a:solidFill>
+                  <a:schemeClr val="tx1">
+                    <a:lumMod val="85000"/>
+                    <a:lumOff val="15000"/>
+                  </a:schemeClr>
+                </a:solidFill>
+              </a:rPr>
+              <a:t>Foca-se na necessidade de iterar para controlar riscos:</a:t>
+            </a:r>
+            <a:endParaRPr lang="pt-PT" sz="1400" dirty="0" smtClean="0">
+              <a:solidFill>
+                <a:schemeClr val="tx1">
+                  <a:lumMod val="85000"/>
+                  <a:lumOff val="15000"/>
+                </a:schemeClr>
+              </a:solidFill>
+            </a:endParaRPr>
+          </a:p>
+          <a:p>
+            <a:endParaRPr lang="pt-PT" dirty="0" smtClean="0"/>
+          </a:p>
+          <a:p>
+            <a:endParaRPr lang="pt-PT" dirty="0" smtClean="0"/>
+          </a:p>
+          <a:p>
+            <a:endParaRPr lang="pt-PT" dirty="0" smtClean="0"/>
+          </a:p>
+          <a:p>
+            <a:r>
+              <a:rPr lang="pt-PT" dirty="0" err="1" smtClean="0"/>
+              <a:t>Concepção</a:t>
+            </a:r>
+            <a:r>
+              <a:rPr lang="pt-PT" dirty="0" smtClean="0"/>
+              <a:t> de um primeiro “desenho” do sistema.</a:t>
+            </a:r>
+          </a:p>
+          <a:p>
+            <a:r>
+              <a:rPr lang="pt-PT" dirty="0" smtClean="0"/>
+              <a:t>Um primeiro protótipo é </a:t>
+            </a:r>
+            <a:r>
+              <a:rPr lang="pt-PT" dirty="0" err="1" smtClean="0"/>
+              <a:t>construido</a:t>
+            </a:r>
+            <a:r>
+              <a:rPr lang="pt-PT" dirty="0" smtClean="0"/>
+              <a:t> a partir do passo anterior</a:t>
+            </a:r>
+          </a:p>
+          <a:p>
+            <a:r>
+              <a:rPr lang="pt-PT" dirty="0" smtClean="0"/>
+              <a:t>Desenvolvimento de um segundo protótipo a partir do primeiro (este passo é iterado até o cliente estar</a:t>
+            </a:r>
+          </a:p>
+          <a:p>
+            <a:r>
+              <a:rPr lang="pt-PT" dirty="0" smtClean="0"/>
+              <a:t>satisfeito):</a:t>
+            </a:r>
+          </a:p>
+          <a:p>
+            <a:r>
+              <a:rPr lang="pt-PT" dirty="0" smtClean="0"/>
+              <a:t>Avaliação do protótipo anterior (pontos fortes e fracos, riscos)</a:t>
+            </a:r>
+          </a:p>
+          <a:p>
+            <a:r>
+              <a:rPr lang="pt-PT" dirty="0" smtClean="0"/>
+              <a:t>Definição de requisitos para o novo protótipo</a:t>
+            </a:r>
+          </a:p>
+          <a:p>
+            <a:r>
+              <a:rPr lang="pt-PT" dirty="0" smtClean="0"/>
+              <a:t>Planeamento e conceção do novo </a:t>
+            </a:r>
+            <a:r>
+              <a:rPr lang="pt-PT" dirty="0" err="1" smtClean="0"/>
+              <a:t>prtótipo</a:t>
+            </a:r>
+            <a:endParaRPr lang="pt-PT" dirty="0" smtClean="0"/>
+          </a:p>
+          <a:p>
+            <a:r>
+              <a:rPr lang="pt-PT" dirty="0" smtClean="0"/>
+              <a:t>Construção e teste do novo protótipo</a:t>
+            </a:r>
+          </a:p>
+          <a:p>
+            <a:endParaRPr lang="pt-PT" dirty="0" smtClean="0"/>
+          </a:p>
+          <a:p>
+            <a:r>
+              <a:rPr lang="pt-PT" dirty="0" smtClean="0"/>
+              <a:t>O produto final é construído a partir do protótipo final e, depois de avaliado e testado, entra em produção.</a:t>
+            </a:r>
+          </a:p>
+          <a:p>
             <a:endParaRPr lang="pt-PT" dirty="0"/>
           </a:p>
         </p:txBody>
       </p:sp>
       <p:sp>
         <p:nvSpPr>
-          <p:cNvPr id="4" name="Espaço Reservado para Número de Slide 3"/>
+          <p:cNvPr id="4" name="Marcador de Posição do Número do Diapositivo 3"/>
           <p:cNvSpPr>
             <a:spLocks noGrp="1"/>
           </p:cNvSpPr>
@@ -689,7 +811,91 @@
     </p:spTree>
     <p:extLst>
       <p:ext uri="{BB962C8B-B14F-4D97-AF65-F5344CB8AC3E}">
-        <p14:creationId xmlns:p14="http://schemas.microsoft.com/office/powerpoint/2010/main" val="155866135"/>
+        <p14:creationId xmlns:p14="http://schemas.microsoft.com/office/powerpoint/2010/main" val="2704699492"/>
+      </p:ext>
+    </p:extLst>
+  </p:cSld>
+  <p:clrMapOvr>
+    <a:masterClrMapping/>
+  </p:clrMapOvr>
+</p:notes>
+</file>
+
+<file path=ppt/notesSlides/notesSlide3.xml><?xml version="1.0" encoding="utf-8"?>
+<p:notes xmlns:a="http://schemas.openxmlformats.org/drawingml/2006/main" xmlns:r="http://schemas.openxmlformats.org/officeDocument/2006/relationships" xmlns:p="http://schemas.openxmlformats.org/presentationml/2006/main">
+  <p:cSld>
+    <p:spTree>
+      <p:nvGrpSpPr>
+        <p:cNvPr id="1" name=""/>
+        <p:cNvGrpSpPr/>
+        <p:nvPr/>
+      </p:nvGrpSpPr>
+      <p:grpSpPr>
+        <a:xfrm>
+          <a:off x="0" y="0"/>
+          <a:ext cx="0" cy="0"/>
+          <a:chOff x="0" y="0"/>
+          <a:chExt cx="0" cy="0"/>
+        </a:xfrm>
+      </p:grpSpPr>
+      <p:sp>
+        <p:nvSpPr>
+          <p:cNvPr id="2" name="Marcador de Posição da Imagem do Diapositivo 1"/>
+          <p:cNvSpPr>
+            <a:spLocks noGrp="1" noRot="1" noChangeAspect="1"/>
+          </p:cNvSpPr>
+          <p:nvPr>
+            <p:ph type="sldImg"/>
+          </p:nvPr>
+        </p:nvSpPr>
+        <p:spPr/>
+      </p:sp>
+      <p:sp>
+        <p:nvSpPr>
+          <p:cNvPr id="3" name="Marcador de Posição de Notas 2"/>
+          <p:cNvSpPr>
+            <a:spLocks noGrp="1"/>
+          </p:cNvSpPr>
+          <p:nvPr>
+            <p:ph type="body" idx="1"/>
+          </p:nvPr>
+        </p:nvSpPr>
+        <p:spPr/>
+        <p:txBody>
+          <a:bodyPr/>
+          <a:lstStyle/>
+          <a:p>
+            <a:endParaRPr lang="pt-PT" dirty="0"/>
+          </a:p>
+        </p:txBody>
+      </p:sp>
+      <p:sp>
+        <p:nvSpPr>
+          <p:cNvPr id="4" name="Marcador de Posição do Número do Diapositivo 3"/>
+          <p:cNvSpPr>
+            <a:spLocks noGrp="1"/>
+          </p:cNvSpPr>
+          <p:nvPr>
+            <p:ph type="sldNum" sz="quarter" idx="10"/>
+          </p:nvPr>
+        </p:nvSpPr>
+        <p:spPr/>
+        <p:txBody>
+          <a:bodyPr/>
+          <a:lstStyle/>
+          <a:p>
+            <a:fld id="{CEBCE6B0-B0CC-9543-8BFC-92B50F9442D7}" type="slidenum">
+              <a:rPr lang="pt-PT" smtClean="0"/>
+              <a:t>6</a:t>
+            </a:fld>
+            <a:endParaRPr lang="pt-PT"/>
+          </a:p>
+        </p:txBody>
+      </p:sp>
+    </p:spTree>
+    <p:extLst>
+      <p:ext uri="{BB962C8B-B14F-4D97-AF65-F5344CB8AC3E}">
+        <p14:creationId xmlns:p14="http://schemas.microsoft.com/office/powerpoint/2010/main" val="609874351"/>
       </p:ext>
     </p:extLst>
   </p:cSld>
@@ -8771,7 +8977,6 @@
               <a:rPr lang="pt-PT" sz="3600" b="1" dirty="0" smtClean="0"/>
               <a:t>Modelo em Espiral</a:t>
             </a:r>
-            <a:endParaRPr lang="pt-PT" sz="3600" b="1" dirty="0" smtClean="0"/>
           </a:p>
         </p:txBody>
       </p:sp>
@@ -8800,23 +9005,11 @@
             <a:pPr algn="r"/>
             <a:r>
               <a:rPr lang="pt-PT" b="1" dirty="0" smtClean="0"/>
-              <a:t>Grupo </a:t>
-            </a:r>
-            <a:r>
-              <a:rPr lang="pt-PT" b="1" dirty="0" smtClean="0"/>
-              <a:t>:</a:t>
+              <a:t>Grupo :</a:t>
             </a:r>
             <a:r>
               <a:rPr lang="pt-PT" dirty="0" smtClean="0"/>
-              <a:t> Ana Almeida, Bruno </a:t>
-            </a:r>
-            <a:r>
-              <a:rPr lang="pt-PT" dirty="0" smtClean="0"/>
-              <a:t>Torres, João Mano, </a:t>
-            </a:r>
-            <a:r>
-              <a:rPr lang="pt-PT" dirty="0" smtClean="0"/>
-              <a:t>Patrícia Rocha</a:t>
+              <a:t> Ana Almeida, Bruno Torres, João Mano, Patrícia Rocha</a:t>
             </a:r>
             <a:endParaRPr lang="pt-PT" dirty="0"/>
           </a:p>
@@ -9011,6 +9204,48 @@
           <a:p>
             <a:pPr algn="ctr"/>
             <a:endParaRPr/>
+          </a:p>
+        </p:txBody>
+      </p:sp>
+      <p:sp>
+        <p:nvSpPr>
+          <p:cNvPr id="2" name="Retângulo 1"/>
+          <p:cNvSpPr/>
+          <p:nvPr/>
+        </p:nvSpPr>
+        <p:spPr>
+          <a:xfrm>
+            <a:off x="2286000" y="2967335"/>
+            <a:ext cx="4572000" cy="923330"/>
+          </a:xfrm>
+          <a:prstGeom prst="rect">
+            <a:avLst/>
+          </a:prstGeom>
+        </p:spPr>
+        <p:txBody>
+          <a:bodyPr>
+            <a:spAutoFit/>
+          </a:bodyPr>
+          <a:lstStyle/>
+          <a:p>
+            <a:r>
+              <a:rPr lang="pt-PT" dirty="0"/>
+              <a:t>O cliente pode optar por abortar o </a:t>
+            </a:r>
+            <a:r>
+              <a:rPr lang="pt-PT" dirty="0" err="1"/>
+              <a:t>projecto</a:t>
+            </a:r>
+            <a:r>
+              <a:rPr lang="pt-PT" dirty="0"/>
+              <a:t> se considerar o risco de desenvolver o produto</a:t>
+            </a:r>
+          </a:p>
+          <a:p>
+            <a:r>
+              <a:rPr lang="pt-PT" dirty="0"/>
+              <a:t>demasiado alto.</a:t>
+            </a:r>
           </a:p>
         </p:txBody>
       </p:sp>
@@ -9242,7 +9477,7 @@
         <p:spPr>
           <a:xfrm>
             <a:off x="421341" y="2540307"/>
-            <a:ext cx="8339667" cy="2769989"/>
+            <a:ext cx="8339667" cy="2062103"/>
           </a:xfrm>
           <a:prstGeom prst="rect">
             <a:avLst/>
@@ -9298,24 +9533,7 @@
               <a:buChar char="•"/>
             </a:pPr>
             <a:r>
-              <a:rPr lang="pt-PT" sz="3600" b="1" dirty="0" smtClean="0"/>
-              <a:t>Prós e Contras</a:t>
-            </a:r>
-            <a:endParaRPr lang="pt-PT" sz="3600" b="1" dirty="0" smtClean="0"/>
-          </a:p>
-          <a:p>
-            <a:pPr marL="285750" indent="-285750">
-              <a:spcBef>
-                <a:spcPts val="600"/>
-              </a:spcBef>
-              <a:spcAft>
-                <a:spcPts val="600"/>
-              </a:spcAft>
-              <a:buFont typeface="Arial"/>
-              <a:buChar char="•"/>
-            </a:pPr>
-            <a:r>
-              <a:rPr lang="pt-PT" sz="3600" b="1" dirty="0" smtClean="0"/>
+              <a:rPr lang="pt-PT" sz="3600" b="1" smtClean="0"/>
               <a:t>Conclusão</a:t>
             </a:r>
             <a:endParaRPr lang="pt-PT" sz="3600" b="1" dirty="0"/>
@@ -9846,18 +10064,7 @@
                   </a:schemeClr>
                 </a:solidFill>
               </a:rPr>
-              <a:t>num artigo de Barry W. </a:t>
-            </a:r>
-            <a:r>
-              <a:rPr lang="pt-PT" sz="2400" dirty="0">
-                <a:solidFill>
-                  <a:schemeClr val="tx1">
-                    <a:lumMod val="85000"/>
-                    <a:lumOff val="15000"/>
-                  </a:schemeClr>
-                </a:solidFill>
-              </a:rPr>
-              <a:t>Boehm nos finais da década de 80, é representado por uma espiral em vez de um processo sequencial.</a:t>
+              <a:t>num artigo de Barry W. Boehm nos finais da década de 80, é representado por uma espiral em vez de um processo sequencial.</a:t>
             </a:r>
           </a:p>
           <a:p>
@@ -10367,8 +10574,8 @@
         </p:nvSpPr>
         <p:spPr>
           <a:xfrm>
-            <a:off x="718457" y="2155371"/>
-            <a:ext cx="8042551" cy="3856506"/>
+            <a:off x="421341" y="2155371"/>
+            <a:ext cx="8339667" cy="3856506"/>
           </a:xfrm>
           <a:prstGeom prst="rect">
             <a:avLst/>
@@ -10376,7 +10583,7 @@
         </p:spPr>
         <p:txBody>
           <a:bodyPr vert="horz" lIns="91440" tIns="45720" rIns="91440" bIns="45720" rtlCol="0">
-            <a:normAutofit fontScale="85000" lnSpcReduction="20000"/>
+            <a:normAutofit lnSpcReduction="10000"/>
           </a:bodyPr>
           <a:lstStyle>
             <a:lvl1pPr marL="0" indent="0" algn="l" defTabSz="914400" rtl="0" eaLnBrk="1" latinLnBrk="0" hangingPunct="1">
@@ -10602,77 +10809,230 @@
               </a:spcAft>
             </a:pPr>
             <a:r>
-              <a:rPr lang="pt-PT" sz="4000" b="1" dirty="0" smtClean="0">
+              <a:rPr lang="pt-PT" sz="5400" b="1" dirty="0">
                 <a:solidFill>
                   <a:schemeClr val="tx1"/>
                 </a:solidFill>
               </a:rPr>
-              <a:t>Descrição	</a:t>
-            </a:r>
-          </a:p>
-          <a:p>
-            <a:pPr>
-              <a:spcBef>
-                <a:spcPts val="600"/>
-              </a:spcBef>
-              <a:spcAft>
-                <a:spcPts val="600"/>
-              </a:spcAft>
-            </a:pPr>
-            <a:r>
-              <a:rPr lang="pt-PT" sz="2000" dirty="0" smtClean="0">
+              <a:t> </a:t>
+            </a:r>
+            <a:r>
+              <a:rPr lang="pt-PT" sz="5400" b="1" dirty="0" smtClean="0">
                 <a:solidFill>
                   <a:schemeClr val="tx1"/>
                 </a:solidFill>
               </a:rPr>
-              <a:t>Combina </a:t>
-            </a:r>
-            <a:r>
-              <a:rPr lang="pt-PT" sz="2000" dirty="0">
+              <a:t>  </a:t>
+            </a:r>
+            <a:r>
+              <a:rPr lang="pt-PT" sz="4400" b="1" dirty="0" smtClean="0">
                 <a:solidFill>
                   <a:schemeClr val="tx1"/>
                 </a:solidFill>
               </a:rPr>
-              <a:t>características do Modelo em Cascata com uma abordagem </a:t>
-            </a:r>
-            <a:r>
-              <a:rPr lang="pt-PT" sz="2000" dirty="0" smtClean="0">
-                <a:solidFill>
-                  <a:schemeClr val="tx1"/>
-                </a:solidFill>
-              </a:rPr>
-              <a:t>de prototipagem</a:t>
-            </a:r>
-          </a:p>
-          <a:p>
-            <a:pPr>
-              <a:spcBef>
-                <a:spcPts val="600"/>
-              </a:spcBef>
-              <a:spcAft>
-                <a:spcPts val="600"/>
-              </a:spcAft>
-            </a:pPr>
-            <a:r>
-              <a:rPr lang="pt-PT" sz="2000" dirty="0">
-                <a:solidFill>
-                  <a:schemeClr val="tx1"/>
-                </a:solidFill>
-              </a:rPr>
-              <a:t>Mais indicado para projectos de larga escala, dispendiosos e/ou complexos Foca-se na necessidade de iterar para controlar riscos 1. Definição dos requisitos com o maior detalhe possível 2. Concepção de um primeiro “desenho” do sistema. 3. Um primeiro protótipo é construido a partir do passo anterior 4. Desenvolvimento de um segundo protótipo a partir do primeiro (este passo é iterado até o cliente estar satisfeito): Avaliação do protótipo anterior (pontos fortes e fracos, riscos) Definição de requisitos para o novo protótipo Planeamento e conceção do novo prtótipo Construção e teste do novo protótipo O produto final é construído a partir do protótipo final e, depois de avaliado e testado, entra em produção. O cliente pode optar por abortar o projecto se considerar o risco de desenvolver o produto demasiado alto. Custo de desenvolvimento, custo de operação, qualquer outro factor relevante para a obtenção de um produto satisfatório</a:t>
-            </a:r>
-            <a:endParaRPr lang="pt-PT" sz="2000" b="1" dirty="0" smtClean="0">
+              <a:t>Descrição</a:t>
+            </a:r>
+            <a:endParaRPr lang="pt-PT" sz="4400" dirty="0" smtClean="0">
               <a:solidFill>
-                <a:schemeClr val="tx1"/>
+                <a:schemeClr val="tx1">
+                  <a:lumMod val="85000"/>
+                  <a:lumOff val="15000"/>
+                </a:schemeClr>
               </a:solidFill>
             </a:endParaRPr>
+          </a:p>
+          <a:p>
+            <a:pPr marL="454025" indent="-454025" algn="just">
+              <a:spcBef>
+                <a:spcPts val="2000"/>
+              </a:spcBef>
+              <a:buFont typeface="Wingdings" pitchFamily="2" charset="2"/>
+              <a:buChar char=""/>
+            </a:pPr>
+            <a:r>
+              <a:rPr lang="pt-PT" sz="2400" dirty="0">
+                <a:solidFill>
+                  <a:schemeClr val="tx1">
+                    <a:lumMod val="85000"/>
+                    <a:lumOff val="15000"/>
+                  </a:schemeClr>
+                </a:solidFill>
+              </a:rPr>
+              <a:t>Combina características do Modelo em Cascata com uma abordagem de prototipagem</a:t>
+            </a:r>
+            <a:r>
+              <a:rPr lang="pt-PT" sz="2400" dirty="0" smtClean="0">
+                <a:solidFill>
+                  <a:schemeClr val="tx1">
+                    <a:lumMod val="85000"/>
+                    <a:lumOff val="15000"/>
+                  </a:schemeClr>
+                </a:solidFill>
+              </a:rPr>
+              <a:t>.</a:t>
+            </a:r>
+          </a:p>
+          <a:p>
+            <a:pPr marL="454025" indent="-454025" algn="just">
+              <a:spcBef>
+                <a:spcPts val="2000"/>
+              </a:spcBef>
+              <a:buFont typeface="Wingdings" pitchFamily="2" charset="2"/>
+              <a:buChar char=""/>
+            </a:pPr>
+            <a:r>
+              <a:rPr lang="pt-PT" sz="2400" dirty="0" smtClean="0">
+                <a:solidFill>
+                  <a:schemeClr val="tx1">
+                    <a:lumMod val="85000"/>
+                    <a:lumOff val="15000"/>
+                  </a:schemeClr>
+                </a:solidFill>
+              </a:rPr>
+              <a:t>Mais </a:t>
+            </a:r>
+            <a:r>
+              <a:rPr lang="pt-PT" sz="2400" dirty="0">
+                <a:solidFill>
+                  <a:schemeClr val="tx1">
+                    <a:lumMod val="85000"/>
+                    <a:lumOff val="15000"/>
+                  </a:schemeClr>
+                </a:solidFill>
+              </a:rPr>
+              <a:t>indicado para </a:t>
+            </a:r>
+            <a:r>
+              <a:rPr lang="pt-PT" sz="2400" dirty="0" smtClean="0">
+                <a:solidFill>
+                  <a:schemeClr val="tx1">
+                    <a:lumMod val="85000"/>
+                    <a:lumOff val="15000"/>
+                  </a:schemeClr>
+                </a:solidFill>
+              </a:rPr>
+              <a:t>projetos </a:t>
+            </a:r>
+            <a:r>
+              <a:rPr lang="pt-PT" sz="2400" dirty="0">
+                <a:solidFill>
+                  <a:schemeClr val="tx1">
+                    <a:lumMod val="85000"/>
+                    <a:lumOff val="15000"/>
+                  </a:schemeClr>
+                </a:solidFill>
+              </a:rPr>
+              <a:t>de larga escala, dispendiosos e/ou </a:t>
+            </a:r>
+            <a:r>
+              <a:rPr lang="pt-PT" sz="2400" dirty="0" smtClean="0">
+                <a:solidFill>
+                  <a:schemeClr val="tx1">
+                    <a:lumMod val="85000"/>
+                    <a:lumOff val="15000"/>
+                  </a:schemeClr>
+                </a:solidFill>
+              </a:rPr>
+              <a:t>complexos</a:t>
+            </a:r>
+            <a:r>
+              <a:rPr lang="pt-PT" dirty="0" smtClean="0">
+                <a:solidFill>
+                  <a:schemeClr val="tx1"/>
+                </a:solidFill>
+              </a:rPr>
+              <a:t>.</a:t>
+            </a:r>
+            <a:endParaRPr lang="pt-PT" sz="2400" dirty="0">
+              <a:solidFill>
+                <a:schemeClr val="tx1">
+                  <a:lumMod val="85000"/>
+                  <a:lumOff val="15000"/>
+                </a:schemeClr>
+              </a:solidFill>
+            </a:endParaRPr>
+          </a:p>
+          <a:p>
+            <a:pPr marL="454025" indent="-454025" algn="just">
+              <a:spcBef>
+                <a:spcPts val="2000"/>
+              </a:spcBef>
+              <a:buFont typeface="Wingdings" pitchFamily="2" charset="2"/>
+              <a:buChar char=""/>
+            </a:pPr>
+            <a:r>
+              <a:rPr lang="pt-PT" sz="2400" dirty="0" smtClean="0">
+                <a:solidFill>
+                  <a:schemeClr val="tx1">
+                    <a:lumMod val="85000"/>
+                    <a:lumOff val="15000"/>
+                  </a:schemeClr>
+                </a:solidFill>
+              </a:rPr>
+              <a:t>O </a:t>
+            </a:r>
+            <a:r>
+              <a:rPr lang="pt-PT" sz="2400" dirty="0">
+                <a:solidFill>
+                  <a:schemeClr val="tx1">
+                    <a:lumMod val="85000"/>
+                    <a:lumOff val="15000"/>
+                  </a:schemeClr>
+                </a:solidFill>
+              </a:rPr>
+              <a:t>cliente pode optar por abortar o </a:t>
+            </a:r>
+            <a:r>
+              <a:rPr lang="pt-PT" sz="2400" dirty="0" smtClean="0">
+                <a:solidFill>
+                  <a:schemeClr val="tx1">
+                    <a:lumMod val="85000"/>
+                    <a:lumOff val="15000"/>
+                  </a:schemeClr>
+                </a:solidFill>
+              </a:rPr>
+              <a:t>projeto </a:t>
+            </a:r>
+            <a:r>
+              <a:rPr lang="pt-PT" sz="2400" dirty="0">
+                <a:solidFill>
+                  <a:schemeClr val="tx1">
+                    <a:lumMod val="85000"/>
+                    <a:lumOff val="15000"/>
+                  </a:schemeClr>
+                </a:solidFill>
+              </a:rPr>
+              <a:t>se considerar o risco de desenvolver o </a:t>
+            </a:r>
+            <a:r>
+              <a:rPr lang="pt-PT" sz="2400" dirty="0" smtClean="0">
+                <a:solidFill>
+                  <a:schemeClr val="tx1">
+                    <a:lumMod val="85000"/>
+                    <a:lumOff val="15000"/>
+                  </a:schemeClr>
+                </a:solidFill>
+              </a:rPr>
+              <a:t>produto demasiado </a:t>
+            </a:r>
+            <a:r>
+              <a:rPr lang="pt-PT" sz="2400" dirty="0">
+                <a:solidFill>
+                  <a:schemeClr val="tx1">
+                    <a:lumMod val="85000"/>
+                    <a:lumOff val="15000"/>
+                  </a:schemeClr>
+                </a:solidFill>
+              </a:rPr>
+              <a:t>alto.</a:t>
+            </a:r>
           </a:p>
         </p:txBody>
       </p:sp>
     </p:spTree>
     <p:extLst>
       <p:ext uri="{BB962C8B-B14F-4D97-AF65-F5344CB8AC3E}">
-        <p14:creationId xmlns:p14="http://schemas.microsoft.com/office/powerpoint/2010/main" val="778667012"/>
+        <p14:creationId xmlns:p14="http://schemas.microsoft.com/office/powerpoint/2010/main" val="2581385873"/>
       </p:ext>
     </p:extLst>
   </p:cSld>
@@ -10749,7 +11109,7 @@
           <p:nvPr/>
         </p:nvPicPr>
         <p:blipFill>
-          <a:blip r:embed="rId2">
+          <a:blip r:embed="rId3">
             <a:extLst>
               <a:ext uri="{28A0092B-C50C-407E-A947-70E740481C1C}">
                 <a14:useLocalDpi xmlns:a14="http://schemas.microsoft.com/office/drawing/2010/main" val="0"/>
@@ -10898,8 +11258,8 @@
         </p:nvSpPr>
         <p:spPr>
           <a:xfrm>
-            <a:off x="421341" y="2155371"/>
-            <a:ext cx="8339667" cy="3856506"/>
+            <a:off x="421341" y="2495616"/>
+            <a:ext cx="8339667" cy="3979619"/>
           </a:xfrm>
           <a:prstGeom prst="rect">
             <a:avLst/>
@@ -11124,39 +11484,125 @@
             </a:lvl9pPr>
           </a:lstStyle>
           <a:p>
-            <a:pPr>
+            <a:pPr marL="454025" indent="-454025" algn="just">
               <a:spcBef>
-                <a:spcPts val="600"/>
+                <a:spcPts val="2000"/>
               </a:spcBef>
-              <a:spcAft>
-                <a:spcPts val="600"/>
-              </a:spcAft>
+              <a:buFont typeface="Wingdings" pitchFamily="2" charset="2"/>
+              <a:buChar char=""/>
             </a:pPr>
             <a:r>
-              <a:rPr lang="pt-PT" sz="5400" b="1" dirty="0">
-                <a:solidFill>
-                  <a:schemeClr val="tx1"/>
+              <a:rPr lang="pt-PT" sz="2400" dirty="0" smtClean="0">
+                <a:solidFill>
+                  <a:schemeClr val="tx1">
+                    <a:lumMod val="85000"/>
+                    <a:lumOff val="15000"/>
+                  </a:schemeClr>
                 </a:solidFill>
               </a:rPr>
-              <a:t> </a:t>
-            </a:r>
-            <a:r>
-              <a:rPr lang="pt-PT" sz="5400" b="1" dirty="0" smtClean="0">
-                <a:solidFill>
-                  <a:schemeClr val="tx1"/>
+              <a:t>Foca-se na necessidade de iterar para controlar riscos:</a:t>
+            </a:r>
+          </a:p>
+          <a:p>
+            <a:pPr marL="911225" lvl="1" indent="-454025" algn="just">
+              <a:spcBef>
+                <a:spcPts val="2000"/>
+              </a:spcBef>
+              <a:buFont typeface="Wingdings" pitchFamily="2" charset="2"/>
+              <a:buChar char=""/>
+            </a:pPr>
+            <a:r>
+              <a:rPr lang="pt-PT" sz="2000" dirty="0" smtClean="0">
+                <a:solidFill>
+                  <a:schemeClr val="tx1">
+                    <a:lumMod val="85000"/>
+                    <a:lumOff val="15000"/>
+                  </a:schemeClr>
                 </a:solidFill>
               </a:rPr>
-              <a:t>  </a:t>
-            </a:r>
-            <a:r>
-              <a:rPr lang="pt-PT" sz="4400" b="1" dirty="0" smtClean="0">
-                <a:solidFill>
-                  <a:schemeClr val="tx1"/>
+              <a:t>Definição dos requisitos com o maior detalhe possível.</a:t>
+            </a:r>
+          </a:p>
+          <a:p>
+            <a:pPr marL="911225" lvl="1" indent="-454025" algn="just">
+              <a:spcBef>
+                <a:spcPts val="2000"/>
+              </a:spcBef>
+              <a:buFont typeface="Wingdings" pitchFamily="2" charset="2"/>
+              <a:buChar char=""/>
+            </a:pPr>
+            <a:r>
+              <a:rPr lang="pt-PT" sz="2000" dirty="0" smtClean="0">
+                <a:solidFill>
+                  <a:schemeClr val="tx1">
+                    <a:lumMod val="85000"/>
+                    <a:lumOff val="15000"/>
+                  </a:schemeClr>
                 </a:solidFill>
               </a:rPr>
-              <a:t>Prós e Contras</a:t>
-            </a:r>
-            <a:endParaRPr lang="pt-PT" sz="4400" dirty="0" smtClean="0">
+              <a:t>Conceção de um primeiro “desenho” do sistema.</a:t>
+            </a:r>
+          </a:p>
+          <a:p>
+            <a:pPr marL="911225" lvl="1" indent="-454025" algn="just">
+              <a:spcBef>
+                <a:spcPts val="2000"/>
+              </a:spcBef>
+              <a:buFont typeface="Wingdings" pitchFamily="2" charset="2"/>
+              <a:buChar char=""/>
+            </a:pPr>
+            <a:r>
+              <a:rPr lang="pt-PT" sz="2000" dirty="0" smtClean="0">
+                <a:solidFill>
+                  <a:schemeClr val="tx1">
+                    <a:lumMod val="85000"/>
+                    <a:lumOff val="15000"/>
+                  </a:schemeClr>
+                </a:solidFill>
+              </a:rPr>
+              <a:t>Um primeiro protótipo é construído a partir do passo anterior.</a:t>
+            </a:r>
+          </a:p>
+          <a:p>
+            <a:pPr marL="911225" lvl="1" indent="-454025" algn="just">
+              <a:spcBef>
+                <a:spcPts val="2000"/>
+              </a:spcBef>
+              <a:buFont typeface="Wingdings" pitchFamily="2" charset="2"/>
+              <a:buChar char=""/>
+            </a:pPr>
+            <a:r>
+              <a:rPr lang="pt-PT" sz="2000" dirty="0" smtClean="0">
+                <a:solidFill>
+                  <a:schemeClr val="tx1">
+                    <a:lumMod val="85000"/>
+                    <a:lumOff val="15000"/>
+                  </a:schemeClr>
+                </a:solidFill>
+              </a:rPr>
+              <a:t>Desenvolvimento de um segundo protótipo a partir do primeiro (este passo é iterado até o cliente estar satisfeito).</a:t>
+            </a:r>
+          </a:p>
+          <a:p>
+            <a:pPr marL="911225" lvl="1" indent="-454025" algn="just">
+              <a:spcBef>
+                <a:spcPts val="2000"/>
+              </a:spcBef>
+              <a:buFont typeface="Wingdings" pitchFamily="2" charset="2"/>
+              <a:buChar char=""/>
+            </a:pPr>
+            <a:r>
+              <a:rPr lang="pt-PT" sz="2000" dirty="0" smtClean="0">
+                <a:solidFill>
+                  <a:schemeClr val="tx1">
+                    <a:lumMod val="85000"/>
+                    <a:lumOff val="15000"/>
+                  </a:schemeClr>
+                </a:solidFill>
+              </a:rPr>
+              <a:t>O produto final é construído a partir do protótipo final e, depois de avaliado e testado, entra em produção.</a:t>
+            </a:r>
+            <a:endParaRPr lang="pt-PT" sz="2000" dirty="0">
               <a:solidFill>
                 <a:schemeClr val="tx1">
                   <a:lumMod val="85000"/>
@@ -11165,19 +11611,12 @@
               </a:solidFill>
             </a:endParaRPr>
           </a:p>
-          <a:p>
-            <a:endParaRPr lang="pt-PT" dirty="0">
-              <a:solidFill>
-                <a:schemeClr val="tx1"/>
-              </a:solidFill>
-            </a:endParaRPr>
-          </a:p>
         </p:txBody>
       </p:sp>
     </p:spTree>
     <p:extLst>
       <p:ext uri="{BB962C8B-B14F-4D97-AF65-F5344CB8AC3E}">
-        <p14:creationId xmlns:p14="http://schemas.microsoft.com/office/powerpoint/2010/main" val="3202203997"/>
+        <p14:creationId xmlns:p14="http://schemas.microsoft.com/office/powerpoint/2010/main" val="783801900"/>
       </p:ext>
     </p:extLst>
   </p:cSld>
@@ -11659,7 +12098,7 @@
                   <a:schemeClr val="tx1"/>
                 </a:solidFill>
               </a:rPr>
-              <a:t>Conclusão</a:t>
+              <a:t>Prós e Contras</a:t>
             </a:r>
             <a:endParaRPr lang="pt-PT" sz="4400" dirty="0" smtClean="0">
               <a:solidFill>
@@ -11682,7 +12121,7 @@
     </p:spTree>
     <p:extLst>
       <p:ext uri="{BB962C8B-B14F-4D97-AF65-F5344CB8AC3E}">
-        <p14:creationId xmlns:p14="http://schemas.microsoft.com/office/powerpoint/2010/main" val="2467684659"/>
+        <p14:creationId xmlns:p14="http://schemas.microsoft.com/office/powerpoint/2010/main" val="3202203997"/>
       </p:ext>
     </p:extLst>
   </p:cSld>
@@ -11782,6 +12221,511 @@
       </p:pic>
       <p:sp>
         <p:nvSpPr>
+          <p:cNvPr id="9" name="Title 8"/>
+          <p:cNvSpPr>
+            <a:spLocks noGrp="1"/>
+          </p:cNvSpPr>
+          <p:nvPr>
+            <p:ph type="ctrTitle"/>
+          </p:nvPr>
+        </p:nvSpPr>
+        <p:spPr/>
+        <p:txBody>
+          <a:bodyPr/>
+          <a:lstStyle/>
+          <a:p>
+            <a:r>
+              <a:rPr lang="pt-PT" dirty="0" smtClean="0"/>
+              <a:t> </a:t>
+            </a:r>
+            <a:endParaRPr lang="pt-PT" dirty="0"/>
+          </a:p>
+        </p:txBody>
+      </p:sp>
+      <p:sp>
+        <p:nvSpPr>
+          <p:cNvPr id="12" name="Title 1"/>
+          <p:cNvSpPr txBox="1">
+            <a:spLocks/>
+          </p:cNvSpPr>
+          <p:nvPr/>
+        </p:nvSpPr>
+        <p:spPr>
+          <a:xfrm>
+            <a:off x="2304973" y="757593"/>
+            <a:ext cx="6415693" cy="893714"/>
+          </a:xfrm>
+          <a:prstGeom prst="rect">
+            <a:avLst/>
+          </a:prstGeom>
+          <a:noFill/>
+        </p:spPr>
+        <p:txBody>
+          <a:bodyPr vert="horz" lIns="91440" tIns="45720" rIns="91440" bIns="45720" rtlCol="0" anchor="ctr">
+            <a:noAutofit/>
+          </a:bodyPr>
+          <a:lstStyle>
+            <a:lvl1pPr algn="r" defTabSz="914400" rtl="0" eaLnBrk="1" latinLnBrk="0" hangingPunct="1">
+              <a:spcBef>
+                <a:spcPct val="0"/>
+              </a:spcBef>
+              <a:buNone/>
+              <a:defRPr sz="4200" kern="1200">
+                <a:solidFill>
+                  <a:schemeClr val="bg1"/>
+                </a:solidFill>
+                <a:latin typeface="+mj-lt"/>
+                <a:ea typeface="+mj-ea"/>
+                <a:cs typeface="+mj-cs"/>
+              </a:defRPr>
+            </a:lvl1pPr>
+          </a:lstStyle>
+          <a:p>
+            <a:pPr algn="ctr"/>
+            <a:r>
+              <a:rPr lang="pt-PT" sz="2600" dirty="0" smtClean="0"/>
+              <a:t>Licenciatura</a:t>
+            </a:r>
+            <a:r>
+              <a:rPr lang="en-US" sz="2600" dirty="0" smtClean="0"/>
+              <a:t> </a:t>
+            </a:r>
+            <a:r>
+              <a:rPr lang="pt-PT" sz="2600" dirty="0" smtClean="0"/>
+              <a:t>em</a:t>
+            </a:r>
+            <a:r>
+              <a:rPr lang="en-US" sz="2600" dirty="0" smtClean="0"/>
+              <a:t> </a:t>
+            </a:r>
+            <a:r>
+              <a:rPr lang="en-US" sz="2600" dirty="0" err="1" smtClean="0"/>
+              <a:t>Engenharia</a:t>
+            </a:r>
+            <a:r>
+              <a:rPr lang="en-US" sz="2600" dirty="0" smtClean="0"/>
+              <a:t> </a:t>
+            </a:r>
+            <a:r>
+              <a:rPr lang="en-US" sz="2600" dirty="0" err="1" smtClean="0"/>
+              <a:t>Informática</a:t>
+            </a:r>
+            <a:r>
+              <a:rPr lang="en-US" sz="2600" dirty="0" smtClean="0"/>
+              <a:t/>
+            </a:r>
+            <a:br>
+              <a:rPr lang="en-US" sz="2600" dirty="0" smtClean="0"/>
+            </a:br>
+            <a:r>
+              <a:rPr lang="en-US" sz="2600" dirty="0" err="1" smtClean="0"/>
+              <a:t>Laboratórios</a:t>
+            </a:r>
+            <a:r>
+              <a:rPr lang="en-US" sz="2600" dirty="0" smtClean="0"/>
+              <a:t> de </a:t>
+            </a:r>
+            <a:r>
+              <a:rPr lang="en-US" sz="2600" dirty="0" err="1" smtClean="0"/>
+              <a:t>Informática</a:t>
+            </a:r>
+            <a:r>
+              <a:rPr lang="en-US" sz="2600" dirty="0" smtClean="0"/>
+              <a:t> IV</a:t>
+            </a:r>
+            <a:endParaRPr lang="en-US" sz="1900" dirty="0"/>
+          </a:p>
+        </p:txBody>
+      </p:sp>
+      <p:sp>
+        <p:nvSpPr>
+          <p:cNvPr id="11" name="Espaço Reservado para Conteúdo 2"/>
+          <p:cNvSpPr txBox="1">
+            <a:spLocks/>
+          </p:cNvSpPr>
+          <p:nvPr/>
+        </p:nvSpPr>
+        <p:spPr>
+          <a:xfrm>
+            <a:off x="421341" y="2155371"/>
+            <a:ext cx="8339667" cy="3856506"/>
+          </a:xfrm>
+          <a:prstGeom prst="rect">
+            <a:avLst/>
+          </a:prstGeom>
+        </p:spPr>
+        <p:txBody>
+          <a:bodyPr vert="horz" lIns="91440" tIns="45720" rIns="91440" bIns="45720" rtlCol="0">
+            <a:normAutofit/>
+          </a:bodyPr>
+          <a:lstStyle>
+            <a:lvl1pPr marL="0" indent="0" algn="l" defTabSz="914400" rtl="0" eaLnBrk="1" latinLnBrk="0" hangingPunct="1">
+              <a:lnSpc>
+                <a:spcPct val="100000"/>
+              </a:lnSpc>
+              <a:spcBef>
+                <a:spcPts val="0"/>
+              </a:spcBef>
+              <a:buClr>
+                <a:schemeClr val="bg1">
+                  <a:lumMod val="65000"/>
+                </a:schemeClr>
+              </a:buClr>
+              <a:buSzPct val="90000"/>
+              <a:buFont typeface="Wingdings" pitchFamily="2" charset="2"/>
+              <a:buNone/>
+              <a:defRPr sz="1800" kern="1200">
+                <a:solidFill>
+                  <a:schemeClr val="bg1"/>
+                </a:solidFill>
+                <a:latin typeface="+mn-lt"/>
+                <a:ea typeface="+mn-ea"/>
+                <a:cs typeface="+mn-cs"/>
+              </a:defRPr>
+            </a:lvl1pPr>
+            <a:lvl2pPr marL="457200" indent="0" algn="ctr" defTabSz="914400" rtl="0" eaLnBrk="1" latinLnBrk="0" hangingPunct="1">
+              <a:spcBef>
+                <a:spcPts val="600"/>
+              </a:spcBef>
+              <a:buClr>
+                <a:schemeClr val="tx1">
+                  <a:lumMod val="75000"/>
+                  <a:lumOff val="25000"/>
+                </a:schemeClr>
+              </a:buClr>
+              <a:buSzPct val="90000"/>
+              <a:buFont typeface="Wingdings" pitchFamily="2" charset="2"/>
+              <a:buNone/>
+              <a:defRPr sz="2200" kern="1200">
+                <a:solidFill>
+                  <a:schemeClr val="tx1">
+                    <a:tint val="75000"/>
+                  </a:schemeClr>
+                </a:solidFill>
+                <a:latin typeface="+mn-lt"/>
+                <a:ea typeface="+mn-ea"/>
+                <a:cs typeface="+mn-cs"/>
+              </a:defRPr>
+            </a:lvl2pPr>
+            <a:lvl3pPr marL="914400" indent="0" algn="ctr" defTabSz="914400" rtl="0" eaLnBrk="1" latinLnBrk="0" hangingPunct="1">
+              <a:spcBef>
+                <a:spcPts val="600"/>
+              </a:spcBef>
+              <a:buClr>
+                <a:schemeClr val="bg1">
+                  <a:lumMod val="65000"/>
+                </a:schemeClr>
+              </a:buClr>
+              <a:buSzPct val="90000"/>
+              <a:buFont typeface="Wingdings" pitchFamily="2" charset="2"/>
+              <a:buNone/>
+              <a:defRPr sz="2000" kern="1200">
+                <a:solidFill>
+                  <a:schemeClr val="tx1">
+                    <a:tint val="75000"/>
+                  </a:schemeClr>
+                </a:solidFill>
+                <a:latin typeface="+mn-lt"/>
+                <a:ea typeface="+mn-ea"/>
+                <a:cs typeface="+mn-cs"/>
+              </a:defRPr>
+            </a:lvl3pPr>
+            <a:lvl4pPr marL="1371600" indent="0" algn="ctr" defTabSz="914400" rtl="0" eaLnBrk="1" latinLnBrk="0" hangingPunct="1">
+              <a:spcBef>
+                <a:spcPts val="600"/>
+              </a:spcBef>
+              <a:buClr>
+                <a:schemeClr val="tx1">
+                  <a:lumMod val="75000"/>
+                  <a:lumOff val="25000"/>
+                </a:schemeClr>
+              </a:buClr>
+              <a:buSzPct val="90000"/>
+              <a:buFont typeface="Wingdings" pitchFamily="2" charset="2"/>
+              <a:buNone/>
+              <a:defRPr sz="1800" kern="1200">
+                <a:solidFill>
+                  <a:schemeClr val="tx1">
+                    <a:tint val="75000"/>
+                  </a:schemeClr>
+                </a:solidFill>
+                <a:latin typeface="+mn-lt"/>
+                <a:ea typeface="+mn-ea"/>
+                <a:cs typeface="+mn-cs"/>
+              </a:defRPr>
+            </a:lvl4pPr>
+            <a:lvl5pPr marL="1828800" indent="0" algn="ctr" defTabSz="914400" rtl="0" eaLnBrk="1" latinLnBrk="0" hangingPunct="1">
+              <a:spcBef>
+                <a:spcPts val="600"/>
+              </a:spcBef>
+              <a:buClr>
+                <a:schemeClr val="bg1">
+                  <a:lumMod val="65000"/>
+                </a:schemeClr>
+              </a:buClr>
+              <a:buSzPct val="90000"/>
+              <a:buFont typeface="Wingdings" pitchFamily="2" charset="2"/>
+              <a:buNone/>
+              <a:defRPr sz="1800" kern="1200">
+                <a:solidFill>
+                  <a:schemeClr val="tx1">
+                    <a:tint val="75000"/>
+                  </a:schemeClr>
+                </a:solidFill>
+                <a:latin typeface="+mn-lt"/>
+                <a:ea typeface="+mn-ea"/>
+                <a:cs typeface="+mn-cs"/>
+              </a:defRPr>
+            </a:lvl5pPr>
+            <a:lvl6pPr marL="2286000" indent="0" algn="ctr" defTabSz="914400" rtl="0" eaLnBrk="1" latinLnBrk="0" hangingPunct="1">
+              <a:spcBef>
+                <a:spcPts val="600"/>
+              </a:spcBef>
+              <a:buClr>
+                <a:schemeClr val="tx1">
+                  <a:lumMod val="75000"/>
+                  <a:lumOff val="25000"/>
+                </a:schemeClr>
+              </a:buClr>
+              <a:buSzPct val="90000"/>
+              <a:buFont typeface="Wingdings" pitchFamily="2" charset="2"/>
+              <a:buNone/>
+              <a:defRPr lang="en-US" sz="1800" kern="1200">
+                <a:solidFill>
+                  <a:schemeClr val="tx1">
+                    <a:tint val="75000"/>
+                  </a:schemeClr>
+                </a:solidFill>
+                <a:latin typeface="+mn-lt"/>
+                <a:ea typeface="+mn-ea"/>
+                <a:cs typeface="+mn-cs"/>
+              </a:defRPr>
+            </a:lvl6pPr>
+            <a:lvl7pPr marL="2743200" indent="0" algn="ctr" defTabSz="914400" rtl="0" eaLnBrk="1" latinLnBrk="0" hangingPunct="1">
+              <a:spcBef>
+                <a:spcPts val="600"/>
+              </a:spcBef>
+              <a:buClr>
+                <a:schemeClr val="bg1">
+                  <a:lumMod val="65000"/>
+                </a:schemeClr>
+              </a:buClr>
+              <a:buSzPct val="90000"/>
+              <a:buFont typeface="Wingdings" pitchFamily="2" charset="2"/>
+              <a:buNone/>
+              <a:defRPr lang="en-US" sz="1800" kern="1200">
+                <a:solidFill>
+                  <a:schemeClr val="tx1">
+                    <a:tint val="75000"/>
+                  </a:schemeClr>
+                </a:solidFill>
+                <a:latin typeface="+mn-lt"/>
+                <a:ea typeface="+mn-ea"/>
+                <a:cs typeface="+mn-cs"/>
+              </a:defRPr>
+            </a:lvl7pPr>
+            <a:lvl8pPr marL="3200400" indent="0" algn="ctr" defTabSz="914400" rtl="0" eaLnBrk="1" latinLnBrk="0" hangingPunct="1">
+              <a:spcBef>
+                <a:spcPts val="600"/>
+              </a:spcBef>
+              <a:buClr>
+                <a:schemeClr val="tx1">
+                  <a:lumMod val="75000"/>
+                  <a:lumOff val="25000"/>
+                </a:schemeClr>
+              </a:buClr>
+              <a:buSzPct val="90000"/>
+              <a:buFont typeface="Wingdings" pitchFamily="2" charset="2"/>
+              <a:buNone/>
+              <a:defRPr lang="en-US" sz="1800" kern="1200">
+                <a:solidFill>
+                  <a:schemeClr val="tx1">
+                    <a:tint val="75000"/>
+                  </a:schemeClr>
+                </a:solidFill>
+                <a:latin typeface="+mn-lt"/>
+                <a:ea typeface="+mn-ea"/>
+                <a:cs typeface="+mn-cs"/>
+              </a:defRPr>
+            </a:lvl8pPr>
+            <a:lvl9pPr marL="3657600" indent="0" algn="ctr" defTabSz="914400" rtl="0" eaLnBrk="1" latinLnBrk="0" hangingPunct="1">
+              <a:spcBef>
+                <a:spcPts val="600"/>
+              </a:spcBef>
+              <a:buClr>
+                <a:schemeClr val="bg1">
+                  <a:lumMod val="65000"/>
+                </a:schemeClr>
+              </a:buClr>
+              <a:buSzPct val="90000"/>
+              <a:buFont typeface="Wingdings" pitchFamily="2" charset="2"/>
+              <a:buNone/>
+              <a:defRPr lang="en-US" sz="1800" kern="1200">
+                <a:solidFill>
+                  <a:schemeClr val="tx1">
+                    <a:tint val="75000"/>
+                  </a:schemeClr>
+                </a:solidFill>
+                <a:latin typeface="+mn-lt"/>
+                <a:ea typeface="+mn-ea"/>
+                <a:cs typeface="+mn-cs"/>
+              </a:defRPr>
+            </a:lvl9pPr>
+          </a:lstStyle>
+          <a:p>
+            <a:pPr>
+              <a:spcBef>
+                <a:spcPts val="600"/>
+              </a:spcBef>
+              <a:spcAft>
+                <a:spcPts val="600"/>
+              </a:spcAft>
+            </a:pPr>
+            <a:r>
+              <a:rPr lang="pt-PT" sz="5400" b="1" dirty="0">
+                <a:solidFill>
+                  <a:schemeClr val="tx1"/>
+                </a:solidFill>
+              </a:rPr>
+              <a:t> </a:t>
+            </a:r>
+            <a:r>
+              <a:rPr lang="pt-PT" sz="5400" b="1" dirty="0" smtClean="0">
+                <a:solidFill>
+                  <a:schemeClr val="tx1"/>
+                </a:solidFill>
+              </a:rPr>
+              <a:t>  </a:t>
+            </a:r>
+            <a:r>
+              <a:rPr lang="pt-PT" sz="4400" b="1" dirty="0" smtClean="0">
+                <a:solidFill>
+                  <a:schemeClr val="tx1"/>
+                </a:solidFill>
+              </a:rPr>
+              <a:t>Conclusão</a:t>
+            </a:r>
+            <a:endParaRPr lang="pt-PT" sz="4400" dirty="0" smtClean="0">
+              <a:solidFill>
+                <a:schemeClr val="tx1">
+                  <a:lumMod val="85000"/>
+                  <a:lumOff val="15000"/>
+                </a:schemeClr>
+              </a:solidFill>
+            </a:endParaRPr>
+          </a:p>
+          <a:p>
+            <a:endParaRPr lang="pt-PT" dirty="0">
+              <a:solidFill>
+                <a:schemeClr val="tx1"/>
+              </a:solidFill>
+            </a:endParaRPr>
+          </a:p>
+        </p:txBody>
+      </p:sp>
+    </p:spTree>
+    <p:extLst>
+      <p:ext uri="{BB962C8B-B14F-4D97-AF65-F5344CB8AC3E}">
+        <p14:creationId xmlns:p14="http://schemas.microsoft.com/office/powerpoint/2010/main" val="2467684659"/>
+      </p:ext>
+    </p:extLst>
+  </p:cSld>
+  <p:clrMapOvr>
+    <a:masterClrMapping/>
+  </p:clrMapOvr>
+  <p:timing>
+    <p:tnLst>
+      <p:par>
+        <p:cTn id="1" dur="indefinite" restart="never" nodeType="tmRoot"/>
+      </p:par>
+    </p:tnLst>
+  </p:timing>
+</p:sld>
+</file>
+
+<file path=ppt/slides/slide9.xml><?xml version="1.0" encoding="utf-8"?>
+<p:sld xmlns:a="http://schemas.openxmlformats.org/drawingml/2006/main" xmlns:r="http://schemas.openxmlformats.org/officeDocument/2006/relationships" xmlns:p="http://schemas.openxmlformats.org/presentationml/2006/main">
+  <p:cSld>
+    <p:spTree>
+      <p:nvGrpSpPr>
+        <p:cNvPr id="1" name=""/>
+        <p:cNvGrpSpPr/>
+        <p:nvPr/>
+      </p:nvGrpSpPr>
+      <p:grpSpPr>
+        <a:xfrm>
+          <a:off x="0" y="0"/>
+          <a:ext cx="0" cy="0"/>
+          <a:chOff x="0" y="0"/>
+          <a:chExt cx="0" cy="0"/>
+        </a:xfrm>
+      </p:grpSpPr>
+      <p:sp>
+        <p:nvSpPr>
+          <p:cNvPr id="3" name="Subtitle 2"/>
+          <p:cNvSpPr>
+            <a:spLocks noGrp="1"/>
+          </p:cNvSpPr>
+          <p:nvPr>
+            <p:ph type="subTitle" idx="1"/>
+          </p:nvPr>
+        </p:nvSpPr>
+        <p:spPr>
+          <a:xfrm>
+            <a:off x="380999" y="1532427"/>
+            <a:ext cx="1778000" cy="484632"/>
+          </a:xfrm>
+        </p:spPr>
+        <p:txBody>
+          <a:bodyPr>
+            <a:noAutofit/>
+          </a:bodyPr>
+          <a:lstStyle/>
+          <a:p>
+            <a:r>
+              <a:rPr lang="en-US" sz="1300" dirty="0" err="1" smtClean="0"/>
+              <a:t>Universidade</a:t>
+            </a:r>
+            <a:r>
+              <a:rPr lang="en-US" sz="1300" dirty="0" smtClean="0"/>
+              <a:t> do Minho</a:t>
+            </a:r>
+            <a:endParaRPr lang="en-US" sz="1300" dirty="0"/>
+          </a:p>
+        </p:txBody>
+      </p:sp>
+      <p:pic>
+        <p:nvPicPr>
+          <p:cNvPr id="5" name="Picture 4" descr="logo-ee.jpg"/>
+          <p:cNvPicPr>
+            <a:picLocks noChangeAspect="1"/>
+          </p:cNvPicPr>
+          <p:nvPr/>
+        </p:nvPicPr>
+        <p:blipFill>
+          <a:blip r:embed="rId2">
+            <a:extLst>
+              <a:ext uri="{28A0092B-C50C-407E-A947-70E740481C1C}">
+                <a14:useLocalDpi xmlns:a14="http://schemas.microsoft.com/office/drawing/2010/main" val="0"/>
+              </a:ext>
+            </a:extLst>
+          </a:blip>
+          <a:stretch>
+            <a:fillRect/>
+          </a:stretch>
+        </p:blipFill>
+        <p:spPr>
+          <a:xfrm>
+            <a:off x="380999" y="643427"/>
+            <a:ext cx="1778000" cy="889000"/>
+          </a:xfrm>
+          <a:prstGeom prst="rect">
+            <a:avLst/>
+          </a:prstGeom>
+        </p:spPr>
+      </p:pic>
+      <p:sp>
+        <p:nvSpPr>
           <p:cNvPr id="6" name="TextBox 5"/>
           <p:cNvSpPr txBox="1"/>
           <p:nvPr/>
@@ -11814,7 +12758,6 @@
               <a:rPr lang="pt-PT" sz="3200" b="1" dirty="0" smtClean="0"/>
               <a:t>Processo de Desenvolvimento de Software</a:t>
             </a:r>
-            <a:endParaRPr lang="pt-PT" sz="3200" b="1" dirty="0" smtClean="0"/>
           </a:p>
         </p:txBody>
       </p:sp>
@@ -11843,23 +12786,11 @@
             <a:pPr algn="r"/>
             <a:r>
               <a:rPr lang="pt-PT" b="1" dirty="0" smtClean="0"/>
-              <a:t>Grupo </a:t>
-            </a:r>
-            <a:r>
-              <a:rPr lang="pt-PT" b="1" dirty="0" smtClean="0"/>
-              <a:t>:</a:t>
+              <a:t>Grupo :</a:t>
             </a:r>
             <a:r>
               <a:rPr lang="pt-PT" dirty="0" smtClean="0"/>
-              <a:t> Bruno </a:t>
-            </a:r>
-            <a:r>
-              <a:rPr lang="pt-PT" dirty="0" smtClean="0"/>
-              <a:t>Torres, João Mano, </a:t>
-            </a:r>
-            <a:r>
-              <a:rPr lang="pt-PT" dirty="0" smtClean="0"/>
-              <a:t>Patrícia Rocha</a:t>
+              <a:t> Bruno Torres, João Mano, Patrícia Rocha</a:t>
             </a:r>
             <a:endParaRPr lang="pt-PT" dirty="0"/>
           </a:p>

--- a/Apresentação/Apresentacao.pptx
+++ b/Apresentação/Apresentacao.pptx
@@ -14,8 +14,8 @@
     <p:sldId id="298" r:id="rId5"/>
     <p:sldId id="299" r:id="rId6"/>
     <p:sldId id="300" r:id="rId7"/>
-    <p:sldId id="296" r:id="rId8"/>
-    <p:sldId id="297" r:id="rId9"/>
+    <p:sldId id="302" r:id="rId8"/>
+    <p:sldId id="301" r:id="rId9"/>
     <p:sldId id="290" r:id="rId10"/>
   </p:sldIdLst>
   <p:sldSz cx="9144000" cy="6858000" type="screen4x3"/>
@@ -503,7 +503,7 @@
       </p:grpSpPr>
       <p:sp>
         <p:nvSpPr>
-          <p:cNvPr id="2" name="Espaço Reservado para Imagem de Slide 1"/>
+          <p:cNvPr id="2" name="Marcador de Posição da Imagem do Diapositivo 1"/>
           <p:cNvSpPr>
             <a:spLocks noGrp="1" noRot="1" noChangeAspect="1"/>
           </p:cNvSpPr>
@@ -515,7 +515,7 @@
       </p:sp>
       <p:sp>
         <p:nvSpPr>
-          <p:cNvPr id="3" name="Espaço Reservado para Anotações 2"/>
+          <p:cNvPr id="3" name="Marcador de Posição de Notas 2"/>
           <p:cNvSpPr>
             <a:spLocks noGrp="1"/>
           </p:cNvSpPr>
@@ -528,61 +528,13 @@
           <a:bodyPr/>
           <a:lstStyle/>
           <a:p>
-            <a:r>
-              <a:rPr lang="pt-PT" dirty="0" smtClean="0"/>
-              <a:t>Esta</a:t>
-            </a:r>
-            <a:r>
-              <a:rPr lang="pt-PT" baseline="0" dirty="0" smtClean="0"/>
-              <a:t> é a espiral do processo, divide-se em 4 fases:</a:t>
-            </a:r>
-          </a:p>
-          <a:p>
-            <a:pPr marL="628650" lvl="1" indent="-171450">
-              <a:buFont typeface="Arial" panose="020B0604020202020204" pitchFamily="34" charset="0"/>
-              <a:buChar char="•"/>
-            </a:pPr>
-            <a:r>
-              <a:rPr lang="pt-PT" baseline="0" dirty="0" smtClean="0"/>
-              <a:t>Definição de objetivos;</a:t>
-            </a:r>
-          </a:p>
-          <a:p>
-            <a:pPr marL="628650" lvl="1" indent="-171450">
-              <a:buFont typeface="Arial" panose="020B0604020202020204" pitchFamily="34" charset="0"/>
-              <a:buChar char="•"/>
-            </a:pPr>
-            <a:r>
-              <a:rPr lang="pt-PT" baseline="0" dirty="0" smtClean="0"/>
-              <a:t>Identificar e avaliar riscos;</a:t>
-            </a:r>
-          </a:p>
-          <a:p>
-            <a:pPr marL="628650" lvl="1" indent="-171450">
-              <a:buFont typeface="Arial" panose="020B0604020202020204" pitchFamily="34" charset="0"/>
-              <a:buChar char="•"/>
-            </a:pPr>
-            <a:r>
-              <a:rPr lang="pt-PT" baseline="0" dirty="0" smtClean="0"/>
-              <a:t>Desenvolvimento e validação;</a:t>
-            </a:r>
-          </a:p>
-          <a:p>
-            <a:pPr marL="628650" lvl="1" indent="-171450">
-              <a:buFont typeface="Arial" panose="020B0604020202020204" pitchFamily="34" charset="0"/>
-              <a:buChar char="•"/>
-            </a:pPr>
-            <a:r>
-              <a:rPr lang="pt-PT" baseline="0" dirty="0" smtClean="0"/>
-              <a:t>Planeamento da próxima iteração  (se houver).	</a:t>
-            </a:r>
             <a:endParaRPr lang="pt-PT" dirty="0"/>
           </a:p>
         </p:txBody>
       </p:sp>
       <p:sp>
         <p:nvSpPr>
-          <p:cNvPr id="4" name="Espaço Reservado para Número de Slide 3"/>
+          <p:cNvPr id="4" name="Marcador de Posição do Número do Diapositivo 3"/>
           <p:cNvSpPr>
             <a:spLocks noGrp="1"/>
           </p:cNvSpPr>
@@ -597,7 +549,7 @@
           <a:p>
             <a:fld id="{CEBCE6B0-B0CC-9543-8BFC-92B50F9442D7}" type="slidenum">
               <a:rPr lang="pt-PT" smtClean="0"/>
-              <a:t>4</a:t>
+              <a:t>2</a:t>
             </a:fld>
             <a:endParaRPr lang="pt-PT"/>
           </a:p>
@@ -606,7 +558,7 @@
     </p:spTree>
     <p:extLst>
       <p:ext uri="{BB962C8B-B14F-4D97-AF65-F5344CB8AC3E}">
-        <p14:creationId xmlns:p14="http://schemas.microsoft.com/office/powerpoint/2010/main" val="3440839938"/>
+        <p14:creationId xmlns:p14="http://schemas.microsoft.com/office/powerpoint/2010/main" val="2622313777"/>
       </p:ext>
     </p:extLst>
   </p:cSld>
@@ -635,7 +587,7 @@
       </p:grpSpPr>
       <p:sp>
         <p:nvSpPr>
-          <p:cNvPr id="2" name="Marcador de Posição da Imagem do Diapositivo 1"/>
+          <p:cNvPr id="2" name="Espaço Reservado para Imagem de Slide 1"/>
           <p:cNvSpPr>
             <a:spLocks noGrp="1" noRot="1" noChangeAspect="1"/>
           </p:cNvSpPr>
@@ -647,7 +599,7 @@
       </p:sp>
       <p:sp>
         <p:nvSpPr>
-          <p:cNvPr id="3" name="Marcador de Posição de Notas 2"/>
+          <p:cNvPr id="3" name="Espaço Reservado para Anotações 2"/>
           <p:cNvSpPr>
             <a:spLocks noGrp="1"/>
           </p:cNvSpPr>
@@ -660,134 +612,61 @@
           <a:bodyPr/>
           <a:lstStyle/>
           <a:p>
-            <a:pPr marL="0" marR="0" indent="0" algn="l" defTabSz="457200" rtl="0" eaLnBrk="1" fontAlgn="auto" latinLnBrk="0" hangingPunct="1">
-              <a:lnSpc>
-                <a:spcPct val="100000"/>
-              </a:lnSpc>
-              <a:spcBef>
-                <a:spcPts val="0"/>
-              </a:spcBef>
-              <a:spcAft>
-                <a:spcPts val="0"/>
-              </a:spcAft>
-              <a:buClrTx/>
-              <a:buSzTx/>
-              <a:buFontTx/>
-              <a:buNone/>
-              <a:tabLst/>
-              <a:defRPr/>
+            <a:r>
+              <a:rPr lang="pt-PT" dirty="0" smtClean="0"/>
+              <a:t>Esta</a:t>
+            </a:r>
+            <a:r>
+              <a:rPr lang="pt-PT" baseline="0" dirty="0" smtClean="0"/>
+              <a:t> é a espiral do processo, divide-se em 4 fases:</a:t>
+            </a:r>
+          </a:p>
+          <a:p>
+            <a:pPr marL="628650" lvl="1" indent="-171450">
+              <a:buFont typeface="Arial" panose="020B0604020202020204" pitchFamily="34" charset="0"/>
+              <a:buChar char="•"/>
             </a:pPr>
             <a:r>
-              <a:rPr lang="pt-PT" sz="1200" dirty="0" smtClean="0">
-                <a:solidFill>
-                  <a:schemeClr val="tx1">
-                    <a:lumMod val="85000"/>
-                    <a:lumOff val="15000"/>
-                  </a:schemeClr>
-                </a:solidFill>
-              </a:rPr>
-              <a:t>Foca-se na necessidade de iterar para controlar riscos:</a:t>
-            </a:r>
-            <a:endParaRPr lang="pt-PT" sz="1400" dirty="0" smtClean="0">
-              <a:solidFill>
-                <a:schemeClr val="tx1">
-                  <a:lumMod val="85000"/>
-                  <a:lumOff val="15000"/>
-                </a:schemeClr>
-              </a:solidFill>
-            </a:endParaRPr>
-          </a:p>
-          <a:p>
-            <a:endParaRPr lang="pt-PT" dirty="0" smtClean="0"/>
-          </a:p>
-          <a:p>
-            <a:endParaRPr lang="pt-PT" dirty="0" smtClean="0"/>
-          </a:p>
-          <a:p>
-            <a:endParaRPr lang="pt-PT" dirty="0" smtClean="0"/>
-          </a:p>
-          <a:p>
-            <a:r>
-              <a:rPr lang="pt-PT" dirty="0" err="1" smtClean="0"/>
-              <a:t>Concepção</a:t>
-            </a:r>
-            <a:r>
-              <a:rPr lang="pt-PT" dirty="0" smtClean="0"/>
-              <a:t> de um primeiro “desenho” do sistema.</a:t>
-            </a:r>
-          </a:p>
-          <a:p>
-            <a:r>
-              <a:rPr lang="pt-PT" dirty="0" smtClean="0"/>
-              <a:t>Um primeiro protótipo é </a:t>
-            </a:r>
-            <a:r>
-              <a:rPr lang="pt-PT" dirty="0" err="1" smtClean="0"/>
-              <a:t>construido</a:t>
-            </a:r>
-            <a:r>
-              <a:rPr lang="pt-PT" dirty="0" smtClean="0"/>
-              <a:t> a partir do passo anterior</a:t>
-            </a:r>
-          </a:p>
-          <a:p>
-            <a:r>
-              <a:rPr lang="pt-PT" dirty="0" smtClean="0"/>
-              <a:t>Desenvolvimento de um segundo protótipo a partir do primeiro (este passo é iterado até o cliente estar</a:t>
-            </a:r>
-          </a:p>
-          <a:p>
-            <a:r>
-              <a:rPr lang="pt-PT" dirty="0" smtClean="0"/>
-              <a:t>satisfeito):</a:t>
-            </a:r>
-          </a:p>
-          <a:p>
-            <a:r>
-              <a:rPr lang="pt-PT" dirty="0" smtClean="0"/>
-              <a:t>Avaliação do protótipo anterior (pontos fortes e fracos, riscos)</a:t>
-            </a:r>
-          </a:p>
-          <a:p>
-            <a:r>
-              <a:rPr lang="pt-PT" dirty="0" smtClean="0"/>
-              <a:t>Definição de requisitos para o novo protótipo</a:t>
-            </a:r>
-          </a:p>
-          <a:p>
-            <a:r>
-              <a:rPr lang="pt-PT" dirty="0" smtClean="0"/>
-              <a:t>Planeamento e conceção do novo </a:t>
-            </a:r>
-            <a:r>
-              <a:rPr lang="pt-PT" dirty="0" err="1" smtClean="0"/>
-              <a:t>prtótipo</a:t>
-            </a:r>
-            <a:endParaRPr lang="pt-PT" dirty="0" smtClean="0"/>
-          </a:p>
-          <a:p>
-            <a:r>
-              <a:rPr lang="pt-PT" dirty="0" smtClean="0"/>
-              <a:t>Construção e teste do novo protótipo</a:t>
-            </a:r>
-          </a:p>
-          <a:p>
-            <a:endParaRPr lang="pt-PT" dirty="0" smtClean="0"/>
-          </a:p>
-          <a:p>
-            <a:r>
-              <a:rPr lang="pt-PT" dirty="0" smtClean="0"/>
-              <a:t>O produto final é construído a partir do protótipo final e, depois de avaliado e testado, entra em produção.</a:t>
-            </a:r>
-          </a:p>
-          <a:p>
+              <a:rPr lang="pt-PT" baseline="0" dirty="0" smtClean="0"/>
+              <a:t>Definição de objetivos;</a:t>
+            </a:r>
+          </a:p>
+          <a:p>
+            <a:pPr marL="628650" lvl="1" indent="-171450">
+              <a:buFont typeface="Arial" panose="020B0604020202020204" pitchFamily="34" charset="0"/>
+              <a:buChar char="•"/>
+            </a:pPr>
+            <a:r>
+              <a:rPr lang="pt-PT" baseline="0" dirty="0" smtClean="0"/>
+              <a:t>Identificar e avaliar riscos;</a:t>
+            </a:r>
+          </a:p>
+          <a:p>
+            <a:pPr marL="628650" lvl="1" indent="-171450">
+              <a:buFont typeface="Arial" panose="020B0604020202020204" pitchFamily="34" charset="0"/>
+              <a:buChar char="•"/>
+            </a:pPr>
+            <a:r>
+              <a:rPr lang="pt-PT" baseline="0" dirty="0" smtClean="0"/>
+              <a:t>Desenvolvimento e validação;</a:t>
+            </a:r>
+          </a:p>
+          <a:p>
+            <a:pPr marL="628650" lvl="1" indent="-171450">
+              <a:buFont typeface="Arial" panose="020B0604020202020204" pitchFamily="34" charset="0"/>
+              <a:buChar char="•"/>
+            </a:pPr>
+            <a:r>
+              <a:rPr lang="pt-PT" baseline="0" dirty="0" smtClean="0"/>
+              <a:t>Planeamento da próxima iteração  (se houver).	</a:t>
+            </a:r>
             <a:endParaRPr lang="pt-PT" dirty="0"/>
           </a:p>
         </p:txBody>
       </p:sp>
       <p:sp>
         <p:nvSpPr>
-          <p:cNvPr id="4" name="Marcador de Posição do Número do Diapositivo 3"/>
+          <p:cNvPr id="4" name="Espaço Reservado para Número de Slide 3"/>
           <p:cNvSpPr>
             <a:spLocks noGrp="1"/>
           </p:cNvSpPr>
@@ -802,7 +681,7 @@
           <a:p>
             <a:fld id="{CEBCE6B0-B0CC-9543-8BFC-92B50F9442D7}" type="slidenum">
               <a:rPr lang="pt-PT" smtClean="0"/>
-              <a:t>5</a:t>
+              <a:t>4</a:t>
             </a:fld>
             <a:endParaRPr lang="pt-PT"/>
           </a:p>
@@ -811,7 +690,7 @@
     </p:spTree>
     <p:extLst>
       <p:ext uri="{BB962C8B-B14F-4D97-AF65-F5344CB8AC3E}">
-        <p14:creationId xmlns:p14="http://schemas.microsoft.com/office/powerpoint/2010/main" val="2704699492"/>
+        <p14:creationId xmlns:p14="http://schemas.microsoft.com/office/powerpoint/2010/main" val="3440839938"/>
       </p:ext>
     </p:extLst>
   </p:cSld>
@@ -865,6 +744,211 @@
           <a:bodyPr/>
           <a:lstStyle/>
           <a:p>
+            <a:pPr marL="0" marR="0" indent="0" algn="l" defTabSz="457200" rtl="0" eaLnBrk="1" fontAlgn="auto" latinLnBrk="0" hangingPunct="1">
+              <a:lnSpc>
+                <a:spcPct val="100000"/>
+              </a:lnSpc>
+              <a:spcBef>
+                <a:spcPts val="0"/>
+              </a:spcBef>
+              <a:spcAft>
+                <a:spcPts val="0"/>
+              </a:spcAft>
+              <a:buClrTx/>
+              <a:buSzTx/>
+              <a:buFontTx/>
+              <a:buNone/>
+              <a:tabLst/>
+              <a:defRPr/>
+            </a:pPr>
+            <a:r>
+              <a:rPr lang="pt-PT" sz="1200" dirty="0" smtClean="0">
+                <a:solidFill>
+                  <a:schemeClr val="tx1">
+                    <a:lumMod val="85000"/>
+                    <a:lumOff val="15000"/>
+                  </a:schemeClr>
+                </a:solidFill>
+              </a:rPr>
+              <a:t>Foca-se na necessidade de iterar para controlar riscos:</a:t>
+            </a:r>
+            <a:endParaRPr lang="pt-PT" sz="1400" dirty="0" smtClean="0">
+              <a:solidFill>
+                <a:schemeClr val="tx1">
+                  <a:lumMod val="85000"/>
+                  <a:lumOff val="15000"/>
+                </a:schemeClr>
+              </a:solidFill>
+            </a:endParaRPr>
+          </a:p>
+          <a:p>
+            <a:endParaRPr lang="pt-PT" dirty="0" smtClean="0"/>
+          </a:p>
+          <a:p>
+            <a:endParaRPr lang="pt-PT" dirty="0" smtClean="0"/>
+          </a:p>
+          <a:p>
+            <a:endParaRPr lang="pt-PT" dirty="0" smtClean="0"/>
+          </a:p>
+          <a:p>
+            <a:r>
+              <a:rPr lang="pt-PT" dirty="0" err="1" smtClean="0"/>
+              <a:t>Concepção</a:t>
+            </a:r>
+            <a:r>
+              <a:rPr lang="pt-PT" dirty="0" smtClean="0"/>
+              <a:t> de um primeiro “desenho” do sistema.</a:t>
+            </a:r>
+          </a:p>
+          <a:p>
+            <a:r>
+              <a:rPr lang="pt-PT" dirty="0" smtClean="0"/>
+              <a:t>Um primeiro protótipo é </a:t>
+            </a:r>
+            <a:r>
+              <a:rPr lang="pt-PT" dirty="0" err="1" smtClean="0"/>
+              <a:t>construido</a:t>
+            </a:r>
+            <a:r>
+              <a:rPr lang="pt-PT" dirty="0" smtClean="0"/>
+              <a:t> a partir do passo anterior</a:t>
+            </a:r>
+          </a:p>
+          <a:p>
+            <a:r>
+              <a:rPr lang="pt-PT" dirty="0" smtClean="0"/>
+              <a:t>Desenvolvimento de um segundo protótipo a partir do primeiro (este passo é iterado até o cliente estar</a:t>
+            </a:r>
+          </a:p>
+          <a:p>
+            <a:r>
+              <a:rPr lang="pt-PT" dirty="0" smtClean="0"/>
+              <a:t>satisfeito):</a:t>
+            </a:r>
+          </a:p>
+          <a:p>
+            <a:r>
+              <a:rPr lang="pt-PT" dirty="0" smtClean="0"/>
+              <a:t>Avaliação do protótipo anterior (pontos fortes e fracos, riscos)</a:t>
+            </a:r>
+          </a:p>
+          <a:p>
+            <a:r>
+              <a:rPr lang="pt-PT" dirty="0" smtClean="0"/>
+              <a:t>Definição de requisitos para o novo protótipo</a:t>
+            </a:r>
+          </a:p>
+          <a:p>
+            <a:r>
+              <a:rPr lang="pt-PT" dirty="0" smtClean="0"/>
+              <a:t>Planeamento e conceção do novo </a:t>
+            </a:r>
+            <a:r>
+              <a:rPr lang="pt-PT" dirty="0" err="1" smtClean="0"/>
+              <a:t>prtótipo</a:t>
+            </a:r>
+            <a:endParaRPr lang="pt-PT" dirty="0" smtClean="0"/>
+          </a:p>
+          <a:p>
+            <a:r>
+              <a:rPr lang="pt-PT" dirty="0" smtClean="0"/>
+              <a:t>Construção e teste do novo protótipo</a:t>
+            </a:r>
+          </a:p>
+          <a:p>
+            <a:endParaRPr lang="pt-PT" dirty="0" smtClean="0"/>
+          </a:p>
+          <a:p>
+            <a:r>
+              <a:rPr lang="pt-PT" dirty="0" smtClean="0"/>
+              <a:t>O produto final é construído a partir do protótipo final e, depois de avaliado e testado, entra em produção.</a:t>
+            </a:r>
+          </a:p>
+          <a:p>
+            <a:endParaRPr lang="pt-PT" dirty="0"/>
+          </a:p>
+        </p:txBody>
+      </p:sp>
+      <p:sp>
+        <p:nvSpPr>
+          <p:cNvPr id="4" name="Marcador de Posição do Número do Diapositivo 3"/>
+          <p:cNvSpPr>
+            <a:spLocks noGrp="1"/>
+          </p:cNvSpPr>
+          <p:nvPr>
+            <p:ph type="sldNum" sz="quarter" idx="10"/>
+          </p:nvPr>
+        </p:nvSpPr>
+        <p:spPr/>
+        <p:txBody>
+          <a:bodyPr/>
+          <a:lstStyle/>
+          <a:p>
+            <a:fld id="{CEBCE6B0-B0CC-9543-8BFC-92B50F9442D7}" type="slidenum">
+              <a:rPr lang="pt-PT" smtClean="0"/>
+              <a:t>5</a:t>
+            </a:fld>
+            <a:endParaRPr lang="pt-PT"/>
+          </a:p>
+        </p:txBody>
+      </p:sp>
+    </p:spTree>
+    <p:extLst>
+      <p:ext uri="{BB962C8B-B14F-4D97-AF65-F5344CB8AC3E}">
+        <p14:creationId xmlns:p14="http://schemas.microsoft.com/office/powerpoint/2010/main" val="2704699492"/>
+      </p:ext>
+    </p:extLst>
+  </p:cSld>
+  <p:clrMapOvr>
+    <a:masterClrMapping/>
+  </p:clrMapOvr>
+</p:notes>
+</file>
+
+<file path=ppt/notesSlides/notesSlide4.xml><?xml version="1.0" encoding="utf-8"?>
+<p:notes xmlns:a="http://schemas.openxmlformats.org/drawingml/2006/main" xmlns:r="http://schemas.openxmlformats.org/officeDocument/2006/relationships" xmlns:p="http://schemas.openxmlformats.org/presentationml/2006/main">
+  <p:cSld>
+    <p:spTree>
+      <p:nvGrpSpPr>
+        <p:cNvPr id="1" name=""/>
+        <p:cNvGrpSpPr/>
+        <p:nvPr/>
+      </p:nvGrpSpPr>
+      <p:grpSpPr>
+        <a:xfrm>
+          <a:off x="0" y="0"/>
+          <a:ext cx="0" cy="0"/>
+          <a:chOff x="0" y="0"/>
+          <a:chExt cx="0" cy="0"/>
+        </a:xfrm>
+      </p:grpSpPr>
+      <p:sp>
+        <p:nvSpPr>
+          <p:cNvPr id="2" name="Marcador de Posição da Imagem do Diapositivo 1"/>
+          <p:cNvSpPr>
+            <a:spLocks noGrp="1" noRot="1" noChangeAspect="1"/>
+          </p:cNvSpPr>
+          <p:nvPr>
+            <p:ph type="sldImg"/>
+          </p:nvPr>
+        </p:nvSpPr>
+        <p:spPr/>
+      </p:sp>
+      <p:sp>
+        <p:nvSpPr>
+          <p:cNvPr id="3" name="Marcador de Posição de Notas 2"/>
+          <p:cNvSpPr>
+            <a:spLocks noGrp="1"/>
+          </p:cNvSpPr>
+          <p:nvPr>
+            <p:ph type="body" idx="1"/>
+          </p:nvPr>
+        </p:nvSpPr>
+        <p:spPr/>
+        <p:txBody>
+          <a:bodyPr/>
+          <a:lstStyle/>
+          <a:p>
             <a:endParaRPr lang="pt-PT" dirty="0"/>
           </a:p>
         </p:txBody>
@@ -896,6 +980,174 @@
     <p:extLst>
       <p:ext uri="{BB962C8B-B14F-4D97-AF65-F5344CB8AC3E}">
         <p14:creationId xmlns:p14="http://schemas.microsoft.com/office/powerpoint/2010/main" val="609874351"/>
+      </p:ext>
+    </p:extLst>
+  </p:cSld>
+  <p:clrMapOvr>
+    <a:masterClrMapping/>
+  </p:clrMapOvr>
+</p:notes>
+</file>
+
+<file path=ppt/notesSlides/notesSlide5.xml><?xml version="1.0" encoding="utf-8"?>
+<p:notes xmlns:a="http://schemas.openxmlformats.org/drawingml/2006/main" xmlns:r="http://schemas.openxmlformats.org/officeDocument/2006/relationships" xmlns:p="http://schemas.openxmlformats.org/presentationml/2006/main">
+  <p:cSld>
+    <p:spTree>
+      <p:nvGrpSpPr>
+        <p:cNvPr id="1" name=""/>
+        <p:cNvGrpSpPr/>
+        <p:nvPr/>
+      </p:nvGrpSpPr>
+      <p:grpSpPr>
+        <a:xfrm>
+          <a:off x="0" y="0"/>
+          <a:ext cx="0" cy="0"/>
+          <a:chOff x="0" y="0"/>
+          <a:chExt cx="0" cy="0"/>
+        </a:xfrm>
+      </p:grpSpPr>
+      <p:sp>
+        <p:nvSpPr>
+          <p:cNvPr id="2" name="Marcador de Posição da Imagem do Diapositivo 1"/>
+          <p:cNvSpPr>
+            <a:spLocks noGrp="1" noRot="1" noChangeAspect="1"/>
+          </p:cNvSpPr>
+          <p:nvPr>
+            <p:ph type="sldImg"/>
+          </p:nvPr>
+        </p:nvSpPr>
+        <p:spPr/>
+      </p:sp>
+      <p:sp>
+        <p:nvSpPr>
+          <p:cNvPr id="3" name="Marcador de Posição de Notas 2"/>
+          <p:cNvSpPr>
+            <a:spLocks noGrp="1"/>
+          </p:cNvSpPr>
+          <p:nvPr>
+            <p:ph type="body" idx="1"/>
+          </p:nvPr>
+        </p:nvSpPr>
+        <p:spPr/>
+        <p:txBody>
+          <a:bodyPr/>
+          <a:lstStyle/>
+          <a:p>
+            <a:endParaRPr lang="pt-PT" dirty="0"/>
+          </a:p>
+        </p:txBody>
+      </p:sp>
+      <p:sp>
+        <p:nvSpPr>
+          <p:cNvPr id="4" name="Marcador de Posição do Número do Diapositivo 3"/>
+          <p:cNvSpPr>
+            <a:spLocks noGrp="1"/>
+          </p:cNvSpPr>
+          <p:nvPr>
+            <p:ph type="sldNum" sz="quarter" idx="10"/>
+          </p:nvPr>
+        </p:nvSpPr>
+        <p:spPr/>
+        <p:txBody>
+          <a:bodyPr/>
+          <a:lstStyle/>
+          <a:p>
+            <a:fld id="{CEBCE6B0-B0CC-9543-8BFC-92B50F9442D7}" type="slidenum">
+              <a:rPr lang="pt-PT" smtClean="0"/>
+              <a:t>7</a:t>
+            </a:fld>
+            <a:endParaRPr lang="pt-PT"/>
+          </a:p>
+        </p:txBody>
+      </p:sp>
+    </p:spTree>
+    <p:extLst>
+      <p:ext uri="{BB962C8B-B14F-4D97-AF65-F5344CB8AC3E}">
+        <p14:creationId xmlns:p14="http://schemas.microsoft.com/office/powerpoint/2010/main" val="1673982365"/>
+      </p:ext>
+    </p:extLst>
+  </p:cSld>
+  <p:clrMapOvr>
+    <a:masterClrMapping/>
+  </p:clrMapOvr>
+</p:notes>
+</file>
+
+<file path=ppt/notesSlides/notesSlide6.xml><?xml version="1.0" encoding="utf-8"?>
+<p:notes xmlns:a="http://schemas.openxmlformats.org/drawingml/2006/main" xmlns:r="http://schemas.openxmlformats.org/officeDocument/2006/relationships" xmlns:p="http://schemas.openxmlformats.org/presentationml/2006/main">
+  <p:cSld>
+    <p:spTree>
+      <p:nvGrpSpPr>
+        <p:cNvPr id="1" name=""/>
+        <p:cNvGrpSpPr/>
+        <p:nvPr/>
+      </p:nvGrpSpPr>
+      <p:grpSpPr>
+        <a:xfrm>
+          <a:off x="0" y="0"/>
+          <a:ext cx="0" cy="0"/>
+          <a:chOff x="0" y="0"/>
+          <a:chExt cx="0" cy="0"/>
+        </a:xfrm>
+      </p:grpSpPr>
+      <p:sp>
+        <p:nvSpPr>
+          <p:cNvPr id="2" name="Marcador de Posição da Imagem do Diapositivo 1"/>
+          <p:cNvSpPr>
+            <a:spLocks noGrp="1" noRot="1" noChangeAspect="1"/>
+          </p:cNvSpPr>
+          <p:nvPr>
+            <p:ph type="sldImg"/>
+          </p:nvPr>
+        </p:nvSpPr>
+        <p:spPr/>
+      </p:sp>
+      <p:sp>
+        <p:nvSpPr>
+          <p:cNvPr id="3" name="Marcador de Posição de Notas 2"/>
+          <p:cNvSpPr>
+            <a:spLocks noGrp="1"/>
+          </p:cNvSpPr>
+          <p:nvPr>
+            <p:ph type="body" idx="1"/>
+          </p:nvPr>
+        </p:nvSpPr>
+        <p:spPr/>
+        <p:txBody>
+          <a:bodyPr/>
+          <a:lstStyle/>
+          <a:p>
+            <a:endParaRPr lang="pt-PT" dirty="0"/>
+          </a:p>
+        </p:txBody>
+      </p:sp>
+      <p:sp>
+        <p:nvSpPr>
+          <p:cNvPr id="4" name="Marcador de Posição do Número do Diapositivo 3"/>
+          <p:cNvSpPr>
+            <a:spLocks noGrp="1"/>
+          </p:cNvSpPr>
+          <p:nvPr>
+            <p:ph type="sldNum" sz="quarter" idx="10"/>
+          </p:nvPr>
+        </p:nvSpPr>
+        <p:spPr/>
+        <p:txBody>
+          <a:bodyPr/>
+          <a:lstStyle/>
+          <a:p>
+            <a:fld id="{CEBCE6B0-B0CC-9543-8BFC-92B50F9442D7}" type="slidenum">
+              <a:rPr lang="pt-PT" smtClean="0"/>
+              <a:t>8</a:t>
+            </a:fld>
+            <a:endParaRPr lang="pt-PT"/>
+          </a:p>
+        </p:txBody>
+      </p:sp>
+    </p:spTree>
+    <p:extLst>
+      <p:ext uri="{BB962C8B-B14F-4D97-AF65-F5344CB8AC3E}">
+        <p14:creationId xmlns:p14="http://schemas.microsoft.com/office/powerpoint/2010/main" val="1689845326"/>
       </p:ext>
     </p:extLst>
   </p:cSld>
@@ -9207,48 +9459,6 @@
           </a:p>
         </p:txBody>
       </p:sp>
-      <p:sp>
-        <p:nvSpPr>
-          <p:cNvPr id="2" name="Retângulo 1"/>
-          <p:cNvSpPr/>
-          <p:nvPr/>
-        </p:nvSpPr>
-        <p:spPr>
-          <a:xfrm>
-            <a:off x="2286000" y="2967335"/>
-            <a:ext cx="4572000" cy="923330"/>
-          </a:xfrm>
-          <a:prstGeom prst="rect">
-            <a:avLst/>
-          </a:prstGeom>
-        </p:spPr>
-        <p:txBody>
-          <a:bodyPr>
-            <a:spAutoFit/>
-          </a:bodyPr>
-          <a:lstStyle/>
-          <a:p>
-            <a:r>
-              <a:rPr lang="pt-PT" dirty="0"/>
-              <a:t>O cliente pode optar por abortar o </a:t>
-            </a:r>
-            <a:r>
-              <a:rPr lang="pt-PT" dirty="0" err="1"/>
-              <a:t>projecto</a:t>
-            </a:r>
-            <a:r>
-              <a:rPr lang="pt-PT" dirty="0"/>
-              <a:t> se considerar o risco de desenvolver o produto</a:t>
-            </a:r>
-          </a:p>
-          <a:p>
-            <a:r>
-              <a:rPr lang="pt-PT" dirty="0"/>
-              <a:t>demasiado alto.</a:t>
-            </a:r>
-          </a:p>
-        </p:txBody>
-      </p:sp>
     </p:spTree>
     <p:extLst>
       <p:ext uri="{BB962C8B-B14F-4D97-AF65-F5344CB8AC3E}">
@@ -9329,7 +9539,7 @@
           <p:nvPr/>
         </p:nvPicPr>
         <p:blipFill>
-          <a:blip r:embed="rId2">
+          <a:blip r:embed="rId3">
             <a:extLst>
               <a:ext uri="{28A0092B-C50C-407E-A947-70E740481C1C}">
                 <a14:useLocalDpi xmlns:a14="http://schemas.microsoft.com/office/drawing/2010/main" val="0"/>
@@ -9470,14 +9680,406 @@
       </p:sp>
       <p:sp>
         <p:nvSpPr>
-          <p:cNvPr id="10" name="TextBox 7"/>
+          <p:cNvPr id="7" name="Espaço Reservado para Conteúdo 2"/>
+          <p:cNvSpPr txBox="1">
+            <a:spLocks/>
+          </p:cNvSpPr>
+          <p:nvPr/>
+        </p:nvSpPr>
+        <p:spPr>
+          <a:xfrm>
+            <a:off x="421342" y="3020188"/>
+            <a:ext cx="2949180" cy="2352592"/>
+          </a:xfrm>
+          <a:prstGeom prst="rect">
+            <a:avLst/>
+          </a:prstGeom>
+        </p:spPr>
+        <p:txBody>
+          <a:bodyPr vert="horz" lIns="91440" tIns="45720" rIns="91440" bIns="45720" rtlCol="0">
+            <a:normAutofit/>
+          </a:bodyPr>
+          <a:lstStyle>
+            <a:lvl1pPr marL="0" indent="0" algn="l" defTabSz="914400" rtl="0" eaLnBrk="1" latinLnBrk="0" hangingPunct="1">
+              <a:lnSpc>
+                <a:spcPct val="100000"/>
+              </a:lnSpc>
+              <a:spcBef>
+                <a:spcPts val="0"/>
+              </a:spcBef>
+              <a:buClr>
+                <a:schemeClr val="bg1">
+                  <a:lumMod val="65000"/>
+                </a:schemeClr>
+              </a:buClr>
+              <a:buSzPct val="90000"/>
+              <a:buFont typeface="Wingdings" pitchFamily="2" charset="2"/>
+              <a:buNone/>
+              <a:defRPr sz="1800" kern="1200">
+                <a:solidFill>
+                  <a:schemeClr val="bg1"/>
+                </a:solidFill>
+                <a:latin typeface="+mn-lt"/>
+                <a:ea typeface="+mn-ea"/>
+                <a:cs typeface="+mn-cs"/>
+              </a:defRPr>
+            </a:lvl1pPr>
+            <a:lvl2pPr marL="457200" indent="0" algn="ctr" defTabSz="914400" rtl="0" eaLnBrk="1" latinLnBrk="0" hangingPunct="1">
+              <a:spcBef>
+                <a:spcPts val="600"/>
+              </a:spcBef>
+              <a:buClr>
+                <a:schemeClr val="tx1">
+                  <a:lumMod val="75000"/>
+                  <a:lumOff val="25000"/>
+                </a:schemeClr>
+              </a:buClr>
+              <a:buSzPct val="90000"/>
+              <a:buFont typeface="Wingdings" pitchFamily="2" charset="2"/>
+              <a:buNone/>
+              <a:defRPr sz="2200" kern="1200">
+                <a:solidFill>
+                  <a:schemeClr val="tx1">
+                    <a:tint val="75000"/>
+                  </a:schemeClr>
+                </a:solidFill>
+                <a:latin typeface="+mn-lt"/>
+                <a:ea typeface="+mn-ea"/>
+                <a:cs typeface="+mn-cs"/>
+              </a:defRPr>
+            </a:lvl2pPr>
+            <a:lvl3pPr marL="914400" indent="0" algn="ctr" defTabSz="914400" rtl="0" eaLnBrk="1" latinLnBrk="0" hangingPunct="1">
+              <a:spcBef>
+                <a:spcPts val="600"/>
+              </a:spcBef>
+              <a:buClr>
+                <a:schemeClr val="bg1">
+                  <a:lumMod val="65000"/>
+                </a:schemeClr>
+              </a:buClr>
+              <a:buSzPct val="90000"/>
+              <a:buFont typeface="Wingdings" pitchFamily="2" charset="2"/>
+              <a:buNone/>
+              <a:defRPr sz="2000" kern="1200">
+                <a:solidFill>
+                  <a:schemeClr val="tx1">
+                    <a:tint val="75000"/>
+                  </a:schemeClr>
+                </a:solidFill>
+                <a:latin typeface="+mn-lt"/>
+                <a:ea typeface="+mn-ea"/>
+                <a:cs typeface="+mn-cs"/>
+              </a:defRPr>
+            </a:lvl3pPr>
+            <a:lvl4pPr marL="1371600" indent="0" algn="ctr" defTabSz="914400" rtl="0" eaLnBrk="1" latinLnBrk="0" hangingPunct="1">
+              <a:spcBef>
+                <a:spcPts val="600"/>
+              </a:spcBef>
+              <a:buClr>
+                <a:schemeClr val="tx1">
+                  <a:lumMod val="75000"/>
+                  <a:lumOff val="25000"/>
+                </a:schemeClr>
+              </a:buClr>
+              <a:buSzPct val="90000"/>
+              <a:buFont typeface="Wingdings" pitchFamily="2" charset="2"/>
+              <a:buNone/>
+              <a:defRPr sz="1800" kern="1200">
+                <a:solidFill>
+                  <a:schemeClr val="tx1">
+                    <a:tint val="75000"/>
+                  </a:schemeClr>
+                </a:solidFill>
+                <a:latin typeface="+mn-lt"/>
+                <a:ea typeface="+mn-ea"/>
+                <a:cs typeface="+mn-cs"/>
+              </a:defRPr>
+            </a:lvl4pPr>
+            <a:lvl5pPr marL="1828800" indent="0" algn="ctr" defTabSz="914400" rtl="0" eaLnBrk="1" latinLnBrk="0" hangingPunct="1">
+              <a:spcBef>
+                <a:spcPts val="600"/>
+              </a:spcBef>
+              <a:buClr>
+                <a:schemeClr val="bg1">
+                  <a:lumMod val="65000"/>
+                </a:schemeClr>
+              </a:buClr>
+              <a:buSzPct val="90000"/>
+              <a:buFont typeface="Wingdings" pitchFamily="2" charset="2"/>
+              <a:buNone/>
+              <a:defRPr sz="1800" kern="1200">
+                <a:solidFill>
+                  <a:schemeClr val="tx1">
+                    <a:tint val="75000"/>
+                  </a:schemeClr>
+                </a:solidFill>
+                <a:latin typeface="+mn-lt"/>
+                <a:ea typeface="+mn-ea"/>
+                <a:cs typeface="+mn-cs"/>
+              </a:defRPr>
+            </a:lvl5pPr>
+            <a:lvl6pPr marL="2286000" indent="0" algn="ctr" defTabSz="914400" rtl="0" eaLnBrk="1" latinLnBrk="0" hangingPunct="1">
+              <a:spcBef>
+                <a:spcPts val="600"/>
+              </a:spcBef>
+              <a:buClr>
+                <a:schemeClr val="tx1">
+                  <a:lumMod val="75000"/>
+                  <a:lumOff val="25000"/>
+                </a:schemeClr>
+              </a:buClr>
+              <a:buSzPct val="90000"/>
+              <a:buFont typeface="Wingdings" pitchFamily="2" charset="2"/>
+              <a:buNone/>
+              <a:defRPr lang="en-US" sz="1800" kern="1200">
+                <a:solidFill>
+                  <a:schemeClr val="tx1">
+                    <a:tint val="75000"/>
+                  </a:schemeClr>
+                </a:solidFill>
+                <a:latin typeface="+mn-lt"/>
+                <a:ea typeface="+mn-ea"/>
+                <a:cs typeface="+mn-cs"/>
+              </a:defRPr>
+            </a:lvl6pPr>
+            <a:lvl7pPr marL="2743200" indent="0" algn="ctr" defTabSz="914400" rtl="0" eaLnBrk="1" latinLnBrk="0" hangingPunct="1">
+              <a:spcBef>
+                <a:spcPts val="600"/>
+              </a:spcBef>
+              <a:buClr>
+                <a:schemeClr val="bg1">
+                  <a:lumMod val="65000"/>
+                </a:schemeClr>
+              </a:buClr>
+              <a:buSzPct val="90000"/>
+              <a:buFont typeface="Wingdings" pitchFamily="2" charset="2"/>
+              <a:buNone/>
+              <a:defRPr lang="en-US" sz="1800" kern="1200">
+                <a:solidFill>
+                  <a:schemeClr val="tx1">
+                    <a:tint val="75000"/>
+                  </a:schemeClr>
+                </a:solidFill>
+                <a:latin typeface="+mn-lt"/>
+                <a:ea typeface="+mn-ea"/>
+                <a:cs typeface="+mn-cs"/>
+              </a:defRPr>
+            </a:lvl7pPr>
+            <a:lvl8pPr marL="3200400" indent="0" algn="ctr" defTabSz="914400" rtl="0" eaLnBrk="1" latinLnBrk="0" hangingPunct="1">
+              <a:spcBef>
+                <a:spcPts val="600"/>
+              </a:spcBef>
+              <a:buClr>
+                <a:schemeClr val="tx1">
+                  <a:lumMod val="75000"/>
+                  <a:lumOff val="25000"/>
+                </a:schemeClr>
+              </a:buClr>
+              <a:buSzPct val="90000"/>
+              <a:buFont typeface="Wingdings" pitchFamily="2" charset="2"/>
+              <a:buNone/>
+              <a:defRPr lang="en-US" sz="1800" kern="1200">
+                <a:solidFill>
+                  <a:schemeClr val="tx1">
+                    <a:tint val="75000"/>
+                  </a:schemeClr>
+                </a:solidFill>
+                <a:latin typeface="+mn-lt"/>
+                <a:ea typeface="+mn-ea"/>
+                <a:cs typeface="+mn-cs"/>
+              </a:defRPr>
+            </a:lvl8pPr>
+            <a:lvl9pPr marL="3657600" indent="0" algn="ctr" defTabSz="914400" rtl="0" eaLnBrk="1" latinLnBrk="0" hangingPunct="1">
+              <a:spcBef>
+                <a:spcPts val="600"/>
+              </a:spcBef>
+              <a:buClr>
+                <a:schemeClr val="bg1">
+                  <a:lumMod val="65000"/>
+                </a:schemeClr>
+              </a:buClr>
+              <a:buSzPct val="90000"/>
+              <a:buFont typeface="Wingdings" pitchFamily="2" charset="2"/>
+              <a:buNone/>
+              <a:defRPr lang="en-US" sz="1800" kern="1200">
+                <a:solidFill>
+                  <a:schemeClr val="tx1">
+                    <a:tint val="75000"/>
+                  </a:schemeClr>
+                </a:solidFill>
+                <a:latin typeface="+mn-lt"/>
+                <a:ea typeface="+mn-ea"/>
+                <a:cs typeface="+mn-cs"/>
+              </a:defRPr>
+            </a:lvl9pPr>
+          </a:lstStyle>
+          <a:p>
+            <a:pPr marL="454025" indent="-454025">
+              <a:spcBef>
+                <a:spcPts val="2000"/>
+              </a:spcBef>
+              <a:buFont typeface="Wingdings" pitchFamily="2" charset="2"/>
+              <a:buChar char=""/>
+            </a:pPr>
+            <a:r>
+              <a:rPr lang="pt-PT" sz="3600" dirty="0" smtClean="0">
+                <a:solidFill>
+                  <a:schemeClr val="tx1">
+                    <a:lumMod val="85000"/>
+                    <a:lumOff val="15000"/>
+                  </a:schemeClr>
+                </a:solidFill>
+              </a:rPr>
+              <a:t>Introdução</a:t>
+            </a:r>
+          </a:p>
+          <a:p>
+            <a:pPr marL="454025" indent="-454025">
+              <a:spcBef>
+                <a:spcPts val="2000"/>
+              </a:spcBef>
+              <a:buFont typeface="Wingdings" pitchFamily="2" charset="2"/>
+              <a:buChar char=""/>
+            </a:pPr>
+            <a:r>
+              <a:rPr lang="pt-PT" sz="3600" dirty="0" smtClean="0">
+                <a:solidFill>
+                  <a:schemeClr val="tx1">
+                    <a:lumMod val="85000"/>
+                    <a:lumOff val="15000"/>
+                  </a:schemeClr>
+                </a:solidFill>
+              </a:rPr>
+              <a:t>Descrição</a:t>
+            </a:r>
+            <a:endParaRPr lang="pt-PT" sz="3600" dirty="0">
+              <a:solidFill>
+                <a:schemeClr val="tx1">
+                  <a:lumMod val="85000"/>
+                  <a:lumOff val="15000"/>
+                </a:schemeClr>
+              </a:solidFill>
+            </a:endParaRPr>
+          </a:p>
+          <a:p>
+            <a:pPr marL="454025" indent="-454025">
+              <a:spcBef>
+                <a:spcPts val="2000"/>
+              </a:spcBef>
+              <a:buFont typeface="Wingdings" pitchFamily="2" charset="2"/>
+              <a:buChar char=""/>
+            </a:pPr>
+            <a:r>
+              <a:rPr lang="pt-PT" sz="3600" dirty="0" smtClean="0">
+                <a:solidFill>
+                  <a:schemeClr val="tx1">
+                    <a:lumMod val="85000"/>
+                    <a:lumOff val="15000"/>
+                  </a:schemeClr>
+                </a:solidFill>
+              </a:rPr>
+              <a:t>Conclusão</a:t>
+            </a:r>
+          </a:p>
+          <a:p>
+            <a:pPr marL="454025" indent="-454025">
+              <a:spcBef>
+                <a:spcPts val="2000"/>
+              </a:spcBef>
+              <a:buFont typeface="Wingdings" pitchFamily="2" charset="2"/>
+              <a:buChar char=""/>
+            </a:pPr>
+            <a:endParaRPr lang="pt-PT" sz="2400" dirty="0" smtClean="0">
+              <a:solidFill>
+                <a:schemeClr val="tx1">
+                  <a:lumMod val="85000"/>
+                  <a:lumOff val="15000"/>
+                </a:schemeClr>
+              </a:solidFill>
+            </a:endParaRPr>
+          </a:p>
+          <a:p>
+            <a:pPr marL="911225" lvl="1" indent="-454025" defTabSz="693738">
+              <a:spcBef>
+                <a:spcPts val="2000"/>
+              </a:spcBef>
+              <a:buFont typeface="Wingdings" pitchFamily="2" charset="2"/>
+              <a:buChar char=""/>
+            </a:pPr>
+            <a:endParaRPr lang="pt-PT" sz="2800" dirty="0">
+              <a:solidFill>
+                <a:schemeClr val="tx1">
+                  <a:lumMod val="85000"/>
+                  <a:lumOff val="15000"/>
+                </a:schemeClr>
+              </a:solidFill>
+            </a:endParaRPr>
+          </a:p>
+          <a:p>
+            <a:endParaRPr lang="pt-PT" dirty="0">
+              <a:solidFill>
+                <a:schemeClr val="tx1"/>
+              </a:solidFill>
+            </a:endParaRPr>
+          </a:p>
+        </p:txBody>
+      </p:sp>
+      <p:pic>
+        <p:nvPicPr>
+          <p:cNvPr id="1028" name="Picture 4" descr="http://www.nae.edu/File.aspx?id=33505"/>
+          <p:cNvPicPr>
+            <a:picLocks noChangeAspect="1" noChangeArrowheads="1"/>
+          </p:cNvPicPr>
+          <p:nvPr/>
+        </p:nvPicPr>
+        <p:blipFill>
+          <a:blip r:embed="rId4">
+            <a:extLst>
+              <a:ext uri="{28A0092B-C50C-407E-A947-70E740481C1C}">
+                <a14:useLocalDpi xmlns:a14="http://schemas.microsoft.com/office/drawing/2010/main" val="0"/>
+              </a:ext>
+            </a:extLst>
+          </a:blip>
+          <a:srcRect/>
+          <a:stretch>
+            <a:fillRect/>
+          </a:stretch>
+        </p:blipFill>
+        <p:spPr bwMode="auto">
+          <a:xfrm>
+            <a:off x="5684433" y="2793112"/>
+            <a:ext cx="2143125" cy="2857500"/>
+          </a:xfrm>
+          <a:prstGeom prst="rect">
+            <a:avLst/>
+          </a:prstGeom>
+          <a:ln>
+            <a:noFill/>
+          </a:ln>
+          <a:effectLst>
+            <a:softEdge rad="112500"/>
+          </a:effectLst>
+          <a:extLst>
+            <a:ext uri="{909E8E84-426E-40DD-AFC4-6F175D3DCCD1}">
+              <a14:hiddenFill xmlns:a14="http://schemas.microsoft.com/office/drawing/2010/main">
+                <a:solidFill>
+                  <a:srgbClr val="FFFFFF"/>
+                </a:solidFill>
+              </a14:hiddenFill>
+            </a:ext>
+          </a:extLst>
+        </p:spPr>
+      </p:pic>
+      <p:sp>
+        <p:nvSpPr>
+          <p:cNvPr id="2" name="CaixaDeTexto 1"/>
           <p:cNvSpPr txBox="1"/>
           <p:nvPr/>
         </p:nvSpPr>
         <p:spPr>
           <a:xfrm>
-            <a:off x="421341" y="2540307"/>
-            <a:ext cx="8339667" cy="2062103"/>
+            <a:off x="5822546" y="5685648"/>
+            <a:ext cx="1866898" cy="307777"/>
           </a:xfrm>
           <a:prstGeom prst="rect">
             <a:avLst/>
@@ -9490,53 +10092,20 @@
           </a:bodyPr>
           <a:lstStyle/>
           <a:p>
-            <a:pPr marL="285750" indent="-285750">
-              <a:spcBef>
-                <a:spcPts val="600"/>
-              </a:spcBef>
-              <a:spcAft>
-                <a:spcPts val="600"/>
-              </a:spcAft>
-              <a:buFont typeface="Arial"/>
-              <a:buChar char="•"/>
-            </a:pPr>
-            <a:r>
-              <a:rPr lang="pt-PT" sz="3600" b="1" dirty="0" smtClean="0"/>
-              <a:t>Introdução</a:t>
-            </a:r>
-          </a:p>
-          <a:p>
-            <a:pPr marL="285750" indent="-285750">
-              <a:spcBef>
-                <a:spcPts val="600"/>
-              </a:spcBef>
-              <a:spcAft>
-                <a:spcPts val="600"/>
-              </a:spcAft>
-              <a:buFont typeface="Arial"/>
-              <a:buChar char="•"/>
-            </a:pPr>
-            <a:r>
-              <a:rPr lang="pt-PT" sz="3600" b="1" dirty="0" smtClean="0"/>
-              <a:t>Descrição</a:t>
-            </a:r>
-          </a:p>
-          <a:p>
-            <a:pPr marL="285750" indent="-285750">
-              <a:spcBef>
-                <a:spcPts val="600"/>
-              </a:spcBef>
-              <a:spcAft>
-                <a:spcPts val="600"/>
-              </a:spcAft>
-              <a:buFont typeface="Arial"/>
-              <a:buChar char="•"/>
-            </a:pPr>
-            <a:r>
-              <a:rPr lang="pt-PT" sz="3600" b="1" smtClean="0"/>
-              <a:t>Conclusão</a:t>
-            </a:r>
-            <a:endParaRPr lang="pt-PT" sz="3600" b="1" dirty="0"/>
+            <a:pPr algn="ctr"/>
+            <a:r>
+              <a:rPr lang="pt-PT" sz="1400" dirty="0" err="1" smtClean="0"/>
+              <a:t>Barry</a:t>
+            </a:r>
+            <a:r>
+              <a:rPr lang="pt-PT" sz="1400" dirty="0" smtClean="0"/>
+              <a:t> </a:t>
+            </a:r>
+            <a:r>
+              <a:rPr lang="pt-PT" sz="1400" dirty="0" err="1" smtClean="0"/>
+              <a:t>Boehm</a:t>
+            </a:r>
+            <a:endParaRPr lang="pt-PT" sz="1400" dirty="0"/>
           </a:p>
         </p:txBody>
       </p:sp>
@@ -10020,14 +10589,14 @@
               <a:t>  </a:t>
             </a:r>
             <a:r>
-              <a:rPr lang="pt-PT" sz="4400" b="1" dirty="0" smtClean="0">
+              <a:rPr lang="pt-PT" sz="4000" b="1" dirty="0" smtClean="0">
                 <a:solidFill>
                   <a:schemeClr val="tx1"/>
                 </a:solidFill>
               </a:rPr>
               <a:t>Introdução</a:t>
             </a:r>
-            <a:endParaRPr lang="pt-PT" sz="4400" dirty="0" smtClean="0">
+            <a:endParaRPr lang="pt-PT" sz="4000" dirty="0" smtClean="0">
               <a:solidFill>
                 <a:schemeClr val="tx1">
                   <a:lumMod val="85000"/>
@@ -10825,14 +11394,14 @@
               <a:t>  </a:t>
             </a:r>
             <a:r>
-              <a:rPr lang="pt-PT" sz="4400" b="1" dirty="0" smtClean="0">
+              <a:rPr lang="pt-PT" sz="4000" b="1" dirty="0" smtClean="0">
                 <a:solidFill>
                   <a:schemeClr val="tx1"/>
                 </a:solidFill>
               </a:rPr>
               <a:t>Descrição</a:t>
             </a:r>
-            <a:endParaRPr lang="pt-PT" sz="4400" dirty="0" smtClean="0">
+            <a:endParaRPr lang="pt-PT" sz="4000" dirty="0" smtClean="0">
               <a:solidFill>
                 <a:schemeClr val="tx1">
                   <a:lumMod val="85000"/>
@@ -11693,7 +12262,7 @@
           <p:nvPr/>
         </p:nvPicPr>
         <p:blipFill>
-          <a:blip r:embed="rId2">
+          <a:blip r:embed="rId3">
             <a:extLst>
               <a:ext uri="{28A0092B-C50C-407E-A947-70E740481C1C}">
                 <a14:useLocalDpi xmlns:a14="http://schemas.microsoft.com/office/drawing/2010/main" val="0"/>
@@ -11842,8 +12411,8 @@
         </p:nvSpPr>
         <p:spPr>
           <a:xfrm>
-            <a:off x="421341" y="2155371"/>
-            <a:ext cx="8339667" cy="3856506"/>
+            <a:off x="421341" y="2155370"/>
+            <a:ext cx="8339667" cy="3990249"/>
           </a:xfrm>
           <a:prstGeom prst="rect">
             <a:avLst/>
@@ -12093,14 +12662,40 @@
               <a:t>  </a:t>
             </a:r>
             <a:r>
-              <a:rPr lang="pt-PT" sz="4400" b="1" dirty="0" smtClean="0">
+              <a:rPr lang="pt-PT" sz="4000" b="1" dirty="0" smtClean="0">
                 <a:solidFill>
                   <a:schemeClr val="tx1"/>
                 </a:solidFill>
               </a:rPr>
-              <a:t>Prós e Contras</a:t>
-            </a:r>
-            <a:endParaRPr lang="pt-PT" sz="4400" dirty="0" smtClean="0">
+              <a:t>Conclusão </a:t>
+            </a:r>
+          </a:p>
+          <a:p>
+            <a:pPr marL="454025" indent="-454025" algn="just">
+              <a:lnSpc>
+                <a:spcPct val="110000"/>
+              </a:lnSpc>
+              <a:spcBef>
+                <a:spcPts val="2000"/>
+              </a:spcBef>
+              <a:spcAft>
+                <a:spcPts val="600"/>
+              </a:spcAft>
+              <a:buFont typeface="Wingdings" pitchFamily="2" charset="2"/>
+              <a:buChar char=""/>
+            </a:pPr>
+            <a:r>
+              <a:rPr lang="pt-PT" sz="2200" dirty="0" smtClean="0">
+                <a:solidFill>
+                  <a:schemeClr val="tx1">
+                    <a:lumMod val="85000"/>
+                    <a:lumOff val="15000"/>
+                  </a:schemeClr>
+                </a:solidFill>
+              </a:rPr>
+              <a:t>Problemas:</a:t>
+            </a:r>
+            <a:endParaRPr lang="pt-PT" sz="2200" dirty="0">
               <a:solidFill>
                 <a:schemeClr val="tx1">
                   <a:lumMod val="85000"/>
@@ -12110,9 +12705,119 @@
             </a:endParaRPr>
           </a:p>
           <a:p>
-            <a:endParaRPr lang="pt-PT" dirty="0">
+            <a:pPr marL="911225" lvl="1" indent="-454025" algn="just">
+              <a:spcBef>
+                <a:spcPts val="2000"/>
+              </a:spcBef>
+              <a:buFont typeface="Wingdings" pitchFamily="2" charset="2"/>
+              <a:buChar char=""/>
+            </a:pPr>
+            <a:r>
+              <a:rPr lang="pt-PT" sz="2000" dirty="0">
+                <a:solidFill>
+                  <a:schemeClr val="tx1">
+                    <a:lumMod val="85000"/>
+                    <a:lumOff val="15000"/>
+                  </a:schemeClr>
+                </a:solidFill>
+              </a:rPr>
+              <a:t>Dependência da qualidade da avaliação de </a:t>
+            </a:r>
+            <a:r>
+              <a:rPr lang="pt-PT" sz="2000" dirty="0" smtClean="0">
+                <a:solidFill>
+                  <a:schemeClr val="tx1">
+                    <a:lumMod val="85000"/>
+                    <a:lumOff val="15000"/>
+                  </a:schemeClr>
+                </a:solidFill>
+              </a:rPr>
+              <a:t>risco.</a:t>
+            </a:r>
+            <a:endParaRPr lang="pt-PT" sz="2000" dirty="0">
               <a:solidFill>
-                <a:schemeClr val="tx1"/>
+                <a:schemeClr val="tx1">
+                  <a:lumMod val="85000"/>
+                  <a:lumOff val="15000"/>
+                </a:schemeClr>
+              </a:solidFill>
+            </a:endParaRPr>
+          </a:p>
+          <a:p>
+            <a:pPr marL="911225" lvl="1" indent="-454025" algn="just">
+              <a:spcBef>
+                <a:spcPts val="2000"/>
+              </a:spcBef>
+              <a:buFont typeface="Wingdings" pitchFamily="2" charset="2"/>
+              <a:buChar char=""/>
+            </a:pPr>
+            <a:r>
+              <a:rPr lang="pt-PT" sz="2000" dirty="0">
+                <a:solidFill>
+                  <a:schemeClr val="tx1">
+                    <a:lumMod val="85000"/>
+                    <a:lumOff val="15000"/>
+                  </a:schemeClr>
+                </a:solidFill>
+              </a:rPr>
+              <a:t>Custo pode disparar (análise de risco</a:t>
+            </a:r>
+            <a:r>
+              <a:rPr lang="pt-PT" sz="2000" dirty="0" smtClean="0">
+                <a:solidFill>
+                  <a:schemeClr val="tx1">
+                    <a:lumMod val="85000"/>
+                    <a:lumOff val="15000"/>
+                  </a:schemeClr>
+                </a:solidFill>
+              </a:rPr>
+              <a:t>).</a:t>
+            </a:r>
+            <a:endParaRPr lang="pt-PT" sz="2000" dirty="0">
+              <a:solidFill>
+                <a:schemeClr val="tx1">
+                  <a:lumMod val="85000"/>
+                  <a:lumOff val="15000"/>
+                </a:schemeClr>
+              </a:solidFill>
+            </a:endParaRPr>
+          </a:p>
+          <a:p>
+            <a:pPr marL="911225" lvl="1" indent="-454025" algn="just">
+              <a:spcBef>
+                <a:spcPts val="2000"/>
+              </a:spcBef>
+              <a:buFont typeface="Wingdings" pitchFamily="2" charset="2"/>
+              <a:buChar char=""/>
+            </a:pPr>
+            <a:r>
+              <a:rPr lang="pt-PT" sz="2000" dirty="0">
+                <a:solidFill>
+                  <a:schemeClr val="tx1">
+                    <a:lumMod val="85000"/>
+                    <a:lumOff val="15000"/>
+                  </a:schemeClr>
+                </a:solidFill>
+              </a:rPr>
+              <a:t>Processo ainda </a:t>
+            </a:r>
+            <a:r>
+              <a:rPr lang="pt-PT" sz="2000" dirty="0" smtClean="0">
+                <a:solidFill>
+                  <a:schemeClr val="tx1">
+                    <a:lumMod val="85000"/>
+                    <a:lumOff val="15000"/>
+                  </a:schemeClr>
+                </a:solidFill>
+              </a:rPr>
+              <a:t>rígido.</a:t>
+            </a:r>
+            <a:endParaRPr lang="pt-PT" sz="2000" dirty="0">
+              <a:solidFill>
+                <a:schemeClr val="tx1">
+                  <a:lumMod val="85000"/>
+                  <a:lumOff val="15000"/>
+                </a:schemeClr>
               </a:solidFill>
             </a:endParaRPr>
           </a:p>
@@ -12121,7 +12826,7 @@
     </p:spTree>
     <p:extLst>
       <p:ext uri="{BB962C8B-B14F-4D97-AF65-F5344CB8AC3E}">
-        <p14:creationId xmlns:p14="http://schemas.microsoft.com/office/powerpoint/2010/main" val="3202203997"/>
+        <p14:creationId xmlns:p14="http://schemas.microsoft.com/office/powerpoint/2010/main" val="1033989631"/>
       </p:ext>
     </p:extLst>
   </p:cSld>
@@ -12198,7 +12903,7 @@
           <p:nvPr/>
         </p:nvPicPr>
         <p:blipFill>
-          <a:blip r:embed="rId2">
+          <a:blip r:embed="rId3">
             <a:extLst>
               <a:ext uri="{28A0092B-C50C-407E-A947-70E740481C1C}">
                 <a14:useLocalDpi xmlns:a14="http://schemas.microsoft.com/office/drawing/2010/main" val="0"/>
@@ -12347,8 +13052,8 @@
         </p:nvSpPr>
         <p:spPr>
           <a:xfrm>
-            <a:off x="421341" y="2155371"/>
-            <a:ext cx="8339667" cy="3856506"/>
+            <a:off x="421341" y="2339163"/>
+            <a:ext cx="8339667" cy="3498111"/>
           </a:xfrm>
           <a:prstGeom prst="rect">
             <a:avLst/>
@@ -12356,7 +13061,7 @@
         </p:spPr>
         <p:txBody>
           <a:bodyPr vert="horz" lIns="91440" tIns="45720" rIns="91440" bIns="45720" rtlCol="0">
-            <a:normAutofit/>
+            <a:normAutofit fontScale="77500" lnSpcReduction="20000"/>
           </a:bodyPr>
           <a:lstStyle>
             <a:lvl1pPr marL="0" indent="0" algn="l" defTabSz="914400" rtl="0" eaLnBrk="1" latinLnBrk="0" hangingPunct="1">
@@ -12573,39 +13278,73 @@
             </a:lvl9pPr>
           </a:lstStyle>
           <a:p>
-            <a:pPr>
+            <a:pPr marL="454025" indent="-454025" algn="just">
+              <a:lnSpc>
+                <a:spcPct val="110000"/>
+              </a:lnSpc>
               <a:spcBef>
-                <a:spcPts val="600"/>
+                <a:spcPts val="2000"/>
               </a:spcBef>
               <a:spcAft>
                 <a:spcPts val="600"/>
               </a:spcAft>
+              <a:buFont typeface="Wingdings" pitchFamily="2" charset="2"/>
+              <a:buChar char=""/>
             </a:pPr>
             <a:r>
-              <a:rPr lang="pt-PT" sz="5400" b="1" dirty="0">
-                <a:solidFill>
-                  <a:schemeClr val="tx1"/>
+              <a:rPr lang="pt-PT" sz="2800" dirty="0" smtClean="0">
+                <a:solidFill>
+                  <a:schemeClr val="tx1">
+                    <a:lumMod val="85000"/>
+                    <a:lumOff val="15000"/>
+                  </a:schemeClr>
                 </a:solidFill>
               </a:rPr>
-              <a:t> </a:t>
-            </a:r>
-            <a:r>
-              <a:rPr lang="pt-PT" sz="5400" b="1" dirty="0" smtClean="0">
-                <a:solidFill>
-                  <a:schemeClr val="tx1"/>
+              <a:t>Vantagens:</a:t>
+            </a:r>
+          </a:p>
+          <a:p>
+            <a:pPr marL="911225" lvl="1" indent="-454025" algn="just">
+              <a:spcBef>
+                <a:spcPts val="2000"/>
+              </a:spcBef>
+              <a:buFont typeface="Wingdings" pitchFamily="2" charset="2"/>
+              <a:buChar char=""/>
+            </a:pPr>
+            <a:r>
+              <a:rPr lang="pt-PT" sz="2600" dirty="0" smtClean="0">
+                <a:solidFill>
+                  <a:schemeClr val="tx1">
+                    <a:lumMod val="85000"/>
+                    <a:lumOff val="15000"/>
+                  </a:schemeClr>
                 </a:solidFill>
               </a:rPr>
-              <a:t>  </a:t>
-            </a:r>
-            <a:r>
-              <a:rPr lang="pt-PT" sz="4400" b="1" dirty="0" smtClean="0">
-                <a:solidFill>
-                  <a:schemeClr val="tx1"/>
+              <a:t>Maior </a:t>
+            </a:r>
+            <a:r>
+              <a:rPr lang="pt-PT" sz="2600" dirty="0">
+                <a:solidFill>
+                  <a:schemeClr val="tx1">
+                    <a:lumMod val="85000"/>
+                    <a:lumOff val="15000"/>
+                  </a:schemeClr>
                 </a:solidFill>
               </a:rPr>
-              <a:t>Conclusão</a:t>
-            </a:r>
-            <a:endParaRPr lang="pt-PT" sz="4400" dirty="0" smtClean="0">
+              <a:t>capacidade de lidar com incerteza, maior controlo de </a:t>
+            </a:r>
+            <a:r>
+              <a:rPr lang="pt-PT" sz="2600" dirty="0" smtClean="0">
+                <a:solidFill>
+                  <a:schemeClr val="tx1">
+                    <a:lumMod val="85000"/>
+                    <a:lumOff val="15000"/>
+                  </a:schemeClr>
+                </a:solidFill>
+              </a:rPr>
+              <a:t>risco.</a:t>
+            </a:r>
+            <a:endParaRPr lang="pt-PT" sz="2600" dirty="0">
               <a:solidFill>
                 <a:schemeClr val="tx1">
                   <a:lumMod val="85000"/>
@@ -12615,18 +13354,164 @@
             </a:endParaRPr>
           </a:p>
           <a:p>
-            <a:endParaRPr lang="pt-PT" dirty="0">
+            <a:pPr marL="911225" lvl="1" indent="-454025" algn="just">
+              <a:spcBef>
+                <a:spcPts val="2000"/>
+              </a:spcBef>
+              <a:buFont typeface="Wingdings" pitchFamily="2" charset="2"/>
+              <a:buChar char=""/>
+            </a:pPr>
+            <a:r>
+              <a:rPr lang="pt-PT" sz="2600" dirty="0" smtClean="0">
+                <a:solidFill>
+                  <a:schemeClr val="tx1">
+                    <a:lumMod val="85000"/>
+                    <a:lumOff val="15000"/>
+                  </a:schemeClr>
+                </a:solidFill>
+              </a:rPr>
+              <a:t>Promove </a:t>
+            </a:r>
+            <a:r>
+              <a:rPr lang="pt-PT" sz="2600" dirty="0">
+                <a:solidFill>
+                  <a:schemeClr val="tx1">
+                    <a:lumMod val="85000"/>
+                    <a:lumOff val="15000"/>
+                  </a:schemeClr>
+                </a:solidFill>
+              </a:rPr>
+              <a:t>a inclusão de </a:t>
+            </a:r>
+            <a:r>
+              <a:rPr lang="pt-PT" sz="2600" dirty="0" smtClean="0">
+                <a:solidFill>
+                  <a:schemeClr val="tx1">
+                    <a:lumMod val="85000"/>
+                    <a:lumOff val="15000"/>
+                  </a:schemeClr>
+                </a:solidFill>
+              </a:rPr>
+              <a:t>objetivos </a:t>
+            </a:r>
+            <a:r>
+              <a:rPr lang="pt-PT" sz="2600" dirty="0">
+                <a:solidFill>
+                  <a:schemeClr val="tx1">
+                    <a:lumMod val="85000"/>
+                    <a:lumOff val="15000"/>
+                  </a:schemeClr>
+                </a:solidFill>
+              </a:rPr>
+              <a:t>de qualidade no processo de </a:t>
+            </a:r>
+            <a:r>
+              <a:rPr lang="pt-PT" sz="2600" dirty="0" smtClean="0">
+                <a:solidFill>
+                  <a:schemeClr val="tx1">
+                    <a:lumMod val="85000"/>
+                    <a:lumOff val="15000"/>
+                  </a:schemeClr>
+                </a:solidFill>
+              </a:rPr>
+              <a:t>desenvolvimento.</a:t>
+            </a:r>
+            <a:endParaRPr lang="pt-PT" sz="2600" dirty="0">
               <a:solidFill>
-                <a:schemeClr val="tx1"/>
+                <a:schemeClr val="tx1">
+                  <a:lumMod val="85000"/>
+                  <a:lumOff val="15000"/>
+                </a:schemeClr>
               </a:solidFill>
             </a:endParaRPr>
+          </a:p>
+          <a:p>
+            <a:pPr marL="911225" lvl="1" indent="-454025" algn="just">
+              <a:spcBef>
+                <a:spcPts val="2000"/>
+              </a:spcBef>
+              <a:buFont typeface="Wingdings" pitchFamily="2" charset="2"/>
+              <a:buChar char=""/>
+            </a:pPr>
+            <a:r>
+              <a:rPr lang="pt-PT" sz="2600" dirty="0" smtClean="0">
+                <a:solidFill>
+                  <a:schemeClr val="tx1">
+                    <a:lumMod val="85000"/>
+                    <a:lumOff val="15000"/>
+                  </a:schemeClr>
+                </a:solidFill>
+              </a:rPr>
+              <a:t>Permite </a:t>
+            </a:r>
+            <a:r>
+              <a:rPr lang="pt-PT" sz="2600" dirty="0">
+                <a:solidFill>
+                  <a:schemeClr val="tx1">
+                    <a:lumMod val="85000"/>
+                    <a:lumOff val="15000"/>
+                  </a:schemeClr>
+                </a:solidFill>
+              </a:rPr>
+              <a:t>demonstração/exploração via protótipos do sistema desde </a:t>
+            </a:r>
+            <a:r>
+              <a:rPr lang="pt-PT" sz="2600" dirty="0" smtClean="0">
+                <a:solidFill>
+                  <a:schemeClr val="tx1">
+                    <a:lumMod val="85000"/>
+                    <a:lumOff val="15000"/>
+                  </a:schemeClr>
+                </a:solidFill>
+              </a:rPr>
+              <a:t>cedo.</a:t>
+            </a:r>
+            <a:endParaRPr lang="pt-PT" sz="2600" dirty="0">
+              <a:solidFill>
+                <a:schemeClr val="tx1">
+                  <a:lumMod val="85000"/>
+                  <a:lumOff val="15000"/>
+                </a:schemeClr>
+              </a:solidFill>
+            </a:endParaRPr>
+          </a:p>
+          <a:p>
+            <a:pPr marL="911225" lvl="1" indent="-454025" algn="just">
+              <a:spcBef>
+                <a:spcPts val="2000"/>
+              </a:spcBef>
+              <a:buFont typeface="Wingdings" pitchFamily="2" charset="2"/>
+              <a:buChar char=""/>
+            </a:pPr>
+            <a:r>
+              <a:rPr lang="pt-PT" sz="2600" dirty="0" smtClean="0">
+                <a:solidFill>
+                  <a:schemeClr val="tx1">
+                    <a:lumMod val="85000"/>
+                    <a:lumOff val="15000"/>
+                  </a:schemeClr>
+                </a:solidFill>
+              </a:rPr>
+              <a:t>Flexibilidade </a:t>
+            </a:r>
+            <a:r>
+              <a:rPr lang="pt-PT" sz="2600" dirty="0">
+                <a:solidFill>
+                  <a:schemeClr val="tx1">
+                    <a:lumMod val="85000"/>
+                    <a:lumOff val="15000"/>
+                  </a:schemeClr>
+                </a:solidFill>
+              </a:rPr>
+              <a:t>da abordagem – no limite pode tornar-se no modelo em cascata!</a:t>
+            </a:r>
           </a:p>
         </p:txBody>
       </p:sp>
     </p:spTree>
     <p:extLst>
       <p:ext uri="{BB962C8B-B14F-4D97-AF65-F5344CB8AC3E}">
-        <p14:creationId xmlns:p14="http://schemas.microsoft.com/office/powerpoint/2010/main" val="2467684659"/>
+        <p14:creationId xmlns:p14="http://schemas.microsoft.com/office/powerpoint/2010/main" val="1231705296"/>
       </p:ext>
     </p:extLst>
   </p:cSld>

--- a/Apresentação/Apresentacao.pptx
+++ b/Apresentação/Apresentacao.pptx
@@ -5,18 +5,20 @@
     <p:sldMasterId id="2147483660" r:id="rId1"/>
   </p:sldMasterIdLst>
   <p:notesMasterIdLst>
-    <p:notesMasterId r:id="rId11"/>
+    <p:notesMasterId r:id="rId13"/>
   </p:notesMasterIdLst>
   <p:sldIdLst>
     <p:sldId id="256" r:id="rId2"/>
     <p:sldId id="293" r:id="rId3"/>
-    <p:sldId id="294" r:id="rId4"/>
-    <p:sldId id="298" r:id="rId5"/>
-    <p:sldId id="299" r:id="rId6"/>
-    <p:sldId id="300" r:id="rId7"/>
-    <p:sldId id="302" r:id="rId8"/>
-    <p:sldId id="301" r:id="rId9"/>
-    <p:sldId id="290" r:id="rId10"/>
+    <p:sldId id="303" r:id="rId4"/>
+    <p:sldId id="294" r:id="rId5"/>
+    <p:sldId id="304" r:id="rId6"/>
+    <p:sldId id="298" r:id="rId7"/>
+    <p:sldId id="299" r:id="rId8"/>
+    <p:sldId id="300" r:id="rId9"/>
+    <p:sldId id="302" r:id="rId10"/>
+    <p:sldId id="301" r:id="rId11"/>
+    <p:sldId id="290" r:id="rId12"/>
   </p:sldIdLst>
   <p:sldSz cx="9144000" cy="6858000" type="screen4x3"/>
   <p:notesSz cx="6858000" cy="9144000"/>
@@ -117,7 +119,7 @@
   </p:defaultTextStyle>
   <p:extLst>
     <p:ext uri="{EFAFB233-063F-42B5-8137-9DF3F51BA10A}">
-      <p15:sldGuideLst xmlns:p15="http://schemas.microsoft.com/office/powerpoint/2012/main">
+      <p15:sldGuideLst xmlns:p15="http://schemas.microsoft.com/office/powerpoint/2012/main" xmlns="">
         <p15:guide id="1" orient="horz" pos="2160">
           <p15:clr>
             <a:srgbClr val="A4A3A4"/>
@@ -216,7 +218,7 @@
           <a:p>
             <a:fld id="{71E4F8E4-E698-D443-9DD4-6291FD74F3F2}" type="datetimeFigureOut">
               <a:rPr lang="en-US" smtClean="0"/>
-              <a:t>3/4/2015</a:t>
+              <a:t>09/03/15</a:t>
             </a:fld>
             <a:endParaRPr lang="pt-PT"/>
           </a:p>
@@ -375,7 +377,7 @@
           <a:p>
             <a:fld id="{CEBCE6B0-B0CC-9543-8BFC-92B50F9442D7}" type="slidenum">
               <a:rPr lang="pt-PT" smtClean="0"/>
-              <a:t>‹nº›</a:t>
+              <a:t>‹#›</a:t>
             </a:fld>
             <a:endParaRPr lang="pt-PT"/>
           </a:p>
@@ -587,7 +589,7 @@
       </p:grpSpPr>
       <p:sp>
         <p:nvSpPr>
-          <p:cNvPr id="2" name="Espaço Reservado para Imagem de Slide 1"/>
+          <p:cNvPr id="2" name="Slide Image Placeholder 1"/>
           <p:cNvSpPr>
             <a:spLocks noGrp="1" noRot="1" noChangeAspect="1"/>
           </p:cNvSpPr>
@@ -599,7 +601,7 @@
       </p:sp>
       <p:sp>
         <p:nvSpPr>
-          <p:cNvPr id="3" name="Espaço Reservado para Anotações 2"/>
+          <p:cNvPr id="3" name="Notes Placeholder 2"/>
           <p:cNvSpPr>
             <a:spLocks noGrp="1"/>
           </p:cNvSpPr>
@@ -612,61 +614,13 @@
           <a:bodyPr/>
           <a:lstStyle/>
           <a:p>
-            <a:r>
-              <a:rPr lang="pt-PT" dirty="0" smtClean="0"/>
-              <a:t>Esta</a:t>
-            </a:r>
-            <a:r>
-              <a:rPr lang="pt-PT" baseline="0" dirty="0" smtClean="0"/>
-              <a:t> é a espiral do processo, divide-se em 4 fases:</a:t>
-            </a:r>
-          </a:p>
-          <a:p>
-            <a:pPr marL="628650" lvl="1" indent="-171450">
-              <a:buFont typeface="Arial" panose="020B0604020202020204" pitchFamily="34" charset="0"/>
-              <a:buChar char="•"/>
-            </a:pPr>
-            <a:r>
-              <a:rPr lang="pt-PT" baseline="0" dirty="0" smtClean="0"/>
-              <a:t>Definição de objetivos;</a:t>
-            </a:r>
-          </a:p>
-          <a:p>
-            <a:pPr marL="628650" lvl="1" indent="-171450">
-              <a:buFont typeface="Arial" panose="020B0604020202020204" pitchFamily="34" charset="0"/>
-              <a:buChar char="•"/>
-            </a:pPr>
-            <a:r>
-              <a:rPr lang="pt-PT" baseline="0" dirty="0" smtClean="0"/>
-              <a:t>Identificar e avaliar riscos;</a:t>
-            </a:r>
-          </a:p>
-          <a:p>
-            <a:pPr marL="628650" lvl="1" indent="-171450">
-              <a:buFont typeface="Arial" panose="020B0604020202020204" pitchFamily="34" charset="0"/>
-              <a:buChar char="•"/>
-            </a:pPr>
-            <a:r>
-              <a:rPr lang="pt-PT" baseline="0" dirty="0" smtClean="0"/>
-              <a:t>Desenvolvimento e validação;</a:t>
-            </a:r>
-          </a:p>
-          <a:p>
-            <a:pPr marL="628650" lvl="1" indent="-171450">
-              <a:buFont typeface="Arial" panose="020B0604020202020204" pitchFamily="34" charset="0"/>
-              <a:buChar char="•"/>
-            </a:pPr>
-            <a:r>
-              <a:rPr lang="pt-PT" baseline="0" dirty="0" smtClean="0"/>
-              <a:t>Planeamento da próxima iteração  (se houver).	</a:t>
-            </a:r>
             <a:endParaRPr lang="pt-PT" dirty="0"/>
           </a:p>
         </p:txBody>
       </p:sp>
       <p:sp>
         <p:nvSpPr>
-          <p:cNvPr id="4" name="Espaço Reservado para Número de Slide 3"/>
+          <p:cNvPr id="4" name="Slide Number Placeholder 3"/>
           <p:cNvSpPr>
             <a:spLocks noGrp="1"/>
           </p:cNvSpPr>
@@ -681,7 +635,7 @@
           <a:p>
             <a:fld id="{CEBCE6B0-B0CC-9543-8BFC-92B50F9442D7}" type="slidenum">
               <a:rPr lang="pt-PT" smtClean="0"/>
-              <a:t>4</a:t>
+              <a:t>3</a:t>
             </a:fld>
             <a:endParaRPr lang="pt-PT"/>
           </a:p>
@@ -690,7 +644,7 @@
     </p:spTree>
     <p:extLst>
       <p:ext uri="{BB962C8B-B14F-4D97-AF65-F5344CB8AC3E}">
-        <p14:creationId xmlns:p14="http://schemas.microsoft.com/office/powerpoint/2010/main" val="3440839938"/>
+        <p14:creationId xmlns:p14="http://schemas.microsoft.com/office/powerpoint/2010/main" val="809102164"/>
       </p:ext>
     </p:extLst>
   </p:cSld>
@@ -719,7 +673,7 @@
       </p:grpSpPr>
       <p:sp>
         <p:nvSpPr>
-          <p:cNvPr id="2" name="Marcador de Posição da Imagem do Diapositivo 1"/>
+          <p:cNvPr id="2" name="Espaço Reservado para Imagem de Slide 1"/>
           <p:cNvSpPr>
             <a:spLocks noGrp="1" noRot="1" noChangeAspect="1"/>
           </p:cNvSpPr>
@@ -731,7 +685,7 @@
       </p:sp>
       <p:sp>
         <p:nvSpPr>
-          <p:cNvPr id="3" name="Marcador de Posição de Notas 2"/>
+          <p:cNvPr id="3" name="Espaço Reservado para Anotações 2"/>
           <p:cNvSpPr>
             <a:spLocks noGrp="1"/>
           </p:cNvSpPr>
@@ -744,134 +698,61 @@
           <a:bodyPr/>
           <a:lstStyle/>
           <a:p>
-            <a:pPr marL="0" marR="0" indent="0" algn="l" defTabSz="457200" rtl="0" eaLnBrk="1" fontAlgn="auto" latinLnBrk="0" hangingPunct="1">
-              <a:lnSpc>
-                <a:spcPct val="100000"/>
-              </a:lnSpc>
-              <a:spcBef>
-                <a:spcPts val="0"/>
-              </a:spcBef>
-              <a:spcAft>
-                <a:spcPts val="0"/>
-              </a:spcAft>
-              <a:buClrTx/>
-              <a:buSzTx/>
-              <a:buFontTx/>
-              <a:buNone/>
-              <a:tabLst/>
-              <a:defRPr/>
+            <a:r>
+              <a:rPr lang="pt-PT" dirty="0" smtClean="0"/>
+              <a:t>Esta</a:t>
+            </a:r>
+            <a:r>
+              <a:rPr lang="pt-PT" baseline="0" dirty="0" smtClean="0"/>
+              <a:t> é a espiral do processo, divide-se em 4 fases:</a:t>
+            </a:r>
+          </a:p>
+          <a:p>
+            <a:pPr marL="628650" lvl="1" indent="-171450">
+              <a:buFont typeface="Arial" panose="020B0604020202020204" pitchFamily="34" charset="0"/>
+              <a:buChar char="•"/>
             </a:pPr>
             <a:r>
-              <a:rPr lang="pt-PT" sz="1200" dirty="0" smtClean="0">
-                <a:solidFill>
-                  <a:schemeClr val="tx1">
-                    <a:lumMod val="85000"/>
-                    <a:lumOff val="15000"/>
-                  </a:schemeClr>
-                </a:solidFill>
-              </a:rPr>
-              <a:t>Foca-se na necessidade de iterar para controlar riscos:</a:t>
-            </a:r>
-            <a:endParaRPr lang="pt-PT" sz="1400" dirty="0" smtClean="0">
-              <a:solidFill>
-                <a:schemeClr val="tx1">
-                  <a:lumMod val="85000"/>
-                  <a:lumOff val="15000"/>
-                </a:schemeClr>
-              </a:solidFill>
-            </a:endParaRPr>
-          </a:p>
-          <a:p>
-            <a:endParaRPr lang="pt-PT" dirty="0" smtClean="0"/>
-          </a:p>
-          <a:p>
-            <a:endParaRPr lang="pt-PT" dirty="0" smtClean="0"/>
-          </a:p>
-          <a:p>
-            <a:endParaRPr lang="pt-PT" dirty="0" smtClean="0"/>
-          </a:p>
-          <a:p>
-            <a:r>
-              <a:rPr lang="pt-PT" dirty="0" err="1" smtClean="0"/>
-              <a:t>Concepção</a:t>
-            </a:r>
-            <a:r>
-              <a:rPr lang="pt-PT" dirty="0" smtClean="0"/>
-              <a:t> de um primeiro “desenho” do sistema.</a:t>
-            </a:r>
-          </a:p>
-          <a:p>
-            <a:r>
-              <a:rPr lang="pt-PT" dirty="0" smtClean="0"/>
-              <a:t>Um primeiro protótipo é </a:t>
-            </a:r>
-            <a:r>
-              <a:rPr lang="pt-PT" dirty="0" err="1" smtClean="0"/>
-              <a:t>construido</a:t>
-            </a:r>
-            <a:r>
-              <a:rPr lang="pt-PT" dirty="0" smtClean="0"/>
-              <a:t> a partir do passo anterior</a:t>
-            </a:r>
-          </a:p>
-          <a:p>
-            <a:r>
-              <a:rPr lang="pt-PT" dirty="0" smtClean="0"/>
-              <a:t>Desenvolvimento de um segundo protótipo a partir do primeiro (este passo é iterado até o cliente estar</a:t>
-            </a:r>
-          </a:p>
-          <a:p>
-            <a:r>
-              <a:rPr lang="pt-PT" dirty="0" smtClean="0"/>
-              <a:t>satisfeito):</a:t>
-            </a:r>
-          </a:p>
-          <a:p>
-            <a:r>
-              <a:rPr lang="pt-PT" dirty="0" smtClean="0"/>
-              <a:t>Avaliação do protótipo anterior (pontos fortes e fracos, riscos)</a:t>
-            </a:r>
-          </a:p>
-          <a:p>
-            <a:r>
-              <a:rPr lang="pt-PT" dirty="0" smtClean="0"/>
-              <a:t>Definição de requisitos para o novo protótipo</a:t>
-            </a:r>
-          </a:p>
-          <a:p>
-            <a:r>
-              <a:rPr lang="pt-PT" dirty="0" smtClean="0"/>
-              <a:t>Planeamento e conceção do novo </a:t>
-            </a:r>
-            <a:r>
-              <a:rPr lang="pt-PT" dirty="0" err="1" smtClean="0"/>
-              <a:t>prtótipo</a:t>
-            </a:r>
-            <a:endParaRPr lang="pt-PT" dirty="0" smtClean="0"/>
-          </a:p>
-          <a:p>
-            <a:r>
-              <a:rPr lang="pt-PT" dirty="0" smtClean="0"/>
-              <a:t>Construção e teste do novo protótipo</a:t>
-            </a:r>
-          </a:p>
-          <a:p>
-            <a:endParaRPr lang="pt-PT" dirty="0" smtClean="0"/>
-          </a:p>
-          <a:p>
-            <a:r>
-              <a:rPr lang="pt-PT" dirty="0" smtClean="0"/>
-              <a:t>O produto final é construído a partir do protótipo final e, depois de avaliado e testado, entra em produção.</a:t>
-            </a:r>
-          </a:p>
-          <a:p>
+              <a:rPr lang="pt-PT" baseline="0" dirty="0" smtClean="0"/>
+              <a:t>Definição de objetivos;</a:t>
+            </a:r>
+          </a:p>
+          <a:p>
+            <a:pPr marL="628650" lvl="1" indent="-171450">
+              <a:buFont typeface="Arial" panose="020B0604020202020204" pitchFamily="34" charset="0"/>
+              <a:buChar char="•"/>
+            </a:pPr>
+            <a:r>
+              <a:rPr lang="pt-PT" baseline="0" dirty="0" smtClean="0"/>
+              <a:t>Identificar e avaliar riscos;</a:t>
+            </a:r>
+          </a:p>
+          <a:p>
+            <a:pPr marL="628650" lvl="1" indent="-171450">
+              <a:buFont typeface="Arial" panose="020B0604020202020204" pitchFamily="34" charset="0"/>
+              <a:buChar char="•"/>
+            </a:pPr>
+            <a:r>
+              <a:rPr lang="pt-PT" baseline="0" dirty="0" smtClean="0"/>
+              <a:t>Desenvolvimento e validação;</a:t>
+            </a:r>
+          </a:p>
+          <a:p>
+            <a:pPr marL="628650" lvl="1" indent="-171450">
+              <a:buFont typeface="Arial" panose="020B0604020202020204" pitchFamily="34" charset="0"/>
+              <a:buChar char="•"/>
+            </a:pPr>
+            <a:r>
+              <a:rPr lang="pt-PT" baseline="0" dirty="0" smtClean="0"/>
+              <a:t>Planeamento da próxima iteração  (se houver).	</a:t>
+            </a:r>
             <a:endParaRPr lang="pt-PT" dirty="0"/>
           </a:p>
         </p:txBody>
       </p:sp>
       <p:sp>
         <p:nvSpPr>
-          <p:cNvPr id="4" name="Marcador de Posição do Número do Diapositivo 3"/>
+          <p:cNvPr id="4" name="Espaço Reservado para Número de Slide 3"/>
           <p:cNvSpPr>
             <a:spLocks noGrp="1"/>
           </p:cNvSpPr>
@@ -886,7 +767,7 @@
           <a:p>
             <a:fld id="{CEBCE6B0-B0CC-9543-8BFC-92B50F9442D7}" type="slidenum">
               <a:rPr lang="pt-PT" smtClean="0"/>
-              <a:t>5</a:t>
+              <a:t>6</a:t>
             </a:fld>
             <a:endParaRPr lang="pt-PT"/>
           </a:p>
@@ -895,7 +776,7 @@
     </p:spTree>
     <p:extLst>
       <p:ext uri="{BB962C8B-B14F-4D97-AF65-F5344CB8AC3E}">
-        <p14:creationId xmlns:p14="http://schemas.microsoft.com/office/powerpoint/2010/main" val="2704699492"/>
+        <p14:creationId xmlns:p14="http://schemas.microsoft.com/office/powerpoint/2010/main" val="3440839938"/>
       </p:ext>
     </p:extLst>
   </p:cSld>
@@ -949,6 +830,127 @@
           <a:bodyPr/>
           <a:lstStyle/>
           <a:p>
+            <a:pPr marL="0" marR="0" indent="0" algn="l" defTabSz="457200" rtl="0" eaLnBrk="1" fontAlgn="auto" latinLnBrk="0" hangingPunct="1">
+              <a:lnSpc>
+                <a:spcPct val="100000"/>
+              </a:lnSpc>
+              <a:spcBef>
+                <a:spcPts val="0"/>
+              </a:spcBef>
+              <a:spcAft>
+                <a:spcPts val="0"/>
+              </a:spcAft>
+              <a:buClrTx/>
+              <a:buSzTx/>
+              <a:buFontTx/>
+              <a:buNone/>
+              <a:tabLst/>
+              <a:defRPr/>
+            </a:pPr>
+            <a:r>
+              <a:rPr lang="pt-PT" sz="1200" dirty="0" smtClean="0">
+                <a:solidFill>
+                  <a:schemeClr val="tx1">
+                    <a:lumMod val="85000"/>
+                    <a:lumOff val="15000"/>
+                  </a:schemeClr>
+                </a:solidFill>
+              </a:rPr>
+              <a:t>Foca-se na necessidade de iterar para controlar riscos:</a:t>
+            </a:r>
+            <a:endParaRPr lang="pt-PT" sz="1400" dirty="0" smtClean="0">
+              <a:solidFill>
+                <a:schemeClr val="tx1">
+                  <a:lumMod val="85000"/>
+                  <a:lumOff val="15000"/>
+                </a:schemeClr>
+              </a:solidFill>
+            </a:endParaRPr>
+          </a:p>
+          <a:p>
+            <a:endParaRPr lang="pt-PT" dirty="0" smtClean="0"/>
+          </a:p>
+          <a:p>
+            <a:endParaRPr lang="pt-PT" dirty="0" smtClean="0"/>
+          </a:p>
+          <a:p>
+            <a:endParaRPr lang="pt-PT" dirty="0" smtClean="0"/>
+          </a:p>
+          <a:p>
+            <a:r>
+              <a:rPr lang="pt-PT" dirty="0" err="1" smtClean="0"/>
+              <a:t>Concepção</a:t>
+            </a:r>
+            <a:r>
+              <a:rPr lang="pt-PT" dirty="0" smtClean="0"/>
+              <a:t> de um primeiro “desenho” do sistema.</a:t>
+            </a:r>
+          </a:p>
+          <a:p>
+            <a:r>
+              <a:rPr lang="pt-PT" dirty="0" smtClean="0"/>
+              <a:t>Um primeiro protótipo é </a:t>
+            </a:r>
+            <a:r>
+              <a:rPr lang="pt-PT" dirty="0" err="1" smtClean="0"/>
+              <a:t>construido</a:t>
+            </a:r>
+            <a:r>
+              <a:rPr lang="pt-PT" dirty="0" smtClean="0"/>
+              <a:t> a partir do passo anterior</a:t>
+            </a:r>
+          </a:p>
+          <a:p>
+            <a:r>
+              <a:rPr lang="pt-PT" dirty="0" smtClean="0"/>
+              <a:t>Desenvolvimento de um segundo protótipo a partir do primeiro (este passo é iterado até o cliente estar</a:t>
+            </a:r>
+          </a:p>
+          <a:p>
+            <a:r>
+              <a:rPr lang="pt-PT" dirty="0" smtClean="0"/>
+              <a:t>satisfeito):</a:t>
+            </a:r>
+          </a:p>
+          <a:p>
+            <a:r>
+              <a:rPr lang="pt-PT" dirty="0" smtClean="0"/>
+              <a:t>Avaliação do protótipo anterior (pontos fortes e fracos, riscos)</a:t>
+            </a:r>
+          </a:p>
+          <a:p>
+            <a:r>
+              <a:rPr lang="pt-PT" dirty="0" smtClean="0"/>
+              <a:t>Definição de requisitos para o novo protótipo</a:t>
+            </a:r>
+          </a:p>
+          <a:p>
+            <a:r>
+              <a:rPr lang="pt-PT" dirty="0" smtClean="0"/>
+              <a:t>Planeamento e conceção do novo </a:t>
+            </a:r>
+            <a:r>
+              <a:rPr lang="pt-PT" dirty="0" err="1" smtClean="0"/>
+              <a:t>prtótipo</a:t>
+            </a:r>
+            <a:endParaRPr lang="pt-PT" dirty="0" smtClean="0"/>
+          </a:p>
+          <a:p>
+            <a:r>
+              <a:rPr lang="pt-PT" dirty="0" smtClean="0"/>
+              <a:t>Construção e teste do novo protótipo</a:t>
+            </a:r>
+          </a:p>
+          <a:p>
+            <a:endParaRPr lang="pt-PT" dirty="0" smtClean="0"/>
+          </a:p>
+          <a:p>
+            <a:r>
+              <a:rPr lang="pt-PT" dirty="0" smtClean="0"/>
+              <a:t>O produto final é construído a partir do protótipo final e, depois de avaliado e testado, entra em produção.</a:t>
+            </a:r>
+          </a:p>
+          <a:p>
             <a:endParaRPr lang="pt-PT" dirty="0"/>
           </a:p>
         </p:txBody>
@@ -970,7 +972,7 @@
           <a:p>
             <a:fld id="{CEBCE6B0-B0CC-9543-8BFC-92B50F9442D7}" type="slidenum">
               <a:rPr lang="pt-PT" smtClean="0"/>
-              <a:t>6</a:t>
+              <a:t>7</a:t>
             </a:fld>
             <a:endParaRPr lang="pt-PT"/>
           </a:p>
@@ -979,7 +981,7 @@
     </p:spTree>
     <p:extLst>
       <p:ext uri="{BB962C8B-B14F-4D97-AF65-F5344CB8AC3E}">
-        <p14:creationId xmlns:p14="http://schemas.microsoft.com/office/powerpoint/2010/main" val="609874351"/>
+        <p14:creationId xmlns:p14="http://schemas.microsoft.com/office/powerpoint/2010/main" val="2704699492"/>
       </p:ext>
     </p:extLst>
   </p:cSld>
@@ -1054,7 +1056,7 @@
           <a:p>
             <a:fld id="{CEBCE6B0-B0CC-9543-8BFC-92B50F9442D7}" type="slidenum">
               <a:rPr lang="pt-PT" smtClean="0"/>
-              <a:t>7</a:t>
+              <a:t>8</a:t>
             </a:fld>
             <a:endParaRPr lang="pt-PT"/>
           </a:p>
@@ -1063,7 +1065,7 @@
     </p:spTree>
     <p:extLst>
       <p:ext uri="{BB962C8B-B14F-4D97-AF65-F5344CB8AC3E}">
-        <p14:creationId xmlns:p14="http://schemas.microsoft.com/office/powerpoint/2010/main" val="1673982365"/>
+        <p14:creationId xmlns:p14="http://schemas.microsoft.com/office/powerpoint/2010/main" val="609874351"/>
       </p:ext>
     </p:extLst>
   </p:cSld>
@@ -1138,7 +1140,91 @@
           <a:p>
             <a:fld id="{CEBCE6B0-B0CC-9543-8BFC-92B50F9442D7}" type="slidenum">
               <a:rPr lang="pt-PT" smtClean="0"/>
-              <a:t>8</a:t>
+              <a:t>9</a:t>
+            </a:fld>
+            <a:endParaRPr lang="pt-PT"/>
+          </a:p>
+        </p:txBody>
+      </p:sp>
+    </p:spTree>
+    <p:extLst>
+      <p:ext uri="{BB962C8B-B14F-4D97-AF65-F5344CB8AC3E}">
+        <p14:creationId xmlns:p14="http://schemas.microsoft.com/office/powerpoint/2010/main" val="1673982365"/>
+      </p:ext>
+    </p:extLst>
+  </p:cSld>
+  <p:clrMapOvr>
+    <a:masterClrMapping/>
+  </p:clrMapOvr>
+</p:notes>
+</file>
+
+<file path=ppt/notesSlides/notesSlide7.xml><?xml version="1.0" encoding="utf-8"?>
+<p:notes xmlns:a="http://schemas.openxmlformats.org/drawingml/2006/main" xmlns:r="http://schemas.openxmlformats.org/officeDocument/2006/relationships" xmlns:p="http://schemas.openxmlformats.org/presentationml/2006/main">
+  <p:cSld>
+    <p:spTree>
+      <p:nvGrpSpPr>
+        <p:cNvPr id="1" name=""/>
+        <p:cNvGrpSpPr/>
+        <p:nvPr/>
+      </p:nvGrpSpPr>
+      <p:grpSpPr>
+        <a:xfrm>
+          <a:off x="0" y="0"/>
+          <a:ext cx="0" cy="0"/>
+          <a:chOff x="0" y="0"/>
+          <a:chExt cx="0" cy="0"/>
+        </a:xfrm>
+      </p:grpSpPr>
+      <p:sp>
+        <p:nvSpPr>
+          <p:cNvPr id="2" name="Marcador de Posição da Imagem do Diapositivo 1"/>
+          <p:cNvSpPr>
+            <a:spLocks noGrp="1" noRot="1" noChangeAspect="1"/>
+          </p:cNvSpPr>
+          <p:nvPr>
+            <p:ph type="sldImg"/>
+          </p:nvPr>
+        </p:nvSpPr>
+        <p:spPr/>
+      </p:sp>
+      <p:sp>
+        <p:nvSpPr>
+          <p:cNvPr id="3" name="Marcador de Posição de Notas 2"/>
+          <p:cNvSpPr>
+            <a:spLocks noGrp="1"/>
+          </p:cNvSpPr>
+          <p:nvPr>
+            <p:ph type="body" idx="1"/>
+          </p:nvPr>
+        </p:nvSpPr>
+        <p:spPr/>
+        <p:txBody>
+          <a:bodyPr/>
+          <a:lstStyle/>
+          <a:p>
+            <a:endParaRPr lang="pt-PT" dirty="0"/>
+          </a:p>
+        </p:txBody>
+      </p:sp>
+      <p:sp>
+        <p:nvSpPr>
+          <p:cNvPr id="4" name="Marcador de Posição do Número do Diapositivo 3"/>
+          <p:cNvSpPr>
+            <a:spLocks noGrp="1"/>
+          </p:cNvSpPr>
+          <p:nvPr>
+            <p:ph type="sldNum" sz="quarter" idx="10"/>
+          </p:nvPr>
+        </p:nvSpPr>
+        <p:spPr/>
+        <p:txBody>
+          <a:bodyPr/>
+          <a:lstStyle/>
+          <a:p>
+            <a:fld id="{CEBCE6B0-B0CC-9543-8BFC-92B50F9442D7}" type="slidenum">
+              <a:rPr lang="pt-PT" smtClean="0"/>
+              <a:t>10</a:t>
             </a:fld>
             <a:endParaRPr lang="pt-PT"/>
           </a:p>
@@ -1191,7 +1277,7 @@
           <a:p>
             <a:fld id="{4251665B-C24A-4702-B522-6A4334602E03}" type="datetimeFigureOut">
               <a:rPr lang="en-US" smtClean="0"/>
-              <a:t>3/4/2015</a:t>
+              <a:t>09/03/15</a:t>
             </a:fld>
             <a:endParaRPr lang="en-US"/>
           </a:p>
@@ -1233,7 +1319,7 @@
           <a:p>
             <a:fld id="{5FD889E0-CAB2-4699-909D-B9A88D47ACBE}" type="slidenum">
               <a:rPr lang="en-US" smtClean="0"/>
-              <a:t>‹nº›</a:t>
+              <a:t>‹#›</a:t>
             </a:fld>
             <a:endParaRPr lang="en-US"/>
           </a:p>
@@ -1898,7 +1984,7 @@
           <a:p>
             <a:fld id="{4251665B-C24A-4702-B522-6A4334602E03}" type="datetimeFigureOut">
               <a:rPr lang="en-US" smtClean="0"/>
-              <a:t>3/4/2015</a:t>
+              <a:t>09/03/15</a:t>
             </a:fld>
             <a:endParaRPr lang="en-US"/>
           </a:p>
@@ -1940,7 +2026,7 @@
           <a:p>
             <a:fld id="{5FD889E0-CAB2-4699-909D-B9A88D47ACBE}" type="slidenum">
               <a:rPr lang="en-US" smtClean="0"/>
-              <a:t>‹nº›</a:t>
+              <a:t>‹#›</a:t>
             </a:fld>
             <a:endParaRPr lang="en-US"/>
           </a:p>
@@ -2522,7 +2608,7 @@
           <a:p>
             <a:fld id="{4251665B-C24A-4702-B522-6A4334602E03}" type="datetimeFigureOut">
               <a:rPr lang="en-US" smtClean="0"/>
-              <a:t>3/4/2015</a:t>
+              <a:t>09/03/15</a:t>
             </a:fld>
             <a:endParaRPr lang="en-US"/>
           </a:p>
@@ -2564,7 +2650,7 @@
           <a:p>
             <a:fld id="{5FD889E0-CAB2-4699-909D-B9A88D47ACBE}" type="slidenum">
               <a:rPr lang="en-US" smtClean="0"/>
-              <a:t>‹nº›</a:t>
+              <a:t>‹#›</a:t>
             </a:fld>
             <a:endParaRPr lang="en-US"/>
           </a:p>
@@ -2945,7 +3031,7 @@
           <a:p>
             <a:fld id="{4251665B-C24A-4702-B522-6A4334602E03}" type="datetimeFigureOut">
               <a:rPr lang="en-US" smtClean="0"/>
-              <a:t>3/4/2015</a:t>
+              <a:t>09/03/15</a:t>
             </a:fld>
             <a:endParaRPr lang="en-US"/>
           </a:p>
@@ -2987,7 +3073,7 @@
           <a:p>
             <a:fld id="{5FD889E0-CAB2-4699-909D-B9A88D47ACBE}" type="slidenum">
               <a:rPr lang="en-US" smtClean="0"/>
-              <a:t>‹nº›</a:t>
+              <a:t>‹#›</a:t>
             </a:fld>
             <a:endParaRPr lang="en-US"/>
           </a:p>
@@ -3122,7 +3208,7 @@
           <a:p>
             <a:fld id="{4251665B-C24A-4702-B522-6A4334602E03}" type="datetimeFigureOut">
               <a:rPr lang="en-US" smtClean="0"/>
-              <a:t>3/4/2015</a:t>
+              <a:t>09/03/15</a:t>
             </a:fld>
             <a:endParaRPr lang="en-US"/>
           </a:p>
@@ -3164,7 +3250,7 @@
           <a:p>
             <a:fld id="{5FD889E0-CAB2-4699-909D-B9A88D47ACBE}" type="slidenum">
               <a:rPr lang="en-US" smtClean="0"/>
-              <a:t>‹nº›</a:t>
+              <a:t>‹#›</a:t>
             </a:fld>
             <a:endParaRPr lang="en-US"/>
           </a:p>
@@ -3939,7 +4025,7 @@
           <a:p>
             <a:fld id="{4251665B-C24A-4702-B522-6A4334602E03}" type="datetimeFigureOut">
               <a:rPr lang="en-US" smtClean="0"/>
-              <a:t>3/4/2015</a:t>
+              <a:t>09/03/15</a:t>
             </a:fld>
             <a:endParaRPr lang="en-US"/>
           </a:p>
@@ -3981,7 +4067,7 @@
           <a:p>
             <a:fld id="{5FD889E0-CAB2-4699-909D-B9A88D47ACBE}" type="slidenum">
               <a:rPr lang="en-US" smtClean="0"/>
-              <a:t>‹nº›</a:t>
+              <a:t>‹#›</a:t>
             </a:fld>
             <a:endParaRPr lang="en-US"/>
           </a:p>
@@ -4450,7 +4536,7 @@
           <a:p>
             <a:fld id="{4251665B-C24A-4702-B522-6A4334602E03}" type="datetimeFigureOut">
               <a:rPr lang="en-US" smtClean="0"/>
-              <a:t>3/4/2015</a:t>
+              <a:t>09/03/15</a:t>
             </a:fld>
             <a:endParaRPr lang="en-US"/>
           </a:p>
@@ -4492,7 +4578,7 @@
           <a:p>
             <a:fld id="{5FD889E0-CAB2-4699-909D-B9A88D47ACBE}" type="slidenum">
               <a:rPr lang="en-US" smtClean="0"/>
-              <a:t>‹nº›</a:t>
+              <a:t>‹#›</a:t>
             </a:fld>
             <a:endParaRPr lang="en-US"/>
           </a:p>
@@ -4683,7 +4769,7 @@
           <a:p>
             <a:fld id="{4251665B-C24A-4702-B522-6A4334602E03}" type="datetimeFigureOut">
               <a:rPr lang="en-US" smtClean="0"/>
-              <a:t>3/4/2015</a:t>
+              <a:t>09/03/15</a:t>
             </a:fld>
             <a:endParaRPr lang="en-US"/>
           </a:p>
@@ -4725,7 +4811,7 @@
           <a:p>
             <a:fld id="{5FD889E0-CAB2-4699-909D-B9A88D47ACBE}" type="slidenum">
               <a:rPr lang="en-US" smtClean="0"/>
-              <a:t>‹nº›</a:t>
+              <a:t>‹#›</a:t>
             </a:fld>
             <a:endParaRPr lang="en-US"/>
           </a:p>
@@ -5208,7 +5294,7 @@
           <a:p>
             <a:fld id="{4251665B-C24A-4702-B522-6A4334602E03}" type="datetimeFigureOut">
               <a:rPr lang="en-US" smtClean="0"/>
-              <a:t>3/4/2015</a:t>
+              <a:t>09/03/15</a:t>
             </a:fld>
             <a:endParaRPr lang="en-US"/>
           </a:p>
@@ -5250,7 +5336,7 @@
           <a:p>
             <a:fld id="{5FD889E0-CAB2-4699-909D-B9A88D47ACBE}" type="slidenum">
               <a:rPr lang="en-US" smtClean="0"/>
-              <a:t>‹nº›</a:t>
+              <a:t>‹#›</a:t>
             </a:fld>
             <a:endParaRPr lang="en-US"/>
           </a:p>
@@ -5343,7 +5429,7 @@
           <a:p>
             <a:fld id="{4251665B-C24A-4702-B522-6A4334602E03}" type="datetimeFigureOut">
               <a:rPr lang="en-US" smtClean="0"/>
-              <a:t>3/4/2015</a:t>
+              <a:t>09/03/15</a:t>
             </a:fld>
             <a:endParaRPr lang="en-US"/>
           </a:p>
@@ -5385,7 +5471,7 @@
           <a:p>
             <a:fld id="{5FD889E0-CAB2-4699-909D-B9A88D47ACBE}" type="slidenum">
               <a:rPr lang="en-US" smtClean="0"/>
-              <a:t>‹nº›</a:t>
+              <a:t>‹#›</a:t>
             </a:fld>
             <a:endParaRPr lang="en-US"/>
           </a:p>
@@ -6241,7 +6327,7 @@
           <a:p>
             <a:fld id="{4251665B-C24A-4702-B522-6A4334602E03}" type="datetimeFigureOut">
               <a:rPr lang="en-US" smtClean="0"/>
-              <a:t>3/4/2015</a:t>
+              <a:t>09/03/15</a:t>
             </a:fld>
             <a:endParaRPr lang="en-US"/>
           </a:p>
@@ -6283,7 +6369,7 @@
           <a:p>
             <a:fld id="{5FD889E0-CAB2-4699-909D-B9A88D47ACBE}" type="slidenum">
               <a:rPr lang="en-US" smtClean="0"/>
-              <a:t>‹nº›</a:t>
+              <a:t>‹#›</a:t>
             </a:fld>
             <a:endParaRPr lang="en-US"/>
           </a:p>
@@ -6364,7 +6450,7 @@
           <a:p>
             <a:fld id="{4251665B-C24A-4702-B522-6A4334602E03}" type="datetimeFigureOut">
               <a:rPr lang="en-US" smtClean="0"/>
-              <a:t>3/4/2015</a:t>
+              <a:t>09/03/15</a:t>
             </a:fld>
             <a:endParaRPr lang="en-US"/>
           </a:p>
@@ -6406,7 +6492,7 @@
           <a:p>
             <a:fld id="{5FD889E0-CAB2-4699-909D-B9A88D47ACBE}" type="slidenum">
               <a:rPr lang="en-US" smtClean="0"/>
-              <a:t>‹nº›</a:t>
+              <a:t>‹#›</a:t>
             </a:fld>
             <a:endParaRPr lang="en-US"/>
           </a:p>
@@ -7248,7 +7334,7 @@
           <a:p>
             <a:fld id="{4251665B-C24A-4702-B522-6A4334602E03}" type="datetimeFigureOut">
               <a:rPr lang="en-US" smtClean="0"/>
-              <a:t>3/4/2015</a:t>
+              <a:t>09/03/15</a:t>
             </a:fld>
             <a:endParaRPr lang="en-US"/>
           </a:p>
@@ -7290,7 +7376,7 @@
           <a:p>
             <a:fld id="{5FD889E0-CAB2-4699-909D-B9A88D47ACBE}" type="slidenum">
               <a:rPr lang="en-US" smtClean="0"/>
-              <a:t>‹nº›</a:t>
+              <a:t>‹#›</a:t>
             </a:fld>
             <a:endParaRPr lang="en-US"/>
           </a:p>
@@ -7896,7 +7982,7 @@
           <a:p>
             <a:fld id="{4251665B-C24A-4702-B522-6A4334602E03}" type="datetimeFigureOut">
               <a:rPr lang="en-US" smtClean="0"/>
-              <a:t>3/4/2015</a:t>
+              <a:t>09/03/15</a:t>
             </a:fld>
             <a:endParaRPr lang="en-US"/>
           </a:p>
@@ -7938,7 +8024,7 @@
           <a:p>
             <a:fld id="{5FD889E0-CAB2-4699-909D-B9A88D47ACBE}" type="slidenum">
               <a:rPr lang="en-US" smtClean="0"/>
-              <a:t>‹nº›</a:t>
+              <a:t>‹#›</a:t>
             </a:fld>
             <a:endParaRPr lang="en-US"/>
           </a:p>
@@ -8212,7 +8298,7 @@
           <a:p>
             <a:fld id="{4251665B-C24A-4702-B522-6A4334602E03}" type="datetimeFigureOut">
               <a:rPr lang="en-US" smtClean="0"/>
-              <a:t>3/4/2015</a:t>
+              <a:t>09/03/15</a:t>
             </a:fld>
             <a:endParaRPr lang="en-US"/>
           </a:p>
@@ -8254,7 +8340,7 @@
           <a:p>
             <a:fld id="{5FD889E0-CAB2-4699-909D-B9A88D47ACBE}" type="slidenum">
               <a:rPr lang="en-US" smtClean="0"/>
-              <a:t>‹nº›</a:t>
+              <a:t>‹#›</a:t>
             </a:fld>
             <a:endParaRPr lang="en-US"/>
           </a:p>
@@ -8302,7 +8388,7 @@
           <a:p>
             <a:fld id="{4251665B-C24A-4702-B522-6A4334602E03}" type="datetimeFigureOut">
               <a:rPr lang="en-US" smtClean="0"/>
-              <a:t>3/4/2015</a:t>
+              <a:t>09/03/15</a:t>
             </a:fld>
             <a:endParaRPr lang="en-US"/>
           </a:p>
@@ -8344,7 +8430,7 @@
           <a:p>
             <a:fld id="{5FD889E0-CAB2-4699-909D-B9A88D47ACBE}" type="slidenum">
               <a:rPr lang="en-US" smtClean="0"/>
-              <a:t>‹nº›</a:t>
+              <a:t>‹#›</a:t>
             </a:fld>
             <a:endParaRPr lang="en-US"/>
           </a:p>
@@ -8630,7 +8716,7 @@
           <a:p>
             <a:fld id="{4251665B-C24A-4702-B522-6A4334602E03}" type="datetimeFigureOut">
               <a:rPr lang="en-US" smtClean="0"/>
-              <a:t>3/4/2015</a:t>
+              <a:t>09/03/15</a:t>
             </a:fld>
             <a:endParaRPr lang="en-US"/>
           </a:p>
@@ -8709,7 +8795,7 @@
           <a:p>
             <a:fld id="{5FD889E0-CAB2-4699-909D-B9A88D47ACBE}" type="slidenum">
               <a:rPr lang="en-US" smtClean="0"/>
-              <a:t>‹nº›</a:t>
+              <a:t>‹#›</a:t>
             </a:fld>
             <a:endParaRPr lang="en-US"/>
           </a:p>
@@ -9472,14 +9558,14 @@
   <p:timing>
     <p:tnLst>
       <p:par>
-        <p:cTn id="1" dur="indefinite" restart="never" nodeType="tmRoot"/>
+        <p:cTn xmlns:p14="http://schemas.microsoft.com/office/powerpoint/2010/main" id="1" dur="indefinite" restart="never" nodeType="tmRoot"/>
       </p:par>
     </p:tnLst>
   </p:timing>
 </p:sld>
 </file>
 
-<file path=ppt/slides/slide2.xml><?xml version="1.0" encoding="utf-8"?>
+<file path=ppt/slides/slide10.xml><?xml version="1.0" encoding="utf-8"?>
 <p:sld xmlns:a="http://schemas.openxmlformats.org/drawingml/2006/main" xmlns:r="http://schemas.openxmlformats.org/officeDocument/2006/relationships" xmlns:p="http://schemas.openxmlformats.org/presentationml/2006/main">
   <p:cSld>
     <p:spTree>
@@ -9680,7 +9766,7 @@
       </p:sp>
       <p:sp>
         <p:nvSpPr>
-          <p:cNvPr id="7" name="Espaço Reservado para Conteúdo 2"/>
+          <p:cNvPr id="11" name="Espaço Reservado para Conteúdo 2"/>
           <p:cNvSpPr txBox="1">
             <a:spLocks/>
           </p:cNvSpPr>
@@ -9688,8 +9774,8 @@
         </p:nvSpPr>
         <p:spPr>
           <a:xfrm>
-            <a:off x="421342" y="3020188"/>
-            <a:ext cx="2949180" cy="2352592"/>
+            <a:off x="421341" y="2339163"/>
+            <a:ext cx="8339667" cy="3498111"/>
           </a:xfrm>
           <a:prstGeom prst="rect">
             <a:avLst/>
@@ -9697,7 +9783,7 @@
         </p:spPr>
         <p:txBody>
           <a:bodyPr vert="horz" lIns="91440" tIns="45720" rIns="91440" bIns="45720" rtlCol="0">
-            <a:normAutofit/>
+            <a:normAutofit fontScale="77500" lnSpcReduction="20000"/>
           </a:bodyPr>
           <a:lstStyle>
             <a:lvl1pPr marL="0" indent="0" algn="l" defTabSz="914400" rtl="0" eaLnBrk="1" latinLnBrk="0" hangingPunct="1">
@@ -9914,6 +10000,1033 @@
             </a:lvl9pPr>
           </a:lstStyle>
           <a:p>
+            <a:pPr marL="454025" indent="-454025" algn="just">
+              <a:lnSpc>
+                <a:spcPct val="110000"/>
+              </a:lnSpc>
+              <a:spcBef>
+                <a:spcPts val="2000"/>
+              </a:spcBef>
+              <a:spcAft>
+                <a:spcPts val="600"/>
+              </a:spcAft>
+              <a:buFont typeface="Wingdings" pitchFamily="2" charset="2"/>
+              <a:buChar char=""/>
+            </a:pPr>
+            <a:r>
+              <a:rPr lang="pt-PT" sz="2800" dirty="0" smtClean="0">
+                <a:solidFill>
+                  <a:schemeClr val="tx1">
+                    <a:lumMod val="85000"/>
+                    <a:lumOff val="15000"/>
+                  </a:schemeClr>
+                </a:solidFill>
+              </a:rPr>
+              <a:t>Vantagens:</a:t>
+            </a:r>
+          </a:p>
+          <a:p>
+            <a:pPr marL="911225" lvl="1" indent="-454025" algn="just">
+              <a:spcBef>
+                <a:spcPts val="2000"/>
+              </a:spcBef>
+              <a:buFont typeface="Wingdings" pitchFamily="2" charset="2"/>
+              <a:buChar char=""/>
+            </a:pPr>
+            <a:r>
+              <a:rPr lang="pt-PT" sz="2600" dirty="0" smtClean="0">
+                <a:solidFill>
+                  <a:schemeClr val="tx1">
+                    <a:lumMod val="85000"/>
+                    <a:lumOff val="15000"/>
+                  </a:schemeClr>
+                </a:solidFill>
+              </a:rPr>
+              <a:t>Maior </a:t>
+            </a:r>
+            <a:r>
+              <a:rPr lang="pt-PT" sz="2600" dirty="0">
+                <a:solidFill>
+                  <a:schemeClr val="tx1">
+                    <a:lumMod val="85000"/>
+                    <a:lumOff val="15000"/>
+                  </a:schemeClr>
+                </a:solidFill>
+              </a:rPr>
+              <a:t>capacidade de lidar com incerteza, maior controlo de </a:t>
+            </a:r>
+            <a:r>
+              <a:rPr lang="pt-PT" sz="2600" dirty="0" smtClean="0">
+                <a:solidFill>
+                  <a:schemeClr val="tx1">
+                    <a:lumMod val="85000"/>
+                    <a:lumOff val="15000"/>
+                  </a:schemeClr>
+                </a:solidFill>
+              </a:rPr>
+              <a:t>risco.</a:t>
+            </a:r>
+            <a:endParaRPr lang="pt-PT" sz="2600" dirty="0">
+              <a:solidFill>
+                <a:schemeClr val="tx1">
+                  <a:lumMod val="85000"/>
+                  <a:lumOff val="15000"/>
+                </a:schemeClr>
+              </a:solidFill>
+            </a:endParaRPr>
+          </a:p>
+          <a:p>
+            <a:pPr marL="911225" lvl="1" indent="-454025" algn="just">
+              <a:spcBef>
+                <a:spcPts val="2000"/>
+              </a:spcBef>
+              <a:buFont typeface="Wingdings" pitchFamily="2" charset="2"/>
+              <a:buChar char=""/>
+            </a:pPr>
+            <a:r>
+              <a:rPr lang="pt-PT" sz="2600" dirty="0" smtClean="0">
+                <a:solidFill>
+                  <a:schemeClr val="tx1">
+                    <a:lumMod val="85000"/>
+                    <a:lumOff val="15000"/>
+                  </a:schemeClr>
+                </a:solidFill>
+              </a:rPr>
+              <a:t>Promove </a:t>
+            </a:r>
+            <a:r>
+              <a:rPr lang="pt-PT" sz="2600" dirty="0">
+                <a:solidFill>
+                  <a:schemeClr val="tx1">
+                    <a:lumMod val="85000"/>
+                    <a:lumOff val="15000"/>
+                  </a:schemeClr>
+                </a:solidFill>
+              </a:rPr>
+              <a:t>a inclusão de </a:t>
+            </a:r>
+            <a:r>
+              <a:rPr lang="pt-PT" sz="2600" dirty="0" smtClean="0">
+                <a:solidFill>
+                  <a:schemeClr val="tx1">
+                    <a:lumMod val="85000"/>
+                    <a:lumOff val="15000"/>
+                  </a:schemeClr>
+                </a:solidFill>
+              </a:rPr>
+              <a:t>objetivos </a:t>
+            </a:r>
+            <a:r>
+              <a:rPr lang="pt-PT" sz="2600" dirty="0">
+                <a:solidFill>
+                  <a:schemeClr val="tx1">
+                    <a:lumMod val="85000"/>
+                    <a:lumOff val="15000"/>
+                  </a:schemeClr>
+                </a:solidFill>
+              </a:rPr>
+              <a:t>de qualidade no processo de </a:t>
+            </a:r>
+            <a:r>
+              <a:rPr lang="pt-PT" sz="2600" dirty="0" smtClean="0">
+                <a:solidFill>
+                  <a:schemeClr val="tx1">
+                    <a:lumMod val="85000"/>
+                    <a:lumOff val="15000"/>
+                  </a:schemeClr>
+                </a:solidFill>
+              </a:rPr>
+              <a:t>desenvolvimento.</a:t>
+            </a:r>
+            <a:endParaRPr lang="pt-PT" sz="2600" dirty="0">
+              <a:solidFill>
+                <a:schemeClr val="tx1">
+                  <a:lumMod val="85000"/>
+                  <a:lumOff val="15000"/>
+                </a:schemeClr>
+              </a:solidFill>
+            </a:endParaRPr>
+          </a:p>
+          <a:p>
+            <a:pPr marL="911225" lvl="1" indent="-454025" algn="just">
+              <a:spcBef>
+                <a:spcPts val="2000"/>
+              </a:spcBef>
+              <a:buFont typeface="Wingdings" pitchFamily="2" charset="2"/>
+              <a:buChar char=""/>
+            </a:pPr>
+            <a:r>
+              <a:rPr lang="pt-PT" sz="2600" dirty="0" smtClean="0">
+                <a:solidFill>
+                  <a:schemeClr val="tx1">
+                    <a:lumMod val="85000"/>
+                    <a:lumOff val="15000"/>
+                  </a:schemeClr>
+                </a:solidFill>
+              </a:rPr>
+              <a:t>Permite </a:t>
+            </a:r>
+            <a:r>
+              <a:rPr lang="pt-PT" sz="2600" dirty="0">
+                <a:solidFill>
+                  <a:schemeClr val="tx1">
+                    <a:lumMod val="85000"/>
+                    <a:lumOff val="15000"/>
+                  </a:schemeClr>
+                </a:solidFill>
+              </a:rPr>
+              <a:t>demonstração/exploração via protótipos do sistema desde </a:t>
+            </a:r>
+            <a:r>
+              <a:rPr lang="pt-PT" sz="2600" dirty="0" smtClean="0">
+                <a:solidFill>
+                  <a:schemeClr val="tx1">
+                    <a:lumMod val="85000"/>
+                    <a:lumOff val="15000"/>
+                  </a:schemeClr>
+                </a:solidFill>
+              </a:rPr>
+              <a:t>cedo.</a:t>
+            </a:r>
+            <a:endParaRPr lang="pt-PT" sz="2600" dirty="0">
+              <a:solidFill>
+                <a:schemeClr val="tx1">
+                  <a:lumMod val="85000"/>
+                  <a:lumOff val="15000"/>
+                </a:schemeClr>
+              </a:solidFill>
+            </a:endParaRPr>
+          </a:p>
+          <a:p>
+            <a:pPr marL="911225" lvl="1" indent="-454025" algn="just">
+              <a:spcBef>
+                <a:spcPts val="2000"/>
+              </a:spcBef>
+              <a:buFont typeface="Wingdings" pitchFamily="2" charset="2"/>
+              <a:buChar char=""/>
+            </a:pPr>
+            <a:r>
+              <a:rPr lang="pt-PT" sz="2600" dirty="0" smtClean="0">
+                <a:solidFill>
+                  <a:schemeClr val="tx1">
+                    <a:lumMod val="85000"/>
+                    <a:lumOff val="15000"/>
+                  </a:schemeClr>
+                </a:solidFill>
+              </a:rPr>
+              <a:t>Flexibilidade </a:t>
+            </a:r>
+            <a:r>
+              <a:rPr lang="pt-PT" sz="2600" dirty="0">
+                <a:solidFill>
+                  <a:schemeClr val="tx1">
+                    <a:lumMod val="85000"/>
+                    <a:lumOff val="15000"/>
+                  </a:schemeClr>
+                </a:solidFill>
+              </a:rPr>
+              <a:t>da abordagem – no limite pode tornar-se no modelo em cascata!</a:t>
+            </a:r>
+          </a:p>
+        </p:txBody>
+      </p:sp>
+    </p:spTree>
+    <p:extLst>
+      <p:ext uri="{BB962C8B-B14F-4D97-AF65-F5344CB8AC3E}">
+        <p14:creationId xmlns:p14="http://schemas.microsoft.com/office/powerpoint/2010/main" val="1231705296"/>
+      </p:ext>
+    </p:extLst>
+  </p:cSld>
+  <p:clrMapOvr>
+    <a:masterClrMapping/>
+  </p:clrMapOvr>
+  <p:timing>
+    <p:tnLst>
+      <p:par>
+        <p:cTn xmlns:p14="http://schemas.microsoft.com/office/powerpoint/2010/main" id="1" dur="indefinite" restart="never" nodeType="tmRoot"/>
+      </p:par>
+    </p:tnLst>
+  </p:timing>
+</p:sld>
+</file>
+
+<file path=ppt/slides/slide11.xml><?xml version="1.0" encoding="utf-8"?>
+<p:sld xmlns:a="http://schemas.openxmlformats.org/drawingml/2006/main" xmlns:r="http://schemas.openxmlformats.org/officeDocument/2006/relationships" xmlns:p="http://schemas.openxmlformats.org/presentationml/2006/main">
+  <p:cSld>
+    <p:spTree>
+      <p:nvGrpSpPr>
+        <p:cNvPr id="1" name=""/>
+        <p:cNvGrpSpPr/>
+        <p:nvPr/>
+      </p:nvGrpSpPr>
+      <p:grpSpPr>
+        <a:xfrm>
+          <a:off x="0" y="0"/>
+          <a:ext cx="0" cy="0"/>
+          <a:chOff x="0" y="0"/>
+          <a:chExt cx="0" cy="0"/>
+        </a:xfrm>
+      </p:grpSpPr>
+      <p:sp>
+        <p:nvSpPr>
+          <p:cNvPr id="3" name="Subtitle 2"/>
+          <p:cNvSpPr>
+            <a:spLocks noGrp="1"/>
+          </p:cNvSpPr>
+          <p:nvPr>
+            <p:ph type="subTitle" idx="1"/>
+          </p:nvPr>
+        </p:nvSpPr>
+        <p:spPr>
+          <a:xfrm>
+            <a:off x="380999" y="1532427"/>
+            <a:ext cx="1778000" cy="484632"/>
+          </a:xfrm>
+        </p:spPr>
+        <p:txBody>
+          <a:bodyPr>
+            <a:noAutofit/>
+          </a:bodyPr>
+          <a:lstStyle/>
+          <a:p>
+            <a:r>
+              <a:rPr lang="en-US" sz="1300" dirty="0" err="1" smtClean="0"/>
+              <a:t>Universidade</a:t>
+            </a:r>
+            <a:r>
+              <a:rPr lang="en-US" sz="1300" dirty="0" smtClean="0"/>
+              <a:t> do Minho</a:t>
+            </a:r>
+            <a:endParaRPr lang="en-US" sz="1300" dirty="0"/>
+          </a:p>
+        </p:txBody>
+      </p:sp>
+      <p:pic>
+        <p:nvPicPr>
+          <p:cNvPr id="5" name="Picture 4" descr="logo-ee.jpg"/>
+          <p:cNvPicPr>
+            <a:picLocks noChangeAspect="1"/>
+          </p:cNvPicPr>
+          <p:nvPr/>
+        </p:nvPicPr>
+        <p:blipFill>
+          <a:blip r:embed="rId2">
+            <a:extLst>
+              <a:ext uri="{28A0092B-C50C-407E-A947-70E740481C1C}">
+                <a14:useLocalDpi xmlns:a14="http://schemas.microsoft.com/office/drawing/2010/main" val="0"/>
+              </a:ext>
+            </a:extLst>
+          </a:blip>
+          <a:stretch>
+            <a:fillRect/>
+          </a:stretch>
+        </p:blipFill>
+        <p:spPr>
+          <a:xfrm>
+            <a:off x="380999" y="643427"/>
+            <a:ext cx="1778000" cy="889000"/>
+          </a:xfrm>
+          <a:prstGeom prst="rect">
+            <a:avLst/>
+          </a:prstGeom>
+        </p:spPr>
+      </p:pic>
+      <p:sp>
+        <p:nvSpPr>
+          <p:cNvPr id="6" name="TextBox 5"/>
+          <p:cNvSpPr txBox="1"/>
+          <p:nvPr/>
+        </p:nvSpPr>
+        <p:spPr>
+          <a:xfrm>
+            <a:off x="380999" y="2314222"/>
+            <a:ext cx="8452557" cy="1138773"/>
+          </a:xfrm>
+          <a:prstGeom prst="rect">
+            <a:avLst/>
+          </a:prstGeom>
+          <a:noFill/>
+        </p:spPr>
+        <p:txBody>
+          <a:bodyPr wrap="square" rtlCol="0">
+            <a:spAutoFit/>
+          </a:bodyPr>
+          <a:lstStyle/>
+          <a:p>
+            <a:pPr algn="ctr"/>
+            <a:r>
+              <a:rPr lang="pt-PT" sz="3600" b="1" dirty="0" smtClean="0"/>
+              <a:t>Laboratórios de Informática IV</a:t>
+            </a:r>
+          </a:p>
+          <a:p>
+            <a:pPr algn="ctr"/>
+            <a:r>
+              <a:rPr lang="pt-PT" sz="3200" b="1" dirty="0" smtClean="0"/>
+              <a:t>Processo de Desenvolvimento de Software</a:t>
+            </a:r>
+          </a:p>
+        </p:txBody>
+      </p:sp>
+      <p:sp>
+        <p:nvSpPr>
+          <p:cNvPr id="7" name="TextBox 6"/>
+          <p:cNvSpPr txBox="1"/>
+          <p:nvPr/>
+        </p:nvSpPr>
+        <p:spPr>
+          <a:xfrm>
+            <a:off x="268113" y="6462890"/>
+            <a:ext cx="8565444" cy="369332"/>
+          </a:xfrm>
+          <a:prstGeom prst="rect">
+            <a:avLst/>
+          </a:prstGeom>
+          <a:noFill/>
+        </p:spPr>
+        <p:txBody>
+          <a:bodyPr wrap="square" rtlCol="0">
+            <a:spAutoFit/>
+          </a:bodyPr>
+          <a:lstStyle/>
+          <a:p>
+            <a:pPr algn="r"/>
+            <a:r>
+              <a:rPr lang="pt-PT" b="1" dirty="0" smtClean="0"/>
+              <a:t>Grupo :</a:t>
+            </a:r>
+            <a:r>
+              <a:rPr lang="pt-PT" dirty="0" smtClean="0"/>
+              <a:t> Bruno Torres, João Mano, Patrícia Rocha</a:t>
+            </a:r>
+            <a:endParaRPr lang="pt-PT" dirty="0"/>
+          </a:p>
+        </p:txBody>
+      </p:sp>
+      <p:sp>
+        <p:nvSpPr>
+          <p:cNvPr id="9" name="Title 8"/>
+          <p:cNvSpPr>
+            <a:spLocks noGrp="1"/>
+          </p:cNvSpPr>
+          <p:nvPr>
+            <p:ph type="ctrTitle"/>
+          </p:nvPr>
+        </p:nvSpPr>
+        <p:spPr/>
+        <p:txBody>
+          <a:bodyPr/>
+          <a:lstStyle/>
+          <a:p>
+            <a:r>
+              <a:rPr lang="pt-PT" dirty="0" smtClean="0"/>
+              <a:t> </a:t>
+            </a:r>
+            <a:endParaRPr lang="pt-PT" dirty="0"/>
+          </a:p>
+        </p:txBody>
+      </p:sp>
+      <p:sp>
+        <p:nvSpPr>
+          <p:cNvPr id="11" name="Title 1"/>
+          <p:cNvSpPr txBox="1">
+            <a:spLocks/>
+          </p:cNvSpPr>
+          <p:nvPr/>
+        </p:nvSpPr>
+        <p:spPr>
+          <a:xfrm>
+            <a:off x="2304973" y="599123"/>
+            <a:ext cx="6415693" cy="893714"/>
+          </a:xfrm>
+          <a:prstGeom prst="rect">
+            <a:avLst/>
+          </a:prstGeom>
+          <a:noFill/>
+        </p:spPr>
+        <p:txBody>
+          <a:bodyPr vert="horz" lIns="91440" tIns="45720" rIns="91440" bIns="45720" rtlCol="0" anchor="ctr">
+            <a:noAutofit/>
+          </a:bodyPr>
+          <a:lstStyle>
+            <a:lvl1pPr algn="r" defTabSz="914400" rtl="0" eaLnBrk="1" latinLnBrk="0" hangingPunct="1">
+              <a:spcBef>
+                <a:spcPct val="0"/>
+              </a:spcBef>
+              <a:buNone/>
+              <a:defRPr sz="4200" kern="1200">
+                <a:solidFill>
+                  <a:schemeClr val="bg1"/>
+                </a:solidFill>
+                <a:latin typeface="+mj-lt"/>
+                <a:ea typeface="+mj-ea"/>
+                <a:cs typeface="+mj-cs"/>
+              </a:defRPr>
+            </a:lvl1pPr>
+          </a:lstStyle>
+          <a:p>
+            <a:pPr algn="ctr"/>
+            <a:r>
+              <a:rPr lang="pt-PT" sz="2600" dirty="0" smtClean="0"/>
+              <a:t>Licenciatura</a:t>
+            </a:r>
+            <a:r>
+              <a:rPr lang="en-US" sz="2600" dirty="0" smtClean="0"/>
+              <a:t> </a:t>
+            </a:r>
+            <a:r>
+              <a:rPr lang="pt-PT" sz="2600" dirty="0" smtClean="0"/>
+              <a:t>em</a:t>
+            </a:r>
+            <a:r>
+              <a:rPr lang="en-US" sz="2600" dirty="0" smtClean="0"/>
+              <a:t> </a:t>
+            </a:r>
+            <a:r>
+              <a:rPr lang="en-US" sz="2600" dirty="0" err="1" smtClean="0"/>
+              <a:t>Engenharia</a:t>
+            </a:r>
+            <a:r>
+              <a:rPr lang="en-US" sz="2600" dirty="0" smtClean="0"/>
+              <a:t> </a:t>
+            </a:r>
+            <a:r>
+              <a:rPr lang="en-US" sz="2600" dirty="0" err="1" smtClean="0"/>
+              <a:t>Informática</a:t>
+            </a:r>
+            <a:endParaRPr lang="en-US" sz="2400" dirty="0"/>
+          </a:p>
+        </p:txBody>
+      </p:sp>
+      <p:pic>
+        <p:nvPicPr>
+          <p:cNvPr id="8" name="Imagem 7"/>
+          <p:cNvPicPr>
+            <a:picLocks noChangeAspect="1"/>
+          </p:cNvPicPr>
+          <p:nvPr/>
+        </p:nvPicPr>
+        <p:blipFill>
+          <a:blip r:embed="rId3"/>
+          <a:stretch>
+            <a:fillRect/>
+          </a:stretch>
+        </p:blipFill>
+        <p:spPr>
+          <a:xfrm>
+            <a:off x="421341" y="3641654"/>
+            <a:ext cx="8299325" cy="2336604"/>
+          </a:xfrm>
+          <a:prstGeom prst="rect">
+            <a:avLst/>
+          </a:prstGeom>
+        </p:spPr>
+      </p:pic>
+      <p:sp>
+        <p:nvSpPr>
+          <p:cNvPr id="12" name="Rectangle 12"/>
+          <p:cNvSpPr/>
+          <p:nvPr/>
+        </p:nvSpPr>
+        <p:spPr>
+          <a:xfrm>
+            <a:off x="284163" y="6227064"/>
+            <a:ext cx="8574087" cy="173736"/>
+          </a:xfrm>
+          <a:prstGeom prst="rect">
+            <a:avLst/>
+          </a:prstGeom>
+          <a:solidFill>
+            <a:schemeClr val="tx1">
+              <a:lumMod val="85000"/>
+              <a:lumOff val="15000"/>
+              <a:alpha val="70000"/>
+            </a:schemeClr>
+          </a:solidFill>
+          <a:ln>
+            <a:noFill/>
+          </a:ln>
+        </p:spPr>
+        <p:style>
+          <a:lnRef idx="2">
+            <a:schemeClr val="accent1">
+              <a:shade val="50000"/>
+            </a:schemeClr>
+          </a:lnRef>
+          <a:fillRef idx="1">
+            <a:schemeClr val="accent1"/>
+          </a:fillRef>
+          <a:effectRef idx="0">
+            <a:schemeClr val="accent1"/>
+          </a:effectRef>
+          <a:fontRef idx="minor">
+            <a:schemeClr val="lt1"/>
+          </a:fontRef>
+        </p:style>
+        <p:txBody>
+          <a:bodyPr rtlCol="0" anchor="ctr"/>
+          <a:lstStyle/>
+          <a:p>
+            <a:pPr algn="ctr"/>
+            <a:endParaRPr/>
+          </a:p>
+        </p:txBody>
+      </p:sp>
+    </p:spTree>
+    <p:extLst>
+      <p:ext uri="{BB962C8B-B14F-4D97-AF65-F5344CB8AC3E}">
+        <p14:creationId xmlns:p14="http://schemas.microsoft.com/office/powerpoint/2010/main" val="1552391276"/>
+      </p:ext>
+    </p:extLst>
+  </p:cSld>
+  <p:clrMapOvr>
+    <a:masterClrMapping/>
+  </p:clrMapOvr>
+  <p:timing>
+    <p:tnLst>
+      <p:par>
+        <p:cTn xmlns:p14="http://schemas.microsoft.com/office/powerpoint/2010/main" id="1" dur="indefinite" restart="never" nodeType="tmRoot"/>
+      </p:par>
+    </p:tnLst>
+  </p:timing>
+</p:sld>
+</file>
+
+<file path=ppt/slides/slide2.xml><?xml version="1.0" encoding="utf-8"?>
+<p:sld xmlns:a="http://schemas.openxmlformats.org/drawingml/2006/main" xmlns:r="http://schemas.openxmlformats.org/officeDocument/2006/relationships" xmlns:p="http://schemas.openxmlformats.org/presentationml/2006/main">
+  <p:cSld>
+    <p:spTree>
+      <p:nvGrpSpPr>
+        <p:cNvPr id="1" name=""/>
+        <p:cNvGrpSpPr/>
+        <p:nvPr/>
+      </p:nvGrpSpPr>
+      <p:grpSpPr>
+        <a:xfrm>
+          <a:off x="0" y="0"/>
+          <a:ext cx="0" cy="0"/>
+          <a:chOff x="0" y="0"/>
+          <a:chExt cx="0" cy="0"/>
+        </a:xfrm>
+      </p:grpSpPr>
+      <p:sp>
+        <p:nvSpPr>
+          <p:cNvPr id="3" name="Subtitle 2"/>
+          <p:cNvSpPr>
+            <a:spLocks noGrp="1"/>
+          </p:cNvSpPr>
+          <p:nvPr>
+            <p:ph type="subTitle" idx="1"/>
+          </p:nvPr>
+        </p:nvSpPr>
+        <p:spPr>
+          <a:xfrm>
+            <a:off x="380999" y="1532427"/>
+            <a:ext cx="1778000" cy="484632"/>
+          </a:xfrm>
+        </p:spPr>
+        <p:txBody>
+          <a:bodyPr>
+            <a:noAutofit/>
+          </a:bodyPr>
+          <a:lstStyle/>
+          <a:p>
+            <a:r>
+              <a:rPr lang="en-US" sz="1300" dirty="0" err="1" smtClean="0"/>
+              <a:t>Universidade</a:t>
+            </a:r>
+            <a:r>
+              <a:rPr lang="en-US" sz="1300" dirty="0" smtClean="0"/>
+              <a:t> do Minho</a:t>
+            </a:r>
+            <a:endParaRPr lang="en-US" sz="1300" dirty="0"/>
+          </a:p>
+        </p:txBody>
+      </p:sp>
+      <p:pic>
+        <p:nvPicPr>
+          <p:cNvPr id="5" name="Picture 4" descr="logo-ee.jpg"/>
+          <p:cNvPicPr>
+            <a:picLocks noChangeAspect="1"/>
+          </p:cNvPicPr>
+          <p:nvPr/>
+        </p:nvPicPr>
+        <p:blipFill>
+          <a:blip r:embed="rId3">
+            <a:extLst>
+              <a:ext uri="{28A0092B-C50C-407E-A947-70E740481C1C}">
+                <a14:useLocalDpi xmlns:a14="http://schemas.microsoft.com/office/drawing/2010/main" val="0"/>
+              </a:ext>
+            </a:extLst>
+          </a:blip>
+          <a:stretch>
+            <a:fillRect/>
+          </a:stretch>
+        </p:blipFill>
+        <p:spPr>
+          <a:xfrm>
+            <a:off x="380999" y="643427"/>
+            <a:ext cx="1778000" cy="889000"/>
+          </a:xfrm>
+          <a:prstGeom prst="rect">
+            <a:avLst/>
+          </a:prstGeom>
+        </p:spPr>
+      </p:pic>
+      <p:sp>
+        <p:nvSpPr>
+          <p:cNvPr id="9" name="Title 8"/>
+          <p:cNvSpPr>
+            <a:spLocks noGrp="1"/>
+          </p:cNvSpPr>
+          <p:nvPr>
+            <p:ph type="ctrTitle"/>
+          </p:nvPr>
+        </p:nvSpPr>
+        <p:spPr/>
+        <p:txBody>
+          <a:bodyPr/>
+          <a:lstStyle/>
+          <a:p>
+            <a:r>
+              <a:rPr lang="pt-PT" dirty="0" smtClean="0"/>
+              <a:t> </a:t>
+            </a:r>
+            <a:endParaRPr lang="pt-PT" dirty="0"/>
+          </a:p>
+        </p:txBody>
+      </p:sp>
+      <p:sp>
+        <p:nvSpPr>
+          <p:cNvPr id="12" name="Title 1"/>
+          <p:cNvSpPr txBox="1">
+            <a:spLocks/>
+          </p:cNvSpPr>
+          <p:nvPr/>
+        </p:nvSpPr>
+        <p:spPr>
+          <a:xfrm>
+            <a:off x="2304973" y="757593"/>
+            <a:ext cx="6415693" cy="893714"/>
+          </a:xfrm>
+          <a:prstGeom prst="rect">
+            <a:avLst/>
+          </a:prstGeom>
+          <a:noFill/>
+        </p:spPr>
+        <p:txBody>
+          <a:bodyPr vert="horz" lIns="91440" tIns="45720" rIns="91440" bIns="45720" rtlCol="0" anchor="ctr">
+            <a:noAutofit/>
+          </a:bodyPr>
+          <a:lstStyle>
+            <a:lvl1pPr algn="r" defTabSz="914400" rtl="0" eaLnBrk="1" latinLnBrk="0" hangingPunct="1">
+              <a:spcBef>
+                <a:spcPct val="0"/>
+              </a:spcBef>
+              <a:buNone/>
+              <a:defRPr sz="4200" kern="1200">
+                <a:solidFill>
+                  <a:schemeClr val="bg1"/>
+                </a:solidFill>
+                <a:latin typeface="+mj-lt"/>
+                <a:ea typeface="+mj-ea"/>
+                <a:cs typeface="+mj-cs"/>
+              </a:defRPr>
+            </a:lvl1pPr>
+          </a:lstStyle>
+          <a:p>
+            <a:pPr algn="ctr"/>
+            <a:r>
+              <a:rPr lang="pt-PT" sz="2600" dirty="0" smtClean="0"/>
+              <a:t>Licenciatura</a:t>
+            </a:r>
+            <a:r>
+              <a:rPr lang="en-US" sz="2600" dirty="0" smtClean="0"/>
+              <a:t> </a:t>
+            </a:r>
+            <a:r>
+              <a:rPr lang="pt-PT" sz="2600" dirty="0" smtClean="0"/>
+              <a:t>em</a:t>
+            </a:r>
+            <a:r>
+              <a:rPr lang="en-US" sz="2600" dirty="0" smtClean="0"/>
+              <a:t> </a:t>
+            </a:r>
+            <a:r>
+              <a:rPr lang="en-US" sz="2600" dirty="0" err="1" smtClean="0"/>
+              <a:t>Engenharia</a:t>
+            </a:r>
+            <a:r>
+              <a:rPr lang="en-US" sz="2600" dirty="0" smtClean="0"/>
+              <a:t> </a:t>
+            </a:r>
+            <a:r>
+              <a:rPr lang="en-US" sz="2600" dirty="0" err="1" smtClean="0"/>
+              <a:t>Informática</a:t>
+            </a:r>
+            <a:r>
+              <a:rPr lang="en-US" sz="2600" dirty="0" smtClean="0"/>
+              <a:t/>
+            </a:r>
+            <a:br>
+              <a:rPr lang="en-US" sz="2600" dirty="0" smtClean="0"/>
+            </a:br>
+            <a:r>
+              <a:rPr lang="en-US" sz="2600" dirty="0" err="1" smtClean="0"/>
+              <a:t>Laboratórios</a:t>
+            </a:r>
+            <a:r>
+              <a:rPr lang="en-US" sz="2600" dirty="0" smtClean="0"/>
+              <a:t> de </a:t>
+            </a:r>
+            <a:r>
+              <a:rPr lang="en-US" sz="2600" dirty="0" err="1" smtClean="0"/>
+              <a:t>Informática</a:t>
+            </a:r>
+            <a:r>
+              <a:rPr lang="en-US" sz="2600" dirty="0" smtClean="0"/>
+              <a:t> IV</a:t>
+            </a:r>
+            <a:endParaRPr lang="en-US" sz="1900" dirty="0"/>
+          </a:p>
+        </p:txBody>
+      </p:sp>
+      <p:sp>
+        <p:nvSpPr>
+          <p:cNvPr id="7" name="Espaço Reservado para Conteúdo 2"/>
+          <p:cNvSpPr txBox="1">
+            <a:spLocks/>
+          </p:cNvSpPr>
+          <p:nvPr/>
+        </p:nvSpPr>
+        <p:spPr>
+          <a:xfrm>
+            <a:off x="421341" y="2618545"/>
+            <a:ext cx="5128554" cy="3559339"/>
+          </a:xfrm>
+          <a:prstGeom prst="rect">
+            <a:avLst/>
+          </a:prstGeom>
+        </p:spPr>
+        <p:txBody>
+          <a:bodyPr vert="horz" lIns="91440" tIns="45720" rIns="91440" bIns="45720" rtlCol="0">
+            <a:normAutofit fontScale="77500" lnSpcReduction="20000"/>
+          </a:bodyPr>
+          <a:lstStyle>
+            <a:lvl1pPr marL="0" indent="0" algn="l" defTabSz="914400" rtl="0" eaLnBrk="1" latinLnBrk="0" hangingPunct="1">
+              <a:lnSpc>
+                <a:spcPct val="100000"/>
+              </a:lnSpc>
+              <a:spcBef>
+                <a:spcPts val="0"/>
+              </a:spcBef>
+              <a:buClr>
+                <a:schemeClr val="bg1">
+                  <a:lumMod val="65000"/>
+                </a:schemeClr>
+              </a:buClr>
+              <a:buSzPct val="90000"/>
+              <a:buFont typeface="Wingdings" pitchFamily="2" charset="2"/>
+              <a:buNone/>
+              <a:defRPr sz="1800" kern="1200">
+                <a:solidFill>
+                  <a:schemeClr val="bg1"/>
+                </a:solidFill>
+                <a:latin typeface="+mn-lt"/>
+                <a:ea typeface="+mn-ea"/>
+                <a:cs typeface="+mn-cs"/>
+              </a:defRPr>
+            </a:lvl1pPr>
+            <a:lvl2pPr marL="457200" indent="0" algn="ctr" defTabSz="914400" rtl="0" eaLnBrk="1" latinLnBrk="0" hangingPunct="1">
+              <a:spcBef>
+                <a:spcPts val="600"/>
+              </a:spcBef>
+              <a:buClr>
+                <a:schemeClr val="tx1">
+                  <a:lumMod val="75000"/>
+                  <a:lumOff val="25000"/>
+                </a:schemeClr>
+              </a:buClr>
+              <a:buSzPct val="90000"/>
+              <a:buFont typeface="Wingdings" pitchFamily="2" charset="2"/>
+              <a:buNone/>
+              <a:defRPr sz="2200" kern="1200">
+                <a:solidFill>
+                  <a:schemeClr val="tx1">
+                    <a:tint val="75000"/>
+                  </a:schemeClr>
+                </a:solidFill>
+                <a:latin typeface="+mn-lt"/>
+                <a:ea typeface="+mn-ea"/>
+                <a:cs typeface="+mn-cs"/>
+              </a:defRPr>
+            </a:lvl2pPr>
+            <a:lvl3pPr marL="914400" indent="0" algn="ctr" defTabSz="914400" rtl="0" eaLnBrk="1" latinLnBrk="0" hangingPunct="1">
+              <a:spcBef>
+                <a:spcPts val="600"/>
+              </a:spcBef>
+              <a:buClr>
+                <a:schemeClr val="bg1">
+                  <a:lumMod val="65000"/>
+                </a:schemeClr>
+              </a:buClr>
+              <a:buSzPct val="90000"/>
+              <a:buFont typeface="Wingdings" pitchFamily="2" charset="2"/>
+              <a:buNone/>
+              <a:defRPr sz="2000" kern="1200">
+                <a:solidFill>
+                  <a:schemeClr val="tx1">
+                    <a:tint val="75000"/>
+                  </a:schemeClr>
+                </a:solidFill>
+                <a:latin typeface="+mn-lt"/>
+                <a:ea typeface="+mn-ea"/>
+                <a:cs typeface="+mn-cs"/>
+              </a:defRPr>
+            </a:lvl3pPr>
+            <a:lvl4pPr marL="1371600" indent="0" algn="ctr" defTabSz="914400" rtl="0" eaLnBrk="1" latinLnBrk="0" hangingPunct="1">
+              <a:spcBef>
+                <a:spcPts val="600"/>
+              </a:spcBef>
+              <a:buClr>
+                <a:schemeClr val="tx1">
+                  <a:lumMod val="75000"/>
+                  <a:lumOff val="25000"/>
+                </a:schemeClr>
+              </a:buClr>
+              <a:buSzPct val="90000"/>
+              <a:buFont typeface="Wingdings" pitchFamily="2" charset="2"/>
+              <a:buNone/>
+              <a:defRPr sz="1800" kern="1200">
+                <a:solidFill>
+                  <a:schemeClr val="tx1">
+                    <a:tint val="75000"/>
+                  </a:schemeClr>
+                </a:solidFill>
+                <a:latin typeface="+mn-lt"/>
+                <a:ea typeface="+mn-ea"/>
+                <a:cs typeface="+mn-cs"/>
+              </a:defRPr>
+            </a:lvl4pPr>
+            <a:lvl5pPr marL="1828800" indent="0" algn="ctr" defTabSz="914400" rtl="0" eaLnBrk="1" latinLnBrk="0" hangingPunct="1">
+              <a:spcBef>
+                <a:spcPts val="600"/>
+              </a:spcBef>
+              <a:buClr>
+                <a:schemeClr val="bg1">
+                  <a:lumMod val="65000"/>
+                </a:schemeClr>
+              </a:buClr>
+              <a:buSzPct val="90000"/>
+              <a:buFont typeface="Wingdings" pitchFamily="2" charset="2"/>
+              <a:buNone/>
+              <a:defRPr sz="1800" kern="1200">
+                <a:solidFill>
+                  <a:schemeClr val="tx1">
+                    <a:tint val="75000"/>
+                  </a:schemeClr>
+                </a:solidFill>
+                <a:latin typeface="+mn-lt"/>
+                <a:ea typeface="+mn-ea"/>
+                <a:cs typeface="+mn-cs"/>
+              </a:defRPr>
+            </a:lvl5pPr>
+            <a:lvl6pPr marL="2286000" indent="0" algn="ctr" defTabSz="914400" rtl="0" eaLnBrk="1" latinLnBrk="0" hangingPunct="1">
+              <a:spcBef>
+                <a:spcPts val="600"/>
+              </a:spcBef>
+              <a:buClr>
+                <a:schemeClr val="tx1">
+                  <a:lumMod val="75000"/>
+                  <a:lumOff val="25000"/>
+                </a:schemeClr>
+              </a:buClr>
+              <a:buSzPct val="90000"/>
+              <a:buFont typeface="Wingdings" pitchFamily="2" charset="2"/>
+              <a:buNone/>
+              <a:defRPr lang="en-US" sz="1800" kern="1200">
+                <a:solidFill>
+                  <a:schemeClr val="tx1">
+                    <a:tint val="75000"/>
+                  </a:schemeClr>
+                </a:solidFill>
+                <a:latin typeface="+mn-lt"/>
+                <a:ea typeface="+mn-ea"/>
+                <a:cs typeface="+mn-cs"/>
+              </a:defRPr>
+            </a:lvl6pPr>
+            <a:lvl7pPr marL="2743200" indent="0" algn="ctr" defTabSz="914400" rtl="0" eaLnBrk="1" latinLnBrk="0" hangingPunct="1">
+              <a:spcBef>
+                <a:spcPts val="600"/>
+              </a:spcBef>
+              <a:buClr>
+                <a:schemeClr val="bg1">
+                  <a:lumMod val="65000"/>
+                </a:schemeClr>
+              </a:buClr>
+              <a:buSzPct val="90000"/>
+              <a:buFont typeface="Wingdings" pitchFamily="2" charset="2"/>
+              <a:buNone/>
+              <a:defRPr lang="en-US" sz="1800" kern="1200">
+                <a:solidFill>
+                  <a:schemeClr val="tx1">
+                    <a:tint val="75000"/>
+                  </a:schemeClr>
+                </a:solidFill>
+                <a:latin typeface="+mn-lt"/>
+                <a:ea typeface="+mn-ea"/>
+                <a:cs typeface="+mn-cs"/>
+              </a:defRPr>
+            </a:lvl7pPr>
+            <a:lvl8pPr marL="3200400" indent="0" algn="ctr" defTabSz="914400" rtl="0" eaLnBrk="1" latinLnBrk="0" hangingPunct="1">
+              <a:spcBef>
+                <a:spcPts val="600"/>
+              </a:spcBef>
+              <a:buClr>
+                <a:schemeClr val="tx1">
+                  <a:lumMod val="75000"/>
+                  <a:lumOff val="25000"/>
+                </a:schemeClr>
+              </a:buClr>
+              <a:buSzPct val="90000"/>
+              <a:buFont typeface="Wingdings" pitchFamily="2" charset="2"/>
+              <a:buNone/>
+              <a:defRPr lang="en-US" sz="1800" kern="1200">
+                <a:solidFill>
+                  <a:schemeClr val="tx1">
+                    <a:tint val="75000"/>
+                  </a:schemeClr>
+                </a:solidFill>
+                <a:latin typeface="+mn-lt"/>
+                <a:ea typeface="+mn-ea"/>
+                <a:cs typeface="+mn-cs"/>
+              </a:defRPr>
+            </a:lvl8pPr>
+            <a:lvl9pPr marL="3657600" indent="0" algn="ctr" defTabSz="914400" rtl="0" eaLnBrk="1" latinLnBrk="0" hangingPunct="1">
+              <a:spcBef>
+                <a:spcPts val="600"/>
+              </a:spcBef>
+              <a:buClr>
+                <a:schemeClr val="bg1">
+                  <a:lumMod val="65000"/>
+                </a:schemeClr>
+              </a:buClr>
+              <a:buSzPct val="90000"/>
+              <a:buFont typeface="Wingdings" pitchFamily="2" charset="2"/>
+              <a:buNone/>
+              <a:defRPr lang="en-US" sz="1800" kern="1200">
+                <a:solidFill>
+                  <a:schemeClr val="tx1">
+                    <a:tint val="75000"/>
+                  </a:schemeClr>
+                </a:solidFill>
+                <a:latin typeface="+mn-lt"/>
+                <a:ea typeface="+mn-ea"/>
+                <a:cs typeface="+mn-cs"/>
+              </a:defRPr>
+            </a:lvl9pPr>
+          </a:lstStyle>
+          <a:p>
             <a:pPr marL="454025" indent="-454025">
               <a:spcBef>
                 <a:spcPts val="2000"/>
@@ -9932,6 +11045,54 @@
               </a:rPr>
               <a:t>Introdução</a:t>
             </a:r>
+          </a:p>
+          <a:p>
+            <a:pPr marL="454025" indent="-454025">
+              <a:spcBef>
+                <a:spcPts val="2000"/>
+              </a:spcBef>
+              <a:buFont typeface="Wingdings" pitchFamily="2" charset="2"/>
+              <a:buChar char=""/>
+            </a:pPr>
+            <a:r>
+              <a:rPr lang="pt-PT" sz="3600" dirty="0" smtClean="0">
+                <a:solidFill>
+                  <a:schemeClr val="tx1">
+                    <a:lumMod val="85000"/>
+                    <a:lumOff val="15000"/>
+                  </a:schemeClr>
+                </a:solidFill>
+              </a:rPr>
+              <a:t>Processo de Desenvolvimento de Software</a:t>
+            </a:r>
+          </a:p>
+          <a:p>
+            <a:pPr marL="454025" indent="-454025">
+              <a:spcBef>
+                <a:spcPts val="2000"/>
+              </a:spcBef>
+              <a:buFont typeface="Wingdings" pitchFamily="2" charset="2"/>
+              <a:buChar char=""/>
+            </a:pPr>
+            <a:r>
+              <a:rPr lang="pt-PT" sz="3600" dirty="0" smtClean="0">
+                <a:solidFill>
+                  <a:schemeClr val="tx1">
+                    <a:lumMod val="85000"/>
+                    <a:lumOff val="15000"/>
+                  </a:schemeClr>
+                </a:solidFill>
+              </a:rPr>
+              <a:t>Modelo em Espiral</a:t>
+            </a:r>
+            <a:endParaRPr lang="pt-PT" sz="3600" dirty="0" smtClean="0">
+              <a:solidFill>
+                <a:schemeClr val="tx1">
+                  <a:lumMod val="85000"/>
+                  <a:lumOff val="15000"/>
+                </a:schemeClr>
+              </a:solidFill>
+            </a:endParaRPr>
           </a:p>
           <a:p>
             <a:pPr marL="454025" indent="-454025">
@@ -10060,7 +11221,7 @@
             <a:softEdge rad="112500"/>
           </a:effectLst>
           <a:extLst>
-            <a:ext uri="{909E8E84-426E-40DD-AFC4-6F175D3DCCD1}">
+            <a:ext uri="{909E8E84-426E-40dd-AFC4-6F175D3DCCD1}">
               <a14:hiddenFill xmlns:a14="http://schemas.microsoft.com/office/drawing/2010/main">
                 <a:solidFill>
                   <a:srgbClr val="FFFFFF"/>
@@ -10122,7 +11283,7 @@
   <p:timing>
     <p:tnLst>
       <p:par>
-        <p:cTn id="1" dur="indefinite" restart="never" nodeType="tmRoot"/>
+        <p:cTn xmlns:p14="http://schemas.microsoft.com/office/powerpoint/2010/main" id="1" dur="indefinite" restart="never" nodeType="tmRoot"/>
       </p:par>
     </p:tnLst>
   </p:timing>
@@ -10130,6 +11291,653 @@
 </file>
 
 <file path=ppt/slides/slide3.xml><?xml version="1.0" encoding="utf-8"?>
+<p:sld xmlns:a="http://schemas.openxmlformats.org/drawingml/2006/main" xmlns:r="http://schemas.openxmlformats.org/officeDocument/2006/relationships" xmlns:p="http://schemas.openxmlformats.org/presentationml/2006/main">
+  <p:cSld>
+    <p:spTree>
+      <p:nvGrpSpPr>
+        <p:cNvPr id="1" name=""/>
+        <p:cNvGrpSpPr/>
+        <p:nvPr/>
+      </p:nvGrpSpPr>
+      <p:grpSpPr>
+        <a:xfrm>
+          <a:off x="0" y="0"/>
+          <a:ext cx="0" cy="0"/>
+          <a:chOff x="0" y="0"/>
+          <a:chExt cx="0" cy="0"/>
+        </a:xfrm>
+      </p:grpSpPr>
+      <p:sp>
+        <p:nvSpPr>
+          <p:cNvPr id="3" name="Subtitle 2"/>
+          <p:cNvSpPr>
+            <a:spLocks noGrp="1"/>
+          </p:cNvSpPr>
+          <p:nvPr>
+            <p:ph type="subTitle" idx="1"/>
+          </p:nvPr>
+        </p:nvSpPr>
+        <p:spPr>
+          <a:xfrm>
+            <a:off x="380999" y="1532427"/>
+            <a:ext cx="1778000" cy="484632"/>
+          </a:xfrm>
+        </p:spPr>
+        <p:txBody>
+          <a:bodyPr>
+            <a:noAutofit/>
+          </a:bodyPr>
+          <a:lstStyle/>
+          <a:p>
+            <a:r>
+              <a:rPr lang="en-US" sz="1300" dirty="0" err="1" smtClean="0"/>
+              <a:t>Universidade</a:t>
+            </a:r>
+            <a:r>
+              <a:rPr lang="en-US" sz="1300" dirty="0" smtClean="0"/>
+              <a:t> do Minho</a:t>
+            </a:r>
+            <a:endParaRPr lang="en-US" sz="1300" dirty="0"/>
+          </a:p>
+        </p:txBody>
+      </p:sp>
+      <p:pic>
+        <p:nvPicPr>
+          <p:cNvPr id="5" name="Picture 4" descr="logo-ee.jpg"/>
+          <p:cNvPicPr>
+            <a:picLocks noChangeAspect="1"/>
+          </p:cNvPicPr>
+          <p:nvPr/>
+        </p:nvPicPr>
+        <p:blipFill>
+          <a:blip r:embed="rId3">
+            <a:extLst>
+              <a:ext uri="{28A0092B-C50C-407E-A947-70E740481C1C}">
+                <a14:useLocalDpi xmlns:a14="http://schemas.microsoft.com/office/drawing/2010/main" val="0"/>
+              </a:ext>
+            </a:extLst>
+          </a:blip>
+          <a:stretch>
+            <a:fillRect/>
+          </a:stretch>
+        </p:blipFill>
+        <p:spPr>
+          <a:xfrm>
+            <a:off x="380999" y="643427"/>
+            <a:ext cx="1778000" cy="889000"/>
+          </a:xfrm>
+          <a:prstGeom prst="rect">
+            <a:avLst/>
+          </a:prstGeom>
+        </p:spPr>
+      </p:pic>
+      <p:sp>
+        <p:nvSpPr>
+          <p:cNvPr id="9" name="Title 8"/>
+          <p:cNvSpPr>
+            <a:spLocks noGrp="1"/>
+          </p:cNvSpPr>
+          <p:nvPr>
+            <p:ph type="ctrTitle"/>
+          </p:nvPr>
+        </p:nvSpPr>
+        <p:spPr/>
+        <p:txBody>
+          <a:bodyPr/>
+          <a:lstStyle/>
+          <a:p>
+            <a:r>
+              <a:rPr lang="pt-PT" dirty="0" smtClean="0"/>
+              <a:t> </a:t>
+            </a:r>
+            <a:endParaRPr lang="pt-PT" dirty="0"/>
+          </a:p>
+        </p:txBody>
+      </p:sp>
+      <p:sp>
+        <p:nvSpPr>
+          <p:cNvPr id="12" name="Title 1"/>
+          <p:cNvSpPr txBox="1">
+            <a:spLocks/>
+          </p:cNvSpPr>
+          <p:nvPr/>
+        </p:nvSpPr>
+        <p:spPr>
+          <a:xfrm>
+            <a:off x="2304973" y="757593"/>
+            <a:ext cx="6415693" cy="893714"/>
+          </a:xfrm>
+          <a:prstGeom prst="rect">
+            <a:avLst/>
+          </a:prstGeom>
+          <a:noFill/>
+        </p:spPr>
+        <p:txBody>
+          <a:bodyPr vert="horz" lIns="91440" tIns="45720" rIns="91440" bIns="45720" rtlCol="0" anchor="ctr">
+            <a:noAutofit/>
+          </a:bodyPr>
+          <a:lstStyle>
+            <a:lvl1pPr algn="r" defTabSz="914400" rtl="0" eaLnBrk="1" latinLnBrk="0" hangingPunct="1">
+              <a:spcBef>
+                <a:spcPct val="0"/>
+              </a:spcBef>
+              <a:buNone/>
+              <a:defRPr sz="4200" kern="1200">
+                <a:solidFill>
+                  <a:schemeClr val="bg1"/>
+                </a:solidFill>
+                <a:latin typeface="+mj-lt"/>
+                <a:ea typeface="+mj-ea"/>
+                <a:cs typeface="+mj-cs"/>
+              </a:defRPr>
+            </a:lvl1pPr>
+          </a:lstStyle>
+          <a:p>
+            <a:pPr algn="ctr"/>
+            <a:r>
+              <a:rPr lang="pt-PT" sz="2600" dirty="0" smtClean="0"/>
+              <a:t>Licenciatura</a:t>
+            </a:r>
+            <a:r>
+              <a:rPr lang="en-US" sz="2600" dirty="0" smtClean="0"/>
+              <a:t> </a:t>
+            </a:r>
+            <a:r>
+              <a:rPr lang="pt-PT" sz="2600" dirty="0" smtClean="0"/>
+              <a:t>em</a:t>
+            </a:r>
+            <a:r>
+              <a:rPr lang="en-US" sz="2600" dirty="0" smtClean="0"/>
+              <a:t> </a:t>
+            </a:r>
+            <a:r>
+              <a:rPr lang="en-US" sz="2600" dirty="0" err="1" smtClean="0"/>
+              <a:t>Engenharia</a:t>
+            </a:r>
+            <a:r>
+              <a:rPr lang="en-US" sz="2600" dirty="0" smtClean="0"/>
+              <a:t> </a:t>
+            </a:r>
+            <a:r>
+              <a:rPr lang="en-US" sz="2600" dirty="0" err="1" smtClean="0"/>
+              <a:t>Informática</a:t>
+            </a:r>
+            <a:r>
+              <a:rPr lang="en-US" sz="2600" dirty="0" smtClean="0"/>
+              <a:t/>
+            </a:r>
+            <a:br>
+              <a:rPr lang="en-US" sz="2600" dirty="0" smtClean="0"/>
+            </a:br>
+            <a:r>
+              <a:rPr lang="en-US" sz="2600" dirty="0" err="1" smtClean="0"/>
+              <a:t>Laboratórios</a:t>
+            </a:r>
+            <a:r>
+              <a:rPr lang="en-US" sz="2600" dirty="0" smtClean="0"/>
+              <a:t> de </a:t>
+            </a:r>
+            <a:r>
+              <a:rPr lang="en-US" sz="2600" dirty="0" err="1" smtClean="0"/>
+              <a:t>Informática</a:t>
+            </a:r>
+            <a:r>
+              <a:rPr lang="en-US" sz="2600" dirty="0" smtClean="0"/>
+              <a:t> IV</a:t>
+            </a:r>
+            <a:endParaRPr lang="en-US" sz="1900" dirty="0"/>
+          </a:p>
+        </p:txBody>
+      </p:sp>
+      <p:sp>
+        <p:nvSpPr>
+          <p:cNvPr id="8" name="Espaço Reservado para Conteúdo 2"/>
+          <p:cNvSpPr txBox="1">
+            <a:spLocks/>
+          </p:cNvSpPr>
+          <p:nvPr/>
+        </p:nvSpPr>
+        <p:spPr>
+          <a:xfrm>
+            <a:off x="421340" y="2430386"/>
+            <a:ext cx="8299325" cy="3747499"/>
+          </a:xfrm>
+          <a:prstGeom prst="rect">
+            <a:avLst/>
+          </a:prstGeom>
+        </p:spPr>
+        <p:txBody>
+          <a:bodyPr vert="horz" lIns="91440" tIns="45720" rIns="91440" bIns="45720" rtlCol="0">
+            <a:normAutofit fontScale="77500" lnSpcReduction="20000"/>
+          </a:bodyPr>
+          <a:lstStyle>
+            <a:lvl1pPr marL="0" indent="0" algn="l" defTabSz="914400" rtl="0" eaLnBrk="1" latinLnBrk="0" hangingPunct="1">
+              <a:lnSpc>
+                <a:spcPct val="100000"/>
+              </a:lnSpc>
+              <a:spcBef>
+                <a:spcPts val="0"/>
+              </a:spcBef>
+              <a:buClr>
+                <a:schemeClr val="bg1">
+                  <a:lumMod val="65000"/>
+                </a:schemeClr>
+              </a:buClr>
+              <a:buSzPct val="90000"/>
+              <a:buFont typeface="Wingdings" pitchFamily="2" charset="2"/>
+              <a:buNone/>
+              <a:defRPr sz="1800" kern="1200">
+                <a:solidFill>
+                  <a:schemeClr val="bg1"/>
+                </a:solidFill>
+                <a:latin typeface="+mn-lt"/>
+                <a:ea typeface="+mn-ea"/>
+                <a:cs typeface="+mn-cs"/>
+              </a:defRPr>
+            </a:lvl1pPr>
+            <a:lvl2pPr marL="457200" indent="0" algn="ctr" defTabSz="914400" rtl="0" eaLnBrk="1" latinLnBrk="0" hangingPunct="1">
+              <a:spcBef>
+                <a:spcPts val="600"/>
+              </a:spcBef>
+              <a:buClr>
+                <a:schemeClr val="tx1">
+                  <a:lumMod val="75000"/>
+                  <a:lumOff val="25000"/>
+                </a:schemeClr>
+              </a:buClr>
+              <a:buSzPct val="90000"/>
+              <a:buFont typeface="Wingdings" pitchFamily="2" charset="2"/>
+              <a:buNone/>
+              <a:defRPr sz="2200" kern="1200">
+                <a:solidFill>
+                  <a:schemeClr val="tx1">
+                    <a:tint val="75000"/>
+                  </a:schemeClr>
+                </a:solidFill>
+                <a:latin typeface="+mn-lt"/>
+                <a:ea typeface="+mn-ea"/>
+                <a:cs typeface="+mn-cs"/>
+              </a:defRPr>
+            </a:lvl2pPr>
+            <a:lvl3pPr marL="914400" indent="0" algn="ctr" defTabSz="914400" rtl="0" eaLnBrk="1" latinLnBrk="0" hangingPunct="1">
+              <a:spcBef>
+                <a:spcPts val="600"/>
+              </a:spcBef>
+              <a:buClr>
+                <a:schemeClr val="bg1">
+                  <a:lumMod val="65000"/>
+                </a:schemeClr>
+              </a:buClr>
+              <a:buSzPct val="90000"/>
+              <a:buFont typeface="Wingdings" pitchFamily="2" charset="2"/>
+              <a:buNone/>
+              <a:defRPr sz="2000" kern="1200">
+                <a:solidFill>
+                  <a:schemeClr val="tx1">
+                    <a:tint val="75000"/>
+                  </a:schemeClr>
+                </a:solidFill>
+                <a:latin typeface="+mn-lt"/>
+                <a:ea typeface="+mn-ea"/>
+                <a:cs typeface="+mn-cs"/>
+              </a:defRPr>
+            </a:lvl3pPr>
+            <a:lvl4pPr marL="1371600" indent="0" algn="ctr" defTabSz="914400" rtl="0" eaLnBrk="1" latinLnBrk="0" hangingPunct="1">
+              <a:spcBef>
+                <a:spcPts val="600"/>
+              </a:spcBef>
+              <a:buClr>
+                <a:schemeClr val="tx1">
+                  <a:lumMod val="75000"/>
+                  <a:lumOff val="25000"/>
+                </a:schemeClr>
+              </a:buClr>
+              <a:buSzPct val="90000"/>
+              <a:buFont typeface="Wingdings" pitchFamily="2" charset="2"/>
+              <a:buNone/>
+              <a:defRPr sz="1800" kern="1200">
+                <a:solidFill>
+                  <a:schemeClr val="tx1">
+                    <a:tint val="75000"/>
+                  </a:schemeClr>
+                </a:solidFill>
+                <a:latin typeface="+mn-lt"/>
+                <a:ea typeface="+mn-ea"/>
+                <a:cs typeface="+mn-cs"/>
+              </a:defRPr>
+            </a:lvl4pPr>
+            <a:lvl5pPr marL="1828800" indent="0" algn="ctr" defTabSz="914400" rtl="0" eaLnBrk="1" latinLnBrk="0" hangingPunct="1">
+              <a:spcBef>
+                <a:spcPts val="600"/>
+              </a:spcBef>
+              <a:buClr>
+                <a:schemeClr val="bg1">
+                  <a:lumMod val="65000"/>
+                </a:schemeClr>
+              </a:buClr>
+              <a:buSzPct val="90000"/>
+              <a:buFont typeface="Wingdings" pitchFamily="2" charset="2"/>
+              <a:buNone/>
+              <a:defRPr sz="1800" kern="1200">
+                <a:solidFill>
+                  <a:schemeClr val="tx1">
+                    <a:tint val="75000"/>
+                  </a:schemeClr>
+                </a:solidFill>
+                <a:latin typeface="+mn-lt"/>
+                <a:ea typeface="+mn-ea"/>
+                <a:cs typeface="+mn-cs"/>
+              </a:defRPr>
+            </a:lvl5pPr>
+            <a:lvl6pPr marL="2286000" indent="0" algn="ctr" defTabSz="914400" rtl="0" eaLnBrk="1" latinLnBrk="0" hangingPunct="1">
+              <a:spcBef>
+                <a:spcPts val="600"/>
+              </a:spcBef>
+              <a:buClr>
+                <a:schemeClr val="tx1">
+                  <a:lumMod val="75000"/>
+                  <a:lumOff val="25000"/>
+                </a:schemeClr>
+              </a:buClr>
+              <a:buSzPct val="90000"/>
+              <a:buFont typeface="Wingdings" pitchFamily="2" charset="2"/>
+              <a:buNone/>
+              <a:defRPr lang="en-US" sz="1800" kern="1200">
+                <a:solidFill>
+                  <a:schemeClr val="tx1">
+                    <a:tint val="75000"/>
+                  </a:schemeClr>
+                </a:solidFill>
+                <a:latin typeface="+mn-lt"/>
+                <a:ea typeface="+mn-ea"/>
+                <a:cs typeface="+mn-cs"/>
+              </a:defRPr>
+            </a:lvl6pPr>
+            <a:lvl7pPr marL="2743200" indent="0" algn="ctr" defTabSz="914400" rtl="0" eaLnBrk="1" latinLnBrk="0" hangingPunct="1">
+              <a:spcBef>
+                <a:spcPts val="600"/>
+              </a:spcBef>
+              <a:buClr>
+                <a:schemeClr val="bg1">
+                  <a:lumMod val="65000"/>
+                </a:schemeClr>
+              </a:buClr>
+              <a:buSzPct val="90000"/>
+              <a:buFont typeface="Wingdings" pitchFamily="2" charset="2"/>
+              <a:buNone/>
+              <a:defRPr lang="en-US" sz="1800" kern="1200">
+                <a:solidFill>
+                  <a:schemeClr val="tx1">
+                    <a:tint val="75000"/>
+                  </a:schemeClr>
+                </a:solidFill>
+                <a:latin typeface="+mn-lt"/>
+                <a:ea typeface="+mn-ea"/>
+                <a:cs typeface="+mn-cs"/>
+              </a:defRPr>
+            </a:lvl7pPr>
+            <a:lvl8pPr marL="3200400" indent="0" algn="ctr" defTabSz="914400" rtl="0" eaLnBrk="1" latinLnBrk="0" hangingPunct="1">
+              <a:spcBef>
+                <a:spcPts val="600"/>
+              </a:spcBef>
+              <a:buClr>
+                <a:schemeClr val="tx1">
+                  <a:lumMod val="75000"/>
+                  <a:lumOff val="25000"/>
+                </a:schemeClr>
+              </a:buClr>
+              <a:buSzPct val="90000"/>
+              <a:buFont typeface="Wingdings" pitchFamily="2" charset="2"/>
+              <a:buNone/>
+              <a:defRPr lang="en-US" sz="1800" kern="1200">
+                <a:solidFill>
+                  <a:schemeClr val="tx1">
+                    <a:tint val="75000"/>
+                  </a:schemeClr>
+                </a:solidFill>
+                <a:latin typeface="+mn-lt"/>
+                <a:ea typeface="+mn-ea"/>
+                <a:cs typeface="+mn-cs"/>
+              </a:defRPr>
+            </a:lvl8pPr>
+            <a:lvl9pPr marL="3657600" indent="0" algn="ctr" defTabSz="914400" rtl="0" eaLnBrk="1" latinLnBrk="0" hangingPunct="1">
+              <a:spcBef>
+                <a:spcPts val="600"/>
+              </a:spcBef>
+              <a:buClr>
+                <a:schemeClr val="bg1">
+                  <a:lumMod val="65000"/>
+                </a:schemeClr>
+              </a:buClr>
+              <a:buSzPct val="90000"/>
+              <a:buFont typeface="Wingdings" pitchFamily="2" charset="2"/>
+              <a:buNone/>
+              <a:defRPr lang="en-US" sz="1800" kern="1200">
+                <a:solidFill>
+                  <a:schemeClr val="tx1">
+                    <a:tint val="75000"/>
+                  </a:schemeClr>
+                </a:solidFill>
+                <a:latin typeface="+mn-lt"/>
+                <a:ea typeface="+mn-ea"/>
+                <a:cs typeface="+mn-cs"/>
+              </a:defRPr>
+            </a:lvl9pPr>
+          </a:lstStyle>
+          <a:p>
+            <a:pPr>
+              <a:spcBef>
+                <a:spcPts val="2000"/>
+              </a:spcBef>
+            </a:pPr>
+            <a:r>
+              <a:rPr lang="pt-PT" sz="5200" b="1" dirty="0" smtClean="0">
+                <a:solidFill>
+                  <a:schemeClr val="tx1">
+                    <a:lumMod val="85000"/>
+                    <a:lumOff val="15000"/>
+                  </a:schemeClr>
+                </a:solidFill>
+              </a:rPr>
+              <a:t>    Introduç</a:t>
+            </a:r>
+            <a:r>
+              <a:rPr lang="pt-PT" sz="5200" b="1" dirty="0" smtClean="0">
+                <a:solidFill>
+                  <a:schemeClr val="tx1">
+                    <a:lumMod val="85000"/>
+                    <a:lumOff val="15000"/>
+                  </a:schemeClr>
+                </a:solidFill>
+              </a:rPr>
+              <a:t>ão</a:t>
+            </a:r>
+            <a:endParaRPr lang="pt-PT" sz="5200" b="1" dirty="0" smtClean="0">
+              <a:solidFill>
+                <a:schemeClr val="tx1">
+                  <a:lumMod val="85000"/>
+                  <a:lumOff val="15000"/>
+                </a:schemeClr>
+              </a:solidFill>
+            </a:endParaRPr>
+          </a:p>
+          <a:p>
+            <a:pPr>
+              <a:spcBef>
+                <a:spcPts val="2000"/>
+              </a:spcBef>
+            </a:pPr>
+            <a:r>
+              <a:rPr lang="pt-PT" sz="3800" dirty="0" smtClean="0">
+                <a:solidFill>
+                  <a:schemeClr val="tx1">
+                    <a:lumMod val="85000"/>
+                    <a:lumOff val="15000"/>
+                  </a:schemeClr>
+                </a:solidFill>
+              </a:rPr>
+              <a:t>  Processos </a:t>
+            </a:r>
+            <a:r>
+              <a:rPr lang="pt-PT" sz="3800" dirty="0">
+                <a:solidFill>
+                  <a:schemeClr val="tx1">
+                    <a:lumMod val="85000"/>
+                    <a:lumOff val="15000"/>
+                  </a:schemeClr>
+                </a:solidFill>
+              </a:rPr>
+              <a:t>de desenvolvimento de software visam assegurar o desenvolvimento de software</a:t>
+            </a:r>
+            <a:r>
+              <a:rPr lang="pt-PT" sz="3800" dirty="0" smtClean="0">
+                <a:solidFill>
+                  <a:schemeClr val="tx1">
+                    <a:lumMod val="85000"/>
+                    <a:lumOff val="15000"/>
+                  </a:schemeClr>
+                </a:solidFill>
+              </a:rPr>
+              <a:t>:</a:t>
+            </a:r>
+          </a:p>
+          <a:p>
+            <a:pPr marL="911225" lvl="1" indent="-454025" algn="l">
+              <a:spcBef>
+                <a:spcPts val="2000"/>
+              </a:spcBef>
+              <a:buFont typeface="Wingdings" pitchFamily="2" charset="2"/>
+              <a:buChar char=""/>
+            </a:pPr>
+            <a:r>
+              <a:rPr lang="pt-PT" sz="3500" dirty="0">
+                <a:solidFill>
+                  <a:schemeClr val="tx1">
+                    <a:lumMod val="85000"/>
+                    <a:lumOff val="15000"/>
+                  </a:schemeClr>
+                </a:solidFill>
+              </a:rPr>
+              <a:t>Com prazos e necessidade de recursos </a:t>
+            </a:r>
+            <a:r>
+              <a:rPr lang="pt-PT" sz="3500" dirty="0" smtClean="0">
+                <a:solidFill>
+                  <a:schemeClr val="tx1">
+                    <a:lumMod val="85000"/>
+                    <a:lumOff val="15000"/>
+                  </a:schemeClr>
+                </a:solidFill>
+              </a:rPr>
+              <a:t>definidos</a:t>
+            </a:r>
+          </a:p>
+          <a:p>
+            <a:pPr marL="911225" lvl="1" indent="-454025" algn="l">
+              <a:spcBef>
+                <a:spcPts val="2000"/>
+              </a:spcBef>
+              <a:buFont typeface="Wingdings" pitchFamily="2" charset="2"/>
+              <a:buChar char=""/>
+            </a:pPr>
+            <a:r>
+              <a:rPr lang="pt-PT" sz="3500" dirty="0">
+                <a:solidFill>
+                  <a:schemeClr val="tx1">
+                    <a:lumMod val="85000"/>
+                    <a:lumOff val="15000"/>
+                  </a:schemeClr>
+                </a:solidFill>
+              </a:rPr>
+              <a:t>Com elevada produtividade (de forma económica</a:t>
+            </a:r>
+            <a:r>
+              <a:rPr lang="pt-PT" sz="3500" dirty="0" smtClean="0">
+                <a:solidFill>
+                  <a:schemeClr val="tx1">
+                    <a:lumMod val="85000"/>
+                    <a:lumOff val="15000"/>
+                  </a:schemeClr>
+                </a:solidFill>
+              </a:rPr>
+              <a:t>)</a:t>
+            </a:r>
+          </a:p>
+          <a:p>
+            <a:pPr marL="911225" lvl="1" indent="-454025" algn="l">
+              <a:spcBef>
+                <a:spcPts val="2000"/>
+              </a:spcBef>
+              <a:buFont typeface="Wingdings" pitchFamily="2" charset="2"/>
+              <a:buChar char=""/>
+            </a:pPr>
+            <a:r>
+              <a:rPr lang="pt-PT" sz="3500" dirty="0">
+                <a:solidFill>
+                  <a:schemeClr val="tx1">
+                    <a:lumMod val="85000"/>
+                    <a:lumOff val="15000"/>
+                  </a:schemeClr>
+                </a:solidFill>
+              </a:rPr>
+              <a:t>Com qualidade assegurada </a:t>
+            </a:r>
+            <a:endParaRPr lang="pt-PT" sz="2400" dirty="0" smtClean="0">
+              <a:solidFill>
+                <a:schemeClr val="tx1">
+                  <a:lumMod val="85000"/>
+                  <a:lumOff val="15000"/>
+                </a:schemeClr>
+              </a:solidFill>
+            </a:endParaRPr>
+          </a:p>
+          <a:p>
+            <a:pPr marL="911225" lvl="1" indent="-454025" defTabSz="693738">
+              <a:spcBef>
+                <a:spcPts val="2000"/>
+              </a:spcBef>
+              <a:buFont typeface="Wingdings" pitchFamily="2" charset="2"/>
+              <a:buChar char=""/>
+            </a:pPr>
+            <a:endParaRPr lang="pt-PT" sz="2800" dirty="0">
+              <a:solidFill>
+                <a:schemeClr val="tx1">
+                  <a:lumMod val="85000"/>
+                  <a:lumOff val="15000"/>
+                </a:schemeClr>
+              </a:solidFill>
+            </a:endParaRPr>
+          </a:p>
+          <a:p>
+            <a:endParaRPr lang="pt-PT" dirty="0">
+              <a:solidFill>
+                <a:schemeClr val="tx1"/>
+              </a:solidFill>
+            </a:endParaRPr>
+          </a:p>
+        </p:txBody>
+      </p:sp>
+    </p:spTree>
+    <p:extLst>
+      <p:ext uri="{BB962C8B-B14F-4D97-AF65-F5344CB8AC3E}">
+        <p14:creationId xmlns:p14="http://schemas.microsoft.com/office/powerpoint/2010/main" val="1551301576"/>
+      </p:ext>
+    </p:extLst>
+  </p:cSld>
+  <p:clrMapOvr>
+    <a:masterClrMapping/>
+  </p:clrMapOvr>
+  <p:timing>
+    <p:tnLst>
+      <p:par>
+        <p:cTn xmlns:p14="http://schemas.microsoft.com/office/powerpoint/2010/main" id="1" dur="indefinite" restart="never" nodeType="tmRoot"/>
+      </p:par>
+    </p:tnLst>
+  </p:timing>
+</p:sld>
+</file>
+
+<file path=ppt/slides/slide4.xml><?xml version="1.0" encoding="utf-8"?>
 <p:sld xmlns:a="http://schemas.openxmlformats.org/drawingml/2006/main" xmlns:r="http://schemas.openxmlformats.org/officeDocument/2006/relationships" xmlns:p="http://schemas.openxmlformats.org/presentationml/2006/main">
   <p:cSld>
     <p:spTree>
@@ -10330,6 +12138,670 @@
       </p:sp>
       <p:sp>
         <p:nvSpPr>
+          <p:cNvPr id="7" name="Espaço Reservado para Conteúdo 2"/>
+          <p:cNvSpPr txBox="1">
+            <a:spLocks/>
+          </p:cNvSpPr>
+          <p:nvPr/>
+        </p:nvSpPr>
+        <p:spPr>
+          <a:xfrm>
+            <a:off x="421340" y="2430386"/>
+            <a:ext cx="8299325" cy="3747499"/>
+          </a:xfrm>
+          <a:prstGeom prst="rect">
+            <a:avLst/>
+          </a:prstGeom>
+        </p:spPr>
+        <p:txBody>
+          <a:bodyPr vert="horz" lIns="91440" tIns="45720" rIns="91440" bIns="45720" rtlCol="0">
+            <a:normAutofit fontScale="62500" lnSpcReduction="20000"/>
+          </a:bodyPr>
+          <a:lstStyle>
+            <a:lvl1pPr marL="0" indent="0" algn="l" defTabSz="914400" rtl="0" eaLnBrk="1" latinLnBrk="0" hangingPunct="1">
+              <a:lnSpc>
+                <a:spcPct val="100000"/>
+              </a:lnSpc>
+              <a:spcBef>
+                <a:spcPts val="0"/>
+              </a:spcBef>
+              <a:buClr>
+                <a:schemeClr val="bg1">
+                  <a:lumMod val="65000"/>
+                </a:schemeClr>
+              </a:buClr>
+              <a:buSzPct val="90000"/>
+              <a:buFont typeface="Wingdings" pitchFamily="2" charset="2"/>
+              <a:buNone/>
+              <a:defRPr sz="1800" kern="1200">
+                <a:solidFill>
+                  <a:schemeClr val="bg1"/>
+                </a:solidFill>
+                <a:latin typeface="+mn-lt"/>
+                <a:ea typeface="+mn-ea"/>
+                <a:cs typeface="+mn-cs"/>
+              </a:defRPr>
+            </a:lvl1pPr>
+            <a:lvl2pPr marL="457200" indent="0" algn="ctr" defTabSz="914400" rtl="0" eaLnBrk="1" latinLnBrk="0" hangingPunct="1">
+              <a:spcBef>
+                <a:spcPts val="600"/>
+              </a:spcBef>
+              <a:buClr>
+                <a:schemeClr val="tx1">
+                  <a:lumMod val="75000"/>
+                  <a:lumOff val="25000"/>
+                </a:schemeClr>
+              </a:buClr>
+              <a:buSzPct val="90000"/>
+              <a:buFont typeface="Wingdings" pitchFamily="2" charset="2"/>
+              <a:buNone/>
+              <a:defRPr sz="2200" kern="1200">
+                <a:solidFill>
+                  <a:schemeClr val="tx1">
+                    <a:tint val="75000"/>
+                  </a:schemeClr>
+                </a:solidFill>
+                <a:latin typeface="+mn-lt"/>
+                <a:ea typeface="+mn-ea"/>
+                <a:cs typeface="+mn-cs"/>
+              </a:defRPr>
+            </a:lvl2pPr>
+            <a:lvl3pPr marL="914400" indent="0" algn="ctr" defTabSz="914400" rtl="0" eaLnBrk="1" latinLnBrk="0" hangingPunct="1">
+              <a:spcBef>
+                <a:spcPts val="600"/>
+              </a:spcBef>
+              <a:buClr>
+                <a:schemeClr val="bg1">
+                  <a:lumMod val="65000"/>
+                </a:schemeClr>
+              </a:buClr>
+              <a:buSzPct val="90000"/>
+              <a:buFont typeface="Wingdings" pitchFamily="2" charset="2"/>
+              <a:buNone/>
+              <a:defRPr sz="2000" kern="1200">
+                <a:solidFill>
+                  <a:schemeClr val="tx1">
+                    <a:tint val="75000"/>
+                  </a:schemeClr>
+                </a:solidFill>
+                <a:latin typeface="+mn-lt"/>
+                <a:ea typeface="+mn-ea"/>
+                <a:cs typeface="+mn-cs"/>
+              </a:defRPr>
+            </a:lvl3pPr>
+            <a:lvl4pPr marL="1371600" indent="0" algn="ctr" defTabSz="914400" rtl="0" eaLnBrk="1" latinLnBrk="0" hangingPunct="1">
+              <a:spcBef>
+                <a:spcPts val="600"/>
+              </a:spcBef>
+              <a:buClr>
+                <a:schemeClr val="tx1">
+                  <a:lumMod val="75000"/>
+                  <a:lumOff val="25000"/>
+                </a:schemeClr>
+              </a:buClr>
+              <a:buSzPct val="90000"/>
+              <a:buFont typeface="Wingdings" pitchFamily="2" charset="2"/>
+              <a:buNone/>
+              <a:defRPr sz="1800" kern="1200">
+                <a:solidFill>
+                  <a:schemeClr val="tx1">
+                    <a:tint val="75000"/>
+                  </a:schemeClr>
+                </a:solidFill>
+                <a:latin typeface="+mn-lt"/>
+                <a:ea typeface="+mn-ea"/>
+                <a:cs typeface="+mn-cs"/>
+              </a:defRPr>
+            </a:lvl4pPr>
+            <a:lvl5pPr marL="1828800" indent="0" algn="ctr" defTabSz="914400" rtl="0" eaLnBrk="1" latinLnBrk="0" hangingPunct="1">
+              <a:spcBef>
+                <a:spcPts val="600"/>
+              </a:spcBef>
+              <a:buClr>
+                <a:schemeClr val="bg1">
+                  <a:lumMod val="65000"/>
+                </a:schemeClr>
+              </a:buClr>
+              <a:buSzPct val="90000"/>
+              <a:buFont typeface="Wingdings" pitchFamily="2" charset="2"/>
+              <a:buNone/>
+              <a:defRPr sz="1800" kern="1200">
+                <a:solidFill>
+                  <a:schemeClr val="tx1">
+                    <a:tint val="75000"/>
+                  </a:schemeClr>
+                </a:solidFill>
+                <a:latin typeface="+mn-lt"/>
+                <a:ea typeface="+mn-ea"/>
+                <a:cs typeface="+mn-cs"/>
+              </a:defRPr>
+            </a:lvl5pPr>
+            <a:lvl6pPr marL="2286000" indent="0" algn="ctr" defTabSz="914400" rtl="0" eaLnBrk="1" latinLnBrk="0" hangingPunct="1">
+              <a:spcBef>
+                <a:spcPts val="600"/>
+              </a:spcBef>
+              <a:buClr>
+                <a:schemeClr val="tx1">
+                  <a:lumMod val="75000"/>
+                  <a:lumOff val="25000"/>
+                </a:schemeClr>
+              </a:buClr>
+              <a:buSzPct val="90000"/>
+              <a:buFont typeface="Wingdings" pitchFamily="2" charset="2"/>
+              <a:buNone/>
+              <a:defRPr lang="en-US" sz="1800" kern="1200">
+                <a:solidFill>
+                  <a:schemeClr val="tx1">
+                    <a:tint val="75000"/>
+                  </a:schemeClr>
+                </a:solidFill>
+                <a:latin typeface="+mn-lt"/>
+                <a:ea typeface="+mn-ea"/>
+                <a:cs typeface="+mn-cs"/>
+              </a:defRPr>
+            </a:lvl6pPr>
+            <a:lvl7pPr marL="2743200" indent="0" algn="ctr" defTabSz="914400" rtl="0" eaLnBrk="1" latinLnBrk="0" hangingPunct="1">
+              <a:spcBef>
+                <a:spcPts val="600"/>
+              </a:spcBef>
+              <a:buClr>
+                <a:schemeClr val="bg1">
+                  <a:lumMod val="65000"/>
+                </a:schemeClr>
+              </a:buClr>
+              <a:buSzPct val="90000"/>
+              <a:buFont typeface="Wingdings" pitchFamily="2" charset="2"/>
+              <a:buNone/>
+              <a:defRPr lang="en-US" sz="1800" kern="1200">
+                <a:solidFill>
+                  <a:schemeClr val="tx1">
+                    <a:tint val="75000"/>
+                  </a:schemeClr>
+                </a:solidFill>
+                <a:latin typeface="+mn-lt"/>
+                <a:ea typeface="+mn-ea"/>
+                <a:cs typeface="+mn-cs"/>
+              </a:defRPr>
+            </a:lvl7pPr>
+            <a:lvl8pPr marL="3200400" indent="0" algn="ctr" defTabSz="914400" rtl="0" eaLnBrk="1" latinLnBrk="0" hangingPunct="1">
+              <a:spcBef>
+                <a:spcPts val="600"/>
+              </a:spcBef>
+              <a:buClr>
+                <a:schemeClr val="tx1">
+                  <a:lumMod val="75000"/>
+                  <a:lumOff val="25000"/>
+                </a:schemeClr>
+              </a:buClr>
+              <a:buSzPct val="90000"/>
+              <a:buFont typeface="Wingdings" pitchFamily="2" charset="2"/>
+              <a:buNone/>
+              <a:defRPr lang="en-US" sz="1800" kern="1200">
+                <a:solidFill>
+                  <a:schemeClr val="tx1">
+                    <a:tint val="75000"/>
+                  </a:schemeClr>
+                </a:solidFill>
+                <a:latin typeface="+mn-lt"/>
+                <a:ea typeface="+mn-ea"/>
+                <a:cs typeface="+mn-cs"/>
+              </a:defRPr>
+            </a:lvl8pPr>
+            <a:lvl9pPr marL="3657600" indent="0" algn="ctr" defTabSz="914400" rtl="0" eaLnBrk="1" latinLnBrk="0" hangingPunct="1">
+              <a:spcBef>
+                <a:spcPts val="600"/>
+              </a:spcBef>
+              <a:buClr>
+                <a:schemeClr val="bg1">
+                  <a:lumMod val="65000"/>
+                </a:schemeClr>
+              </a:buClr>
+              <a:buSzPct val="90000"/>
+              <a:buFont typeface="Wingdings" pitchFamily="2" charset="2"/>
+              <a:buNone/>
+              <a:defRPr lang="en-US" sz="1800" kern="1200">
+                <a:solidFill>
+                  <a:schemeClr val="tx1">
+                    <a:tint val="75000"/>
+                  </a:schemeClr>
+                </a:solidFill>
+                <a:latin typeface="+mn-lt"/>
+                <a:ea typeface="+mn-ea"/>
+                <a:cs typeface="+mn-cs"/>
+              </a:defRPr>
+            </a:lvl9pPr>
+          </a:lstStyle>
+          <a:p>
+            <a:pPr>
+              <a:spcBef>
+                <a:spcPts val="2000"/>
+              </a:spcBef>
+            </a:pPr>
+            <a:r>
+              <a:rPr lang="pt-PT" sz="5200" b="1" dirty="0" smtClean="0">
+                <a:solidFill>
+                  <a:schemeClr val="tx1">
+                    <a:lumMod val="85000"/>
+                    <a:lumOff val="15000"/>
+                  </a:schemeClr>
+                </a:solidFill>
+              </a:rPr>
+              <a:t>    O que </a:t>
+            </a:r>
+            <a:r>
+              <a:rPr lang="pt-PT" sz="5200" b="1" dirty="0" smtClean="0">
+                <a:solidFill>
+                  <a:schemeClr val="tx1">
+                    <a:lumMod val="85000"/>
+                    <a:lumOff val="15000"/>
+                  </a:schemeClr>
+                </a:solidFill>
+              </a:rPr>
+              <a:t>é?</a:t>
+            </a:r>
+            <a:endParaRPr lang="pt-PT" sz="5200" b="1" dirty="0" smtClean="0">
+              <a:solidFill>
+                <a:schemeClr val="tx1">
+                  <a:lumMod val="85000"/>
+                  <a:lumOff val="15000"/>
+                </a:schemeClr>
+              </a:solidFill>
+            </a:endParaRPr>
+          </a:p>
+          <a:p>
+            <a:pPr marL="454025" indent="-454025">
+              <a:spcBef>
+                <a:spcPts val="2000"/>
+              </a:spcBef>
+              <a:buFont typeface="Wingdings" pitchFamily="2" charset="2"/>
+              <a:buChar char=""/>
+            </a:pPr>
+            <a:r>
+              <a:rPr lang="pt-PT" sz="3800" dirty="0" smtClean="0">
+                <a:solidFill>
+                  <a:schemeClr val="tx1">
+                    <a:lumMod val="85000"/>
+                    <a:lumOff val="15000"/>
+                  </a:schemeClr>
+                </a:solidFill>
+              </a:rPr>
+              <a:t>Define como se estrutura o desenvolvimento de software </a:t>
+            </a:r>
+          </a:p>
+          <a:p>
+            <a:pPr marL="454025" indent="-454025">
+              <a:spcBef>
+                <a:spcPts val="2000"/>
+              </a:spcBef>
+              <a:buFont typeface="Wingdings" pitchFamily="2" charset="2"/>
+              <a:buChar char=""/>
+            </a:pPr>
+            <a:r>
+              <a:rPr lang="pt-PT" sz="3800" dirty="0" smtClean="0">
+                <a:solidFill>
+                  <a:schemeClr val="tx1">
+                    <a:lumMod val="85000"/>
+                    <a:lumOff val="15000"/>
+                  </a:schemeClr>
+                </a:solidFill>
+              </a:rPr>
+              <a:t>Identifica as fases de desenvolvimento e como se passa de umas para as outras</a:t>
+            </a:r>
+            <a:r>
+              <a:rPr lang="pt-PT" sz="3600" dirty="0" smtClean="0">
+                <a:solidFill>
+                  <a:schemeClr val="tx1">
+                    <a:lumMod val="85000"/>
+                    <a:lumOff val="15000"/>
+                  </a:schemeClr>
+                </a:solidFill>
+              </a:rPr>
+              <a:t>:</a:t>
+            </a:r>
+          </a:p>
+          <a:p>
+            <a:pPr marL="911225" lvl="1" indent="-454025" algn="l">
+              <a:spcBef>
+                <a:spcPts val="2000"/>
+              </a:spcBef>
+              <a:buFont typeface="Wingdings" pitchFamily="2" charset="2"/>
+              <a:buChar char=""/>
+            </a:pPr>
+            <a:r>
+              <a:rPr lang="pt-PT" sz="3500" dirty="0" smtClean="0">
+                <a:solidFill>
+                  <a:schemeClr val="tx1">
+                    <a:lumMod val="85000"/>
+                    <a:lumOff val="15000"/>
+                  </a:schemeClr>
+                </a:solidFill>
+              </a:rPr>
+              <a:t>Quem faz o qu</a:t>
+            </a:r>
+            <a:r>
+              <a:rPr lang="pt-PT" sz="3500" dirty="0" smtClean="0">
+                <a:solidFill>
+                  <a:schemeClr val="tx1">
+                    <a:lumMod val="85000"/>
+                    <a:lumOff val="15000"/>
+                  </a:schemeClr>
+                </a:solidFill>
+              </a:rPr>
+              <a:t>ê</a:t>
+            </a:r>
+          </a:p>
+          <a:p>
+            <a:pPr marL="911225" lvl="1" indent="-454025" algn="l">
+              <a:spcBef>
+                <a:spcPts val="2000"/>
+              </a:spcBef>
+              <a:buFont typeface="Wingdings" pitchFamily="2" charset="2"/>
+              <a:buChar char=""/>
+            </a:pPr>
+            <a:r>
+              <a:rPr lang="pt-PT" sz="3500" dirty="0" smtClean="0">
+                <a:solidFill>
+                  <a:schemeClr val="tx1">
+                    <a:lumMod val="85000"/>
+                    <a:lumOff val="15000"/>
+                  </a:schemeClr>
+                </a:solidFill>
+              </a:rPr>
+              <a:t>Quando é feito</a:t>
+            </a:r>
+          </a:p>
+          <a:p>
+            <a:pPr marL="911225" lvl="1" indent="-454025" algn="l">
+              <a:spcBef>
+                <a:spcPts val="2000"/>
+              </a:spcBef>
+              <a:buFont typeface="Wingdings" pitchFamily="2" charset="2"/>
+              <a:buChar char=""/>
+            </a:pPr>
+            <a:r>
+              <a:rPr lang="pt-PT" sz="3500" dirty="0" smtClean="0">
+                <a:solidFill>
+                  <a:schemeClr val="tx1">
+                    <a:lumMod val="85000"/>
+                    <a:lumOff val="15000"/>
+                  </a:schemeClr>
+                </a:solidFill>
+              </a:rPr>
+              <a:t>Durante quanto tempo</a:t>
+            </a:r>
+            <a:endParaRPr lang="pt-PT" sz="3500" dirty="0" smtClean="0">
+              <a:solidFill>
+                <a:schemeClr val="tx1">
+                  <a:lumMod val="85000"/>
+                  <a:lumOff val="15000"/>
+                </a:schemeClr>
+              </a:solidFill>
+            </a:endParaRPr>
+          </a:p>
+          <a:p>
+            <a:pPr marL="454025" indent="-454025">
+              <a:spcBef>
+                <a:spcPts val="2000"/>
+              </a:spcBef>
+              <a:buFont typeface="Wingdings" pitchFamily="2" charset="2"/>
+              <a:buChar char=""/>
+            </a:pPr>
+            <a:endParaRPr lang="pt-PT" sz="2400" dirty="0" smtClean="0">
+              <a:solidFill>
+                <a:schemeClr val="tx1">
+                  <a:lumMod val="85000"/>
+                  <a:lumOff val="15000"/>
+                </a:schemeClr>
+              </a:solidFill>
+            </a:endParaRPr>
+          </a:p>
+          <a:p>
+            <a:pPr marL="911225" lvl="1" indent="-454025" defTabSz="693738">
+              <a:spcBef>
+                <a:spcPts val="2000"/>
+              </a:spcBef>
+              <a:buFont typeface="Wingdings" pitchFamily="2" charset="2"/>
+              <a:buChar char=""/>
+            </a:pPr>
+            <a:endParaRPr lang="pt-PT" sz="2800" dirty="0">
+              <a:solidFill>
+                <a:schemeClr val="tx1">
+                  <a:lumMod val="85000"/>
+                  <a:lumOff val="15000"/>
+                </a:schemeClr>
+              </a:solidFill>
+            </a:endParaRPr>
+          </a:p>
+          <a:p>
+            <a:endParaRPr lang="pt-PT" dirty="0">
+              <a:solidFill>
+                <a:schemeClr val="tx1"/>
+              </a:solidFill>
+            </a:endParaRPr>
+          </a:p>
+        </p:txBody>
+      </p:sp>
+    </p:spTree>
+    <p:extLst>
+      <p:ext uri="{BB962C8B-B14F-4D97-AF65-F5344CB8AC3E}">
+        <p14:creationId xmlns:p14="http://schemas.microsoft.com/office/powerpoint/2010/main" val="2764017692"/>
+      </p:ext>
+    </p:extLst>
+  </p:cSld>
+  <p:clrMapOvr>
+    <a:masterClrMapping/>
+  </p:clrMapOvr>
+  <p:timing>
+    <p:tnLst>
+      <p:par>
+        <p:cTn xmlns:p14="http://schemas.microsoft.com/office/powerpoint/2010/main" id="1" dur="indefinite" restart="never" nodeType="tmRoot"/>
+      </p:par>
+    </p:tnLst>
+  </p:timing>
+</p:sld>
+</file>
+
+<file path=ppt/slides/slide5.xml><?xml version="1.0" encoding="utf-8"?>
+<p:sld xmlns:a="http://schemas.openxmlformats.org/drawingml/2006/main" xmlns:r="http://schemas.openxmlformats.org/officeDocument/2006/relationships" xmlns:p="http://schemas.openxmlformats.org/presentationml/2006/main">
+  <p:cSld>
+    <p:spTree>
+      <p:nvGrpSpPr>
+        <p:cNvPr id="1" name=""/>
+        <p:cNvGrpSpPr/>
+        <p:nvPr/>
+      </p:nvGrpSpPr>
+      <p:grpSpPr>
+        <a:xfrm>
+          <a:off x="0" y="0"/>
+          <a:ext cx="0" cy="0"/>
+          <a:chOff x="0" y="0"/>
+          <a:chExt cx="0" cy="0"/>
+        </a:xfrm>
+      </p:grpSpPr>
+      <p:sp>
+        <p:nvSpPr>
+          <p:cNvPr id="3" name="Subtitle 2"/>
+          <p:cNvSpPr>
+            <a:spLocks noGrp="1"/>
+          </p:cNvSpPr>
+          <p:nvPr>
+            <p:ph type="subTitle" idx="1"/>
+          </p:nvPr>
+        </p:nvSpPr>
+        <p:spPr>
+          <a:xfrm>
+            <a:off x="380999" y="1532427"/>
+            <a:ext cx="1778000" cy="484632"/>
+          </a:xfrm>
+        </p:spPr>
+        <p:txBody>
+          <a:bodyPr>
+            <a:noAutofit/>
+          </a:bodyPr>
+          <a:lstStyle/>
+          <a:p>
+            <a:r>
+              <a:rPr lang="en-US" sz="1300" dirty="0" err="1" smtClean="0"/>
+              <a:t>Universidade</a:t>
+            </a:r>
+            <a:r>
+              <a:rPr lang="en-US" sz="1300" dirty="0" smtClean="0"/>
+              <a:t> do Minho</a:t>
+            </a:r>
+            <a:endParaRPr lang="en-US" sz="1300" dirty="0"/>
+          </a:p>
+        </p:txBody>
+      </p:sp>
+      <p:pic>
+        <p:nvPicPr>
+          <p:cNvPr id="5" name="Picture 4" descr="logo-ee.jpg"/>
+          <p:cNvPicPr>
+            <a:picLocks noChangeAspect="1"/>
+          </p:cNvPicPr>
+          <p:nvPr/>
+        </p:nvPicPr>
+        <p:blipFill>
+          <a:blip r:embed="rId2">
+            <a:extLst>
+              <a:ext uri="{28A0092B-C50C-407E-A947-70E740481C1C}">
+                <a14:useLocalDpi xmlns:a14="http://schemas.microsoft.com/office/drawing/2010/main" val="0"/>
+              </a:ext>
+            </a:extLst>
+          </a:blip>
+          <a:stretch>
+            <a:fillRect/>
+          </a:stretch>
+        </p:blipFill>
+        <p:spPr>
+          <a:xfrm>
+            <a:off x="380999" y="643427"/>
+            <a:ext cx="1778000" cy="889000"/>
+          </a:xfrm>
+          <a:prstGeom prst="rect">
+            <a:avLst/>
+          </a:prstGeom>
+        </p:spPr>
+      </p:pic>
+      <p:sp>
+        <p:nvSpPr>
+          <p:cNvPr id="9" name="Title 8"/>
+          <p:cNvSpPr>
+            <a:spLocks noGrp="1"/>
+          </p:cNvSpPr>
+          <p:nvPr>
+            <p:ph type="ctrTitle"/>
+          </p:nvPr>
+        </p:nvSpPr>
+        <p:spPr/>
+        <p:txBody>
+          <a:bodyPr/>
+          <a:lstStyle/>
+          <a:p>
+            <a:r>
+              <a:rPr lang="pt-PT" dirty="0" smtClean="0"/>
+              <a:t> </a:t>
+            </a:r>
+            <a:endParaRPr lang="pt-PT" dirty="0"/>
+          </a:p>
+        </p:txBody>
+      </p:sp>
+      <p:sp>
+        <p:nvSpPr>
+          <p:cNvPr id="12" name="Title 1"/>
+          <p:cNvSpPr txBox="1">
+            <a:spLocks/>
+          </p:cNvSpPr>
+          <p:nvPr/>
+        </p:nvSpPr>
+        <p:spPr>
+          <a:xfrm>
+            <a:off x="2304973" y="757593"/>
+            <a:ext cx="6415693" cy="893714"/>
+          </a:xfrm>
+          <a:prstGeom prst="rect">
+            <a:avLst/>
+          </a:prstGeom>
+          <a:noFill/>
+        </p:spPr>
+        <p:txBody>
+          <a:bodyPr vert="horz" lIns="91440" tIns="45720" rIns="91440" bIns="45720" rtlCol="0" anchor="ctr">
+            <a:noAutofit/>
+          </a:bodyPr>
+          <a:lstStyle>
+            <a:lvl1pPr algn="r" defTabSz="914400" rtl="0" eaLnBrk="1" latinLnBrk="0" hangingPunct="1">
+              <a:spcBef>
+                <a:spcPct val="0"/>
+              </a:spcBef>
+              <a:buNone/>
+              <a:defRPr sz="4200" kern="1200">
+                <a:solidFill>
+                  <a:schemeClr val="bg1"/>
+                </a:solidFill>
+                <a:latin typeface="+mj-lt"/>
+                <a:ea typeface="+mj-ea"/>
+                <a:cs typeface="+mj-cs"/>
+              </a:defRPr>
+            </a:lvl1pPr>
+          </a:lstStyle>
+          <a:p>
+            <a:pPr algn="ctr"/>
+            <a:r>
+              <a:rPr lang="pt-PT" sz="2600" dirty="0" smtClean="0"/>
+              <a:t>Licenciatura</a:t>
+            </a:r>
+            <a:r>
+              <a:rPr lang="en-US" sz="2600" dirty="0" smtClean="0"/>
+              <a:t> </a:t>
+            </a:r>
+            <a:r>
+              <a:rPr lang="pt-PT" sz="2600" dirty="0" smtClean="0"/>
+              <a:t>em</a:t>
+            </a:r>
+            <a:r>
+              <a:rPr lang="en-US" sz="2600" dirty="0" smtClean="0"/>
+              <a:t> </a:t>
+            </a:r>
+            <a:r>
+              <a:rPr lang="en-US" sz="2600" dirty="0" err="1" smtClean="0"/>
+              <a:t>Engenharia</a:t>
+            </a:r>
+            <a:r>
+              <a:rPr lang="en-US" sz="2600" dirty="0" smtClean="0"/>
+              <a:t> </a:t>
+            </a:r>
+            <a:r>
+              <a:rPr lang="en-US" sz="2600" dirty="0" err="1" smtClean="0"/>
+              <a:t>Informática</a:t>
+            </a:r>
+            <a:r>
+              <a:rPr lang="en-US" sz="2600" dirty="0" smtClean="0"/>
+              <a:t/>
+            </a:r>
+            <a:br>
+              <a:rPr lang="en-US" sz="2600" dirty="0" smtClean="0"/>
+            </a:br>
+            <a:r>
+              <a:rPr lang="en-US" sz="2600" dirty="0" err="1" smtClean="0"/>
+              <a:t>Laboratórios</a:t>
+            </a:r>
+            <a:r>
+              <a:rPr lang="en-US" sz="2600" dirty="0" smtClean="0"/>
+              <a:t> de </a:t>
+            </a:r>
+            <a:r>
+              <a:rPr lang="en-US" sz="2600" dirty="0" err="1" smtClean="0"/>
+              <a:t>Informática</a:t>
+            </a:r>
+            <a:r>
+              <a:rPr lang="en-US" sz="2600" dirty="0" smtClean="0"/>
+              <a:t> IV</a:t>
+            </a:r>
+            <a:endParaRPr lang="en-US" sz="1900" dirty="0"/>
+          </a:p>
+        </p:txBody>
+      </p:sp>
+      <p:sp>
+        <p:nvSpPr>
           <p:cNvPr id="11" name="Espaço Reservado para Conteúdo 2"/>
           <p:cNvSpPr txBox="1">
             <a:spLocks/>
@@ -10594,7 +13066,7 @@
                   <a:schemeClr val="tx1"/>
                 </a:solidFill>
               </a:rPr>
-              <a:t>Introdução</a:t>
+              <a:t>Modelo em Espiral</a:t>
             </a:r>
             <a:endParaRPr lang="pt-PT" sz="4000" dirty="0" smtClean="0">
               <a:solidFill>
@@ -10668,7 +13140,7 @@
     </p:spTree>
     <p:extLst>
       <p:ext uri="{BB962C8B-B14F-4D97-AF65-F5344CB8AC3E}">
-        <p14:creationId xmlns:p14="http://schemas.microsoft.com/office/powerpoint/2010/main" val="2764017692"/>
+        <p14:creationId xmlns:p14="http://schemas.microsoft.com/office/powerpoint/2010/main" val="4212445925"/>
       </p:ext>
     </p:extLst>
   </p:cSld>
@@ -10678,14 +13150,14 @@
   <p:timing>
     <p:tnLst>
       <p:par>
-        <p:cTn id="1" dur="indefinite" restart="never" nodeType="tmRoot"/>
+        <p:cTn xmlns:p14="http://schemas.microsoft.com/office/powerpoint/2010/main" id="1" dur="indefinite" restart="never" nodeType="tmRoot"/>
       </p:par>
     </p:tnLst>
   </p:timing>
 </p:sld>
 </file>
 
-<file path=ppt/slides/slide4.xml><?xml version="1.0" encoding="utf-8"?>
+<file path=ppt/slides/slide6.xml><?xml version="1.0" encoding="utf-8"?>
 <p:sld xmlns:a="http://schemas.openxmlformats.org/drawingml/2006/main" xmlns:r="http://schemas.openxmlformats.org/officeDocument/2006/relationships" xmlns:p="http://schemas.openxmlformats.org/presentationml/2006/main">
   <p:cSld>
     <p:spTree>
@@ -10927,14 +13399,14 @@
   <p:timing>
     <p:tnLst>
       <p:par>
-        <p:cTn id="1" dur="indefinite" restart="never" nodeType="tmRoot"/>
+        <p:cTn xmlns:p14="http://schemas.microsoft.com/office/powerpoint/2010/main" id="1" dur="indefinite" restart="never" nodeType="tmRoot"/>
       </p:par>
     </p:tnLst>
   </p:timing>
 </p:sld>
 </file>
 
-<file path=ppt/slides/slide5.xml><?xml version="1.0" encoding="utf-8"?>
+<file path=ppt/slides/slide7.xml><?xml version="1.0" encoding="utf-8"?>
 <p:sld xmlns:a="http://schemas.openxmlformats.org/drawingml/2006/main" xmlns:r="http://schemas.openxmlformats.org/officeDocument/2006/relationships" xmlns:p="http://schemas.openxmlformats.org/presentationml/2006/main">
   <p:cSld>
     <p:spTree>
@@ -11611,14 +14083,14 @@
   <p:timing>
     <p:tnLst>
       <p:par>
-        <p:cTn id="1" dur="indefinite" restart="never" nodeType="tmRoot"/>
+        <p:cTn xmlns:p14="http://schemas.microsoft.com/office/powerpoint/2010/main" id="1" dur="indefinite" restart="never" nodeType="tmRoot"/>
       </p:par>
     </p:tnLst>
   </p:timing>
 </p:sld>
 </file>
 
-<file path=ppt/slides/slide6.xml><?xml version="1.0" encoding="utf-8"?>
+<file path=ppt/slides/slide8.xml><?xml version="1.0" encoding="utf-8"?>
 <p:sld xmlns:a="http://schemas.openxmlformats.org/drawingml/2006/main" xmlns:r="http://schemas.openxmlformats.org/officeDocument/2006/relationships" xmlns:p="http://schemas.openxmlformats.org/presentationml/2006/main">
   <p:cSld>
     <p:spTree>
@@ -12195,14 +14667,14 @@
   <p:timing>
     <p:tnLst>
       <p:par>
-        <p:cTn id="1" dur="indefinite" restart="never" nodeType="tmRoot"/>
+        <p:cTn xmlns:p14="http://schemas.microsoft.com/office/powerpoint/2010/main" id="1" dur="indefinite" restart="never" nodeType="tmRoot"/>
       </p:par>
     </p:tnLst>
   </p:timing>
 </p:sld>
 </file>
 
-<file path=ppt/slides/slide7.xml><?xml version="1.0" encoding="utf-8"?>
+<file path=ppt/slides/slide9.xml><?xml version="1.0" encoding="utf-8"?>
 <p:sld xmlns:a="http://schemas.openxmlformats.org/drawingml/2006/main" xmlns:r="http://schemas.openxmlformats.org/officeDocument/2006/relationships" xmlns:p="http://schemas.openxmlformats.org/presentationml/2006/main">
   <p:cSld>
     <p:spTree>
@@ -12836,1034 +15308,7 @@
   <p:timing>
     <p:tnLst>
       <p:par>
-        <p:cTn id="1" dur="indefinite" restart="never" nodeType="tmRoot"/>
-      </p:par>
-    </p:tnLst>
-  </p:timing>
-</p:sld>
-</file>
-
-<file path=ppt/slides/slide8.xml><?xml version="1.0" encoding="utf-8"?>
-<p:sld xmlns:a="http://schemas.openxmlformats.org/drawingml/2006/main" xmlns:r="http://schemas.openxmlformats.org/officeDocument/2006/relationships" xmlns:p="http://schemas.openxmlformats.org/presentationml/2006/main">
-  <p:cSld>
-    <p:spTree>
-      <p:nvGrpSpPr>
-        <p:cNvPr id="1" name=""/>
-        <p:cNvGrpSpPr/>
-        <p:nvPr/>
-      </p:nvGrpSpPr>
-      <p:grpSpPr>
-        <a:xfrm>
-          <a:off x="0" y="0"/>
-          <a:ext cx="0" cy="0"/>
-          <a:chOff x="0" y="0"/>
-          <a:chExt cx="0" cy="0"/>
-        </a:xfrm>
-      </p:grpSpPr>
-      <p:sp>
-        <p:nvSpPr>
-          <p:cNvPr id="3" name="Subtitle 2"/>
-          <p:cNvSpPr>
-            <a:spLocks noGrp="1"/>
-          </p:cNvSpPr>
-          <p:nvPr>
-            <p:ph type="subTitle" idx="1"/>
-          </p:nvPr>
-        </p:nvSpPr>
-        <p:spPr>
-          <a:xfrm>
-            <a:off x="380999" y="1532427"/>
-            <a:ext cx="1778000" cy="484632"/>
-          </a:xfrm>
-        </p:spPr>
-        <p:txBody>
-          <a:bodyPr>
-            <a:noAutofit/>
-          </a:bodyPr>
-          <a:lstStyle/>
-          <a:p>
-            <a:r>
-              <a:rPr lang="en-US" sz="1300" dirty="0" err="1" smtClean="0"/>
-              <a:t>Universidade</a:t>
-            </a:r>
-            <a:r>
-              <a:rPr lang="en-US" sz="1300" dirty="0" smtClean="0"/>
-              <a:t> do Minho</a:t>
-            </a:r>
-            <a:endParaRPr lang="en-US" sz="1300" dirty="0"/>
-          </a:p>
-        </p:txBody>
-      </p:sp>
-      <p:pic>
-        <p:nvPicPr>
-          <p:cNvPr id="5" name="Picture 4" descr="logo-ee.jpg"/>
-          <p:cNvPicPr>
-            <a:picLocks noChangeAspect="1"/>
-          </p:cNvPicPr>
-          <p:nvPr/>
-        </p:nvPicPr>
-        <p:blipFill>
-          <a:blip r:embed="rId3">
-            <a:extLst>
-              <a:ext uri="{28A0092B-C50C-407E-A947-70E740481C1C}">
-                <a14:useLocalDpi xmlns:a14="http://schemas.microsoft.com/office/drawing/2010/main" val="0"/>
-              </a:ext>
-            </a:extLst>
-          </a:blip>
-          <a:stretch>
-            <a:fillRect/>
-          </a:stretch>
-        </p:blipFill>
-        <p:spPr>
-          <a:xfrm>
-            <a:off x="380999" y="643427"/>
-            <a:ext cx="1778000" cy="889000"/>
-          </a:xfrm>
-          <a:prstGeom prst="rect">
-            <a:avLst/>
-          </a:prstGeom>
-        </p:spPr>
-      </p:pic>
-      <p:sp>
-        <p:nvSpPr>
-          <p:cNvPr id="9" name="Title 8"/>
-          <p:cNvSpPr>
-            <a:spLocks noGrp="1"/>
-          </p:cNvSpPr>
-          <p:nvPr>
-            <p:ph type="ctrTitle"/>
-          </p:nvPr>
-        </p:nvSpPr>
-        <p:spPr/>
-        <p:txBody>
-          <a:bodyPr/>
-          <a:lstStyle/>
-          <a:p>
-            <a:r>
-              <a:rPr lang="pt-PT" dirty="0" smtClean="0"/>
-              <a:t> </a:t>
-            </a:r>
-            <a:endParaRPr lang="pt-PT" dirty="0"/>
-          </a:p>
-        </p:txBody>
-      </p:sp>
-      <p:sp>
-        <p:nvSpPr>
-          <p:cNvPr id="12" name="Title 1"/>
-          <p:cNvSpPr txBox="1">
-            <a:spLocks/>
-          </p:cNvSpPr>
-          <p:nvPr/>
-        </p:nvSpPr>
-        <p:spPr>
-          <a:xfrm>
-            <a:off x="2304973" y="757593"/>
-            <a:ext cx="6415693" cy="893714"/>
-          </a:xfrm>
-          <a:prstGeom prst="rect">
-            <a:avLst/>
-          </a:prstGeom>
-          <a:noFill/>
-        </p:spPr>
-        <p:txBody>
-          <a:bodyPr vert="horz" lIns="91440" tIns="45720" rIns="91440" bIns="45720" rtlCol="0" anchor="ctr">
-            <a:noAutofit/>
-          </a:bodyPr>
-          <a:lstStyle>
-            <a:lvl1pPr algn="r" defTabSz="914400" rtl="0" eaLnBrk="1" latinLnBrk="0" hangingPunct="1">
-              <a:spcBef>
-                <a:spcPct val="0"/>
-              </a:spcBef>
-              <a:buNone/>
-              <a:defRPr sz="4200" kern="1200">
-                <a:solidFill>
-                  <a:schemeClr val="bg1"/>
-                </a:solidFill>
-                <a:latin typeface="+mj-lt"/>
-                <a:ea typeface="+mj-ea"/>
-                <a:cs typeface="+mj-cs"/>
-              </a:defRPr>
-            </a:lvl1pPr>
-          </a:lstStyle>
-          <a:p>
-            <a:pPr algn="ctr"/>
-            <a:r>
-              <a:rPr lang="pt-PT" sz="2600" dirty="0" smtClean="0"/>
-              <a:t>Licenciatura</a:t>
-            </a:r>
-            <a:r>
-              <a:rPr lang="en-US" sz="2600" dirty="0" smtClean="0"/>
-              <a:t> </a:t>
-            </a:r>
-            <a:r>
-              <a:rPr lang="pt-PT" sz="2600" dirty="0" smtClean="0"/>
-              <a:t>em</a:t>
-            </a:r>
-            <a:r>
-              <a:rPr lang="en-US" sz="2600" dirty="0" smtClean="0"/>
-              <a:t> </a:t>
-            </a:r>
-            <a:r>
-              <a:rPr lang="en-US" sz="2600" dirty="0" err="1" smtClean="0"/>
-              <a:t>Engenharia</a:t>
-            </a:r>
-            <a:r>
-              <a:rPr lang="en-US" sz="2600" dirty="0" smtClean="0"/>
-              <a:t> </a:t>
-            </a:r>
-            <a:r>
-              <a:rPr lang="en-US" sz="2600" dirty="0" err="1" smtClean="0"/>
-              <a:t>Informática</a:t>
-            </a:r>
-            <a:r>
-              <a:rPr lang="en-US" sz="2600" dirty="0" smtClean="0"/>
-              <a:t/>
-            </a:r>
-            <a:br>
-              <a:rPr lang="en-US" sz="2600" dirty="0" smtClean="0"/>
-            </a:br>
-            <a:r>
-              <a:rPr lang="en-US" sz="2600" dirty="0" err="1" smtClean="0"/>
-              <a:t>Laboratórios</a:t>
-            </a:r>
-            <a:r>
-              <a:rPr lang="en-US" sz="2600" dirty="0" smtClean="0"/>
-              <a:t> de </a:t>
-            </a:r>
-            <a:r>
-              <a:rPr lang="en-US" sz="2600" dirty="0" err="1" smtClean="0"/>
-              <a:t>Informática</a:t>
-            </a:r>
-            <a:r>
-              <a:rPr lang="en-US" sz="2600" dirty="0" smtClean="0"/>
-              <a:t> IV</a:t>
-            </a:r>
-            <a:endParaRPr lang="en-US" sz="1900" dirty="0"/>
-          </a:p>
-        </p:txBody>
-      </p:sp>
-      <p:sp>
-        <p:nvSpPr>
-          <p:cNvPr id="11" name="Espaço Reservado para Conteúdo 2"/>
-          <p:cNvSpPr txBox="1">
-            <a:spLocks/>
-          </p:cNvSpPr>
-          <p:nvPr/>
-        </p:nvSpPr>
-        <p:spPr>
-          <a:xfrm>
-            <a:off x="421341" y="2339163"/>
-            <a:ext cx="8339667" cy="3498111"/>
-          </a:xfrm>
-          <a:prstGeom prst="rect">
-            <a:avLst/>
-          </a:prstGeom>
-        </p:spPr>
-        <p:txBody>
-          <a:bodyPr vert="horz" lIns="91440" tIns="45720" rIns="91440" bIns="45720" rtlCol="0">
-            <a:normAutofit fontScale="77500" lnSpcReduction="20000"/>
-          </a:bodyPr>
-          <a:lstStyle>
-            <a:lvl1pPr marL="0" indent="0" algn="l" defTabSz="914400" rtl="0" eaLnBrk="1" latinLnBrk="0" hangingPunct="1">
-              <a:lnSpc>
-                <a:spcPct val="100000"/>
-              </a:lnSpc>
-              <a:spcBef>
-                <a:spcPts val="0"/>
-              </a:spcBef>
-              <a:buClr>
-                <a:schemeClr val="bg1">
-                  <a:lumMod val="65000"/>
-                </a:schemeClr>
-              </a:buClr>
-              <a:buSzPct val="90000"/>
-              <a:buFont typeface="Wingdings" pitchFamily="2" charset="2"/>
-              <a:buNone/>
-              <a:defRPr sz="1800" kern="1200">
-                <a:solidFill>
-                  <a:schemeClr val="bg1"/>
-                </a:solidFill>
-                <a:latin typeface="+mn-lt"/>
-                <a:ea typeface="+mn-ea"/>
-                <a:cs typeface="+mn-cs"/>
-              </a:defRPr>
-            </a:lvl1pPr>
-            <a:lvl2pPr marL="457200" indent="0" algn="ctr" defTabSz="914400" rtl="0" eaLnBrk="1" latinLnBrk="0" hangingPunct="1">
-              <a:spcBef>
-                <a:spcPts val="600"/>
-              </a:spcBef>
-              <a:buClr>
-                <a:schemeClr val="tx1">
-                  <a:lumMod val="75000"/>
-                  <a:lumOff val="25000"/>
-                </a:schemeClr>
-              </a:buClr>
-              <a:buSzPct val="90000"/>
-              <a:buFont typeface="Wingdings" pitchFamily="2" charset="2"/>
-              <a:buNone/>
-              <a:defRPr sz="2200" kern="1200">
-                <a:solidFill>
-                  <a:schemeClr val="tx1">
-                    <a:tint val="75000"/>
-                  </a:schemeClr>
-                </a:solidFill>
-                <a:latin typeface="+mn-lt"/>
-                <a:ea typeface="+mn-ea"/>
-                <a:cs typeface="+mn-cs"/>
-              </a:defRPr>
-            </a:lvl2pPr>
-            <a:lvl3pPr marL="914400" indent="0" algn="ctr" defTabSz="914400" rtl="0" eaLnBrk="1" latinLnBrk="0" hangingPunct="1">
-              <a:spcBef>
-                <a:spcPts val="600"/>
-              </a:spcBef>
-              <a:buClr>
-                <a:schemeClr val="bg1">
-                  <a:lumMod val="65000"/>
-                </a:schemeClr>
-              </a:buClr>
-              <a:buSzPct val="90000"/>
-              <a:buFont typeface="Wingdings" pitchFamily="2" charset="2"/>
-              <a:buNone/>
-              <a:defRPr sz="2000" kern="1200">
-                <a:solidFill>
-                  <a:schemeClr val="tx1">
-                    <a:tint val="75000"/>
-                  </a:schemeClr>
-                </a:solidFill>
-                <a:latin typeface="+mn-lt"/>
-                <a:ea typeface="+mn-ea"/>
-                <a:cs typeface="+mn-cs"/>
-              </a:defRPr>
-            </a:lvl3pPr>
-            <a:lvl4pPr marL="1371600" indent="0" algn="ctr" defTabSz="914400" rtl="0" eaLnBrk="1" latinLnBrk="0" hangingPunct="1">
-              <a:spcBef>
-                <a:spcPts val="600"/>
-              </a:spcBef>
-              <a:buClr>
-                <a:schemeClr val="tx1">
-                  <a:lumMod val="75000"/>
-                  <a:lumOff val="25000"/>
-                </a:schemeClr>
-              </a:buClr>
-              <a:buSzPct val="90000"/>
-              <a:buFont typeface="Wingdings" pitchFamily="2" charset="2"/>
-              <a:buNone/>
-              <a:defRPr sz="1800" kern="1200">
-                <a:solidFill>
-                  <a:schemeClr val="tx1">
-                    <a:tint val="75000"/>
-                  </a:schemeClr>
-                </a:solidFill>
-                <a:latin typeface="+mn-lt"/>
-                <a:ea typeface="+mn-ea"/>
-                <a:cs typeface="+mn-cs"/>
-              </a:defRPr>
-            </a:lvl4pPr>
-            <a:lvl5pPr marL="1828800" indent="0" algn="ctr" defTabSz="914400" rtl="0" eaLnBrk="1" latinLnBrk="0" hangingPunct="1">
-              <a:spcBef>
-                <a:spcPts val="600"/>
-              </a:spcBef>
-              <a:buClr>
-                <a:schemeClr val="bg1">
-                  <a:lumMod val="65000"/>
-                </a:schemeClr>
-              </a:buClr>
-              <a:buSzPct val="90000"/>
-              <a:buFont typeface="Wingdings" pitchFamily="2" charset="2"/>
-              <a:buNone/>
-              <a:defRPr sz="1800" kern="1200">
-                <a:solidFill>
-                  <a:schemeClr val="tx1">
-                    <a:tint val="75000"/>
-                  </a:schemeClr>
-                </a:solidFill>
-                <a:latin typeface="+mn-lt"/>
-                <a:ea typeface="+mn-ea"/>
-                <a:cs typeface="+mn-cs"/>
-              </a:defRPr>
-            </a:lvl5pPr>
-            <a:lvl6pPr marL="2286000" indent="0" algn="ctr" defTabSz="914400" rtl="0" eaLnBrk="1" latinLnBrk="0" hangingPunct="1">
-              <a:spcBef>
-                <a:spcPts val="600"/>
-              </a:spcBef>
-              <a:buClr>
-                <a:schemeClr val="tx1">
-                  <a:lumMod val="75000"/>
-                  <a:lumOff val="25000"/>
-                </a:schemeClr>
-              </a:buClr>
-              <a:buSzPct val="90000"/>
-              <a:buFont typeface="Wingdings" pitchFamily="2" charset="2"/>
-              <a:buNone/>
-              <a:defRPr lang="en-US" sz="1800" kern="1200">
-                <a:solidFill>
-                  <a:schemeClr val="tx1">
-                    <a:tint val="75000"/>
-                  </a:schemeClr>
-                </a:solidFill>
-                <a:latin typeface="+mn-lt"/>
-                <a:ea typeface="+mn-ea"/>
-                <a:cs typeface="+mn-cs"/>
-              </a:defRPr>
-            </a:lvl6pPr>
-            <a:lvl7pPr marL="2743200" indent="0" algn="ctr" defTabSz="914400" rtl="0" eaLnBrk="1" latinLnBrk="0" hangingPunct="1">
-              <a:spcBef>
-                <a:spcPts val="600"/>
-              </a:spcBef>
-              <a:buClr>
-                <a:schemeClr val="bg1">
-                  <a:lumMod val="65000"/>
-                </a:schemeClr>
-              </a:buClr>
-              <a:buSzPct val="90000"/>
-              <a:buFont typeface="Wingdings" pitchFamily="2" charset="2"/>
-              <a:buNone/>
-              <a:defRPr lang="en-US" sz="1800" kern="1200">
-                <a:solidFill>
-                  <a:schemeClr val="tx1">
-                    <a:tint val="75000"/>
-                  </a:schemeClr>
-                </a:solidFill>
-                <a:latin typeface="+mn-lt"/>
-                <a:ea typeface="+mn-ea"/>
-                <a:cs typeface="+mn-cs"/>
-              </a:defRPr>
-            </a:lvl7pPr>
-            <a:lvl8pPr marL="3200400" indent="0" algn="ctr" defTabSz="914400" rtl="0" eaLnBrk="1" latinLnBrk="0" hangingPunct="1">
-              <a:spcBef>
-                <a:spcPts val="600"/>
-              </a:spcBef>
-              <a:buClr>
-                <a:schemeClr val="tx1">
-                  <a:lumMod val="75000"/>
-                  <a:lumOff val="25000"/>
-                </a:schemeClr>
-              </a:buClr>
-              <a:buSzPct val="90000"/>
-              <a:buFont typeface="Wingdings" pitchFamily="2" charset="2"/>
-              <a:buNone/>
-              <a:defRPr lang="en-US" sz="1800" kern="1200">
-                <a:solidFill>
-                  <a:schemeClr val="tx1">
-                    <a:tint val="75000"/>
-                  </a:schemeClr>
-                </a:solidFill>
-                <a:latin typeface="+mn-lt"/>
-                <a:ea typeface="+mn-ea"/>
-                <a:cs typeface="+mn-cs"/>
-              </a:defRPr>
-            </a:lvl8pPr>
-            <a:lvl9pPr marL="3657600" indent="0" algn="ctr" defTabSz="914400" rtl="0" eaLnBrk="1" latinLnBrk="0" hangingPunct="1">
-              <a:spcBef>
-                <a:spcPts val="600"/>
-              </a:spcBef>
-              <a:buClr>
-                <a:schemeClr val="bg1">
-                  <a:lumMod val="65000"/>
-                </a:schemeClr>
-              </a:buClr>
-              <a:buSzPct val="90000"/>
-              <a:buFont typeface="Wingdings" pitchFamily="2" charset="2"/>
-              <a:buNone/>
-              <a:defRPr lang="en-US" sz="1800" kern="1200">
-                <a:solidFill>
-                  <a:schemeClr val="tx1">
-                    <a:tint val="75000"/>
-                  </a:schemeClr>
-                </a:solidFill>
-                <a:latin typeface="+mn-lt"/>
-                <a:ea typeface="+mn-ea"/>
-                <a:cs typeface="+mn-cs"/>
-              </a:defRPr>
-            </a:lvl9pPr>
-          </a:lstStyle>
-          <a:p>
-            <a:pPr marL="454025" indent="-454025" algn="just">
-              <a:lnSpc>
-                <a:spcPct val="110000"/>
-              </a:lnSpc>
-              <a:spcBef>
-                <a:spcPts val="2000"/>
-              </a:spcBef>
-              <a:spcAft>
-                <a:spcPts val="600"/>
-              </a:spcAft>
-              <a:buFont typeface="Wingdings" pitchFamily="2" charset="2"/>
-              <a:buChar char=""/>
-            </a:pPr>
-            <a:r>
-              <a:rPr lang="pt-PT" sz="2800" dirty="0" smtClean="0">
-                <a:solidFill>
-                  <a:schemeClr val="tx1">
-                    <a:lumMod val="85000"/>
-                    <a:lumOff val="15000"/>
-                  </a:schemeClr>
-                </a:solidFill>
-              </a:rPr>
-              <a:t>Vantagens:</a:t>
-            </a:r>
-          </a:p>
-          <a:p>
-            <a:pPr marL="911225" lvl="1" indent="-454025" algn="just">
-              <a:spcBef>
-                <a:spcPts val="2000"/>
-              </a:spcBef>
-              <a:buFont typeface="Wingdings" pitchFamily="2" charset="2"/>
-              <a:buChar char=""/>
-            </a:pPr>
-            <a:r>
-              <a:rPr lang="pt-PT" sz="2600" dirty="0" smtClean="0">
-                <a:solidFill>
-                  <a:schemeClr val="tx1">
-                    <a:lumMod val="85000"/>
-                    <a:lumOff val="15000"/>
-                  </a:schemeClr>
-                </a:solidFill>
-              </a:rPr>
-              <a:t>Maior </a:t>
-            </a:r>
-            <a:r>
-              <a:rPr lang="pt-PT" sz="2600" dirty="0">
-                <a:solidFill>
-                  <a:schemeClr val="tx1">
-                    <a:lumMod val="85000"/>
-                    <a:lumOff val="15000"/>
-                  </a:schemeClr>
-                </a:solidFill>
-              </a:rPr>
-              <a:t>capacidade de lidar com incerteza, maior controlo de </a:t>
-            </a:r>
-            <a:r>
-              <a:rPr lang="pt-PT" sz="2600" dirty="0" smtClean="0">
-                <a:solidFill>
-                  <a:schemeClr val="tx1">
-                    <a:lumMod val="85000"/>
-                    <a:lumOff val="15000"/>
-                  </a:schemeClr>
-                </a:solidFill>
-              </a:rPr>
-              <a:t>risco.</a:t>
-            </a:r>
-            <a:endParaRPr lang="pt-PT" sz="2600" dirty="0">
-              <a:solidFill>
-                <a:schemeClr val="tx1">
-                  <a:lumMod val="85000"/>
-                  <a:lumOff val="15000"/>
-                </a:schemeClr>
-              </a:solidFill>
-            </a:endParaRPr>
-          </a:p>
-          <a:p>
-            <a:pPr marL="911225" lvl="1" indent="-454025" algn="just">
-              <a:spcBef>
-                <a:spcPts val="2000"/>
-              </a:spcBef>
-              <a:buFont typeface="Wingdings" pitchFamily="2" charset="2"/>
-              <a:buChar char=""/>
-            </a:pPr>
-            <a:r>
-              <a:rPr lang="pt-PT" sz="2600" dirty="0" smtClean="0">
-                <a:solidFill>
-                  <a:schemeClr val="tx1">
-                    <a:lumMod val="85000"/>
-                    <a:lumOff val="15000"/>
-                  </a:schemeClr>
-                </a:solidFill>
-              </a:rPr>
-              <a:t>Promove </a:t>
-            </a:r>
-            <a:r>
-              <a:rPr lang="pt-PT" sz="2600" dirty="0">
-                <a:solidFill>
-                  <a:schemeClr val="tx1">
-                    <a:lumMod val="85000"/>
-                    <a:lumOff val="15000"/>
-                  </a:schemeClr>
-                </a:solidFill>
-              </a:rPr>
-              <a:t>a inclusão de </a:t>
-            </a:r>
-            <a:r>
-              <a:rPr lang="pt-PT" sz="2600" dirty="0" smtClean="0">
-                <a:solidFill>
-                  <a:schemeClr val="tx1">
-                    <a:lumMod val="85000"/>
-                    <a:lumOff val="15000"/>
-                  </a:schemeClr>
-                </a:solidFill>
-              </a:rPr>
-              <a:t>objetivos </a:t>
-            </a:r>
-            <a:r>
-              <a:rPr lang="pt-PT" sz="2600" dirty="0">
-                <a:solidFill>
-                  <a:schemeClr val="tx1">
-                    <a:lumMod val="85000"/>
-                    <a:lumOff val="15000"/>
-                  </a:schemeClr>
-                </a:solidFill>
-              </a:rPr>
-              <a:t>de qualidade no processo de </a:t>
-            </a:r>
-            <a:r>
-              <a:rPr lang="pt-PT" sz="2600" dirty="0" smtClean="0">
-                <a:solidFill>
-                  <a:schemeClr val="tx1">
-                    <a:lumMod val="85000"/>
-                    <a:lumOff val="15000"/>
-                  </a:schemeClr>
-                </a:solidFill>
-              </a:rPr>
-              <a:t>desenvolvimento.</a:t>
-            </a:r>
-            <a:endParaRPr lang="pt-PT" sz="2600" dirty="0">
-              <a:solidFill>
-                <a:schemeClr val="tx1">
-                  <a:lumMod val="85000"/>
-                  <a:lumOff val="15000"/>
-                </a:schemeClr>
-              </a:solidFill>
-            </a:endParaRPr>
-          </a:p>
-          <a:p>
-            <a:pPr marL="911225" lvl="1" indent="-454025" algn="just">
-              <a:spcBef>
-                <a:spcPts val="2000"/>
-              </a:spcBef>
-              <a:buFont typeface="Wingdings" pitchFamily="2" charset="2"/>
-              <a:buChar char=""/>
-            </a:pPr>
-            <a:r>
-              <a:rPr lang="pt-PT" sz="2600" dirty="0" smtClean="0">
-                <a:solidFill>
-                  <a:schemeClr val="tx1">
-                    <a:lumMod val="85000"/>
-                    <a:lumOff val="15000"/>
-                  </a:schemeClr>
-                </a:solidFill>
-              </a:rPr>
-              <a:t>Permite </a:t>
-            </a:r>
-            <a:r>
-              <a:rPr lang="pt-PT" sz="2600" dirty="0">
-                <a:solidFill>
-                  <a:schemeClr val="tx1">
-                    <a:lumMod val="85000"/>
-                    <a:lumOff val="15000"/>
-                  </a:schemeClr>
-                </a:solidFill>
-              </a:rPr>
-              <a:t>demonstração/exploração via protótipos do sistema desde </a:t>
-            </a:r>
-            <a:r>
-              <a:rPr lang="pt-PT" sz="2600" dirty="0" smtClean="0">
-                <a:solidFill>
-                  <a:schemeClr val="tx1">
-                    <a:lumMod val="85000"/>
-                    <a:lumOff val="15000"/>
-                  </a:schemeClr>
-                </a:solidFill>
-              </a:rPr>
-              <a:t>cedo.</a:t>
-            </a:r>
-            <a:endParaRPr lang="pt-PT" sz="2600" dirty="0">
-              <a:solidFill>
-                <a:schemeClr val="tx1">
-                  <a:lumMod val="85000"/>
-                  <a:lumOff val="15000"/>
-                </a:schemeClr>
-              </a:solidFill>
-            </a:endParaRPr>
-          </a:p>
-          <a:p>
-            <a:pPr marL="911225" lvl="1" indent="-454025" algn="just">
-              <a:spcBef>
-                <a:spcPts val="2000"/>
-              </a:spcBef>
-              <a:buFont typeface="Wingdings" pitchFamily="2" charset="2"/>
-              <a:buChar char=""/>
-            </a:pPr>
-            <a:r>
-              <a:rPr lang="pt-PT" sz="2600" dirty="0" smtClean="0">
-                <a:solidFill>
-                  <a:schemeClr val="tx1">
-                    <a:lumMod val="85000"/>
-                    <a:lumOff val="15000"/>
-                  </a:schemeClr>
-                </a:solidFill>
-              </a:rPr>
-              <a:t>Flexibilidade </a:t>
-            </a:r>
-            <a:r>
-              <a:rPr lang="pt-PT" sz="2600" dirty="0">
-                <a:solidFill>
-                  <a:schemeClr val="tx1">
-                    <a:lumMod val="85000"/>
-                    <a:lumOff val="15000"/>
-                  </a:schemeClr>
-                </a:solidFill>
-              </a:rPr>
-              <a:t>da abordagem – no limite pode tornar-se no modelo em cascata!</a:t>
-            </a:r>
-          </a:p>
-        </p:txBody>
-      </p:sp>
-    </p:spTree>
-    <p:extLst>
-      <p:ext uri="{BB962C8B-B14F-4D97-AF65-F5344CB8AC3E}">
-        <p14:creationId xmlns:p14="http://schemas.microsoft.com/office/powerpoint/2010/main" val="1231705296"/>
-      </p:ext>
-    </p:extLst>
-  </p:cSld>
-  <p:clrMapOvr>
-    <a:masterClrMapping/>
-  </p:clrMapOvr>
-  <p:timing>
-    <p:tnLst>
-      <p:par>
-        <p:cTn id="1" dur="indefinite" restart="never" nodeType="tmRoot"/>
-      </p:par>
-    </p:tnLst>
-  </p:timing>
-</p:sld>
-</file>
-
-<file path=ppt/slides/slide9.xml><?xml version="1.0" encoding="utf-8"?>
-<p:sld xmlns:a="http://schemas.openxmlformats.org/drawingml/2006/main" xmlns:r="http://schemas.openxmlformats.org/officeDocument/2006/relationships" xmlns:p="http://schemas.openxmlformats.org/presentationml/2006/main">
-  <p:cSld>
-    <p:spTree>
-      <p:nvGrpSpPr>
-        <p:cNvPr id="1" name=""/>
-        <p:cNvGrpSpPr/>
-        <p:nvPr/>
-      </p:nvGrpSpPr>
-      <p:grpSpPr>
-        <a:xfrm>
-          <a:off x="0" y="0"/>
-          <a:ext cx="0" cy="0"/>
-          <a:chOff x="0" y="0"/>
-          <a:chExt cx="0" cy="0"/>
-        </a:xfrm>
-      </p:grpSpPr>
-      <p:sp>
-        <p:nvSpPr>
-          <p:cNvPr id="3" name="Subtitle 2"/>
-          <p:cNvSpPr>
-            <a:spLocks noGrp="1"/>
-          </p:cNvSpPr>
-          <p:nvPr>
-            <p:ph type="subTitle" idx="1"/>
-          </p:nvPr>
-        </p:nvSpPr>
-        <p:spPr>
-          <a:xfrm>
-            <a:off x="380999" y="1532427"/>
-            <a:ext cx="1778000" cy="484632"/>
-          </a:xfrm>
-        </p:spPr>
-        <p:txBody>
-          <a:bodyPr>
-            <a:noAutofit/>
-          </a:bodyPr>
-          <a:lstStyle/>
-          <a:p>
-            <a:r>
-              <a:rPr lang="en-US" sz="1300" dirty="0" err="1" smtClean="0"/>
-              <a:t>Universidade</a:t>
-            </a:r>
-            <a:r>
-              <a:rPr lang="en-US" sz="1300" dirty="0" smtClean="0"/>
-              <a:t> do Minho</a:t>
-            </a:r>
-            <a:endParaRPr lang="en-US" sz="1300" dirty="0"/>
-          </a:p>
-        </p:txBody>
-      </p:sp>
-      <p:pic>
-        <p:nvPicPr>
-          <p:cNvPr id="5" name="Picture 4" descr="logo-ee.jpg"/>
-          <p:cNvPicPr>
-            <a:picLocks noChangeAspect="1"/>
-          </p:cNvPicPr>
-          <p:nvPr/>
-        </p:nvPicPr>
-        <p:blipFill>
-          <a:blip r:embed="rId2">
-            <a:extLst>
-              <a:ext uri="{28A0092B-C50C-407E-A947-70E740481C1C}">
-                <a14:useLocalDpi xmlns:a14="http://schemas.microsoft.com/office/drawing/2010/main" val="0"/>
-              </a:ext>
-            </a:extLst>
-          </a:blip>
-          <a:stretch>
-            <a:fillRect/>
-          </a:stretch>
-        </p:blipFill>
-        <p:spPr>
-          <a:xfrm>
-            <a:off x="380999" y="643427"/>
-            <a:ext cx="1778000" cy="889000"/>
-          </a:xfrm>
-          <a:prstGeom prst="rect">
-            <a:avLst/>
-          </a:prstGeom>
-        </p:spPr>
-      </p:pic>
-      <p:sp>
-        <p:nvSpPr>
-          <p:cNvPr id="6" name="TextBox 5"/>
-          <p:cNvSpPr txBox="1"/>
-          <p:nvPr/>
-        </p:nvSpPr>
-        <p:spPr>
-          <a:xfrm>
-            <a:off x="380999" y="2314222"/>
-            <a:ext cx="8452557" cy="1138773"/>
-          </a:xfrm>
-          <a:prstGeom prst="rect">
-            <a:avLst/>
-          </a:prstGeom>
-          <a:noFill/>
-        </p:spPr>
-        <p:txBody>
-          <a:bodyPr wrap="square" rtlCol="0">
-            <a:spAutoFit/>
-          </a:bodyPr>
-          <a:lstStyle/>
-          <a:p>
-            <a:pPr algn="ctr"/>
-            <a:r>
-              <a:rPr lang="pt-PT" sz="3600" b="1" dirty="0" smtClean="0"/>
-              <a:t>Laboratórios de Informática IV</a:t>
-            </a:r>
-          </a:p>
-          <a:p>
-            <a:pPr algn="ctr"/>
-            <a:r>
-              <a:rPr lang="pt-PT" sz="3200" b="1" dirty="0" smtClean="0"/>
-              <a:t>Processo de Desenvolvimento de Software</a:t>
-            </a:r>
-          </a:p>
-        </p:txBody>
-      </p:sp>
-      <p:sp>
-        <p:nvSpPr>
-          <p:cNvPr id="7" name="TextBox 6"/>
-          <p:cNvSpPr txBox="1"/>
-          <p:nvPr/>
-        </p:nvSpPr>
-        <p:spPr>
-          <a:xfrm>
-            <a:off x="268113" y="6462890"/>
-            <a:ext cx="8565444" cy="369332"/>
-          </a:xfrm>
-          <a:prstGeom prst="rect">
-            <a:avLst/>
-          </a:prstGeom>
-          <a:noFill/>
-        </p:spPr>
-        <p:txBody>
-          <a:bodyPr wrap="square" rtlCol="0">
-            <a:spAutoFit/>
-          </a:bodyPr>
-          <a:lstStyle/>
-          <a:p>
-            <a:pPr algn="r"/>
-            <a:r>
-              <a:rPr lang="pt-PT" b="1" dirty="0" smtClean="0"/>
-              <a:t>Grupo :</a:t>
-            </a:r>
-            <a:r>
-              <a:rPr lang="pt-PT" dirty="0" smtClean="0"/>
-              <a:t> Bruno Torres, João Mano, Patrícia Rocha</a:t>
-            </a:r>
-            <a:endParaRPr lang="pt-PT" dirty="0"/>
-          </a:p>
-        </p:txBody>
-      </p:sp>
-      <p:sp>
-        <p:nvSpPr>
-          <p:cNvPr id="9" name="Title 8"/>
-          <p:cNvSpPr>
-            <a:spLocks noGrp="1"/>
-          </p:cNvSpPr>
-          <p:nvPr>
-            <p:ph type="ctrTitle"/>
-          </p:nvPr>
-        </p:nvSpPr>
-        <p:spPr/>
-        <p:txBody>
-          <a:bodyPr/>
-          <a:lstStyle/>
-          <a:p>
-            <a:r>
-              <a:rPr lang="pt-PT" dirty="0" smtClean="0"/>
-              <a:t> </a:t>
-            </a:r>
-            <a:endParaRPr lang="pt-PT" dirty="0"/>
-          </a:p>
-        </p:txBody>
-      </p:sp>
-      <p:sp>
-        <p:nvSpPr>
-          <p:cNvPr id="11" name="Title 1"/>
-          <p:cNvSpPr txBox="1">
-            <a:spLocks/>
-          </p:cNvSpPr>
-          <p:nvPr/>
-        </p:nvSpPr>
-        <p:spPr>
-          <a:xfrm>
-            <a:off x="2304973" y="599123"/>
-            <a:ext cx="6415693" cy="893714"/>
-          </a:xfrm>
-          <a:prstGeom prst="rect">
-            <a:avLst/>
-          </a:prstGeom>
-          <a:noFill/>
-        </p:spPr>
-        <p:txBody>
-          <a:bodyPr vert="horz" lIns="91440" tIns="45720" rIns="91440" bIns="45720" rtlCol="0" anchor="ctr">
-            <a:noAutofit/>
-          </a:bodyPr>
-          <a:lstStyle>
-            <a:lvl1pPr algn="r" defTabSz="914400" rtl="0" eaLnBrk="1" latinLnBrk="0" hangingPunct="1">
-              <a:spcBef>
-                <a:spcPct val="0"/>
-              </a:spcBef>
-              <a:buNone/>
-              <a:defRPr sz="4200" kern="1200">
-                <a:solidFill>
-                  <a:schemeClr val="bg1"/>
-                </a:solidFill>
-                <a:latin typeface="+mj-lt"/>
-                <a:ea typeface="+mj-ea"/>
-                <a:cs typeface="+mj-cs"/>
-              </a:defRPr>
-            </a:lvl1pPr>
-          </a:lstStyle>
-          <a:p>
-            <a:pPr algn="ctr"/>
-            <a:r>
-              <a:rPr lang="pt-PT" sz="2600" dirty="0" smtClean="0"/>
-              <a:t>Licenciatura</a:t>
-            </a:r>
-            <a:r>
-              <a:rPr lang="en-US" sz="2600" dirty="0" smtClean="0"/>
-              <a:t> </a:t>
-            </a:r>
-            <a:r>
-              <a:rPr lang="pt-PT" sz="2600" dirty="0" smtClean="0"/>
-              <a:t>em</a:t>
-            </a:r>
-            <a:r>
-              <a:rPr lang="en-US" sz="2600" dirty="0" smtClean="0"/>
-              <a:t> </a:t>
-            </a:r>
-            <a:r>
-              <a:rPr lang="en-US" sz="2600" dirty="0" err="1" smtClean="0"/>
-              <a:t>Engenharia</a:t>
-            </a:r>
-            <a:r>
-              <a:rPr lang="en-US" sz="2600" dirty="0" smtClean="0"/>
-              <a:t> </a:t>
-            </a:r>
-            <a:r>
-              <a:rPr lang="en-US" sz="2600" dirty="0" err="1" smtClean="0"/>
-              <a:t>Informática</a:t>
-            </a:r>
-            <a:endParaRPr lang="en-US" sz="2400" dirty="0"/>
-          </a:p>
-        </p:txBody>
-      </p:sp>
-      <p:pic>
-        <p:nvPicPr>
-          <p:cNvPr id="8" name="Imagem 7"/>
-          <p:cNvPicPr>
-            <a:picLocks noChangeAspect="1"/>
-          </p:cNvPicPr>
-          <p:nvPr/>
-        </p:nvPicPr>
-        <p:blipFill>
-          <a:blip r:embed="rId3"/>
-          <a:stretch>
-            <a:fillRect/>
-          </a:stretch>
-        </p:blipFill>
-        <p:spPr>
-          <a:xfrm>
-            <a:off x="421341" y="3641654"/>
-            <a:ext cx="8299325" cy="2336604"/>
-          </a:xfrm>
-          <a:prstGeom prst="rect">
-            <a:avLst/>
-          </a:prstGeom>
-        </p:spPr>
-      </p:pic>
-      <p:sp>
-        <p:nvSpPr>
-          <p:cNvPr id="12" name="Rectangle 12"/>
-          <p:cNvSpPr/>
-          <p:nvPr/>
-        </p:nvSpPr>
-        <p:spPr>
-          <a:xfrm>
-            <a:off x="284163" y="6227064"/>
-            <a:ext cx="8574087" cy="173736"/>
-          </a:xfrm>
-          <a:prstGeom prst="rect">
-            <a:avLst/>
-          </a:prstGeom>
-          <a:solidFill>
-            <a:schemeClr val="tx1">
-              <a:lumMod val="85000"/>
-              <a:lumOff val="15000"/>
-              <a:alpha val="70000"/>
-            </a:schemeClr>
-          </a:solidFill>
-          <a:ln>
-            <a:noFill/>
-          </a:ln>
-        </p:spPr>
-        <p:style>
-          <a:lnRef idx="2">
-            <a:schemeClr val="accent1">
-              <a:shade val="50000"/>
-            </a:schemeClr>
-          </a:lnRef>
-          <a:fillRef idx="1">
-            <a:schemeClr val="accent1"/>
-          </a:fillRef>
-          <a:effectRef idx="0">
-            <a:schemeClr val="accent1"/>
-          </a:effectRef>
-          <a:fontRef idx="minor">
-            <a:schemeClr val="lt1"/>
-          </a:fontRef>
-        </p:style>
-        <p:txBody>
-          <a:bodyPr rtlCol="0" anchor="ctr"/>
-          <a:lstStyle/>
-          <a:p>
-            <a:pPr algn="ctr"/>
-            <a:endParaRPr/>
-          </a:p>
-        </p:txBody>
-      </p:sp>
-    </p:spTree>
-    <p:extLst>
-      <p:ext uri="{BB962C8B-B14F-4D97-AF65-F5344CB8AC3E}">
-        <p14:creationId xmlns:p14="http://schemas.microsoft.com/office/powerpoint/2010/main" val="1552391276"/>
-      </p:ext>
-    </p:extLst>
-  </p:cSld>
-  <p:clrMapOvr>
-    <a:masterClrMapping/>
-  </p:clrMapOvr>
-  <p:timing>
-    <p:tnLst>
-      <p:par>
-        <p:cTn id="1" dur="indefinite" restart="never" nodeType="tmRoot"/>
+        <p:cTn xmlns:p14="http://schemas.microsoft.com/office/powerpoint/2010/main" id="1" dur="indefinite" restart="never" nodeType="tmRoot"/>
       </p:par>
     </p:tnLst>
   </p:timing>

--- a/Apresentação/Apresentacao.pptx
+++ b/Apresentação/Apresentacao.pptx
@@ -119,7 +119,7 @@
   </p:defaultTextStyle>
   <p:extLst>
     <p:ext uri="{EFAFB233-063F-42B5-8137-9DF3F51BA10A}">
-      <p15:sldGuideLst xmlns:p15="http://schemas.microsoft.com/office/powerpoint/2012/main" xmlns="">
+      <p15:sldGuideLst xmlns:p15="http://schemas.microsoft.com/office/powerpoint/2012/main">
         <p15:guide id="1" orient="horz" pos="2160">
           <p15:clr>
             <a:srgbClr val="A4A3A4"/>
@@ -218,7 +218,7 @@
           <a:p>
             <a:fld id="{71E4F8E4-E698-D443-9DD4-6291FD74F3F2}" type="datetimeFigureOut">
               <a:rPr lang="en-US" smtClean="0"/>
-              <a:t>09/03/15</a:t>
+              <a:t>3/9/2015</a:t>
             </a:fld>
             <a:endParaRPr lang="pt-PT"/>
           </a:p>
@@ -377,7 +377,7 @@
           <a:p>
             <a:fld id="{CEBCE6B0-B0CC-9543-8BFC-92B50F9442D7}" type="slidenum">
               <a:rPr lang="pt-PT" smtClean="0"/>
-              <a:t>‹#›</a:t>
+              <a:t>‹nº›</a:t>
             </a:fld>
             <a:endParaRPr lang="pt-PT"/>
           </a:p>
@@ -530,6 +530,20 @@
           <a:bodyPr/>
           <a:lstStyle/>
           <a:p>
+            <a:r>
+              <a:rPr lang="pt-PT" dirty="0" smtClean="0"/>
+              <a:t>Nesta </a:t>
+            </a:r>
+            <a:r>
+              <a:rPr lang="pt-PT" baseline="0" dirty="0" smtClean="0"/>
+              <a:t>apresentação teremos uma breve introdução aos processos de desenvolvimento de software dando enfâse ao motivo do seu uso.</a:t>
+            </a:r>
+          </a:p>
+          <a:p>
+            <a:r>
+              <a:rPr lang="pt-PT" baseline="0" dirty="0" smtClean="0"/>
+              <a:t>De seguida temos uma explicação sucinta sobre em que consiste um método/processo de desenvolvimento de software, passando depois à introdução do modelo de software que o nosso grupo escolheu, o modelo em espiral, por uma descriçao do mesmo e, finalmente uma conclusão onde serão citadas vantagens e desvantagens deste mesmo modelo.</a:t>
+            </a:r>
             <a:endParaRPr lang="pt-PT" dirty="0"/>
           </a:p>
         </p:txBody>
@@ -614,6 +628,20 @@
           <a:bodyPr/>
           <a:lstStyle/>
           <a:p>
+            <a:r>
+              <a:rPr lang="pt-PT" dirty="0" smtClean="0"/>
+              <a:t>Apesar</a:t>
+            </a:r>
+            <a:r>
+              <a:rPr lang="pt-PT" baseline="0" dirty="0" smtClean="0"/>
+              <a:t> de poder ser fácil de justificar a razão do uso de processos de desenvolvimento de um produto de software nem todos os produtos têm, por parte de quem os desenvolve, esta atenção.</a:t>
+            </a:r>
+          </a:p>
+          <a:p>
+            <a:r>
+              <a:rPr lang="pt-PT" baseline="0" dirty="0" smtClean="0"/>
+              <a:t>A importância do uso de métodos específicos e controlados no desenvolvimento de um produto de software encontra-se no cumprimento de metas estipuladas como um prazo de entrega, de grande importância para qualquer empresa, o aumento da produtividade´e de forma mais económica pois, com a especificação passo a passo de tudo o que é necessário fazer antes mesmo de o realizar aumenta drásticamente o rendimento ao longo do processo de desenvolvimento e previne perdas de tempo ou dinheiro envolvidas no processo.</a:t>
+            </a:r>
             <a:endParaRPr lang="pt-PT" dirty="0"/>
           </a:p>
         </p:txBody>
@@ -700,51 +728,17 @@
           <a:p>
             <a:r>
               <a:rPr lang="pt-PT" dirty="0" smtClean="0"/>
-              <a:t>Esta</a:t>
+              <a:t>Mas</a:t>
             </a:r>
             <a:r>
               <a:rPr lang="pt-PT" baseline="0" dirty="0" smtClean="0"/>
-              <a:t> é a espiral do processo, divide-se em 4 fases:</a:t>
-            </a:r>
-          </a:p>
-          <a:p>
-            <a:pPr marL="628650" lvl="1" indent="-171450">
-              <a:buFont typeface="Arial" panose="020B0604020202020204" pitchFamily="34" charset="0"/>
-              <a:buChar char="•"/>
-            </a:pPr>
+              <a:t> de que se trata afinal este processo? </a:t>
+            </a:r>
+          </a:p>
+          <a:p>
             <a:r>
               <a:rPr lang="pt-PT" baseline="0" dirty="0" smtClean="0"/>
-              <a:t>Definição de objetivos;</a:t>
-            </a:r>
-          </a:p>
-          <a:p>
-            <a:pPr marL="628650" lvl="1" indent="-171450">
-              <a:buFont typeface="Arial" panose="020B0604020202020204" pitchFamily="34" charset="0"/>
-              <a:buChar char="•"/>
-            </a:pPr>
-            <a:r>
-              <a:rPr lang="pt-PT" baseline="0" dirty="0" smtClean="0"/>
-              <a:t>Identificar e avaliar riscos;</a:t>
-            </a:r>
-          </a:p>
-          <a:p>
-            <a:pPr marL="628650" lvl="1" indent="-171450">
-              <a:buFont typeface="Arial" panose="020B0604020202020204" pitchFamily="34" charset="0"/>
-              <a:buChar char="•"/>
-            </a:pPr>
-            <a:r>
-              <a:rPr lang="pt-PT" baseline="0" dirty="0" smtClean="0"/>
-              <a:t>Desenvolvimento e validação;</a:t>
-            </a:r>
-          </a:p>
-          <a:p>
-            <a:pPr marL="628650" lvl="1" indent="-171450">
-              <a:buFont typeface="Arial" panose="020B0604020202020204" pitchFamily="34" charset="0"/>
-              <a:buChar char="•"/>
-            </a:pPr>
-            <a:r>
-              <a:rPr lang="pt-PT" baseline="0" dirty="0" smtClean="0"/>
-              <a:t>Planeamento da próxima iteração  (se houver).	</a:t>
+              <a:t>Um processo de desenvolvimento de software especifíca todas os níveis, tarefas, itens, etc essenciais ao processo de desenvolvimento do software, como por exemplo as funcionalidades do produto, como serão desenvolvidas cada uma, por quem serão desenvolvidas, quando as desenvolver e quanto tempo seria de esperar para estabelecer dada funcionalidade.</a:t>
             </a:r>
             <a:endParaRPr lang="pt-PT" dirty="0"/>
           </a:p>
@@ -767,7 +761,7 @@
           <a:p>
             <a:fld id="{CEBCE6B0-B0CC-9543-8BFC-92B50F9442D7}" type="slidenum">
               <a:rPr lang="pt-PT" smtClean="0"/>
-              <a:t>6</a:t>
+              <a:t>4</a:t>
             </a:fld>
             <a:endParaRPr lang="pt-PT"/>
           </a:p>
@@ -776,7 +770,7 @@
     </p:spTree>
     <p:extLst>
       <p:ext uri="{BB962C8B-B14F-4D97-AF65-F5344CB8AC3E}">
-        <p14:creationId xmlns:p14="http://schemas.microsoft.com/office/powerpoint/2010/main" val="3440839938"/>
+        <p14:creationId xmlns:p14="http://schemas.microsoft.com/office/powerpoint/2010/main" val="1295778903"/>
       </p:ext>
     </p:extLst>
   </p:cSld>
@@ -805,7 +799,7 @@
       </p:grpSpPr>
       <p:sp>
         <p:nvSpPr>
-          <p:cNvPr id="2" name="Marcador de Posição da Imagem do Diapositivo 1"/>
+          <p:cNvPr id="2" name="Espaço Reservado para Imagem de Slide 1"/>
           <p:cNvSpPr>
             <a:spLocks noGrp="1" noRot="1" noChangeAspect="1"/>
           </p:cNvSpPr>
@@ -817,7 +811,7 @@
       </p:sp>
       <p:sp>
         <p:nvSpPr>
-          <p:cNvPr id="3" name="Marcador de Posição de Notas 2"/>
+          <p:cNvPr id="3" name="Espaço Reservado para Anotações 2"/>
           <p:cNvSpPr>
             <a:spLocks noGrp="1"/>
           </p:cNvSpPr>
@@ -830,134 +824,27 @@
           <a:bodyPr/>
           <a:lstStyle/>
           <a:p>
-            <a:pPr marL="0" marR="0" indent="0" algn="l" defTabSz="457200" rtl="0" eaLnBrk="1" fontAlgn="auto" latinLnBrk="0" hangingPunct="1">
-              <a:lnSpc>
-                <a:spcPct val="100000"/>
-              </a:lnSpc>
-              <a:spcBef>
-                <a:spcPts val="0"/>
-              </a:spcBef>
-              <a:spcAft>
-                <a:spcPts val="0"/>
-              </a:spcAft>
-              <a:buClrTx/>
-              <a:buSzTx/>
-              <a:buFontTx/>
-              <a:buNone/>
-              <a:tabLst/>
-              <a:defRPr/>
-            </a:pPr>
-            <a:r>
-              <a:rPr lang="pt-PT" sz="1200" dirty="0" smtClean="0">
-                <a:solidFill>
-                  <a:schemeClr val="tx1">
-                    <a:lumMod val="85000"/>
-                    <a:lumOff val="15000"/>
-                  </a:schemeClr>
-                </a:solidFill>
-              </a:rPr>
-              <a:t>Foca-se na necessidade de iterar para controlar riscos:</a:t>
-            </a:r>
-            <a:endParaRPr lang="pt-PT" sz="1400" dirty="0" smtClean="0">
-              <a:solidFill>
-                <a:schemeClr val="tx1">
-                  <a:lumMod val="85000"/>
-                  <a:lumOff val="15000"/>
-                </a:schemeClr>
-              </a:solidFill>
-            </a:endParaRPr>
-          </a:p>
-          <a:p>
-            <a:endParaRPr lang="pt-PT" dirty="0" smtClean="0"/>
-          </a:p>
-          <a:p>
-            <a:endParaRPr lang="pt-PT" dirty="0" smtClean="0"/>
-          </a:p>
-          <a:p>
-            <a:endParaRPr lang="pt-PT" dirty="0" smtClean="0"/>
-          </a:p>
-          <a:p>
-            <a:r>
-              <a:rPr lang="pt-PT" dirty="0" err="1" smtClean="0"/>
-              <a:t>Concepção</a:t>
-            </a:r>
             <a:r>
               <a:rPr lang="pt-PT" dirty="0" smtClean="0"/>
-              <a:t> de um primeiro “desenho” do sistema.</a:t>
-            </a:r>
-          </a:p>
-          <a:p>
-            <a:r>
-              <a:rPr lang="pt-PT" dirty="0" smtClean="0"/>
-              <a:t>Um primeiro protótipo é </a:t>
-            </a:r>
-            <a:r>
-              <a:rPr lang="pt-PT" dirty="0" err="1" smtClean="0"/>
-              <a:t>construido</a:t>
-            </a:r>
-            <a:r>
-              <a:rPr lang="pt-PT" dirty="0" smtClean="0"/>
-              <a:t> a partir do passo anterior</a:t>
-            </a:r>
-          </a:p>
-          <a:p>
-            <a:r>
-              <a:rPr lang="pt-PT" dirty="0" smtClean="0"/>
-              <a:t>Desenvolvimento de um segundo protótipo a partir do primeiro (este passo é iterado até o cliente estar</a:t>
-            </a:r>
-          </a:p>
-          <a:p>
-            <a:r>
-              <a:rPr lang="pt-PT" dirty="0" smtClean="0"/>
-              <a:t>satisfeito):</a:t>
-            </a:r>
-          </a:p>
-          <a:p>
-            <a:r>
-              <a:rPr lang="pt-PT" dirty="0" smtClean="0"/>
-              <a:t>Avaliação do protótipo anterior (pontos fortes e fracos, riscos)</a:t>
-            </a:r>
-          </a:p>
-          <a:p>
-            <a:r>
-              <a:rPr lang="pt-PT" dirty="0" smtClean="0"/>
-              <a:t>Definição de requisitos para o novo protótipo</a:t>
-            </a:r>
-          </a:p>
-          <a:p>
-            <a:r>
-              <a:rPr lang="pt-PT" dirty="0" smtClean="0"/>
-              <a:t>Planeamento e conceção do novo </a:t>
-            </a:r>
-            <a:r>
-              <a:rPr lang="pt-PT" dirty="0" err="1" smtClean="0"/>
-              <a:t>prtótipo</a:t>
-            </a:r>
-            <a:endParaRPr lang="pt-PT" dirty="0" smtClean="0"/>
-          </a:p>
-          <a:p>
-            <a:r>
-              <a:rPr lang="pt-PT" dirty="0" smtClean="0"/>
-              <a:t>Construção e teste do novo protótipo</a:t>
-            </a:r>
-          </a:p>
-          <a:p>
-            <a:endParaRPr lang="pt-PT" dirty="0" smtClean="0"/>
-          </a:p>
-          <a:p>
-            <a:r>
-              <a:rPr lang="pt-PT" dirty="0" smtClean="0"/>
-              <a:t>O produto final é construído a partir do protótipo final e, depois de avaliado e testado, entra em produção.</a:t>
-            </a:r>
-          </a:p>
-          <a:p>
+              <a:t>O nosso grupo escolheu o modelo em espiral, este modelo foi proposto por Barry Boehm nos finais da década de 80 e representa</a:t>
+            </a:r>
+            <a:r>
+              <a:rPr lang="pt-PT" baseline="0" dirty="0" smtClean="0"/>
+              <a:t> o processo por uma espiral.</a:t>
+            </a:r>
+          </a:p>
+          <a:p>
+            <a:r>
+              <a:rPr lang="pt-PT" baseline="0" dirty="0" smtClean="0"/>
+              <a:t>É um modelo que se baseia num processo iterativo e incremental, procurando, quando comparado com o modelo cascata, introduzir o conceito de incerteza, isto é, haver uma possibilidade de após uma fase voltar sempre a redefinir passos passados que não estejam corretos.</a:t>
+            </a:r>
             <a:endParaRPr lang="pt-PT" dirty="0"/>
           </a:p>
         </p:txBody>
       </p:sp>
       <p:sp>
         <p:nvSpPr>
-          <p:cNvPr id="4" name="Marcador de Posição do Número do Diapositivo 3"/>
+          <p:cNvPr id="4" name="Espaço Reservado para Número de Slide 3"/>
           <p:cNvSpPr>
             <a:spLocks noGrp="1"/>
           </p:cNvSpPr>
@@ -972,7 +859,7 @@
           <a:p>
             <a:fld id="{CEBCE6B0-B0CC-9543-8BFC-92B50F9442D7}" type="slidenum">
               <a:rPr lang="pt-PT" smtClean="0"/>
-              <a:t>7</a:t>
+              <a:t>5</a:t>
             </a:fld>
             <a:endParaRPr lang="pt-PT"/>
           </a:p>
@@ -981,7 +868,7 @@
     </p:spTree>
     <p:extLst>
       <p:ext uri="{BB962C8B-B14F-4D97-AF65-F5344CB8AC3E}">
-        <p14:creationId xmlns:p14="http://schemas.microsoft.com/office/powerpoint/2010/main" val="2704699492"/>
+        <p14:creationId xmlns:p14="http://schemas.microsoft.com/office/powerpoint/2010/main" val="1687670605"/>
       </p:ext>
     </p:extLst>
   </p:cSld>
@@ -1010,7 +897,7 @@
       </p:grpSpPr>
       <p:sp>
         <p:nvSpPr>
-          <p:cNvPr id="2" name="Marcador de Posição da Imagem do Diapositivo 1"/>
+          <p:cNvPr id="2" name="Espaço Reservado para Imagem de Slide 1"/>
           <p:cNvSpPr>
             <a:spLocks noGrp="1" noRot="1" noChangeAspect="1"/>
           </p:cNvSpPr>
@@ -1022,7 +909,7 @@
       </p:sp>
       <p:sp>
         <p:nvSpPr>
-          <p:cNvPr id="3" name="Marcador de Posição de Notas 2"/>
+          <p:cNvPr id="3" name="Espaço Reservado para Anotações 2"/>
           <p:cNvSpPr>
             <a:spLocks noGrp="1"/>
           </p:cNvSpPr>
@@ -1035,13 +922,81 @@
           <a:bodyPr/>
           <a:lstStyle/>
           <a:p>
+            <a:r>
+              <a:rPr lang="pt-PT" dirty="0" smtClean="0"/>
+              <a:t>Esta</a:t>
+            </a:r>
+            <a:r>
+              <a:rPr lang="pt-PT" baseline="0" dirty="0" smtClean="0"/>
+              <a:t> é a espiral do processo, divide-se em 4 fases:</a:t>
+            </a:r>
+          </a:p>
+          <a:p>
+            <a:pPr marL="628650" lvl="1" indent="-171450">
+              <a:buFont typeface="Arial" panose="020B0604020202020204" pitchFamily="34" charset="0"/>
+              <a:buChar char="•"/>
+            </a:pPr>
+            <a:r>
+              <a:rPr lang="pt-PT" baseline="0" dirty="0" smtClean="0"/>
+              <a:t>Definição de objetivos;</a:t>
+            </a:r>
+          </a:p>
+          <a:p>
+            <a:pPr marL="628650" lvl="1" indent="-171450">
+              <a:buFont typeface="Arial" panose="020B0604020202020204" pitchFamily="34" charset="0"/>
+              <a:buChar char="•"/>
+            </a:pPr>
+            <a:r>
+              <a:rPr lang="pt-PT" baseline="0" dirty="0" smtClean="0"/>
+              <a:t>Identificação </a:t>
+            </a:r>
+            <a:r>
+              <a:rPr lang="pt-PT" baseline="0" dirty="0" smtClean="0"/>
+              <a:t>e </a:t>
+            </a:r>
+            <a:r>
+              <a:rPr lang="pt-PT" baseline="0" dirty="0" smtClean="0"/>
+              <a:t>avaliação de </a:t>
+            </a:r>
+            <a:r>
+              <a:rPr lang="pt-PT" baseline="0" dirty="0" smtClean="0"/>
+              <a:t>riscos;</a:t>
+            </a:r>
+          </a:p>
+          <a:p>
+            <a:pPr marL="628650" lvl="1" indent="-171450">
+              <a:buFont typeface="Arial" panose="020B0604020202020204" pitchFamily="34" charset="0"/>
+              <a:buChar char="•"/>
+            </a:pPr>
+            <a:r>
+              <a:rPr lang="pt-PT" baseline="0" dirty="0" smtClean="0"/>
+              <a:t>Desenvolvimento e validação;</a:t>
+            </a:r>
+          </a:p>
+          <a:p>
+            <a:pPr marL="628650" lvl="1" indent="-171450">
+              <a:buFont typeface="Arial" panose="020B0604020202020204" pitchFamily="34" charset="0"/>
+              <a:buChar char="•"/>
+            </a:pPr>
+            <a:r>
+              <a:rPr lang="pt-PT" baseline="0" dirty="0" smtClean="0"/>
+              <a:t>Planeamento da próxima iteração  </a:t>
+            </a:r>
+            <a:r>
+              <a:rPr lang="pt-PT" baseline="0" dirty="0" smtClean="0"/>
+              <a:t>(caso haja uma próxima iteração, caso contrário o processo dá-se por terminado).</a:t>
+            </a:r>
+            <a:r>
+              <a:rPr lang="pt-PT" baseline="0" dirty="0" smtClean="0"/>
+              <a:t>	</a:t>
+            </a:r>
             <a:endParaRPr lang="pt-PT" dirty="0"/>
           </a:p>
         </p:txBody>
       </p:sp>
       <p:sp>
         <p:nvSpPr>
-          <p:cNvPr id="4" name="Marcador de Posição do Número do Diapositivo 3"/>
+          <p:cNvPr id="4" name="Espaço Reservado para Número de Slide 3"/>
           <p:cNvSpPr>
             <a:spLocks noGrp="1"/>
           </p:cNvSpPr>
@@ -1056,7 +1011,7 @@
           <a:p>
             <a:fld id="{CEBCE6B0-B0CC-9543-8BFC-92B50F9442D7}" type="slidenum">
               <a:rPr lang="pt-PT" smtClean="0"/>
-              <a:t>8</a:t>
+              <a:t>6</a:t>
             </a:fld>
             <a:endParaRPr lang="pt-PT"/>
           </a:p>
@@ -1065,7 +1020,7 @@
     </p:spTree>
     <p:extLst>
       <p:ext uri="{BB962C8B-B14F-4D97-AF65-F5344CB8AC3E}">
-        <p14:creationId xmlns:p14="http://schemas.microsoft.com/office/powerpoint/2010/main" val="609874351"/>
+        <p14:creationId xmlns:p14="http://schemas.microsoft.com/office/powerpoint/2010/main" val="3440839938"/>
       </p:ext>
     </p:extLst>
   </p:cSld>
@@ -1119,6 +1074,106 @@
           <a:bodyPr/>
           <a:lstStyle/>
           <a:p>
+            <a:pPr marL="0" indent="0" algn="just">
+              <a:spcBef>
+                <a:spcPts val="2000"/>
+              </a:spcBef>
+              <a:buFont typeface="Wingdings" pitchFamily="2" charset="2"/>
+              <a:buNone/>
+            </a:pPr>
+            <a:r>
+              <a:rPr lang="pt-PT" sz="1200" dirty="0" smtClean="0">
+                <a:solidFill>
+                  <a:schemeClr val="tx1">
+                    <a:lumMod val="85000"/>
+                    <a:lumOff val="15000"/>
+                  </a:schemeClr>
+                </a:solidFill>
+              </a:rPr>
+              <a:t>Este modelo combina características do Modelo em Cascata com uma abordagem de prototipagem tornando o</a:t>
+            </a:r>
+            <a:r>
+              <a:rPr lang="pt-PT" sz="1200" baseline="0" dirty="0" smtClean="0">
+                <a:solidFill>
+                  <a:schemeClr val="tx1">
+                    <a:lumMod val="85000"/>
+                    <a:lumOff val="15000"/>
+                  </a:schemeClr>
+                </a:solidFill>
+              </a:rPr>
+              <a:t> processo mais flexível ao longo do desenvolvimento do produto</a:t>
+            </a:r>
+            <a:r>
+              <a:rPr lang="pt-PT" sz="1200" dirty="0" smtClean="0">
+                <a:solidFill>
+                  <a:schemeClr val="tx1">
+                    <a:lumMod val="85000"/>
+                    <a:lumOff val="15000"/>
+                  </a:schemeClr>
+                </a:solidFill>
+              </a:rPr>
+              <a:t>.</a:t>
+            </a:r>
+            <a:r>
+              <a:rPr lang="pt-PT" sz="1200" baseline="0" dirty="0" smtClean="0">
+                <a:solidFill>
+                  <a:schemeClr val="tx1">
+                    <a:lumMod val="85000"/>
+                    <a:lumOff val="15000"/>
+                  </a:schemeClr>
+                </a:solidFill>
+              </a:rPr>
+              <a:t> É m</a:t>
+            </a:r>
+            <a:r>
+              <a:rPr lang="pt-PT" sz="1200" dirty="0" smtClean="0">
+                <a:solidFill>
+                  <a:schemeClr val="tx1">
+                    <a:lumMod val="85000"/>
+                    <a:lumOff val="15000"/>
+                  </a:schemeClr>
+                </a:solidFill>
+              </a:rPr>
+              <a:t>ais indicado para projetos de larga escala, dispendiosos e/ou complexos</a:t>
+            </a:r>
+            <a:r>
+              <a:rPr lang="pt-PT" dirty="0" smtClean="0">
+                <a:solidFill>
+                  <a:schemeClr val="tx1"/>
+                </a:solidFill>
+              </a:rPr>
+              <a:t>.</a:t>
+            </a:r>
+            <a:endParaRPr lang="pt-PT" sz="1200" dirty="0" smtClean="0">
+              <a:solidFill>
+                <a:schemeClr val="tx1">
+                  <a:lumMod val="85000"/>
+                  <a:lumOff val="15000"/>
+                </a:schemeClr>
+              </a:solidFill>
+            </a:endParaRPr>
+          </a:p>
+          <a:p>
+            <a:pPr marL="0" indent="0" algn="just">
+              <a:spcBef>
+                <a:spcPts val="2000"/>
+              </a:spcBef>
+              <a:buFont typeface="Wingdings" pitchFamily="2" charset="2"/>
+              <a:buNone/>
+            </a:pPr>
+            <a:r>
+              <a:rPr lang="pt-PT" sz="1200" dirty="0" smtClean="0">
+                <a:solidFill>
+                  <a:schemeClr val="tx1">
+                    <a:lumMod val="85000"/>
+                    <a:lumOff val="15000"/>
+                  </a:schemeClr>
+                </a:solidFill>
+              </a:rPr>
+              <a:t>O cliente pode optar por abortar o projeto se considerar o risco de desenvolver o produto demasiado alto.</a:t>
+            </a:r>
+          </a:p>
+          <a:p>
             <a:endParaRPr lang="pt-PT" dirty="0"/>
           </a:p>
         </p:txBody>
@@ -1140,7 +1195,7 @@
           <a:p>
             <a:fld id="{CEBCE6B0-B0CC-9543-8BFC-92B50F9442D7}" type="slidenum">
               <a:rPr lang="pt-PT" smtClean="0"/>
-              <a:t>9</a:t>
+              <a:t>7</a:t>
             </a:fld>
             <a:endParaRPr lang="pt-PT"/>
           </a:p>
@@ -1149,7 +1204,7 @@
     </p:spTree>
     <p:extLst>
       <p:ext uri="{BB962C8B-B14F-4D97-AF65-F5344CB8AC3E}">
-        <p14:creationId xmlns:p14="http://schemas.microsoft.com/office/powerpoint/2010/main" val="1673982365"/>
+        <p14:creationId xmlns:p14="http://schemas.microsoft.com/office/powerpoint/2010/main" val="2704699492"/>
       </p:ext>
     </p:extLst>
   </p:cSld>
@@ -1203,6 +1258,458 @@
           <a:bodyPr/>
           <a:lstStyle/>
           <a:p>
+            <a:pPr marL="0" indent="0" algn="just">
+              <a:spcBef>
+                <a:spcPts val="2000"/>
+              </a:spcBef>
+              <a:buFont typeface="Wingdings" pitchFamily="2" charset="2"/>
+              <a:buNone/>
+            </a:pPr>
+            <a:r>
+              <a:rPr lang="pt-PT" sz="2400" dirty="0" smtClean="0">
+                <a:solidFill>
+                  <a:schemeClr val="tx1">
+                    <a:lumMod val="85000"/>
+                    <a:lumOff val="15000"/>
+                  </a:schemeClr>
+                </a:solidFill>
+              </a:rPr>
+              <a:t>Foca-se na necessidade de iterar para controlar riscos:</a:t>
+            </a:r>
+          </a:p>
+          <a:p>
+            <a:pPr marL="457200" lvl="1" indent="0" algn="just">
+              <a:spcBef>
+                <a:spcPts val="2000"/>
+              </a:spcBef>
+              <a:buFont typeface="Wingdings" pitchFamily="2" charset="2"/>
+              <a:buNone/>
+            </a:pPr>
+            <a:r>
+              <a:rPr lang="pt-PT" sz="2000" dirty="0" smtClean="0">
+                <a:solidFill>
+                  <a:schemeClr val="tx1">
+                    <a:lumMod val="85000"/>
+                    <a:lumOff val="15000"/>
+                  </a:schemeClr>
+                </a:solidFill>
+              </a:rPr>
+              <a:t>Definição dos requisitos com o maior detalhe possível. -&gt; Evitando erros no desenvolvimento</a:t>
+            </a:r>
+            <a:r>
+              <a:rPr lang="pt-PT" sz="2000" baseline="0" dirty="0" smtClean="0">
+                <a:solidFill>
+                  <a:schemeClr val="tx1">
+                    <a:lumMod val="85000"/>
+                    <a:lumOff val="15000"/>
+                  </a:schemeClr>
+                </a:solidFill>
+              </a:rPr>
+              <a:t> por falta de especificação.</a:t>
+            </a:r>
+            <a:endParaRPr lang="pt-PT" sz="2000" dirty="0" smtClean="0">
+              <a:solidFill>
+                <a:schemeClr val="tx1">
+                  <a:lumMod val="85000"/>
+                  <a:lumOff val="15000"/>
+                </a:schemeClr>
+              </a:solidFill>
+            </a:endParaRPr>
+          </a:p>
+          <a:p>
+            <a:pPr marL="457200" lvl="1" indent="0" algn="just">
+              <a:spcBef>
+                <a:spcPts val="2000"/>
+              </a:spcBef>
+              <a:buFont typeface="Wingdings" pitchFamily="2" charset="2"/>
+              <a:buNone/>
+            </a:pPr>
+            <a:r>
+              <a:rPr lang="pt-PT" sz="2000" dirty="0" smtClean="0">
+                <a:solidFill>
+                  <a:schemeClr val="tx1">
+                    <a:lumMod val="85000"/>
+                    <a:lumOff val="15000"/>
+                  </a:schemeClr>
+                </a:solidFill>
+              </a:rPr>
+              <a:t>Conceção de um primeiro “desenho” do sistema. -&gt;</a:t>
+            </a:r>
+            <a:r>
+              <a:rPr lang="pt-PT" sz="2000" baseline="0" dirty="0" smtClean="0">
+                <a:solidFill>
+                  <a:schemeClr val="tx1">
+                    <a:lumMod val="85000"/>
+                    <a:lumOff val="15000"/>
+                  </a:schemeClr>
+                </a:solidFill>
+              </a:rPr>
+              <a:t> Que facilita a validação por parte do utilizador e percepção do que terá de ser desenvolvido.</a:t>
+            </a:r>
+            <a:endParaRPr lang="pt-PT" sz="2000" dirty="0" smtClean="0">
+              <a:solidFill>
+                <a:schemeClr val="tx1">
+                  <a:lumMod val="85000"/>
+                  <a:lumOff val="15000"/>
+                </a:schemeClr>
+              </a:solidFill>
+            </a:endParaRPr>
+          </a:p>
+          <a:p>
+            <a:pPr marL="457200" lvl="1" indent="0" algn="just">
+              <a:spcBef>
+                <a:spcPts val="2000"/>
+              </a:spcBef>
+              <a:buFont typeface="Wingdings" pitchFamily="2" charset="2"/>
+              <a:buNone/>
+            </a:pPr>
+            <a:r>
+              <a:rPr lang="pt-PT" sz="2000" dirty="0" smtClean="0">
+                <a:solidFill>
+                  <a:schemeClr val="tx1">
+                    <a:lumMod val="85000"/>
+                    <a:lumOff val="15000"/>
+                  </a:schemeClr>
+                </a:solidFill>
+              </a:rPr>
+              <a:t>Um primeiro protótipo é construído a partir do passo anterior. -&gt;Usado</a:t>
+            </a:r>
+            <a:r>
+              <a:rPr lang="pt-PT" sz="2000" baseline="0" dirty="0" smtClean="0">
+                <a:solidFill>
+                  <a:schemeClr val="tx1">
+                    <a:lumMod val="85000"/>
+                    <a:lumOff val="15000"/>
+                  </a:schemeClr>
+                </a:solidFill>
+              </a:rPr>
+              <a:t> mais uma vez validação do utilizador.</a:t>
+            </a:r>
+            <a:endParaRPr lang="pt-PT" sz="2000" dirty="0" smtClean="0">
+              <a:solidFill>
+                <a:schemeClr val="tx1">
+                  <a:lumMod val="85000"/>
+                  <a:lumOff val="15000"/>
+                </a:schemeClr>
+              </a:solidFill>
+            </a:endParaRPr>
+          </a:p>
+          <a:p>
+            <a:pPr marL="457200" lvl="1" indent="0" algn="just">
+              <a:spcBef>
+                <a:spcPts val="2000"/>
+              </a:spcBef>
+              <a:buFont typeface="Wingdings" pitchFamily="2" charset="2"/>
+              <a:buNone/>
+            </a:pPr>
+            <a:r>
+              <a:rPr lang="pt-PT" sz="2000" dirty="0" smtClean="0">
+                <a:solidFill>
+                  <a:schemeClr val="tx1">
+                    <a:lumMod val="85000"/>
+                    <a:lumOff val="15000"/>
+                  </a:schemeClr>
+                </a:solidFill>
+              </a:rPr>
+              <a:t>Desenvolvimento de um segundo protótipo a partir do primeiro (este passo é iterado até o cliente estar satisfeito). -&gt;</a:t>
+            </a:r>
+            <a:r>
+              <a:rPr lang="pt-PT" sz="2000" baseline="0" dirty="0" smtClean="0">
+                <a:solidFill>
+                  <a:schemeClr val="tx1">
+                    <a:lumMod val="85000"/>
+                    <a:lumOff val="15000"/>
+                  </a:schemeClr>
+                </a:solidFill>
+              </a:rPr>
+              <a:t> Melhoria do primeiro protótipo se necessário</a:t>
+            </a:r>
+          </a:p>
+          <a:p>
+            <a:pPr marL="457200" lvl="1" indent="0" algn="just">
+              <a:spcBef>
+                <a:spcPts val="2000"/>
+              </a:spcBef>
+              <a:buFont typeface="Wingdings" pitchFamily="2" charset="2"/>
+              <a:buNone/>
+            </a:pPr>
+            <a:r>
+              <a:rPr lang="pt-PT" sz="2000" dirty="0" smtClean="0">
+                <a:solidFill>
+                  <a:schemeClr val="tx1">
+                    <a:lumMod val="85000"/>
+                    <a:lumOff val="15000"/>
+                  </a:schemeClr>
+                </a:solidFill>
+              </a:rPr>
+              <a:t>O produto final é construído a partir do protótipo final e, depois de avaliado e testado, entra em produção.</a:t>
+            </a:r>
+          </a:p>
+          <a:p>
+            <a:endParaRPr lang="pt-PT" dirty="0"/>
+          </a:p>
+        </p:txBody>
+      </p:sp>
+      <p:sp>
+        <p:nvSpPr>
+          <p:cNvPr id="4" name="Marcador de Posição do Número do Diapositivo 3"/>
+          <p:cNvSpPr>
+            <a:spLocks noGrp="1"/>
+          </p:cNvSpPr>
+          <p:nvPr>
+            <p:ph type="sldNum" sz="quarter" idx="10"/>
+          </p:nvPr>
+        </p:nvSpPr>
+        <p:spPr/>
+        <p:txBody>
+          <a:bodyPr/>
+          <a:lstStyle/>
+          <a:p>
+            <a:fld id="{CEBCE6B0-B0CC-9543-8BFC-92B50F9442D7}" type="slidenum">
+              <a:rPr lang="pt-PT" smtClean="0"/>
+              <a:t>8</a:t>
+            </a:fld>
+            <a:endParaRPr lang="pt-PT"/>
+          </a:p>
+        </p:txBody>
+      </p:sp>
+    </p:spTree>
+    <p:extLst>
+      <p:ext uri="{BB962C8B-B14F-4D97-AF65-F5344CB8AC3E}">
+        <p14:creationId xmlns:p14="http://schemas.microsoft.com/office/powerpoint/2010/main" val="609874351"/>
+      </p:ext>
+    </p:extLst>
+  </p:cSld>
+  <p:clrMapOvr>
+    <a:masterClrMapping/>
+  </p:clrMapOvr>
+</p:notes>
+</file>
+
+<file path=ppt/notesSlides/notesSlide8.xml><?xml version="1.0" encoding="utf-8"?>
+<p:notes xmlns:a="http://schemas.openxmlformats.org/drawingml/2006/main" xmlns:r="http://schemas.openxmlformats.org/officeDocument/2006/relationships" xmlns:p="http://schemas.openxmlformats.org/presentationml/2006/main">
+  <p:cSld>
+    <p:spTree>
+      <p:nvGrpSpPr>
+        <p:cNvPr id="1" name=""/>
+        <p:cNvGrpSpPr/>
+        <p:nvPr/>
+      </p:nvGrpSpPr>
+      <p:grpSpPr>
+        <a:xfrm>
+          <a:off x="0" y="0"/>
+          <a:ext cx="0" cy="0"/>
+          <a:chOff x="0" y="0"/>
+          <a:chExt cx="0" cy="0"/>
+        </a:xfrm>
+      </p:grpSpPr>
+      <p:sp>
+        <p:nvSpPr>
+          <p:cNvPr id="2" name="Marcador de Posição da Imagem do Diapositivo 1"/>
+          <p:cNvSpPr>
+            <a:spLocks noGrp="1" noRot="1" noChangeAspect="1"/>
+          </p:cNvSpPr>
+          <p:nvPr>
+            <p:ph type="sldImg"/>
+          </p:nvPr>
+        </p:nvSpPr>
+        <p:spPr/>
+      </p:sp>
+      <p:sp>
+        <p:nvSpPr>
+          <p:cNvPr id="3" name="Marcador de Posição de Notas 2"/>
+          <p:cNvSpPr>
+            <a:spLocks noGrp="1"/>
+          </p:cNvSpPr>
+          <p:nvPr>
+            <p:ph type="body" idx="1"/>
+          </p:nvPr>
+        </p:nvSpPr>
+        <p:spPr/>
+        <p:txBody>
+          <a:bodyPr/>
+          <a:lstStyle/>
+          <a:p>
+            <a:r>
+              <a:rPr lang="pt-PT" dirty="0" smtClean="0"/>
+              <a:t>As principais desvantagens deste processo são:</a:t>
+            </a:r>
+          </a:p>
+          <a:p>
+            <a:pPr marL="171450" indent="-171450">
+              <a:buFont typeface="Arial" panose="020B0604020202020204" pitchFamily="34" charset="0"/>
+              <a:buChar char="•"/>
+            </a:pPr>
+            <a:r>
+              <a:rPr lang="pt-PT" dirty="0" smtClean="0"/>
+              <a:t>A dependência na qualidade da avaliação de risco,</a:t>
+            </a:r>
+            <a:r>
+              <a:rPr lang="pt-PT" baseline="0" dirty="0" smtClean="0"/>
+              <a:t> más avaliações poderão levar a más decisões e arruinar o desenvolvimento do produto. Logo este modelo exige uma experiência considerável na avaliação dos riscos.</a:t>
+            </a:r>
+          </a:p>
+          <a:p>
+            <a:pPr marL="171450" indent="-171450">
+              <a:buFont typeface="Arial" panose="020B0604020202020204" pitchFamily="34" charset="0"/>
+              <a:buChar char="•"/>
+            </a:pPr>
+            <a:r>
+              <a:rPr lang="pt-PT" baseline="0" dirty="0" smtClean="0"/>
+              <a:t>O custo pode disparar, por exemplo, se o cliente não estiver satisfeito e constantemente exigir alterações ao produto, exigirá imensas iterações no processo comprometendo o seu sucesso e término e tornando-o custoso (cada iteração=+dinheiro). Além disso exigir uma maior experiência e qualidade de serviço pode disparar o custo da mão-de-obra.</a:t>
+            </a:r>
+          </a:p>
+          <a:p>
+            <a:pPr marL="171450" indent="-171450">
+              <a:buFont typeface="Arial" panose="020B0604020202020204" pitchFamily="34" charset="0"/>
+              <a:buChar char="•"/>
+            </a:pPr>
+            <a:r>
+              <a:rPr lang="pt-PT" smtClean="0"/>
+              <a:t>????É </a:t>
+            </a:r>
+            <a:r>
+              <a:rPr lang="pt-PT" dirty="0" smtClean="0"/>
+              <a:t>um processo ainda rígido pois após a estipulação e planeamento da iteração seguinte é esperado que se sigam “à risca os passos” identificados e especificados.</a:t>
+            </a:r>
+            <a:endParaRPr lang="pt-PT" dirty="0"/>
+          </a:p>
+        </p:txBody>
+      </p:sp>
+      <p:sp>
+        <p:nvSpPr>
+          <p:cNvPr id="4" name="Marcador de Posição do Número do Diapositivo 3"/>
+          <p:cNvSpPr>
+            <a:spLocks noGrp="1"/>
+          </p:cNvSpPr>
+          <p:nvPr>
+            <p:ph type="sldNum" sz="quarter" idx="10"/>
+          </p:nvPr>
+        </p:nvSpPr>
+        <p:spPr/>
+        <p:txBody>
+          <a:bodyPr/>
+          <a:lstStyle/>
+          <a:p>
+            <a:fld id="{CEBCE6B0-B0CC-9543-8BFC-92B50F9442D7}" type="slidenum">
+              <a:rPr lang="pt-PT" smtClean="0"/>
+              <a:t>9</a:t>
+            </a:fld>
+            <a:endParaRPr lang="pt-PT"/>
+          </a:p>
+        </p:txBody>
+      </p:sp>
+    </p:spTree>
+    <p:extLst>
+      <p:ext uri="{BB962C8B-B14F-4D97-AF65-F5344CB8AC3E}">
+        <p14:creationId xmlns:p14="http://schemas.microsoft.com/office/powerpoint/2010/main" val="1673982365"/>
+      </p:ext>
+    </p:extLst>
+  </p:cSld>
+  <p:clrMapOvr>
+    <a:masterClrMapping/>
+  </p:clrMapOvr>
+</p:notes>
+</file>
+
+<file path=ppt/notesSlides/notesSlide9.xml><?xml version="1.0" encoding="utf-8"?>
+<p:notes xmlns:a="http://schemas.openxmlformats.org/drawingml/2006/main" xmlns:r="http://schemas.openxmlformats.org/officeDocument/2006/relationships" xmlns:p="http://schemas.openxmlformats.org/presentationml/2006/main">
+  <p:cSld>
+    <p:spTree>
+      <p:nvGrpSpPr>
+        <p:cNvPr id="1" name=""/>
+        <p:cNvGrpSpPr/>
+        <p:nvPr/>
+      </p:nvGrpSpPr>
+      <p:grpSpPr>
+        <a:xfrm>
+          <a:off x="0" y="0"/>
+          <a:ext cx="0" cy="0"/>
+          <a:chOff x="0" y="0"/>
+          <a:chExt cx="0" cy="0"/>
+        </a:xfrm>
+      </p:grpSpPr>
+      <p:sp>
+        <p:nvSpPr>
+          <p:cNvPr id="2" name="Marcador de Posição da Imagem do Diapositivo 1"/>
+          <p:cNvSpPr>
+            <a:spLocks noGrp="1" noRot="1" noChangeAspect="1"/>
+          </p:cNvSpPr>
+          <p:nvPr>
+            <p:ph type="sldImg"/>
+          </p:nvPr>
+        </p:nvSpPr>
+        <p:spPr/>
+      </p:sp>
+      <p:sp>
+        <p:nvSpPr>
+          <p:cNvPr id="3" name="Marcador de Posição de Notas 2"/>
+          <p:cNvSpPr>
+            <a:spLocks noGrp="1"/>
+          </p:cNvSpPr>
+          <p:nvPr>
+            <p:ph type="body" idx="1"/>
+          </p:nvPr>
+        </p:nvSpPr>
+        <p:spPr/>
+        <p:txBody>
+          <a:bodyPr/>
+          <a:lstStyle/>
+          <a:p>
+            <a:r>
+              <a:rPr lang="pt-PT" dirty="0" smtClean="0"/>
+              <a:t>As vantagens do modelo em espiral centram-se :</a:t>
+            </a:r>
+          </a:p>
+          <a:p>
+            <a:pPr marL="171450" indent="-171450">
+              <a:buFont typeface="Arial" panose="020B0604020202020204" pitchFamily="34" charset="0"/>
+              <a:buChar char="•"/>
+            </a:pPr>
+            <a:r>
+              <a:rPr lang="pt-PT" dirty="0" smtClean="0"/>
+              <a:t>No</a:t>
+            </a:r>
+            <a:r>
+              <a:rPr lang="pt-PT" baseline="0" dirty="0" smtClean="0"/>
+              <a:t> maior controlo de riscos no desenvolvimento do produto;</a:t>
+            </a:r>
+          </a:p>
+          <a:p>
+            <a:pPr marL="171450" indent="-171450">
+              <a:buFont typeface="Arial" panose="020B0604020202020204" pitchFamily="34" charset="0"/>
+              <a:buChar char="•"/>
+            </a:pPr>
+            <a:r>
+              <a:rPr lang="pt-PT" baseline="0" dirty="0" smtClean="0"/>
+              <a:t>????</a:t>
+            </a:r>
+          </a:p>
+          <a:p>
+            <a:pPr marL="171450" indent="-171450">
+              <a:buFont typeface="Arial" panose="020B0604020202020204" pitchFamily="34" charset="0"/>
+              <a:buChar char="•"/>
+            </a:pPr>
+            <a:r>
+              <a:rPr lang="pt-PT" baseline="0" dirty="0" smtClean="0"/>
+              <a:t>Com o desenvolvimento de protótipos existe maior facilidade e percepção de qual o caminho a seguir e que mudanças/acrescentos devem ser feitos não só através de testes mas também à luz da opinião do cliente.</a:t>
+            </a:r>
+          </a:p>
+          <a:p>
+            <a:pPr marL="171450" indent="-171450">
+              <a:buFont typeface="Arial" panose="020B0604020202020204" pitchFamily="34" charset="0"/>
+              <a:buChar char="•"/>
+            </a:pPr>
+            <a:r>
+              <a:rPr lang="pt-PT" baseline="0" dirty="0" smtClean="0"/>
+              <a:t>?????</a:t>
+            </a:r>
+          </a:p>
+          <a:p>
+            <a:pPr marL="171450" indent="-171450">
+              <a:buFont typeface="Arial" panose="020B0604020202020204" pitchFamily="34" charset="0"/>
+              <a:buChar char="•"/>
+            </a:pPr>
             <a:endParaRPr lang="pt-PT" dirty="0"/>
           </a:p>
         </p:txBody>
@@ -1277,7 +1784,7 @@
           <a:p>
             <a:fld id="{4251665B-C24A-4702-B522-6A4334602E03}" type="datetimeFigureOut">
               <a:rPr lang="en-US" smtClean="0"/>
-              <a:t>09/03/15</a:t>
+              <a:t>3/9/2015</a:t>
             </a:fld>
             <a:endParaRPr lang="en-US"/>
           </a:p>
@@ -1319,7 +1826,7 @@
           <a:p>
             <a:fld id="{5FD889E0-CAB2-4699-909D-B9A88D47ACBE}" type="slidenum">
               <a:rPr lang="en-US" smtClean="0"/>
-              <a:t>‹#›</a:t>
+              <a:t>‹nº›</a:t>
             </a:fld>
             <a:endParaRPr lang="en-US"/>
           </a:p>
@@ -1984,7 +2491,7 @@
           <a:p>
             <a:fld id="{4251665B-C24A-4702-B522-6A4334602E03}" type="datetimeFigureOut">
               <a:rPr lang="en-US" smtClean="0"/>
-              <a:t>09/03/15</a:t>
+              <a:t>3/9/2015</a:t>
             </a:fld>
             <a:endParaRPr lang="en-US"/>
           </a:p>
@@ -2026,7 +2533,7 @@
           <a:p>
             <a:fld id="{5FD889E0-CAB2-4699-909D-B9A88D47ACBE}" type="slidenum">
               <a:rPr lang="en-US" smtClean="0"/>
-              <a:t>‹#›</a:t>
+              <a:t>‹nº›</a:t>
             </a:fld>
             <a:endParaRPr lang="en-US"/>
           </a:p>
@@ -2608,7 +3115,7 @@
           <a:p>
             <a:fld id="{4251665B-C24A-4702-B522-6A4334602E03}" type="datetimeFigureOut">
               <a:rPr lang="en-US" smtClean="0"/>
-              <a:t>09/03/15</a:t>
+              <a:t>3/9/2015</a:t>
             </a:fld>
             <a:endParaRPr lang="en-US"/>
           </a:p>
@@ -2650,7 +3157,7 @@
           <a:p>
             <a:fld id="{5FD889E0-CAB2-4699-909D-B9A88D47ACBE}" type="slidenum">
               <a:rPr lang="en-US" smtClean="0"/>
-              <a:t>‹#›</a:t>
+              <a:t>‹nº›</a:t>
             </a:fld>
             <a:endParaRPr lang="en-US"/>
           </a:p>
@@ -3031,7 +3538,7 @@
           <a:p>
             <a:fld id="{4251665B-C24A-4702-B522-6A4334602E03}" type="datetimeFigureOut">
               <a:rPr lang="en-US" smtClean="0"/>
-              <a:t>09/03/15</a:t>
+              <a:t>3/9/2015</a:t>
             </a:fld>
             <a:endParaRPr lang="en-US"/>
           </a:p>
@@ -3073,7 +3580,7 @@
           <a:p>
             <a:fld id="{5FD889E0-CAB2-4699-909D-B9A88D47ACBE}" type="slidenum">
               <a:rPr lang="en-US" smtClean="0"/>
-              <a:t>‹#›</a:t>
+              <a:t>‹nº›</a:t>
             </a:fld>
             <a:endParaRPr lang="en-US"/>
           </a:p>
@@ -3208,7 +3715,7 @@
           <a:p>
             <a:fld id="{4251665B-C24A-4702-B522-6A4334602E03}" type="datetimeFigureOut">
               <a:rPr lang="en-US" smtClean="0"/>
-              <a:t>09/03/15</a:t>
+              <a:t>3/9/2015</a:t>
             </a:fld>
             <a:endParaRPr lang="en-US"/>
           </a:p>
@@ -3250,7 +3757,7 @@
           <a:p>
             <a:fld id="{5FD889E0-CAB2-4699-909D-B9A88D47ACBE}" type="slidenum">
               <a:rPr lang="en-US" smtClean="0"/>
-              <a:t>‹#›</a:t>
+              <a:t>‹nº›</a:t>
             </a:fld>
             <a:endParaRPr lang="en-US"/>
           </a:p>
@@ -4025,7 +4532,7 @@
           <a:p>
             <a:fld id="{4251665B-C24A-4702-B522-6A4334602E03}" type="datetimeFigureOut">
               <a:rPr lang="en-US" smtClean="0"/>
-              <a:t>09/03/15</a:t>
+              <a:t>3/9/2015</a:t>
             </a:fld>
             <a:endParaRPr lang="en-US"/>
           </a:p>
@@ -4067,7 +4574,7 @@
           <a:p>
             <a:fld id="{5FD889E0-CAB2-4699-909D-B9A88D47ACBE}" type="slidenum">
               <a:rPr lang="en-US" smtClean="0"/>
-              <a:t>‹#›</a:t>
+              <a:t>‹nº›</a:t>
             </a:fld>
             <a:endParaRPr lang="en-US"/>
           </a:p>
@@ -4536,7 +5043,7 @@
           <a:p>
             <a:fld id="{4251665B-C24A-4702-B522-6A4334602E03}" type="datetimeFigureOut">
               <a:rPr lang="en-US" smtClean="0"/>
-              <a:t>09/03/15</a:t>
+              <a:t>3/9/2015</a:t>
             </a:fld>
             <a:endParaRPr lang="en-US"/>
           </a:p>
@@ -4578,7 +5085,7 @@
           <a:p>
             <a:fld id="{5FD889E0-CAB2-4699-909D-B9A88D47ACBE}" type="slidenum">
               <a:rPr lang="en-US" smtClean="0"/>
-              <a:t>‹#›</a:t>
+              <a:t>‹nº›</a:t>
             </a:fld>
             <a:endParaRPr lang="en-US"/>
           </a:p>
@@ -4769,7 +5276,7 @@
           <a:p>
             <a:fld id="{4251665B-C24A-4702-B522-6A4334602E03}" type="datetimeFigureOut">
               <a:rPr lang="en-US" smtClean="0"/>
-              <a:t>09/03/15</a:t>
+              <a:t>3/9/2015</a:t>
             </a:fld>
             <a:endParaRPr lang="en-US"/>
           </a:p>
@@ -4811,7 +5318,7 @@
           <a:p>
             <a:fld id="{5FD889E0-CAB2-4699-909D-B9A88D47ACBE}" type="slidenum">
               <a:rPr lang="en-US" smtClean="0"/>
-              <a:t>‹#›</a:t>
+              <a:t>‹nº›</a:t>
             </a:fld>
             <a:endParaRPr lang="en-US"/>
           </a:p>
@@ -5294,7 +5801,7 @@
           <a:p>
             <a:fld id="{4251665B-C24A-4702-B522-6A4334602E03}" type="datetimeFigureOut">
               <a:rPr lang="en-US" smtClean="0"/>
-              <a:t>09/03/15</a:t>
+              <a:t>3/9/2015</a:t>
             </a:fld>
             <a:endParaRPr lang="en-US"/>
           </a:p>
@@ -5336,7 +5843,7 @@
           <a:p>
             <a:fld id="{5FD889E0-CAB2-4699-909D-B9A88D47ACBE}" type="slidenum">
               <a:rPr lang="en-US" smtClean="0"/>
-              <a:t>‹#›</a:t>
+              <a:t>‹nº›</a:t>
             </a:fld>
             <a:endParaRPr lang="en-US"/>
           </a:p>
@@ -5429,7 +5936,7 @@
           <a:p>
             <a:fld id="{4251665B-C24A-4702-B522-6A4334602E03}" type="datetimeFigureOut">
               <a:rPr lang="en-US" smtClean="0"/>
-              <a:t>09/03/15</a:t>
+              <a:t>3/9/2015</a:t>
             </a:fld>
             <a:endParaRPr lang="en-US"/>
           </a:p>
@@ -5471,7 +5978,7 @@
           <a:p>
             <a:fld id="{5FD889E0-CAB2-4699-909D-B9A88D47ACBE}" type="slidenum">
               <a:rPr lang="en-US" smtClean="0"/>
-              <a:t>‹#›</a:t>
+              <a:t>‹nº›</a:t>
             </a:fld>
             <a:endParaRPr lang="en-US"/>
           </a:p>
@@ -6327,7 +6834,7 @@
           <a:p>
             <a:fld id="{4251665B-C24A-4702-B522-6A4334602E03}" type="datetimeFigureOut">
               <a:rPr lang="en-US" smtClean="0"/>
-              <a:t>09/03/15</a:t>
+              <a:t>3/9/2015</a:t>
             </a:fld>
             <a:endParaRPr lang="en-US"/>
           </a:p>
@@ -6369,7 +6876,7 @@
           <a:p>
             <a:fld id="{5FD889E0-CAB2-4699-909D-B9A88D47ACBE}" type="slidenum">
               <a:rPr lang="en-US" smtClean="0"/>
-              <a:t>‹#›</a:t>
+              <a:t>‹nº›</a:t>
             </a:fld>
             <a:endParaRPr lang="en-US"/>
           </a:p>
@@ -6450,7 +6957,7 @@
           <a:p>
             <a:fld id="{4251665B-C24A-4702-B522-6A4334602E03}" type="datetimeFigureOut">
               <a:rPr lang="en-US" smtClean="0"/>
-              <a:t>09/03/15</a:t>
+              <a:t>3/9/2015</a:t>
             </a:fld>
             <a:endParaRPr lang="en-US"/>
           </a:p>
@@ -6492,7 +6999,7 @@
           <a:p>
             <a:fld id="{5FD889E0-CAB2-4699-909D-B9A88D47ACBE}" type="slidenum">
               <a:rPr lang="en-US" smtClean="0"/>
-              <a:t>‹#›</a:t>
+              <a:t>‹nº›</a:t>
             </a:fld>
             <a:endParaRPr lang="en-US"/>
           </a:p>
@@ -7334,7 +7841,7 @@
           <a:p>
             <a:fld id="{4251665B-C24A-4702-B522-6A4334602E03}" type="datetimeFigureOut">
               <a:rPr lang="en-US" smtClean="0"/>
-              <a:t>09/03/15</a:t>
+              <a:t>3/9/2015</a:t>
             </a:fld>
             <a:endParaRPr lang="en-US"/>
           </a:p>
@@ -7376,7 +7883,7 @@
           <a:p>
             <a:fld id="{5FD889E0-CAB2-4699-909D-B9A88D47ACBE}" type="slidenum">
               <a:rPr lang="en-US" smtClean="0"/>
-              <a:t>‹#›</a:t>
+              <a:t>‹nº›</a:t>
             </a:fld>
             <a:endParaRPr lang="en-US"/>
           </a:p>
@@ -7982,7 +8489,7 @@
           <a:p>
             <a:fld id="{4251665B-C24A-4702-B522-6A4334602E03}" type="datetimeFigureOut">
               <a:rPr lang="en-US" smtClean="0"/>
-              <a:t>09/03/15</a:t>
+              <a:t>3/9/2015</a:t>
             </a:fld>
             <a:endParaRPr lang="en-US"/>
           </a:p>
@@ -8024,7 +8531,7 @@
           <a:p>
             <a:fld id="{5FD889E0-CAB2-4699-909D-B9A88D47ACBE}" type="slidenum">
               <a:rPr lang="en-US" smtClean="0"/>
-              <a:t>‹#›</a:t>
+              <a:t>‹nº›</a:t>
             </a:fld>
             <a:endParaRPr lang="en-US"/>
           </a:p>
@@ -8298,7 +8805,7 @@
           <a:p>
             <a:fld id="{4251665B-C24A-4702-B522-6A4334602E03}" type="datetimeFigureOut">
               <a:rPr lang="en-US" smtClean="0"/>
-              <a:t>09/03/15</a:t>
+              <a:t>3/9/2015</a:t>
             </a:fld>
             <a:endParaRPr lang="en-US"/>
           </a:p>
@@ -8340,7 +8847,7 @@
           <a:p>
             <a:fld id="{5FD889E0-CAB2-4699-909D-B9A88D47ACBE}" type="slidenum">
               <a:rPr lang="en-US" smtClean="0"/>
-              <a:t>‹#›</a:t>
+              <a:t>‹nº›</a:t>
             </a:fld>
             <a:endParaRPr lang="en-US"/>
           </a:p>
@@ -8388,7 +8895,7 @@
           <a:p>
             <a:fld id="{4251665B-C24A-4702-B522-6A4334602E03}" type="datetimeFigureOut">
               <a:rPr lang="en-US" smtClean="0"/>
-              <a:t>09/03/15</a:t>
+              <a:t>3/9/2015</a:t>
             </a:fld>
             <a:endParaRPr lang="en-US"/>
           </a:p>
@@ -8430,7 +8937,7 @@
           <a:p>
             <a:fld id="{5FD889E0-CAB2-4699-909D-B9A88D47ACBE}" type="slidenum">
               <a:rPr lang="en-US" smtClean="0"/>
-              <a:t>‹#›</a:t>
+              <a:t>‹nº›</a:t>
             </a:fld>
             <a:endParaRPr lang="en-US"/>
           </a:p>
@@ -8716,7 +9223,7 @@
           <a:p>
             <a:fld id="{4251665B-C24A-4702-B522-6A4334602E03}" type="datetimeFigureOut">
               <a:rPr lang="en-US" smtClean="0"/>
-              <a:t>09/03/15</a:t>
+              <a:t>3/9/2015</a:t>
             </a:fld>
             <a:endParaRPr lang="en-US"/>
           </a:p>
@@ -8795,7 +9302,7 @@
           <a:p>
             <a:fld id="{5FD889E0-CAB2-4699-909D-B9A88D47ACBE}" type="slidenum">
               <a:rPr lang="en-US" smtClean="0"/>
-              <a:t>‹#›</a:t>
+              <a:t>‹nº›</a:t>
             </a:fld>
             <a:endParaRPr lang="en-US"/>
           </a:p>
@@ -9558,7 +10065,7 @@
   <p:timing>
     <p:tnLst>
       <p:par>
-        <p:cTn xmlns:p14="http://schemas.microsoft.com/office/powerpoint/2010/main" id="1" dur="indefinite" restart="never" nodeType="tmRoot"/>
+        <p:cTn id="1" dur="indefinite" restart="never" nodeType="tmRoot"/>
       </p:par>
     </p:tnLst>
   </p:timing>
@@ -10217,7 +10724,7 @@
               <a:t>Flexibilidade </a:t>
             </a:r>
             <a:r>
-              <a:rPr lang="pt-PT" sz="2600" dirty="0">
+              <a:rPr lang="pt-PT" sz="2600" dirty="0" smtClean="0">
                 <a:solidFill>
                   <a:schemeClr val="tx1">
                     <a:lumMod val="85000"/>
@@ -10225,7 +10732,18 @@
                   </a:schemeClr>
                 </a:solidFill>
               </a:rPr>
-              <a:t>da abordagem – no limite pode tornar-se no modelo em cascata!</a:t>
+              <a:t>de </a:t>
+            </a:r>
+            <a:r>
+              <a:rPr lang="pt-PT" sz="2600" dirty="0">
+                <a:solidFill>
+                  <a:schemeClr val="tx1">
+                    <a:lumMod val="85000"/>
+                    <a:lumOff val="15000"/>
+                  </a:schemeClr>
+                </a:solidFill>
+              </a:rPr>
+              <a:t>abordagem – no limite pode tornar-se no modelo em cascata!</a:t>
             </a:r>
           </a:p>
         </p:txBody>
@@ -10243,7 +10761,7 @@
   <p:timing>
     <p:tnLst>
       <p:par>
-        <p:cTn xmlns:p14="http://schemas.microsoft.com/office/powerpoint/2010/main" id="1" dur="indefinite" restart="never" nodeType="tmRoot"/>
+        <p:cTn id="1" dur="indefinite" restart="never" nodeType="tmRoot"/>
       </p:par>
     </p:tnLst>
   </p:timing>
@@ -10585,7 +11103,7 @@
   <p:timing>
     <p:tnLst>
       <p:par>
-        <p:cTn xmlns:p14="http://schemas.microsoft.com/office/powerpoint/2010/main" id="1" dur="indefinite" restart="never" nodeType="tmRoot"/>
+        <p:cTn id="1" dur="indefinite" restart="never" nodeType="tmRoot"/>
       </p:par>
     </p:tnLst>
   </p:timing>
@@ -11085,14 +11603,6 @@
               </a:rPr>
               <a:t>Modelo em Espiral</a:t>
             </a:r>
-            <a:endParaRPr lang="pt-PT" sz="3600" dirty="0" smtClean="0">
-              <a:solidFill>
-                <a:schemeClr val="tx1">
-                  <a:lumMod val="85000"/>
-                  <a:lumOff val="15000"/>
-                </a:schemeClr>
-              </a:solidFill>
-            </a:endParaRPr>
           </a:p>
           <a:p>
             <a:pPr marL="454025" indent="-454025">
@@ -11222,7 +11732,7 @@
           </a:effectLst>
           <a:extLst>
             <a:ext uri="{909E8E84-426E-40dd-AFC4-6F175D3DCCD1}">
-              <a14:hiddenFill xmlns:a14="http://schemas.microsoft.com/office/drawing/2010/main">
+              <a14:hiddenFill xmlns:a14="http://schemas.microsoft.com/office/drawing/2010/main" xmlns="">
                 <a:solidFill>
                   <a:srgbClr val="FFFFFF"/>
                 </a:solidFill>
@@ -11283,7 +11793,7 @@
   <p:timing>
     <p:tnLst>
       <p:par>
-        <p:cTn xmlns:p14="http://schemas.microsoft.com/office/powerpoint/2010/main" id="1" dur="indefinite" restart="never" nodeType="tmRoot"/>
+        <p:cTn id="1" dur="indefinite" restart="never" nodeType="tmRoot"/>
       </p:par>
     </p:tnLst>
   </p:timing>
@@ -11739,27 +12249,8 @@
                   </a:schemeClr>
                 </a:solidFill>
               </a:rPr>
-              <a:t>    Introduç</a:t>
-            </a:r>
-            <a:r>
-              <a:rPr lang="pt-PT" sz="5200" b="1" dirty="0" smtClean="0">
-                <a:solidFill>
-                  <a:schemeClr val="tx1">
-                    <a:lumMod val="85000"/>
-                    <a:lumOff val="15000"/>
-                  </a:schemeClr>
-                </a:solidFill>
-              </a:rPr>
-              <a:t>ão</a:t>
-            </a:r>
-            <a:endParaRPr lang="pt-PT" sz="5200" b="1" dirty="0" smtClean="0">
-              <a:solidFill>
-                <a:schemeClr val="tx1">
-                  <a:lumMod val="85000"/>
-                  <a:lumOff val="15000"/>
-                </a:schemeClr>
-              </a:solidFill>
-            </a:endParaRPr>
+              <a:t>    Introdução</a:t>
+            </a:r>
           </a:p>
           <a:p>
             <a:pPr>
@@ -11930,7 +12421,7 @@
   <p:timing>
     <p:tnLst>
       <p:par>
-        <p:cTn xmlns:p14="http://schemas.microsoft.com/office/powerpoint/2010/main" id="1" dur="indefinite" restart="never" nodeType="tmRoot"/>
+        <p:cTn id="1" dur="indefinite" restart="never" nodeType="tmRoot"/>
       </p:par>
     </p:tnLst>
   </p:timing>
@@ -11997,7 +12488,7 @@
           <p:nvPr/>
         </p:nvPicPr>
         <p:blipFill>
-          <a:blip r:embed="rId2">
+          <a:blip r:embed="rId3">
             <a:extLst>
               <a:ext uri="{28A0092B-C50C-407E-A947-70E740481C1C}">
                 <a14:useLocalDpi xmlns:a14="http://schemas.microsoft.com/office/drawing/2010/main" val="0"/>
@@ -12386,27 +12877,8 @@
                   </a:schemeClr>
                 </a:solidFill>
               </a:rPr>
-              <a:t>    O que </a:t>
-            </a:r>
-            <a:r>
-              <a:rPr lang="pt-PT" sz="5200" b="1" dirty="0" smtClean="0">
-                <a:solidFill>
-                  <a:schemeClr val="tx1">
-                    <a:lumMod val="85000"/>
-                    <a:lumOff val="15000"/>
-                  </a:schemeClr>
-                </a:solidFill>
-              </a:rPr>
-              <a:t>é?</a:t>
-            </a:r>
-            <a:endParaRPr lang="pt-PT" sz="5200" b="1" dirty="0" smtClean="0">
-              <a:solidFill>
-                <a:schemeClr val="tx1">
-                  <a:lumMod val="85000"/>
-                  <a:lumOff val="15000"/>
-                </a:schemeClr>
-              </a:solidFill>
-            </a:endParaRPr>
+              <a:t>    O que é?</a:t>
+            </a:r>
           </a:p>
           <a:p>
             <a:pPr marL="454025" indent="-454025">
@@ -12476,18 +12948,7 @@
                   </a:schemeClr>
                 </a:solidFill>
               </a:rPr>
-              <a:t>Quem faz o qu</a:t>
-            </a:r>
-            <a:r>
-              <a:rPr lang="pt-PT" sz="3500" dirty="0" smtClean="0">
-                <a:solidFill>
-                  <a:schemeClr val="tx1">
-                    <a:lumMod val="85000"/>
-                    <a:lumOff val="15000"/>
-                  </a:schemeClr>
-                </a:solidFill>
-              </a:rPr>
-              <a:t>ê</a:t>
+              <a:t>Quem faz o quê</a:t>
             </a:r>
           </a:p>
           <a:p>
@@ -12529,14 +12990,6 @@
               </a:rPr>
               <a:t>Durante quanto tempo</a:t>
             </a:r>
-            <a:endParaRPr lang="pt-PT" sz="3500" dirty="0" smtClean="0">
-              <a:solidFill>
-                <a:schemeClr val="tx1">
-                  <a:lumMod val="85000"/>
-                  <a:lumOff val="15000"/>
-                </a:schemeClr>
-              </a:solidFill>
-            </a:endParaRPr>
           </a:p>
           <a:p>
             <a:pPr marL="454025" indent="-454025">
@@ -12594,7 +13047,7 @@
   <p:timing>
     <p:tnLst>
       <p:par>
-        <p:cTn xmlns:p14="http://schemas.microsoft.com/office/powerpoint/2010/main" id="1" dur="indefinite" restart="never" nodeType="tmRoot"/>
+        <p:cTn id="1" dur="indefinite" restart="never" nodeType="tmRoot"/>
       </p:par>
     </p:tnLst>
   </p:timing>
@@ -12661,7 +13114,7 @@
           <p:nvPr/>
         </p:nvPicPr>
         <p:blipFill>
-          <a:blip r:embed="rId2">
+          <a:blip r:embed="rId3">
             <a:extLst>
               <a:ext uri="{28A0092B-C50C-407E-A947-70E740481C1C}">
                 <a14:useLocalDpi xmlns:a14="http://schemas.microsoft.com/office/drawing/2010/main" val="0"/>
@@ -13150,7 +13603,7 @@
   <p:timing>
     <p:tnLst>
       <p:par>
-        <p:cTn xmlns:p14="http://schemas.microsoft.com/office/powerpoint/2010/main" id="1" dur="indefinite" restart="never" nodeType="tmRoot"/>
+        <p:cTn id="1" dur="indefinite" restart="never" nodeType="tmRoot"/>
       </p:par>
     </p:tnLst>
   </p:timing>
@@ -13399,7 +13852,7 @@
   <p:timing>
     <p:tnLst>
       <p:par>
-        <p:cTn xmlns:p14="http://schemas.microsoft.com/office/powerpoint/2010/main" id="1" dur="indefinite" restart="never" nodeType="tmRoot"/>
+        <p:cTn id="1" dur="indefinite" restart="never" nodeType="tmRoot"/>
       </p:par>
     </p:tnLst>
   </p:timing>
@@ -14083,7 +14536,7 @@
   <p:timing>
     <p:tnLst>
       <p:par>
-        <p:cTn xmlns:p14="http://schemas.microsoft.com/office/powerpoint/2010/main" id="1" dur="indefinite" restart="never" nodeType="tmRoot"/>
+        <p:cTn id="1" dur="indefinite" restart="never" nodeType="tmRoot"/>
       </p:par>
     </p:tnLst>
   </p:timing>
@@ -14667,7 +15120,7 @@
   <p:timing>
     <p:tnLst>
       <p:par>
-        <p:cTn xmlns:p14="http://schemas.microsoft.com/office/powerpoint/2010/main" id="1" dur="indefinite" restart="never" nodeType="tmRoot"/>
+        <p:cTn id="1" dur="indefinite" restart="never" nodeType="tmRoot"/>
       </p:par>
     </p:tnLst>
   </p:timing>
@@ -15308,7 +15761,7 @@
   <p:timing>
     <p:tnLst>
       <p:par>
-        <p:cTn xmlns:p14="http://schemas.microsoft.com/office/powerpoint/2010/main" id="1" dur="indefinite" restart="never" nodeType="tmRoot"/>
+        <p:cTn id="1" dur="indefinite" restart="never" nodeType="tmRoot"/>
       </p:par>
     </p:tnLst>
   </p:timing>

--- a/Apresentação/Apresentacao.pptx
+++ b/Apresentação/Apresentacao.pptx
@@ -218,7 +218,7 @@
           <a:p>
             <a:fld id="{71E4F8E4-E698-D443-9DD4-6291FD74F3F2}" type="datetimeFigureOut">
               <a:rPr lang="en-US" smtClean="0"/>
-              <a:t>3/9/2015</a:t>
+              <a:t>3/10/2015</a:t>
             </a:fld>
             <a:endParaRPr lang="pt-PT"/>
           </a:p>
@@ -948,19 +948,7 @@
             </a:pPr>
             <a:r>
               <a:rPr lang="pt-PT" baseline="0" dirty="0" smtClean="0"/>
-              <a:t>Identificação </a:t>
-            </a:r>
-            <a:r>
-              <a:rPr lang="pt-PT" baseline="0" dirty="0" smtClean="0"/>
-              <a:t>e </a:t>
-            </a:r>
-            <a:r>
-              <a:rPr lang="pt-PT" baseline="0" dirty="0" smtClean="0"/>
-              <a:t>avaliação de </a:t>
-            </a:r>
-            <a:r>
-              <a:rPr lang="pt-PT" baseline="0" dirty="0" smtClean="0"/>
-              <a:t>riscos;</a:t>
+              <a:t>Identificação e avaliação de riscos;</a:t>
             </a:r>
           </a:p>
           <a:p>
@@ -980,15 +968,7 @@
             </a:pPr>
             <a:r>
               <a:rPr lang="pt-PT" baseline="0" dirty="0" smtClean="0"/>
-              <a:t>Planeamento da próxima iteração  </a:t>
-            </a:r>
-            <a:r>
-              <a:rPr lang="pt-PT" baseline="0" dirty="0" smtClean="0"/>
-              <a:t>(caso haja uma próxima iteração, caso contrário o processo dá-se por terminado).</a:t>
-            </a:r>
-            <a:r>
-              <a:rPr lang="pt-PT" baseline="0" dirty="0" smtClean="0"/>
-              <a:t>	</a:t>
+              <a:t>Planeamento da próxima iteração  (caso haja uma próxima iteração, caso contrário o processo dá-se por terminado).	</a:t>
             </a:r>
             <a:endParaRPr lang="pt-PT" dirty="0"/>
           </a:p>
@@ -1274,16 +1254,27 @@
                   </a:schemeClr>
                 </a:solidFill>
               </a:rPr>
-              <a:t>Foca-se na necessidade de iterar para controlar riscos:</a:t>
-            </a:r>
-          </a:p>
-          <a:p>
-            <a:pPr marL="457200" lvl="1" indent="0" algn="just">
+              <a:t>Foca-se na necessidade de iterar para controlar </a:t>
+            </a:r>
+            <a:r>
+              <a:rPr lang="pt-PT" sz="2400" dirty="0" smtClean="0">
+                <a:solidFill>
+                  <a:schemeClr val="tx1">
+                    <a:lumMod val="85000"/>
+                    <a:lumOff val="15000"/>
+                  </a:schemeClr>
+                </a:solidFill>
+              </a:rPr>
+              <a:t>riscos:</a:t>
+            </a:r>
+          </a:p>
+          <a:p>
+            <a:pPr marL="342900" indent="-342900" algn="just">
               <a:spcBef>
                 <a:spcPts val="2000"/>
               </a:spcBef>
-              <a:buFont typeface="Wingdings" pitchFamily="2" charset="2"/>
-              <a:buNone/>
+              <a:buFont typeface="Arial" panose="020B0604020202020204" pitchFamily="34" charset="0"/>
+              <a:buChar char="•"/>
             </a:pPr>
             <a:r>
               <a:rPr lang="pt-PT" sz="2000" dirty="0" smtClean="0">
@@ -1294,10 +1285,10 @@
                   </a:schemeClr>
                 </a:solidFill>
               </a:rPr>
-              <a:t>Definição dos requisitos com o maior detalhe possível. -&gt; Evitando erros no desenvolvimento</a:t>
-            </a:r>
-            <a:r>
-              <a:rPr lang="pt-PT" sz="2000" baseline="0" dirty="0" smtClean="0">
+              <a:t>Definição </a:t>
+            </a:r>
+            <a:r>
+              <a:rPr lang="pt-PT" sz="2000" dirty="0" smtClean="0">
                 <a:solidFill>
                   <a:schemeClr val="tx1">
                     <a:lumMod val="85000"/>
@@ -1305,24 +1296,38 @@
                   </a:schemeClr>
                 </a:solidFill>
               </a:rPr>
-              <a:t> por falta de especificação.</a:t>
-            </a:r>
-            <a:endParaRPr lang="pt-PT" sz="2000" dirty="0" smtClean="0">
-              <a:solidFill>
-                <a:schemeClr val="tx1">
-                  <a:lumMod val="85000"/>
-                  <a:lumOff val="15000"/>
-                </a:schemeClr>
-              </a:solidFill>
-            </a:endParaRPr>
-          </a:p>
-          <a:p>
-            <a:pPr marL="457200" lvl="1" indent="0" algn="just">
+              <a:t>dos requisitos com o maior detalhe possível. -&gt; Evitando erros no desenvolvimento</a:t>
+            </a:r>
+            <a:r>
+              <a:rPr lang="pt-PT" sz="2000" baseline="0" dirty="0" smtClean="0">
+                <a:solidFill>
+                  <a:schemeClr val="tx1">
+                    <a:lumMod val="85000"/>
+                    <a:lumOff val="15000"/>
+                  </a:schemeClr>
+                </a:solidFill>
+              </a:rPr>
+              <a:t> por falta de </a:t>
+            </a:r>
+            <a:r>
+              <a:rPr lang="pt-PT" sz="2000" baseline="0" dirty="0" smtClean="0">
+                <a:solidFill>
+                  <a:schemeClr val="tx1">
+                    <a:lumMod val="85000"/>
+                    <a:lumOff val="15000"/>
+                  </a:schemeClr>
+                </a:solidFill>
+              </a:rPr>
+              <a:t>especificação.</a:t>
+            </a:r>
+          </a:p>
+          <a:p>
+            <a:pPr marL="342900" indent="-342900" algn="just">
               <a:spcBef>
                 <a:spcPts val="2000"/>
               </a:spcBef>
-              <a:buFont typeface="Wingdings" pitchFamily="2" charset="2"/>
-              <a:buNone/>
+              <a:buFont typeface="Arial" panose="020B0604020202020204" pitchFamily="34" charset="0"/>
+              <a:buChar char="•"/>
             </a:pPr>
             <a:r>
               <a:rPr lang="pt-PT" sz="2000" dirty="0" smtClean="0">
@@ -1333,10 +1338,10 @@
                   </a:schemeClr>
                 </a:solidFill>
               </a:rPr>
-              <a:t>Conceção de um primeiro “desenho” do sistema. -&gt;</a:t>
-            </a:r>
-            <a:r>
-              <a:rPr lang="pt-PT" sz="2000" baseline="0" dirty="0" smtClean="0">
+              <a:t>Conceção </a:t>
+            </a:r>
+            <a:r>
+              <a:rPr lang="pt-PT" sz="2000" dirty="0" smtClean="0">
                 <a:solidFill>
                   <a:schemeClr val="tx1">
                     <a:lumMod val="85000"/>
@@ -1344,24 +1349,38 @@
                   </a:schemeClr>
                 </a:solidFill>
               </a:rPr>
-              <a:t> Que facilita a validação por parte do utilizador e percepção do que terá de ser desenvolvido.</a:t>
-            </a:r>
-            <a:endParaRPr lang="pt-PT" sz="2000" dirty="0" smtClean="0">
-              <a:solidFill>
-                <a:schemeClr val="tx1">
-                  <a:lumMod val="85000"/>
-                  <a:lumOff val="15000"/>
-                </a:schemeClr>
-              </a:solidFill>
-            </a:endParaRPr>
-          </a:p>
-          <a:p>
-            <a:pPr marL="457200" lvl="1" indent="0" algn="just">
+              <a:t>de um primeiro “desenho” do sistema. -&gt;</a:t>
+            </a:r>
+            <a:r>
+              <a:rPr lang="pt-PT" sz="2000" baseline="0" dirty="0" smtClean="0">
+                <a:solidFill>
+                  <a:schemeClr val="tx1">
+                    <a:lumMod val="85000"/>
+                    <a:lumOff val="15000"/>
+                  </a:schemeClr>
+                </a:solidFill>
+              </a:rPr>
+              <a:t> Que facilita a validação por parte do utilizador e percepção do que terá de ser </a:t>
+            </a:r>
+            <a:r>
+              <a:rPr lang="pt-PT" sz="2000" baseline="0" dirty="0" smtClean="0">
+                <a:solidFill>
+                  <a:schemeClr val="tx1">
+                    <a:lumMod val="85000"/>
+                    <a:lumOff val="15000"/>
+                  </a:schemeClr>
+                </a:solidFill>
+              </a:rPr>
+              <a:t>desenvolvido.</a:t>
+            </a:r>
+          </a:p>
+          <a:p>
+            <a:pPr marL="342900" indent="-342900" algn="just">
               <a:spcBef>
                 <a:spcPts val="2000"/>
               </a:spcBef>
-              <a:buFont typeface="Wingdings" pitchFamily="2" charset="2"/>
-              <a:buNone/>
+              <a:buFont typeface="Arial" panose="020B0604020202020204" pitchFamily="34" charset="0"/>
+              <a:buChar char="•"/>
             </a:pPr>
             <a:r>
               <a:rPr lang="pt-PT" sz="2000" dirty="0" smtClean="0">
@@ -1372,10 +1391,10 @@
                   </a:schemeClr>
                 </a:solidFill>
               </a:rPr>
-              <a:t>Um primeiro protótipo é construído a partir do passo anterior. -&gt;Usado</a:t>
-            </a:r>
-            <a:r>
-              <a:rPr lang="pt-PT" sz="2000" baseline="0" dirty="0" smtClean="0">
+              <a:t>Um </a:t>
+            </a:r>
+            <a:r>
+              <a:rPr lang="pt-PT" sz="2000" dirty="0" smtClean="0">
                 <a:solidFill>
                   <a:schemeClr val="tx1">
                     <a:lumMod val="85000"/>
@@ -1383,24 +1402,38 @@
                   </a:schemeClr>
                 </a:solidFill>
               </a:rPr>
-              <a:t> mais uma vez validação do utilizador.</a:t>
-            </a:r>
-            <a:endParaRPr lang="pt-PT" sz="2000" dirty="0" smtClean="0">
-              <a:solidFill>
-                <a:schemeClr val="tx1">
-                  <a:lumMod val="85000"/>
-                  <a:lumOff val="15000"/>
-                </a:schemeClr>
-              </a:solidFill>
-            </a:endParaRPr>
-          </a:p>
-          <a:p>
-            <a:pPr marL="457200" lvl="1" indent="0" algn="just">
+              <a:t>primeiro protótipo é construído a partir do passo anterior. -&gt;Usado</a:t>
+            </a:r>
+            <a:r>
+              <a:rPr lang="pt-PT" sz="2000" baseline="0" dirty="0" smtClean="0">
+                <a:solidFill>
+                  <a:schemeClr val="tx1">
+                    <a:lumMod val="85000"/>
+                    <a:lumOff val="15000"/>
+                  </a:schemeClr>
+                </a:solidFill>
+              </a:rPr>
+              <a:t> mais uma vez validação do </a:t>
+            </a:r>
+            <a:r>
+              <a:rPr lang="pt-PT" sz="2000" baseline="0" dirty="0" smtClean="0">
+                <a:solidFill>
+                  <a:schemeClr val="tx1">
+                    <a:lumMod val="85000"/>
+                    <a:lumOff val="15000"/>
+                  </a:schemeClr>
+                </a:solidFill>
+              </a:rPr>
+              <a:t>utilizador.</a:t>
+            </a:r>
+          </a:p>
+          <a:p>
+            <a:pPr marL="342900" indent="-342900" algn="just">
               <a:spcBef>
                 <a:spcPts val="2000"/>
               </a:spcBef>
-              <a:buFont typeface="Wingdings" pitchFamily="2" charset="2"/>
-              <a:buNone/>
+              <a:buFont typeface="Arial" panose="020B0604020202020204" pitchFamily="34" charset="0"/>
+              <a:buChar char="•"/>
             </a:pPr>
             <a:r>
               <a:rPr lang="pt-PT" sz="2000" dirty="0" smtClean="0">
@@ -1411,10 +1444,10 @@
                   </a:schemeClr>
                 </a:solidFill>
               </a:rPr>
-              <a:t>Desenvolvimento de um segundo protótipo a partir do primeiro (este passo é iterado até o cliente estar satisfeito). -&gt;</a:t>
-            </a:r>
-            <a:r>
-              <a:rPr lang="pt-PT" sz="2000" baseline="0" dirty="0" smtClean="0">
+              <a:t>Desenvolvimento </a:t>
+            </a:r>
+            <a:r>
+              <a:rPr lang="pt-PT" sz="2000" dirty="0" smtClean="0">
                 <a:solidFill>
                   <a:schemeClr val="tx1">
                     <a:lumMod val="85000"/>
@@ -1422,16 +1455,38 @@
                   </a:schemeClr>
                 </a:solidFill>
               </a:rPr>
-              <a:t> Melhoria do primeiro protótipo se necessário</a:t>
-            </a:r>
-          </a:p>
-          <a:p>
-            <a:pPr marL="457200" lvl="1" indent="0" algn="just">
+              <a:t>de um segundo protótipo a partir do primeiro (este passo é iterado até o cliente estar satisfeito). -&gt;</a:t>
+            </a:r>
+            <a:r>
+              <a:rPr lang="pt-PT" sz="2000" baseline="0" dirty="0" smtClean="0">
+                <a:solidFill>
+                  <a:schemeClr val="tx1">
+                    <a:lumMod val="85000"/>
+                    <a:lumOff val="15000"/>
+                  </a:schemeClr>
+                </a:solidFill>
+              </a:rPr>
+              <a:t> Melhoria do primeiro protótipo se </a:t>
+            </a:r>
+            <a:r>
+              <a:rPr lang="pt-PT" sz="2000" baseline="0" dirty="0" smtClean="0">
+                <a:solidFill>
+                  <a:schemeClr val="tx1">
+                    <a:lumMod val="85000"/>
+                    <a:lumOff val="15000"/>
+                  </a:schemeClr>
+                </a:solidFill>
+              </a:rPr>
+              <a:t>necessário</a:t>
+            </a:r>
+          </a:p>
+          <a:p>
+            <a:pPr marL="342900" indent="-342900" algn="just">
               <a:spcBef>
                 <a:spcPts val="2000"/>
               </a:spcBef>
-              <a:buFont typeface="Wingdings" pitchFamily="2" charset="2"/>
-              <a:buNone/>
+              <a:buFont typeface="Arial" panose="020B0604020202020204" pitchFamily="34" charset="0"/>
+              <a:buChar char="•"/>
             </a:pPr>
             <a:r>
               <a:rPr lang="pt-PT" sz="2000" dirty="0" smtClean="0">
@@ -1442,7 +1497,18 @@
                   </a:schemeClr>
                 </a:solidFill>
               </a:rPr>
-              <a:t>O produto final é construído a partir do protótipo final e, depois de avaliado e testado, entra em produção.</a:t>
+              <a:t>O </a:t>
+            </a:r>
+            <a:r>
+              <a:rPr lang="pt-PT" sz="2000" dirty="0" smtClean="0">
+                <a:solidFill>
+                  <a:schemeClr val="tx1">
+                    <a:lumMod val="85000"/>
+                    <a:lumOff val="15000"/>
+                  </a:schemeClr>
+                </a:solidFill>
+              </a:rPr>
+              <a:t>produto final é construído a partir do protótipo final e, depois de avaliado e testado, entra em produção.</a:t>
             </a:r>
           </a:p>
           <a:p>
@@ -1556,7 +1622,41 @@
             </a:pPr>
             <a:r>
               <a:rPr lang="pt-PT" baseline="0" dirty="0" smtClean="0"/>
-              <a:t>O custo pode disparar, por exemplo, se o cliente não estiver satisfeito e constantemente exigir alterações ao produto, exigirá imensas iterações no processo comprometendo o seu sucesso e término e tornando-o custoso (cada iteração=+dinheiro). Além disso exigir uma maior experiência e qualidade de serviço pode disparar o custo da mão-de-obra.</a:t>
+              <a:t>O custo pode disparar, por exemplo, se o cliente não estiver satisfeito e constantemente exigir alterações ao produto, exigirá imensas iterações no processo comprometendo o seu sucesso e término e tornando-o custoso (cada iteração=+dinheiro). Além disso exigir uma maior experiência e qualidade de serviço pode disparar o custo da mão-de-obra</a:t>
+            </a:r>
+            <a:r>
+              <a:rPr lang="pt-PT" baseline="0" dirty="0" smtClean="0"/>
+              <a:t>.</a:t>
+            </a:r>
+          </a:p>
+          <a:p>
+            <a:pPr marL="171450" marR="0" lvl="1" indent="-171450" algn="l" defTabSz="457200" rtl="0" eaLnBrk="1" fontAlgn="auto" latinLnBrk="0" hangingPunct="1">
+              <a:lnSpc>
+                <a:spcPct val="100000"/>
+              </a:lnSpc>
+              <a:spcBef>
+                <a:spcPts val="0"/>
+              </a:spcBef>
+              <a:spcAft>
+                <a:spcPts val="0"/>
+              </a:spcAft>
+              <a:buClrTx/>
+              <a:buSzTx/>
+              <a:buFont typeface="Arial" panose="020B0604020202020204" pitchFamily="34" charset="0"/>
+              <a:buChar char="•"/>
+              <a:tabLst/>
+              <a:defRPr/>
+            </a:pPr>
+            <a:r>
+              <a:rPr lang="pt-PT" sz="2000" dirty="0" smtClean="0">
+                <a:solidFill>
+                  <a:schemeClr val="tx1">
+                    <a:lumMod val="85000"/>
+                    <a:lumOff val="15000"/>
+                  </a:schemeClr>
+                </a:solidFill>
+              </a:rPr>
+              <a:t>Dificuldade em convencer clientes de grande escala de que a abordagem evolutiva é controlável.</a:t>
             </a:r>
           </a:p>
           <a:p>
@@ -1564,14 +1664,6 @@
               <a:buFont typeface="Arial" panose="020B0604020202020204" pitchFamily="34" charset="0"/>
               <a:buChar char="•"/>
             </a:pPr>
-            <a:r>
-              <a:rPr lang="pt-PT" smtClean="0"/>
-              <a:t>????É </a:t>
-            </a:r>
-            <a:r>
-              <a:rPr lang="pt-PT" dirty="0" smtClean="0"/>
-              <a:t>um processo ainda rígido pois após a estipulação e planeamento da iteração seguinte é esperado que se sigam “à risca os passos” identificados e especificados.</a:t>
-            </a:r>
             <a:endParaRPr lang="pt-PT" dirty="0"/>
           </a:p>
         </p:txBody>
@@ -1672,8 +1764,13 @@
             </a:r>
             <a:r>
               <a:rPr lang="pt-PT" baseline="0" dirty="0" smtClean="0"/>
-              <a:t> maior controlo de riscos no desenvolvimento do produto;</a:t>
-            </a:r>
+              <a:t> maior controlo de riscos no desenvolvimento do produto</a:t>
+            </a:r>
+            <a:r>
+              <a:rPr lang="pt-PT" baseline="0" dirty="0" smtClean="0"/>
+              <a:t>;</a:t>
+            </a:r>
+            <a:endParaRPr lang="pt-PT" baseline="0" dirty="0" smtClean="0"/>
           </a:p>
           <a:p>
             <a:pPr marL="171450" indent="-171450">
@@ -1682,7 +1779,11 @@
             </a:pPr>
             <a:r>
               <a:rPr lang="pt-PT" baseline="0" dirty="0" smtClean="0"/>
-              <a:t>????</a:t>
+              <a:t>Com o desenvolvimento de protótipos existe maior facilidade e percepção de qual o caminho a seguir e que mudanças/acrescentos devem ser feitos não só através de testes mas também à luz da opinião do </a:t>
+            </a:r>
+            <a:r>
+              <a:rPr lang="pt-PT" baseline="0" dirty="0" smtClean="0"/>
+              <a:t>cliente.</a:t>
             </a:r>
           </a:p>
           <a:p>
@@ -1691,18 +1792,15 @@
               <a:buChar char="•"/>
             </a:pPr>
             <a:r>
-              <a:rPr lang="pt-PT" baseline="0" dirty="0" smtClean="0"/>
-              <a:t>Com o desenvolvimento de protótipos existe maior facilidade e percepção de qual o caminho a seguir e que mudanças/acrescentos devem ser feitos não só através de testes mas também à luz da opinião do cliente.</a:t>
-            </a:r>
-          </a:p>
-          <a:p>
-            <a:pPr marL="171450" indent="-171450">
-              <a:buFont typeface="Arial" panose="020B0604020202020204" pitchFamily="34" charset="0"/>
-              <a:buChar char="•"/>
-            </a:pPr>
-            <a:r>
-              <a:rPr lang="pt-PT" baseline="0" dirty="0" smtClean="0"/>
-              <a:t>?????</a:t>
+              <a:rPr lang="pt-PT" sz="2600" dirty="0" smtClean="0">
+                <a:solidFill>
+                  <a:schemeClr val="tx1">
+                    <a:lumMod val="85000"/>
+                    <a:lumOff val="15000"/>
+                  </a:schemeClr>
+                </a:solidFill>
+              </a:rPr>
+              <a:t>Patricamente não existe distinção entre o desenvolvimento e pós-entrega.</a:t>
             </a:r>
           </a:p>
           <a:p>
@@ -1784,7 +1882,7 @@
           <a:p>
             <a:fld id="{4251665B-C24A-4702-B522-6A4334602E03}" type="datetimeFigureOut">
               <a:rPr lang="en-US" smtClean="0"/>
-              <a:t>3/9/2015</a:t>
+              <a:t>3/10/2015</a:t>
             </a:fld>
             <a:endParaRPr lang="en-US"/>
           </a:p>
@@ -2491,7 +2589,7 @@
           <a:p>
             <a:fld id="{4251665B-C24A-4702-B522-6A4334602E03}" type="datetimeFigureOut">
               <a:rPr lang="en-US" smtClean="0"/>
-              <a:t>3/9/2015</a:t>
+              <a:t>3/10/2015</a:t>
             </a:fld>
             <a:endParaRPr lang="en-US"/>
           </a:p>
@@ -3115,7 +3213,7 @@
           <a:p>
             <a:fld id="{4251665B-C24A-4702-B522-6A4334602E03}" type="datetimeFigureOut">
               <a:rPr lang="en-US" smtClean="0"/>
-              <a:t>3/9/2015</a:t>
+              <a:t>3/10/2015</a:t>
             </a:fld>
             <a:endParaRPr lang="en-US"/>
           </a:p>
@@ -3538,7 +3636,7 @@
           <a:p>
             <a:fld id="{4251665B-C24A-4702-B522-6A4334602E03}" type="datetimeFigureOut">
               <a:rPr lang="en-US" smtClean="0"/>
-              <a:t>3/9/2015</a:t>
+              <a:t>3/10/2015</a:t>
             </a:fld>
             <a:endParaRPr lang="en-US"/>
           </a:p>
@@ -3715,7 +3813,7 @@
           <a:p>
             <a:fld id="{4251665B-C24A-4702-B522-6A4334602E03}" type="datetimeFigureOut">
               <a:rPr lang="en-US" smtClean="0"/>
-              <a:t>3/9/2015</a:t>
+              <a:t>3/10/2015</a:t>
             </a:fld>
             <a:endParaRPr lang="en-US"/>
           </a:p>
@@ -4532,7 +4630,7 @@
           <a:p>
             <a:fld id="{4251665B-C24A-4702-B522-6A4334602E03}" type="datetimeFigureOut">
               <a:rPr lang="en-US" smtClean="0"/>
-              <a:t>3/9/2015</a:t>
+              <a:t>3/10/2015</a:t>
             </a:fld>
             <a:endParaRPr lang="en-US"/>
           </a:p>
@@ -5043,7 +5141,7 @@
           <a:p>
             <a:fld id="{4251665B-C24A-4702-B522-6A4334602E03}" type="datetimeFigureOut">
               <a:rPr lang="en-US" smtClean="0"/>
-              <a:t>3/9/2015</a:t>
+              <a:t>3/10/2015</a:t>
             </a:fld>
             <a:endParaRPr lang="en-US"/>
           </a:p>
@@ -5276,7 +5374,7 @@
           <a:p>
             <a:fld id="{4251665B-C24A-4702-B522-6A4334602E03}" type="datetimeFigureOut">
               <a:rPr lang="en-US" smtClean="0"/>
-              <a:t>3/9/2015</a:t>
+              <a:t>3/10/2015</a:t>
             </a:fld>
             <a:endParaRPr lang="en-US"/>
           </a:p>
@@ -5801,7 +5899,7 @@
           <a:p>
             <a:fld id="{4251665B-C24A-4702-B522-6A4334602E03}" type="datetimeFigureOut">
               <a:rPr lang="en-US" smtClean="0"/>
-              <a:t>3/9/2015</a:t>
+              <a:t>3/10/2015</a:t>
             </a:fld>
             <a:endParaRPr lang="en-US"/>
           </a:p>
@@ -5936,7 +6034,7 @@
           <a:p>
             <a:fld id="{4251665B-C24A-4702-B522-6A4334602E03}" type="datetimeFigureOut">
               <a:rPr lang="en-US" smtClean="0"/>
-              <a:t>3/9/2015</a:t>
+              <a:t>3/10/2015</a:t>
             </a:fld>
             <a:endParaRPr lang="en-US"/>
           </a:p>
@@ -6834,7 +6932,7 @@
           <a:p>
             <a:fld id="{4251665B-C24A-4702-B522-6A4334602E03}" type="datetimeFigureOut">
               <a:rPr lang="en-US" smtClean="0"/>
-              <a:t>3/9/2015</a:t>
+              <a:t>3/10/2015</a:t>
             </a:fld>
             <a:endParaRPr lang="en-US"/>
           </a:p>
@@ -6957,7 +7055,7 @@
           <a:p>
             <a:fld id="{4251665B-C24A-4702-B522-6A4334602E03}" type="datetimeFigureOut">
               <a:rPr lang="en-US" smtClean="0"/>
-              <a:t>3/9/2015</a:t>
+              <a:t>3/10/2015</a:t>
             </a:fld>
             <a:endParaRPr lang="en-US"/>
           </a:p>
@@ -7841,7 +7939,7 @@
           <a:p>
             <a:fld id="{4251665B-C24A-4702-B522-6A4334602E03}" type="datetimeFigureOut">
               <a:rPr lang="en-US" smtClean="0"/>
-              <a:t>3/9/2015</a:t>
+              <a:t>3/10/2015</a:t>
             </a:fld>
             <a:endParaRPr lang="en-US"/>
           </a:p>
@@ -8489,7 +8587,7 @@
           <a:p>
             <a:fld id="{4251665B-C24A-4702-B522-6A4334602E03}" type="datetimeFigureOut">
               <a:rPr lang="en-US" smtClean="0"/>
-              <a:t>3/9/2015</a:t>
+              <a:t>3/10/2015</a:t>
             </a:fld>
             <a:endParaRPr lang="en-US"/>
           </a:p>
@@ -8805,7 +8903,7 @@
           <a:p>
             <a:fld id="{4251665B-C24A-4702-B522-6A4334602E03}" type="datetimeFigureOut">
               <a:rPr lang="en-US" smtClean="0"/>
-              <a:t>3/9/2015</a:t>
+              <a:t>3/10/2015</a:t>
             </a:fld>
             <a:endParaRPr lang="en-US"/>
           </a:p>
@@ -8895,7 +8993,7 @@
           <a:p>
             <a:fld id="{4251665B-C24A-4702-B522-6A4334602E03}" type="datetimeFigureOut">
               <a:rPr lang="en-US" smtClean="0"/>
-              <a:t>3/9/2015</a:t>
+              <a:t>3/10/2015</a:t>
             </a:fld>
             <a:endParaRPr lang="en-US"/>
           </a:p>
@@ -9223,7 +9321,7 @@
           <a:p>
             <a:fld id="{4251665B-C24A-4702-B522-6A4334602E03}" type="datetimeFigureOut">
               <a:rPr lang="en-US" smtClean="0"/>
-              <a:t>3/9/2015</a:t>
+              <a:t>3/10/2015</a:t>
             </a:fld>
             <a:endParaRPr lang="en-US"/>
           </a:p>
@@ -10290,7 +10388,7 @@
         </p:spPr>
         <p:txBody>
           <a:bodyPr vert="horz" lIns="91440" tIns="45720" rIns="91440" bIns="45720" rtlCol="0">
-            <a:normAutofit fontScale="77500" lnSpcReduction="20000"/>
+            <a:normAutofit lnSpcReduction="10000"/>
           </a:bodyPr>
           <a:lstStyle>
             <a:lvl1pPr marL="0" indent="0" algn="l" defTabSz="914400" rtl="0" eaLnBrk="1" latinLnBrk="0" hangingPunct="1">
@@ -10599,7 +10697,7 @@
                   </a:schemeClr>
                 </a:solidFill>
               </a:rPr>
-              <a:t>Promove </a:t>
+              <a:t>Permite </a:t>
             </a:r>
             <a:r>
               <a:rPr lang="pt-PT" sz="2600" dirty="0">
@@ -10610,7 +10708,7 @@
                   </a:schemeClr>
                 </a:solidFill>
               </a:rPr>
-              <a:t>a inclusão de </a:t>
+              <a:t>demonstração/exploração via protótipos do sistema desde </a:t>
             </a:r>
             <a:r>
               <a:rPr lang="pt-PT" sz="2600" dirty="0" smtClean="0">
@@ -10621,10 +10719,10 @@
                   </a:schemeClr>
                 </a:solidFill>
               </a:rPr>
-              <a:t>objetivos </a:t>
-            </a:r>
-            <a:r>
-              <a:rPr lang="pt-PT" sz="2600" dirty="0">
+              <a:t>cedo</a:t>
+            </a:r>
+            <a:r>
+              <a:rPr lang="pt-PT" sz="2600" dirty="0" smtClean="0">
                 <a:solidFill>
                   <a:schemeClr val="tx1">
                     <a:lumMod val="85000"/>
@@ -10632,8 +10730,17 @@
                   </a:schemeClr>
                 </a:solidFill>
               </a:rPr>
-              <a:t>de qualidade no processo de </a:t>
-            </a:r>
+              <a:t>.</a:t>
+            </a:r>
+          </a:p>
+          <a:p>
+            <a:pPr marL="911225" lvl="1" indent="-454025" algn="just">
+              <a:spcBef>
+                <a:spcPts val="2000"/>
+              </a:spcBef>
+              <a:buFont typeface="Wingdings" pitchFamily="2" charset="2"/>
+              <a:buChar char=""/>
+            </a:pPr>
             <a:r>
               <a:rPr lang="pt-PT" sz="2600" dirty="0" smtClean="0">
                 <a:solidFill>
@@ -10643,8 +10750,34 @@
                   </a:schemeClr>
                 </a:solidFill>
               </a:rPr>
-              <a:t>desenvolvimento.</a:t>
-            </a:r>
+              <a:t>Patricamente não existe distinção entre o desenvolvimento e pós-entrega.</a:t>
+            </a:r>
+          </a:p>
+          <a:p>
+            <a:pPr marL="911225" lvl="1" indent="-454025" algn="just">
+              <a:spcBef>
+                <a:spcPts val="2000"/>
+              </a:spcBef>
+              <a:buFont typeface="Wingdings" pitchFamily="2" charset="2"/>
+              <a:buChar char=""/>
+            </a:pPr>
+            <a:endParaRPr lang="pt-PT" sz="2600" dirty="0" smtClean="0">
+              <a:solidFill>
+                <a:schemeClr val="tx1">
+                  <a:lumMod val="85000"/>
+                  <a:lumOff val="15000"/>
+                </a:schemeClr>
+              </a:solidFill>
+            </a:endParaRPr>
+          </a:p>
+          <a:p>
+            <a:pPr marL="911225" lvl="1" indent="-454025" algn="just">
+              <a:spcBef>
+                <a:spcPts val="2000"/>
+              </a:spcBef>
+              <a:buFont typeface="Wingdings" pitchFamily="2" charset="2"/>
+              <a:buChar char=""/>
+            </a:pPr>
             <a:endParaRPr lang="pt-PT" sz="2600" dirty="0">
               <a:solidFill>
                 <a:schemeClr val="tx1">
@@ -10653,98 +10786,6 @@
                 </a:schemeClr>
               </a:solidFill>
             </a:endParaRPr>
-          </a:p>
-          <a:p>
-            <a:pPr marL="911225" lvl="1" indent="-454025" algn="just">
-              <a:spcBef>
-                <a:spcPts val="2000"/>
-              </a:spcBef>
-              <a:buFont typeface="Wingdings" pitchFamily="2" charset="2"/>
-              <a:buChar char=""/>
-            </a:pPr>
-            <a:r>
-              <a:rPr lang="pt-PT" sz="2600" dirty="0" smtClean="0">
-                <a:solidFill>
-                  <a:schemeClr val="tx1">
-                    <a:lumMod val="85000"/>
-                    <a:lumOff val="15000"/>
-                  </a:schemeClr>
-                </a:solidFill>
-              </a:rPr>
-              <a:t>Permite </a:t>
-            </a:r>
-            <a:r>
-              <a:rPr lang="pt-PT" sz="2600" dirty="0">
-                <a:solidFill>
-                  <a:schemeClr val="tx1">
-                    <a:lumMod val="85000"/>
-                    <a:lumOff val="15000"/>
-                  </a:schemeClr>
-                </a:solidFill>
-              </a:rPr>
-              <a:t>demonstração/exploração via protótipos do sistema desde </a:t>
-            </a:r>
-            <a:r>
-              <a:rPr lang="pt-PT" sz="2600" dirty="0" smtClean="0">
-                <a:solidFill>
-                  <a:schemeClr val="tx1">
-                    <a:lumMod val="85000"/>
-                    <a:lumOff val="15000"/>
-                  </a:schemeClr>
-                </a:solidFill>
-              </a:rPr>
-              <a:t>cedo.</a:t>
-            </a:r>
-            <a:endParaRPr lang="pt-PT" sz="2600" dirty="0">
-              <a:solidFill>
-                <a:schemeClr val="tx1">
-                  <a:lumMod val="85000"/>
-                  <a:lumOff val="15000"/>
-                </a:schemeClr>
-              </a:solidFill>
-            </a:endParaRPr>
-          </a:p>
-          <a:p>
-            <a:pPr marL="911225" lvl="1" indent="-454025" algn="just">
-              <a:spcBef>
-                <a:spcPts val="2000"/>
-              </a:spcBef>
-              <a:buFont typeface="Wingdings" pitchFamily="2" charset="2"/>
-              <a:buChar char=""/>
-            </a:pPr>
-            <a:r>
-              <a:rPr lang="pt-PT" sz="2600" dirty="0" smtClean="0">
-                <a:solidFill>
-                  <a:schemeClr val="tx1">
-                    <a:lumMod val="85000"/>
-                    <a:lumOff val="15000"/>
-                  </a:schemeClr>
-                </a:solidFill>
-              </a:rPr>
-              <a:t>Flexibilidade </a:t>
-            </a:r>
-            <a:r>
-              <a:rPr lang="pt-PT" sz="2600" dirty="0" smtClean="0">
-                <a:solidFill>
-                  <a:schemeClr val="tx1">
-                    <a:lumMod val="85000"/>
-                    <a:lumOff val="15000"/>
-                  </a:schemeClr>
-                </a:solidFill>
-              </a:rPr>
-              <a:t>de </a:t>
-            </a:r>
-            <a:r>
-              <a:rPr lang="pt-PT" sz="2600" dirty="0">
-                <a:solidFill>
-                  <a:schemeClr val="tx1">
-                    <a:lumMod val="85000"/>
-                    <a:lumOff val="15000"/>
-                  </a:schemeClr>
-                </a:solidFill>
-              </a:rPr>
-              <a:t>abordagem – no limite pode tornar-se no modelo em cascata!</a:t>
-            </a:r>
           </a:p>
         </p:txBody>
       </p:sp>
@@ -11732,7 +11773,7 @@
           </a:effectLst>
           <a:extLst>
             <a:ext uri="{909E8E84-426E-40dd-AFC4-6F175D3DCCD1}">
-              <a14:hiddenFill xmlns:a14="http://schemas.microsoft.com/office/drawing/2010/main" xmlns="">
+              <a14:hiddenFill xmlns="" xmlns:a14="http://schemas.microsoft.com/office/drawing/2010/main">
                 <a:solidFill>
                   <a:srgbClr val="FFFFFF"/>
                 </a:solidFill>
@@ -12447,6 +12488,29 @@
       </p:grpSpPr>
       <p:sp>
         <p:nvSpPr>
+          <p:cNvPr id="9" name="Title 8"/>
+          <p:cNvSpPr>
+            <a:spLocks noGrp="1"/>
+          </p:cNvSpPr>
+          <p:nvPr>
+            <p:ph type="ctrTitle"/>
+          </p:nvPr>
+        </p:nvSpPr>
+        <p:spPr/>
+        <p:txBody>
+          <a:bodyPr/>
+          <a:lstStyle/>
+          <a:p>
+            <a:r>
+              <a:rPr lang="pt-PT" smtClean="0"/>
+              <a:t> </a:t>
+            </a:r>
+            <a:endParaRPr lang="pt-PT" dirty="0"/>
+          </a:p>
+        </p:txBody>
+      </p:sp>
+      <p:sp>
+        <p:nvSpPr>
           <p:cNvPr id="3" name="Subtitle 2"/>
           <p:cNvSpPr>
             <a:spLocks noGrp="1"/>
@@ -12455,27 +12519,16 @@
             <p:ph type="subTitle" idx="1"/>
           </p:nvPr>
         </p:nvSpPr>
-        <p:spPr>
-          <a:xfrm>
-            <a:off x="380999" y="1532427"/>
-            <a:ext cx="1778000" cy="484632"/>
-          </a:xfrm>
-        </p:spPr>
-        <p:txBody>
-          <a:bodyPr>
-            <a:noAutofit/>
-          </a:bodyPr>
+        <p:spPr/>
+        <p:txBody>
+          <a:bodyPr/>
           <a:lstStyle/>
           <a:p>
             <a:r>
-              <a:rPr lang="en-US" sz="1300" dirty="0" err="1" smtClean="0"/>
-              <a:t>Universidade</a:t>
-            </a:r>
-            <a:r>
-              <a:rPr lang="en-US" sz="1300" dirty="0" smtClean="0"/>
-              <a:t> do Minho</a:t>
-            </a:r>
-            <a:endParaRPr lang="en-US" sz="1300" dirty="0"/>
+              <a:rPr lang="en-US" smtClean="0"/>
+              <a:t>Universidade do Minho</a:t>
+            </a:r>
+            <a:endParaRPr lang="en-US" dirty="0"/>
           </a:p>
         </p:txBody>
       </p:sp>
@@ -12509,29 +12562,6 @@
           </a:prstGeom>
         </p:spPr>
       </p:pic>
-      <p:sp>
-        <p:nvSpPr>
-          <p:cNvPr id="9" name="Title 8"/>
-          <p:cNvSpPr>
-            <a:spLocks noGrp="1"/>
-          </p:cNvSpPr>
-          <p:nvPr>
-            <p:ph type="ctrTitle"/>
-          </p:nvPr>
-        </p:nvSpPr>
-        <p:spPr/>
-        <p:txBody>
-          <a:bodyPr/>
-          <a:lstStyle/>
-          <a:p>
-            <a:r>
-              <a:rPr lang="pt-PT" dirty="0" smtClean="0"/>
-              <a:t> </a:t>
-            </a:r>
-            <a:endParaRPr lang="pt-PT" dirty="0"/>
-          </a:p>
-        </p:txBody>
-      </p:sp>
       <p:sp>
         <p:nvSpPr>
           <p:cNvPr id="12" name="Title 1"/>
@@ -13831,8 +13861,8 @@
         </p:blipFill>
         <p:spPr>
           <a:xfrm>
-            <a:off x="1269999" y="2421427"/>
-            <a:ext cx="6448002" cy="4195451"/>
+            <a:off x="1630372" y="2096168"/>
+            <a:ext cx="5537871" cy="4520711"/>
           </a:xfrm>
           <a:prstGeom prst="rect">
             <a:avLst/>
@@ -15716,7 +15746,7 @@
               <a:buChar char=""/>
             </a:pPr>
             <a:r>
-              <a:rPr lang="pt-PT" sz="2000" dirty="0">
+              <a:rPr lang="pt-PT" sz="2000" dirty="0" smtClean="0">
                 <a:solidFill>
                   <a:schemeClr val="tx1">
                     <a:lumMod val="85000"/>
@@ -15724,18 +15754,7 @@
                   </a:schemeClr>
                 </a:solidFill>
               </a:rPr>
-              <a:t>Processo ainda </a:t>
-            </a:r>
-            <a:r>
-              <a:rPr lang="pt-PT" sz="2000" dirty="0" smtClean="0">
-                <a:solidFill>
-                  <a:schemeClr val="tx1">
-                    <a:lumMod val="85000"/>
-                    <a:lumOff val="15000"/>
-                  </a:schemeClr>
-                </a:solidFill>
-              </a:rPr>
-              <a:t>rígido.</a:t>
+              <a:t>Dificuldade em convencer clientes de grande escala de que a abordagem evolutiva é controlável.</a:t>
             </a:r>
             <a:endParaRPr lang="pt-PT" sz="2000" dirty="0">
               <a:solidFill>

--- a/Apresentação/Apresentacao.pptx
+++ b/Apresentação/Apresentacao.pptx
@@ -119,7 +119,7 @@
   </p:defaultTextStyle>
   <p:extLst>
     <p:ext uri="{EFAFB233-063F-42B5-8137-9DF3F51BA10A}">
-      <p15:sldGuideLst xmlns:p15="http://schemas.microsoft.com/office/powerpoint/2012/main">
+      <p15:sldGuideLst xmlns:p15="http://schemas.microsoft.com/office/powerpoint/2012/main" xmlns="">
         <p15:guide id="1" orient="horz" pos="2160">
           <p15:clr>
             <a:srgbClr val="A4A3A4"/>
@@ -218,7 +218,7 @@
           <a:p>
             <a:fld id="{71E4F8E4-E698-D443-9DD4-6291FD74F3F2}" type="datetimeFigureOut">
               <a:rPr lang="en-US" smtClean="0"/>
-              <a:t>3/10/2015</a:t>
+              <a:t>10/03/15</a:t>
             </a:fld>
             <a:endParaRPr lang="pt-PT"/>
           </a:p>
@@ -377,7 +377,7 @@
           <a:p>
             <a:fld id="{CEBCE6B0-B0CC-9543-8BFC-92B50F9442D7}" type="slidenum">
               <a:rPr lang="pt-PT" smtClean="0"/>
-              <a:t>‹nº›</a:t>
+              <a:t>‹#›</a:t>
             </a:fld>
             <a:endParaRPr lang="pt-PT"/>
           </a:p>
@@ -1254,18 +1254,7 @@
                   </a:schemeClr>
                 </a:solidFill>
               </a:rPr>
-              <a:t>Foca-se na necessidade de iterar para controlar </a:t>
-            </a:r>
-            <a:r>
-              <a:rPr lang="pt-PT" sz="2400" dirty="0" smtClean="0">
-                <a:solidFill>
-                  <a:schemeClr val="tx1">
-                    <a:lumMod val="85000"/>
-                    <a:lumOff val="15000"/>
-                  </a:schemeClr>
-                </a:solidFill>
-              </a:rPr>
-              <a:t>riscos:</a:t>
+              <a:t>Foca-se na necessidade de iterar para controlar riscos:</a:t>
             </a:r>
           </a:p>
           <a:p>
@@ -1285,10 +1274,10 @@
                   </a:schemeClr>
                 </a:solidFill>
               </a:rPr>
-              <a:t>Definição </a:t>
-            </a:r>
-            <a:r>
-              <a:rPr lang="pt-PT" sz="2000" dirty="0" smtClean="0">
+              <a:t>Definição dos requisitos com o maior detalhe possível. -&gt; Evitando erros no desenvolvimento</a:t>
+            </a:r>
+            <a:r>
+              <a:rPr lang="pt-PT" sz="2000" baseline="0" dirty="0" smtClean="0">
                 <a:solidFill>
                   <a:schemeClr val="tx1">
                     <a:lumMod val="85000"/>
@@ -1296,29 +1285,7 @@
                   </a:schemeClr>
                 </a:solidFill>
               </a:rPr>
-              <a:t>dos requisitos com o maior detalhe possível. -&gt; Evitando erros no desenvolvimento</a:t>
-            </a:r>
-            <a:r>
-              <a:rPr lang="pt-PT" sz="2000" baseline="0" dirty="0" smtClean="0">
-                <a:solidFill>
-                  <a:schemeClr val="tx1">
-                    <a:lumMod val="85000"/>
-                    <a:lumOff val="15000"/>
-                  </a:schemeClr>
-                </a:solidFill>
-              </a:rPr>
-              <a:t> por falta de </a:t>
-            </a:r>
-            <a:r>
-              <a:rPr lang="pt-PT" sz="2000" baseline="0" dirty="0" smtClean="0">
-                <a:solidFill>
-                  <a:schemeClr val="tx1">
-                    <a:lumMod val="85000"/>
-                    <a:lumOff val="15000"/>
-                  </a:schemeClr>
-                </a:solidFill>
-              </a:rPr>
-              <a:t>especificação.</a:t>
+              <a:t> por falta de especificação.</a:t>
             </a:r>
           </a:p>
           <a:p>
@@ -1338,10 +1305,10 @@
                   </a:schemeClr>
                 </a:solidFill>
               </a:rPr>
-              <a:t>Conceção </a:t>
-            </a:r>
-            <a:r>
-              <a:rPr lang="pt-PT" sz="2000" dirty="0" smtClean="0">
+              <a:t>Conceção de um primeiro “desenho” do sistema. -&gt;</a:t>
+            </a:r>
+            <a:r>
+              <a:rPr lang="pt-PT" sz="2000" baseline="0" dirty="0" smtClean="0">
                 <a:solidFill>
                   <a:schemeClr val="tx1">
                     <a:lumMod val="85000"/>
@@ -1349,29 +1316,7 @@
                   </a:schemeClr>
                 </a:solidFill>
               </a:rPr>
-              <a:t>de um primeiro “desenho” do sistema. -&gt;</a:t>
-            </a:r>
-            <a:r>
-              <a:rPr lang="pt-PT" sz="2000" baseline="0" dirty="0" smtClean="0">
-                <a:solidFill>
-                  <a:schemeClr val="tx1">
-                    <a:lumMod val="85000"/>
-                    <a:lumOff val="15000"/>
-                  </a:schemeClr>
-                </a:solidFill>
-              </a:rPr>
-              <a:t> Que facilita a validação por parte do utilizador e percepção do que terá de ser </a:t>
-            </a:r>
-            <a:r>
-              <a:rPr lang="pt-PT" sz="2000" baseline="0" dirty="0" smtClean="0">
-                <a:solidFill>
-                  <a:schemeClr val="tx1">
-                    <a:lumMod val="85000"/>
-                    <a:lumOff val="15000"/>
-                  </a:schemeClr>
-                </a:solidFill>
-              </a:rPr>
-              <a:t>desenvolvido.</a:t>
+              <a:t> Que facilita a validação por parte do utilizador e percepção do que terá de ser desenvolvido.</a:t>
             </a:r>
           </a:p>
           <a:p>
@@ -1391,10 +1336,10 @@
                   </a:schemeClr>
                 </a:solidFill>
               </a:rPr>
-              <a:t>Um </a:t>
-            </a:r>
-            <a:r>
-              <a:rPr lang="pt-PT" sz="2000" dirty="0" smtClean="0">
+              <a:t>Um primeiro protótipo é construído a partir do passo anterior. -&gt;Usado</a:t>
+            </a:r>
+            <a:r>
+              <a:rPr lang="pt-PT" sz="2000" baseline="0" dirty="0" smtClean="0">
                 <a:solidFill>
                   <a:schemeClr val="tx1">
                     <a:lumMod val="85000"/>
@@ -1402,29 +1347,7 @@
                   </a:schemeClr>
                 </a:solidFill>
               </a:rPr>
-              <a:t>primeiro protótipo é construído a partir do passo anterior. -&gt;Usado</a:t>
-            </a:r>
-            <a:r>
-              <a:rPr lang="pt-PT" sz="2000" baseline="0" dirty="0" smtClean="0">
-                <a:solidFill>
-                  <a:schemeClr val="tx1">
-                    <a:lumMod val="85000"/>
-                    <a:lumOff val="15000"/>
-                  </a:schemeClr>
-                </a:solidFill>
-              </a:rPr>
-              <a:t> mais uma vez validação do </a:t>
-            </a:r>
-            <a:r>
-              <a:rPr lang="pt-PT" sz="2000" baseline="0" dirty="0" smtClean="0">
-                <a:solidFill>
-                  <a:schemeClr val="tx1">
-                    <a:lumMod val="85000"/>
-                    <a:lumOff val="15000"/>
-                  </a:schemeClr>
-                </a:solidFill>
-              </a:rPr>
-              <a:t>utilizador.</a:t>
+              <a:t> mais uma vez validação do utilizador.</a:t>
             </a:r>
           </a:p>
           <a:p>
@@ -1444,10 +1367,10 @@
                   </a:schemeClr>
                 </a:solidFill>
               </a:rPr>
-              <a:t>Desenvolvimento </a:t>
-            </a:r>
-            <a:r>
-              <a:rPr lang="pt-PT" sz="2000" dirty="0" smtClean="0">
+              <a:t>Desenvolvimento de um segundo protótipo a partir do primeiro (este passo é iterado até o cliente estar satisfeito). -&gt;</a:t>
+            </a:r>
+            <a:r>
+              <a:rPr lang="pt-PT" sz="2000" baseline="0" dirty="0" smtClean="0">
                 <a:solidFill>
                   <a:schemeClr val="tx1">
                     <a:lumMod val="85000"/>
@@ -1455,29 +1378,7 @@
                   </a:schemeClr>
                 </a:solidFill>
               </a:rPr>
-              <a:t>de um segundo protótipo a partir do primeiro (este passo é iterado até o cliente estar satisfeito). -&gt;</a:t>
-            </a:r>
-            <a:r>
-              <a:rPr lang="pt-PT" sz="2000" baseline="0" dirty="0" smtClean="0">
-                <a:solidFill>
-                  <a:schemeClr val="tx1">
-                    <a:lumMod val="85000"/>
-                    <a:lumOff val="15000"/>
-                  </a:schemeClr>
-                </a:solidFill>
-              </a:rPr>
-              <a:t> Melhoria do primeiro protótipo se </a:t>
-            </a:r>
-            <a:r>
-              <a:rPr lang="pt-PT" sz="2000" baseline="0" dirty="0" smtClean="0">
-                <a:solidFill>
-                  <a:schemeClr val="tx1">
-                    <a:lumMod val="85000"/>
-                    <a:lumOff val="15000"/>
-                  </a:schemeClr>
-                </a:solidFill>
-              </a:rPr>
-              <a:t>necessário</a:t>
+              <a:t> Melhoria do primeiro protótipo se necessário</a:t>
             </a:r>
           </a:p>
           <a:p>
@@ -1497,18 +1398,7 @@
                   </a:schemeClr>
                 </a:solidFill>
               </a:rPr>
-              <a:t>O </a:t>
-            </a:r>
-            <a:r>
-              <a:rPr lang="pt-PT" sz="2000" dirty="0" smtClean="0">
-                <a:solidFill>
-                  <a:schemeClr val="tx1">
-                    <a:lumMod val="85000"/>
-                    <a:lumOff val="15000"/>
-                  </a:schemeClr>
-                </a:solidFill>
-              </a:rPr>
-              <a:t>produto final é construído a partir do protótipo final e, depois de avaliado e testado, entra em produção.</a:t>
+              <a:t>O produto final é construído a partir do protótipo final e, depois de avaliado e testado, entra em produção.</a:t>
             </a:r>
           </a:p>
           <a:p>
@@ -1622,11 +1512,7 @@
             </a:pPr>
             <a:r>
               <a:rPr lang="pt-PT" baseline="0" dirty="0" smtClean="0"/>
-              <a:t>O custo pode disparar, por exemplo, se o cliente não estiver satisfeito e constantemente exigir alterações ao produto, exigirá imensas iterações no processo comprometendo o seu sucesso e término e tornando-o custoso (cada iteração=+dinheiro). Além disso exigir uma maior experiência e qualidade de serviço pode disparar o custo da mão-de-obra</a:t>
-            </a:r>
-            <a:r>
-              <a:rPr lang="pt-PT" baseline="0" dirty="0" smtClean="0"/>
-              <a:t>.</a:t>
+              <a:t>O custo pode disparar, por exemplo, se o cliente não estiver satisfeito e constantemente exigir alterações ao produto, exigirá imensas iterações no processo comprometendo o seu sucesso e término e tornando-o custoso (cada iteração=+dinheiro). Além disso exigir uma maior experiência e qualidade de serviço pode disparar o custo da mão-de-obra.</a:t>
             </a:r>
           </a:p>
           <a:p>
@@ -1764,13 +1650,8 @@
             </a:r>
             <a:r>
               <a:rPr lang="pt-PT" baseline="0" dirty="0" smtClean="0"/>
-              <a:t> maior controlo de riscos no desenvolvimento do produto</a:t>
-            </a:r>
-            <a:r>
-              <a:rPr lang="pt-PT" baseline="0" dirty="0" smtClean="0"/>
-              <a:t>;</a:t>
-            </a:r>
-            <a:endParaRPr lang="pt-PT" baseline="0" dirty="0" smtClean="0"/>
+              <a:t> maior controlo de riscos no desenvolvimento do produto;</a:t>
+            </a:r>
           </a:p>
           <a:p>
             <a:pPr marL="171450" indent="-171450">
@@ -1779,11 +1660,7 @@
             </a:pPr>
             <a:r>
               <a:rPr lang="pt-PT" baseline="0" dirty="0" smtClean="0"/>
-              <a:t>Com o desenvolvimento de protótipos existe maior facilidade e percepção de qual o caminho a seguir e que mudanças/acrescentos devem ser feitos não só através de testes mas também à luz da opinião do </a:t>
-            </a:r>
-            <a:r>
-              <a:rPr lang="pt-PT" baseline="0" dirty="0" smtClean="0"/>
-              <a:t>cliente.</a:t>
+              <a:t>Com o desenvolvimento de protótipos existe maior facilidade e percepção de qual o caminho a seguir e que mudanças/acrescentos devem ser feitos não só através de testes mas também à luz da opinião do cliente.</a:t>
             </a:r>
           </a:p>
           <a:p>
@@ -1882,7 +1759,7 @@
           <a:p>
             <a:fld id="{4251665B-C24A-4702-B522-6A4334602E03}" type="datetimeFigureOut">
               <a:rPr lang="en-US" smtClean="0"/>
-              <a:t>3/10/2015</a:t>
+              <a:t>10/03/15</a:t>
             </a:fld>
             <a:endParaRPr lang="en-US"/>
           </a:p>
@@ -1924,7 +1801,7 @@
           <a:p>
             <a:fld id="{5FD889E0-CAB2-4699-909D-B9A88D47ACBE}" type="slidenum">
               <a:rPr lang="en-US" smtClean="0"/>
-              <a:t>‹nº›</a:t>
+              <a:t>‹#›</a:t>
             </a:fld>
             <a:endParaRPr lang="en-US"/>
           </a:p>
@@ -2589,7 +2466,7 @@
           <a:p>
             <a:fld id="{4251665B-C24A-4702-B522-6A4334602E03}" type="datetimeFigureOut">
               <a:rPr lang="en-US" smtClean="0"/>
-              <a:t>3/10/2015</a:t>
+              <a:t>10/03/15</a:t>
             </a:fld>
             <a:endParaRPr lang="en-US"/>
           </a:p>
@@ -2631,7 +2508,7 @@
           <a:p>
             <a:fld id="{5FD889E0-CAB2-4699-909D-B9A88D47ACBE}" type="slidenum">
               <a:rPr lang="en-US" smtClean="0"/>
-              <a:t>‹nº›</a:t>
+              <a:t>‹#›</a:t>
             </a:fld>
             <a:endParaRPr lang="en-US"/>
           </a:p>
@@ -3213,7 +3090,7 @@
           <a:p>
             <a:fld id="{4251665B-C24A-4702-B522-6A4334602E03}" type="datetimeFigureOut">
               <a:rPr lang="en-US" smtClean="0"/>
-              <a:t>3/10/2015</a:t>
+              <a:t>10/03/15</a:t>
             </a:fld>
             <a:endParaRPr lang="en-US"/>
           </a:p>
@@ -3255,7 +3132,7 @@
           <a:p>
             <a:fld id="{5FD889E0-CAB2-4699-909D-B9A88D47ACBE}" type="slidenum">
               <a:rPr lang="en-US" smtClean="0"/>
-              <a:t>‹nº›</a:t>
+              <a:t>‹#›</a:t>
             </a:fld>
             <a:endParaRPr lang="en-US"/>
           </a:p>
@@ -3636,7 +3513,7 @@
           <a:p>
             <a:fld id="{4251665B-C24A-4702-B522-6A4334602E03}" type="datetimeFigureOut">
               <a:rPr lang="en-US" smtClean="0"/>
-              <a:t>3/10/2015</a:t>
+              <a:t>10/03/15</a:t>
             </a:fld>
             <a:endParaRPr lang="en-US"/>
           </a:p>
@@ -3678,7 +3555,7 @@
           <a:p>
             <a:fld id="{5FD889E0-CAB2-4699-909D-B9A88D47ACBE}" type="slidenum">
               <a:rPr lang="en-US" smtClean="0"/>
-              <a:t>‹nº›</a:t>
+              <a:t>‹#›</a:t>
             </a:fld>
             <a:endParaRPr lang="en-US"/>
           </a:p>
@@ -3813,7 +3690,7 @@
           <a:p>
             <a:fld id="{4251665B-C24A-4702-B522-6A4334602E03}" type="datetimeFigureOut">
               <a:rPr lang="en-US" smtClean="0"/>
-              <a:t>3/10/2015</a:t>
+              <a:t>10/03/15</a:t>
             </a:fld>
             <a:endParaRPr lang="en-US"/>
           </a:p>
@@ -3855,7 +3732,7 @@
           <a:p>
             <a:fld id="{5FD889E0-CAB2-4699-909D-B9A88D47ACBE}" type="slidenum">
               <a:rPr lang="en-US" smtClean="0"/>
-              <a:t>‹nº›</a:t>
+              <a:t>‹#›</a:t>
             </a:fld>
             <a:endParaRPr lang="en-US"/>
           </a:p>
@@ -4630,7 +4507,7 @@
           <a:p>
             <a:fld id="{4251665B-C24A-4702-B522-6A4334602E03}" type="datetimeFigureOut">
               <a:rPr lang="en-US" smtClean="0"/>
-              <a:t>3/10/2015</a:t>
+              <a:t>10/03/15</a:t>
             </a:fld>
             <a:endParaRPr lang="en-US"/>
           </a:p>
@@ -4672,7 +4549,7 @@
           <a:p>
             <a:fld id="{5FD889E0-CAB2-4699-909D-B9A88D47ACBE}" type="slidenum">
               <a:rPr lang="en-US" smtClean="0"/>
-              <a:t>‹nº›</a:t>
+              <a:t>‹#›</a:t>
             </a:fld>
             <a:endParaRPr lang="en-US"/>
           </a:p>
@@ -5141,7 +5018,7 @@
           <a:p>
             <a:fld id="{4251665B-C24A-4702-B522-6A4334602E03}" type="datetimeFigureOut">
               <a:rPr lang="en-US" smtClean="0"/>
-              <a:t>3/10/2015</a:t>
+              <a:t>10/03/15</a:t>
             </a:fld>
             <a:endParaRPr lang="en-US"/>
           </a:p>
@@ -5183,7 +5060,7 @@
           <a:p>
             <a:fld id="{5FD889E0-CAB2-4699-909D-B9A88D47ACBE}" type="slidenum">
               <a:rPr lang="en-US" smtClean="0"/>
-              <a:t>‹nº›</a:t>
+              <a:t>‹#›</a:t>
             </a:fld>
             <a:endParaRPr lang="en-US"/>
           </a:p>
@@ -5374,7 +5251,7 @@
           <a:p>
             <a:fld id="{4251665B-C24A-4702-B522-6A4334602E03}" type="datetimeFigureOut">
               <a:rPr lang="en-US" smtClean="0"/>
-              <a:t>3/10/2015</a:t>
+              <a:t>10/03/15</a:t>
             </a:fld>
             <a:endParaRPr lang="en-US"/>
           </a:p>
@@ -5416,7 +5293,7 @@
           <a:p>
             <a:fld id="{5FD889E0-CAB2-4699-909D-B9A88D47ACBE}" type="slidenum">
               <a:rPr lang="en-US" smtClean="0"/>
-              <a:t>‹nº›</a:t>
+              <a:t>‹#›</a:t>
             </a:fld>
             <a:endParaRPr lang="en-US"/>
           </a:p>
@@ -5899,7 +5776,7 @@
           <a:p>
             <a:fld id="{4251665B-C24A-4702-B522-6A4334602E03}" type="datetimeFigureOut">
               <a:rPr lang="en-US" smtClean="0"/>
-              <a:t>3/10/2015</a:t>
+              <a:t>10/03/15</a:t>
             </a:fld>
             <a:endParaRPr lang="en-US"/>
           </a:p>
@@ -5941,7 +5818,7 @@
           <a:p>
             <a:fld id="{5FD889E0-CAB2-4699-909D-B9A88D47ACBE}" type="slidenum">
               <a:rPr lang="en-US" smtClean="0"/>
-              <a:t>‹nº›</a:t>
+              <a:t>‹#›</a:t>
             </a:fld>
             <a:endParaRPr lang="en-US"/>
           </a:p>
@@ -6034,7 +5911,7 @@
           <a:p>
             <a:fld id="{4251665B-C24A-4702-B522-6A4334602E03}" type="datetimeFigureOut">
               <a:rPr lang="en-US" smtClean="0"/>
-              <a:t>3/10/2015</a:t>
+              <a:t>10/03/15</a:t>
             </a:fld>
             <a:endParaRPr lang="en-US"/>
           </a:p>
@@ -6076,7 +5953,7 @@
           <a:p>
             <a:fld id="{5FD889E0-CAB2-4699-909D-B9A88D47ACBE}" type="slidenum">
               <a:rPr lang="en-US" smtClean="0"/>
-              <a:t>‹nº›</a:t>
+              <a:t>‹#›</a:t>
             </a:fld>
             <a:endParaRPr lang="en-US"/>
           </a:p>
@@ -6932,7 +6809,7 @@
           <a:p>
             <a:fld id="{4251665B-C24A-4702-B522-6A4334602E03}" type="datetimeFigureOut">
               <a:rPr lang="en-US" smtClean="0"/>
-              <a:t>3/10/2015</a:t>
+              <a:t>10/03/15</a:t>
             </a:fld>
             <a:endParaRPr lang="en-US"/>
           </a:p>
@@ -6974,7 +6851,7 @@
           <a:p>
             <a:fld id="{5FD889E0-CAB2-4699-909D-B9A88D47ACBE}" type="slidenum">
               <a:rPr lang="en-US" smtClean="0"/>
-              <a:t>‹nº›</a:t>
+              <a:t>‹#›</a:t>
             </a:fld>
             <a:endParaRPr lang="en-US"/>
           </a:p>
@@ -7055,7 +6932,7 @@
           <a:p>
             <a:fld id="{4251665B-C24A-4702-B522-6A4334602E03}" type="datetimeFigureOut">
               <a:rPr lang="en-US" smtClean="0"/>
-              <a:t>3/10/2015</a:t>
+              <a:t>10/03/15</a:t>
             </a:fld>
             <a:endParaRPr lang="en-US"/>
           </a:p>
@@ -7097,7 +6974,7 @@
           <a:p>
             <a:fld id="{5FD889E0-CAB2-4699-909D-B9A88D47ACBE}" type="slidenum">
               <a:rPr lang="en-US" smtClean="0"/>
-              <a:t>‹nº›</a:t>
+              <a:t>‹#›</a:t>
             </a:fld>
             <a:endParaRPr lang="en-US"/>
           </a:p>
@@ -7939,7 +7816,7 @@
           <a:p>
             <a:fld id="{4251665B-C24A-4702-B522-6A4334602E03}" type="datetimeFigureOut">
               <a:rPr lang="en-US" smtClean="0"/>
-              <a:t>3/10/2015</a:t>
+              <a:t>10/03/15</a:t>
             </a:fld>
             <a:endParaRPr lang="en-US"/>
           </a:p>
@@ -7981,7 +7858,7 @@
           <a:p>
             <a:fld id="{5FD889E0-CAB2-4699-909D-B9A88D47ACBE}" type="slidenum">
               <a:rPr lang="en-US" smtClean="0"/>
-              <a:t>‹nº›</a:t>
+              <a:t>‹#›</a:t>
             </a:fld>
             <a:endParaRPr lang="en-US"/>
           </a:p>
@@ -8587,7 +8464,7 @@
           <a:p>
             <a:fld id="{4251665B-C24A-4702-B522-6A4334602E03}" type="datetimeFigureOut">
               <a:rPr lang="en-US" smtClean="0"/>
-              <a:t>3/10/2015</a:t>
+              <a:t>10/03/15</a:t>
             </a:fld>
             <a:endParaRPr lang="en-US"/>
           </a:p>
@@ -8629,7 +8506,7 @@
           <a:p>
             <a:fld id="{5FD889E0-CAB2-4699-909D-B9A88D47ACBE}" type="slidenum">
               <a:rPr lang="en-US" smtClean="0"/>
-              <a:t>‹nº›</a:t>
+              <a:t>‹#›</a:t>
             </a:fld>
             <a:endParaRPr lang="en-US"/>
           </a:p>
@@ -8903,7 +8780,7 @@
           <a:p>
             <a:fld id="{4251665B-C24A-4702-B522-6A4334602E03}" type="datetimeFigureOut">
               <a:rPr lang="en-US" smtClean="0"/>
-              <a:t>3/10/2015</a:t>
+              <a:t>10/03/15</a:t>
             </a:fld>
             <a:endParaRPr lang="en-US"/>
           </a:p>
@@ -8945,7 +8822,7 @@
           <a:p>
             <a:fld id="{5FD889E0-CAB2-4699-909D-B9A88D47ACBE}" type="slidenum">
               <a:rPr lang="en-US" smtClean="0"/>
-              <a:t>‹nº›</a:t>
+              <a:t>‹#›</a:t>
             </a:fld>
             <a:endParaRPr lang="en-US"/>
           </a:p>
@@ -8993,7 +8870,7 @@
           <a:p>
             <a:fld id="{4251665B-C24A-4702-B522-6A4334602E03}" type="datetimeFigureOut">
               <a:rPr lang="en-US" smtClean="0"/>
-              <a:t>3/10/2015</a:t>
+              <a:t>10/03/15</a:t>
             </a:fld>
             <a:endParaRPr lang="en-US"/>
           </a:p>
@@ -9035,7 +8912,7 @@
           <a:p>
             <a:fld id="{5FD889E0-CAB2-4699-909D-B9A88D47ACBE}" type="slidenum">
               <a:rPr lang="en-US" smtClean="0"/>
-              <a:t>‹nº›</a:t>
+              <a:t>‹#›</a:t>
             </a:fld>
             <a:endParaRPr lang="en-US"/>
           </a:p>
@@ -9321,7 +9198,7 @@
           <a:p>
             <a:fld id="{4251665B-C24A-4702-B522-6A4334602E03}" type="datetimeFigureOut">
               <a:rPr lang="en-US" smtClean="0"/>
-              <a:t>3/10/2015</a:t>
+              <a:t>10/03/15</a:t>
             </a:fld>
             <a:endParaRPr lang="en-US"/>
           </a:p>
@@ -9400,7 +9277,7 @@
           <a:p>
             <a:fld id="{5FD889E0-CAB2-4699-909D-B9A88D47ACBE}" type="slidenum">
               <a:rPr lang="en-US" smtClean="0"/>
-              <a:t>‹nº›</a:t>
+              <a:t>‹#›</a:t>
             </a:fld>
             <a:endParaRPr lang="en-US"/>
           </a:p>
@@ -10163,7 +10040,7 @@
   <p:timing>
     <p:tnLst>
       <p:par>
-        <p:cTn id="1" dur="indefinite" restart="never" nodeType="tmRoot"/>
+        <p:cTn xmlns:p14="http://schemas.microsoft.com/office/powerpoint/2010/main" id="1" dur="indefinite" restart="never" nodeType="tmRoot"/>
       </p:par>
     </p:tnLst>
   </p:timing>
@@ -10618,8 +10495,31 @@
               <a:buFont typeface="Wingdings" pitchFamily="2" charset="2"/>
               <a:buChar char=""/>
             </a:pPr>
-            <a:r>
-              <a:rPr lang="pt-PT" sz="2800" dirty="0" smtClean="0">
+            <a:endParaRPr lang="pt-PT" sz="2200" dirty="0" smtClean="0">
+              <a:solidFill>
+                <a:schemeClr val="tx1">
+                  <a:lumMod val="85000"/>
+                  <a:lumOff val="15000"/>
+                </a:schemeClr>
+              </a:solidFill>
+            </a:endParaRPr>
+          </a:p>
+          <a:p>
+            <a:pPr marL="454025" indent="-454025" algn="just">
+              <a:lnSpc>
+                <a:spcPct val="110000"/>
+              </a:lnSpc>
+              <a:spcBef>
+                <a:spcPts val="2000"/>
+              </a:spcBef>
+              <a:spcAft>
+                <a:spcPts val="600"/>
+              </a:spcAft>
+              <a:buFont typeface="Wingdings" pitchFamily="2" charset="2"/>
+              <a:buChar char=""/>
+            </a:pPr>
+            <a:r>
+              <a:rPr lang="pt-PT" sz="2200" dirty="0" smtClean="0">
                 <a:solidFill>
                   <a:schemeClr val="tx1">
                     <a:lumMod val="85000"/>
@@ -10627,7 +10527,18 @@
                   </a:schemeClr>
                 </a:solidFill>
               </a:rPr>
-              <a:t>Vantagens:</a:t>
+              <a:t>Vantagens</a:t>
+            </a:r>
+            <a:r>
+              <a:rPr lang="pt-PT" sz="2800" dirty="0" smtClean="0">
+                <a:solidFill>
+                  <a:schemeClr val="tx1">
+                    <a:lumMod val="85000"/>
+                    <a:lumOff val="15000"/>
+                  </a:schemeClr>
+                </a:solidFill>
+              </a:rPr>
+              <a:t>:</a:t>
             </a:r>
           </a:p>
           <a:p>
@@ -10639,7 +10550,7 @@
               <a:buChar char=""/>
             </a:pPr>
             <a:r>
-              <a:rPr lang="pt-PT" sz="2600" dirty="0" smtClean="0">
+              <a:rPr lang="pt-PT" sz="2000" dirty="0" smtClean="0">
                 <a:solidFill>
                   <a:schemeClr val="tx1">
                     <a:lumMod val="85000"/>
@@ -10650,7 +10561,7 @@
               <a:t>Maior </a:t>
             </a:r>
             <a:r>
-              <a:rPr lang="pt-PT" sz="2600" dirty="0">
+              <a:rPr lang="pt-PT" sz="2000" dirty="0">
                 <a:solidFill>
                   <a:schemeClr val="tx1">
                     <a:lumMod val="85000"/>
@@ -10661,7 +10572,7 @@
               <a:t>capacidade de lidar com incerteza, maior controlo de </a:t>
             </a:r>
             <a:r>
-              <a:rPr lang="pt-PT" sz="2600" dirty="0" smtClean="0">
+              <a:rPr lang="pt-PT" sz="2000" dirty="0" smtClean="0">
                 <a:solidFill>
                   <a:schemeClr val="tx1">
                     <a:lumMod val="85000"/>
@@ -10671,7 +10582,7 @@
               </a:rPr>
               <a:t>risco.</a:t>
             </a:r>
-            <a:endParaRPr lang="pt-PT" sz="2600" dirty="0">
+            <a:endParaRPr lang="pt-PT" sz="2000" dirty="0">
               <a:solidFill>
                 <a:schemeClr val="tx1">
                   <a:lumMod val="85000"/>
@@ -10689,7 +10600,7 @@
               <a:buChar char=""/>
             </a:pPr>
             <a:r>
-              <a:rPr lang="pt-PT" sz="2600" dirty="0" smtClean="0">
+              <a:rPr lang="pt-PT" sz="2000" dirty="0" smtClean="0">
                 <a:solidFill>
                   <a:schemeClr val="tx1">
                     <a:lumMod val="85000"/>
@@ -10700,7 +10611,7 @@
               <a:t>Permite </a:t>
             </a:r>
             <a:r>
-              <a:rPr lang="pt-PT" sz="2600" dirty="0">
+              <a:rPr lang="pt-PT" sz="2000" dirty="0">
                 <a:solidFill>
                   <a:schemeClr val="tx1">
                     <a:lumMod val="85000"/>
@@ -10711,7 +10622,7 @@
               <a:t>demonstração/exploração via protótipos do sistema desde </a:t>
             </a:r>
             <a:r>
-              <a:rPr lang="pt-PT" sz="2600" dirty="0" smtClean="0">
+              <a:rPr lang="pt-PT" sz="2000" dirty="0" smtClean="0">
                 <a:solidFill>
                   <a:schemeClr val="tx1">
                     <a:lumMod val="85000"/>
@@ -10719,18 +10630,7 @@
                   </a:schemeClr>
                 </a:solidFill>
               </a:rPr>
-              <a:t>cedo</a:t>
-            </a:r>
-            <a:r>
-              <a:rPr lang="pt-PT" sz="2600" dirty="0" smtClean="0">
-                <a:solidFill>
-                  <a:schemeClr val="tx1">
-                    <a:lumMod val="85000"/>
-                    <a:lumOff val="15000"/>
-                  </a:schemeClr>
-                </a:solidFill>
-              </a:rPr>
-              <a:t>.</a:t>
+              <a:t>cedo.</a:t>
             </a:r>
           </a:p>
           <a:p>
@@ -10742,7 +10642,7 @@
               <a:buChar char=""/>
             </a:pPr>
             <a:r>
-              <a:rPr lang="pt-PT" sz="2600" dirty="0" smtClean="0">
+              <a:rPr lang="pt-PT" sz="2000" dirty="0" smtClean="0">
                 <a:solidFill>
                   <a:schemeClr val="tx1">
                     <a:lumMod val="85000"/>
@@ -10750,7 +10650,18 @@
                   </a:schemeClr>
                 </a:solidFill>
               </a:rPr>
-              <a:t>Patricamente não existe distinção entre o desenvolvimento e pós-entrega.</a:t>
+              <a:t>Patricamente não existe distinção entre o desenvolvimento e pós-entrega</a:t>
+            </a:r>
+            <a:r>
+              <a:rPr lang="pt-PT" sz="2600" dirty="0" smtClean="0">
+                <a:solidFill>
+                  <a:schemeClr val="tx1">
+                    <a:lumMod val="85000"/>
+                    <a:lumOff val="15000"/>
+                  </a:schemeClr>
+                </a:solidFill>
+              </a:rPr>
+              <a:t>.</a:t>
             </a:r>
           </a:p>
           <a:p>
@@ -10802,7 +10713,7 @@
   <p:timing>
     <p:tnLst>
       <p:par>
-        <p:cTn id="1" dur="indefinite" restart="never" nodeType="tmRoot"/>
+        <p:cTn xmlns:p14="http://schemas.microsoft.com/office/powerpoint/2010/main" id="1" dur="indefinite" restart="never" nodeType="tmRoot"/>
       </p:par>
     </p:tnLst>
   </p:timing>
@@ -11144,7 +11055,7 @@
   <p:timing>
     <p:tnLst>
       <p:par>
-        <p:cTn id="1" dur="indefinite" restart="never" nodeType="tmRoot"/>
+        <p:cTn xmlns:p14="http://schemas.microsoft.com/office/powerpoint/2010/main" id="1" dur="indefinite" restart="never" nodeType="tmRoot"/>
       </p:par>
     </p:tnLst>
   </p:timing>
@@ -11773,7 +11684,7 @@
           </a:effectLst>
           <a:extLst>
             <a:ext uri="{909E8E84-426E-40dd-AFC4-6F175D3DCCD1}">
-              <a14:hiddenFill xmlns="" xmlns:a14="http://schemas.microsoft.com/office/drawing/2010/main">
+              <a14:hiddenFill xmlns:a14="http://schemas.microsoft.com/office/drawing/2010/main">
                 <a:solidFill>
                   <a:srgbClr val="FFFFFF"/>
                 </a:solidFill>
@@ -11834,7 +11745,7 @@
   <p:timing>
     <p:tnLst>
       <p:par>
-        <p:cTn id="1" dur="indefinite" restart="never" nodeType="tmRoot"/>
+        <p:cTn xmlns:p14="http://schemas.microsoft.com/office/powerpoint/2010/main" id="1" dur="indefinite" restart="never" nodeType="tmRoot"/>
       </p:par>
     </p:tnLst>
   </p:timing>
@@ -12462,7 +12373,7 @@
   <p:timing>
     <p:tnLst>
       <p:par>
-        <p:cTn id="1" dur="indefinite" restart="never" nodeType="tmRoot"/>
+        <p:cTn xmlns:p14="http://schemas.microsoft.com/office/powerpoint/2010/main" id="1" dur="indefinite" restart="never" nodeType="tmRoot"/>
       </p:par>
     </p:tnLst>
   </p:timing>
@@ -13077,7 +12988,7 @@
   <p:timing>
     <p:tnLst>
       <p:par>
-        <p:cTn id="1" dur="indefinite" restart="never" nodeType="tmRoot"/>
+        <p:cTn xmlns:p14="http://schemas.microsoft.com/office/powerpoint/2010/main" id="1" dur="indefinite" restart="never" nodeType="tmRoot"/>
       </p:par>
     </p:tnLst>
   </p:timing>
@@ -13633,7 +13544,7 @@
   <p:timing>
     <p:tnLst>
       <p:par>
-        <p:cTn id="1" dur="indefinite" restart="never" nodeType="tmRoot"/>
+        <p:cTn xmlns:p14="http://schemas.microsoft.com/office/powerpoint/2010/main" id="1" dur="indefinite" restart="never" nodeType="tmRoot"/>
       </p:par>
     </p:tnLst>
   </p:timing>
@@ -13882,7 +13793,7 @@
   <p:timing>
     <p:tnLst>
       <p:par>
-        <p:cTn id="1" dur="indefinite" restart="never" nodeType="tmRoot"/>
+        <p:cTn xmlns:p14="http://schemas.microsoft.com/office/powerpoint/2010/main" id="1" dur="indefinite" restart="never" nodeType="tmRoot"/>
       </p:par>
     </p:tnLst>
   </p:timing>
@@ -14566,7 +14477,7 @@
   <p:timing>
     <p:tnLst>
       <p:par>
-        <p:cTn id="1" dur="indefinite" restart="never" nodeType="tmRoot"/>
+        <p:cTn xmlns:p14="http://schemas.microsoft.com/office/powerpoint/2010/main" id="1" dur="indefinite" restart="never" nodeType="tmRoot"/>
       </p:par>
     </p:tnLst>
   </p:timing>
@@ -15150,7 +15061,7 @@
   <p:timing>
     <p:tnLst>
       <p:par>
-        <p:cTn id="1" dur="indefinite" restart="never" nodeType="tmRoot"/>
+        <p:cTn xmlns:p14="http://schemas.microsoft.com/office/powerpoint/2010/main" id="1" dur="indefinite" restart="never" nodeType="tmRoot"/>
       </p:par>
     </p:tnLst>
   </p:timing>
@@ -15780,7 +15691,7 @@
   <p:timing>
     <p:tnLst>
       <p:par>
-        <p:cTn id="1" dur="indefinite" restart="never" nodeType="tmRoot"/>
+        <p:cTn xmlns:p14="http://schemas.microsoft.com/office/powerpoint/2010/main" id="1" dur="indefinite" restart="never" nodeType="tmRoot"/>
       </p:par>
     </p:tnLst>
   </p:timing>

--- a/Apresentação/Apresentacao.pptx
+++ b/Apresentação/Apresentacao.pptx
@@ -119,7 +119,7 @@
   </p:defaultTextStyle>
   <p:extLst>
     <p:ext uri="{EFAFB233-063F-42B5-8137-9DF3F51BA10A}">
-      <p15:sldGuideLst xmlns:p15="http://schemas.microsoft.com/office/powerpoint/2012/main" xmlns="">
+      <p15:sldGuideLst xmlns:p15="http://schemas.microsoft.com/office/powerpoint/2012/main">
         <p15:guide id="1" orient="horz" pos="2160">
           <p15:clr>
             <a:srgbClr val="A4A3A4"/>
@@ -218,7 +218,7 @@
           <a:p>
             <a:fld id="{71E4F8E4-E698-D443-9DD4-6291FD74F3F2}" type="datetimeFigureOut">
               <a:rPr lang="en-US" smtClean="0"/>
-              <a:t>10/03/15</a:t>
+              <a:t>3/10/2015</a:t>
             </a:fld>
             <a:endParaRPr lang="pt-PT"/>
           </a:p>
@@ -377,7 +377,7 @@
           <a:p>
             <a:fld id="{CEBCE6B0-B0CC-9543-8BFC-92B50F9442D7}" type="slidenum">
               <a:rPr lang="pt-PT" smtClean="0"/>
-              <a:t>‹#›</a:t>
+              <a:t>‹nº›</a:t>
             </a:fld>
             <a:endParaRPr lang="pt-PT"/>
           </a:p>
@@ -505,6 +505,90 @@
       </p:grpSpPr>
       <p:sp>
         <p:nvSpPr>
+          <p:cNvPr id="2" name="Espaço Reservado para Imagem de Slide 1"/>
+          <p:cNvSpPr>
+            <a:spLocks noGrp="1" noRot="1" noChangeAspect="1"/>
+          </p:cNvSpPr>
+          <p:nvPr>
+            <p:ph type="sldImg"/>
+          </p:nvPr>
+        </p:nvSpPr>
+        <p:spPr/>
+      </p:sp>
+      <p:sp>
+        <p:nvSpPr>
+          <p:cNvPr id="3" name="Espaço Reservado para Anotações 2"/>
+          <p:cNvSpPr>
+            <a:spLocks noGrp="1"/>
+          </p:cNvSpPr>
+          <p:nvPr>
+            <p:ph type="body" idx="1"/>
+          </p:nvPr>
+        </p:nvSpPr>
+        <p:spPr/>
+        <p:txBody>
+          <a:bodyPr/>
+          <a:lstStyle/>
+          <a:p>
+            <a:endParaRPr lang="pt-PT"/>
+          </a:p>
+        </p:txBody>
+      </p:sp>
+      <p:sp>
+        <p:nvSpPr>
+          <p:cNvPr id="4" name="Espaço Reservado para Número de Slide 3"/>
+          <p:cNvSpPr>
+            <a:spLocks noGrp="1"/>
+          </p:cNvSpPr>
+          <p:nvPr>
+            <p:ph type="sldNum" sz="quarter" idx="10"/>
+          </p:nvPr>
+        </p:nvSpPr>
+        <p:spPr/>
+        <p:txBody>
+          <a:bodyPr/>
+          <a:lstStyle/>
+          <a:p>
+            <a:fld id="{CEBCE6B0-B0CC-9543-8BFC-92B50F9442D7}" type="slidenum">
+              <a:rPr lang="pt-PT" smtClean="0"/>
+              <a:t>1</a:t>
+            </a:fld>
+            <a:endParaRPr lang="pt-PT"/>
+          </a:p>
+        </p:txBody>
+      </p:sp>
+    </p:spTree>
+    <p:extLst>
+      <p:ext uri="{BB962C8B-B14F-4D97-AF65-F5344CB8AC3E}">
+        <p14:creationId xmlns:p14="http://schemas.microsoft.com/office/powerpoint/2010/main" val="2288243667"/>
+      </p:ext>
+    </p:extLst>
+  </p:cSld>
+  <p:clrMapOvr>
+    <a:masterClrMapping/>
+  </p:clrMapOvr>
+</p:notes>
+</file>
+
+<file path=ppt/notesSlides/notesSlide10.xml><?xml version="1.0" encoding="utf-8"?>
+<p:notes xmlns:a="http://schemas.openxmlformats.org/drawingml/2006/main" xmlns:r="http://schemas.openxmlformats.org/officeDocument/2006/relationships" xmlns:p="http://schemas.openxmlformats.org/presentationml/2006/main">
+  <p:cSld>
+    <p:spTree>
+      <p:nvGrpSpPr>
+        <p:cNvPr id="1" name=""/>
+        <p:cNvGrpSpPr/>
+        <p:nvPr/>
+      </p:nvGrpSpPr>
+      <p:grpSpPr>
+        <a:xfrm>
+          <a:off x="0" y="0"/>
+          <a:ext cx="0" cy="0"/>
+          <a:chOff x="0" y="0"/>
+          <a:chExt cx="0" cy="0"/>
+        </a:xfrm>
+      </p:grpSpPr>
+      <p:sp>
+        <p:nvSpPr>
           <p:cNvPr id="2" name="Marcador de Posição da Imagem do Diapositivo 1"/>
           <p:cNvSpPr>
             <a:spLocks noGrp="1" noRot="1" noChangeAspect="1"/>
@@ -532,18 +616,55 @@
           <a:p>
             <a:r>
               <a:rPr lang="pt-PT" dirty="0" smtClean="0"/>
-              <a:t>Nesta </a:t>
+              <a:t>As vantagens do modelo em espiral centram-se :</a:t>
+            </a:r>
+          </a:p>
+          <a:p>
+            <a:pPr marL="171450" indent="-171450">
+              <a:buFont typeface="Arial" panose="020B0604020202020204" pitchFamily="34" charset="0"/>
+              <a:buChar char="•"/>
+            </a:pPr>
+            <a:r>
+              <a:rPr lang="pt-PT" dirty="0" smtClean="0"/>
+              <a:t>No</a:t>
             </a:r>
             <a:r>
               <a:rPr lang="pt-PT" baseline="0" dirty="0" smtClean="0"/>
-              <a:t>apresentação teremos uma breve introdução aos processos de desenvolvimento de software dando enfâse ao motivo do seu uso.</a:t>
-            </a:r>
-          </a:p>
-          <a:p>
+              <a:t> maior controlo de riscos no desenvolvimento do produto;</a:t>
+            </a:r>
+          </a:p>
+          <a:p>
+            <a:pPr marL="171450" indent="-171450">
+              <a:buFont typeface="Arial" panose="020B0604020202020204" pitchFamily="34" charset="0"/>
+              <a:buChar char="•"/>
+            </a:pPr>
             <a:r>
               <a:rPr lang="pt-PT" baseline="0" dirty="0" smtClean="0"/>
-              <a:t>De seguida temos uma explicação sucinta sobre em que consiste um método/processo de desenvolvimento de software, passando depois à introdução do modelo de software que o nosso grupo escolheu, o modelo em espiral, por uma descriçao do mesmo e, finalmente uma conclusão onde serão citadas vantagens e desvantagens deste mesmo modelo.</a:t>
-            </a:r>
+              <a:t>Com o desenvolvimento de protótipos existe maior facilidade e percepção de qual o caminho a seguir e que mudanças/acrescentos devem ser feitos não só através de testes mas também à luz da opinião do cliente.</a:t>
+            </a:r>
+          </a:p>
+          <a:p>
+            <a:pPr marL="171450" indent="-171450">
+              <a:buFont typeface="Arial" panose="020B0604020202020204" pitchFamily="34" charset="0"/>
+              <a:buChar char="•"/>
+            </a:pPr>
+            <a:r>
+              <a:rPr lang="pt-PT" sz="2600" dirty="0" smtClean="0">
+                <a:solidFill>
+                  <a:schemeClr val="tx1">
+                    <a:lumMod val="85000"/>
+                    <a:lumOff val="15000"/>
+                  </a:schemeClr>
+                </a:solidFill>
+              </a:rPr>
+              <a:t>Patricamente não existe distinção entre o desenvolvimento e pós-entrega.</a:t>
+            </a:r>
+          </a:p>
+          <a:p>
+            <a:pPr marL="171450" indent="-171450">
+              <a:buFont typeface="Arial" panose="020B0604020202020204" pitchFamily="34" charset="0"/>
+              <a:buChar char="•"/>
+            </a:pPr>
             <a:endParaRPr lang="pt-PT" dirty="0"/>
           </a:p>
         </p:txBody>
@@ -565,7 +686,7 @@
           <a:p>
             <a:fld id="{CEBCE6B0-B0CC-9543-8BFC-92B50F9442D7}" type="slidenum">
               <a:rPr lang="pt-PT" smtClean="0"/>
-              <a:t>2</a:t>
+              <a:t>10</a:t>
             </a:fld>
             <a:endParaRPr lang="pt-PT"/>
           </a:p>
@@ -574,7 +695,7 @@
     </p:spTree>
     <p:extLst>
       <p:ext uri="{BB962C8B-B14F-4D97-AF65-F5344CB8AC3E}">
-        <p14:creationId xmlns:p14="http://schemas.microsoft.com/office/powerpoint/2010/main" val="2622313777"/>
+        <p14:creationId xmlns:p14="http://schemas.microsoft.com/office/powerpoint/2010/main" val="1689845326"/>
       </p:ext>
     </p:extLst>
   </p:cSld>
@@ -603,7 +724,7 @@
       </p:grpSpPr>
       <p:sp>
         <p:nvSpPr>
-          <p:cNvPr id="2" name="Slide Image Placeholder 1"/>
+          <p:cNvPr id="2" name="Marcador de Posição da Imagem do Diapositivo 1"/>
           <p:cNvSpPr>
             <a:spLocks noGrp="1" noRot="1" noChangeAspect="1"/>
           </p:cNvSpPr>
@@ -615,7 +736,7 @@
       </p:sp>
       <p:sp>
         <p:nvSpPr>
-          <p:cNvPr id="3" name="Notes Placeholder 2"/>
+          <p:cNvPr id="3" name="Marcador de Posição de Notas 2"/>
           <p:cNvSpPr>
             <a:spLocks noGrp="1"/>
           </p:cNvSpPr>
@@ -630,17 +751,17 @@
           <a:p>
             <a:r>
               <a:rPr lang="pt-PT" dirty="0" smtClean="0"/>
-              <a:t>Apesar</a:t>
+              <a:t>Nesta </a:t>
             </a:r>
             <a:r>
               <a:rPr lang="pt-PT" baseline="0" dirty="0" smtClean="0"/>
-              <a:t> de poder ser fácil de justificar a razão do uso de processos de desenvolvimento de um produto de software nem todos os produtos têm, por parte de quem os desenvolve, esta atenção.</a:t>
+              <a:t>apresentação teremos uma breve introdução aos processos de desenvolvimento de software dando enfâse ao motivo do seu uso.</a:t>
             </a:r>
           </a:p>
           <a:p>
             <a:r>
               <a:rPr lang="pt-PT" baseline="0" dirty="0" smtClean="0"/>
-              <a:t>A importância do uso de métodos específicos e controlados no desenvolvimento de um produto de software encontra-se no cumprimento de metas estipuladas como um prazo de entrega, de grande importância para qualquer empresa, o aumento da produtividade´e de forma mais económica pois, com a especificação passo a passo de tudo o que é necessário fazer antes mesmo de o realizar aumenta drásticamente o rendimento ao longo do processo de desenvolvimento e previne perdas de tempo ou dinheiro envolvidas no processo.</a:t>
+              <a:t>De seguida temos uma explicação sucinta sobre em que consiste um método/processo de desenvolvimento de software, passando depois à introdução do modelo de software que o nosso grupo escolheu, o modelo em espiral, por uma descriçao do mesmo e, finalmente uma conclusão onde serão citadas vantagens e desvantagens deste mesmo modelo.</a:t>
             </a:r>
             <a:endParaRPr lang="pt-PT" dirty="0"/>
           </a:p>
@@ -648,7 +769,7 @@
       </p:sp>
       <p:sp>
         <p:nvSpPr>
-          <p:cNvPr id="4" name="Slide Number Placeholder 3"/>
+          <p:cNvPr id="4" name="Marcador de Posição do Número do Diapositivo 3"/>
           <p:cNvSpPr>
             <a:spLocks noGrp="1"/>
           </p:cNvSpPr>
@@ -663,7 +784,7 @@
           <a:p>
             <a:fld id="{CEBCE6B0-B0CC-9543-8BFC-92B50F9442D7}" type="slidenum">
               <a:rPr lang="pt-PT" smtClean="0"/>
-              <a:t>3</a:t>
+              <a:t>2</a:t>
             </a:fld>
             <a:endParaRPr lang="pt-PT"/>
           </a:p>
@@ -672,7 +793,7 @@
     </p:spTree>
     <p:extLst>
       <p:ext uri="{BB962C8B-B14F-4D97-AF65-F5344CB8AC3E}">
-        <p14:creationId xmlns:p14="http://schemas.microsoft.com/office/powerpoint/2010/main" val="809102164"/>
+        <p14:creationId xmlns:p14="http://schemas.microsoft.com/office/powerpoint/2010/main" val="2622313777"/>
       </p:ext>
     </p:extLst>
   </p:cSld>
@@ -701,7 +822,7 @@
       </p:grpSpPr>
       <p:sp>
         <p:nvSpPr>
-          <p:cNvPr id="2" name="Espaço Reservado para Imagem de Slide 1"/>
+          <p:cNvPr id="2" name="Slide Image Placeholder 1"/>
           <p:cNvSpPr>
             <a:spLocks noGrp="1" noRot="1" noChangeAspect="1"/>
           </p:cNvSpPr>
@@ -713,7 +834,7 @@
       </p:sp>
       <p:sp>
         <p:nvSpPr>
-          <p:cNvPr id="3" name="Espaço Reservado para Anotações 2"/>
+          <p:cNvPr id="3" name="Notes Placeholder 2"/>
           <p:cNvSpPr>
             <a:spLocks noGrp="1"/>
           </p:cNvSpPr>
@@ -727,18 +848,36 @@
           <a:lstStyle/>
           <a:p>
             <a:r>
-              <a:rPr lang="pt-PT" dirty="0" smtClean="0"/>
-              <a:t>Mas</a:t>
-            </a:r>
-            <a:r>
               <a:rPr lang="pt-PT" baseline="0" dirty="0" smtClean="0"/>
-              <a:t> de que se trata afinal este processo? </a:t>
-            </a:r>
-          </a:p>
-          <a:p>
+              <a:t>A </a:t>
+            </a:r>
             <a:r>
               <a:rPr lang="pt-PT" baseline="0" dirty="0" smtClean="0"/>
-              <a:t>Um processo de desenvolvimento de software especifíca todas os níveis, tarefas, itens, etc essenciais ao processo de desenvolvimento do software, como por exemplo as funcionalidades do produto, como serão desenvolvidas cada uma, por quem serão desenvolvidas, quando as desenvolver e quanto tempo seria de esperar para estabelecer dada funcionalidade.</a:t>
+              <a:t>importância do uso de métodos específicos e controlados no desenvolvimento de um produto de software encontra-se no cumprimento de metas estipuladas </a:t>
+            </a:r>
+            <a:r>
+              <a:rPr lang="pt-PT" baseline="0" dirty="0" smtClean="0"/>
+              <a:t>como </a:t>
+            </a:r>
+            <a:r>
+              <a:rPr lang="pt-PT" baseline="0" dirty="0" smtClean="0"/>
+              <a:t>um prazo de entrega, </a:t>
+            </a:r>
+            <a:r>
+              <a:rPr lang="pt-PT" baseline="0" dirty="0" smtClean="0"/>
+              <a:t>no </a:t>
+            </a:r>
+            <a:r>
+              <a:rPr lang="pt-PT" baseline="0" dirty="0" smtClean="0"/>
+              <a:t>aumento da </a:t>
+            </a:r>
+            <a:r>
+              <a:rPr lang="pt-PT" baseline="0" dirty="0" smtClean="0"/>
+              <a:t>produtividade e </a:t>
+            </a:r>
+            <a:r>
+              <a:rPr lang="pt-PT" baseline="0" dirty="0" smtClean="0"/>
+              <a:t>de forma mais económica pois, com a especificação passo a passo de tudo o que é necessário fazer antes mesmo de o realizar aumenta drásticamente o rendimento ao longo do processo de desenvolvimento e previne perdas de tempo ou dinheiro envolvidas no processo.</a:t>
             </a:r>
             <a:endParaRPr lang="pt-PT" dirty="0"/>
           </a:p>
@@ -746,7 +885,7 @@
       </p:sp>
       <p:sp>
         <p:nvSpPr>
-          <p:cNvPr id="4" name="Espaço Reservado para Número de Slide 3"/>
+          <p:cNvPr id="4" name="Slide Number Placeholder 3"/>
           <p:cNvSpPr>
             <a:spLocks noGrp="1"/>
           </p:cNvSpPr>
@@ -761,7 +900,7 @@
           <a:p>
             <a:fld id="{CEBCE6B0-B0CC-9543-8BFC-92B50F9442D7}" type="slidenum">
               <a:rPr lang="pt-PT" smtClean="0"/>
-              <a:t>4</a:t>
+              <a:t>3</a:t>
             </a:fld>
             <a:endParaRPr lang="pt-PT"/>
           </a:p>
@@ -770,7 +909,7 @@
     </p:spTree>
     <p:extLst>
       <p:ext uri="{BB962C8B-B14F-4D97-AF65-F5344CB8AC3E}">
-        <p14:creationId xmlns:p14="http://schemas.microsoft.com/office/powerpoint/2010/main" val="1295778903"/>
+        <p14:creationId xmlns:p14="http://schemas.microsoft.com/office/powerpoint/2010/main" val="809102164"/>
       </p:ext>
     </p:extLst>
   </p:cSld>
@@ -826,17 +965,17 @@
           <a:p>
             <a:r>
               <a:rPr lang="pt-PT" dirty="0" smtClean="0"/>
-              <a:t>O nosso grupo escolheu o modelo em espiral, este modelo foi proposto por Barry Boehm nos finais da década de 80 e representa</a:t>
+              <a:t>Mas</a:t>
             </a:r>
             <a:r>
               <a:rPr lang="pt-PT" baseline="0" dirty="0" smtClean="0"/>
-              <a:t> o processo por uma espiral.</a:t>
+              <a:t> de que se trata afinal este processo? </a:t>
             </a:r>
           </a:p>
           <a:p>
             <a:r>
               <a:rPr lang="pt-PT" baseline="0" dirty="0" smtClean="0"/>
-              <a:t>É um modelo que se baseia num processo iterativo e incremental, procurando, quando comparado com o modelo cascata, introduzir o conceito de incerteza, isto é, haver uma possibilidade de após uma fase voltar sempre a redefinir passos passados que não estejam corretos.</a:t>
+              <a:t>Um processo de desenvolvimento de software especifíca todas os níveis, tarefas, itens, etc essenciais ao processo de desenvolvimento do software, como por exemplo as funcionalidades do produto, como serão desenvolvidas cada uma, por quem serão desenvolvidas, quando as desenvolver e quanto tempo seria de esperar para estabelecer dada funcionalidade.</a:t>
             </a:r>
             <a:endParaRPr lang="pt-PT" dirty="0"/>
           </a:p>
@@ -859,7 +998,7 @@
           <a:p>
             <a:fld id="{CEBCE6B0-B0CC-9543-8BFC-92B50F9442D7}" type="slidenum">
               <a:rPr lang="pt-PT" smtClean="0"/>
-              <a:t>5</a:t>
+              <a:t>4</a:t>
             </a:fld>
             <a:endParaRPr lang="pt-PT"/>
           </a:p>
@@ -868,7 +1007,7 @@
     </p:spTree>
     <p:extLst>
       <p:ext uri="{BB962C8B-B14F-4D97-AF65-F5344CB8AC3E}">
-        <p14:creationId xmlns:p14="http://schemas.microsoft.com/office/powerpoint/2010/main" val="1687670605"/>
+        <p14:creationId xmlns:p14="http://schemas.microsoft.com/office/powerpoint/2010/main" val="1295778903"/>
       </p:ext>
     </p:extLst>
   </p:cSld>
@@ -924,51 +1063,17 @@
           <a:p>
             <a:r>
               <a:rPr lang="pt-PT" dirty="0" smtClean="0"/>
-              <a:t>Esta</a:t>
+              <a:t>O nosso grupo escolheu o modelo em espiral, este modelo foi proposto por Barry Boehm nos finais da década de 80 e representa</a:t>
             </a:r>
             <a:r>
               <a:rPr lang="pt-PT" baseline="0" dirty="0" smtClean="0"/>
-              <a:t> é a espiral do processo, divide-se em 4 fases:</a:t>
-            </a:r>
-          </a:p>
-          <a:p>
-            <a:pPr marL="628650" lvl="1" indent="-171450">
-              <a:buFont typeface="Arial" panose="020B0604020202020204" pitchFamily="34" charset="0"/>
-              <a:buChar char="•"/>
-            </a:pPr>
+              <a:t> o processo por uma espiral.</a:t>
+            </a:r>
+          </a:p>
+          <a:p>
             <a:r>
               <a:rPr lang="pt-PT" baseline="0" dirty="0" smtClean="0"/>
-              <a:t>Definição de objetivos;</a:t>
-            </a:r>
-          </a:p>
-          <a:p>
-            <a:pPr marL="628650" lvl="1" indent="-171450">
-              <a:buFont typeface="Arial" panose="020B0604020202020204" pitchFamily="34" charset="0"/>
-              <a:buChar char="•"/>
-            </a:pPr>
-            <a:r>
-              <a:rPr lang="pt-PT" baseline="0" dirty="0" smtClean="0"/>
-              <a:t>Identificação e avaliação de riscos;</a:t>
-            </a:r>
-          </a:p>
-          <a:p>
-            <a:pPr marL="628650" lvl="1" indent="-171450">
-              <a:buFont typeface="Arial" panose="020B0604020202020204" pitchFamily="34" charset="0"/>
-              <a:buChar char="•"/>
-            </a:pPr>
-            <a:r>
-              <a:rPr lang="pt-PT" baseline="0" dirty="0" smtClean="0"/>
-              <a:t>Desenvolvimento e validação;</a:t>
-            </a:r>
-          </a:p>
-          <a:p>
-            <a:pPr marL="628650" lvl="1" indent="-171450">
-              <a:buFont typeface="Arial" panose="020B0604020202020204" pitchFamily="34" charset="0"/>
-              <a:buChar char="•"/>
-            </a:pPr>
-            <a:r>
-              <a:rPr lang="pt-PT" baseline="0" dirty="0" smtClean="0"/>
-              <a:t>Planeamento da próxima iteração  (caso haja uma próxima iteração, caso contrário o processo dá-se por terminado).	</a:t>
+              <a:t>É um modelo que se baseia num processo iterativo e incremental, procurando, quando comparado com o modelo cascata, introduzir o conceito de incerteza, isto é, haver uma possibilidade de após uma fase voltar sempre a redefinir passos passados que não estejam corretos.</a:t>
             </a:r>
             <a:endParaRPr lang="pt-PT" dirty="0"/>
           </a:p>
@@ -991,7 +1096,7 @@
           <a:p>
             <a:fld id="{CEBCE6B0-B0CC-9543-8BFC-92B50F9442D7}" type="slidenum">
               <a:rPr lang="pt-PT" smtClean="0"/>
-              <a:t>6</a:t>
+              <a:t>5</a:t>
             </a:fld>
             <a:endParaRPr lang="pt-PT"/>
           </a:p>
@@ -1000,7 +1105,7 @@
     </p:spTree>
     <p:extLst>
       <p:ext uri="{BB962C8B-B14F-4D97-AF65-F5344CB8AC3E}">
-        <p14:creationId xmlns:p14="http://schemas.microsoft.com/office/powerpoint/2010/main" val="3440839938"/>
+        <p14:creationId xmlns:p14="http://schemas.microsoft.com/office/powerpoint/2010/main" val="1687670605"/>
       </p:ext>
     </p:extLst>
   </p:cSld>
@@ -1029,7 +1134,7 @@
       </p:grpSpPr>
       <p:sp>
         <p:nvSpPr>
-          <p:cNvPr id="2" name="Marcador de Posição da Imagem do Diapositivo 1"/>
+          <p:cNvPr id="2" name="Espaço Reservado para Imagem de Slide 1"/>
           <p:cNvSpPr>
             <a:spLocks noGrp="1" noRot="1" noChangeAspect="1"/>
           </p:cNvSpPr>
@@ -1041,7 +1146,7 @@
       </p:sp>
       <p:sp>
         <p:nvSpPr>
-          <p:cNvPr id="3" name="Marcador de Posição de Notas 2"/>
+          <p:cNvPr id="3" name="Espaço Reservado para Anotações 2"/>
           <p:cNvSpPr>
             <a:spLocks noGrp="1"/>
           </p:cNvSpPr>
@@ -1054,113 +1159,61 @@
           <a:bodyPr/>
           <a:lstStyle/>
           <a:p>
-            <a:pPr marL="0" indent="0" algn="just">
-              <a:spcBef>
-                <a:spcPts val="2000"/>
-              </a:spcBef>
-              <a:buFont typeface="Wingdings" pitchFamily="2" charset="2"/>
-              <a:buNone/>
+            <a:r>
+              <a:rPr lang="pt-PT" dirty="0" smtClean="0"/>
+              <a:t>Esta</a:t>
+            </a:r>
+            <a:r>
+              <a:rPr lang="pt-PT" baseline="0" dirty="0" smtClean="0"/>
+              <a:t> é a espiral do processo, divide-se em 4 fases:</a:t>
+            </a:r>
+          </a:p>
+          <a:p>
+            <a:pPr marL="628650" lvl="1" indent="-171450">
+              <a:buFont typeface="Arial" panose="020B0604020202020204" pitchFamily="34" charset="0"/>
+              <a:buChar char="•"/>
             </a:pPr>
             <a:r>
-              <a:rPr lang="pt-PT" sz="1200" dirty="0" smtClean="0">
-                <a:solidFill>
-                  <a:schemeClr val="tx1">
-                    <a:lumMod val="85000"/>
-                    <a:lumOff val="15000"/>
-                  </a:schemeClr>
-                </a:solidFill>
-              </a:rPr>
-              <a:t>Este modelo combina características do Modelo em Cascata com uma abordagem de prototipagem tornando o</a:t>
-            </a:r>
-            <a:r>
-              <a:rPr lang="pt-PT" sz="1200" baseline="0" dirty="0" smtClean="0">
-                <a:solidFill>
-                  <a:schemeClr val="tx1">
-                    <a:lumMod val="85000"/>
-                    <a:lumOff val="15000"/>
-                  </a:schemeClr>
-                </a:solidFill>
-              </a:rPr>
-              <a:t> processo mais flexível ao longo do desenvolvimento do produto</a:t>
-            </a:r>
-            <a:r>
-              <a:rPr lang="pt-PT" sz="1200" dirty="0" smtClean="0">
-                <a:solidFill>
-                  <a:schemeClr val="tx1">
-                    <a:lumMod val="85000"/>
-                    <a:lumOff val="15000"/>
-                  </a:schemeClr>
-                </a:solidFill>
-              </a:rPr>
-              <a:t>.</a:t>
-            </a:r>
-            <a:r>
-              <a:rPr lang="pt-PT" sz="1200" baseline="0" dirty="0" smtClean="0">
-                <a:solidFill>
-                  <a:schemeClr val="tx1">
-                    <a:lumMod val="85000"/>
-                    <a:lumOff val="15000"/>
-                  </a:schemeClr>
-                </a:solidFill>
-              </a:rPr>
-              <a:t> É m</a:t>
-            </a:r>
-            <a:r>
-              <a:rPr lang="pt-PT" sz="1200" dirty="0" smtClean="0">
-                <a:solidFill>
-                  <a:schemeClr val="tx1">
-                    <a:lumMod val="85000"/>
-                    <a:lumOff val="15000"/>
-                  </a:schemeClr>
-                </a:solidFill>
-              </a:rPr>
-              <a:t>ais indicado para projetos de larga escala, dispendiosos e/ou complexos</a:t>
-            </a:r>
-            <a:r>
-              <a:rPr lang="pt-PT" dirty="0" smtClean="0">
-                <a:solidFill>
-                  <a:schemeClr val="tx1"/>
-                </a:solidFill>
-              </a:rPr>
-              <a:t>.</a:t>
-            </a:r>
-            <a:endParaRPr lang="pt-PT" sz="1200" dirty="0" smtClean="0">
-              <a:solidFill>
-                <a:schemeClr val="tx1">
-                  <a:lumMod val="85000"/>
-                  <a:lumOff val="15000"/>
-                </a:schemeClr>
-              </a:solidFill>
-            </a:endParaRPr>
-          </a:p>
-          <a:p>
-            <a:pPr marL="0" indent="0" algn="just">
-              <a:spcBef>
-                <a:spcPts val="2000"/>
-              </a:spcBef>
-              <a:buFont typeface="Wingdings" pitchFamily="2" charset="2"/>
-              <a:buNone/>
+              <a:rPr lang="pt-PT" baseline="0" dirty="0" smtClean="0"/>
+              <a:t>Definição de objetivos;</a:t>
+            </a:r>
+          </a:p>
+          <a:p>
+            <a:pPr marL="628650" lvl="1" indent="-171450">
+              <a:buFont typeface="Arial" panose="020B0604020202020204" pitchFamily="34" charset="0"/>
+              <a:buChar char="•"/>
             </a:pPr>
             <a:r>
-              <a:rPr lang="pt-PT" sz="1200" dirty="0" smtClean="0">
-                <a:solidFill>
-                  <a:schemeClr val="tx1">
-                    <a:lumMod val="85000"/>
-                    <a:lumOff val="15000"/>
-                  </a:schemeClr>
-                </a:solidFill>
-              </a:rPr>
-              <a:t>O cliente pode optar por abortar o projeto se considerar o risco de desenvolver o produto demasiado alto.</a:t>
-            </a:r>
-          </a:p>
-          <a:p>
+              <a:rPr lang="pt-PT" baseline="0" dirty="0" smtClean="0"/>
+              <a:t>Identificação e avaliação de riscos;</a:t>
+            </a:r>
+          </a:p>
+          <a:p>
+            <a:pPr marL="628650" lvl="1" indent="-171450">
+              <a:buFont typeface="Arial" panose="020B0604020202020204" pitchFamily="34" charset="0"/>
+              <a:buChar char="•"/>
+            </a:pPr>
+            <a:r>
+              <a:rPr lang="pt-PT" baseline="0" dirty="0" smtClean="0"/>
+              <a:t>Desenvolvimento e validação;</a:t>
+            </a:r>
+          </a:p>
+          <a:p>
+            <a:pPr marL="628650" lvl="1" indent="-171450">
+              <a:buFont typeface="Arial" panose="020B0604020202020204" pitchFamily="34" charset="0"/>
+              <a:buChar char="•"/>
+            </a:pPr>
+            <a:r>
+              <a:rPr lang="pt-PT" baseline="0" dirty="0" smtClean="0"/>
+              <a:t>Planeamento da próxima iteração  (caso haja uma próxima iteração, caso contrário o processo dá-se por terminado).	</a:t>
+            </a:r>
             <a:endParaRPr lang="pt-PT" dirty="0"/>
           </a:p>
         </p:txBody>
       </p:sp>
       <p:sp>
         <p:nvSpPr>
-          <p:cNvPr id="4" name="Marcador de Posição do Número do Diapositivo 3"/>
+          <p:cNvPr id="4" name="Espaço Reservado para Número de Slide 3"/>
           <p:cNvSpPr>
             <a:spLocks noGrp="1"/>
           </p:cNvSpPr>
@@ -1175,7 +1228,7 @@
           <a:p>
             <a:fld id="{CEBCE6B0-B0CC-9543-8BFC-92B50F9442D7}" type="slidenum">
               <a:rPr lang="pt-PT" smtClean="0"/>
-              <a:t>7</a:t>
+              <a:t>6</a:t>
             </a:fld>
             <a:endParaRPr lang="pt-PT"/>
           </a:p>
@@ -1184,7 +1237,7 @@
     </p:spTree>
     <p:extLst>
       <p:ext uri="{BB962C8B-B14F-4D97-AF65-F5344CB8AC3E}">
-        <p14:creationId xmlns:p14="http://schemas.microsoft.com/office/powerpoint/2010/main" val="2704699492"/>
+        <p14:creationId xmlns:p14="http://schemas.microsoft.com/office/powerpoint/2010/main" val="3440839938"/>
       </p:ext>
     </p:extLst>
   </p:cSld>
@@ -1246,7 +1299,7 @@
               <a:buNone/>
             </a:pPr>
             <a:r>
-              <a:rPr lang="pt-PT" sz="2400" dirty="0" smtClean="0">
+              <a:rPr lang="pt-PT" sz="1200" dirty="0" smtClean="0">
                 <a:solidFill>
                   <a:schemeClr val="tx1">
                     <a:lumMod val="85000"/>
@@ -1254,19 +1307,79 @@
                   </a:schemeClr>
                 </a:solidFill>
               </a:rPr>
-              <a:t>Foca-se na necessidade de iterar para controlar riscos:</a:t>
-            </a:r>
-          </a:p>
-          <a:p>
-            <a:pPr marL="342900" indent="-342900" algn="just">
+              <a:t>Este modelo combina características do Modelo em Cascata com uma abordagem de prototipagem tornando o</a:t>
+            </a:r>
+            <a:r>
+              <a:rPr lang="pt-PT" sz="1200" baseline="0" dirty="0" smtClean="0">
+                <a:solidFill>
+                  <a:schemeClr val="tx1">
+                    <a:lumMod val="85000"/>
+                    <a:lumOff val="15000"/>
+                  </a:schemeClr>
+                </a:solidFill>
+              </a:rPr>
+              <a:t> processo mais flexível ao longo do desenvolvimento do produto</a:t>
+            </a:r>
+            <a:r>
+              <a:rPr lang="pt-PT" sz="1200" dirty="0" smtClean="0">
+                <a:solidFill>
+                  <a:schemeClr val="tx1">
+                    <a:lumMod val="85000"/>
+                    <a:lumOff val="15000"/>
+                  </a:schemeClr>
+                </a:solidFill>
+              </a:rPr>
+              <a:t>.</a:t>
+            </a:r>
+            <a:r>
+              <a:rPr lang="pt-PT" sz="1200" baseline="0" dirty="0" smtClean="0">
+                <a:solidFill>
+                  <a:schemeClr val="tx1">
+                    <a:lumMod val="85000"/>
+                    <a:lumOff val="15000"/>
+                  </a:schemeClr>
+                </a:solidFill>
+              </a:rPr>
+              <a:t> É m</a:t>
+            </a:r>
+            <a:r>
+              <a:rPr lang="pt-PT" sz="1200" dirty="0" smtClean="0">
+                <a:solidFill>
+                  <a:schemeClr val="tx1">
+                    <a:lumMod val="85000"/>
+                    <a:lumOff val="15000"/>
+                  </a:schemeClr>
+                </a:solidFill>
+              </a:rPr>
+              <a:t>ais indicado para projetos de larga escala, dispendiosos e/ou complexos</a:t>
+            </a:r>
+            <a:r>
+              <a:rPr lang="pt-PT" dirty="0" smtClean="0">
+                <a:solidFill>
+                  <a:schemeClr val="tx1"/>
+                </a:solidFill>
+              </a:rPr>
+              <a:t>.</a:t>
+            </a:r>
+            <a:endParaRPr lang="pt-PT" sz="1200" dirty="0" smtClean="0">
+              <a:solidFill>
+                <a:schemeClr val="tx1">
+                  <a:lumMod val="85000"/>
+                  <a:lumOff val="15000"/>
+                </a:schemeClr>
+              </a:solidFill>
+            </a:endParaRPr>
+          </a:p>
+          <a:p>
+            <a:pPr marL="0" indent="0" algn="just">
               <a:spcBef>
                 <a:spcPts val="2000"/>
               </a:spcBef>
-              <a:buFont typeface="Arial" panose="020B0604020202020204" pitchFamily="34" charset="0"/>
-              <a:buChar char="•"/>
+              <a:buFont typeface="Wingdings" pitchFamily="2" charset="2"/>
+              <a:buNone/>
             </a:pPr>
             <a:r>
-              <a:rPr lang="pt-PT" sz="2000" dirty="0" smtClean="0">
+              <a:rPr lang="pt-PT" sz="1200" dirty="0" smtClean="0">
                 <a:solidFill>
                   <a:schemeClr val="tx1">
                     <a:lumMod val="85000"/>
@@ -1274,131 +1387,7 @@
                   </a:schemeClr>
                 </a:solidFill>
               </a:rPr>
-              <a:t>Definição dos requisitos com o maior detalhe possível. -&gt; Evitando erros no desenvolvimento</a:t>
-            </a:r>
-            <a:r>
-              <a:rPr lang="pt-PT" sz="2000" baseline="0" dirty="0" smtClean="0">
-                <a:solidFill>
-                  <a:schemeClr val="tx1">
-                    <a:lumMod val="85000"/>
-                    <a:lumOff val="15000"/>
-                  </a:schemeClr>
-                </a:solidFill>
-              </a:rPr>
-              <a:t> por falta de especificação.</a:t>
-            </a:r>
-          </a:p>
-          <a:p>
-            <a:pPr marL="342900" indent="-342900" algn="just">
-              <a:spcBef>
-                <a:spcPts val="2000"/>
-              </a:spcBef>
-              <a:buFont typeface="Arial" panose="020B0604020202020204" pitchFamily="34" charset="0"/>
-              <a:buChar char="•"/>
-            </a:pPr>
-            <a:r>
-              <a:rPr lang="pt-PT" sz="2000" dirty="0" smtClean="0">
-                <a:solidFill>
-                  <a:schemeClr val="tx1">
-                    <a:lumMod val="85000"/>
-                    <a:lumOff val="15000"/>
-                  </a:schemeClr>
-                </a:solidFill>
-              </a:rPr>
-              <a:t>Conceção de um primeiro “desenho” do sistema. -&gt;</a:t>
-            </a:r>
-            <a:r>
-              <a:rPr lang="pt-PT" sz="2000" baseline="0" dirty="0" smtClean="0">
-                <a:solidFill>
-                  <a:schemeClr val="tx1">
-                    <a:lumMod val="85000"/>
-                    <a:lumOff val="15000"/>
-                  </a:schemeClr>
-                </a:solidFill>
-              </a:rPr>
-              <a:t> Que facilita a validação por parte do utilizador e percepção do que terá de ser desenvolvido.</a:t>
-            </a:r>
-          </a:p>
-          <a:p>
-            <a:pPr marL="342900" indent="-342900" algn="just">
-              <a:spcBef>
-                <a:spcPts val="2000"/>
-              </a:spcBef>
-              <a:buFont typeface="Arial" panose="020B0604020202020204" pitchFamily="34" charset="0"/>
-              <a:buChar char="•"/>
-            </a:pPr>
-            <a:r>
-              <a:rPr lang="pt-PT" sz="2000" dirty="0" smtClean="0">
-                <a:solidFill>
-                  <a:schemeClr val="tx1">
-                    <a:lumMod val="85000"/>
-                    <a:lumOff val="15000"/>
-                  </a:schemeClr>
-                </a:solidFill>
-              </a:rPr>
-              <a:t>Um primeiro protótipo é construído a partir do passo anterior. -&gt;Usado</a:t>
-            </a:r>
-            <a:r>
-              <a:rPr lang="pt-PT" sz="2000" baseline="0" dirty="0" smtClean="0">
-                <a:solidFill>
-                  <a:schemeClr val="tx1">
-                    <a:lumMod val="85000"/>
-                    <a:lumOff val="15000"/>
-                  </a:schemeClr>
-                </a:solidFill>
-              </a:rPr>
-              <a:t> mais uma vez validação do utilizador.</a:t>
-            </a:r>
-          </a:p>
-          <a:p>
-            <a:pPr marL="342900" indent="-342900" algn="just">
-              <a:spcBef>
-                <a:spcPts val="2000"/>
-              </a:spcBef>
-              <a:buFont typeface="Arial" panose="020B0604020202020204" pitchFamily="34" charset="0"/>
-              <a:buChar char="•"/>
-            </a:pPr>
-            <a:r>
-              <a:rPr lang="pt-PT" sz="2000" dirty="0" smtClean="0">
-                <a:solidFill>
-                  <a:schemeClr val="tx1">
-                    <a:lumMod val="85000"/>
-                    <a:lumOff val="15000"/>
-                  </a:schemeClr>
-                </a:solidFill>
-              </a:rPr>
-              <a:t>Desenvolvimento de um segundo protótipo a partir do primeiro (este passo é iterado até o cliente estar satisfeito). -&gt;</a:t>
-            </a:r>
-            <a:r>
-              <a:rPr lang="pt-PT" sz="2000" baseline="0" dirty="0" smtClean="0">
-                <a:solidFill>
-                  <a:schemeClr val="tx1">
-                    <a:lumMod val="85000"/>
-                    <a:lumOff val="15000"/>
-                  </a:schemeClr>
-                </a:solidFill>
-              </a:rPr>
-              <a:t> Melhoria do primeiro protótipo se necessário</a:t>
-            </a:r>
-          </a:p>
-          <a:p>
-            <a:pPr marL="342900" indent="-342900" algn="just">
-              <a:spcBef>
-                <a:spcPts val="2000"/>
-              </a:spcBef>
-              <a:buFont typeface="Arial" panose="020B0604020202020204" pitchFamily="34" charset="0"/>
-              <a:buChar char="•"/>
-            </a:pPr>
-            <a:r>
-              <a:rPr lang="pt-PT" sz="2000" dirty="0" smtClean="0">
-                <a:solidFill>
-                  <a:schemeClr val="tx1">
-                    <a:lumMod val="85000"/>
-                    <a:lumOff val="15000"/>
-                  </a:schemeClr>
-                </a:solidFill>
-              </a:rPr>
-              <a:t>O produto final é construído a partir do protótipo final e, depois de avaliado e testado, entra em produção.</a:t>
+              <a:t>O cliente pode optar por abortar o projeto se considerar o risco de desenvolver o produto demasiado alto.</a:t>
             </a:r>
           </a:p>
           <a:p>
@@ -1423,7 +1412,7 @@
           <a:p>
             <a:fld id="{CEBCE6B0-B0CC-9543-8BFC-92B50F9442D7}" type="slidenum">
               <a:rPr lang="pt-PT" smtClean="0"/>
-              <a:t>8</a:t>
+              <a:t>7</a:t>
             </a:fld>
             <a:endParaRPr lang="pt-PT"/>
           </a:p>
@@ -1432,7 +1421,7 @@
     </p:spTree>
     <p:extLst>
       <p:ext uri="{BB962C8B-B14F-4D97-AF65-F5344CB8AC3E}">
-        <p14:creationId xmlns:p14="http://schemas.microsoft.com/office/powerpoint/2010/main" val="609874351"/>
+        <p14:creationId xmlns:p14="http://schemas.microsoft.com/office/powerpoint/2010/main" val="2704699492"/>
       </p:ext>
     </p:extLst>
   </p:cSld>
@@ -1486,55 +1475,57 @@
           <a:bodyPr/>
           <a:lstStyle/>
           <a:p>
-            <a:r>
-              <a:rPr lang="pt-PT" dirty="0" smtClean="0"/>
-              <a:t>As principais desvantagens deste processo são:</a:t>
-            </a:r>
-          </a:p>
-          <a:p>
-            <a:pPr marL="171450" indent="-171450">
+            <a:pPr marL="342900" indent="-342900" algn="just">
+              <a:spcBef>
+                <a:spcPts val="2000"/>
+              </a:spcBef>
               <a:buFont typeface="Arial" panose="020B0604020202020204" pitchFamily="34" charset="0"/>
               <a:buChar char="•"/>
             </a:pPr>
             <a:r>
-              <a:rPr lang="pt-PT" dirty="0" smtClean="0"/>
-              <a:t>A dependência na qualidade da avaliação de risco,</a:t>
-            </a:r>
-            <a:r>
-              <a:rPr lang="pt-PT" baseline="0" dirty="0" smtClean="0"/>
-              <a:t> más avaliações poderão levar a más decisões e arruinar o desenvolvimento do produto. Logo este modelo exige uma experiência considerável na avaliação dos riscos.</a:t>
-            </a:r>
-          </a:p>
-          <a:p>
-            <a:pPr marL="171450" indent="-171450">
+              <a:rPr lang="pt-PT" sz="800" dirty="0" smtClean="0">
+                <a:solidFill>
+                  <a:schemeClr val="tx1">
+                    <a:lumMod val="85000"/>
+                    <a:lumOff val="15000"/>
+                  </a:schemeClr>
+                </a:solidFill>
+              </a:rPr>
+              <a:t>Evitando </a:t>
+            </a:r>
+            <a:r>
+              <a:rPr lang="pt-PT" sz="800" dirty="0" smtClean="0">
+                <a:solidFill>
+                  <a:schemeClr val="tx1">
+                    <a:lumMod val="85000"/>
+                    <a:lumOff val="15000"/>
+                  </a:schemeClr>
+                </a:solidFill>
+              </a:rPr>
+              <a:t>erros no desenvolvimento</a:t>
+            </a:r>
+            <a:r>
+              <a:rPr lang="pt-PT" sz="800" baseline="0" dirty="0" smtClean="0">
+                <a:solidFill>
+                  <a:schemeClr val="tx1">
+                    <a:lumMod val="85000"/>
+                    <a:lumOff val="15000"/>
+                  </a:schemeClr>
+                </a:solidFill>
+              </a:rPr>
+              <a:t> por falta de especificação.</a:t>
+            </a:r>
+          </a:p>
+          <a:p>
+            <a:pPr marL="342900" indent="-342900" algn="just">
+              <a:spcBef>
+                <a:spcPts val="2000"/>
+              </a:spcBef>
               <a:buFont typeface="Arial" panose="020B0604020202020204" pitchFamily="34" charset="0"/>
               <a:buChar char="•"/>
             </a:pPr>
             <a:r>
-              <a:rPr lang="pt-PT" baseline="0" dirty="0" smtClean="0"/>
-              <a:t>O custo pode disparar, por exemplo, se o cliente não estiver satisfeito e constantemente exigir alterações ao produto, exigirá imensas iterações no processo comprometendo o seu sucesso e término e tornando-o custoso (cada iteração=+dinheiro). Além disso exigir uma maior experiência e qualidade de serviço pode disparar o custo da mão-de-obra.</a:t>
-            </a:r>
-          </a:p>
-          <a:p>
-            <a:pPr marL="171450" marR="0" lvl="1" indent="-171450" algn="l" defTabSz="457200" rtl="0" eaLnBrk="1" fontAlgn="auto" latinLnBrk="0" hangingPunct="1">
-              <a:lnSpc>
-                <a:spcPct val="100000"/>
-              </a:lnSpc>
-              <a:spcBef>
-                <a:spcPts val="0"/>
-              </a:spcBef>
-              <a:spcAft>
-                <a:spcPts val="0"/>
-              </a:spcAft>
-              <a:buClrTx/>
-              <a:buSzTx/>
-              <a:buFont typeface="Arial" panose="020B0604020202020204" pitchFamily="34" charset="0"/>
-              <a:buChar char="•"/>
-              <a:tabLst/>
-              <a:defRPr/>
-            </a:pPr>
-            <a:r>
-              <a:rPr lang="pt-PT" sz="2000" dirty="0" smtClean="0">
+              <a:rPr lang="pt-PT" sz="800" baseline="0" dirty="0" smtClean="0">
                 <a:solidFill>
                   <a:schemeClr val="tx1">
                     <a:lumMod val="85000"/>
@@ -1542,15 +1533,104 @@
                   </a:schemeClr>
                 </a:solidFill>
               </a:rPr>
-              <a:t>Dificuldade em convencer clientes de grande escala de que a abordagem evolutiva é controlável.</a:t>
-            </a:r>
-          </a:p>
-          <a:p>
-            <a:pPr marL="171450" indent="-171450">
+              <a:t>Que </a:t>
+            </a:r>
+            <a:r>
+              <a:rPr lang="pt-PT" sz="800" baseline="0" dirty="0" smtClean="0">
+                <a:solidFill>
+                  <a:schemeClr val="tx1">
+                    <a:lumMod val="85000"/>
+                    <a:lumOff val="15000"/>
+                  </a:schemeClr>
+                </a:solidFill>
+              </a:rPr>
+              <a:t>facilita a validação por parte do utilizador e percepção do que terá de ser desenvolvido.</a:t>
+            </a:r>
+          </a:p>
+          <a:p>
+            <a:pPr marL="342900" indent="-342900" algn="just">
+              <a:spcBef>
+                <a:spcPts val="2000"/>
+              </a:spcBef>
               <a:buFont typeface="Arial" panose="020B0604020202020204" pitchFamily="34" charset="0"/>
               <a:buChar char="•"/>
             </a:pPr>
-            <a:endParaRPr lang="pt-PT" dirty="0"/>
+            <a:r>
+              <a:rPr lang="pt-PT" sz="800" dirty="0" smtClean="0">
+                <a:solidFill>
+                  <a:schemeClr val="tx1">
+                    <a:lumMod val="85000"/>
+                    <a:lumOff val="15000"/>
+                  </a:schemeClr>
+                </a:solidFill>
+              </a:rPr>
+              <a:t>Usado</a:t>
+            </a:r>
+            <a:r>
+              <a:rPr lang="pt-PT" sz="800" baseline="0" dirty="0" smtClean="0">
+                <a:solidFill>
+                  <a:schemeClr val="tx1">
+                    <a:lumMod val="85000"/>
+                    <a:lumOff val="15000"/>
+                  </a:schemeClr>
+                </a:solidFill>
+              </a:rPr>
+              <a:t> </a:t>
+            </a:r>
+            <a:r>
+              <a:rPr lang="pt-PT" sz="800" baseline="0" dirty="0" smtClean="0">
+                <a:solidFill>
+                  <a:schemeClr val="tx1">
+                    <a:lumMod val="85000"/>
+                    <a:lumOff val="15000"/>
+                  </a:schemeClr>
+                </a:solidFill>
+              </a:rPr>
+              <a:t>mais uma vez validação do utilizador.</a:t>
+            </a:r>
+          </a:p>
+          <a:p>
+            <a:pPr marL="342900" indent="-342900" algn="just">
+              <a:spcBef>
+                <a:spcPts val="2000"/>
+              </a:spcBef>
+              <a:buFont typeface="Arial" panose="020B0604020202020204" pitchFamily="34" charset="0"/>
+              <a:buChar char="•"/>
+            </a:pPr>
+            <a:r>
+              <a:rPr lang="pt-PT" sz="800" baseline="0" dirty="0" smtClean="0">
+                <a:solidFill>
+                  <a:schemeClr val="tx1">
+                    <a:lumMod val="85000"/>
+                    <a:lumOff val="15000"/>
+                  </a:schemeClr>
+                </a:solidFill>
+              </a:rPr>
+              <a:t>Melhoria </a:t>
+            </a:r>
+            <a:r>
+              <a:rPr lang="pt-PT" sz="800" baseline="0" dirty="0" smtClean="0">
+                <a:solidFill>
+                  <a:schemeClr val="tx1">
+                    <a:lumMod val="85000"/>
+                    <a:lumOff val="15000"/>
+                  </a:schemeClr>
+                </a:solidFill>
+              </a:rPr>
+              <a:t>do primeiro protótipo se </a:t>
+            </a:r>
+            <a:r>
+              <a:rPr lang="pt-PT" sz="800" baseline="0" dirty="0" smtClean="0">
+                <a:solidFill>
+                  <a:schemeClr val="tx1">
+                    <a:lumMod val="85000"/>
+                    <a:lumOff val="15000"/>
+                  </a:schemeClr>
+                </a:solidFill>
+              </a:rPr>
+              <a:t>necessário</a:t>
+            </a:r>
+            <a:endParaRPr lang="pt-PT" sz="800" dirty="0"/>
           </a:p>
         </p:txBody>
       </p:sp>
@@ -1571,7 +1651,7 @@
           <a:p>
             <a:fld id="{CEBCE6B0-B0CC-9543-8BFC-92B50F9442D7}" type="slidenum">
               <a:rPr lang="pt-PT" smtClean="0"/>
-              <a:t>9</a:t>
+              <a:t>8</a:t>
             </a:fld>
             <a:endParaRPr lang="pt-PT"/>
           </a:p>
@@ -1580,7 +1660,7 @@
     </p:spTree>
     <p:extLst>
       <p:ext uri="{BB962C8B-B14F-4D97-AF65-F5344CB8AC3E}">
-        <p14:creationId xmlns:p14="http://schemas.microsoft.com/office/powerpoint/2010/main" val="1673982365"/>
+        <p14:creationId xmlns:p14="http://schemas.microsoft.com/office/powerpoint/2010/main" val="609874351"/>
       </p:ext>
     </p:extLst>
   </p:cSld>
@@ -1636,7 +1716,7 @@
           <a:p>
             <a:r>
               <a:rPr lang="pt-PT" dirty="0" smtClean="0"/>
-              <a:t>As vantagens do modelo em espiral centram-se :</a:t>
+              <a:t>As principais desvantagens deste processo são:</a:t>
             </a:r>
           </a:p>
           <a:p>
@@ -1646,11 +1726,11 @@
             </a:pPr>
             <a:r>
               <a:rPr lang="pt-PT" dirty="0" smtClean="0"/>
-              <a:t>No</a:t>
+              <a:t>A dependência na qualidade da avaliação de risco,</a:t>
             </a:r>
             <a:r>
               <a:rPr lang="pt-PT" baseline="0" dirty="0" smtClean="0"/>
-              <a:t> maior controlo de riscos no desenvolvimento do produto;</a:t>
+              <a:t> más avaliações poderão levar a más decisões e arruinar o desenvolvimento do produto. Logo este modelo exige uma experiência considerável na avaliação dos riscos.</a:t>
             </a:r>
           </a:p>
           <a:p>
@@ -1660,16 +1740,29 @@
             </a:pPr>
             <a:r>
               <a:rPr lang="pt-PT" baseline="0" dirty="0" smtClean="0"/>
-              <a:t>Com o desenvolvimento de protótipos existe maior facilidade e percepção de qual o caminho a seguir e que mudanças/acrescentos devem ser feitos não só através de testes mas também à luz da opinião do cliente.</a:t>
-            </a:r>
-          </a:p>
-          <a:p>
-            <a:pPr marL="171450" indent="-171450">
+              <a:t>O custo pode disparar, por exemplo, se o cliente não estiver satisfeito e constantemente exigir alterações ao produto, exigirá imensas iterações no processo comprometendo o seu sucesso e término e tornando-o custoso (cada iteração=+dinheiro). Além disso exigir uma maior experiência e qualidade de serviço pode disparar o custo da mão-de-obra.</a:t>
+            </a:r>
+          </a:p>
+          <a:p>
+            <a:pPr marL="171450" marR="0" lvl="1" indent="-171450" algn="l" defTabSz="457200" rtl="0" eaLnBrk="1" fontAlgn="auto" latinLnBrk="0" hangingPunct="1">
+              <a:lnSpc>
+                <a:spcPct val="100000"/>
+              </a:lnSpc>
+              <a:spcBef>
+                <a:spcPts val="0"/>
+              </a:spcBef>
+              <a:spcAft>
+                <a:spcPts val="0"/>
+              </a:spcAft>
+              <a:buClrTx/>
+              <a:buSzTx/>
               <a:buFont typeface="Arial" panose="020B0604020202020204" pitchFamily="34" charset="0"/>
               <a:buChar char="•"/>
+              <a:tabLst/>
+              <a:defRPr/>
             </a:pPr>
             <a:r>
-              <a:rPr lang="pt-PT" sz="2600" dirty="0" smtClean="0">
+              <a:rPr lang="pt-PT" sz="2000" dirty="0" smtClean="0">
                 <a:solidFill>
                   <a:schemeClr val="tx1">
                     <a:lumMod val="85000"/>
@@ -1677,7 +1770,7 @@
                   </a:schemeClr>
                 </a:solidFill>
               </a:rPr>
-              <a:t>Patricamente não existe distinção entre o desenvolvimento e pós-entrega.</a:t>
+              <a:t>Dificuldade em convencer clientes de grande escala de que a abordagem evolutiva é controlável.</a:t>
             </a:r>
           </a:p>
           <a:p>
@@ -1706,7 +1799,7 @@
           <a:p>
             <a:fld id="{CEBCE6B0-B0CC-9543-8BFC-92B50F9442D7}" type="slidenum">
               <a:rPr lang="pt-PT" smtClean="0"/>
-              <a:t>10</a:t>
+              <a:t>9</a:t>
             </a:fld>
             <a:endParaRPr lang="pt-PT"/>
           </a:p>
@@ -1715,7 +1808,7 @@
     </p:spTree>
     <p:extLst>
       <p:ext uri="{BB962C8B-B14F-4D97-AF65-F5344CB8AC3E}">
-        <p14:creationId xmlns:p14="http://schemas.microsoft.com/office/powerpoint/2010/main" val="1689845326"/>
+        <p14:creationId xmlns:p14="http://schemas.microsoft.com/office/powerpoint/2010/main" val="1673982365"/>
       </p:ext>
     </p:extLst>
   </p:cSld>
@@ -1759,7 +1852,7 @@
           <a:p>
             <a:fld id="{4251665B-C24A-4702-B522-6A4334602E03}" type="datetimeFigureOut">
               <a:rPr lang="en-US" smtClean="0"/>
-              <a:t>10/03/15</a:t>
+              <a:t>3/10/2015</a:t>
             </a:fld>
             <a:endParaRPr lang="en-US"/>
           </a:p>
@@ -1801,7 +1894,7 @@
           <a:p>
             <a:fld id="{5FD889E0-CAB2-4699-909D-B9A88D47ACBE}" type="slidenum">
               <a:rPr lang="en-US" smtClean="0"/>
-              <a:t>‹#›</a:t>
+              <a:t>‹nº›</a:t>
             </a:fld>
             <a:endParaRPr lang="en-US"/>
           </a:p>
@@ -2466,7 +2559,7 @@
           <a:p>
             <a:fld id="{4251665B-C24A-4702-B522-6A4334602E03}" type="datetimeFigureOut">
               <a:rPr lang="en-US" smtClean="0"/>
-              <a:t>10/03/15</a:t>
+              <a:t>3/10/2015</a:t>
             </a:fld>
             <a:endParaRPr lang="en-US"/>
           </a:p>
@@ -2508,7 +2601,7 @@
           <a:p>
             <a:fld id="{5FD889E0-CAB2-4699-909D-B9A88D47ACBE}" type="slidenum">
               <a:rPr lang="en-US" smtClean="0"/>
-              <a:t>‹#›</a:t>
+              <a:t>‹nº›</a:t>
             </a:fld>
             <a:endParaRPr lang="en-US"/>
           </a:p>
@@ -3090,7 +3183,7 @@
           <a:p>
             <a:fld id="{4251665B-C24A-4702-B522-6A4334602E03}" type="datetimeFigureOut">
               <a:rPr lang="en-US" smtClean="0"/>
-              <a:t>10/03/15</a:t>
+              <a:t>3/10/2015</a:t>
             </a:fld>
             <a:endParaRPr lang="en-US"/>
           </a:p>
@@ -3132,7 +3225,7 @@
           <a:p>
             <a:fld id="{5FD889E0-CAB2-4699-909D-B9A88D47ACBE}" type="slidenum">
               <a:rPr lang="en-US" smtClean="0"/>
-              <a:t>‹#›</a:t>
+              <a:t>‹nº›</a:t>
             </a:fld>
             <a:endParaRPr lang="en-US"/>
           </a:p>
@@ -3513,7 +3606,7 @@
           <a:p>
             <a:fld id="{4251665B-C24A-4702-B522-6A4334602E03}" type="datetimeFigureOut">
               <a:rPr lang="en-US" smtClean="0"/>
-              <a:t>10/03/15</a:t>
+              <a:t>3/10/2015</a:t>
             </a:fld>
             <a:endParaRPr lang="en-US"/>
           </a:p>
@@ -3555,7 +3648,7 @@
           <a:p>
             <a:fld id="{5FD889E0-CAB2-4699-909D-B9A88D47ACBE}" type="slidenum">
               <a:rPr lang="en-US" smtClean="0"/>
-              <a:t>‹#›</a:t>
+              <a:t>‹nº›</a:t>
             </a:fld>
             <a:endParaRPr lang="en-US"/>
           </a:p>
@@ -3690,7 +3783,7 @@
           <a:p>
             <a:fld id="{4251665B-C24A-4702-B522-6A4334602E03}" type="datetimeFigureOut">
               <a:rPr lang="en-US" smtClean="0"/>
-              <a:t>10/03/15</a:t>
+              <a:t>3/10/2015</a:t>
             </a:fld>
             <a:endParaRPr lang="en-US"/>
           </a:p>
@@ -3732,7 +3825,7 @@
           <a:p>
             <a:fld id="{5FD889E0-CAB2-4699-909D-B9A88D47ACBE}" type="slidenum">
               <a:rPr lang="en-US" smtClean="0"/>
-              <a:t>‹#›</a:t>
+              <a:t>‹nº›</a:t>
             </a:fld>
             <a:endParaRPr lang="en-US"/>
           </a:p>
@@ -4507,7 +4600,7 @@
           <a:p>
             <a:fld id="{4251665B-C24A-4702-B522-6A4334602E03}" type="datetimeFigureOut">
               <a:rPr lang="en-US" smtClean="0"/>
-              <a:t>10/03/15</a:t>
+              <a:t>3/10/2015</a:t>
             </a:fld>
             <a:endParaRPr lang="en-US"/>
           </a:p>
@@ -4549,7 +4642,7 @@
           <a:p>
             <a:fld id="{5FD889E0-CAB2-4699-909D-B9A88D47ACBE}" type="slidenum">
               <a:rPr lang="en-US" smtClean="0"/>
-              <a:t>‹#›</a:t>
+              <a:t>‹nº›</a:t>
             </a:fld>
             <a:endParaRPr lang="en-US"/>
           </a:p>
@@ -5018,7 +5111,7 @@
           <a:p>
             <a:fld id="{4251665B-C24A-4702-B522-6A4334602E03}" type="datetimeFigureOut">
               <a:rPr lang="en-US" smtClean="0"/>
-              <a:t>10/03/15</a:t>
+              <a:t>3/10/2015</a:t>
             </a:fld>
             <a:endParaRPr lang="en-US"/>
           </a:p>
@@ -5060,7 +5153,7 @@
           <a:p>
             <a:fld id="{5FD889E0-CAB2-4699-909D-B9A88D47ACBE}" type="slidenum">
               <a:rPr lang="en-US" smtClean="0"/>
-              <a:t>‹#›</a:t>
+              <a:t>‹nº›</a:t>
             </a:fld>
             <a:endParaRPr lang="en-US"/>
           </a:p>
@@ -5251,7 +5344,7 @@
           <a:p>
             <a:fld id="{4251665B-C24A-4702-B522-6A4334602E03}" type="datetimeFigureOut">
               <a:rPr lang="en-US" smtClean="0"/>
-              <a:t>10/03/15</a:t>
+              <a:t>3/10/2015</a:t>
             </a:fld>
             <a:endParaRPr lang="en-US"/>
           </a:p>
@@ -5293,7 +5386,7 @@
           <a:p>
             <a:fld id="{5FD889E0-CAB2-4699-909D-B9A88D47ACBE}" type="slidenum">
               <a:rPr lang="en-US" smtClean="0"/>
-              <a:t>‹#›</a:t>
+              <a:t>‹nº›</a:t>
             </a:fld>
             <a:endParaRPr lang="en-US"/>
           </a:p>
@@ -5776,7 +5869,7 @@
           <a:p>
             <a:fld id="{4251665B-C24A-4702-B522-6A4334602E03}" type="datetimeFigureOut">
               <a:rPr lang="en-US" smtClean="0"/>
-              <a:t>10/03/15</a:t>
+              <a:t>3/10/2015</a:t>
             </a:fld>
             <a:endParaRPr lang="en-US"/>
           </a:p>
@@ -5818,7 +5911,7 @@
           <a:p>
             <a:fld id="{5FD889E0-CAB2-4699-909D-B9A88D47ACBE}" type="slidenum">
               <a:rPr lang="en-US" smtClean="0"/>
-              <a:t>‹#›</a:t>
+              <a:t>‹nº›</a:t>
             </a:fld>
             <a:endParaRPr lang="en-US"/>
           </a:p>
@@ -5911,7 +6004,7 @@
           <a:p>
             <a:fld id="{4251665B-C24A-4702-B522-6A4334602E03}" type="datetimeFigureOut">
               <a:rPr lang="en-US" smtClean="0"/>
-              <a:t>10/03/15</a:t>
+              <a:t>3/10/2015</a:t>
             </a:fld>
             <a:endParaRPr lang="en-US"/>
           </a:p>
@@ -5953,7 +6046,7 @@
           <a:p>
             <a:fld id="{5FD889E0-CAB2-4699-909D-B9A88D47ACBE}" type="slidenum">
               <a:rPr lang="en-US" smtClean="0"/>
-              <a:t>‹#›</a:t>
+              <a:t>‹nº›</a:t>
             </a:fld>
             <a:endParaRPr lang="en-US"/>
           </a:p>
@@ -6809,7 +6902,7 @@
           <a:p>
             <a:fld id="{4251665B-C24A-4702-B522-6A4334602E03}" type="datetimeFigureOut">
               <a:rPr lang="en-US" smtClean="0"/>
-              <a:t>10/03/15</a:t>
+              <a:t>3/10/2015</a:t>
             </a:fld>
             <a:endParaRPr lang="en-US"/>
           </a:p>
@@ -6851,7 +6944,7 @@
           <a:p>
             <a:fld id="{5FD889E0-CAB2-4699-909D-B9A88D47ACBE}" type="slidenum">
               <a:rPr lang="en-US" smtClean="0"/>
-              <a:t>‹#›</a:t>
+              <a:t>‹nº›</a:t>
             </a:fld>
             <a:endParaRPr lang="en-US"/>
           </a:p>
@@ -6932,7 +7025,7 @@
           <a:p>
             <a:fld id="{4251665B-C24A-4702-B522-6A4334602E03}" type="datetimeFigureOut">
               <a:rPr lang="en-US" smtClean="0"/>
-              <a:t>10/03/15</a:t>
+              <a:t>3/10/2015</a:t>
             </a:fld>
             <a:endParaRPr lang="en-US"/>
           </a:p>
@@ -6974,7 +7067,7 @@
           <a:p>
             <a:fld id="{5FD889E0-CAB2-4699-909D-B9A88D47ACBE}" type="slidenum">
               <a:rPr lang="en-US" smtClean="0"/>
-              <a:t>‹#›</a:t>
+              <a:t>‹nº›</a:t>
             </a:fld>
             <a:endParaRPr lang="en-US"/>
           </a:p>
@@ -7816,7 +7909,7 @@
           <a:p>
             <a:fld id="{4251665B-C24A-4702-B522-6A4334602E03}" type="datetimeFigureOut">
               <a:rPr lang="en-US" smtClean="0"/>
-              <a:t>10/03/15</a:t>
+              <a:t>3/10/2015</a:t>
             </a:fld>
             <a:endParaRPr lang="en-US"/>
           </a:p>
@@ -7858,7 +7951,7 @@
           <a:p>
             <a:fld id="{5FD889E0-CAB2-4699-909D-B9A88D47ACBE}" type="slidenum">
               <a:rPr lang="en-US" smtClean="0"/>
-              <a:t>‹#›</a:t>
+              <a:t>‹nº›</a:t>
             </a:fld>
             <a:endParaRPr lang="en-US"/>
           </a:p>
@@ -8464,7 +8557,7 @@
           <a:p>
             <a:fld id="{4251665B-C24A-4702-B522-6A4334602E03}" type="datetimeFigureOut">
               <a:rPr lang="en-US" smtClean="0"/>
-              <a:t>10/03/15</a:t>
+              <a:t>3/10/2015</a:t>
             </a:fld>
             <a:endParaRPr lang="en-US"/>
           </a:p>
@@ -8506,7 +8599,7 @@
           <a:p>
             <a:fld id="{5FD889E0-CAB2-4699-909D-B9A88D47ACBE}" type="slidenum">
               <a:rPr lang="en-US" smtClean="0"/>
-              <a:t>‹#›</a:t>
+              <a:t>‹nº›</a:t>
             </a:fld>
             <a:endParaRPr lang="en-US"/>
           </a:p>
@@ -8780,7 +8873,7 @@
           <a:p>
             <a:fld id="{4251665B-C24A-4702-B522-6A4334602E03}" type="datetimeFigureOut">
               <a:rPr lang="en-US" smtClean="0"/>
-              <a:t>10/03/15</a:t>
+              <a:t>3/10/2015</a:t>
             </a:fld>
             <a:endParaRPr lang="en-US"/>
           </a:p>
@@ -8822,7 +8915,7 @@
           <a:p>
             <a:fld id="{5FD889E0-CAB2-4699-909D-B9A88D47ACBE}" type="slidenum">
               <a:rPr lang="en-US" smtClean="0"/>
-              <a:t>‹#›</a:t>
+              <a:t>‹nº›</a:t>
             </a:fld>
             <a:endParaRPr lang="en-US"/>
           </a:p>
@@ -8870,7 +8963,7 @@
           <a:p>
             <a:fld id="{4251665B-C24A-4702-B522-6A4334602E03}" type="datetimeFigureOut">
               <a:rPr lang="en-US" smtClean="0"/>
-              <a:t>10/03/15</a:t>
+              <a:t>3/10/2015</a:t>
             </a:fld>
             <a:endParaRPr lang="en-US"/>
           </a:p>
@@ -8912,7 +9005,7 @@
           <a:p>
             <a:fld id="{5FD889E0-CAB2-4699-909D-B9A88D47ACBE}" type="slidenum">
               <a:rPr lang="en-US" smtClean="0"/>
-              <a:t>‹#›</a:t>
+              <a:t>‹nº›</a:t>
             </a:fld>
             <a:endParaRPr lang="en-US"/>
           </a:p>
@@ -9198,7 +9291,7 @@
           <a:p>
             <a:fld id="{4251665B-C24A-4702-B522-6A4334602E03}" type="datetimeFigureOut">
               <a:rPr lang="en-US" smtClean="0"/>
-              <a:t>10/03/15</a:t>
+              <a:t>3/10/2015</a:t>
             </a:fld>
             <a:endParaRPr lang="en-US"/>
           </a:p>
@@ -9277,7 +9370,7 @@
           <a:p>
             <a:fld id="{5FD889E0-CAB2-4699-909D-B9A88D47ACBE}" type="slidenum">
               <a:rPr lang="en-US" smtClean="0"/>
-              <a:t>‹#›</a:t>
+              <a:t>‹nº›</a:t>
             </a:fld>
             <a:endParaRPr lang="en-US"/>
           </a:p>
@@ -9742,7 +9835,7 @@
           <p:nvPr/>
         </p:nvPicPr>
         <p:blipFill>
-          <a:blip r:embed="rId2">
+          <a:blip r:embed="rId3">
             <a:extLst>
               <a:ext uri="{28A0092B-C50C-407E-A947-70E740481C1C}">
                 <a14:useLocalDpi xmlns:a14="http://schemas.microsoft.com/office/drawing/2010/main" val="0"/>
@@ -9867,7 +9960,7 @@
           <p:nvPr/>
         </p:nvPicPr>
         <p:blipFill>
-          <a:blip r:embed="rId3"/>
+          <a:blip r:embed="rId4"/>
           <a:stretch>
             <a:fillRect/>
           </a:stretch>
@@ -10040,7 +10133,7 @@
   <p:timing>
     <p:tnLst>
       <p:par>
-        <p:cTn xmlns:p14="http://schemas.microsoft.com/office/powerpoint/2010/main" id="1" dur="indefinite" restart="never" nodeType="tmRoot"/>
+        <p:cTn id="1" dur="indefinite" restart="never" nodeType="tmRoot"/>
       </p:par>
     </p:tnLst>
   </p:timing>
@@ -10713,7 +10806,7 @@
   <p:timing>
     <p:tnLst>
       <p:par>
-        <p:cTn xmlns:p14="http://schemas.microsoft.com/office/powerpoint/2010/main" id="1" dur="indefinite" restart="never" nodeType="tmRoot"/>
+        <p:cTn id="1" dur="indefinite" restart="never" nodeType="tmRoot"/>
       </p:par>
     </p:tnLst>
   </p:timing>
@@ -11055,7 +11148,7 @@
   <p:timing>
     <p:tnLst>
       <p:par>
-        <p:cTn xmlns:p14="http://schemas.microsoft.com/office/powerpoint/2010/main" id="1" dur="indefinite" restart="never" nodeType="tmRoot"/>
+        <p:cTn id="1" dur="indefinite" restart="never" nodeType="tmRoot"/>
       </p:par>
     </p:tnLst>
   </p:timing>
@@ -11684,7 +11777,7 @@
           </a:effectLst>
           <a:extLst>
             <a:ext uri="{909E8E84-426E-40dd-AFC4-6F175D3DCCD1}">
-              <a14:hiddenFill xmlns:a14="http://schemas.microsoft.com/office/drawing/2010/main">
+              <a14:hiddenFill xmlns:a14="http://schemas.microsoft.com/office/drawing/2010/main" xmlns="">
                 <a:solidFill>
                   <a:srgbClr val="FFFFFF"/>
                 </a:solidFill>
@@ -11745,7 +11838,7 @@
   <p:timing>
     <p:tnLst>
       <p:par>
-        <p:cTn xmlns:p14="http://schemas.microsoft.com/office/powerpoint/2010/main" id="1" dur="indefinite" restart="never" nodeType="tmRoot"/>
+        <p:cTn id="1" dur="indefinite" restart="never" nodeType="tmRoot"/>
       </p:par>
     </p:tnLst>
   </p:timing>
@@ -12373,7 +12466,7 @@
   <p:timing>
     <p:tnLst>
       <p:par>
-        <p:cTn xmlns:p14="http://schemas.microsoft.com/office/powerpoint/2010/main" id="1" dur="indefinite" restart="never" nodeType="tmRoot"/>
+        <p:cTn id="1" dur="indefinite" restart="never" nodeType="tmRoot"/>
       </p:par>
     </p:tnLst>
   </p:timing>
@@ -12988,7 +13081,7 @@
   <p:timing>
     <p:tnLst>
       <p:par>
-        <p:cTn xmlns:p14="http://schemas.microsoft.com/office/powerpoint/2010/main" id="1" dur="indefinite" restart="never" nodeType="tmRoot"/>
+        <p:cTn id="1" dur="indefinite" restart="never" nodeType="tmRoot"/>
       </p:par>
     </p:tnLst>
   </p:timing>
@@ -13544,7 +13637,7 @@
   <p:timing>
     <p:tnLst>
       <p:par>
-        <p:cTn xmlns:p14="http://schemas.microsoft.com/office/powerpoint/2010/main" id="1" dur="indefinite" restart="never" nodeType="tmRoot"/>
+        <p:cTn id="1" dur="indefinite" restart="never" nodeType="tmRoot"/>
       </p:par>
     </p:tnLst>
   </p:timing>
@@ -13793,7 +13886,7 @@
   <p:timing>
     <p:tnLst>
       <p:par>
-        <p:cTn xmlns:p14="http://schemas.microsoft.com/office/powerpoint/2010/main" id="1" dur="indefinite" restart="never" nodeType="tmRoot"/>
+        <p:cTn id="1" dur="indefinite" restart="never" nodeType="tmRoot"/>
       </p:par>
     </p:tnLst>
   </p:timing>
@@ -14477,7 +14570,7 @@
   <p:timing>
     <p:tnLst>
       <p:par>
-        <p:cTn xmlns:p14="http://schemas.microsoft.com/office/powerpoint/2010/main" id="1" dur="indefinite" restart="never" nodeType="tmRoot"/>
+        <p:cTn id="1" dur="indefinite" restart="never" nodeType="tmRoot"/>
       </p:par>
     </p:tnLst>
   </p:timing>
@@ -15061,7 +15154,7 @@
   <p:timing>
     <p:tnLst>
       <p:par>
-        <p:cTn xmlns:p14="http://schemas.microsoft.com/office/powerpoint/2010/main" id="1" dur="indefinite" restart="never" nodeType="tmRoot"/>
+        <p:cTn id="1" dur="indefinite" restart="never" nodeType="tmRoot"/>
       </p:par>
     </p:tnLst>
   </p:timing>
@@ -15691,7 +15784,7 @@
   <p:timing>
     <p:tnLst>
       <p:par>
-        <p:cTn xmlns:p14="http://schemas.microsoft.com/office/powerpoint/2010/main" id="1" dur="indefinite" restart="never" nodeType="tmRoot"/>
+        <p:cTn id="1" dur="indefinite" restart="never" nodeType="tmRoot"/>
       </p:par>
     </p:tnLst>
   </p:timing>

--- a/Apresentação/Apresentacao.pptx
+++ b/Apresentação/Apresentacao.pptx
@@ -649,7 +649,7 @@
               <a:buChar char="•"/>
             </a:pPr>
             <a:r>
-              <a:rPr lang="pt-PT" sz="2600" dirty="0" smtClean="0">
+              <a:rPr lang="pt-PT" sz="2600" u="none" smtClean="0">
                 <a:solidFill>
                   <a:schemeClr val="tx1">
                     <a:lumMod val="85000"/>
@@ -657,7 +657,29 @@
                   </a:schemeClr>
                 </a:solidFill>
               </a:rPr>
-              <a:t>Patricamente não existe distinção entre o desenvolvimento e pós-entrega.</a:t>
+              <a:t>Praticamente</a:t>
+            </a:r>
+            <a:r>
+              <a:rPr lang="pt-PT" sz="2600" smtClean="0">
+                <a:solidFill>
+                  <a:schemeClr val="tx1">
+                    <a:lumMod val="85000"/>
+                    <a:lumOff val="15000"/>
+                  </a:schemeClr>
+                </a:solidFill>
+              </a:rPr>
+              <a:t> </a:t>
+            </a:r>
+            <a:r>
+              <a:rPr lang="pt-PT" sz="2600" dirty="0" smtClean="0">
+                <a:solidFill>
+                  <a:schemeClr val="tx1">
+                    <a:lumMod val="85000"/>
+                    <a:lumOff val="15000"/>
+                  </a:schemeClr>
+                </a:solidFill>
+              </a:rPr>
+              <a:t>não existe distinção entre o desenvolvimento e pós-entrega.</a:t>
             </a:r>
           </a:p>
           <a:p>
@@ -849,35 +871,7 @@
           <a:p>
             <a:r>
               <a:rPr lang="pt-PT" baseline="0" dirty="0" smtClean="0"/>
-              <a:t>A </a:t>
-            </a:r>
-            <a:r>
-              <a:rPr lang="pt-PT" baseline="0" dirty="0" smtClean="0"/>
-              <a:t>importância do uso de métodos específicos e controlados no desenvolvimento de um produto de software encontra-se no cumprimento de metas estipuladas </a:t>
-            </a:r>
-            <a:r>
-              <a:rPr lang="pt-PT" baseline="0" dirty="0" smtClean="0"/>
-              <a:t>como </a:t>
-            </a:r>
-            <a:r>
-              <a:rPr lang="pt-PT" baseline="0" dirty="0" smtClean="0"/>
-              <a:t>um prazo de entrega, </a:t>
-            </a:r>
-            <a:r>
-              <a:rPr lang="pt-PT" baseline="0" dirty="0" smtClean="0"/>
-              <a:t>no </a:t>
-            </a:r>
-            <a:r>
-              <a:rPr lang="pt-PT" baseline="0" dirty="0" smtClean="0"/>
-              <a:t>aumento da </a:t>
-            </a:r>
-            <a:r>
-              <a:rPr lang="pt-PT" baseline="0" dirty="0" smtClean="0"/>
-              <a:t>produtividade e </a:t>
-            </a:r>
-            <a:r>
-              <a:rPr lang="pt-PT" baseline="0" dirty="0" smtClean="0"/>
-              <a:t>de forma mais económica pois, com a especificação passo a passo de tudo o que é necessário fazer antes mesmo de o realizar aumenta drásticamente o rendimento ao longo do processo de desenvolvimento e previne perdas de tempo ou dinheiro envolvidas no processo.</a:t>
+              <a:t>A importância do uso de métodos específicos e controlados no desenvolvimento de um produto de software encontra-se no cumprimento de metas estipuladas como um prazo de entrega, no aumento da produtividade e de forma mais económica pois, com a especificação passo a passo de tudo o que é necessário fazer antes mesmo de o realizar aumenta drásticamente o rendimento ao longo do processo de desenvolvimento e previne perdas de tempo ou dinheiro envolvidas no processo.</a:t>
             </a:r>
             <a:endParaRPr lang="pt-PT" dirty="0"/>
           </a:p>
@@ -1491,18 +1485,7 @@
                   </a:schemeClr>
                 </a:solidFill>
               </a:rPr>
-              <a:t>Evitando </a:t>
-            </a:r>
-            <a:r>
-              <a:rPr lang="pt-PT" sz="800" dirty="0" smtClean="0">
-                <a:solidFill>
-                  <a:schemeClr val="tx1">
-                    <a:lumMod val="85000"/>
-                    <a:lumOff val="15000"/>
-                  </a:schemeClr>
-                </a:solidFill>
-              </a:rPr>
-              <a:t>erros no desenvolvimento</a:t>
+              <a:t>Evitando erros no desenvolvimento</a:t>
             </a:r>
             <a:r>
               <a:rPr lang="pt-PT" sz="800" baseline="0" dirty="0" smtClean="0">
@@ -1533,18 +1516,7 @@
                   </a:schemeClr>
                 </a:solidFill>
               </a:rPr>
-              <a:t>Que </a:t>
-            </a:r>
-            <a:r>
-              <a:rPr lang="pt-PT" sz="800" baseline="0" dirty="0" smtClean="0">
-                <a:solidFill>
-                  <a:schemeClr val="tx1">
-                    <a:lumMod val="85000"/>
-                    <a:lumOff val="15000"/>
-                  </a:schemeClr>
-                </a:solidFill>
-              </a:rPr>
-              <a:t>facilita a validação por parte do utilizador e percepção do que terá de ser desenvolvido.</a:t>
+              <a:t>Que facilita a validação por parte do utilizador e percepção do que terá de ser desenvolvido.</a:t>
             </a:r>
           </a:p>
           <a:p>
@@ -1575,18 +1547,7 @@
                   </a:schemeClr>
                 </a:solidFill>
               </a:rPr>
-              <a:t> </a:t>
-            </a:r>
-            <a:r>
-              <a:rPr lang="pt-PT" sz="800" baseline="0" dirty="0" smtClean="0">
-                <a:solidFill>
-                  <a:schemeClr val="tx1">
-                    <a:lumMod val="85000"/>
-                    <a:lumOff val="15000"/>
-                  </a:schemeClr>
-                </a:solidFill>
-              </a:rPr>
-              <a:t>mais uma vez validação do utilizador.</a:t>
+              <a:t> mais uma vez validação do utilizador.</a:t>
             </a:r>
           </a:p>
           <a:p>
@@ -1606,29 +1567,7 @@
                   </a:schemeClr>
                 </a:solidFill>
               </a:rPr>
-              <a:t>Melhoria </a:t>
-            </a:r>
-            <a:r>
-              <a:rPr lang="pt-PT" sz="800" baseline="0" dirty="0" smtClean="0">
-                <a:solidFill>
-                  <a:schemeClr val="tx1">
-                    <a:lumMod val="85000"/>
-                    <a:lumOff val="15000"/>
-                  </a:schemeClr>
-                </a:solidFill>
-              </a:rPr>
-              <a:t>do primeiro protótipo se </a:t>
-            </a:r>
-            <a:r>
-              <a:rPr lang="pt-PT" sz="800" baseline="0" dirty="0" smtClean="0">
-                <a:solidFill>
-                  <a:schemeClr val="tx1">
-                    <a:lumMod val="85000"/>
-                    <a:lumOff val="15000"/>
-                  </a:schemeClr>
-                </a:solidFill>
-              </a:rPr>
-              <a:t>necessário</a:t>
+              <a:t>Melhoria do primeiro protótipo se necessário</a:t>
             </a:r>
             <a:endParaRPr lang="pt-PT" sz="800" dirty="0"/>
           </a:p>
@@ -10743,7 +10682,18 @@
                   </a:schemeClr>
                 </a:solidFill>
               </a:rPr>
-              <a:t>Patricamente não existe distinção entre o desenvolvimento e pós-entrega</a:t>
+              <a:t>Praticamente </a:t>
+            </a:r>
+            <a:r>
+              <a:rPr lang="pt-PT" sz="2000" dirty="0" smtClean="0">
+                <a:solidFill>
+                  <a:schemeClr val="tx1">
+                    <a:lumMod val="85000"/>
+                    <a:lumOff val="15000"/>
+                  </a:schemeClr>
+                </a:solidFill>
+              </a:rPr>
+              <a:t>não existe distinção entre o desenvolvimento e pós-entrega</a:t>
             </a:r>
             <a:r>
               <a:rPr lang="pt-PT" sz="2600" dirty="0" smtClean="0">
@@ -11777,7 +11727,7 @@
           </a:effectLst>
           <a:extLst>
             <a:ext uri="{909E8E84-426E-40dd-AFC4-6F175D3DCCD1}">
-              <a14:hiddenFill xmlns:a14="http://schemas.microsoft.com/office/drawing/2010/main" xmlns="">
+              <a14:hiddenFill xmlns="" xmlns:a14="http://schemas.microsoft.com/office/drawing/2010/main">
                 <a:solidFill>
                   <a:srgbClr val="FFFFFF"/>
                 </a:solidFill>

--- a/Apresentação/Apresentacao.pptx
+++ b/Apresentação/Apresentacao.pptx
@@ -649,7 +649,7 @@
               <a:buChar char="•"/>
             </a:pPr>
             <a:r>
-              <a:rPr lang="pt-PT" sz="2600" u="none" smtClean="0">
+              <a:rPr lang="pt-PT" sz="2600" u="none" dirty="0" smtClean="0">
                 <a:solidFill>
                   <a:schemeClr val="tx1">
                     <a:lumMod val="85000"/>
@@ -660,7 +660,7 @@
               <a:t>Praticamente</a:t>
             </a:r>
             <a:r>
-              <a:rPr lang="pt-PT" sz="2600" smtClean="0">
+              <a:rPr lang="pt-PT" sz="2600" dirty="0" smtClean="0">
                 <a:solidFill>
                   <a:schemeClr val="tx1">
                     <a:lumMod val="85000"/>
@@ -9856,12 +9856,16 @@
           <a:p>
             <a:pPr algn="r"/>
             <a:r>
-              <a:rPr lang="pt-PT" b="1" dirty="0" smtClean="0"/>
-              <a:t>Grupo :</a:t>
+              <a:rPr lang="pt-PT" b="1" smtClean="0"/>
+              <a:t>Grupo:</a:t>
+            </a:r>
+            <a:r>
+              <a:rPr lang="pt-PT" smtClean="0"/>
+              <a:t> </a:t>
             </a:r>
             <a:r>
               <a:rPr lang="pt-PT" dirty="0" smtClean="0"/>
-              <a:t> Ana Almeida, Bruno Torres, João Mano, Patrícia Rocha</a:t>
+              <a:t>Ana Almeida, Bruno Torres, João Mano, Patrícia Rocha</a:t>
             </a:r>
             <a:endParaRPr lang="pt-PT" dirty="0"/>
           </a:p>
@@ -10906,11 +10910,15 @@
             <a:pPr algn="r"/>
             <a:r>
               <a:rPr lang="pt-PT" b="1" dirty="0" smtClean="0"/>
-              <a:t>Grupo :</a:t>
+              <a:t>Grupo: </a:t>
             </a:r>
             <a:r>
               <a:rPr lang="pt-PT" dirty="0" smtClean="0"/>
-              <a:t> Bruno Torres, João Mano, Patrícia Rocha</a:t>
+              <a:t>Ana Almeida, </a:t>
+            </a:r>
+            <a:r>
+              <a:rPr lang="pt-PT" dirty="0" smtClean="0"/>
+              <a:t>Bruno Torres, João Mano, Patrícia Rocha</a:t>
             </a:r>
             <a:endParaRPr lang="pt-PT" dirty="0"/>
           </a:p>
